--- a/01 Classes/Aula 11 Desenvolvimento Web PHP - JQuery.pptx
+++ b/01 Classes/Aula 11 Desenvolvimento Web PHP - JQuery.pptx
@@ -5,7 +5,7 @@
     <p:sldMasterId id="2147483648" r:id="rId1"/>
   </p:sldMasterIdLst>
   <p:notesMasterIdLst>
-    <p:notesMasterId r:id="rId18"/>
+    <p:notesMasterId r:id="rId19"/>
   </p:notesMasterIdLst>
   <p:sldIdLst>
     <p:sldId id="256" r:id="rId2"/>
@@ -19,11 +19,12 @@
     <p:sldId id="402" r:id="rId10"/>
     <p:sldId id="403" r:id="rId11"/>
     <p:sldId id="404" r:id="rId12"/>
-    <p:sldId id="333" r:id="rId13"/>
-    <p:sldId id="323" r:id="rId14"/>
-    <p:sldId id="334" r:id="rId15"/>
-    <p:sldId id="337" r:id="rId16"/>
-    <p:sldId id="309" r:id="rId17"/>
+    <p:sldId id="405" r:id="rId13"/>
+    <p:sldId id="333" r:id="rId14"/>
+    <p:sldId id="323" r:id="rId15"/>
+    <p:sldId id="334" r:id="rId16"/>
+    <p:sldId id="337" r:id="rId17"/>
+    <p:sldId id="309" r:id="rId18"/>
   </p:sldIdLst>
   <p:sldSz cx="9144000" cy="5143500" type="screen16x9"/>
   <p:notesSz cx="6858000" cy="9144000"/>
@@ -631,7 +632,7 @@
     </p:spTree>
     <p:extLst>
       <p:ext uri="{BB962C8B-B14F-4D97-AF65-F5344CB8AC3E}">
-        <p14:creationId xmlns:p14="http://schemas.microsoft.com/office/powerpoint/2010/main" val="585304384"/>
+        <p14:creationId xmlns:p14="http://schemas.microsoft.com/office/powerpoint/2010/main" val="1866472104"/>
       </p:ext>
     </p:extLst>
   </p:cSld>
@@ -697,7 +698,7 @@
     </p:spTree>
     <p:extLst>
       <p:ext uri="{BB962C8B-B14F-4D97-AF65-F5344CB8AC3E}">
-        <p14:creationId xmlns:p14="http://schemas.microsoft.com/office/powerpoint/2010/main" val="2709569597"/>
+        <p14:creationId xmlns:p14="http://schemas.microsoft.com/office/powerpoint/2010/main" val="585304384"/>
       </p:ext>
     </p:extLst>
   </p:cSld>
@@ -763,6 +764,72 @@
     </p:spTree>
     <p:extLst>
       <p:ext uri="{BB962C8B-B14F-4D97-AF65-F5344CB8AC3E}">
+        <p14:creationId xmlns:p14="http://schemas.microsoft.com/office/powerpoint/2010/main" val="2709569597"/>
+      </p:ext>
+    </p:extLst>
+  </p:cSld>
+  <p:clrMapOvr>
+    <a:masterClrMapping/>
+  </p:clrMapOvr>
+</p:notes>
+</file>
+
+<file path=ppt/notesSlides/notesSlide13.xml><?xml version="1.0" encoding="utf-8"?>
+<p:notes xmlns:a="http://schemas.openxmlformats.org/drawingml/2006/main" xmlns:r="http://schemas.openxmlformats.org/officeDocument/2006/relationships" xmlns:p="http://schemas.openxmlformats.org/presentationml/2006/main">
+  <p:cSld>
+    <p:spTree>
+      <p:nvGrpSpPr>
+        <p:cNvPr id="1" name=""/>
+        <p:cNvGrpSpPr/>
+        <p:nvPr/>
+      </p:nvGrpSpPr>
+      <p:grpSpPr>
+        <a:xfrm>
+          <a:off x="0" y="0"/>
+          <a:ext cx="0" cy="0"/>
+          <a:chOff x="0" y="0"/>
+          <a:chExt cx="0" cy="0"/>
+        </a:xfrm>
+      </p:grpSpPr>
+      <p:sp>
+        <p:nvSpPr>
+          <p:cNvPr id="2" name="Espaço Reservado para Imagem de Slide 1"/>
+          <p:cNvSpPr>
+            <a:spLocks noGrp="1" noRot="1" noChangeAspect="1"/>
+          </p:cNvSpPr>
+          <p:nvPr>
+            <p:ph type="sldImg"/>
+          </p:nvPr>
+        </p:nvSpPr>
+        <p:spPr>
+          <a:xfrm>
+            <a:off x="381000" y="685800"/>
+            <a:ext cx="6096000" cy="3429000"/>
+          </a:xfrm>
+        </p:spPr>
+      </p:sp>
+      <p:sp>
+        <p:nvSpPr>
+          <p:cNvPr id="3" name="Espaço Reservado para Anotações 2"/>
+          <p:cNvSpPr>
+            <a:spLocks noGrp="1"/>
+          </p:cNvSpPr>
+          <p:nvPr>
+            <p:ph type="body" idx="1"/>
+          </p:nvPr>
+        </p:nvSpPr>
+        <p:spPr/>
+        <p:txBody>
+          <a:bodyPr/>
+          <a:lstStyle/>
+          <a:p>
+            <a:endParaRPr lang="pt-BR" dirty="0"/>
+          </a:p>
+        </p:txBody>
+      </p:sp>
+    </p:spTree>
+    <p:extLst>
+      <p:ext uri="{BB962C8B-B14F-4D97-AF65-F5344CB8AC3E}">
         <p14:creationId xmlns:p14="http://schemas.microsoft.com/office/powerpoint/2010/main" val="2296249050"/>
       </p:ext>
     </p:extLst>
@@ -773,7 +840,7 @@
 </p:notes>
 </file>
 
-<file path=ppt/notesSlides/notesSlide13.xml><?xml version="1.0" encoding="utf-8"?>
+<file path=ppt/notesSlides/notesSlide14.xml><?xml version="1.0" encoding="utf-8"?>
 <p:notes xmlns:a="http://schemas.openxmlformats.org/drawingml/2006/main" xmlns:r="http://schemas.openxmlformats.org/officeDocument/2006/relationships" xmlns:p="http://schemas.openxmlformats.org/presentationml/2006/main">
   <p:cSld>
     <p:spTree>
@@ -4795,7 +4862,27 @@
                 <a:latin typeface="Times New Roman" panose="02020603050405020304" pitchFamily="18" charset="0"/>
                 <a:cs typeface="Times New Roman" panose="02020603050405020304" pitchFamily="18" charset="0"/>
               </a:rPr>
-              <a:t>").click( </a:t>
+              <a:t>").</a:t>
+            </a:r>
+            <a:r>
+              <a:rPr lang="pt-BR" sz="2400" b="1" dirty="0">
+                <a:solidFill>
+                  <a:schemeClr val="tx1"/>
+                </a:solidFill>
+                <a:latin typeface="Times New Roman" panose="02020603050405020304" pitchFamily="18" charset="0"/>
+                <a:cs typeface="Times New Roman" panose="02020603050405020304" pitchFamily="18" charset="0"/>
+              </a:rPr>
+              <a:t>click</a:t>
+            </a:r>
+            <a:r>
+              <a:rPr lang="pt-BR" sz="2400" dirty="0">
+                <a:solidFill>
+                  <a:schemeClr val="tx1"/>
+                </a:solidFill>
+                <a:latin typeface="Times New Roman" panose="02020603050405020304" pitchFamily="18" charset="0"/>
+                <a:cs typeface="Times New Roman" panose="02020603050405020304" pitchFamily="18" charset="0"/>
+              </a:rPr>
+              <a:t>( </a:t>
             </a:r>
             <a:r>
               <a:rPr lang="pt-BR" sz="2400" dirty="0" err="1">
@@ -4833,7 +4920,7 @@
               <a:t>          		$(</a:t>
             </a:r>
             <a:r>
-              <a:rPr lang="pt-BR" sz="2400" dirty="0" err="1">
+              <a:rPr lang="pt-BR" sz="2400" b="1" dirty="0" err="1">
                 <a:solidFill>
                   <a:schemeClr val="tx1"/>
                 </a:solidFill>
@@ -4988,7 +5075,7 @@
                   <a:srgbClr val="0070C0"/>
                 </a:solidFill>
               </a:rPr>
-              <a:t>Leitura</a:t>
+              <a:t>JQuery</a:t>
             </a:r>
             <a:r>
               <a:rPr lang="en-US" b="1" dirty="0">
@@ -4996,7 +5083,7 @@
                   <a:srgbClr val="0070C0"/>
                 </a:solidFill>
               </a:rPr>
-              <a:t> </a:t>
+              <a:t> – </a:t>
             </a:r>
             <a:r>
               <a:rPr lang="en-US" b="1" dirty="0" err="1">
@@ -5004,7 +5091,23 @@
                   <a:srgbClr val="0070C0"/>
                 </a:solidFill>
               </a:rPr>
-              <a:t>Específica</a:t>
+              <a:t>Funções</a:t>
+            </a:r>
+            <a:r>
+              <a:rPr lang="en-US" b="1" dirty="0">
+                <a:solidFill>
+                  <a:srgbClr val="0070C0"/>
+                </a:solidFill>
+              </a:rPr>
+              <a:t>/</a:t>
+            </a:r>
+            <a:r>
+              <a:rPr lang="en-US" b="1" dirty="0" err="1">
+                <a:solidFill>
+                  <a:srgbClr val="0070C0"/>
+                </a:solidFill>
+              </a:rPr>
+              <a:t>Eventos</a:t>
             </a:r>
             <a:endParaRPr lang="en-US" b="1" dirty="0">
               <a:solidFill>
@@ -5026,8 +5129,8 @@
         </p:nvSpPr>
         <p:spPr>
           <a:xfrm>
-            <a:off x="142865" y="1012261"/>
-            <a:ext cx="8865056" cy="3835312"/>
+            <a:off x="142865" y="1037312"/>
+            <a:ext cx="8865056" cy="3900208"/>
           </a:xfrm>
         </p:spPr>
         <p:txBody>
@@ -5040,54 +5143,34 @@
               <a:buNone/>
             </a:pPr>
             <a:r>
-              <a:rPr lang="pt-BR" sz="2000" dirty="0">
-                <a:latin typeface="Times New Roman" panose="02020603050405020304" pitchFamily="18" charset="0"/>
-                <a:cs typeface="Times New Roman" panose="02020603050405020304" pitchFamily="18" charset="0"/>
-              </a:rPr>
-              <a:t>[1] </a:t>
-            </a:r>
-            <a:r>
-              <a:rPr lang="pt-BR" sz="2000" b="1" dirty="0">
-                <a:latin typeface="Times New Roman" panose="02020603050405020304" pitchFamily="18" charset="0"/>
-                <a:cs typeface="Times New Roman" panose="02020603050405020304" pitchFamily="18" charset="0"/>
-              </a:rPr>
-              <a:t>Site Devmedia</a:t>
-            </a:r>
-            <a:r>
-              <a:rPr lang="pt-BR" sz="2000" dirty="0">
-                <a:latin typeface="Times New Roman" panose="02020603050405020304" pitchFamily="18" charset="0"/>
-                <a:cs typeface="Times New Roman" panose="02020603050405020304" pitchFamily="18" charset="0"/>
-              </a:rPr>
-              <a:t>. 	</a:t>
+              <a:rPr lang="pt-BR" sz="2400" b="1" dirty="0">
+                <a:solidFill>
+                  <a:srgbClr val="FF0000"/>
+                </a:solidFill>
+                <a:latin typeface="Times New Roman" panose="02020603050405020304" pitchFamily="18" charset="0"/>
+                <a:cs typeface="Times New Roman" panose="02020603050405020304" pitchFamily="18" charset="0"/>
+              </a:rPr>
+              <a:t>Exemplo 9</a:t>
+            </a:r>
+            <a:r>
+              <a:rPr lang="pt-BR" sz="2400" b="1" dirty="0">
+                <a:solidFill>
+                  <a:schemeClr val="tx1"/>
+                </a:solidFill>
+                <a:latin typeface="Times New Roman" panose="02020603050405020304" pitchFamily="18" charset="0"/>
+                <a:cs typeface="Times New Roman" panose="02020603050405020304" pitchFamily="18" charset="0"/>
+              </a:rPr>
+              <a:t>:</a:t>
             </a:r>
           </a:p>
           <a:p>
             <a:pPr marL="0" indent="0" algn="just">
               <a:buNone/>
             </a:pPr>
-            <a:r>
-              <a:rPr lang="pt-BR" sz="2000" b="1" dirty="0">
-                <a:latin typeface="Times New Roman" panose="02020603050405020304" pitchFamily="18" charset="0"/>
-                <a:cs typeface="Times New Roman" panose="02020603050405020304" pitchFamily="18" charset="0"/>
-              </a:rPr>
-              <a:t>	Disponível em</a:t>
-            </a:r>
-            <a:r>
-              <a:rPr lang="pt-BR" sz="2000" dirty="0">
-                <a:latin typeface="Times New Roman" panose="02020603050405020304" pitchFamily="18" charset="0"/>
-                <a:cs typeface="Times New Roman" panose="02020603050405020304" pitchFamily="18" charset="0"/>
-              </a:rPr>
-              <a:t>: </a:t>
-            </a:r>
-            <a:r>
-              <a:rPr lang="pt-BR" sz="2000" dirty="0">
-                <a:latin typeface="Times New Roman" panose="02020603050405020304" pitchFamily="18" charset="0"/>
-                <a:cs typeface="Times New Roman" panose="02020603050405020304" pitchFamily="18" charset="0"/>
-                <a:hlinkClick r:id="rId3"/>
-              </a:rPr>
-              <a:t>https://www.devmedia.com.br/javascript/</a:t>
-            </a:r>
-            <a:endParaRPr lang="pt-BR" sz="2000" dirty="0">
+            <a:endParaRPr lang="pt-BR" sz="2400">
+              <a:solidFill>
+                <a:schemeClr val="tx1"/>
+              </a:solidFill>
               <a:latin typeface="Times New Roman" panose="02020603050405020304" pitchFamily="18" charset="0"/>
               <a:cs typeface="Times New Roman" panose="02020603050405020304" pitchFamily="18" charset="0"/>
             </a:endParaRPr>
@@ -5096,7 +5179,10 @@
             <a:pPr marL="0" indent="0" algn="just">
               <a:buNone/>
             </a:pPr>
-            <a:endParaRPr lang="pt-BR" sz="2000" dirty="0">
+            <a:endParaRPr lang="pt-BR" sz="2400" dirty="0">
+              <a:solidFill>
+                <a:schemeClr val="tx1"/>
+              </a:solidFill>
               <a:latin typeface="Times New Roman" panose="02020603050405020304" pitchFamily="18" charset="0"/>
               <a:cs typeface="Times New Roman" panose="02020603050405020304" pitchFamily="18" charset="0"/>
             </a:endParaRPr>
@@ -5105,7 +5191,10 @@
             <a:pPr marL="0" indent="0" algn="just">
               <a:buNone/>
             </a:pPr>
-            <a:endParaRPr lang="pt-BR" sz="2000" dirty="0">
+            <a:endParaRPr lang="pt-BR" sz="2400" dirty="0">
+              <a:solidFill>
+                <a:schemeClr val="tx1"/>
+              </a:solidFill>
               <a:latin typeface="Times New Roman" panose="02020603050405020304" pitchFamily="18" charset="0"/>
               <a:cs typeface="Times New Roman" panose="02020603050405020304" pitchFamily="18" charset="0"/>
             </a:endParaRPr>
@@ -5115,7 +5204,7 @@
     </p:spTree>
     <p:extLst>
       <p:ext uri="{BB962C8B-B14F-4D97-AF65-F5344CB8AC3E}">
-        <p14:creationId xmlns:p14="http://schemas.microsoft.com/office/powerpoint/2010/main" val="3680270425"/>
+        <p14:creationId xmlns:p14="http://schemas.microsoft.com/office/powerpoint/2010/main" val="964401157"/>
       </p:ext>
     </p:extLst>
   </p:cSld>
@@ -5171,7 +5260,7 @@
                   <a:srgbClr val="0070C0"/>
                 </a:solidFill>
               </a:rPr>
-              <a:t>Aprenda</a:t>
+              <a:t>Leitura</a:t>
             </a:r>
             <a:r>
               <a:rPr lang="en-US" b="1" dirty="0">
@@ -5179,8 +5268,21 @@
                   <a:srgbClr val="0070C0"/>
                 </a:solidFill>
               </a:rPr>
-              <a:t>+</a:t>
-            </a:r>
+              <a:t> </a:t>
+            </a:r>
+            <a:r>
+              <a:rPr lang="en-US" b="1" dirty="0" err="1">
+                <a:solidFill>
+                  <a:srgbClr val="0070C0"/>
+                </a:solidFill>
+              </a:rPr>
+              <a:t>Específica</a:t>
+            </a:r>
+            <a:endParaRPr lang="en-US" b="1" dirty="0">
+              <a:solidFill>
+                <a:srgbClr val="0070C0"/>
+              </a:solidFill>
+            </a:endParaRPr>
           </a:p>
         </p:txBody>
       </p:sp>
@@ -5196,8 +5298,8 @@
         </p:nvSpPr>
         <p:spPr>
           <a:xfrm>
-            <a:off x="142865" y="1200151"/>
-            <a:ext cx="8865056" cy="3394472"/>
+            <a:off x="142865" y="1012261"/>
+            <a:ext cx="8865056" cy="3835312"/>
           </a:xfrm>
         </p:spPr>
         <p:txBody>
@@ -5209,7 +5311,21 @@
             <a:pPr marL="0" indent="0" algn="just">
               <a:buNone/>
             </a:pPr>
-            <a:endParaRPr lang="pt-BR" sz="2400" dirty="0">
+            <a:r>
+              <a:rPr lang="pt-BR" sz="2000" dirty="0">
+                <a:latin typeface="Times New Roman" panose="02020603050405020304" pitchFamily="18" charset="0"/>
+                <a:cs typeface="Times New Roman" panose="02020603050405020304" pitchFamily="18" charset="0"/>
+              </a:rPr>
+              <a:t>[1] </a:t>
+            </a:r>
+            <a:r>
+              <a:rPr lang="pt-BR" sz="2000" b="1" dirty="0" err="1">
+                <a:latin typeface="Times New Roman" panose="02020603050405020304" pitchFamily="18" charset="0"/>
+                <a:cs typeface="Times New Roman" panose="02020603050405020304" pitchFamily="18" charset="0"/>
+              </a:rPr>
+              <a:t>JQuery</a:t>
+            </a:r>
+            <a:endParaRPr lang="pt-BR" sz="2000" dirty="0">
               <a:latin typeface="Times New Roman" panose="02020603050405020304" pitchFamily="18" charset="0"/>
               <a:cs typeface="Times New Roman" panose="02020603050405020304" pitchFamily="18" charset="0"/>
             </a:endParaRPr>
@@ -5219,33 +5335,28 @@
               <a:buNone/>
             </a:pPr>
             <a:r>
-              <a:rPr lang="pt-BR" sz="2400" dirty="0">
-                <a:latin typeface="Times New Roman" panose="02020603050405020304" pitchFamily="18" charset="0"/>
-                <a:cs typeface="Times New Roman" panose="02020603050405020304" pitchFamily="18" charset="0"/>
-              </a:rPr>
-              <a:t>[1] </a:t>
-            </a:r>
-            <a:r>
-              <a:rPr lang="pt-BR" sz="2400" dirty="0">
+              <a:rPr lang="pt-BR" sz="2000" b="1" dirty="0">
+                <a:latin typeface="Times New Roman" panose="02020603050405020304" pitchFamily="18" charset="0"/>
+                <a:cs typeface="Times New Roman" panose="02020603050405020304" pitchFamily="18" charset="0"/>
+              </a:rPr>
+              <a:t>	Disponível em</a:t>
+            </a:r>
+            <a:r>
+              <a:rPr lang="pt-BR" sz="2000" dirty="0">
+                <a:latin typeface="Times New Roman" panose="02020603050405020304" pitchFamily="18" charset="0"/>
+                <a:cs typeface="Times New Roman" panose="02020603050405020304" pitchFamily="18" charset="0"/>
+              </a:rPr>
+              <a:t>: </a:t>
+            </a:r>
+            <a:r>
+              <a:rPr lang="pt-BR" sz="2000" dirty="0">
                 <a:latin typeface="Times New Roman" panose="02020603050405020304" pitchFamily="18" charset="0"/>
                 <a:cs typeface="Times New Roman" panose="02020603050405020304" pitchFamily="18" charset="0"/>
                 <a:hlinkClick r:id="rId3"/>
               </a:rPr>
-              <a:t>https://www.youtube.com/watch?v=W6NZfCO5SIk</a:t>
-            </a:r>
-            <a:r>
-              <a:rPr lang="pt-BR" sz="2400" dirty="0">
-                <a:latin typeface="Times New Roman" panose="02020603050405020304" pitchFamily="18" charset="0"/>
-                <a:cs typeface="Times New Roman" panose="02020603050405020304" pitchFamily="18" charset="0"/>
-              </a:rPr>
-              <a:t> (JS)</a:t>
-            </a:r>
-          </a:p>
-          <a:p>
-            <a:pPr marL="0" indent="0" algn="just">
-              <a:buNone/>
-            </a:pPr>
-            <a:endParaRPr lang="pt-BR" sz="2400" dirty="0">
+              <a:t>https://jquery.com/</a:t>
+            </a:r>
+            <a:endParaRPr lang="pt-BR" sz="2000" dirty="0">
               <a:latin typeface="Times New Roman" panose="02020603050405020304" pitchFamily="18" charset="0"/>
               <a:cs typeface="Times New Roman" panose="02020603050405020304" pitchFamily="18" charset="0"/>
             </a:endParaRPr>
@@ -5254,7 +5365,7 @@
             <a:pPr marL="0" indent="0" algn="just">
               <a:buNone/>
             </a:pPr>
-            <a:endParaRPr lang="pt-BR" sz="2400" dirty="0">
+            <a:endParaRPr lang="pt-BR" sz="2000" dirty="0">
               <a:latin typeface="Times New Roman" panose="02020603050405020304" pitchFamily="18" charset="0"/>
               <a:cs typeface="Times New Roman" panose="02020603050405020304" pitchFamily="18" charset="0"/>
             </a:endParaRPr>
@@ -5264,33 +5375,54 @@
               <a:buNone/>
             </a:pPr>
             <a:r>
-              <a:rPr lang="pt-BR" sz="2400" dirty="0">
+              <a:rPr lang="pt-BR" sz="2000" dirty="0">
                 <a:latin typeface="Times New Roman" panose="02020603050405020304" pitchFamily="18" charset="0"/>
                 <a:cs typeface="Times New Roman" panose="02020603050405020304" pitchFamily="18" charset="0"/>
               </a:rPr>
               <a:t>[2] </a:t>
             </a:r>
             <a:r>
-              <a:rPr lang="pt-BR" sz="2400" dirty="0">
+              <a:rPr lang="pt-BR" sz="2000" b="1" dirty="0">
+                <a:latin typeface="Times New Roman" panose="02020603050405020304" pitchFamily="18" charset="0"/>
+                <a:cs typeface="Times New Roman" panose="02020603050405020304" pitchFamily="18" charset="0"/>
+              </a:rPr>
+              <a:t>Devmedia</a:t>
+            </a:r>
+          </a:p>
+          <a:p>
+            <a:pPr marL="0" indent="0" algn="just">
+              <a:buNone/>
+            </a:pPr>
+            <a:r>
+              <a:rPr lang="pt-BR" sz="2000" dirty="0">
+                <a:latin typeface="Times New Roman" panose="02020603050405020304" pitchFamily="18" charset="0"/>
+                <a:cs typeface="Times New Roman" panose="02020603050405020304" pitchFamily="18" charset="0"/>
+              </a:rPr>
+              <a:t>	</a:t>
+            </a:r>
+            <a:r>
+              <a:rPr lang="pt-BR" sz="2000" b="1" dirty="0">
+                <a:latin typeface="Times New Roman" panose="02020603050405020304" pitchFamily="18" charset="0"/>
+                <a:cs typeface="Times New Roman" panose="02020603050405020304" pitchFamily="18" charset="0"/>
+              </a:rPr>
+              <a:t> Disponível em</a:t>
+            </a:r>
+            <a:r>
+              <a:rPr lang="pt-BR" sz="2000" dirty="0">
+                <a:latin typeface="Times New Roman" panose="02020603050405020304" pitchFamily="18" charset="0"/>
+                <a:cs typeface="Times New Roman" panose="02020603050405020304" pitchFamily="18" charset="0"/>
+              </a:rPr>
+              <a:t>: </a:t>
+            </a:r>
+            <a:r>
+              <a:rPr lang="pt-BR" sz="2000" dirty="0">
                 <a:latin typeface="Times New Roman" panose="02020603050405020304" pitchFamily="18" charset="0"/>
                 <a:cs typeface="Times New Roman" panose="02020603050405020304" pitchFamily="18" charset="0"/>
                 <a:hlinkClick r:id="rId4"/>
               </a:rPr>
-              <a:t>https://www.youtube.com/watch?v=gYZhIVCPlFY</a:t>
-            </a:r>
-            <a:r>
-              <a:rPr lang="pt-BR" sz="2400" dirty="0">
-                <a:latin typeface="Times New Roman" panose="02020603050405020304" pitchFamily="18" charset="0"/>
-                <a:cs typeface="Times New Roman" panose="02020603050405020304" pitchFamily="18" charset="0"/>
-              </a:rPr>
-              <a:t> (JS)</a:t>
-            </a:r>
-          </a:p>
-          <a:p>
-            <a:pPr marL="0" indent="0" algn="just">
-              <a:buNone/>
-            </a:pPr>
-            <a:endParaRPr lang="pt-BR" sz="2400" dirty="0">
+              <a:t>https://www.devmedia.com.br/jquery-tutorial/27299</a:t>
+            </a:r>
+            <a:endParaRPr lang="pt-BR" sz="2000" dirty="0">
               <a:latin typeface="Times New Roman" panose="02020603050405020304" pitchFamily="18" charset="0"/>
               <a:cs typeface="Times New Roman" panose="02020603050405020304" pitchFamily="18" charset="0"/>
             </a:endParaRPr>
@@ -5299,7 +5431,7 @@
             <a:pPr marL="0" indent="0" algn="just">
               <a:buNone/>
             </a:pPr>
-            <a:endParaRPr lang="pt-BR" sz="2400" dirty="0">
+            <a:endParaRPr lang="pt-BR" sz="2000" dirty="0">
               <a:latin typeface="Times New Roman" panose="02020603050405020304" pitchFamily="18" charset="0"/>
               <a:cs typeface="Times New Roman" panose="02020603050405020304" pitchFamily="18" charset="0"/>
             </a:endParaRPr>
@@ -5308,7 +5440,55 @@
             <a:pPr marL="0" indent="0" algn="just">
               <a:buNone/>
             </a:pPr>
-            <a:endParaRPr lang="pt-BR" sz="2400" dirty="0">
+            <a:r>
+              <a:rPr lang="pt-BR" sz="2000" dirty="0">
+                <a:latin typeface="Times New Roman" panose="02020603050405020304" pitchFamily="18" charset="0"/>
+                <a:cs typeface="Times New Roman" panose="02020603050405020304" pitchFamily="18" charset="0"/>
+              </a:rPr>
+              <a:t>[3] </a:t>
+            </a:r>
+            <a:r>
+              <a:rPr lang="pt-BR" sz="2000" b="1" dirty="0">
+                <a:latin typeface="Times New Roman" panose="02020603050405020304" pitchFamily="18" charset="0"/>
+                <a:cs typeface="Times New Roman" panose="02020603050405020304" pitchFamily="18" charset="0"/>
+              </a:rPr>
+              <a:t>W3Schools</a:t>
+            </a:r>
+          </a:p>
+          <a:p>
+            <a:pPr marL="0" indent="0" algn="just">
+              <a:buNone/>
+            </a:pPr>
+            <a:r>
+              <a:rPr lang="pt-BR" sz="2000" dirty="0">
+                <a:latin typeface="Times New Roman" panose="02020603050405020304" pitchFamily="18" charset="0"/>
+                <a:cs typeface="Times New Roman" panose="02020603050405020304" pitchFamily="18" charset="0"/>
+              </a:rPr>
+              <a:t>	</a:t>
+            </a:r>
+            <a:r>
+              <a:rPr lang="pt-BR" sz="2000" b="1" dirty="0">
+                <a:latin typeface="Times New Roman" panose="02020603050405020304" pitchFamily="18" charset="0"/>
+                <a:cs typeface="Times New Roman" panose="02020603050405020304" pitchFamily="18" charset="0"/>
+              </a:rPr>
+              <a:t> Disponível em</a:t>
+            </a:r>
+            <a:r>
+              <a:rPr lang="pt-BR" sz="2000" dirty="0">
+                <a:latin typeface="Times New Roman" panose="02020603050405020304" pitchFamily="18" charset="0"/>
+                <a:cs typeface="Times New Roman" panose="02020603050405020304" pitchFamily="18" charset="0"/>
+              </a:rPr>
+              <a:t>: </a:t>
+            </a:r>
+            <a:r>
+              <a:rPr lang="pt-BR" sz="2000" dirty="0">
+                <a:latin typeface="Times New Roman" panose="02020603050405020304" pitchFamily="18" charset="0"/>
+                <a:cs typeface="Times New Roman" panose="02020603050405020304" pitchFamily="18" charset="0"/>
+                <a:hlinkClick r:id="rId5"/>
+              </a:rPr>
+              <a:t>https://www.w3schools.com/jquery/default.asp</a:t>
+            </a:r>
+            <a:endParaRPr lang="pt-BR" sz="2000" dirty="0">
               <a:latin typeface="Times New Roman" panose="02020603050405020304" pitchFamily="18" charset="0"/>
               <a:cs typeface="Times New Roman" panose="02020603050405020304" pitchFamily="18" charset="0"/>
             </a:endParaRPr>
@@ -5317,7 +5497,7 @@
             <a:pPr marL="0" indent="0" algn="just">
               <a:buNone/>
             </a:pPr>
-            <a:endParaRPr lang="pt-BR" sz="2400" dirty="0">
+            <a:endParaRPr lang="pt-BR" sz="2000" dirty="0">
               <a:latin typeface="Times New Roman" panose="02020603050405020304" pitchFamily="18" charset="0"/>
               <a:cs typeface="Times New Roman" panose="02020603050405020304" pitchFamily="18" charset="0"/>
             </a:endParaRPr>
@@ -5327,7 +5507,7 @@
     </p:spTree>
     <p:extLst>
       <p:ext uri="{BB962C8B-B14F-4D97-AF65-F5344CB8AC3E}">
-        <p14:creationId xmlns:p14="http://schemas.microsoft.com/office/powerpoint/2010/main" val="2747596967"/>
+        <p14:creationId xmlns:p14="http://schemas.microsoft.com/office/powerpoint/2010/main" val="3680270425"/>
       </p:ext>
     </p:extLst>
   </p:cSld>
@@ -5383,7 +5563,7 @@
                   <a:srgbClr val="0070C0"/>
                 </a:solidFill>
               </a:rPr>
-              <a:t>Dinâmica</a:t>
+              <a:t>Aprenda</a:t>
             </a:r>
             <a:r>
               <a:rPr lang="en-US" b="1" dirty="0">
@@ -5391,21 +5571,8 @@
                   <a:srgbClr val="0070C0"/>
                 </a:solidFill>
               </a:rPr>
-              <a:t>/</a:t>
-            </a:r>
-            <a:r>
-              <a:rPr lang="en-US" b="1" dirty="0" err="1">
-                <a:solidFill>
-                  <a:srgbClr val="0070C0"/>
-                </a:solidFill>
-              </a:rPr>
-              <a:t>Atividades</a:t>
-            </a:r>
-            <a:endParaRPr lang="en-US" b="1" dirty="0">
-              <a:solidFill>
-                <a:srgbClr val="0070C0"/>
-              </a:solidFill>
-            </a:endParaRPr>
+              <a:t>+</a:t>
+            </a:r>
           </a:p>
         </p:txBody>
       </p:sp>
@@ -5421,8 +5588,8 @@
         </p:nvSpPr>
         <p:spPr>
           <a:xfrm>
-            <a:off x="139472" y="1063230"/>
-            <a:ext cx="8865056" cy="3606305"/>
+            <a:off x="142865" y="1200151"/>
+            <a:ext cx="8865056" cy="3394472"/>
           </a:xfrm>
         </p:spPr>
         <p:txBody>
@@ -5431,25 +5598,10 @@
           </a:bodyPr>
           <a:lstStyle/>
           <a:p>
-            <a:pPr algn="just">
-              <a:buFontTx/>
-              <a:buChar char="-"/>
+            <a:pPr marL="0" indent="0" algn="just">
+              <a:buNone/>
             </a:pPr>
-            <a:r>
-              <a:rPr lang="pt-BR" dirty="0">
-                <a:latin typeface="Times New Roman" panose="02020603050405020304" pitchFamily="18" charset="0"/>
-                <a:cs typeface="Times New Roman" panose="02020603050405020304" pitchFamily="18" charset="0"/>
-              </a:rPr>
-              <a:t>Exercícios de Fixação </a:t>
-            </a:r>
-            <a:r>
-              <a:rPr lang="pt-BR" b="1" dirty="0" err="1">
-                <a:latin typeface="Times New Roman" panose="02020603050405020304" pitchFamily="18" charset="0"/>
-                <a:cs typeface="Times New Roman" panose="02020603050405020304" pitchFamily="18" charset="0"/>
-              </a:rPr>
-              <a:t>JQuery</a:t>
-            </a:r>
-            <a:endParaRPr lang="pt-BR" b="1" dirty="0">
+            <a:endParaRPr lang="pt-BR" sz="2400" dirty="0">
               <a:latin typeface="Times New Roman" panose="02020603050405020304" pitchFamily="18" charset="0"/>
               <a:cs typeface="Times New Roman" panose="02020603050405020304" pitchFamily="18" charset="0"/>
             </a:endParaRPr>
@@ -5459,68 +5611,104 @@
               <a:buNone/>
             </a:pPr>
             <a:r>
-              <a:rPr lang="pt-BR" dirty="0">
-                <a:latin typeface="Times New Roman" panose="02020603050405020304" pitchFamily="18" charset="0"/>
-                <a:cs typeface="Times New Roman" panose="02020603050405020304" pitchFamily="18" charset="0"/>
-              </a:rPr>
-              <a:t>	</a:t>
-            </a:r>
-            <a:r>
-              <a:rPr lang="pt-BR" b="1" dirty="0">
-                <a:solidFill>
-                  <a:srgbClr val="FF0000"/>
-                </a:solidFill>
-                <a:latin typeface="Times New Roman" panose="02020603050405020304" pitchFamily="18" charset="0"/>
-                <a:cs typeface="Times New Roman" panose="02020603050405020304" pitchFamily="18" charset="0"/>
-              </a:rPr>
-              <a:t>Desafio em Sala de Aula</a:t>
-            </a:r>
-            <a:r>
-              <a:rPr lang="pt-BR" dirty="0">
-                <a:latin typeface="Times New Roman" panose="02020603050405020304" pitchFamily="18" charset="0"/>
-                <a:cs typeface="Times New Roman" panose="02020603050405020304" pitchFamily="18" charset="0"/>
-              </a:rPr>
-              <a:t>.</a:t>
-            </a:r>
+              <a:rPr lang="pt-BR" sz="2400" dirty="0">
+                <a:latin typeface="Times New Roman" panose="02020603050405020304" pitchFamily="18" charset="0"/>
+                <a:cs typeface="Times New Roman" panose="02020603050405020304" pitchFamily="18" charset="0"/>
+              </a:rPr>
+              <a:t>[1] </a:t>
+            </a:r>
+            <a:r>
+              <a:rPr lang="pt-BR" sz="2400" dirty="0">
+                <a:latin typeface="Times New Roman" panose="02020603050405020304" pitchFamily="18" charset="0"/>
+                <a:cs typeface="Times New Roman" panose="02020603050405020304" pitchFamily="18" charset="0"/>
+                <a:hlinkClick r:id="rId3"/>
+              </a:rPr>
+              <a:t>https://www.youtube.com/watch?v=ncbYP5Whtso</a:t>
+            </a:r>
+            <a:endParaRPr lang="pt-BR" sz="2400" dirty="0">
+              <a:latin typeface="Times New Roman" panose="02020603050405020304" pitchFamily="18" charset="0"/>
+              <a:cs typeface="Times New Roman" panose="02020603050405020304" pitchFamily="18" charset="0"/>
+            </a:endParaRPr>
           </a:p>
           <a:p>
             <a:pPr marL="0" indent="0" algn="just">
               <a:buNone/>
             </a:pPr>
-            <a:r>
-              <a:rPr lang="pt-BR" dirty="0">
-                <a:latin typeface="Times New Roman" panose="02020603050405020304" pitchFamily="18" charset="0"/>
-                <a:cs typeface="Times New Roman" panose="02020603050405020304" pitchFamily="18" charset="0"/>
-              </a:rPr>
-              <a:t>		</a:t>
-            </a:r>
+            <a:endParaRPr lang="pt-BR" sz="2400" dirty="0">
+              <a:latin typeface="Times New Roman" panose="02020603050405020304" pitchFamily="18" charset="0"/>
+              <a:cs typeface="Times New Roman" panose="02020603050405020304" pitchFamily="18" charset="0"/>
+            </a:endParaRPr>
           </a:p>
           <a:p>
             <a:pPr marL="0" indent="0" algn="just">
               <a:buNone/>
             </a:pPr>
-            <a:r>
-              <a:rPr lang="es-ES" dirty="0">
-                <a:latin typeface="Times New Roman" panose="02020603050405020304" pitchFamily="18" charset="0"/>
-                <a:cs typeface="Times New Roman" panose="02020603050405020304" pitchFamily="18" charset="0"/>
-              </a:rPr>
-              <a:t>- Quiz JQuery</a:t>
-            </a:r>
+            <a:endParaRPr lang="pt-BR" sz="2400" dirty="0">
+              <a:latin typeface="Times New Roman" panose="02020603050405020304" pitchFamily="18" charset="0"/>
+              <a:cs typeface="Times New Roman" panose="02020603050405020304" pitchFamily="18" charset="0"/>
+            </a:endParaRPr>
           </a:p>
           <a:p>
             <a:pPr marL="0" indent="0" algn="just">
               <a:buNone/>
             </a:pPr>
             <a:r>
-              <a:rPr lang="es-ES" dirty="0">
-                <a:latin typeface="Times New Roman" panose="02020603050405020304" pitchFamily="18" charset="0"/>
-                <a:cs typeface="Times New Roman" panose="02020603050405020304" pitchFamily="18" charset="0"/>
-                <a:hlinkClick r:id="rId3"/>
-              </a:rPr>
-              <a:t>https://www.w3schools.com/js/js_quiz.asp</a:t>
-            </a:r>
-            <a:endParaRPr lang="pt-BR" dirty="0">
-              <a:latin typeface="Calibri" panose="020F0502020204030204" pitchFamily="34" charset="0"/>
+              <a:rPr lang="pt-BR" sz="2400" dirty="0">
+                <a:latin typeface="Times New Roman" panose="02020603050405020304" pitchFamily="18" charset="0"/>
+                <a:cs typeface="Times New Roman" panose="02020603050405020304" pitchFamily="18" charset="0"/>
+              </a:rPr>
+              <a:t>[2] </a:t>
+            </a:r>
+            <a:r>
+              <a:rPr lang="pt-BR" sz="2400" dirty="0">
+                <a:latin typeface="Times New Roman" panose="02020603050405020304" pitchFamily="18" charset="0"/>
+                <a:cs typeface="Times New Roman" panose="02020603050405020304" pitchFamily="18" charset="0"/>
+                <a:hlinkClick r:id="rId4"/>
+              </a:rPr>
+              <a:t>https://www.alura.com.br/conteudo/jquery-a-biblioteca-do-mercado</a:t>
+            </a:r>
+            <a:r>
+              <a:rPr lang="pt-BR" sz="2400" dirty="0">
+                <a:latin typeface="Times New Roman" panose="02020603050405020304" pitchFamily="18" charset="0"/>
+                <a:cs typeface="Times New Roman" panose="02020603050405020304" pitchFamily="18" charset="0"/>
+              </a:rPr>
+              <a:t> </a:t>
+            </a:r>
+          </a:p>
+          <a:p>
+            <a:pPr marL="0" indent="0" algn="just">
+              <a:buNone/>
+            </a:pPr>
+            <a:endParaRPr lang="pt-BR" sz="2400" dirty="0">
+              <a:latin typeface="Times New Roman" panose="02020603050405020304" pitchFamily="18" charset="0"/>
+              <a:cs typeface="Times New Roman" panose="02020603050405020304" pitchFamily="18" charset="0"/>
+            </a:endParaRPr>
+          </a:p>
+          <a:p>
+            <a:pPr marL="0" indent="0" algn="just">
+              <a:buNone/>
+            </a:pPr>
+            <a:endParaRPr lang="pt-BR" sz="2400" dirty="0">
+              <a:latin typeface="Times New Roman" panose="02020603050405020304" pitchFamily="18" charset="0"/>
+              <a:cs typeface="Times New Roman" panose="02020603050405020304" pitchFamily="18" charset="0"/>
+            </a:endParaRPr>
+          </a:p>
+          <a:p>
+            <a:pPr marL="0" indent="0" algn="just">
+              <a:buNone/>
+            </a:pPr>
+            <a:endParaRPr lang="pt-BR" sz="2400" dirty="0">
+              <a:latin typeface="Times New Roman" panose="02020603050405020304" pitchFamily="18" charset="0"/>
+              <a:cs typeface="Times New Roman" panose="02020603050405020304" pitchFamily="18" charset="0"/>
+            </a:endParaRPr>
+          </a:p>
+          <a:p>
+            <a:pPr marL="0" indent="0" algn="just">
+              <a:buNone/>
+            </a:pPr>
+            <a:endParaRPr lang="pt-BR" sz="2400" dirty="0">
+              <a:latin typeface="Times New Roman" panose="02020603050405020304" pitchFamily="18" charset="0"/>
+              <a:cs typeface="Times New Roman" panose="02020603050405020304" pitchFamily="18" charset="0"/>
             </a:endParaRPr>
           </a:p>
         </p:txBody>
@@ -5528,7 +5716,7 @@
     </p:spTree>
     <p:extLst>
       <p:ext uri="{BB962C8B-B14F-4D97-AF65-F5344CB8AC3E}">
-        <p14:creationId xmlns:p14="http://schemas.microsoft.com/office/powerpoint/2010/main" val="2470652989"/>
+        <p14:creationId xmlns:p14="http://schemas.microsoft.com/office/powerpoint/2010/main" val="2747596967"/>
       </p:ext>
     </p:extLst>
   </p:cSld>
@@ -5584,6 +5772,216 @@
                   <a:srgbClr val="0070C0"/>
                 </a:solidFill>
               </a:rPr>
+              <a:t>Dinâmica</a:t>
+            </a:r>
+            <a:r>
+              <a:rPr lang="en-US" b="1" dirty="0">
+                <a:solidFill>
+                  <a:srgbClr val="0070C0"/>
+                </a:solidFill>
+              </a:rPr>
+              <a:t>/</a:t>
+            </a:r>
+            <a:r>
+              <a:rPr lang="en-US" b="1" dirty="0" err="1">
+                <a:solidFill>
+                  <a:srgbClr val="0070C0"/>
+                </a:solidFill>
+              </a:rPr>
+              <a:t>Atividades</a:t>
+            </a:r>
+            <a:endParaRPr lang="en-US" b="1" dirty="0">
+              <a:solidFill>
+                <a:srgbClr val="0070C0"/>
+              </a:solidFill>
+            </a:endParaRPr>
+          </a:p>
+        </p:txBody>
+      </p:sp>
+      <p:sp>
+        <p:nvSpPr>
+          <p:cNvPr id="8" name="Text Placeholder 2"/>
+          <p:cNvSpPr>
+            <a:spLocks noGrp="1"/>
+          </p:cNvSpPr>
+          <p:nvPr>
+            <p:ph type="body" sz="half" idx="1"/>
+          </p:nvPr>
+        </p:nvSpPr>
+        <p:spPr>
+          <a:xfrm>
+            <a:off x="139472" y="1063230"/>
+            <a:ext cx="8865056" cy="3606305"/>
+          </a:xfrm>
+        </p:spPr>
+        <p:txBody>
+          <a:bodyPr>
+            <a:noAutofit/>
+          </a:bodyPr>
+          <a:lstStyle/>
+          <a:p>
+            <a:pPr algn="just">
+              <a:buFontTx/>
+              <a:buChar char="-"/>
+            </a:pPr>
+            <a:r>
+              <a:rPr lang="pt-BR" dirty="0">
+                <a:latin typeface="Times New Roman" panose="02020603050405020304" pitchFamily="18" charset="0"/>
+                <a:cs typeface="Times New Roman" panose="02020603050405020304" pitchFamily="18" charset="0"/>
+              </a:rPr>
+              <a:t>Exercícios de Fixação </a:t>
+            </a:r>
+            <a:r>
+              <a:rPr lang="pt-BR" b="1" dirty="0" err="1">
+                <a:latin typeface="Times New Roman" panose="02020603050405020304" pitchFamily="18" charset="0"/>
+                <a:cs typeface="Times New Roman" panose="02020603050405020304" pitchFamily="18" charset="0"/>
+              </a:rPr>
+              <a:t>JQuery</a:t>
+            </a:r>
+            <a:endParaRPr lang="pt-BR" b="1" dirty="0">
+              <a:latin typeface="Times New Roman" panose="02020603050405020304" pitchFamily="18" charset="0"/>
+              <a:cs typeface="Times New Roman" panose="02020603050405020304" pitchFamily="18" charset="0"/>
+            </a:endParaRPr>
+          </a:p>
+          <a:p>
+            <a:pPr marL="0" indent="0" algn="just">
+              <a:buNone/>
+            </a:pPr>
+            <a:r>
+              <a:rPr lang="pt-BR" dirty="0">
+                <a:latin typeface="Times New Roman" panose="02020603050405020304" pitchFamily="18" charset="0"/>
+                <a:cs typeface="Times New Roman" panose="02020603050405020304" pitchFamily="18" charset="0"/>
+              </a:rPr>
+              <a:t>	</a:t>
+            </a:r>
+            <a:r>
+              <a:rPr lang="pt-BR" b="1" dirty="0">
+                <a:solidFill>
+                  <a:srgbClr val="FF0000"/>
+                </a:solidFill>
+                <a:latin typeface="Times New Roman" panose="02020603050405020304" pitchFamily="18" charset="0"/>
+                <a:cs typeface="Times New Roman" panose="02020603050405020304" pitchFamily="18" charset="0"/>
+              </a:rPr>
+              <a:t>Desafio em Sala de Aula</a:t>
+            </a:r>
+            <a:r>
+              <a:rPr lang="pt-BR" dirty="0">
+                <a:latin typeface="Times New Roman" panose="02020603050405020304" pitchFamily="18" charset="0"/>
+                <a:cs typeface="Times New Roman" panose="02020603050405020304" pitchFamily="18" charset="0"/>
+              </a:rPr>
+              <a:t>.</a:t>
+            </a:r>
+          </a:p>
+          <a:p>
+            <a:pPr marL="0" indent="0" algn="just">
+              <a:buNone/>
+            </a:pPr>
+            <a:r>
+              <a:rPr lang="pt-BR" dirty="0">
+                <a:latin typeface="Times New Roman" panose="02020603050405020304" pitchFamily="18" charset="0"/>
+                <a:cs typeface="Times New Roman" panose="02020603050405020304" pitchFamily="18" charset="0"/>
+              </a:rPr>
+              <a:t>		</a:t>
+            </a:r>
+          </a:p>
+          <a:p>
+            <a:pPr marL="0" indent="0" algn="just">
+              <a:buNone/>
+            </a:pPr>
+            <a:r>
+              <a:rPr lang="es-ES" dirty="0">
+                <a:latin typeface="Times New Roman" panose="02020603050405020304" pitchFamily="18" charset="0"/>
+                <a:cs typeface="Times New Roman" panose="02020603050405020304" pitchFamily="18" charset="0"/>
+              </a:rPr>
+              <a:t>- Quiz JQuery</a:t>
+            </a:r>
+          </a:p>
+          <a:p>
+            <a:pPr marL="0" indent="0" algn="just">
+              <a:buNone/>
+            </a:pPr>
+            <a:r>
+              <a:rPr lang="es-ES" dirty="0">
+                <a:latin typeface="Times New Roman" panose="02020603050405020304" pitchFamily="18" charset="0"/>
+                <a:cs typeface="Times New Roman" panose="02020603050405020304" pitchFamily="18" charset="0"/>
+                <a:hlinkClick r:id="rId3"/>
+              </a:rPr>
+              <a:t>https://www.w3schools.com/jquery/jquery_quiz.asp</a:t>
+            </a:r>
+            <a:endParaRPr lang="es-ES" dirty="0">
+              <a:latin typeface="Times New Roman" panose="02020603050405020304" pitchFamily="18" charset="0"/>
+              <a:cs typeface="Times New Roman" panose="02020603050405020304" pitchFamily="18" charset="0"/>
+            </a:endParaRPr>
+          </a:p>
+          <a:p>
+            <a:pPr marL="0" indent="0" algn="just">
+              <a:buNone/>
+            </a:pPr>
+            <a:endParaRPr lang="pt-BR" dirty="0">
+              <a:latin typeface="Calibri" panose="020F0502020204030204" pitchFamily="34" charset="0"/>
+            </a:endParaRPr>
+          </a:p>
+        </p:txBody>
+      </p:sp>
+    </p:spTree>
+    <p:extLst>
+      <p:ext uri="{BB962C8B-B14F-4D97-AF65-F5344CB8AC3E}">
+        <p14:creationId xmlns:p14="http://schemas.microsoft.com/office/powerpoint/2010/main" val="2470652989"/>
+      </p:ext>
+    </p:extLst>
+  </p:cSld>
+  <p:clrMapOvr>
+    <a:masterClrMapping/>
+  </p:clrMapOvr>
+  <p:transition spd="med"/>
+</p:sld>
+</file>
+
+<file path=ppt/slides/slide16.xml><?xml version="1.0" encoding="utf-8"?>
+<p:sld xmlns:a="http://schemas.openxmlformats.org/drawingml/2006/main" xmlns:r="http://schemas.openxmlformats.org/officeDocument/2006/relationships" xmlns:p="http://schemas.openxmlformats.org/presentationml/2006/main">
+  <p:cSld>
+    <p:spTree>
+      <p:nvGrpSpPr>
+        <p:cNvPr id="1" name=""/>
+        <p:cNvGrpSpPr/>
+        <p:nvPr/>
+      </p:nvGrpSpPr>
+      <p:grpSpPr>
+        <a:xfrm>
+          <a:off x="0" y="0"/>
+          <a:ext cx="0" cy="0"/>
+          <a:chOff x="0" y="0"/>
+          <a:chExt cx="0" cy="0"/>
+        </a:xfrm>
+      </p:grpSpPr>
+      <p:sp>
+        <p:nvSpPr>
+          <p:cNvPr id="6" name="Title 1"/>
+          <p:cNvSpPr>
+            <a:spLocks noGrp="1"/>
+          </p:cNvSpPr>
+          <p:nvPr>
+            <p:ph type="title"/>
+          </p:nvPr>
+        </p:nvSpPr>
+        <p:spPr>
+          <a:xfrm>
+            <a:off x="457200" y="205980"/>
+            <a:ext cx="8229600" cy="857251"/>
+          </a:xfrm>
+        </p:spPr>
+        <p:txBody>
+          <a:bodyPr>
+            <a:normAutofit/>
+          </a:bodyPr>
+          <a:lstStyle/>
+          <a:p>
+            <a:r>
+              <a:rPr lang="en-US" b="1" dirty="0" err="1">
+                <a:solidFill>
+                  <a:srgbClr val="0070C0"/>
+                </a:solidFill>
+              </a:rPr>
               <a:t>Referências</a:t>
             </a:r>
             <a:r>
@@ -5649,20 +6047,64 @@
                 <a:latin typeface="Times New Roman" panose="02020603050405020304" pitchFamily="18" charset="0"/>
                 <a:cs typeface="Times New Roman" panose="02020603050405020304" pitchFamily="18" charset="0"/>
               </a:rPr>
-              <a:t>[1] Site: </a:t>
+              <a:t>[1] BIBEAULT, </a:t>
+            </a:r>
+            <a:r>
+              <a:rPr lang="pt-BR" sz="2400" dirty="0" err="1">
+                <a:latin typeface="Times New Roman" panose="02020603050405020304" pitchFamily="18" charset="0"/>
+                <a:cs typeface="Times New Roman" panose="02020603050405020304" pitchFamily="18" charset="0"/>
+              </a:rPr>
+              <a:t>Bear</a:t>
             </a:r>
             <a:r>
               <a:rPr lang="pt-BR" sz="2400" dirty="0">
                 <a:latin typeface="Times New Roman" panose="02020603050405020304" pitchFamily="18" charset="0"/>
                 <a:cs typeface="Times New Roman" panose="02020603050405020304" pitchFamily="18" charset="0"/>
-                <a:hlinkClick r:id="rId3"/>
-              </a:rPr>
-              <a:t>https://developer.mozilla.org/pt-BR/docs/Web/JavaScript</a:t>
-            </a:r>
-            <a:endParaRPr lang="pt-BR" sz="2400" dirty="0">
-              <a:latin typeface="Times New Roman" panose="02020603050405020304" pitchFamily="18" charset="0"/>
-              <a:cs typeface="Times New Roman" panose="02020603050405020304" pitchFamily="18" charset="0"/>
-            </a:endParaRPr>
+              </a:rPr>
+              <a:t>; DE ROSA, Aurelio; KATZ, Yehuda. </a:t>
+            </a:r>
+            <a:r>
+              <a:rPr lang="pt-BR" sz="2400" dirty="0" err="1">
+                <a:latin typeface="Times New Roman" panose="02020603050405020304" pitchFamily="18" charset="0"/>
+                <a:cs typeface="Times New Roman" panose="02020603050405020304" pitchFamily="18" charset="0"/>
+              </a:rPr>
+              <a:t>jQuery</a:t>
+            </a:r>
+            <a:r>
+              <a:rPr lang="pt-BR" sz="2400" dirty="0">
+                <a:latin typeface="Times New Roman" panose="02020603050405020304" pitchFamily="18" charset="0"/>
+                <a:cs typeface="Times New Roman" panose="02020603050405020304" pitchFamily="18" charset="0"/>
+              </a:rPr>
+              <a:t> in </a:t>
+            </a:r>
+            <a:r>
+              <a:rPr lang="pt-BR" sz="2400" dirty="0" err="1">
+                <a:latin typeface="Times New Roman" panose="02020603050405020304" pitchFamily="18" charset="0"/>
+                <a:cs typeface="Times New Roman" panose="02020603050405020304" pitchFamily="18" charset="0"/>
+              </a:rPr>
+              <a:t>Action</a:t>
+            </a:r>
+            <a:r>
+              <a:rPr lang="pt-BR" sz="2400" dirty="0">
+                <a:latin typeface="Times New Roman" panose="02020603050405020304" pitchFamily="18" charset="0"/>
+                <a:cs typeface="Times New Roman" panose="02020603050405020304" pitchFamily="18" charset="0"/>
+              </a:rPr>
+              <a:t>. Simon </a:t>
+            </a:r>
+            <a:r>
+              <a:rPr lang="pt-BR" sz="2400" dirty="0" err="1">
+                <a:latin typeface="Times New Roman" panose="02020603050405020304" pitchFamily="18" charset="0"/>
+                <a:cs typeface="Times New Roman" panose="02020603050405020304" pitchFamily="18" charset="0"/>
+              </a:rPr>
+              <a:t>and</a:t>
+            </a:r>
+            <a:r>
+              <a:rPr lang="pt-BR" sz="2400" dirty="0">
+                <a:latin typeface="Times New Roman" panose="02020603050405020304" pitchFamily="18" charset="0"/>
+                <a:cs typeface="Times New Roman" panose="02020603050405020304" pitchFamily="18" charset="0"/>
+              </a:rPr>
+              <a:t> Schuster, 2015.</a:t>
+            </a:r>
           </a:p>
           <a:p>
             <a:pPr marL="0" indent="0" algn="just">
@@ -5677,29 +6119,33 @@
             <a:pPr marL="0" indent="0" algn="just">
               <a:buNone/>
             </a:pPr>
-            <a:endParaRPr lang="pt-BR" sz="2400" dirty="0">
-              <a:latin typeface="Times New Roman" panose="02020603050405020304" pitchFamily="18" charset="0"/>
-              <a:cs typeface="Times New Roman" panose="02020603050405020304" pitchFamily="18" charset="0"/>
-            </a:endParaRPr>
-          </a:p>
-          <a:p>
-            <a:pPr marL="0" indent="0" algn="just">
-              <a:buNone/>
-            </a:pPr>
             <a:r>
               <a:rPr lang="pt-BR" sz="2400" dirty="0">
                 <a:latin typeface="Times New Roman" panose="02020603050405020304" pitchFamily="18" charset="0"/>
                 <a:cs typeface="Times New Roman" panose="02020603050405020304" pitchFamily="18" charset="0"/>
               </a:rPr>
-              <a:t>[2] Site: </a:t>
-            </a:r>
-            <a:r>
-              <a:rPr lang="pt-BR" sz="2400" dirty="0">
-                <a:latin typeface="Times New Roman" panose="02020603050405020304" pitchFamily="18" charset="0"/>
-                <a:cs typeface="Times New Roman" panose="02020603050405020304" pitchFamily="18" charset="0"/>
-                <a:hlinkClick r:id="rId4"/>
-              </a:rPr>
-              <a:t>https://www.w3schools.com/jsref/</a:t>
+              <a:t>[2] </a:t>
+            </a:r>
+            <a:r>
+              <a:rPr lang="en-US" sz="2400" dirty="0">
+                <a:latin typeface="Times New Roman" panose="02020603050405020304" pitchFamily="18" charset="0"/>
+                <a:cs typeface="Times New Roman" panose="02020603050405020304" pitchFamily="18" charset="0"/>
+              </a:rPr>
+              <a:t>CHAFFER, Jonathan; SWEDBERG, Karl. Learning jQuery. </a:t>
+            </a:r>
+            <a:r>
+              <a:rPr lang="en-US" sz="2400" dirty="0" err="1">
+                <a:latin typeface="Times New Roman" panose="02020603050405020304" pitchFamily="18" charset="0"/>
+                <a:cs typeface="Times New Roman" panose="02020603050405020304" pitchFamily="18" charset="0"/>
+              </a:rPr>
+              <a:t>Packt</a:t>
+            </a:r>
+            <a:r>
+              <a:rPr lang="en-US" sz="2400" dirty="0">
+                <a:latin typeface="Times New Roman" panose="02020603050405020304" pitchFamily="18" charset="0"/>
+                <a:cs typeface="Times New Roman" panose="02020603050405020304" pitchFamily="18" charset="0"/>
+              </a:rPr>
+              <a:t> Publishing Ltd, 2011.</a:t>
             </a:r>
             <a:endParaRPr lang="pt-BR" sz="2400" dirty="0">
               <a:latin typeface="Times New Roman" panose="02020603050405020304" pitchFamily="18" charset="0"/>
@@ -5722,7 +6168,7 @@
 </p:sld>
 </file>
 
-<file path=ppt/slides/slide16.xml><?xml version="1.0" encoding="utf-8"?>
+<file path=ppt/slides/slide17.xml><?xml version="1.0" encoding="utf-8"?>
 <p:sld xmlns:a="http://schemas.openxmlformats.org/drawingml/2006/main" xmlns:r="http://schemas.openxmlformats.org/officeDocument/2006/relationships" xmlns:p="http://schemas.openxmlformats.org/presentationml/2006/main">
   <p:cSld>
     <p:spTree>

--- a/01 Classes/Aula 11 Desenvolvimento Web PHP - JQuery.pptx
+++ b/01 Classes/Aula 11 Desenvolvimento Web PHP - JQuery.pptx
@@ -5,7 +5,7 @@
     <p:sldMasterId id="2147483648" r:id="rId1"/>
   </p:sldMasterIdLst>
   <p:notesMasterIdLst>
-    <p:notesMasterId r:id="rId19"/>
+    <p:notesMasterId r:id="rId31"/>
   </p:notesMasterIdLst>
   <p:sldIdLst>
     <p:sldId id="256" r:id="rId2"/>
@@ -20,11 +20,23 @@
     <p:sldId id="403" r:id="rId11"/>
     <p:sldId id="404" r:id="rId12"/>
     <p:sldId id="405" r:id="rId13"/>
-    <p:sldId id="333" r:id="rId14"/>
-    <p:sldId id="323" r:id="rId15"/>
-    <p:sldId id="334" r:id="rId16"/>
-    <p:sldId id="337" r:id="rId17"/>
-    <p:sldId id="309" r:id="rId18"/>
+    <p:sldId id="406" r:id="rId14"/>
+    <p:sldId id="407" r:id="rId15"/>
+    <p:sldId id="408" r:id="rId16"/>
+    <p:sldId id="409" r:id="rId17"/>
+    <p:sldId id="410" r:id="rId18"/>
+    <p:sldId id="411" r:id="rId19"/>
+    <p:sldId id="412" r:id="rId20"/>
+    <p:sldId id="413" r:id="rId21"/>
+    <p:sldId id="414" r:id="rId22"/>
+    <p:sldId id="415" r:id="rId23"/>
+    <p:sldId id="416" r:id="rId24"/>
+    <p:sldId id="417" r:id="rId25"/>
+    <p:sldId id="333" r:id="rId26"/>
+    <p:sldId id="323" r:id="rId27"/>
+    <p:sldId id="334" r:id="rId28"/>
+    <p:sldId id="337" r:id="rId29"/>
+    <p:sldId id="309" r:id="rId30"/>
   </p:sldIdLst>
   <p:sldSz cx="9144000" cy="5143500" type="screen16x9"/>
   <p:notesSz cx="6858000" cy="9144000"/>
@@ -698,7 +710,7 @@
     </p:spTree>
     <p:extLst>
       <p:ext uri="{BB962C8B-B14F-4D97-AF65-F5344CB8AC3E}">
-        <p14:creationId xmlns:p14="http://schemas.microsoft.com/office/powerpoint/2010/main" val="585304384"/>
+        <p14:creationId xmlns:p14="http://schemas.microsoft.com/office/powerpoint/2010/main" val="3396294557"/>
       </p:ext>
     </p:extLst>
   </p:cSld>
@@ -764,7 +776,7 @@
     </p:spTree>
     <p:extLst>
       <p:ext uri="{BB962C8B-B14F-4D97-AF65-F5344CB8AC3E}">
-        <p14:creationId xmlns:p14="http://schemas.microsoft.com/office/powerpoint/2010/main" val="2709569597"/>
+        <p14:creationId xmlns:p14="http://schemas.microsoft.com/office/powerpoint/2010/main" val="437141442"/>
       </p:ext>
     </p:extLst>
   </p:cSld>
@@ -830,7 +842,7 @@
     </p:spTree>
     <p:extLst>
       <p:ext uri="{BB962C8B-B14F-4D97-AF65-F5344CB8AC3E}">
-        <p14:creationId xmlns:p14="http://schemas.microsoft.com/office/powerpoint/2010/main" val="2296249050"/>
+        <p14:creationId xmlns:p14="http://schemas.microsoft.com/office/powerpoint/2010/main" val="1172022083"/>
       </p:ext>
     </p:extLst>
   </p:cSld>
@@ -896,7 +908,337 @@
     </p:spTree>
     <p:extLst>
       <p:ext uri="{BB962C8B-B14F-4D97-AF65-F5344CB8AC3E}">
-        <p14:creationId xmlns:p14="http://schemas.microsoft.com/office/powerpoint/2010/main" val="4290351292"/>
+        <p14:creationId xmlns:p14="http://schemas.microsoft.com/office/powerpoint/2010/main" val="192946924"/>
+      </p:ext>
+    </p:extLst>
+  </p:cSld>
+  <p:clrMapOvr>
+    <a:masterClrMapping/>
+  </p:clrMapOvr>
+</p:notes>
+</file>
+
+<file path=ppt/notesSlides/notesSlide15.xml><?xml version="1.0" encoding="utf-8"?>
+<p:notes xmlns:a="http://schemas.openxmlformats.org/drawingml/2006/main" xmlns:r="http://schemas.openxmlformats.org/officeDocument/2006/relationships" xmlns:p="http://schemas.openxmlformats.org/presentationml/2006/main">
+  <p:cSld>
+    <p:spTree>
+      <p:nvGrpSpPr>
+        <p:cNvPr id="1" name=""/>
+        <p:cNvGrpSpPr/>
+        <p:nvPr/>
+      </p:nvGrpSpPr>
+      <p:grpSpPr>
+        <a:xfrm>
+          <a:off x="0" y="0"/>
+          <a:ext cx="0" cy="0"/>
+          <a:chOff x="0" y="0"/>
+          <a:chExt cx="0" cy="0"/>
+        </a:xfrm>
+      </p:grpSpPr>
+      <p:sp>
+        <p:nvSpPr>
+          <p:cNvPr id="2" name="Espaço Reservado para Imagem de Slide 1"/>
+          <p:cNvSpPr>
+            <a:spLocks noGrp="1" noRot="1" noChangeAspect="1"/>
+          </p:cNvSpPr>
+          <p:nvPr>
+            <p:ph type="sldImg"/>
+          </p:nvPr>
+        </p:nvSpPr>
+        <p:spPr>
+          <a:xfrm>
+            <a:off x="381000" y="685800"/>
+            <a:ext cx="6096000" cy="3429000"/>
+          </a:xfrm>
+        </p:spPr>
+      </p:sp>
+      <p:sp>
+        <p:nvSpPr>
+          <p:cNvPr id="3" name="Espaço Reservado para Anotações 2"/>
+          <p:cNvSpPr>
+            <a:spLocks noGrp="1"/>
+          </p:cNvSpPr>
+          <p:nvPr>
+            <p:ph type="body" idx="1"/>
+          </p:nvPr>
+        </p:nvSpPr>
+        <p:spPr/>
+        <p:txBody>
+          <a:bodyPr/>
+          <a:lstStyle/>
+          <a:p>
+            <a:endParaRPr lang="pt-BR" dirty="0"/>
+          </a:p>
+        </p:txBody>
+      </p:sp>
+    </p:spTree>
+    <p:extLst>
+      <p:ext uri="{BB962C8B-B14F-4D97-AF65-F5344CB8AC3E}">
+        <p14:creationId xmlns:p14="http://schemas.microsoft.com/office/powerpoint/2010/main" val="2833548963"/>
+      </p:ext>
+    </p:extLst>
+  </p:cSld>
+  <p:clrMapOvr>
+    <a:masterClrMapping/>
+  </p:clrMapOvr>
+</p:notes>
+</file>
+
+<file path=ppt/notesSlides/notesSlide16.xml><?xml version="1.0" encoding="utf-8"?>
+<p:notes xmlns:a="http://schemas.openxmlformats.org/drawingml/2006/main" xmlns:r="http://schemas.openxmlformats.org/officeDocument/2006/relationships" xmlns:p="http://schemas.openxmlformats.org/presentationml/2006/main">
+  <p:cSld>
+    <p:spTree>
+      <p:nvGrpSpPr>
+        <p:cNvPr id="1" name=""/>
+        <p:cNvGrpSpPr/>
+        <p:nvPr/>
+      </p:nvGrpSpPr>
+      <p:grpSpPr>
+        <a:xfrm>
+          <a:off x="0" y="0"/>
+          <a:ext cx="0" cy="0"/>
+          <a:chOff x="0" y="0"/>
+          <a:chExt cx="0" cy="0"/>
+        </a:xfrm>
+      </p:grpSpPr>
+      <p:sp>
+        <p:nvSpPr>
+          <p:cNvPr id="2" name="Espaço Reservado para Imagem de Slide 1"/>
+          <p:cNvSpPr>
+            <a:spLocks noGrp="1" noRot="1" noChangeAspect="1"/>
+          </p:cNvSpPr>
+          <p:nvPr>
+            <p:ph type="sldImg"/>
+          </p:nvPr>
+        </p:nvSpPr>
+        <p:spPr>
+          <a:xfrm>
+            <a:off x="381000" y="685800"/>
+            <a:ext cx="6096000" cy="3429000"/>
+          </a:xfrm>
+        </p:spPr>
+      </p:sp>
+      <p:sp>
+        <p:nvSpPr>
+          <p:cNvPr id="3" name="Espaço Reservado para Anotações 2"/>
+          <p:cNvSpPr>
+            <a:spLocks noGrp="1"/>
+          </p:cNvSpPr>
+          <p:nvPr>
+            <p:ph type="body" idx="1"/>
+          </p:nvPr>
+        </p:nvSpPr>
+        <p:spPr/>
+        <p:txBody>
+          <a:bodyPr/>
+          <a:lstStyle/>
+          <a:p>
+            <a:endParaRPr lang="pt-BR" dirty="0"/>
+          </a:p>
+        </p:txBody>
+      </p:sp>
+    </p:spTree>
+    <p:extLst>
+      <p:ext uri="{BB962C8B-B14F-4D97-AF65-F5344CB8AC3E}">
+        <p14:creationId xmlns:p14="http://schemas.microsoft.com/office/powerpoint/2010/main" val="3407530655"/>
+      </p:ext>
+    </p:extLst>
+  </p:cSld>
+  <p:clrMapOvr>
+    <a:masterClrMapping/>
+  </p:clrMapOvr>
+</p:notes>
+</file>
+
+<file path=ppt/notesSlides/notesSlide17.xml><?xml version="1.0" encoding="utf-8"?>
+<p:notes xmlns:a="http://schemas.openxmlformats.org/drawingml/2006/main" xmlns:r="http://schemas.openxmlformats.org/officeDocument/2006/relationships" xmlns:p="http://schemas.openxmlformats.org/presentationml/2006/main">
+  <p:cSld>
+    <p:spTree>
+      <p:nvGrpSpPr>
+        <p:cNvPr id="1" name=""/>
+        <p:cNvGrpSpPr/>
+        <p:nvPr/>
+      </p:nvGrpSpPr>
+      <p:grpSpPr>
+        <a:xfrm>
+          <a:off x="0" y="0"/>
+          <a:ext cx="0" cy="0"/>
+          <a:chOff x="0" y="0"/>
+          <a:chExt cx="0" cy="0"/>
+        </a:xfrm>
+      </p:grpSpPr>
+      <p:sp>
+        <p:nvSpPr>
+          <p:cNvPr id="2" name="Espaço Reservado para Imagem de Slide 1"/>
+          <p:cNvSpPr>
+            <a:spLocks noGrp="1" noRot="1" noChangeAspect="1"/>
+          </p:cNvSpPr>
+          <p:nvPr>
+            <p:ph type="sldImg"/>
+          </p:nvPr>
+        </p:nvSpPr>
+        <p:spPr>
+          <a:xfrm>
+            <a:off x="381000" y="685800"/>
+            <a:ext cx="6096000" cy="3429000"/>
+          </a:xfrm>
+        </p:spPr>
+      </p:sp>
+      <p:sp>
+        <p:nvSpPr>
+          <p:cNvPr id="3" name="Espaço Reservado para Anotações 2"/>
+          <p:cNvSpPr>
+            <a:spLocks noGrp="1"/>
+          </p:cNvSpPr>
+          <p:nvPr>
+            <p:ph type="body" idx="1"/>
+          </p:nvPr>
+        </p:nvSpPr>
+        <p:spPr/>
+        <p:txBody>
+          <a:bodyPr/>
+          <a:lstStyle/>
+          <a:p>
+            <a:endParaRPr lang="pt-BR" dirty="0"/>
+          </a:p>
+        </p:txBody>
+      </p:sp>
+    </p:spTree>
+    <p:extLst>
+      <p:ext uri="{BB962C8B-B14F-4D97-AF65-F5344CB8AC3E}">
+        <p14:creationId xmlns:p14="http://schemas.microsoft.com/office/powerpoint/2010/main" val="1136691857"/>
+      </p:ext>
+    </p:extLst>
+  </p:cSld>
+  <p:clrMapOvr>
+    <a:masterClrMapping/>
+  </p:clrMapOvr>
+</p:notes>
+</file>
+
+<file path=ppt/notesSlides/notesSlide18.xml><?xml version="1.0" encoding="utf-8"?>
+<p:notes xmlns:a="http://schemas.openxmlformats.org/drawingml/2006/main" xmlns:r="http://schemas.openxmlformats.org/officeDocument/2006/relationships" xmlns:p="http://schemas.openxmlformats.org/presentationml/2006/main">
+  <p:cSld>
+    <p:spTree>
+      <p:nvGrpSpPr>
+        <p:cNvPr id="1" name=""/>
+        <p:cNvGrpSpPr/>
+        <p:nvPr/>
+      </p:nvGrpSpPr>
+      <p:grpSpPr>
+        <a:xfrm>
+          <a:off x="0" y="0"/>
+          <a:ext cx="0" cy="0"/>
+          <a:chOff x="0" y="0"/>
+          <a:chExt cx="0" cy="0"/>
+        </a:xfrm>
+      </p:grpSpPr>
+      <p:sp>
+        <p:nvSpPr>
+          <p:cNvPr id="2" name="Espaço Reservado para Imagem de Slide 1"/>
+          <p:cNvSpPr>
+            <a:spLocks noGrp="1" noRot="1" noChangeAspect="1"/>
+          </p:cNvSpPr>
+          <p:nvPr>
+            <p:ph type="sldImg"/>
+          </p:nvPr>
+        </p:nvSpPr>
+        <p:spPr>
+          <a:xfrm>
+            <a:off x="381000" y="685800"/>
+            <a:ext cx="6096000" cy="3429000"/>
+          </a:xfrm>
+        </p:spPr>
+      </p:sp>
+      <p:sp>
+        <p:nvSpPr>
+          <p:cNvPr id="3" name="Espaço Reservado para Anotações 2"/>
+          <p:cNvSpPr>
+            <a:spLocks noGrp="1"/>
+          </p:cNvSpPr>
+          <p:nvPr>
+            <p:ph type="body" idx="1"/>
+          </p:nvPr>
+        </p:nvSpPr>
+        <p:spPr/>
+        <p:txBody>
+          <a:bodyPr/>
+          <a:lstStyle/>
+          <a:p>
+            <a:endParaRPr lang="pt-BR" dirty="0"/>
+          </a:p>
+        </p:txBody>
+      </p:sp>
+    </p:spTree>
+    <p:extLst>
+      <p:ext uri="{BB962C8B-B14F-4D97-AF65-F5344CB8AC3E}">
+        <p14:creationId xmlns:p14="http://schemas.microsoft.com/office/powerpoint/2010/main" val="737572066"/>
+      </p:ext>
+    </p:extLst>
+  </p:cSld>
+  <p:clrMapOvr>
+    <a:masterClrMapping/>
+  </p:clrMapOvr>
+</p:notes>
+</file>
+
+<file path=ppt/notesSlides/notesSlide19.xml><?xml version="1.0" encoding="utf-8"?>
+<p:notes xmlns:a="http://schemas.openxmlformats.org/drawingml/2006/main" xmlns:r="http://schemas.openxmlformats.org/officeDocument/2006/relationships" xmlns:p="http://schemas.openxmlformats.org/presentationml/2006/main">
+  <p:cSld>
+    <p:spTree>
+      <p:nvGrpSpPr>
+        <p:cNvPr id="1" name=""/>
+        <p:cNvGrpSpPr/>
+        <p:nvPr/>
+      </p:nvGrpSpPr>
+      <p:grpSpPr>
+        <a:xfrm>
+          <a:off x="0" y="0"/>
+          <a:ext cx="0" cy="0"/>
+          <a:chOff x="0" y="0"/>
+          <a:chExt cx="0" cy="0"/>
+        </a:xfrm>
+      </p:grpSpPr>
+      <p:sp>
+        <p:nvSpPr>
+          <p:cNvPr id="2" name="Espaço Reservado para Imagem de Slide 1"/>
+          <p:cNvSpPr>
+            <a:spLocks noGrp="1" noRot="1" noChangeAspect="1"/>
+          </p:cNvSpPr>
+          <p:nvPr>
+            <p:ph type="sldImg"/>
+          </p:nvPr>
+        </p:nvSpPr>
+        <p:spPr>
+          <a:xfrm>
+            <a:off x="381000" y="685800"/>
+            <a:ext cx="6096000" cy="3429000"/>
+          </a:xfrm>
+        </p:spPr>
+      </p:sp>
+      <p:sp>
+        <p:nvSpPr>
+          <p:cNvPr id="3" name="Espaço Reservado para Anotações 2"/>
+          <p:cNvSpPr>
+            <a:spLocks noGrp="1"/>
+          </p:cNvSpPr>
+          <p:nvPr>
+            <p:ph type="body" idx="1"/>
+          </p:nvPr>
+        </p:nvSpPr>
+        <p:spPr/>
+        <p:txBody>
+          <a:bodyPr/>
+          <a:lstStyle/>
+          <a:p>
+            <a:endParaRPr lang="pt-BR" dirty="0"/>
+          </a:p>
+        </p:txBody>
+      </p:sp>
+    </p:spTree>
+    <p:extLst>
+      <p:ext uri="{BB962C8B-B14F-4D97-AF65-F5344CB8AC3E}">
+        <p14:creationId xmlns:p14="http://schemas.microsoft.com/office/powerpoint/2010/main" val="848202727"/>
       </p:ext>
     </p:extLst>
   </p:cSld>
@@ -963,6 +1305,468 @@
     <p:extLst>
       <p:ext uri="{BB962C8B-B14F-4D97-AF65-F5344CB8AC3E}">
         <p14:creationId xmlns:p14="http://schemas.microsoft.com/office/powerpoint/2010/main" val="419647091"/>
+      </p:ext>
+    </p:extLst>
+  </p:cSld>
+  <p:clrMapOvr>
+    <a:masterClrMapping/>
+  </p:clrMapOvr>
+</p:notes>
+</file>
+
+<file path=ppt/notesSlides/notesSlide20.xml><?xml version="1.0" encoding="utf-8"?>
+<p:notes xmlns:a="http://schemas.openxmlformats.org/drawingml/2006/main" xmlns:r="http://schemas.openxmlformats.org/officeDocument/2006/relationships" xmlns:p="http://schemas.openxmlformats.org/presentationml/2006/main">
+  <p:cSld>
+    <p:spTree>
+      <p:nvGrpSpPr>
+        <p:cNvPr id="1" name=""/>
+        <p:cNvGrpSpPr/>
+        <p:nvPr/>
+      </p:nvGrpSpPr>
+      <p:grpSpPr>
+        <a:xfrm>
+          <a:off x="0" y="0"/>
+          <a:ext cx="0" cy="0"/>
+          <a:chOff x="0" y="0"/>
+          <a:chExt cx="0" cy="0"/>
+        </a:xfrm>
+      </p:grpSpPr>
+      <p:sp>
+        <p:nvSpPr>
+          <p:cNvPr id="2" name="Espaço Reservado para Imagem de Slide 1"/>
+          <p:cNvSpPr>
+            <a:spLocks noGrp="1" noRot="1" noChangeAspect="1"/>
+          </p:cNvSpPr>
+          <p:nvPr>
+            <p:ph type="sldImg"/>
+          </p:nvPr>
+        </p:nvSpPr>
+        <p:spPr>
+          <a:xfrm>
+            <a:off x="381000" y="685800"/>
+            <a:ext cx="6096000" cy="3429000"/>
+          </a:xfrm>
+        </p:spPr>
+      </p:sp>
+      <p:sp>
+        <p:nvSpPr>
+          <p:cNvPr id="3" name="Espaço Reservado para Anotações 2"/>
+          <p:cNvSpPr>
+            <a:spLocks noGrp="1"/>
+          </p:cNvSpPr>
+          <p:nvPr>
+            <p:ph type="body" idx="1"/>
+          </p:nvPr>
+        </p:nvSpPr>
+        <p:spPr/>
+        <p:txBody>
+          <a:bodyPr/>
+          <a:lstStyle/>
+          <a:p>
+            <a:endParaRPr lang="pt-BR" dirty="0"/>
+          </a:p>
+        </p:txBody>
+      </p:sp>
+    </p:spTree>
+    <p:extLst>
+      <p:ext uri="{BB962C8B-B14F-4D97-AF65-F5344CB8AC3E}">
+        <p14:creationId xmlns:p14="http://schemas.microsoft.com/office/powerpoint/2010/main" val="1944590039"/>
+      </p:ext>
+    </p:extLst>
+  </p:cSld>
+  <p:clrMapOvr>
+    <a:masterClrMapping/>
+  </p:clrMapOvr>
+</p:notes>
+</file>
+
+<file path=ppt/notesSlides/notesSlide21.xml><?xml version="1.0" encoding="utf-8"?>
+<p:notes xmlns:a="http://schemas.openxmlformats.org/drawingml/2006/main" xmlns:r="http://schemas.openxmlformats.org/officeDocument/2006/relationships" xmlns:p="http://schemas.openxmlformats.org/presentationml/2006/main">
+  <p:cSld>
+    <p:spTree>
+      <p:nvGrpSpPr>
+        <p:cNvPr id="1" name=""/>
+        <p:cNvGrpSpPr/>
+        <p:nvPr/>
+      </p:nvGrpSpPr>
+      <p:grpSpPr>
+        <a:xfrm>
+          <a:off x="0" y="0"/>
+          <a:ext cx="0" cy="0"/>
+          <a:chOff x="0" y="0"/>
+          <a:chExt cx="0" cy="0"/>
+        </a:xfrm>
+      </p:grpSpPr>
+      <p:sp>
+        <p:nvSpPr>
+          <p:cNvPr id="2" name="Espaço Reservado para Imagem de Slide 1"/>
+          <p:cNvSpPr>
+            <a:spLocks noGrp="1" noRot="1" noChangeAspect="1"/>
+          </p:cNvSpPr>
+          <p:nvPr>
+            <p:ph type="sldImg"/>
+          </p:nvPr>
+        </p:nvSpPr>
+        <p:spPr>
+          <a:xfrm>
+            <a:off x="381000" y="685800"/>
+            <a:ext cx="6096000" cy="3429000"/>
+          </a:xfrm>
+        </p:spPr>
+      </p:sp>
+      <p:sp>
+        <p:nvSpPr>
+          <p:cNvPr id="3" name="Espaço Reservado para Anotações 2"/>
+          <p:cNvSpPr>
+            <a:spLocks noGrp="1"/>
+          </p:cNvSpPr>
+          <p:nvPr>
+            <p:ph type="body" idx="1"/>
+          </p:nvPr>
+        </p:nvSpPr>
+        <p:spPr/>
+        <p:txBody>
+          <a:bodyPr/>
+          <a:lstStyle/>
+          <a:p>
+            <a:endParaRPr lang="pt-BR" dirty="0"/>
+          </a:p>
+        </p:txBody>
+      </p:sp>
+    </p:spTree>
+    <p:extLst>
+      <p:ext uri="{BB962C8B-B14F-4D97-AF65-F5344CB8AC3E}">
+        <p14:creationId xmlns:p14="http://schemas.microsoft.com/office/powerpoint/2010/main" val="2594472367"/>
+      </p:ext>
+    </p:extLst>
+  </p:cSld>
+  <p:clrMapOvr>
+    <a:masterClrMapping/>
+  </p:clrMapOvr>
+</p:notes>
+</file>
+
+<file path=ppt/notesSlides/notesSlide22.xml><?xml version="1.0" encoding="utf-8"?>
+<p:notes xmlns:a="http://schemas.openxmlformats.org/drawingml/2006/main" xmlns:r="http://schemas.openxmlformats.org/officeDocument/2006/relationships" xmlns:p="http://schemas.openxmlformats.org/presentationml/2006/main">
+  <p:cSld>
+    <p:spTree>
+      <p:nvGrpSpPr>
+        <p:cNvPr id="1" name=""/>
+        <p:cNvGrpSpPr/>
+        <p:nvPr/>
+      </p:nvGrpSpPr>
+      <p:grpSpPr>
+        <a:xfrm>
+          <a:off x="0" y="0"/>
+          <a:ext cx="0" cy="0"/>
+          <a:chOff x="0" y="0"/>
+          <a:chExt cx="0" cy="0"/>
+        </a:xfrm>
+      </p:grpSpPr>
+      <p:sp>
+        <p:nvSpPr>
+          <p:cNvPr id="2" name="Espaço Reservado para Imagem de Slide 1"/>
+          <p:cNvSpPr>
+            <a:spLocks noGrp="1" noRot="1" noChangeAspect="1"/>
+          </p:cNvSpPr>
+          <p:nvPr>
+            <p:ph type="sldImg"/>
+          </p:nvPr>
+        </p:nvSpPr>
+        <p:spPr>
+          <a:xfrm>
+            <a:off x="381000" y="685800"/>
+            <a:ext cx="6096000" cy="3429000"/>
+          </a:xfrm>
+        </p:spPr>
+      </p:sp>
+      <p:sp>
+        <p:nvSpPr>
+          <p:cNvPr id="3" name="Espaço Reservado para Anotações 2"/>
+          <p:cNvSpPr>
+            <a:spLocks noGrp="1"/>
+          </p:cNvSpPr>
+          <p:nvPr>
+            <p:ph type="body" idx="1"/>
+          </p:nvPr>
+        </p:nvSpPr>
+        <p:spPr/>
+        <p:txBody>
+          <a:bodyPr/>
+          <a:lstStyle/>
+          <a:p>
+            <a:endParaRPr lang="pt-BR" dirty="0"/>
+          </a:p>
+        </p:txBody>
+      </p:sp>
+    </p:spTree>
+    <p:extLst>
+      <p:ext uri="{BB962C8B-B14F-4D97-AF65-F5344CB8AC3E}">
+        <p14:creationId xmlns:p14="http://schemas.microsoft.com/office/powerpoint/2010/main" val="686579750"/>
+      </p:ext>
+    </p:extLst>
+  </p:cSld>
+  <p:clrMapOvr>
+    <a:masterClrMapping/>
+  </p:clrMapOvr>
+</p:notes>
+</file>
+
+<file path=ppt/notesSlides/notesSlide23.xml><?xml version="1.0" encoding="utf-8"?>
+<p:notes xmlns:a="http://schemas.openxmlformats.org/drawingml/2006/main" xmlns:r="http://schemas.openxmlformats.org/officeDocument/2006/relationships" xmlns:p="http://schemas.openxmlformats.org/presentationml/2006/main">
+  <p:cSld>
+    <p:spTree>
+      <p:nvGrpSpPr>
+        <p:cNvPr id="1" name=""/>
+        <p:cNvGrpSpPr/>
+        <p:nvPr/>
+      </p:nvGrpSpPr>
+      <p:grpSpPr>
+        <a:xfrm>
+          <a:off x="0" y="0"/>
+          <a:ext cx="0" cy="0"/>
+          <a:chOff x="0" y="0"/>
+          <a:chExt cx="0" cy="0"/>
+        </a:xfrm>
+      </p:grpSpPr>
+      <p:sp>
+        <p:nvSpPr>
+          <p:cNvPr id="2" name="Espaço Reservado para Imagem de Slide 1"/>
+          <p:cNvSpPr>
+            <a:spLocks noGrp="1" noRot="1" noChangeAspect="1"/>
+          </p:cNvSpPr>
+          <p:nvPr>
+            <p:ph type="sldImg"/>
+          </p:nvPr>
+        </p:nvSpPr>
+        <p:spPr>
+          <a:xfrm>
+            <a:off x="381000" y="685800"/>
+            <a:ext cx="6096000" cy="3429000"/>
+          </a:xfrm>
+        </p:spPr>
+      </p:sp>
+      <p:sp>
+        <p:nvSpPr>
+          <p:cNvPr id="3" name="Espaço Reservado para Anotações 2"/>
+          <p:cNvSpPr>
+            <a:spLocks noGrp="1"/>
+          </p:cNvSpPr>
+          <p:nvPr>
+            <p:ph type="body" idx="1"/>
+          </p:nvPr>
+        </p:nvSpPr>
+        <p:spPr/>
+        <p:txBody>
+          <a:bodyPr/>
+          <a:lstStyle/>
+          <a:p>
+            <a:endParaRPr lang="pt-BR" dirty="0"/>
+          </a:p>
+        </p:txBody>
+      </p:sp>
+    </p:spTree>
+    <p:extLst>
+      <p:ext uri="{BB962C8B-B14F-4D97-AF65-F5344CB8AC3E}">
+        <p14:creationId xmlns:p14="http://schemas.microsoft.com/office/powerpoint/2010/main" val="585304384"/>
+      </p:ext>
+    </p:extLst>
+  </p:cSld>
+  <p:clrMapOvr>
+    <a:masterClrMapping/>
+  </p:clrMapOvr>
+</p:notes>
+</file>
+
+<file path=ppt/notesSlides/notesSlide24.xml><?xml version="1.0" encoding="utf-8"?>
+<p:notes xmlns:a="http://schemas.openxmlformats.org/drawingml/2006/main" xmlns:r="http://schemas.openxmlformats.org/officeDocument/2006/relationships" xmlns:p="http://schemas.openxmlformats.org/presentationml/2006/main">
+  <p:cSld>
+    <p:spTree>
+      <p:nvGrpSpPr>
+        <p:cNvPr id="1" name=""/>
+        <p:cNvGrpSpPr/>
+        <p:nvPr/>
+      </p:nvGrpSpPr>
+      <p:grpSpPr>
+        <a:xfrm>
+          <a:off x="0" y="0"/>
+          <a:ext cx="0" cy="0"/>
+          <a:chOff x="0" y="0"/>
+          <a:chExt cx="0" cy="0"/>
+        </a:xfrm>
+      </p:grpSpPr>
+      <p:sp>
+        <p:nvSpPr>
+          <p:cNvPr id="2" name="Espaço Reservado para Imagem de Slide 1"/>
+          <p:cNvSpPr>
+            <a:spLocks noGrp="1" noRot="1" noChangeAspect="1"/>
+          </p:cNvSpPr>
+          <p:nvPr>
+            <p:ph type="sldImg"/>
+          </p:nvPr>
+        </p:nvSpPr>
+        <p:spPr>
+          <a:xfrm>
+            <a:off x="381000" y="685800"/>
+            <a:ext cx="6096000" cy="3429000"/>
+          </a:xfrm>
+        </p:spPr>
+      </p:sp>
+      <p:sp>
+        <p:nvSpPr>
+          <p:cNvPr id="3" name="Espaço Reservado para Anotações 2"/>
+          <p:cNvSpPr>
+            <a:spLocks noGrp="1"/>
+          </p:cNvSpPr>
+          <p:nvPr>
+            <p:ph type="body" idx="1"/>
+          </p:nvPr>
+        </p:nvSpPr>
+        <p:spPr/>
+        <p:txBody>
+          <a:bodyPr/>
+          <a:lstStyle/>
+          <a:p>
+            <a:endParaRPr lang="pt-BR" dirty="0"/>
+          </a:p>
+        </p:txBody>
+      </p:sp>
+    </p:spTree>
+    <p:extLst>
+      <p:ext uri="{BB962C8B-B14F-4D97-AF65-F5344CB8AC3E}">
+        <p14:creationId xmlns:p14="http://schemas.microsoft.com/office/powerpoint/2010/main" val="2709569597"/>
+      </p:ext>
+    </p:extLst>
+  </p:cSld>
+  <p:clrMapOvr>
+    <a:masterClrMapping/>
+  </p:clrMapOvr>
+</p:notes>
+</file>
+
+<file path=ppt/notesSlides/notesSlide25.xml><?xml version="1.0" encoding="utf-8"?>
+<p:notes xmlns:a="http://schemas.openxmlformats.org/drawingml/2006/main" xmlns:r="http://schemas.openxmlformats.org/officeDocument/2006/relationships" xmlns:p="http://schemas.openxmlformats.org/presentationml/2006/main">
+  <p:cSld>
+    <p:spTree>
+      <p:nvGrpSpPr>
+        <p:cNvPr id="1" name=""/>
+        <p:cNvGrpSpPr/>
+        <p:nvPr/>
+      </p:nvGrpSpPr>
+      <p:grpSpPr>
+        <a:xfrm>
+          <a:off x="0" y="0"/>
+          <a:ext cx="0" cy="0"/>
+          <a:chOff x="0" y="0"/>
+          <a:chExt cx="0" cy="0"/>
+        </a:xfrm>
+      </p:grpSpPr>
+      <p:sp>
+        <p:nvSpPr>
+          <p:cNvPr id="2" name="Espaço Reservado para Imagem de Slide 1"/>
+          <p:cNvSpPr>
+            <a:spLocks noGrp="1" noRot="1" noChangeAspect="1"/>
+          </p:cNvSpPr>
+          <p:nvPr>
+            <p:ph type="sldImg"/>
+          </p:nvPr>
+        </p:nvSpPr>
+        <p:spPr>
+          <a:xfrm>
+            <a:off x="381000" y="685800"/>
+            <a:ext cx="6096000" cy="3429000"/>
+          </a:xfrm>
+        </p:spPr>
+      </p:sp>
+      <p:sp>
+        <p:nvSpPr>
+          <p:cNvPr id="3" name="Espaço Reservado para Anotações 2"/>
+          <p:cNvSpPr>
+            <a:spLocks noGrp="1"/>
+          </p:cNvSpPr>
+          <p:nvPr>
+            <p:ph type="body" idx="1"/>
+          </p:nvPr>
+        </p:nvSpPr>
+        <p:spPr/>
+        <p:txBody>
+          <a:bodyPr/>
+          <a:lstStyle/>
+          <a:p>
+            <a:endParaRPr lang="pt-BR" dirty="0"/>
+          </a:p>
+        </p:txBody>
+      </p:sp>
+    </p:spTree>
+    <p:extLst>
+      <p:ext uri="{BB962C8B-B14F-4D97-AF65-F5344CB8AC3E}">
+        <p14:creationId xmlns:p14="http://schemas.microsoft.com/office/powerpoint/2010/main" val="2296249050"/>
+      </p:ext>
+    </p:extLst>
+  </p:cSld>
+  <p:clrMapOvr>
+    <a:masterClrMapping/>
+  </p:clrMapOvr>
+</p:notes>
+</file>
+
+<file path=ppt/notesSlides/notesSlide26.xml><?xml version="1.0" encoding="utf-8"?>
+<p:notes xmlns:a="http://schemas.openxmlformats.org/drawingml/2006/main" xmlns:r="http://schemas.openxmlformats.org/officeDocument/2006/relationships" xmlns:p="http://schemas.openxmlformats.org/presentationml/2006/main">
+  <p:cSld>
+    <p:spTree>
+      <p:nvGrpSpPr>
+        <p:cNvPr id="1" name=""/>
+        <p:cNvGrpSpPr/>
+        <p:nvPr/>
+      </p:nvGrpSpPr>
+      <p:grpSpPr>
+        <a:xfrm>
+          <a:off x="0" y="0"/>
+          <a:ext cx="0" cy="0"/>
+          <a:chOff x="0" y="0"/>
+          <a:chExt cx="0" cy="0"/>
+        </a:xfrm>
+      </p:grpSpPr>
+      <p:sp>
+        <p:nvSpPr>
+          <p:cNvPr id="2" name="Espaço Reservado para Imagem de Slide 1"/>
+          <p:cNvSpPr>
+            <a:spLocks noGrp="1" noRot="1" noChangeAspect="1"/>
+          </p:cNvSpPr>
+          <p:nvPr>
+            <p:ph type="sldImg"/>
+          </p:nvPr>
+        </p:nvSpPr>
+        <p:spPr>
+          <a:xfrm>
+            <a:off x="381000" y="685800"/>
+            <a:ext cx="6096000" cy="3429000"/>
+          </a:xfrm>
+        </p:spPr>
+      </p:sp>
+      <p:sp>
+        <p:nvSpPr>
+          <p:cNvPr id="3" name="Espaço Reservado para Anotações 2"/>
+          <p:cNvSpPr>
+            <a:spLocks noGrp="1"/>
+          </p:cNvSpPr>
+          <p:nvPr>
+            <p:ph type="body" idx="1"/>
+          </p:nvPr>
+        </p:nvSpPr>
+        <p:spPr/>
+        <p:txBody>
+          <a:bodyPr/>
+          <a:lstStyle/>
+          <a:p>
+            <a:endParaRPr lang="pt-BR" dirty="0"/>
+          </a:p>
+        </p:txBody>
+      </p:sp>
+    </p:spTree>
+    <p:extLst>
+      <p:ext uri="{BB962C8B-B14F-4D97-AF65-F5344CB8AC3E}">
+        <p14:creationId xmlns:p14="http://schemas.microsoft.com/office/powerpoint/2010/main" val="4290351292"/>
       </p:ext>
     </p:extLst>
   </p:cSld>
@@ -5160,20 +5964,520 @@
                 <a:latin typeface="Times New Roman" panose="02020603050405020304" pitchFamily="18" charset="0"/>
                 <a:cs typeface="Times New Roman" panose="02020603050405020304" pitchFamily="18" charset="0"/>
               </a:rPr>
-              <a:t>:</a:t>
-            </a:r>
-          </a:p>
-          <a:p>
-            <a:pPr marL="0" indent="0" algn="just">
-              <a:buNone/>
-            </a:pPr>
-            <a:endParaRPr lang="pt-BR" sz="2400">
+              <a:t>: 03 </a:t>
+            </a:r>
+            <a:r>
+              <a:rPr lang="pt-BR" sz="2400" b="1" dirty="0" err="1">
+                <a:solidFill>
+                  <a:schemeClr val="tx1"/>
+                </a:solidFill>
+                <a:latin typeface="Times New Roman" panose="02020603050405020304" pitchFamily="18" charset="0"/>
+                <a:cs typeface="Times New Roman" panose="02020603050405020304" pitchFamily="18" charset="0"/>
+              </a:rPr>
+              <a:t>DIVs</a:t>
+            </a:r>
+            <a:r>
+              <a:rPr lang="pt-BR" sz="2400" b="1" dirty="0">
+                <a:solidFill>
+                  <a:schemeClr val="tx1"/>
+                </a:solidFill>
+                <a:latin typeface="Times New Roman" panose="02020603050405020304" pitchFamily="18" charset="0"/>
+                <a:cs typeface="Times New Roman" panose="02020603050405020304" pitchFamily="18" charset="0"/>
+              </a:rPr>
+              <a:t> e 02 </a:t>
+            </a:r>
+            <a:r>
+              <a:rPr lang="pt-BR" sz="2400" b="1" dirty="0" err="1">
+                <a:solidFill>
+                  <a:schemeClr val="tx1"/>
+                </a:solidFill>
+                <a:latin typeface="Times New Roman" panose="02020603050405020304" pitchFamily="18" charset="0"/>
+                <a:cs typeface="Times New Roman" panose="02020603050405020304" pitchFamily="18" charset="0"/>
+              </a:rPr>
+              <a:t>Buttons</a:t>
+            </a:r>
+            <a:endParaRPr lang="pt-BR" sz="2400" b="1" dirty="0">
               <a:solidFill>
                 <a:schemeClr val="tx1"/>
               </a:solidFill>
               <a:latin typeface="Times New Roman" panose="02020603050405020304" pitchFamily="18" charset="0"/>
               <a:cs typeface="Times New Roman" panose="02020603050405020304" pitchFamily="18" charset="0"/>
             </a:endParaRPr>
+          </a:p>
+          <a:p>
+            <a:pPr marL="0" indent="0" algn="just">
+              <a:buNone/>
+            </a:pPr>
+            <a:r>
+              <a:rPr lang="pt-BR" sz="2000" dirty="0">
+                <a:solidFill>
+                  <a:schemeClr val="tx1"/>
+                </a:solidFill>
+                <a:latin typeface="Times New Roman" panose="02020603050405020304" pitchFamily="18" charset="0"/>
+                <a:cs typeface="Times New Roman" panose="02020603050405020304" pitchFamily="18" charset="0"/>
+              </a:rPr>
+              <a:t> $(</a:t>
+            </a:r>
+            <a:r>
+              <a:rPr lang="pt-BR" sz="2000" b="1" dirty="0" err="1">
+                <a:solidFill>
+                  <a:schemeClr val="tx1"/>
+                </a:solidFill>
+                <a:latin typeface="Times New Roman" panose="02020603050405020304" pitchFamily="18" charset="0"/>
+                <a:cs typeface="Times New Roman" panose="02020603050405020304" pitchFamily="18" charset="0"/>
+              </a:rPr>
+              <a:t>document</a:t>
+            </a:r>
+            <a:r>
+              <a:rPr lang="pt-BR" sz="2000" dirty="0">
+                <a:solidFill>
+                  <a:schemeClr val="tx1"/>
+                </a:solidFill>
+                <a:latin typeface="Times New Roman" panose="02020603050405020304" pitchFamily="18" charset="0"/>
+                <a:cs typeface="Times New Roman" panose="02020603050405020304" pitchFamily="18" charset="0"/>
+              </a:rPr>
+              <a:t>).</a:t>
+            </a:r>
+            <a:r>
+              <a:rPr lang="pt-BR" sz="2000" b="1" dirty="0" err="1">
+                <a:solidFill>
+                  <a:srgbClr val="FF0000"/>
+                </a:solidFill>
+                <a:latin typeface="Times New Roman" panose="02020603050405020304" pitchFamily="18" charset="0"/>
+                <a:cs typeface="Times New Roman" panose="02020603050405020304" pitchFamily="18" charset="0"/>
+              </a:rPr>
+              <a:t>ready</a:t>
+            </a:r>
+            <a:r>
+              <a:rPr lang="pt-BR" sz="2000" dirty="0">
+                <a:solidFill>
+                  <a:schemeClr val="tx1"/>
+                </a:solidFill>
+                <a:latin typeface="Times New Roman" panose="02020603050405020304" pitchFamily="18" charset="0"/>
+                <a:cs typeface="Times New Roman" panose="02020603050405020304" pitchFamily="18" charset="0"/>
+              </a:rPr>
+              <a:t>(	</a:t>
+            </a:r>
+            <a:r>
+              <a:rPr lang="pt-BR" sz="2000" b="1" dirty="0" err="1">
+                <a:solidFill>
+                  <a:schemeClr val="tx1"/>
+                </a:solidFill>
+                <a:latin typeface="Times New Roman" panose="02020603050405020304" pitchFamily="18" charset="0"/>
+                <a:cs typeface="Times New Roman" panose="02020603050405020304" pitchFamily="18" charset="0"/>
+              </a:rPr>
+              <a:t>function</a:t>
+            </a:r>
+            <a:r>
+              <a:rPr lang="pt-BR" sz="2000" dirty="0">
+                <a:solidFill>
+                  <a:schemeClr val="tx1"/>
+                </a:solidFill>
+                <a:latin typeface="Times New Roman" panose="02020603050405020304" pitchFamily="18" charset="0"/>
+                <a:cs typeface="Times New Roman" panose="02020603050405020304" pitchFamily="18" charset="0"/>
+              </a:rPr>
+              <a:t> () {</a:t>
+            </a:r>
+          </a:p>
+          <a:p>
+            <a:pPr marL="0" indent="0" algn="just">
+              <a:buNone/>
+            </a:pPr>
+            <a:r>
+              <a:rPr lang="pt-BR" sz="2000" dirty="0">
+                <a:solidFill>
+                  <a:schemeClr val="tx1"/>
+                </a:solidFill>
+                <a:latin typeface="Times New Roman" panose="02020603050405020304" pitchFamily="18" charset="0"/>
+                <a:cs typeface="Times New Roman" panose="02020603050405020304" pitchFamily="18" charset="0"/>
+              </a:rPr>
+              <a:t>        $("#</a:t>
+            </a:r>
+            <a:r>
+              <a:rPr lang="pt-BR" sz="2000" b="1" dirty="0" err="1">
+                <a:solidFill>
+                  <a:schemeClr val="tx1"/>
+                </a:solidFill>
+                <a:latin typeface="Times New Roman" panose="02020603050405020304" pitchFamily="18" charset="0"/>
+                <a:cs typeface="Times New Roman" panose="02020603050405020304" pitchFamily="18" charset="0"/>
+              </a:rPr>
+              <a:t>botaoHide</a:t>
+            </a:r>
+            <a:r>
+              <a:rPr lang="pt-BR" sz="2000" dirty="0">
+                <a:solidFill>
+                  <a:schemeClr val="tx1"/>
+                </a:solidFill>
+                <a:latin typeface="Times New Roman" panose="02020603050405020304" pitchFamily="18" charset="0"/>
+                <a:cs typeface="Times New Roman" panose="02020603050405020304" pitchFamily="18" charset="0"/>
+              </a:rPr>
+              <a:t>").</a:t>
+            </a:r>
+            <a:r>
+              <a:rPr lang="pt-BR" sz="2000" b="1" dirty="0">
+                <a:solidFill>
+                  <a:schemeClr val="tx1"/>
+                </a:solidFill>
+                <a:latin typeface="Times New Roman" panose="02020603050405020304" pitchFamily="18" charset="0"/>
+                <a:cs typeface="Times New Roman" panose="02020603050405020304" pitchFamily="18" charset="0"/>
+              </a:rPr>
+              <a:t>click</a:t>
+            </a:r>
+            <a:r>
+              <a:rPr lang="pt-BR" sz="2000" dirty="0">
+                <a:solidFill>
+                  <a:schemeClr val="tx1"/>
+                </a:solidFill>
+                <a:latin typeface="Times New Roman" panose="02020603050405020304" pitchFamily="18" charset="0"/>
+                <a:cs typeface="Times New Roman" panose="02020603050405020304" pitchFamily="18" charset="0"/>
+              </a:rPr>
+              <a:t>( </a:t>
+            </a:r>
+            <a:r>
+              <a:rPr lang="pt-BR" sz="2000" dirty="0" err="1">
+                <a:solidFill>
+                  <a:schemeClr val="tx1"/>
+                </a:solidFill>
+                <a:latin typeface="Times New Roman" panose="02020603050405020304" pitchFamily="18" charset="0"/>
+                <a:cs typeface="Times New Roman" panose="02020603050405020304" pitchFamily="18" charset="0"/>
+              </a:rPr>
+              <a:t>function</a:t>
+            </a:r>
+            <a:r>
+              <a:rPr lang="pt-BR" sz="2000" dirty="0">
+                <a:solidFill>
+                  <a:schemeClr val="tx1"/>
+                </a:solidFill>
+                <a:latin typeface="Times New Roman" panose="02020603050405020304" pitchFamily="18" charset="0"/>
+                <a:cs typeface="Times New Roman" panose="02020603050405020304" pitchFamily="18" charset="0"/>
+              </a:rPr>
+              <a:t> () {</a:t>
+            </a:r>
+          </a:p>
+          <a:p>
+            <a:pPr marL="0" indent="0" algn="just">
+              <a:buNone/>
+            </a:pPr>
+            <a:r>
+              <a:rPr lang="pt-BR" sz="2000" dirty="0">
+                <a:solidFill>
+                  <a:schemeClr val="tx1"/>
+                </a:solidFill>
+                <a:latin typeface="Times New Roman" panose="02020603050405020304" pitchFamily="18" charset="0"/>
+                <a:cs typeface="Times New Roman" panose="02020603050405020304" pitchFamily="18" charset="0"/>
+              </a:rPr>
+              <a:t>          $('.blue').</a:t>
+            </a:r>
+            <a:r>
+              <a:rPr lang="pt-BR" sz="2000" b="1" dirty="0" err="1">
+                <a:solidFill>
+                  <a:schemeClr val="tx1"/>
+                </a:solidFill>
+                <a:latin typeface="Times New Roman" panose="02020603050405020304" pitchFamily="18" charset="0"/>
+                <a:cs typeface="Times New Roman" panose="02020603050405020304" pitchFamily="18" charset="0"/>
+              </a:rPr>
+              <a:t>hide</a:t>
+            </a:r>
+            <a:r>
+              <a:rPr lang="pt-BR" sz="2000" dirty="0">
+                <a:solidFill>
+                  <a:schemeClr val="tx1"/>
+                </a:solidFill>
+                <a:latin typeface="Times New Roman" panose="02020603050405020304" pitchFamily="18" charset="0"/>
+                <a:cs typeface="Times New Roman" panose="02020603050405020304" pitchFamily="18" charset="0"/>
+              </a:rPr>
+              <a:t>(2000, </a:t>
+            </a:r>
+            <a:r>
+              <a:rPr lang="pt-BR" sz="2000" dirty="0" err="1">
+                <a:solidFill>
+                  <a:schemeClr val="tx1"/>
+                </a:solidFill>
+                <a:latin typeface="Times New Roman" panose="02020603050405020304" pitchFamily="18" charset="0"/>
+                <a:cs typeface="Times New Roman" panose="02020603050405020304" pitchFamily="18" charset="0"/>
+              </a:rPr>
+              <a:t>function</a:t>
+            </a:r>
+            <a:r>
+              <a:rPr lang="pt-BR" sz="2000" dirty="0">
+                <a:solidFill>
+                  <a:schemeClr val="tx1"/>
+                </a:solidFill>
+                <a:latin typeface="Times New Roman" panose="02020603050405020304" pitchFamily="18" charset="0"/>
+                <a:cs typeface="Times New Roman" panose="02020603050405020304" pitchFamily="18" charset="0"/>
+              </a:rPr>
+              <a:t>() {</a:t>
+            </a:r>
+          </a:p>
+          <a:p>
+            <a:pPr marL="0" indent="0" algn="just">
+              <a:buNone/>
+            </a:pPr>
+            <a:r>
+              <a:rPr lang="pt-BR" sz="2000" dirty="0">
+                <a:solidFill>
+                  <a:schemeClr val="tx1"/>
+                </a:solidFill>
+                <a:latin typeface="Times New Roman" panose="02020603050405020304" pitchFamily="18" charset="0"/>
+                <a:cs typeface="Times New Roman" panose="02020603050405020304" pitchFamily="18" charset="0"/>
+              </a:rPr>
+              <a:t>            </a:t>
+            </a:r>
+            <a:r>
+              <a:rPr lang="pt-BR" sz="2000" b="1" dirty="0" err="1">
+                <a:solidFill>
+                  <a:schemeClr val="tx1"/>
+                </a:solidFill>
+                <a:latin typeface="Times New Roman" panose="02020603050405020304" pitchFamily="18" charset="0"/>
+                <a:cs typeface="Times New Roman" panose="02020603050405020304" pitchFamily="18" charset="0"/>
+              </a:rPr>
+              <a:t>alert</a:t>
+            </a:r>
+            <a:r>
+              <a:rPr lang="pt-BR" sz="2000" dirty="0">
+                <a:solidFill>
+                  <a:schemeClr val="tx1"/>
+                </a:solidFill>
+                <a:latin typeface="Times New Roman" panose="02020603050405020304" pitchFamily="18" charset="0"/>
+                <a:cs typeface="Times New Roman" panose="02020603050405020304" pitchFamily="18" charset="0"/>
+              </a:rPr>
+              <a:t>('Terminou o processo!!!');</a:t>
+            </a:r>
+          </a:p>
+          <a:p>
+            <a:pPr marL="0" indent="0" algn="just">
+              <a:buNone/>
+            </a:pPr>
+            <a:r>
+              <a:rPr lang="pt-BR" sz="2000" dirty="0">
+                <a:solidFill>
+                  <a:schemeClr val="tx1"/>
+                </a:solidFill>
+                <a:latin typeface="Times New Roman" panose="02020603050405020304" pitchFamily="18" charset="0"/>
+                <a:cs typeface="Times New Roman" panose="02020603050405020304" pitchFamily="18" charset="0"/>
+              </a:rPr>
+              <a:t>          	}); //'</a:t>
+            </a:r>
+            <a:r>
+              <a:rPr lang="pt-BR" sz="2000" dirty="0" err="1">
+                <a:solidFill>
+                  <a:schemeClr val="tx1"/>
+                </a:solidFill>
+                <a:latin typeface="Times New Roman" panose="02020603050405020304" pitchFamily="18" charset="0"/>
+                <a:cs typeface="Times New Roman" panose="02020603050405020304" pitchFamily="18" charset="0"/>
+              </a:rPr>
+              <a:t>slow</a:t>
+            </a:r>
+            <a:r>
+              <a:rPr lang="pt-BR" sz="2000" dirty="0">
+                <a:solidFill>
+                  <a:schemeClr val="tx1"/>
+                </a:solidFill>
+                <a:latin typeface="Times New Roman" panose="02020603050405020304" pitchFamily="18" charset="0"/>
+                <a:cs typeface="Times New Roman" panose="02020603050405020304" pitchFamily="18" charset="0"/>
+              </a:rPr>
+              <a:t>';  'fast’; </a:t>
+            </a:r>
+            <a:r>
+              <a:rPr lang="pt-BR" sz="2000" b="1" dirty="0">
+                <a:solidFill>
+                  <a:schemeClr val="tx1"/>
+                </a:solidFill>
+                <a:latin typeface="Times New Roman" panose="02020603050405020304" pitchFamily="18" charset="0"/>
+                <a:cs typeface="Times New Roman" panose="02020603050405020304" pitchFamily="18" charset="0"/>
+              </a:rPr>
+              <a:t>eventos</a:t>
+            </a:r>
+            <a:r>
+              <a:rPr lang="pt-BR" sz="2000" dirty="0">
+                <a:solidFill>
+                  <a:schemeClr val="tx1"/>
+                </a:solidFill>
+                <a:latin typeface="Times New Roman" panose="02020603050405020304" pitchFamily="18" charset="0"/>
+                <a:cs typeface="Times New Roman" panose="02020603050405020304" pitchFamily="18" charset="0"/>
+              </a:rPr>
+              <a:t>: </a:t>
+            </a:r>
+            <a:r>
+              <a:rPr lang="pt-BR" sz="2000" dirty="0" err="1">
+                <a:solidFill>
+                  <a:srgbClr val="FF0000"/>
+                </a:solidFill>
+                <a:latin typeface="Times New Roman" panose="02020603050405020304" pitchFamily="18" charset="0"/>
+                <a:cs typeface="Times New Roman" panose="02020603050405020304" pitchFamily="18" charset="0"/>
+              </a:rPr>
+              <a:t>toggle:on</a:t>
+            </a:r>
+            <a:r>
+              <a:rPr lang="pt-BR" sz="2000" dirty="0">
+                <a:solidFill>
+                  <a:srgbClr val="FF0000"/>
+                </a:solidFill>
+                <a:latin typeface="Times New Roman" panose="02020603050405020304" pitchFamily="18" charset="0"/>
+                <a:cs typeface="Times New Roman" panose="02020603050405020304" pitchFamily="18" charset="0"/>
+              </a:rPr>
+              <a:t>/off; </a:t>
+            </a:r>
+            <a:r>
+              <a:rPr lang="pt-BR" sz="2000" dirty="0" err="1">
+                <a:solidFill>
+                  <a:srgbClr val="FF0000"/>
+                </a:solidFill>
+                <a:latin typeface="Times New Roman" panose="02020603050405020304" pitchFamily="18" charset="0"/>
+                <a:cs typeface="Times New Roman" panose="02020603050405020304" pitchFamily="18" charset="0"/>
+              </a:rPr>
+              <a:t>fadeOut</a:t>
+            </a:r>
+            <a:r>
+              <a:rPr lang="pt-BR" sz="2000" dirty="0">
+                <a:solidFill>
+                  <a:srgbClr val="FF0000"/>
+                </a:solidFill>
+                <a:latin typeface="Times New Roman" panose="02020603050405020304" pitchFamily="18" charset="0"/>
+                <a:cs typeface="Times New Roman" panose="02020603050405020304" pitchFamily="18" charset="0"/>
+              </a:rPr>
+              <a:t>(); </a:t>
+            </a:r>
+            <a:r>
+              <a:rPr lang="pt-BR" sz="2000" dirty="0" err="1">
+                <a:solidFill>
+                  <a:srgbClr val="FF0000"/>
+                </a:solidFill>
+                <a:latin typeface="Times New Roman" panose="02020603050405020304" pitchFamily="18" charset="0"/>
+                <a:cs typeface="Times New Roman" panose="02020603050405020304" pitchFamily="18" charset="0"/>
+              </a:rPr>
+              <a:t>fadeIn</a:t>
+            </a:r>
+            <a:r>
+              <a:rPr lang="pt-BR" sz="2000" dirty="0">
+                <a:solidFill>
+                  <a:srgbClr val="FF0000"/>
+                </a:solidFill>
+                <a:latin typeface="Times New Roman" panose="02020603050405020304" pitchFamily="18" charset="0"/>
+                <a:cs typeface="Times New Roman" panose="02020603050405020304" pitchFamily="18" charset="0"/>
+              </a:rPr>
+              <a:t>(); </a:t>
+            </a:r>
+            <a:r>
+              <a:rPr lang="pt-BR" sz="2000" dirty="0" err="1">
+                <a:solidFill>
+                  <a:srgbClr val="FF0000"/>
+                </a:solidFill>
+                <a:latin typeface="Times New Roman" panose="02020603050405020304" pitchFamily="18" charset="0"/>
+                <a:cs typeface="Times New Roman" panose="02020603050405020304" pitchFamily="18" charset="0"/>
+              </a:rPr>
+              <a:t>fadeToggle</a:t>
+            </a:r>
+            <a:r>
+              <a:rPr lang="pt-BR" sz="2000" dirty="0">
+                <a:solidFill>
+                  <a:srgbClr val="FF0000"/>
+                </a:solidFill>
+                <a:latin typeface="Times New Roman" panose="02020603050405020304" pitchFamily="18" charset="0"/>
+                <a:cs typeface="Times New Roman" panose="02020603050405020304" pitchFamily="18" charset="0"/>
+              </a:rPr>
+              <a:t>()</a:t>
+            </a:r>
+          </a:p>
+          <a:p>
+            <a:pPr marL="0" indent="0" algn="just">
+              <a:buNone/>
+            </a:pPr>
+            <a:r>
+              <a:rPr lang="pt-BR" sz="2000" dirty="0">
+                <a:solidFill>
+                  <a:schemeClr val="tx1"/>
+                </a:solidFill>
+                <a:latin typeface="Times New Roman" panose="02020603050405020304" pitchFamily="18" charset="0"/>
+                <a:cs typeface="Times New Roman" panose="02020603050405020304" pitchFamily="18" charset="0"/>
+              </a:rPr>
+              <a:t>        });</a:t>
+            </a:r>
+          </a:p>
+          <a:p>
+            <a:pPr marL="0" indent="0" algn="just">
+              <a:buNone/>
+            </a:pPr>
+            <a:r>
+              <a:rPr lang="pt-BR" sz="2000" dirty="0">
+                <a:solidFill>
+                  <a:schemeClr val="tx1"/>
+                </a:solidFill>
+                <a:latin typeface="Times New Roman" panose="02020603050405020304" pitchFamily="18" charset="0"/>
+                <a:cs typeface="Times New Roman" panose="02020603050405020304" pitchFamily="18" charset="0"/>
+              </a:rPr>
+              <a:t>        $("#</a:t>
+            </a:r>
+            <a:r>
+              <a:rPr lang="pt-BR" sz="2000" b="1" dirty="0" err="1">
+                <a:solidFill>
+                  <a:schemeClr val="tx1"/>
+                </a:solidFill>
+                <a:latin typeface="Times New Roman" panose="02020603050405020304" pitchFamily="18" charset="0"/>
+                <a:cs typeface="Times New Roman" panose="02020603050405020304" pitchFamily="18" charset="0"/>
+              </a:rPr>
+              <a:t>botaoShow</a:t>
+            </a:r>
+            <a:r>
+              <a:rPr lang="pt-BR" sz="2000" dirty="0">
+                <a:solidFill>
+                  <a:schemeClr val="tx1"/>
+                </a:solidFill>
+                <a:latin typeface="Times New Roman" panose="02020603050405020304" pitchFamily="18" charset="0"/>
+                <a:cs typeface="Times New Roman" panose="02020603050405020304" pitchFamily="18" charset="0"/>
+              </a:rPr>
+              <a:t>").click(</a:t>
+            </a:r>
+            <a:r>
+              <a:rPr lang="pt-BR" sz="2000" dirty="0" err="1">
+                <a:solidFill>
+                  <a:schemeClr val="tx1"/>
+                </a:solidFill>
+                <a:latin typeface="Times New Roman" panose="02020603050405020304" pitchFamily="18" charset="0"/>
+                <a:cs typeface="Times New Roman" panose="02020603050405020304" pitchFamily="18" charset="0"/>
+              </a:rPr>
+              <a:t>function</a:t>
+            </a:r>
+            <a:r>
+              <a:rPr lang="pt-BR" sz="2000" dirty="0">
+                <a:solidFill>
+                  <a:schemeClr val="tx1"/>
+                </a:solidFill>
+                <a:latin typeface="Times New Roman" panose="02020603050405020304" pitchFamily="18" charset="0"/>
+                <a:cs typeface="Times New Roman" panose="02020603050405020304" pitchFamily="18" charset="0"/>
+              </a:rPr>
+              <a:t> () {</a:t>
+            </a:r>
+          </a:p>
+          <a:p>
+            <a:pPr marL="0" indent="0" algn="just">
+              <a:buNone/>
+            </a:pPr>
+            <a:r>
+              <a:rPr lang="pt-BR" sz="2000" dirty="0">
+                <a:solidFill>
+                  <a:schemeClr val="tx1"/>
+                </a:solidFill>
+                <a:latin typeface="Times New Roman" panose="02020603050405020304" pitchFamily="18" charset="0"/>
+                <a:cs typeface="Times New Roman" panose="02020603050405020304" pitchFamily="18" charset="0"/>
+              </a:rPr>
+              <a:t>          $(".blue").show(3000);     });</a:t>
+            </a:r>
+          </a:p>
+          <a:p>
+            <a:pPr marL="0" indent="0" algn="just">
+              <a:buNone/>
+            </a:pPr>
+            <a:r>
+              <a:rPr lang="pt-BR" sz="2000" dirty="0">
+                <a:solidFill>
+                  <a:schemeClr val="tx1"/>
+                </a:solidFill>
+                <a:latin typeface="Times New Roman" panose="02020603050405020304" pitchFamily="18" charset="0"/>
+                <a:cs typeface="Times New Roman" panose="02020603050405020304" pitchFamily="18" charset="0"/>
+              </a:rPr>
+              <a:t>      });</a:t>
+            </a:r>
           </a:p>
           <a:p>
             <a:pPr marL="0" indent="0" algn="just">
@@ -5260,7 +6564,7 @@
                   <a:srgbClr val="0070C0"/>
                 </a:solidFill>
               </a:rPr>
-              <a:t>Leitura</a:t>
+              <a:t>JQuery</a:t>
             </a:r>
             <a:r>
               <a:rPr lang="en-US" b="1" dirty="0">
@@ -5268,7 +6572,7 @@
                   <a:srgbClr val="0070C0"/>
                 </a:solidFill>
               </a:rPr>
-              <a:t> </a:t>
+              <a:t> – </a:t>
             </a:r>
             <a:r>
               <a:rPr lang="en-US" b="1" dirty="0" err="1">
@@ -5276,7 +6580,23 @@
                   <a:srgbClr val="0070C0"/>
                 </a:solidFill>
               </a:rPr>
-              <a:t>Específica</a:t>
+              <a:t>Funções</a:t>
+            </a:r>
+            <a:r>
+              <a:rPr lang="en-US" b="1" dirty="0">
+                <a:solidFill>
+                  <a:srgbClr val="0070C0"/>
+                </a:solidFill>
+              </a:rPr>
+              <a:t>/</a:t>
+            </a:r>
+            <a:r>
+              <a:rPr lang="en-US" b="1" dirty="0" err="1">
+                <a:solidFill>
+                  <a:srgbClr val="0070C0"/>
+                </a:solidFill>
+              </a:rPr>
+              <a:t>Eventos</a:t>
             </a:r>
             <a:endParaRPr lang="en-US" b="1" dirty="0">
               <a:solidFill>
@@ -5298,8 +6618,8 @@
         </p:nvSpPr>
         <p:spPr>
           <a:xfrm>
-            <a:off x="142865" y="1012261"/>
-            <a:ext cx="8865056" cy="3835312"/>
+            <a:off x="142865" y="1037312"/>
+            <a:ext cx="8865056" cy="3900208"/>
           </a:xfrm>
         </p:spPr>
         <p:txBody>
@@ -5312,20 +6632,319 @@
               <a:buNone/>
             </a:pPr>
             <a:r>
+              <a:rPr lang="pt-BR" sz="2400" b="1" dirty="0">
+                <a:solidFill>
+                  <a:srgbClr val="FF0000"/>
+                </a:solidFill>
+                <a:latin typeface="Times New Roman" panose="02020603050405020304" pitchFamily="18" charset="0"/>
+                <a:cs typeface="Times New Roman" panose="02020603050405020304" pitchFamily="18" charset="0"/>
+              </a:rPr>
+              <a:t>Exemplo 10</a:t>
+            </a:r>
+            <a:r>
+              <a:rPr lang="pt-BR" sz="2400" b="1" dirty="0">
+                <a:solidFill>
+                  <a:schemeClr val="tx1"/>
+                </a:solidFill>
+                <a:latin typeface="Times New Roman" panose="02020603050405020304" pitchFamily="18" charset="0"/>
+                <a:cs typeface="Times New Roman" panose="02020603050405020304" pitchFamily="18" charset="0"/>
+              </a:rPr>
+              <a:t>: 02 </a:t>
+            </a:r>
+            <a:r>
+              <a:rPr lang="pt-BR" sz="2400" b="1" dirty="0" err="1">
+                <a:solidFill>
+                  <a:schemeClr val="tx1"/>
+                </a:solidFill>
+                <a:latin typeface="Times New Roman" panose="02020603050405020304" pitchFamily="18" charset="0"/>
+                <a:cs typeface="Times New Roman" panose="02020603050405020304" pitchFamily="18" charset="0"/>
+              </a:rPr>
+              <a:t>DIVs</a:t>
+            </a:r>
+            <a:r>
+              <a:rPr lang="pt-BR" sz="2400" b="1" dirty="0">
+                <a:solidFill>
+                  <a:schemeClr val="tx1"/>
+                </a:solidFill>
+                <a:latin typeface="Times New Roman" panose="02020603050405020304" pitchFamily="18" charset="0"/>
+                <a:cs typeface="Times New Roman" panose="02020603050405020304" pitchFamily="18" charset="0"/>
+              </a:rPr>
+              <a:t>;</a:t>
+            </a:r>
+          </a:p>
+          <a:p>
+            <a:pPr marL="0" indent="0" algn="just">
+              <a:buNone/>
+            </a:pPr>
+            <a:r>
               <a:rPr lang="pt-BR" sz="2000" dirty="0">
-                <a:latin typeface="Times New Roman" panose="02020603050405020304" pitchFamily="18" charset="0"/>
-                <a:cs typeface="Times New Roman" panose="02020603050405020304" pitchFamily="18" charset="0"/>
-              </a:rPr>
-              <a:t>[1] </a:t>
-            </a:r>
-            <a:r>
-              <a:rPr lang="pt-BR" sz="2000" b="1" dirty="0" err="1">
-                <a:latin typeface="Times New Roman" panose="02020603050405020304" pitchFamily="18" charset="0"/>
-                <a:cs typeface="Times New Roman" panose="02020603050405020304" pitchFamily="18" charset="0"/>
-              </a:rPr>
-              <a:t>JQuery</a:t>
-            </a:r>
-            <a:endParaRPr lang="pt-BR" sz="2000" dirty="0">
+                <a:solidFill>
+                  <a:schemeClr val="tx1"/>
+                </a:solidFill>
+                <a:latin typeface="Times New Roman" panose="02020603050405020304" pitchFamily="18" charset="0"/>
+                <a:cs typeface="Times New Roman" panose="02020603050405020304" pitchFamily="18" charset="0"/>
+              </a:rPr>
+              <a:t> </a:t>
+            </a:r>
+          </a:p>
+          <a:p>
+            <a:pPr marL="0" indent="0" algn="just">
+              <a:buNone/>
+            </a:pPr>
+            <a:r>
+              <a:rPr lang="pt-BR" sz="2400" dirty="0">
+                <a:solidFill>
+                  <a:schemeClr val="tx1"/>
+                </a:solidFill>
+                <a:latin typeface="Times New Roman" panose="02020603050405020304" pitchFamily="18" charset="0"/>
+                <a:cs typeface="Times New Roman" panose="02020603050405020304" pitchFamily="18" charset="0"/>
+              </a:rPr>
+              <a:t>	$(</a:t>
+            </a:r>
+            <a:r>
+              <a:rPr lang="pt-BR" sz="2400" b="1" dirty="0" err="1">
+                <a:solidFill>
+                  <a:schemeClr val="tx1"/>
+                </a:solidFill>
+                <a:latin typeface="Times New Roman" panose="02020603050405020304" pitchFamily="18" charset="0"/>
+                <a:cs typeface="Times New Roman" panose="02020603050405020304" pitchFamily="18" charset="0"/>
+              </a:rPr>
+              <a:t>document</a:t>
+            </a:r>
+            <a:r>
+              <a:rPr lang="pt-BR" sz="2400" dirty="0">
+                <a:solidFill>
+                  <a:schemeClr val="tx1"/>
+                </a:solidFill>
+                <a:latin typeface="Times New Roman" panose="02020603050405020304" pitchFamily="18" charset="0"/>
+                <a:cs typeface="Times New Roman" panose="02020603050405020304" pitchFamily="18" charset="0"/>
+              </a:rPr>
+              <a:t>).</a:t>
+            </a:r>
+            <a:r>
+              <a:rPr lang="pt-BR" sz="2400" b="1" dirty="0" err="1">
+                <a:solidFill>
+                  <a:srgbClr val="FF0000"/>
+                </a:solidFill>
+                <a:latin typeface="Times New Roman" panose="02020603050405020304" pitchFamily="18" charset="0"/>
+                <a:cs typeface="Times New Roman" panose="02020603050405020304" pitchFamily="18" charset="0"/>
+              </a:rPr>
+              <a:t>ready</a:t>
+            </a:r>
+            <a:r>
+              <a:rPr lang="pt-BR" sz="2400" dirty="0">
+                <a:solidFill>
+                  <a:schemeClr val="tx1"/>
+                </a:solidFill>
+                <a:latin typeface="Times New Roman" panose="02020603050405020304" pitchFamily="18" charset="0"/>
+                <a:cs typeface="Times New Roman" panose="02020603050405020304" pitchFamily="18" charset="0"/>
+              </a:rPr>
+              <a:t>(	</a:t>
+            </a:r>
+            <a:r>
+              <a:rPr lang="pt-BR" sz="2400" b="1" dirty="0" err="1">
+                <a:solidFill>
+                  <a:schemeClr val="tx1"/>
+                </a:solidFill>
+                <a:latin typeface="Times New Roman" panose="02020603050405020304" pitchFamily="18" charset="0"/>
+                <a:cs typeface="Times New Roman" panose="02020603050405020304" pitchFamily="18" charset="0"/>
+              </a:rPr>
+              <a:t>function</a:t>
+            </a:r>
+            <a:r>
+              <a:rPr lang="pt-BR" sz="2400" dirty="0">
+                <a:solidFill>
+                  <a:schemeClr val="tx1"/>
+                </a:solidFill>
+                <a:latin typeface="Times New Roman" panose="02020603050405020304" pitchFamily="18" charset="0"/>
+                <a:cs typeface="Times New Roman" panose="02020603050405020304" pitchFamily="18" charset="0"/>
+              </a:rPr>
+              <a:t> () {</a:t>
+            </a:r>
+          </a:p>
+          <a:p>
+            <a:pPr marL="0" indent="0" algn="just">
+              <a:buNone/>
+            </a:pPr>
+            <a:r>
+              <a:rPr lang="pt-BR" sz="2400" dirty="0">
+                <a:solidFill>
+                  <a:schemeClr val="tx1"/>
+                </a:solidFill>
+                <a:latin typeface="Times New Roman" panose="02020603050405020304" pitchFamily="18" charset="0"/>
+                <a:cs typeface="Times New Roman" panose="02020603050405020304" pitchFamily="18" charset="0"/>
+              </a:rPr>
+              <a:t>          $("#</a:t>
+            </a:r>
+            <a:r>
+              <a:rPr lang="pt-BR" sz="2400" b="1" dirty="0">
+                <a:solidFill>
+                  <a:schemeClr val="tx1"/>
+                </a:solidFill>
+                <a:latin typeface="Times New Roman" panose="02020603050405020304" pitchFamily="18" charset="0"/>
+                <a:cs typeface="Times New Roman" panose="02020603050405020304" pitchFamily="18" charset="0"/>
+              </a:rPr>
+              <a:t>flip</a:t>
+            </a:r>
+            <a:r>
+              <a:rPr lang="pt-BR" sz="2400" dirty="0">
+                <a:solidFill>
+                  <a:schemeClr val="tx1"/>
+                </a:solidFill>
+                <a:latin typeface="Times New Roman" panose="02020603050405020304" pitchFamily="18" charset="0"/>
+                <a:cs typeface="Times New Roman" panose="02020603050405020304" pitchFamily="18" charset="0"/>
+              </a:rPr>
+              <a:t>").</a:t>
+            </a:r>
+            <a:r>
+              <a:rPr lang="pt-BR" sz="2400" b="1" dirty="0">
+                <a:solidFill>
+                  <a:schemeClr val="tx1"/>
+                </a:solidFill>
+                <a:latin typeface="Times New Roman" panose="02020603050405020304" pitchFamily="18" charset="0"/>
+                <a:cs typeface="Times New Roman" panose="02020603050405020304" pitchFamily="18" charset="0"/>
+              </a:rPr>
+              <a:t>click</a:t>
+            </a:r>
+            <a:r>
+              <a:rPr lang="pt-BR" sz="2400" dirty="0">
+                <a:solidFill>
+                  <a:schemeClr val="tx1"/>
+                </a:solidFill>
+                <a:latin typeface="Times New Roman" panose="02020603050405020304" pitchFamily="18" charset="0"/>
+                <a:cs typeface="Times New Roman" panose="02020603050405020304" pitchFamily="18" charset="0"/>
+              </a:rPr>
+              <a:t>( </a:t>
+            </a:r>
+            <a:r>
+              <a:rPr lang="pt-BR" sz="2400" dirty="0" err="1">
+                <a:solidFill>
+                  <a:schemeClr val="tx1"/>
+                </a:solidFill>
+                <a:latin typeface="Times New Roman" panose="02020603050405020304" pitchFamily="18" charset="0"/>
+                <a:cs typeface="Times New Roman" panose="02020603050405020304" pitchFamily="18" charset="0"/>
+              </a:rPr>
+              <a:t>function</a:t>
+            </a:r>
+            <a:r>
+              <a:rPr lang="pt-BR" sz="2400" dirty="0">
+                <a:solidFill>
+                  <a:schemeClr val="tx1"/>
+                </a:solidFill>
+                <a:latin typeface="Times New Roman" panose="02020603050405020304" pitchFamily="18" charset="0"/>
+                <a:cs typeface="Times New Roman" panose="02020603050405020304" pitchFamily="18" charset="0"/>
+              </a:rPr>
+              <a:t> () {</a:t>
+            </a:r>
+          </a:p>
+          <a:p>
+            <a:pPr marL="0" indent="0" algn="just">
+              <a:buNone/>
+            </a:pPr>
+            <a:r>
+              <a:rPr lang="pt-BR" sz="2400" dirty="0">
+                <a:solidFill>
+                  <a:schemeClr val="tx1"/>
+                </a:solidFill>
+                <a:latin typeface="Times New Roman" panose="02020603050405020304" pitchFamily="18" charset="0"/>
+                <a:cs typeface="Times New Roman" panose="02020603050405020304" pitchFamily="18" charset="0"/>
+              </a:rPr>
+              <a:t>          	   $(‘#</a:t>
+            </a:r>
+            <a:r>
+              <a:rPr lang="pt-BR" sz="2400" b="1" dirty="0">
+                <a:solidFill>
+                  <a:schemeClr val="tx1"/>
+                </a:solidFill>
+                <a:latin typeface="Times New Roman" panose="02020603050405020304" pitchFamily="18" charset="0"/>
+                <a:cs typeface="Times New Roman" panose="02020603050405020304" pitchFamily="18" charset="0"/>
+              </a:rPr>
+              <a:t>painel</a:t>
+            </a:r>
+            <a:r>
+              <a:rPr lang="pt-BR" sz="2400" dirty="0">
+                <a:solidFill>
+                  <a:schemeClr val="tx1"/>
+                </a:solidFill>
+                <a:latin typeface="Times New Roman" panose="02020603050405020304" pitchFamily="18" charset="0"/>
+                <a:cs typeface="Times New Roman" panose="02020603050405020304" pitchFamily="18" charset="0"/>
+              </a:rPr>
+              <a:t>’).</a:t>
+            </a:r>
+            <a:r>
+              <a:rPr lang="pt-BR" sz="2400" b="1" dirty="0" err="1">
+                <a:solidFill>
+                  <a:schemeClr val="tx1"/>
+                </a:solidFill>
+                <a:latin typeface="Times New Roman" panose="02020603050405020304" pitchFamily="18" charset="0"/>
+                <a:cs typeface="Times New Roman" panose="02020603050405020304" pitchFamily="18" charset="0"/>
+              </a:rPr>
+              <a:t>slideDown</a:t>
+            </a:r>
+            <a:r>
+              <a:rPr lang="pt-BR" sz="2400" dirty="0">
+                <a:solidFill>
+                  <a:schemeClr val="tx1"/>
+                </a:solidFill>
+                <a:latin typeface="Times New Roman" panose="02020603050405020304" pitchFamily="18" charset="0"/>
+                <a:cs typeface="Times New Roman" panose="02020603050405020304" pitchFamily="18" charset="0"/>
+              </a:rPr>
+              <a:t>(‘</a:t>
+            </a:r>
+            <a:r>
+              <a:rPr lang="pt-BR" sz="2400" dirty="0" err="1">
+                <a:solidFill>
+                  <a:schemeClr val="tx1"/>
+                </a:solidFill>
+                <a:latin typeface="Times New Roman" panose="02020603050405020304" pitchFamily="18" charset="0"/>
+                <a:cs typeface="Times New Roman" panose="02020603050405020304" pitchFamily="18" charset="0"/>
+              </a:rPr>
+              <a:t>slow</a:t>
+            </a:r>
+            <a:r>
+              <a:rPr lang="pt-BR" sz="2400" dirty="0">
+                <a:solidFill>
+                  <a:schemeClr val="tx1"/>
+                </a:solidFill>
+                <a:latin typeface="Times New Roman" panose="02020603050405020304" pitchFamily="18" charset="0"/>
+                <a:cs typeface="Times New Roman" panose="02020603050405020304" pitchFamily="18" charset="0"/>
+              </a:rPr>
+              <a:t>’); // </a:t>
+            </a:r>
+            <a:r>
+              <a:rPr lang="pt-BR" sz="2400" b="1" dirty="0" err="1">
+                <a:solidFill>
+                  <a:schemeClr val="tx1"/>
+                </a:solidFill>
+                <a:latin typeface="Times New Roman" panose="02020603050405020304" pitchFamily="18" charset="0"/>
+                <a:cs typeface="Times New Roman" panose="02020603050405020304" pitchFamily="18" charset="0"/>
+              </a:rPr>
+              <a:t>slideUp</a:t>
+            </a:r>
+            <a:r>
+              <a:rPr lang="pt-BR" sz="2400" dirty="0">
+                <a:solidFill>
+                  <a:schemeClr val="tx1"/>
+                </a:solidFill>
+                <a:latin typeface="Times New Roman" panose="02020603050405020304" pitchFamily="18" charset="0"/>
+                <a:cs typeface="Times New Roman" panose="02020603050405020304" pitchFamily="18" charset="0"/>
+              </a:rPr>
+              <a:t>; </a:t>
+            </a:r>
+            <a:r>
+              <a:rPr lang="pt-BR" sz="2400" b="1" dirty="0" err="1">
+                <a:solidFill>
+                  <a:schemeClr val="tx1"/>
+                </a:solidFill>
+                <a:latin typeface="Times New Roman" panose="02020603050405020304" pitchFamily="18" charset="0"/>
+                <a:cs typeface="Times New Roman" panose="02020603050405020304" pitchFamily="18" charset="0"/>
+              </a:rPr>
+              <a:t>slideToggle</a:t>
+            </a:r>
+            <a:endParaRPr lang="pt-BR" sz="2400" b="1" dirty="0">
+              <a:solidFill>
+                <a:schemeClr val="tx1"/>
+              </a:solidFill>
               <a:latin typeface="Times New Roman" panose="02020603050405020304" pitchFamily="18" charset="0"/>
               <a:cs typeface="Times New Roman" panose="02020603050405020304" pitchFamily="18" charset="0"/>
             </a:endParaRPr>
@@ -5335,169 +6954,39 @@
               <a:buNone/>
             </a:pPr>
             <a:r>
-              <a:rPr lang="pt-BR" sz="2000" b="1" dirty="0">
-                <a:latin typeface="Times New Roman" panose="02020603050405020304" pitchFamily="18" charset="0"/>
-                <a:cs typeface="Times New Roman" panose="02020603050405020304" pitchFamily="18" charset="0"/>
-              </a:rPr>
-              <a:t>	Disponível em</a:t>
-            </a:r>
-            <a:r>
-              <a:rPr lang="pt-BR" sz="2000" dirty="0">
-                <a:latin typeface="Times New Roman" panose="02020603050405020304" pitchFamily="18" charset="0"/>
-                <a:cs typeface="Times New Roman" panose="02020603050405020304" pitchFamily="18" charset="0"/>
-              </a:rPr>
-              <a:t>: </a:t>
-            </a:r>
-            <a:r>
-              <a:rPr lang="pt-BR" sz="2000" dirty="0">
-                <a:latin typeface="Times New Roman" panose="02020603050405020304" pitchFamily="18" charset="0"/>
-                <a:cs typeface="Times New Roman" panose="02020603050405020304" pitchFamily="18" charset="0"/>
-                <a:hlinkClick r:id="rId3"/>
-              </a:rPr>
-              <a:t>https://jquery.com/</a:t>
-            </a:r>
-            <a:endParaRPr lang="pt-BR" sz="2000" dirty="0">
-              <a:latin typeface="Times New Roman" panose="02020603050405020304" pitchFamily="18" charset="0"/>
-              <a:cs typeface="Times New Roman" panose="02020603050405020304" pitchFamily="18" charset="0"/>
-            </a:endParaRPr>
-          </a:p>
-          <a:p>
-            <a:pPr marL="0" indent="0" algn="just">
-              <a:buNone/>
-            </a:pPr>
-            <a:endParaRPr lang="pt-BR" sz="2000" dirty="0">
-              <a:latin typeface="Times New Roman" panose="02020603050405020304" pitchFamily="18" charset="0"/>
-              <a:cs typeface="Times New Roman" panose="02020603050405020304" pitchFamily="18" charset="0"/>
-            </a:endParaRPr>
-          </a:p>
-          <a:p>
-            <a:pPr marL="0" indent="0" algn="just">
-              <a:buNone/>
-            </a:pPr>
-            <a:r>
-              <a:rPr lang="pt-BR" sz="2000" dirty="0">
-                <a:latin typeface="Times New Roman" panose="02020603050405020304" pitchFamily="18" charset="0"/>
-                <a:cs typeface="Times New Roman" panose="02020603050405020304" pitchFamily="18" charset="0"/>
-              </a:rPr>
-              <a:t>[2] </a:t>
-            </a:r>
-            <a:r>
-              <a:rPr lang="pt-BR" sz="2000" b="1" dirty="0">
-                <a:latin typeface="Times New Roman" panose="02020603050405020304" pitchFamily="18" charset="0"/>
-                <a:cs typeface="Times New Roman" panose="02020603050405020304" pitchFamily="18" charset="0"/>
-              </a:rPr>
-              <a:t>Devmedia</a:t>
-            </a:r>
-          </a:p>
-          <a:p>
-            <a:pPr marL="0" indent="0" algn="just">
-              <a:buNone/>
-            </a:pPr>
-            <a:r>
-              <a:rPr lang="pt-BR" sz="2000" dirty="0">
-                <a:latin typeface="Times New Roman" panose="02020603050405020304" pitchFamily="18" charset="0"/>
-                <a:cs typeface="Times New Roman" panose="02020603050405020304" pitchFamily="18" charset="0"/>
-              </a:rPr>
-              <a:t>	</a:t>
-            </a:r>
-            <a:r>
-              <a:rPr lang="pt-BR" sz="2000" b="1" dirty="0">
-                <a:latin typeface="Times New Roman" panose="02020603050405020304" pitchFamily="18" charset="0"/>
-                <a:cs typeface="Times New Roman" panose="02020603050405020304" pitchFamily="18" charset="0"/>
-              </a:rPr>
-              <a:t> Disponível em</a:t>
-            </a:r>
-            <a:r>
-              <a:rPr lang="pt-BR" sz="2000" dirty="0">
-                <a:latin typeface="Times New Roman" panose="02020603050405020304" pitchFamily="18" charset="0"/>
-                <a:cs typeface="Times New Roman" panose="02020603050405020304" pitchFamily="18" charset="0"/>
-              </a:rPr>
-              <a:t>: </a:t>
-            </a:r>
-            <a:r>
-              <a:rPr lang="pt-BR" sz="2000" dirty="0">
-                <a:latin typeface="Times New Roman" panose="02020603050405020304" pitchFamily="18" charset="0"/>
-                <a:cs typeface="Times New Roman" panose="02020603050405020304" pitchFamily="18" charset="0"/>
-                <a:hlinkClick r:id="rId4"/>
-              </a:rPr>
-              <a:t>https://www.devmedia.com.br/jquery-tutorial/27299</a:t>
-            </a:r>
-            <a:endParaRPr lang="pt-BR" sz="2000" dirty="0">
-              <a:latin typeface="Times New Roman" panose="02020603050405020304" pitchFamily="18" charset="0"/>
-              <a:cs typeface="Times New Roman" panose="02020603050405020304" pitchFamily="18" charset="0"/>
-            </a:endParaRPr>
-          </a:p>
-          <a:p>
-            <a:pPr marL="0" indent="0" algn="just">
-              <a:buNone/>
-            </a:pPr>
-            <a:endParaRPr lang="pt-BR" sz="2000" dirty="0">
-              <a:latin typeface="Times New Roman" panose="02020603050405020304" pitchFamily="18" charset="0"/>
-              <a:cs typeface="Times New Roman" panose="02020603050405020304" pitchFamily="18" charset="0"/>
-            </a:endParaRPr>
-          </a:p>
-          <a:p>
-            <a:pPr marL="0" indent="0" algn="just">
-              <a:buNone/>
-            </a:pPr>
-            <a:r>
-              <a:rPr lang="pt-BR" sz="2000" dirty="0">
-                <a:latin typeface="Times New Roman" panose="02020603050405020304" pitchFamily="18" charset="0"/>
-                <a:cs typeface="Times New Roman" panose="02020603050405020304" pitchFamily="18" charset="0"/>
-              </a:rPr>
-              <a:t>[3] </a:t>
-            </a:r>
-            <a:r>
-              <a:rPr lang="pt-BR" sz="2000" b="1" dirty="0">
-                <a:latin typeface="Times New Roman" panose="02020603050405020304" pitchFamily="18" charset="0"/>
-                <a:cs typeface="Times New Roman" panose="02020603050405020304" pitchFamily="18" charset="0"/>
-              </a:rPr>
-              <a:t>W3Schools</a:t>
-            </a:r>
-          </a:p>
-          <a:p>
-            <a:pPr marL="0" indent="0" algn="just">
-              <a:buNone/>
-            </a:pPr>
-            <a:r>
-              <a:rPr lang="pt-BR" sz="2000" dirty="0">
-                <a:latin typeface="Times New Roman" panose="02020603050405020304" pitchFamily="18" charset="0"/>
-                <a:cs typeface="Times New Roman" panose="02020603050405020304" pitchFamily="18" charset="0"/>
-              </a:rPr>
-              <a:t>	</a:t>
-            </a:r>
-            <a:r>
-              <a:rPr lang="pt-BR" sz="2000" b="1" dirty="0">
-                <a:latin typeface="Times New Roman" panose="02020603050405020304" pitchFamily="18" charset="0"/>
-                <a:cs typeface="Times New Roman" panose="02020603050405020304" pitchFamily="18" charset="0"/>
-              </a:rPr>
-              <a:t> Disponível em</a:t>
-            </a:r>
-            <a:r>
-              <a:rPr lang="pt-BR" sz="2000" dirty="0">
-                <a:latin typeface="Times New Roman" panose="02020603050405020304" pitchFamily="18" charset="0"/>
-                <a:cs typeface="Times New Roman" panose="02020603050405020304" pitchFamily="18" charset="0"/>
-              </a:rPr>
-              <a:t>: </a:t>
-            </a:r>
-            <a:r>
-              <a:rPr lang="pt-BR" sz="2000" dirty="0">
-                <a:latin typeface="Times New Roman" panose="02020603050405020304" pitchFamily="18" charset="0"/>
-                <a:cs typeface="Times New Roman" panose="02020603050405020304" pitchFamily="18" charset="0"/>
-                <a:hlinkClick r:id="rId5"/>
-              </a:rPr>
-              <a:t>https://www.w3schools.com/jquery/default.asp</a:t>
-            </a:r>
-            <a:endParaRPr lang="pt-BR" sz="2000" dirty="0">
-              <a:latin typeface="Times New Roman" panose="02020603050405020304" pitchFamily="18" charset="0"/>
-              <a:cs typeface="Times New Roman" panose="02020603050405020304" pitchFamily="18" charset="0"/>
-            </a:endParaRPr>
-          </a:p>
-          <a:p>
-            <a:pPr marL="0" indent="0" algn="just">
-              <a:buNone/>
-            </a:pPr>
-            <a:endParaRPr lang="pt-BR" sz="2000" dirty="0">
+              <a:rPr lang="pt-BR" sz="2400" dirty="0">
+                <a:solidFill>
+                  <a:schemeClr val="tx1"/>
+                </a:solidFill>
+                <a:latin typeface="Times New Roman" panose="02020603050405020304" pitchFamily="18" charset="0"/>
+                <a:cs typeface="Times New Roman" panose="02020603050405020304" pitchFamily="18" charset="0"/>
+              </a:rPr>
+              <a:t>		   });</a:t>
+            </a:r>
+          </a:p>
+          <a:p>
+            <a:pPr marL="0" indent="0" algn="just">
+              <a:buNone/>
+            </a:pPr>
+            <a:r>
+              <a:rPr lang="pt-BR" sz="2400" dirty="0">
+                <a:solidFill>
+                  <a:schemeClr val="tx1"/>
+                </a:solidFill>
+                <a:latin typeface="Times New Roman" panose="02020603050405020304" pitchFamily="18" charset="0"/>
+                <a:cs typeface="Times New Roman" panose="02020603050405020304" pitchFamily="18" charset="0"/>
+              </a:rPr>
+              <a:t>	    });</a:t>
+            </a:r>
+          </a:p>
+          <a:p>
+            <a:pPr marL="0" indent="0" algn="just">
+              <a:buNone/>
+            </a:pPr>
+            <a:endParaRPr lang="pt-BR" sz="2400" dirty="0">
+              <a:solidFill>
+                <a:schemeClr val="tx1"/>
+              </a:solidFill>
               <a:latin typeface="Times New Roman" panose="02020603050405020304" pitchFamily="18" charset="0"/>
               <a:cs typeface="Times New Roman" panose="02020603050405020304" pitchFamily="18" charset="0"/>
             </a:endParaRPr>
@@ -5507,7 +6996,7 @@
     </p:spTree>
     <p:extLst>
       <p:ext uri="{BB962C8B-B14F-4D97-AF65-F5344CB8AC3E}">
-        <p14:creationId xmlns:p14="http://schemas.microsoft.com/office/powerpoint/2010/main" val="3680270425"/>
+        <p14:creationId xmlns:p14="http://schemas.microsoft.com/office/powerpoint/2010/main" val="1519872741"/>
       </p:ext>
     </p:extLst>
   </p:cSld>
@@ -5563,7 +7052,7 @@
                   <a:srgbClr val="0070C0"/>
                 </a:solidFill>
               </a:rPr>
-              <a:t>Aprenda</a:t>
+              <a:t>JQuery</a:t>
             </a:r>
             <a:r>
               <a:rPr lang="en-US" b="1" dirty="0">
@@ -5571,8 +7060,37 @@
                   <a:srgbClr val="0070C0"/>
                 </a:solidFill>
               </a:rPr>
-              <a:t>+</a:t>
-            </a:r>
+              <a:t> – </a:t>
+            </a:r>
+            <a:r>
+              <a:rPr lang="en-US" b="1" dirty="0" err="1">
+                <a:solidFill>
+                  <a:srgbClr val="0070C0"/>
+                </a:solidFill>
+              </a:rPr>
+              <a:t>Funções</a:t>
+            </a:r>
+            <a:r>
+              <a:rPr lang="en-US" b="1" dirty="0">
+                <a:solidFill>
+                  <a:srgbClr val="0070C0"/>
+                </a:solidFill>
+              </a:rPr>
+              <a:t>/</a:t>
+            </a:r>
+            <a:r>
+              <a:rPr lang="en-US" b="1" dirty="0" err="1">
+                <a:solidFill>
+                  <a:srgbClr val="0070C0"/>
+                </a:solidFill>
+              </a:rPr>
+              <a:t>Eventos</a:t>
+            </a:r>
+            <a:endParaRPr lang="en-US" b="1" dirty="0">
+              <a:solidFill>
+                <a:srgbClr val="0070C0"/>
+              </a:solidFill>
+            </a:endParaRPr>
           </a:p>
         </p:txBody>
       </p:sp>
@@ -5588,8 +7106,8 @@
         </p:nvSpPr>
         <p:spPr>
           <a:xfrm>
-            <a:off x="142865" y="1200151"/>
-            <a:ext cx="8865056" cy="3394472"/>
+            <a:off x="142865" y="1037312"/>
+            <a:ext cx="8865056" cy="3900208"/>
           </a:xfrm>
         </p:spPr>
         <p:txBody>
@@ -5601,7 +7119,270 @@
             <a:pPr marL="0" indent="0" algn="just">
               <a:buNone/>
             </a:pPr>
-            <a:endParaRPr lang="pt-BR" sz="2400" dirty="0">
+            <a:r>
+              <a:rPr lang="pt-BR" sz="2400" b="1" dirty="0">
+                <a:solidFill>
+                  <a:srgbClr val="FF0000"/>
+                </a:solidFill>
+                <a:latin typeface="Times New Roman" panose="02020603050405020304" pitchFamily="18" charset="0"/>
+                <a:cs typeface="Times New Roman" panose="02020603050405020304" pitchFamily="18" charset="0"/>
+              </a:rPr>
+              <a:t>Exemplo 11</a:t>
+            </a:r>
+            <a:r>
+              <a:rPr lang="pt-BR" sz="2400" b="1" dirty="0">
+                <a:solidFill>
+                  <a:schemeClr val="tx1"/>
+                </a:solidFill>
+                <a:latin typeface="Times New Roman" panose="02020603050405020304" pitchFamily="18" charset="0"/>
+                <a:cs typeface="Times New Roman" panose="02020603050405020304" pitchFamily="18" charset="0"/>
+              </a:rPr>
+              <a:t>: 01 DIV; </a:t>
+            </a:r>
+          </a:p>
+          <a:p>
+            <a:pPr marL="0" indent="0" algn="just">
+              <a:buNone/>
+            </a:pPr>
+            <a:r>
+              <a:rPr lang="pt-BR" sz="2000" dirty="0">
+                <a:solidFill>
+                  <a:schemeClr val="tx1"/>
+                </a:solidFill>
+                <a:latin typeface="Times New Roman" panose="02020603050405020304" pitchFamily="18" charset="0"/>
+                <a:cs typeface="Times New Roman" panose="02020603050405020304" pitchFamily="18" charset="0"/>
+              </a:rPr>
+              <a:t> </a:t>
+            </a:r>
+          </a:p>
+          <a:p>
+            <a:pPr marL="0" indent="0" algn="just">
+              <a:buNone/>
+            </a:pPr>
+            <a:r>
+              <a:rPr lang="pt-BR" sz="2400" dirty="0">
+                <a:solidFill>
+                  <a:schemeClr val="tx1"/>
+                </a:solidFill>
+                <a:latin typeface="Times New Roman" panose="02020603050405020304" pitchFamily="18" charset="0"/>
+                <a:cs typeface="Times New Roman" panose="02020603050405020304" pitchFamily="18" charset="0"/>
+              </a:rPr>
+              <a:t>	$(</a:t>
+            </a:r>
+            <a:r>
+              <a:rPr lang="pt-BR" sz="2400" b="1" dirty="0" err="1">
+                <a:solidFill>
+                  <a:schemeClr val="tx1"/>
+                </a:solidFill>
+                <a:latin typeface="Times New Roman" panose="02020603050405020304" pitchFamily="18" charset="0"/>
+                <a:cs typeface="Times New Roman" panose="02020603050405020304" pitchFamily="18" charset="0"/>
+              </a:rPr>
+              <a:t>document</a:t>
+            </a:r>
+            <a:r>
+              <a:rPr lang="pt-BR" sz="2400" dirty="0">
+                <a:solidFill>
+                  <a:schemeClr val="tx1"/>
+                </a:solidFill>
+                <a:latin typeface="Times New Roman" panose="02020603050405020304" pitchFamily="18" charset="0"/>
+                <a:cs typeface="Times New Roman" panose="02020603050405020304" pitchFamily="18" charset="0"/>
+              </a:rPr>
+              <a:t>).</a:t>
+            </a:r>
+            <a:r>
+              <a:rPr lang="pt-BR" sz="2400" b="1" dirty="0" err="1">
+                <a:solidFill>
+                  <a:srgbClr val="FF0000"/>
+                </a:solidFill>
+                <a:latin typeface="Times New Roman" panose="02020603050405020304" pitchFamily="18" charset="0"/>
+                <a:cs typeface="Times New Roman" panose="02020603050405020304" pitchFamily="18" charset="0"/>
+              </a:rPr>
+              <a:t>ready</a:t>
+            </a:r>
+            <a:r>
+              <a:rPr lang="pt-BR" sz="2400" dirty="0">
+                <a:solidFill>
+                  <a:schemeClr val="tx1"/>
+                </a:solidFill>
+                <a:latin typeface="Times New Roman" panose="02020603050405020304" pitchFamily="18" charset="0"/>
+                <a:cs typeface="Times New Roman" panose="02020603050405020304" pitchFamily="18" charset="0"/>
+              </a:rPr>
+              <a:t>(	</a:t>
+            </a:r>
+            <a:r>
+              <a:rPr lang="pt-BR" sz="2400" b="1" dirty="0" err="1">
+                <a:solidFill>
+                  <a:schemeClr val="tx1"/>
+                </a:solidFill>
+                <a:latin typeface="Times New Roman" panose="02020603050405020304" pitchFamily="18" charset="0"/>
+                <a:cs typeface="Times New Roman" panose="02020603050405020304" pitchFamily="18" charset="0"/>
+              </a:rPr>
+              <a:t>function</a:t>
+            </a:r>
+            <a:r>
+              <a:rPr lang="pt-BR" sz="2400" dirty="0">
+                <a:solidFill>
+                  <a:schemeClr val="tx1"/>
+                </a:solidFill>
+                <a:latin typeface="Times New Roman" panose="02020603050405020304" pitchFamily="18" charset="0"/>
+                <a:cs typeface="Times New Roman" panose="02020603050405020304" pitchFamily="18" charset="0"/>
+              </a:rPr>
+              <a:t> () {</a:t>
+            </a:r>
+          </a:p>
+          <a:p>
+            <a:pPr marL="0" indent="0" algn="just">
+              <a:buNone/>
+            </a:pPr>
+            <a:r>
+              <a:rPr lang="pt-BR" sz="2400" dirty="0">
+                <a:solidFill>
+                  <a:schemeClr val="tx1"/>
+                </a:solidFill>
+                <a:latin typeface="Times New Roman" panose="02020603050405020304" pitchFamily="18" charset="0"/>
+                <a:cs typeface="Times New Roman" panose="02020603050405020304" pitchFamily="18" charset="0"/>
+              </a:rPr>
+              <a:t>          $(“.</a:t>
+            </a:r>
+            <a:r>
+              <a:rPr lang="pt-BR" sz="2400" dirty="0" err="1">
+                <a:solidFill>
+                  <a:schemeClr val="tx1"/>
+                </a:solidFill>
+                <a:latin typeface="Times New Roman" panose="02020603050405020304" pitchFamily="18" charset="0"/>
+                <a:cs typeface="Times New Roman" panose="02020603050405020304" pitchFamily="18" charset="0"/>
+              </a:rPr>
+              <a:t>red</a:t>
+            </a:r>
+            <a:r>
+              <a:rPr lang="pt-BR" sz="2400" dirty="0">
+                <a:solidFill>
+                  <a:schemeClr val="tx1"/>
+                </a:solidFill>
+                <a:latin typeface="Times New Roman" panose="02020603050405020304" pitchFamily="18" charset="0"/>
+                <a:cs typeface="Times New Roman" panose="02020603050405020304" pitchFamily="18" charset="0"/>
+              </a:rPr>
+              <a:t>").</a:t>
+            </a:r>
+            <a:r>
+              <a:rPr lang="pt-BR" sz="2400" b="1" dirty="0">
+                <a:solidFill>
+                  <a:schemeClr val="tx1"/>
+                </a:solidFill>
+                <a:latin typeface="Times New Roman" panose="02020603050405020304" pitchFamily="18" charset="0"/>
+                <a:cs typeface="Times New Roman" panose="02020603050405020304" pitchFamily="18" charset="0"/>
+              </a:rPr>
+              <a:t>click</a:t>
+            </a:r>
+            <a:r>
+              <a:rPr lang="pt-BR" sz="2400" dirty="0">
+                <a:solidFill>
+                  <a:schemeClr val="tx1"/>
+                </a:solidFill>
+                <a:latin typeface="Times New Roman" panose="02020603050405020304" pitchFamily="18" charset="0"/>
+                <a:cs typeface="Times New Roman" panose="02020603050405020304" pitchFamily="18" charset="0"/>
+              </a:rPr>
+              <a:t>( </a:t>
+            </a:r>
+            <a:r>
+              <a:rPr lang="pt-BR" sz="2400" b="1" dirty="0" err="1">
+                <a:solidFill>
+                  <a:schemeClr val="tx1"/>
+                </a:solidFill>
+                <a:latin typeface="Times New Roman" panose="02020603050405020304" pitchFamily="18" charset="0"/>
+                <a:cs typeface="Times New Roman" panose="02020603050405020304" pitchFamily="18" charset="0"/>
+              </a:rPr>
+              <a:t>function</a:t>
+            </a:r>
+            <a:r>
+              <a:rPr lang="pt-BR" sz="2400" dirty="0">
+                <a:solidFill>
+                  <a:schemeClr val="tx1"/>
+                </a:solidFill>
+                <a:latin typeface="Times New Roman" panose="02020603050405020304" pitchFamily="18" charset="0"/>
+                <a:cs typeface="Times New Roman" panose="02020603050405020304" pitchFamily="18" charset="0"/>
+              </a:rPr>
+              <a:t> () {</a:t>
+            </a:r>
+          </a:p>
+          <a:p>
+            <a:pPr marL="0" indent="0" algn="just">
+              <a:buNone/>
+            </a:pPr>
+            <a:r>
+              <a:rPr lang="pt-BR" sz="2400" dirty="0">
+                <a:solidFill>
+                  <a:schemeClr val="tx1"/>
+                </a:solidFill>
+                <a:latin typeface="Times New Roman" panose="02020603050405020304" pitchFamily="18" charset="0"/>
+                <a:cs typeface="Times New Roman" panose="02020603050405020304" pitchFamily="18" charset="0"/>
+              </a:rPr>
+              <a:t>          	   $(</a:t>
+            </a:r>
+            <a:r>
+              <a:rPr lang="pt-BR" sz="2400" b="1" dirty="0" err="1">
+                <a:solidFill>
+                  <a:schemeClr val="tx1"/>
+                </a:solidFill>
+                <a:latin typeface="Times New Roman" panose="02020603050405020304" pitchFamily="18" charset="0"/>
+                <a:cs typeface="Times New Roman" panose="02020603050405020304" pitchFamily="18" charset="0"/>
+              </a:rPr>
+              <a:t>this</a:t>
+            </a:r>
+            <a:r>
+              <a:rPr lang="pt-BR" sz="2400" dirty="0">
+                <a:solidFill>
+                  <a:schemeClr val="tx1"/>
+                </a:solidFill>
+                <a:latin typeface="Times New Roman" panose="02020603050405020304" pitchFamily="18" charset="0"/>
+                <a:cs typeface="Times New Roman" panose="02020603050405020304" pitchFamily="18" charset="0"/>
+              </a:rPr>
+              <a:t>).</a:t>
+            </a:r>
+            <a:r>
+              <a:rPr lang="pt-BR" sz="2400" b="1" dirty="0" err="1">
+                <a:solidFill>
+                  <a:schemeClr val="tx1"/>
+                </a:solidFill>
+                <a:latin typeface="Times New Roman" panose="02020603050405020304" pitchFamily="18" charset="0"/>
+                <a:cs typeface="Times New Roman" panose="02020603050405020304" pitchFamily="18" charset="0"/>
+              </a:rPr>
+              <a:t>animate</a:t>
+            </a:r>
+            <a:r>
+              <a:rPr lang="pt-BR" sz="2400" dirty="0">
+                <a:solidFill>
+                  <a:schemeClr val="tx1"/>
+                </a:solidFill>
+                <a:latin typeface="Times New Roman" panose="02020603050405020304" pitchFamily="18" charset="0"/>
+                <a:cs typeface="Times New Roman" panose="02020603050405020304" pitchFamily="18" charset="0"/>
+              </a:rPr>
+              <a:t>({</a:t>
+            </a:r>
+            <a:r>
+              <a:rPr lang="pt-BR" sz="2400" dirty="0" err="1">
+                <a:solidFill>
+                  <a:schemeClr val="tx1"/>
+                </a:solidFill>
+                <a:latin typeface="Times New Roman" panose="02020603050405020304" pitchFamily="18" charset="0"/>
+                <a:cs typeface="Times New Roman" panose="02020603050405020304" pitchFamily="18" charset="0"/>
+              </a:rPr>
+              <a:t>left</a:t>
+            </a:r>
+            <a:r>
+              <a:rPr lang="pt-BR" sz="2400" dirty="0">
+                <a:solidFill>
+                  <a:schemeClr val="tx1"/>
+                </a:solidFill>
+                <a:latin typeface="Times New Roman" panose="02020603050405020304" pitchFamily="18" charset="0"/>
+                <a:cs typeface="Times New Roman" panose="02020603050405020304" pitchFamily="18" charset="0"/>
+              </a:rPr>
+              <a:t>: ‘250px’});</a:t>
+            </a:r>
+            <a:endParaRPr lang="pt-BR" sz="2400" b="1" dirty="0">
+              <a:solidFill>
+                <a:schemeClr val="tx1"/>
+              </a:solidFill>
               <a:latin typeface="Times New Roman" panose="02020603050405020304" pitchFamily="18" charset="0"/>
               <a:cs typeface="Times New Roman" panose="02020603050405020304" pitchFamily="18" charset="0"/>
             </a:endParaRPr>
@@ -5612,101 +7393,148 @@
             </a:pPr>
             <a:r>
               <a:rPr lang="pt-BR" sz="2400" dirty="0">
-                <a:latin typeface="Times New Roman" panose="02020603050405020304" pitchFamily="18" charset="0"/>
-                <a:cs typeface="Times New Roman" panose="02020603050405020304" pitchFamily="18" charset="0"/>
-              </a:rPr>
-              <a:t>[1] </a:t>
-            </a:r>
+                <a:solidFill>
+                  <a:schemeClr val="tx1"/>
+                </a:solidFill>
+                <a:latin typeface="Times New Roman" panose="02020603050405020304" pitchFamily="18" charset="0"/>
+                <a:cs typeface="Times New Roman" panose="02020603050405020304" pitchFamily="18" charset="0"/>
+              </a:rPr>
+              <a:t>	    });</a:t>
+            </a:r>
+          </a:p>
+          <a:p>
+            <a:pPr marL="0" indent="0" algn="just">
+              <a:buNone/>
+            </a:pPr>
             <a:r>
               <a:rPr lang="pt-BR" sz="2400" dirty="0">
-                <a:latin typeface="Times New Roman" panose="02020603050405020304" pitchFamily="18" charset="0"/>
-                <a:cs typeface="Times New Roman" panose="02020603050405020304" pitchFamily="18" charset="0"/>
-                <a:hlinkClick r:id="rId3"/>
-              </a:rPr>
-              <a:t>https://www.youtube.com/watch?v=ncbYP5Whtso</a:t>
+                <a:solidFill>
+                  <a:schemeClr val="tx1"/>
+                </a:solidFill>
+                <a:latin typeface="Times New Roman" panose="02020603050405020304" pitchFamily="18" charset="0"/>
+                <a:cs typeface="Times New Roman" panose="02020603050405020304" pitchFamily="18" charset="0"/>
+              </a:rPr>
+              <a:t>	});</a:t>
+            </a:r>
+          </a:p>
+          <a:p>
+            <a:pPr marL="0" indent="0" algn="just">
+              <a:buNone/>
+            </a:pPr>
+            <a:r>
+              <a:rPr lang="pt-BR" sz="2400" b="1" dirty="0">
+                <a:solidFill>
+                  <a:schemeClr val="tx1"/>
+                </a:solidFill>
+                <a:latin typeface="Times New Roman" panose="02020603050405020304" pitchFamily="18" charset="0"/>
+                <a:cs typeface="Times New Roman" panose="02020603050405020304" pitchFamily="18" charset="0"/>
+              </a:rPr>
+              <a:t>Nota</a:t>
+            </a:r>
+            <a:r>
+              <a:rPr lang="pt-BR" sz="2400" dirty="0">
+                <a:solidFill>
+                  <a:schemeClr val="tx1"/>
+                </a:solidFill>
+                <a:latin typeface="Times New Roman" panose="02020603050405020304" pitchFamily="18" charset="0"/>
+                <a:cs typeface="Times New Roman" panose="02020603050405020304" pitchFamily="18" charset="0"/>
+              </a:rPr>
+              <a:t>: o </a:t>
+            </a:r>
+            <a:r>
+              <a:rPr lang="pt-BR" sz="2400" b="1" dirty="0">
+                <a:solidFill>
+                  <a:schemeClr val="tx1"/>
+                </a:solidFill>
+                <a:latin typeface="Times New Roman" panose="02020603050405020304" pitchFamily="18" charset="0"/>
+                <a:cs typeface="Times New Roman" panose="02020603050405020304" pitchFamily="18" charset="0"/>
+              </a:rPr>
+              <a:t>método</a:t>
+            </a:r>
+            <a:r>
+              <a:rPr lang="pt-BR" sz="2400" dirty="0">
+                <a:solidFill>
+                  <a:schemeClr val="tx1"/>
+                </a:solidFill>
+                <a:latin typeface="Times New Roman" panose="02020603050405020304" pitchFamily="18" charset="0"/>
+                <a:cs typeface="Times New Roman" panose="02020603050405020304" pitchFamily="18" charset="0"/>
+              </a:rPr>
+              <a:t> </a:t>
+            </a:r>
+            <a:r>
+              <a:rPr lang="pt-BR" sz="2400" b="1" dirty="0" err="1">
+                <a:solidFill>
+                  <a:schemeClr val="tx1"/>
+                </a:solidFill>
+                <a:latin typeface="Times New Roman" panose="02020603050405020304" pitchFamily="18" charset="0"/>
+                <a:cs typeface="Times New Roman" panose="02020603050405020304" pitchFamily="18" charset="0"/>
+              </a:rPr>
+              <a:t>animate</a:t>
+            </a:r>
+            <a:r>
+              <a:rPr lang="pt-BR" sz="2400" dirty="0">
+                <a:solidFill>
+                  <a:schemeClr val="tx1"/>
+                </a:solidFill>
+                <a:latin typeface="Times New Roman" panose="02020603050405020304" pitchFamily="18" charset="0"/>
+                <a:cs typeface="Times New Roman" panose="02020603050405020304" pitchFamily="18" charset="0"/>
+              </a:rPr>
+              <a:t> funciona em conjunto com a propriedade no CSS, </a:t>
+            </a:r>
+            <a:r>
+              <a:rPr lang="pt-BR" sz="2400" b="1" dirty="0">
+                <a:solidFill>
+                  <a:schemeClr val="tx1"/>
+                </a:solidFill>
+                <a:latin typeface="Times New Roman" panose="02020603050405020304" pitchFamily="18" charset="0"/>
+                <a:cs typeface="Times New Roman" panose="02020603050405020304" pitchFamily="18" charset="0"/>
+              </a:rPr>
+              <a:t>position: </a:t>
+            </a:r>
+            <a:r>
+              <a:rPr lang="pt-BR" sz="2400" b="1" dirty="0" err="1">
+                <a:solidFill>
+                  <a:srgbClr val="FF0000"/>
+                </a:solidFill>
+                <a:latin typeface="Times New Roman" panose="02020603050405020304" pitchFamily="18" charset="0"/>
+                <a:cs typeface="Times New Roman" panose="02020603050405020304" pitchFamily="18" charset="0"/>
+              </a:rPr>
+              <a:t>absolute</a:t>
+            </a:r>
+            <a:r>
+              <a:rPr lang="pt-BR" sz="2400" b="1" dirty="0">
+                <a:solidFill>
+                  <a:srgbClr val="FF0000"/>
+                </a:solidFill>
+                <a:latin typeface="Times New Roman" panose="02020603050405020304" pitchFamily="18" charset="0"/>
+                <a:cs typeface="Times New Roman" panose="02020603050405020304" pitchFamily="18" charset="0"/>
+              </a:rPr>
+              <a:t>/</a:t>
+            </a:r>
+            <a:r>
+              <a:rPr lang="pt-BR" sz="2400" b="1" dirty="0" err="1">
+                <a:solidFill>
+                  <a:srgbClr val="FF0000"/>
+                </a:solidFill>
+                <a:latin typeface="Times New Roman" panose="02020603050405020304" pitchFamily="18" charset="0"/>
+                <a:cs typeface="Times New Roman" panose="02020603050405020304" pitchFamily="18" charset="0"/>
+              </a:rPr>
+              <a:t>relative</a:t>
+            </a:r>
+            <a:r>
+              <a:rPr lang="pt-BR" sz="2400" b="1" dirty="0">
+                <a:solidFill>
+                  <a:schemeClr val="tx1"/>
+                </a:solidFill>
+                <a:latin typeface="Times New Roman" panose="02020603050405020304" pitchFamily="18" charset="0"/>
+                <a:cs typeface="Times New Roman" panose="02020603050405020304" pitchFamily="18" charset="0"/>
+              </a:rPr>
+              <a:t>;</a:t>
             </a:r>
             <a:endParaRPr lang="pt-BR" sz="2400" dirty="0">
-              <a:latin typeface="Times New Roman" panose="02020603050405020304" pitchFamily="18" charset="0"/>
-              <a:cs typeface="Times New Roman" panose="02020603050405020304" pitchFamily="18" charset="0"/>
-            </a:endParaRPr>
-          </a:p>
-          <a:p>
-            <a:pPr marL="0" indent="0" algn="just">
-              <a:buNone/>
-            </a:pPr>
-            <a:endParaRPr lang="pt-BR" sz="2400" dirty="0">
-              <a:latin typeface="Times New Roman" panose="02020603050405020304" pitchFamily="18" charset="0"/>
-              <a:cs typeface="Times New Roman" panose="02020603050405020304" pitchFamily="18" charset="0"/>
-            </a:endParaRPr>
-          </a:p>
-          <a:p>
-            <a:pPr marL="0" indent="0" algn="just">
-              <a:buNone/>
-            </a:pPr>
-            <a:endParaRPr lang="pt-BR" sz="2400" dirty="0">
-              <a:latin typeface="Times New Roman" panose="02020603050405020304" pitchFamily="18" charset="0"/>
-              <a:cs typeface="Times New Roman" panose="02020603050405020304" pitchFamily="18" charset="0"/>
-            </a:endParaRPr>
-          </a:p>
-          <a:p>
-            <a:pPr marL="0" indent="0" algn="just">
-              <a:buNone/>
-            </a:pPr>
-            <a:r>
-              <a:rPr lang="pt-BR" sz="2400" dirty="0">
-                <a:latin typeface="Times New Roman" panose="02020603050405020304" pitchFamily="18" charset="0"/>
-                <a:cs typeface="Times New Roman" panose="02020603050405020304" pitchFamily="18" charset="0"/>
-              </a:rPr>
-              <a:t>[2] </a:t>
-            </a:r>
-            <a:r>
-              <a:rPr lang="pt-BR" sz="2400" dirty="0">
-                <a:latin typeface="Times New Roman" panose="02020603050405020304" pitchFamily="18" charset="0"/>
-                <a:cs typeface="Times New Roman" panose="02020603050405020304" pitchFamily="18" charset="0"/>
-                <a:hlinkClick r:id="rId4"/>
-              </a:rPr>
-              <a:t>https://www.alura.com.br/conteudo/jquery-a-biblioteca-do-mercado</a:t>
-            </a:r>
-            <a:r>
-              <a:rPr lang="pt-BR" sz="2400" dirty="0">
-                <a:latin typeface="Times New Roman" panose="02020603050405020304" pitchFamily="18" charset="0"/>
-                <a:cs typeface="Times New Roman" panose="02020603050405020304" pitchFamily="18" charset="0"/>
-              </a:rPr>
-              <a:t> </a:t>
-            </a:r>
-          </a:p>
-          <a:p>
-            <a:pPr marL="0" indent="0" algn="just">
-              <a:buNone/>
-            </a:pPr>
-            <a:endParaRPr lang="pt-BR" sz="2400" dirty="0">
-              <a:latin typeface="Times New Roman" panose="02020603050405020304" pitchFamily="18" charset="0"/>
-              <a:cs typeface="Times New Roman" panose="02020603050405020304" pitchFamily="18" charset="0"/>
-            </a:endParaRPr>
-          </a:p>
-          <a:p>
-            <a:pPr marL="0" indent="0" algn="just">
-              <a:buNone/>
-            </a:pPr>
-            <a:endParaRPr lang="pt-BR" sz="2400" dirty="0">
-              <a:latin typeface="Times New Roman" panose="02020603050405020304" pitchFamily="18" charset="0"/>
-              <a:cs typeface="Times New Roman" panose="02020603050405020304" pitchFamily="18" charset="0"/>
-            </a:endParaRPr>
-          </a:p>
-          <a:p>
-            <a:pPr marL="0" indent="0" algn="just">
-              <a:buNone/>
-            </a:pPr>
-            <a:endParaRPr lang="pt-BR" sz="2400" dirty="0">
-              <a:latin typeface="Times New Roman" panose="02020603050405020304" pitchFamily="18" charset="0"/>
-              <a:cs typeface="Times New Roman" panose="02020603050405020304" pitchFamily="18" charset="0"/>
-            </a:endParaRPr>
-          </a:p>
-          <a:p>
-            <a:pPr marL="0" indent="0" algn="just">
-              <a:buNone/>
-            </a:pPr>
-            <a:endParaRPr lang="pt-BR" sz="2400" dirty="0">
+              <a:solidFill>
+                <a:schemeClr val="tx1"/>
+              </a:solidFill>
               <a:latin typeface="Times New Roman" panose="02020603050405020304" pitchFamily="18" charset="0"/>
               <a:cs typeface="Times New Roman" panose="02020603050405020304" pitchFamily="18" charset="0"/>
             </a:endParaRPr>
@@ -5716,7 +7544,7 @@
     </p:spTree>
     <p:extLst>
       <p:ext uri="{BB962C8B-B14F-4D97-AF65-F5344CB8AC3E}">
-        <p14:creationId xmlns:p14="http://schemas.microsoft.com/office/powerpoint/2010/main" val="2747596967"/>
+        <p14:creationId xmlns:p14="http://schemas.microsoft.com/office/powerpoint/2010/main" val="301663367"/>
       </p:ext>
     </p:extLst>
   </p:cSld>
@@ -5772,7 +7600,7 @@
                   <a:srgbClr val="0070C0"/>
                 </a:solidFill>
               </a:rPr>
-              <a:t>Dinâmica</a:t>
+              <a:t>JQuery</a:t>
             </a:r>
             <a:r>
               <a:rPr lang="en-US" b="1" dirty="0">
@@ -5780,21 +7608,8 @@
                   <a:srgbClr val="0070C0"/>
                 </a:solidFill>
               </a:rPr>
-              <a:t>/</a:t>
-            </a:r>
-            <a:r>
-              <a:rPr lang="en-US" b="1" dirty="0" err="1">
-                <a:solidFill>
-                  <a:srgbClr val="0070C0"/>
-                </a:solidFill>
-              </a:rPr>
-              <a:t>Atividades</a:t>
-            </a:r>
-            <a:endParaRPr lang="en-US" b="1" dirty="0">
-              <a:solidFill>
-                <a:srgbClr val="0070C0"/>
-              </a:solidFill>
-            </a:endParaRPr>
+              <a:t> – DOM Tag</a:t>
+            </a:r>
           </a:p>
         </p:txBody>
       </p:sp>
@@ -5810,8 +7625,8 @@
         </p:nvSpPr>
         <p:spPr>
           <a:xfrm>
-            <a:off x="139472" y="1063230"/>
-            <a:ext cx="8865056" cy="3606305"/>
+            <a:off x="142865" y="1037312"/>
+            <a:ext cx="8865056" cy="3900208"/>
           </a:xfrm>
         </p:spPr>
         <p:txBody>
@@ -5820,113 +7635,266 @@
           </a:bodyPr>
           <a:lstStyle/>
           <a:p>
-            <a:pPr algn="just">
-              <a:buFontTx/>
-              <a:buChar char="-"/>
-            </a:pPr>
-            <a:r>
-              <a:rPr lang="pt-BR" dirty="0">
-                <a:latin typeface="Times New Roman" panose="02020603050405020304" pitchFamily="18" charset="0"/>
-                <a:cs typeface="Times New Roman" panose="02020603050405020304" pitchFamily="18" charset="0"/>
-              </a:rPr>
-              <a:t>Exercícios de Fixação </a:t>
-            </a:r>
-            <a:r>
-              <a:rPr lang="pt-BR" b="1" dirty="0" err="1">
-                <a:latin typeface="Times New Roman" panose="02020603050405020304" pitchFamily="18" charset="0"/>
-                <a:cs typeface="Times New Roman" panose="02020603050405020304" pitchFamily="18" charset="0"/>
-              </a:rPr>
-              <a:t>JQuery</a:t>
-            </a:r>
-            <a:endParaRPr lang="pt-BR" b="1" dirty="0">
-              <a:latin typeface="Times New Roman" panose="02020603050405020304" pitchFamily="18" charset="0"/>
-              <a:cs typeface="Times New Roman" panose="02020603050405020304" pitchFamily="18" charset="0"/>
-            </a:endParaRPr>
-          </a:p>
-          <a:p>
-            <a:pPr marL="0" indent="0" algn="just">
-              <a:buNone/>
-            </a:pPr>
-            <a:r>
-              <a:rPr lang="pt-BR" dirty="0">
+            <a:pPr marL="0" indent="0" algn="just">
+              <a:buNone/>
+            </a:pPr>
+            <a:r>
+              <a:rPr lang="pt-BR" sz="2400" b="1" dirty="0">
+                <a:solidFill>
+                  <a:srgbClr val="FF0000"/>
+                </a:solidFill>
+                <a:latin typeface="Times New Roman" panose="02020603050405020304" pitchFamily="18" charset="0"/>
+                <a:cs typeface="Times New Roman" panose="02020603050405020304" pitchFamily="18" charset="0"/>
+              </a:rPr>
+              <a:t>Exemplo 12</a:t>
+            </a:r>
+            <a:r>
+              <a:rPr lang="pt-BR" sz="2400" b="1" dirty="0">
+                <a:solidFill>
+                  <a:schemeClr val="tx1"/>
+                </a:solidFill>
+                <a:latin typeface="Times New Roman" panose="02020603050405020304" pitchFamily="18" charset="0"/>
+                <a:cs typeface="Times New Roman" panose="02020603050405020304" pitchFamily="18" charset="0"/>
+              </a:rPr>
+              <a:t>: </a:t>
+            </a:r>
+            <a:r>
+              <a:rPr lang="pt-BR" sz="2400" dirty="0">
+                <a:solidFill>
+                  <a:schemeClr val="tx1"/>
+                </a:solidFill>
                 <a:latin typeface="Times New Roman" panose="02020603050405020304" pitchFamily="18" charset="0"/>
                 <a:cs typeface="Times New Roman" panose="02020603050405020304" pitchFamily="18" charset="0"/>
               </a:rPr>
               <a:t>	</a:t>
             </a:r>
-            <a:r>
-              <a:rPr lang="pt-BR" b="1" dirty="0">
-                <a:solidFill>
-                  <a:srgbClr val="FF0000"/>
-                </a:solidFill>
-                <a:latin typeface="Times New Roman" panose="02020603050405020304" pitchFamily="18" charset="0"/>
-                <a:cs typeface="Times New Roman" panose="02020603050405020304" pitchFamily="18" charset="0"/>
-              </a:rPr>
-              <a:t>Desafio em Sala de Aula</a:t>
-            </a:r>
-            <a:r>
-              <a:rPr lang="pt-BR" dirty="0">
-                <a:latin typeface="Times New Roman" panose="02020603050405020304" pitchFamily="18" charset="0"/>
-                <a:cs typeface="Times New Roman" panose="02020603050405020304" pitchFamily="18" charset="0"/>
-              </a:rPr>
-              <a:t>.</a:t>
-            </a:r>
-          </a:p>
-          <a:p>
-            <a:pPr marL="0" indent="0" algn="just">
-              <a:buNone/>
-            </a:pPr>
-            <a:r>
-              <a:rPr lang="pt-BR" dirty="0">
-                <a:latin typeface="Times New Roman" panose="02020603050405020304" pitchFamily="18" charset="0"/>
-                <a:cs typeface="Times New Roman" panose="02020603050405020304" pitchFamily="18" charset="0"/>
-              </a:rPr>
-              <a:t>		</a:t>
-            </a:r>
-          </a:p>
-          <a:p>
-            <a:pPr marL="0" indent="0" algn="just">
-              <a:buNone/>
-            </a:pPr>
-            <a:r>
-              <a:rPr lang="es-ES" dirty="0">
-                <a:latin typeface="Times New Roman" panose="02020603050405020304" pitchFamily="18" charset="0"/>
-                <a:cs typeface="Times New Roman" panose="02020603050405020304" pitchFamily="18" charset="0"/>
-              </a:rPr>
-              <a:t>- Quiz JQuery</a:t>
-            </a:r>
-          </a:p>
-          <a:p>
-            <a:pPr marL="0" indent="0" algn="just">
-              <a:buNone/>
-            </a:pPr>
-            <a:r>
-              <a:rPr lang="es-ES" dirty="0">
-                <a:latin typeface="Times New Roman" panose="02020603050405020304" pitchFamily="18" charset="0"/>
-                <a:cs typeface="Times New Roman" panose="02020603050405020304" pitchFamily="18" charset="0"/>
-                <a:hlinkClick r:id="rId3"/>
-              </a:rPr>
-              <a:t>https://www.w3schools.com/jquery/jquery_quiz.asp</a:t>
-            </a:r>
-            <a:endParaRPr lang="es-ES" dirty="0">
-              <a:latin typeface="Times New Roman" panose="02020603050405020304" pitchFamily="18" charset="0"/>
-              <a:cs typeface="Times New Roman" panose="02020603050405020304" pitchFamily="18" charset="0"/>
-            </a:endParaRPr>
-          </a:p>
-          <a:p>
-            <a:pPr marL="0" indent="0" algn="just">
-              <a:buNone/>
-            </a:pPr>
-            <a:endParaRPr lang="pt-BR" dirty="0">
-              <a:latin typeface="Calibri" panose="020F0502020204030204" pitchFamily="34" charset="0"/>
-            </a:endParaRPr>
+          </a:p>
+          <a:p>
+            <a:pPr marL="0" indent="0" algn="just">
+              <a:buNone/>
+            </a:pPr>
+            <a:r>
+              <a:rPr lang="pt-BR" sz="2400" dirty="0">
+                <a:solidFill>
+                  <a:schemeClr val="tx1"/>
+                </a:solidFill>
+                <a:latin typeface="Times New Roman" panose="02020603050405020304" pitchFamily="18" charset="0"/>
+                <a:cs typeface="Times New Roman" panose="02020603050405020304" pitchFamily="18" charset="0"/>
+              </a:rPr>
+              <a:t>	</a:t>
+            </a:r>
+          </a:p>
+          <a:p>
+            <a:pPr marL="0" indent="0" algn="just">
+              <a:buNone/>
+            </a:pPr>
+            <a:r>
+              <a:rPr lang="pt-BR" sz="2400" dirty="0">
+                <a:solidFill>
+                  <a:schemeClr val="tx1"/>
+                </a:solidFill>
+                <a:latin typeface="Times New Roman" panose="02020603050405020304" pitchFamily="18" charset="0"/>
+                <a:cs typeface="Times New Roman" panose="02020603050405020304" pitchFamily="18" charset="0"/>
+              </a:rPr>
+              <a:t>	$(</a:t>
+            </a:r>
+            <a:r>
+              <a:rPr lang="pt-BR" sz="2400" b="1" dirty="0" err="1">
+                <a:solidFill>
+                  <a:schemeClr val="tx1"/>
+                </a:solidFill>
+                <a:latin typeface="Times New Roman" panose="02020603050405020304" pitchFamily="18" charset="0"/>
+                <a:cs typeface="Times New Roman" panose="02020603050405020304" pitchFamily="18" charset="0"/>
+              </a:rPr>
+              <a:t>document</a:t>
+            </a:r>
+            <a:r>
+              <a:rPr lang="pt-BR" sz="2400" dirty="0">
+                <a:solidFill>
+                  <a:schemeClr val="tx1"/>
+                </a:solidFill>
+                <a:latin typeface="Times New Roman" panose="02020603050405020304" pitchFamily="18" charset="0"/>
+                <a:cs typeface="Times New Roman" panose="02020603050405020304" pitchFamily="18" charset="0"/>
+              </a:rPr>
+              <a:t>).</a:t>
+            </a:r>
+            <a:r>
+              <a:rPr lang="pt-BR" sz="2400" dirty="0" err="1">
+                <a:solidFill>
+                  <a:schemeClr val="tx1"/>
+                </a:solidFill>
+                <a:latin typeface="Times New Roman" panose="02020603050405020304" pitchFamily="18" charset="0"/>
+                <a:cs typeface="Times New Roman" panose="02020603050405020304" pitchFamily="18" charset="0"/>
+              </a:rPr>
+              <a:t>ready</a:t>
+            </a:r>
+            <a:r>
+              <a:rPr lang="pt-BR" sz="2400" dirty="0">
+                <a:solidFill>
+                  <a:schemeClr val="tx1"/>
+                </a:solidFill>
+                <a:latin typeface="Times New Roman" panose="02020603050405020304" pitchFamily="18" charset="0"/>
+                <a:cs typeface="Times New Roman" panose="02020603050405020304" pitchFamily="18" charset="0"/>
+              </a:rPr>
+              <a:t>(</a:t>
+            </a:r>
+            <a:r>
+              <a:rPr lang="pt-BR" sz="2400" b="1" dirty="0" err="1">
+                <a:solidFill>
+                  <a:schemeClr val="tx1"/>
+                </a:solidFill>
+                <a:latin typeface="Times New Roman" panose="02020603050405020304" pitchFamily="18" charset="0"/>
+                <a:cs typeface="Times New Roman" panose="02020603050405020304" pitchFamily="18" charset="0"/>
+              </a:rPr>
+              <a:t>function</a:t>
+            </a:r>
+            <a:r>
+              <a:rPr lang="pt-BR" sz="2400" dirty="0">
+                <a:solidFill>
+                  <a:schemeClr val="tx1"/>
+                </a:solidFill>
+                <a:latin typeface="Times New Roman" panose="02020603050405020304" pitchFamily="18" charset="0"/>
+                <a:cs typeface="Times New Roman" panose="02020603050405020304" pitchFamily="18" charset="0"/>
+              </a:rPr>
+              <a:t> () {</a:t>
+            </a:r>
+          </a:p>
+          <a:p>
+            <a:pPr marL="447675" lvl="1" indent="0" algn="just">
+              <a:buNone/>
+            </a:pPr>
+            <a:r>
+              <a:rPr lang="pt-BR" sz="2400" dirty="0">
+                <a:solidFill>
+                  <a:schemeClr val="tx1"/>
+                </a:solidFill>
+                <a:latin typeface="Times New Roman" panose="02020603050405020304" pitchFamily="18" charset="0"/>
+                <a:cs typeface="Times New Roman" panose="02020603050405020304" pitchFamily="18" charset="0"/>
+              </a:rPr>
+              <a:t>        </a:t>
+            </a:r>
+            <a:r>
+              <a:rPr lang="pt-BR" sz="2400" b="1" dirty="0" err="1">
+                <a:solidFill>
+                  <a:schemeClr val="tx1"/>
+                </a:solidFill>
+                <a:latin typeface="Times New Roman" panose="02020603050405020304" pitchFamily="18" charset="0"/>
+                <a:cs typeface="Times New Roman" panose="02020603050405020304" pitchFamily="18" charset="0"/>
+              </a:rPr>
+              <a:t>let</a:t>
+            </a:r>
+            <a:r>
+              <a:rPr lang="pt-BR" sz="2400" dirty="0">
+                <a:solidFill>
+                  <a:schemeClr val="tx1"/>
+                </a:solidFill>
+                <a:latin typeface="Times New Roman" panose="02020603050405020304" pitchFamily="18" charset="0"/>
+                <a:cs typeface="Times New Roman" panose="02020603050405020304" pitchFamily="18" charset="0"/>
+              </a:rPr>
+              <a:t> h1 = $('h1');</a:t>
+            </a:r>
+          </a:p>
+          <a:p>
+            <a:pPr marL="447675" lvl="1" indent="0" algn="just">
+              <a:buNone/>
+            </a:pPr>
+            <a:r>
+              <a:rPr lang="pt-BR" sz="2400" dirty="0">
+                <a:solidFill>
+                  <a:schemeClr val="tx1"/>
+                </a:solidFill>
+                <a:latin typeface="Times New Roman" panose="02020603050405020304" pitchFamily="18" charset="0"/>
+                <a:cs typeface="Times New Roman" panose="02020603050405020304" pitchFamily="18" charset="0"/>
+              </a:rPr>
+              <a:t>        </a:t>
+            </a:r>
+            <a:r>
+              <a:rPr lang="pt-BR" sz="2400" b="1" dirty="0" err="1">
+                <a:solidFill>
+                  <a:schemeClr val="tx1"/>
+                </a:solidFill>
+                <a:latin typeface="Times New Roman" panose="02020603050405020304" pitchFamily="18" charset="0"/>
+                <a:cs typeface="Times New Roman" panose="02020603050405020304" pitchFamily="18" charset="0"/>
+              </a:rPr>
+              <a:t>alert</a:t>
+            </a:r>
+            <a:r>
+              <a:rPr lang="pt-BR" sz="2400" dirty="0">
+                <a:solidFill>
+                  <a:schemeClr val="tx1"/>
+                </a:solidFill>
+                <a:latin typeface="Times New Roman" panose="02020603050405020304" pitchFamily="18" charset="0"/>
+                <a:cs typeface="Times New Roman" panose="02020603050405020304" pitchFamily="18" charset="0"/>
+              </a:rPr>
+              <a:t>(h1.html()); // ou h1.</a:t>
+            </a:r>
+            <a:r>
+              <a:rPr lang="pt-BR" sz="2400" b="1" dirty="0">
+                <a:solidFill>
+                  <a:schemeClr val="tx1"/>
+                </a:solidFill>
+                <a:latin typeface="Times New Roman" panose="02020603050405020304" pitchFamily="18" charset="0"/>
+                <a:cs typeface="Times New Roman" panose="02020603050405020304" pitchFamily="18" charset="0"/>
+              </a:rPr>
+              <a:t>text()</a:t>
+            </a:r>
+          </a:p>
+          <a:p>
+            <a:pPr marL="447675" lvl="1" indent="0" algn="just">
+              <a:buNone/>
+            </a:pPr>
+            <a:r>
+              <a:rPr lang="pt-BR" sz="2400" dirty="0">
+                <a:solidFill>
+                  <a:schemeClr val="tx1"/>
+                </a:solidFill>
+                <a:latin typeface="Times New Roman" panose="02020603050405020304" pitchFamily="18" charset="0"/>
+                <a:cs typeface="Times New Roman" panose="02020603050405020304" pitchFamily="18" charset="0"/>
+              </a:rPr>
+              <a:t>        h1.</a:t>
+            </a:r>
+            <a:r>
+              <a:rPr lang="pt-BR" sz="2400" b="1" dirty="0">
+                <a:solidFill>
+                  <a:schemeClr val="tx1"/>
+                </a:solidFill>
+                <a:latin typeface="Times New Roman" panose="02020603050405020304" pitchFamily="18" charset="0"/>
+                <a:cs typeface="Times New Roman" panose="02020603050405020304" pitchFamily="18" charset="0"/>
+              </a:rPr>
+              <a:t>html</a:t>
+            </a:r>
+            <a:r>
+              <a:rPr lang="pt-BR" sz="2400" dirty="0">
+                <a:solidFill>
+                  <a:schemeClr val="tx1"/>
+                </a:solidFill>
+                <a:latin typeface="Times New Roman" panose="02020603050405020304" pitchFamily="18" charset="0"/>
+                <a:cs typeface="Times New Roman" panose="02020603050405020304" pitchFamily="18" charset="0"/>
+              </a:rPr>
+              <a:t>(‘texto alterado’); </a:t>
+            </a:r>
+          </a:p>
+          <a:p>
+            <a:pPr marL="0" indent="0" algn="just">
+              <a:buNone/>
+            </a:pPr>
+            <a:r>
+              <a:rPr lang="pt-BR" sz="2400" dirty="0">
+                <a:solidFill>
+                  <a:schemeClr val="tx1"/>
+                </a:solidFill>
+                <a:latin typeface="Times New Roman" panose="02020603050405020304" pitchFamily="18" charset="0"/>
+                <a:cs typeface="Times New Roman" panose="02020603050405020304" pitchFamily="18" charset="0"/>
+              </a:rPr>
+              <a:t>	)}</a:t>
+            </a:r>
           </a:p>
         </p:txBody>
       </p:sp>
     </p:spTree>
     <p:extLst>
       <p:ext uri="{BB962C8B-B14F-4D97-AF65-F5344CB8AC3E}">
-        <p14:creationId xmlns:p14="http://schemas.microsoft.com/office/powerpoint/2010/main" val="2470652989"/>
+        <p14:creationId xmlns:p14="http://schemas.microsoft.com/office/powerpoint/2010/main" val="1704460507"/>
       </p:ext>
     </p:extLst>
   </p:cSld>
@@ -5982,7 +7950,7 @@
                   <a:srgbClr val="0070C0"/>
                 </a:solidFill>
               </a:rPr>
-              <a:t>Referências</a:t>
+              <a:t>JQuery</a:t>
             </a:r>
             <a:r>
               <a:rPr lang="en-US" b="1" dirty="0">
@@ -5990,21 +7958,8 @@
                   <a:srgbClr val="0070C0"/>
                 </a:solidFill>
               </a:rPr>
-              <a:t> </a:t>
-            </a:r>
-            <a:r>
-              <a:rPr lang="en-US" b="1" dirty="0" err="1">
-                <a:solidFill>
-                  <a:srgbClr val="0070C0"/>
-                </a:solidFill>
-              </a:rPr>
-              <a:t>Bibliográficas</a:t>
-            </a:r>
-            <a:endParaRPr lang="en-US" b="1" dirty="0">
-              <a:solidFill>
-                <a:srgbClr val="0070C0"/>
-              </a:solidFill>
-            </a:endParaRPr>
+              <a:t> – DOM Blur/Val</a:t>
+            </a:r>
           </a:p>
         </p:txBody>
       </p:sp>
@@ -6020,8 +7975,8 @@
         </p:nvSpPr>
         <p:spPr>
           <a:xfrm>
-            <a:off x="142865" y="1200151"/>
-            <a:ext cx="8865056" cy="3394472"/>
+            <a:off x="142865" y="1037312"/>
+            <a:ext cx="8865056" cy="3900208"/>
           </a:xfrm>
         </p:spPr>
         <p:txBody>
@@ -6033,7 +7988,45 @@
             <a:pPr marL="0" indent="0" algn="just">
               <a:buNone/>
             </a:pPr>
+            <a:r>
+              <a:rPr lang="pt-BR" sz="2400" b="1" dirty="0">
+                <a:solidFill>
+                  <a:srgbClr val="FF0000"/>
+                </a:solidFill>
+                <a:latin typeface="Times New Roman" panose="02020603050405020304" pitchFamily="18" charset="0"/>
+                <a:cs typeface="Times New Roman" panose="02020603050405020304" pitchFamily="18" charset="0"/>
+              </a:rPr>
+              <a:t>Exemplo 13</a:t>
+            </a:r>
+            <a:r>
+              <a:rPr lang="pt-BR" sz="2400" b="1" dirty="0">
+                <a:solidFill>
+                  <a:schemeClr val="tx1"/>
+                </a:solidFill>
+                <a:latin typeface="Times New Roman" panose="02020603050405020304" pitchFamily="18" charset="0"/>
+                <a:cs typeface="Times New Roman" panose="02020603050405020304" pitchFamily="18" charset="0"/>
+              </a:rPr>
+              <a:t>: </a:t>
+            </a:r>
+            <a:r>
+              <a:rPr lang="pt-BR" sz="2400" dirty="0">
+                <a:solidFill>
+                  <a:schemeClr val="tx1"/>
+                </a:solidFill>
+                <a:latin typeface="Times New Roman" panose="02020603050405020304" pitchFamily="18" charset="0"/>
+                <a:cs typeface="Times New Roman" panose="02020603050405020304" pitchFamily="18" charset="0"/>
+              </a:rPr>
+              <a:t>	</a:t>
+            </a:r>
+          </a:p>
+          <a:p>
+            <a:pPr marL="0" indent="0" algn="just">
+              <a:buNone/>
+            </a:pPr>
             <a:endParaRPr lang="pt-BR" sz="2400" dirty="0">
+              <a:solidFill>
+                <a:schemeClr val="tx1"/>
+              </a:solidFill>
               <a:latin typeface="Times New Roman" panose="02020603050405020304" pitchFamily="18" charset="0"/>
               <a:cs typeface="Times New Roman" panose="02020603050405020304" pitchFamily="18" charset="0"/>
             </a:endParaRPr>
@@ -6044,76 +8037,324 @@
             </a:pPr>
             <a:r>
               <a:rPr lang="pt-BR" sz="2400" dirty="0">
-                <a:latin typeface="Times New Roman" panose="02020603050405020304" pitchFamily="18" charset="0"/>
-                <a:cs typeface="Times New Roman" panose="02020603050405020304" pitchFamily="18" charset="0"/>
-              </a:rPr>
-              <a:t>[1] BIBEAULT, </a:t>
+                <a:solidFill>
+                  <a:schemeClr val="tx1"/>
+                </a:solidFill>
+                <a:latin typeface="Times New Roman" panose="02020603050405020304" pitchFamily="18" charset="0"/>
+                <a:cs typeface="Times New Roman" panose="02020603050405020304" pitchFamily="18" charset="0"/>
+              </a:rPr>
+              <a:t>$(</a:t>
+            </a:r>
+            <a:r>
+              <a:rPr lang="pt-BR" sz="2400" b="1" dirty="0" err="1">
+                <a:solidFill>
+                  <a:schemeClr val="tx1"/>
+                </a:solidFill>
+                <a:latin typeface="Times New Roman" panose="02020603050405020304" pitchFamily="18" charset="0"/>
+                <a:cs typeface="Times New Roman" panose="02020603050405020304" pitchFamily="18" charset="0"/>
+              </a:rPr>
+              <a:t>document</a:t>
+            </a:r>
+            <a:r>
+              <a:rPr lang="pt-BR" sz="2400" dirty="0">
+                <a:solidFill>
+                  <a:schemeClr val="tx1"/>
+                </a:solidFill>
+                <a:latin typeface="Times New Roman" panose="02020603050405020304" pitchFamily="18" charset="0"/>
+                <a:cs typeface="Times New Roman" panose="02020603050405020304" pitchFamily="18" charset="0"/>
+              </a:rPr>
+              <a:t>).</a:t>
             </a:r>
             <a:r>
               <a:rPr lang="pt-BR" sz="2400" dirty="0" err="1">
-                <a:latin typeface="Times New Roman" panose="02020603050405020304" pitchFamily="18" charset="0"/>
-                <a:cs typeface="Times New Roman" panose="02020603050405020304" pitchFamily="18" charset="0"/>
-              </a:rPr>
-              <a:t>Bear</a:t>
+                <a:solidFill>
+                  <a:schemeClr val="tx1"/>
+                </a:solidFill>
+                <a:latin typeface="Times New Roman" panose="02020603050405020304" pitchFamily="18" charset="0"/>
+                <a:cs typeface="Times New Roman" panose="02020603050405020304" pitchFamily="18" charset="0"/>
+              </a:rPr>
+              <a:t>ready</a:t>
             </a:r>
             <a:r>
               <a:rPr lang="pt-BR" sz="2400" dirty="0">
-                <a:latin typeface="Times New Roman" panose="02020603050405020304" pitchFamily="18" charset="0"/>
-                <a:cs typeface="Times New Roman" panose="02020603050405020304" pitchFamily="18" charset="0"/>
-              </a:rPr>
-              <a:t>; DE ROSA, Aurelio; KATZ, Yehuda. </a:t>
+                <a:solidFill>
+                  <a:schemeClr val="tx1"/>
+                </a:solidFill>
+                <a:latin typeface="Times New Roman" panose="02020603050405020304" pitchFamily="18" charset="0"/>
+                <a:cs typeface="Times New Roman" panose="02020603050405020304" pitchFamily="18" charset="0"/>
+              </a:rPr>
+              <a:t>(</a:t>
+            </a:r>
+            <a:r>
+              <a:rPr lang="pt-BR" sz="2400" b="1" dirty="0" err="1">
+                <a:solidFill>
+                  <a:schemeClr val="tx1"/>
+                </a:solidFill>
+                <a:latin typeface="Times New Roman" panose="02020603050405020304" pitchFamily="18" charset="0"/>
+                <a:cs typeface="Times New Roman" panose="02020603050405020304" pitchFamily="18" charset="0"/>
+              </a:rPr>
+              <a:t>function</a:t>
+            </a:r>
+            <a:r>
+              <a:rPr lang="pt-BR" sz="2400" dirty="0">
+                <a:solidFill>
+                  <a:schemeClr val="tx1"/>
+                </a:solidFill>
+                <a:latin typeface="Times New Roman" panose="02020603050405020304" pitchFamily="18" charset="0"/>
+                <a:cs typeface="Times New Roman" panose="02020603050405020304" pitchFamily="18" charset="0"/>
+              </a:rPr>
+              <a:t> () {</a:t>
+            </a:r>
+          </a:p>
+          <a:p>
+            <a:pPr marL="0" indent="0" algn="just">
+              <a:buNone/>
+            </a:pPr>
+            <a:r>
+              <a:rPr lang="pt-BR" sz="2400" dirty="0">
+                <a:solidFill>
+                  <a:schemeClr val="tx1"/>
+                </a:solidFill>
+                <a:latin typeface="Times New Roman" panose="02020603050405020304" pitchFamily="18" charset="0"/>
+                <a:cs typeface="Times New Roman" panose="02020603050405020304" pitchFamily="18" charset="0"/>
+              </a:rPr>
+              <a:t>	$('#</a:t>
+            </a:r>
+            <a:r>
+              <a:rPr lang="pt-BR" sz="2400" b="1" dirty="0" err="1">
+                <a:solidFill>
+                  <a:schemeClr val="tx1"/>
+                </a:solidFill>
+                <a:latin typeface="Times New Roman" panose="02020603050405020304" pitchFamily="18" charset="0"/>
+                <a:cs typeface="Times New Roman" panose="02020603050405020304" pitchFamily="18" charset="0"/>
+              </a:rPr>
+              <a:t>inputText</a:t>
+            </a:r>
+            <a:r>
+              <a:rPr lang="pt-BR" sz="2400" dirty="0">
+                <a:solidFill>
+                  <a:schemeClr val="tx1"/>
+                </a:solidFill>
+                <a:latin typeface="Times New Roman" panose="02020603050405020304" pitchFamily="18" charset="0"/>
+                <a:cs typeface="Times New Roman" panose="02020603050405020304" pitchFamily="18" charset="0"/>
+              </a:rPr>
+              <a:t>').</a:t>
+            </a:r>
+            <a:r>
+              <a:rPr lang="pt-BR" sz="2400" b="1" dirty="0" err="1">
+                <a:solidFill>
+                  <a:schemeClr val="tx1"/>
+                </a:solidFill>
+                <a:latin typeface="Times New Roman" panose="02020603050405020304" pitchFamily="18" charset="0"/>
+                <a:cs typeface="Times New Roman" panose="02020603050405020304" pitchFamily="18" charset="0"/>
+              </a:rPr>
+              <a:t>blur</a:t>
+            </a:r>
+            <a:r>
+              <a:rPr lang="pt-BR" sz="2400" dirty="0">
+                <a:solidFill>
+                  <a:schemeClr val="tx1"/>
+                </a:solidFill>
+                <a:latin typeface="Times New Roman" panose="02020603050405020304" pitchFamily="18" charset="0"/>
+                <a:cs typeface="Times New Roman" panose="02020603050405020304" pitchFamily="18" charset="0"/>
+              </a:rPr>
+              <a:t>( </a:t>
+            </a:r>
+            <a:r>
+              <a:rPr lang="pt-BR" sz="2400" b="1" dirty="0" err="1">
+                <a:solidFill>
+                  <a:schemeClr val="tx1"/>
+                </a:solidFill>
+                <a:latin typeface="Times New Roman" panose="02020603050405020304" pitchFamily="18" charset="0"/>
+                <a:cs typeface="Times New Roman" panose="02020603050405020304" pitchFamily="18" charset="0"/>
+              </a:rPr>
+              <a:t>function</a:t>
+            </a:r>
+            <a:r>
+              <a:rPr lang="pt-BR" sz="2400" dirty="0">
+                <a:solidFill>
+                  <a:schemeClr val="tx1"/>
+                </a:solidFill>
+                <a:latin typeface="Times New Roman" panose="02020603050405020304" pitchFamily="18" charset="0"/>
+                <a:cs typeface="Times New Roman" panose="02020603050405020304" pitchFamily="18" charset="0"/>
+              </a:rPr>
+              <a:t> () { // </a:t>
+            </a:r>
+            <a:r>
+              <a:rPr lang="pt-BR" sz="2400" b="1" dirty="0" err="1">
+                <a:solidFill>
+                  <a:schemeClr val="tx1"/>
+                </a:solidFill>
+                <a:latin typeface="Times New Roman" panose="02020603050405020304" pitchFamily="18" charset="0"/>
+                <a:cs typeface="Times New Roman" panose="02020603050405020304" pitchFamily="18" charset="0"/>
+              </a:rPr>
+              <a:t>blur</a:t>
+            </a:r>
+            <a:r>
+              <a:rPr lang="pt-BR" sz="2400" dirty="0">
+                <a:solidFill>
+                  <a:schemeClr val="tx1"/>
+                </a:solidFill>
+                <a:latin typeface="Times New Roman" panose="02020603050405020304" pitchFamily="18" charset="0"/>
+                <a:cs typeface="Times New Roman" panose="02020603050405020304" pitchFamily="18" charset="0"/>
+              </a:rPr>
+              <a:t> </a:t>
+            </a:r>
+            <a:r>
+              <a:rPr lang="pt-BR" sz="2400" b="1" dirty="0">
+                <a:solidFill>
+                  <a:srgbClr val="FF0000"/>
+                </a:solidFill>
+                <a:latin typeface="Times New Roman" panose="02020603050405020304" pitchFamily="18" charset="0"/>
+                <a:cs typeface="Times New Roman" panose="02020603050405020304" pitchFamily="18" charset="0"/>
+              </a:rPr>
+              <a:t>Perder o foco</a:t>
+            </a:r>
+          </a:p>
+          <a:p>
+            <a:pPr marL="0" indent="0" algn="just">
+              <a:buNone/>
+            </a:pPr>
+            <a:r>
+              <a:rPr lang="pt-BR" sz="2400" dirty="0">
+                <a:solidFill>
+                  <a:schemeClr val="tx1"/>
+                </a:solidFill>
+                <a:latin typeface="Times New Roman" panose="02020603050405020304" pitchFamily="18" charset="0"/>
+                <a:cs typeface="Times New Roman" panose="02020603050405020304" pitchFamily="18" charset="0"/>
+              </a:rPr>
+              <a:t>          </a:t>
+            </a:r>
+            <a:r>
+              <a:rPr lang="pt-BR" sz="2400" b="1" dirty="0" err="1">
+                <a:solidFill>
+                  <a:schemeClr val="tx1"/>
+                </a:solidFill>
+                <a:latin typeface="Times New Roman" panose="02020603050405020304" pitchFamily="18" charset="0"/>
+                <a:cs typeface="Times New Roman" panose="02020603050405020304" pitchFamily="18" charset="0"/>
+              </a:rPr>
+              <a:t>let</a:t>
+            </a:r>
+            <a:r>
+              <a:rPr lang="pt-BR" sz="2400" dirty="0">
+                <a:solidFill>
+                  <a:schemeClr val="tx1"/>
+                </a:solidFill>
+                <a:latin typeface="Times New Roman" panose="02020603050405020304" pitchFamily="18" charset="0"/>
+                <a:cs typeface="Times New Roman" panose="02020603050405020304" pitchFamily="18" charset="0"/>
+              </a:rPr>
+              <a:t> </a:t>
             </a:r>
             <a:r>
               <a:rPr lang="pt-BR" sz="2400" dirty="0" err="1">
-                <a:latin typeface="Times New Roman" panose="02020603050405020304" pitchFamily="18" charset="0"/>
-                <a:cs typeface="Times New Roman" panose="02020603050405020304" pitchFamily="18" charset="0"/>
-              </a:rPr>
-              <a:t>jQuery</a:t>
+                <a:solidFill>
+                  <a:schemeClr val="tx1"/>
+                </a:solidFill>
+                <a:latin typeface="Times New Roman" panose="02020603050405020304" pitchFamily="18" charset="0"/>
+                <a:cs typeface="Times New Roman" panose="02020603050405020304" pitchFamily="18" charset="0"/>
+              </a:rPr>
+              <a:t>inputText</a:t>
             </a:r>
             <a:r>
               <a:rPr lang="pt-BR" sz="2400" dirty="0">
-                <a:latin typeface="Times New Roman" panose="02020603050405020304" pitchFamily="18" charset="0"/>
-                <a:cs typeface="Times New Roman" panose="02020603050405020304" pitchFamily="18" charset="0"/>
-              </a:rPr>
-              <a:t> in </a:t>
+                <a:solidFill>
+                  <a:schemeClr val="tx1"/>
+                </a:solidFill>
+                <a:latin typeface="Times New Roman" panose="02020603050405020304" pitchFamily="18" charset="0"/>
+                <a:cs typeface="Times New Roman" panose="02020603050405020304" pitchFamily="18" charset="0"/>
+              </a:rPr>
+              <a:t> = $(</a:t>
+            </a:r>
+            <a:r>
+              <a:rPr lang="pt-BR" sz="2400" b="1" dirty="0" err="1">
+                <a:solidFill>
+                  <a:schemeClr val="tx1"/>
+                </a:solidFill>
+                <a:latin typeface="Times New Roman" panose="02020603050405020304" pitchFamily="18" charset="0"/>
+                <a:cs typeface="Times New Roman" panose="02020603050405020304" pitchFamily="18" charset="0"/>
+              </a:rPr>
+              <a:t>this</a:t>
+            </a:r>
+            <a:r>
+              <a:rPr lang="pt-BR" sz="2400" dirty="0">
+                <a:solidFill>
+                  <a:schemeClr val="tx1"/>
+                </a:solidFill>
+                <a:latin typeface="Times New Roman" panose="02020603050405020304" pitchFamily="18" charset="0"/>
+                <a:cs typeface="Times New Roman" panose="02020603050405020304" pitchFamily="18" charset="0"/>
+              </a:rPr>
+              <a:t>);</a:t>
+            </a:r>
+          </a:p>
+          <a:p>
+            <a:pPr marL="0" indent="0" algn="just">
+              <a:buNone/>
+            </a:pPr>
+            <a:r>
+              <a:rPr lang="pt-BR" sz="2400" dirty="0">
+                <a:solidFill>
+                  <a:schemeClr val="tx1"/>
+                </a:solidFill>
+                <a:latin typeface="Times New Roman" panose="02020603050405020304" pitchFamily="18" charset="0"/>
+                <a:cs typeface="Times New Roman" panose="02020603050405020304" pitchFamily="18" charset="0"/>
+              </a:rPr>
+              <a:t>          </a:t>
+            </a:r>
+            <a:r>
+              <a:rPr lang="pt-BR" sz="2400" b="1" dirty="0" err="1">
+                <a:solidFill>
+                  <a:schemeClr val="tx1"/>
+                </a:solidFill>
+                <a:latin typeface="Times New Roman" panose="02020603050405020304" pitchFamily="18" charset="0"/>
+                <a:cs typeface="Times New Roman" panose="02020603050405020304" pitchFamily="18" charset="0"/>
+              </a:rPr>
+              <a:t>alert</a:t>
+            </a:r>
+            <a:r>
+              <a:rPr lang="pt-BR" sz="2400" dirty="0">
+                <a:solidFill>
+                  <a:schemeClr val="tx1"/>
+                </a:solidFill>
+                <a:latin typeface="Times New Roman" panose="02020603050405020304" pitchFamily="18" charset="0"/>
+                <a:cs typeface="Times New Roman" panose="02020603050405020304" pitchFamily="18" charset="0"/>
+              </a:rPr>
+              <a:t>(</a:t>
             </a:r>
             <a:r>
               <a:rPr lang="pt-BR" sz="2400" dirty="0" err="1">
-                <a:latin typeface="Times New Roman" panose="02020603050405020304" pitchFamily="18" charset="0"/>
-                <a:cs typeface="Times New Roman" panose="02020603050405020304" pitchFamily="18" charset="0"/>
-              </a:rPr>
-              <a:t>Action</a:t>
+                <a:solidFill>
+                  <a:schemeClr val="tx1"/>
+                </a:solidFill>
+                <a:latin typeface="Times New Roman" panose="02020603050405020304" pitchFamily="18" charset="0"/>
+                <a:cs typeface="Times New Roman" panose="02020603050405020304" pitchFamily="18" charset="0"/>
+              </a:rPr>
+              <a:t>inputText.val</a:t>
             </a:r>
             <a:r>
               <a:rPr lang="pt-BR" sz="2400" dirty="0">
-                <a:latin typeface="Times New Roman" panose="02020603050405020304" pitchFamily="18" charset="0"/>
-                <a:cs typeface="Times New Roman" panose="02020603050405020304" pitchFamily="18" charset="0"/>
-              </a:rPr>
-              <a:t>. Simon </a:t>
-            </a:r>
-            <a:r>
-              <a:rPr lang="pt-BR" sz="2400" dirty="0" err="1">
-                <a:latin typeface="Times New Roman" panose="02020603050405020304" pitchFamily="18" charset="0"/>
-                <a:cs typeface="Times New Roman" panose="02020603050405020304" pitchFamily="18" charset="0"/>
-              </a:rPr>
-              <a:t>and</a:t>
-            </a:r>
+                <a:solidFill>
+                  <a:schemeClr val="tx1"/>
+                </a:solidFill>
+                <a:latin typeface="Times New Roman" panose="02020603050405020304" pitchFamily="18" charset="0"/>
+                <a:cs typeface="Times New Roman" panose="02020603050405020304" pitchFamily="18" charset="0"/>
+              </a:rPr>
+              <a:t>());</a:t>
+            </a:r>
+          </a:p>
+          <a:p>
+            <a:pPr marL="0" indent="0" algn="just">
+              <a:buNone/>
+            </a:pPr>
             <a:r>
               <a:rPr lang="pt-BR" sz="2400" dirty="0">
-                <a:latin typeface="Times New Roman" panose="02020603050405020304" pitchFamily="18" charset="0"/>
-                <a:cs typeface="Times New Roman" panose="02020603050405020304" pitchFamily="18" charset="0"/>
-              </a:rPr>
-              <a:t> Schuster, 2015.</a:t>
-            </a:r>
-          </a:p>
-          <a:p>
-            <a:pPr marL="0" indent="0" algn="just">
-              <a:buNone/>
-            </a:pPr>
-            <a:endParaRPr lang="pt-BR" sz="2400" dirty="0">
-              <a:latin typeface="Times New Roman" panose="02020603050405020304" pitchFamily="18" charset="0"/>
-              <a:cs typeface="Times New Roman" panose="02020603050405020304" pitchFamily="18" charset="0"/>
-            </a:endParaRPr>
+                <a:solidFill>
+                  <a:schemeClr val="tx1"/>
+                </a:solidFill>
+                <a:latin typeface="Times New Roman" panose="02020603050405020304" pitchFamily="18" charset="0"/>
+                <a:cs typeface="Times New Roman" panose="02020603050405020304" pitchFamily="18" charset="0"/>
+              </a:rPr>
+              <a:t>        }); </a:t>
+            </a:r>
           </a:p>
           <a:p>
             <a:pPr marL="0" indent="0" algn="just">
@@ -6121,43 +8362,21 @@
             </a:pPr>
             <a:r>
               <a:rPr lang="pt-BR" sz="2400" dirty="0">
-                <a:latin typeface="Times New Roman" panose="02020603050405020304" pitchFamily="18" charset="0"/>
-                <a:cs typeface="Times New Roman" panose="02020603050405020304" pitchFamily="18" charset="0"/>
-              </a:rPr>
-              <a:t>[2] </a:t>
-            </a:r>
-            <a:r>
-              <a:rPr lang="en-US" sz="2400" dirty="0">
-                <a:latin typeface="Times New Roman" panose="02020603050405020304" pitchFamily="18" charset="0"/>
-                <a:cs typeface="Times New Roman" panose="02020603050405020304" pitchFamily="18" charset="0"/>
-              </a:rPr>
-              <a:t>CHAFFER, Jonathan; SWEDBERG, Karl. Learning jQuery. </a:t>
-            </a:r>
-            <a:r>
-              <a:rPr lang="en-US" sz="2400" dirty="0" err="1">
-                <a:latin typeface="Times New Roman" panose="02020603050405020304" pitchFamily="18" charset="0"/>
-                <a:cs typeface="Times New Roman" panose="02020603050405020304" pitchFamily="18" charset="0"/>
-              </a:rPr>
-              <a:t>Packt</a:t>
-            </a:r>
-            <a:r>
-              <a:rPr lang="en-US" sz="2400" dirty="0">
-                <a:latin typeface="Times New Roman" panose="02020603050405020304" pitchFamily="18" charset="0"/>
-                <a:cs typeface="Times New Roman" panose="02020603050405020304" pitchFamily="18" charset="0"/>
-              </a:rPr>
-              <a:t> Publishing Ltd, 2011.</a:t>
-            </a:r>
-            <a:endParaRPr lang="pt-BR" sz="2400" dirty="0">
-              <a:latin typeface="Times New Roman" panose="02020603050405020304" pitchFamily="18" charset="0"/>
-              <a:cs typeface="Times New Roman" panose="02020603050405020304" pitchFamily="18" charset="0"/>
-            </a:endParaRPr>
+                <a:solidFill>
+                  <a:schemeClr val="tx1"/>
+                </a:solidFill>
+                <a:latin typeface="Times New Roman" panose="02020603050405020304" pitchFamily="18" charset="0"/>
+                <a:cs typeface="Times New Roman" panose="02020603050405020304" pitchFamily="18" charset="0"/>
+              </a:rPr>
+              <a:t>});</a:t>
+            </a:r>
           </a:p>
         </p:txBody>
       </p:sp>
     </p:spTree>
     <p:extLst>
       <p:ext uri="{BB962C8B-B14F-4D97-AF65-F5344CB8AC3E}">
-        <p14:creationId xmlns:p14="http://schemas.microsoft.com/office/powerpoint/2010/main" val="1115311843"/>
+        <p14:creationId xmlns:p14="http://schemas.microsoft.com/office/powerpoint/2010/main" val="3777795424"/>
       </p:ext>
     </p:extLst>
   </p:cSld>
@@ -6185,96 +8404,9 @@
           <a:chExt cx="0" cy="0"/>
         </a:xfrm>
       </p:grpSpPr>
-      <p:pic>
-        <p:nvPicPr>
-          <p:cNvPr id="112" name="Picture 6" descr="Picture 6"/>
-          <p:cNvPicPr>
-            <a:picLocks noChangeAspect="1"/>
-          </p:cNvPicPr>
-          <p:nvPr/>
-        </p:nvPicPr>
-        <p:blipFill>
-          <a:blip r:embed="rId2"/>
-          <a:stretch>
-            <a:fillRect/>
-          </a:stretch>
-        </p:blipFill>
-        <p:spPr>
-          <a:xfrm>
-            <a:off x="0" y="0"/>
-            <a:ext cx="9144000" cy="5143500"/>
-          </a:xfrm>
-          <a:prstGeom prst="rect">
-            <a:avLst/>
-          </a:prstGeom>
-          <a:ln w="12700">
-            <a:miter lim="400000"/>
-            <a:headEnd/>
-            <a:tailEnd/>
-          </a:ln>
-        </p:spPr>
-      </p:pic>
-      <p:pic>
-        <p:nvPicPr>
-          <p:cNvPr id="114" name="Picture 5" descr="Picture 5"/>
-          <p:cNvPicPr>
-            <a:picLocks noChangeAspect="1"/>
-          </p:cNvPicPr>
-          <p:nvPr/>
-        </p:nvPicPr>
-        <p:blipFill>
-          <a:blip r:embed="rId3"/>
-          <a:stretch>
-            <a:fillRect/>
-          </a:stretch>
-        </p:blipFill>
-        <p:spPr>
-          <a:xfrm>
-            <a:off x="469900" y="0"/>
-            <a:ext cx="4391984" cy="171450"/>
-          </a:xfrm>
-          <a:prstGeom prst="rect">
-            <a:avLst/>
-          </a:prstGeom>
-          <a:ln w="12700">
-            <a:miter lim="400000"/>
-            <a:headEnd/>
-            <a:tailEnd/>
-          </a:ln>
-        </p:spPr>
-      </p:pic>
-      <p:pic>
-        <p:nvPicPr>
-          <p:cNvPr id="115" name="Imagem" descr="Imagem"/>
-          <p:cNvPicPr>
-            <a:picLocks noChangeAspect="1"/>
-          </p:cNvPicPr>
-          <p:nvPr/>
-        </p:nvPicPr>
-        <p:blipFill>
-          <a:blip r:embed="rId4"/>
-          <a:stretch>
-            <a:fillRect/>
-          </a:stretch>
-        </p:blipFill>
-        <p:spPr>
-          <a:xfrm>
-            <a:off x="823046" y="300823"/>
-            <a:ext cx="3685692" cy="1189055"/>
-          </a:xfrm>
-          <a:prstGeom prst="rect">
-            <a:avLst/>
-          </a:prstGeom>
-          <a:ln w="12700">
-            <a:miter lim="400000"/>
-            <a:headEnd/>
-            <a:tailEnd/>
-          </a:ln>
-        </p:spPr>
-      </p:pic>
       <p:sp>
         <p:nvSpPr>
-          <p:cNvPr id="3" name="Título 2"/>
+          <p:cNvPr id="6" name="Title 1"/>
           <p:cNvSpPr>
             <a:spLocks noGrp="1"/>
           </p:cNvSpPr>
@@ -6284,8 +8416,62 @@
         </p:nvSpPr>
         <p:spPr>
           <a:xfrm>
-            <a:off x="285751" y="2386770"/>
-            <a:ext cx="8615364" cy="1102519"/>
+            <a:off x="457200" y="205980"/>
+            <a:ext cx="8229600" cy="857251"/>
+          </a:xfrm>
+        </p:spPr>
+        <p:txBody>
+          <a:bodyPr>
+            <a:normAutofit/>
+          </a:bodyPr>
+          <a:lstStyle/>
+          <a:p>
+            <a:r>
+              <a:rPr lang="en-US" b="1" dirty="0" err="1">
+                <a:solidFill>
+                  <a:srgbClr val="0070C0"/>
+                </a:solidFill>
+              </a:rPr>
+              <a:t>JQuery</a:t>
+            </a:r>
+            <a:r>
+              <a:rPr lang="en-US" b="1" dirty="0">
+                <a:solidFill>
+                  <a:srgbClr val="0070C0"/>
+                </a:solidFill>
+              </a:rPr>
+              <a:t> – DOM </a:t>
+            </a:r>
+            <a:r>
+              <a:rPr lang="en-US" b="1" dirty="0" err="1">
+                <a:solidFill>
+                  <a:srgbClr val="0070C0"/>
+                </a:solidFill>
+              </a:rPr>
+              <a:t>Atributo</a:t>
+            </a:r>
+            <a:endParaRPr lang="en-US" b="1" dirty="0">
+              <a:solidFill>
+                <a:srgbClr val="0070C0"/>
+              </a:solidFill>
+            </a:endParaRPr>
+          </a:p>
+        </p:txBody>
+      </p:sp>
+      <p:sp>
+        <p:nvSpPr>
+          <p:cNvPr id="8" name="Text Placeholder 2"/>
+          <p:cNvSpPr>
+            <a:spLocks noGrp="1"/>
+          </p:cNvSpPr>
+          <p:nvPr>
+            <p:ph type="body" sz="half" idx="1"/>
+          </p:nvPr>
+        </p:nvSpPr>
+        <p:spPr>
+          <a:xfrm>
+            <a:off x="142865" y="1037312"/>
+            <a:ext cx="8865056" cy="3900208"/>
           </a:xfrm>
         </p:spPr>
         <p:txBody>
@@ -6294,32 +8480,417 @@
           </a:bodyPr>
           <a:lstStyle/>
           <a:p>
-            <a:r>
-              <a:rPr lang="pt-BR" sz="4800" b="1" dirty="0">
-                <a:solidFill>
-                  <a:schemeClr val="bg1"/>
-                </a:solidFill>
-              </a:rPr>
-              <a:t>Desenvolvimento Web </a:t>
-            </a:r>
-            <a:br>
-              <a:rPr lang="pt-BR" sz="4800" b="1" dirty="0">
-                <a:solidFill>
-                  <a:schemeClr val="bg1"/>
-                </a:solidFill>
-              </a:rPr>
-            </a:br>
-            <a:r>
-              <a:rPr lang="pt-BR" sz="4800" b="1" dirty="0" err="1">
-                <a:solidFill>
-                  <a:schemeClr val="bg1"/>
+            <a:pPr marL="0" indent="0" algn="just">
+              <a:buNone/>
+            </a:pPr>
+            <a:r>
+              <a:rPr lang="pt-BR" sz="2400" b="1" dirty="0">
+                <a:solidFill>
+                  <a:srgbClr val="FF0000"/>
+                </a:solidFill>
+                <a:latin typeface="Times New Roman" panose="02020603050405020304" pitchFamily="18" charset="0"/>
+                <a:cs typeface="Times New Roman" panose="02020603050405020304" pitchFamily="18" charset="0"/>
+              </a:rPr>
+              <a:t>Exemplo 14</a:t>
+            </a:r>
+            <a:r>
+              <a:rPr lang="pt-BR" sz="2400" b="1" dirty="0">
+                <a:solidFill>
+                  <a:schemeClr val="tx1"/>
+                </a:solidFill>
+                <a:latin typeface="Times New Roman" panose="02020603050405020304" pitchFamily="18" charset="0"/>
+                <a:cs typeface="Times New Roman" panose="02020603050405020304" pitchFamily="18" charset="0"/>
+              </a:rPr>
+              <a:t>: </a:t>
+            </a:r>
+            <a:r>
+              <a:rPr lang="pt-BR" sz="2400" dirty="0">
+                <a:solidFill>
+                  <a:schemeClr val="tx1"/>
+                </a:solidFill>
+                <a:latin typeface="Times New Roman" panose="02020603050405020304" pitchFamily="18" charset="0"/>
+                <a:cs typeface="Times New Roman" panose="02020603050405020304" pitchFamily="18" charset="0"/>
+              </a:rPr>
+              <a:t>	</a:t>
+            </a:r>
+          </a:p>
+          <a:p>
+            <a:pPr marL="0" indent="0" algn="just">
+              <a:buNone/>
+            </a:pPr>
+            <a:r>
+              <a:rPr lang="pt-BR" sz="2400" dirty="0">
+                <a:solidFill>
+                  <a:schemeClr val="tx1"/>
+                </a:solidFill>
+                <a:latin typeface="Times New Roman" panose="02020603050405020304" pitchFamily="18" charset="0"/>
+                <a:cs typeface="Times New Roman" panose="02020603050405020304" pitchFamily="18" charset="0"/>
+              </a:rPr>
+              <a:t>	</a:t>
+            </a:r>
+          </a:p>
+          <a:p>
+            <a:pPr marL="0" indent="0" algn="just">
+              <a:buNone/>
+            </a:pPr>
+            <a:r>
+              <a:rPr lang="pt-BR" sz="2400" dirty="0">
+                <a:solidFill>
+                  <a:schemeClr val="tx1"/>
+                </a:solidFill>
+                <a:latin typeface="Times New Roman" panose="02020603050405020304" pitchFamily="18" charset="0"/>
+                <a:cs typeface="Times New Roman" panose="02020603050405020304" pitchFamily="18" charset="0"/>
+              </a:rPr>
+              <a:t> $(</a:t>
+            </a:r>
+            <a:r>
+              <a:rPr lang="pt-BR" sz="2400" b="1" dirty="0" err="1">
+                <a:solidFill>
+                  <a:schemeClr val="tx1"/>
+                </a:solidFill>
+                <a:latin typeface="Times New Roman" panose="02020603050405020304" pitchFamily="18" charset="0"/>
+                <a:cs typeface="Times New Roman" panose="02020603050405020304" pitchFamily="18" charset="0"/>
+              </a:rPr>
+              <a:t>document</a:t>
+            </a:r>
+            <a:r>
+              <a:rPr lang="pt-BR" sz="2400" dirty="0">
+                <a:solidFill>
+                  <a:schemeClr val="tx1"/>
+                </a:solidFill>
+                <a:latin typeface="Times New Roman" panose="02020603050405020304" pitchFamily="18" charset="0"/>
+                <a:cs typeface="Times New Roman" panose="02020603050405020304" pitchFamily="18" charset="0"/>
+              </a:rPr>
+              <a:t>).</a:t>
+            </a:r>
+            <a:r>
+              <a:rPr lang="pt-BR" sz="2400" dirty="0" err="1">
+                <a:solidFill>
+                  <a:schemeClr val="tx1"/>
+                </a:solidFill>
+                <a:latin typeface="Times New Roman" panose="02020603050405020304" pitchFamily="18" charset="0"/>
+                <a:cs typeface="Times New Roman" panose="02020603050405020304" pitchFamily="18" charset="0"/>
+              </a:rPr>
+              <a:t>ready</a:t>
+            </a:r>
+            <a:r>
+              <a:rPr lang="pt-BR" sz="2400" dirty="0">
+                <a:solidFill>
+                  <a:schemeClr val="tx1"/>
+                </a:solidFill>
+                <a:latin typeface="Times New Roman" panose="02020603050405020304" pitchFamily="18" charset="0"/>
+                <a:cs typeface="Times New Roman" panose="02020603050405020304" pitchFamily="18" charset="0"/>
+              </a:rPr>
+              <a:t>(</a:t>
+            </a:r>
+            <a:r>
+              <a:rPr lang="pt-BR" sz="2400" b="1" dirty="0" err="1">
+                <a:solidFill>
+                  <a:schemeClr val="tx1"/>
+                </a:solidFill>
+                <a:latin typeface="Times New Roman" panose="02020603050405020304" pitchFamily="18" charset="0"/>
+                <a:cs typeface="Times New Roman" panose="02020603050405020304" pitchFamily="18" charset="0"/>
+              </a:rPr>
+              <a:t>function</a:t>
+            </a:r>
+            <a:r>
+              <a:rPr lang="pt-BR" sz="2400" dirty="0">
+                <a:solidFill>
+                  <a:schemeClr val="tx1"/>
+                </a:solidFill>
+                <a:latin typeface="Times New Roman" panose="02020603050405020304" pitchFamily="18" charset="0"/>
+                <a:cs typeface="Times New Roman" panose="02020603050405020304" pitchFamily="18" charset="0"/>
+              </a:rPr>
+              <a:t> () {</a:t>
+            </a:r>
+          </a:p>
+          <a:p>
+            <a:pPr marL="0" indent="0" algn="just">
+              <a:buNone/>
+            </a:pPr>
+            <a:r>
+              <a:rPr lang="pt-BR" sz="2400" dirty="0">
+                <a:solidFill>
+                  <a:schemeClr val="tx1"/>
+                </a:solidFill>
+                <a:latin typeface="Times New Roman" panose="02020603050405020304" pitchFamily="18" charset="0"/>
+                <a:cs typeface="Times New Roman" panose="02020603050405020304" pitchFamily="18" charset="0"/>
+              </a:rPr>
+              <a:t>        $('#</a:t>
+            </a:r>
+            <a:r>
+              <a:rPr lang="pt-BR" sz="2400" b="1" dirty="0" err="1">
+                <a:solidFill>
+                  <a:schemeClr val="tx1"/>
+                </a:solidFill>
+                <a:latin typeface="Times New Roman" panose="02020603050405020304" pitchFamily="18" charset="0"/>
+                <a:cs typeface="Times New Roman" panose="02020603050405020304" pitchFamily="18" charset="0"/>
+              </a:rPr>
+              <a:t>inputButton</a:t>
+            </a:r>
+            <a:r>
+              <a:rPr lang="pt-BR" sz="2400" dirty="0">
+                <a:solidFill>
+                  <a:schemeClr val="tx1"/>
+                </a:solidFill>
+                <a:latin typeface="Times New Roman" panose="02020603050405020304" pitchFamily="18" charset="0"/>
+                <a:cs typeface="Times New Roman" panose="02020603050405020304" pitchFamily="18" charset="0"/>
+              </a:rPr>
+              <a:t>').click( </a:t>
+            </a:r>
+            <a:r>
+              <a:rPr lang="pt-BR" sz="2400" dirty="0" err="1">
+                <a:solidFill>
+                  <a:schemeClr val="tx1"/>
+                </a:solidFill>
+                <a:latin typeface="Times New Roman" panose="02020603050405020304" pitchFamily="18" charset="0"/>
+                <a:cs typeface="Times New Roman" panose="02020603050405020304" pitchFamily="18" charset="0"/>
+              </a:rPr>
+              <a:t>function</a:t>
+            </a:r>
+            <a:r>
+              <a:rPr lang="pt-BR" sz="2400" dirty="0">
+                <a:solidFill>
+                  <a:schemeClr val="tx1"/>
+                </a:solidFill>
+                <a:latin typeface="Times New Roman" panose="02020603050405020304" pitchFamily="18" charset="0"/>
+                <a:cs typeface="Times New Roman" panose="02020603050405020304" pitchFamily="18" charset="0"/>
+              </a:rPr>
+              <a:t> () {</a:t>
+            </a:r>
+          </a:p>
+          <a:p>
+            <a:pPr marL="0" indent="0" algn="just">
+              <a:buNone/>
+            </a:pPr>
+            <a:r>
+              <a:rPr lang="pt-BR" sz="2400" dirty="0">
+                <a:solidFill>
+                  <a:schemeClr val="tx1"/>
+                </a:solidFill>
+                <a:latin typeface="Times New Roman" panose="02020603050405020304" pitchFamily="18" charset="0"/>
+                <a:cs typeface="Times New Roman" panose="02020603050405020304" pitchFamily="18" charset="0"/>
+              </a:rPr>
+              <a:t>          </a:t>
+            </a:r>
+            <a:r>
+              <a:rPr lang="pt-BR" sz="2400" b="1" dirty="0" err="1">
+                <a:solidFill>
+                  <a:schemeClr val="tx1"/>
+                </a:solidFill>
+                <a:latin typeface="Times New Roman" panose="02020603050405020304" pitchFamily="18" charset="0"/>
+                <a:cs typeface="Times New Roman" panose="02020603050405020304" pitchFamily="18" charset="0"/>
+              </a:rPr>
+              <a:t>let</a:t>
+            </a:r>
+            <a:r>
+              <a:rPr lang="pt-BR" sz="2400" dirty="0">
+                <a:solidFill>
+                  <a:schemeClr val="tx1"/>
+                </a:solidFill>
+                <a:latin typeface="Times New Roman" panose="02020603050405020304" pitchFamily="18" charset="0"/>
+                <a:cs typeface="Times New Roman" panose="02020603050405020304" pitchFamily="18" charset="0"/>
+              </a:rPr>
+              <a:t> link = $('#link');</a:t>
+            </a:r>
+          </a:p>
+          <a:p>
+            <a:pPr marL="0" indent="0" algn="just">
+              <a:buNone/>
+            </a:pPr>
+            <a:r>
+              <a:rPr lang="pt-BR" sz="2400" dirty="0">
+                <a:solidFill>
+                  <a:schemeClr val="tx1"/>
+                </a:solidFill>
+                <a:latin typeface="Times New Roman" panose="02020603050405020304" pitchFamily="18" charset="0"/>
+                <a:cs typeface="Times New Roman" panose="02020603050405020304" pitchFamily="18" charset="0"/>
+              </a:rPr>
+              <a:t>          </a:t>
+            </a:r>
+            <a:r>
+              <a:rPr lang="pt-BR" sz="2400" b="1" dirty="0" err="1">
+                <a:solidFill>
+                  <a:schemeClr val="tx1"/>
+                </a:solidFill>
+                <a:latin typeface="Times New Roman" panose="02020603050405020304" pitchFamily="18" charset="0"/>
+                <a:cs typeface="Times New Roman" panose="02020603050405020304" pitchFamily="18" charset="0"/>
+              </a:rPr>
+              <a:t>alert</a:t>
+            </a:r>
+            <a:r>
+              <a:rPr lang="pt-BR" sz="2400" dirty="0">
+                <a:solidFill>
+                  <a:schemeClr val="tx1"/>
+                </a:solidFill>
+                <a:latin typeface="Times New Roman" panose="02020603050405020304" pitchFamily="18" charset="0"/>
+                <a:cs typeface="Times New Roman" panose="02020603050405020304" pitchFamily="18" charset="0"/>
+              </a:rPr>
+              <a:t>(</a:t>
+            </a:r>
+            <a:r>
+              <a:rPr lang="pt-BR" sz="2400" dirty="0" err="1">
+                <a:solidFill>
+                  <a:schemeClr val="tx1"/>
+                </a:solidFill>
+                <a:latin typeface="Times New Roman" panose="02020603050405020304" pitchFamily="18" charset="0"/>
+                <a:cs typeface="Times New Roman" panose="02020603050405020304" pitchFamily="18" charset="0"/>
+              </a:rPr>
+              <a:t>link.</a:t>
+            </a:r>
+            <a:r>
+              <a:rPr lang="pt-BR" sz="2400" b="1" dirty="0" err="1">
+                <a:solidFill>
+                  <a:schemeClr val="tx1"/>
+                </a:solidFill>
+                <a:latin typeface="Times New Roman" panose="02020603050405020304" pitchFamily="18" charset="0"/>
+                <a:cs typeface="Times New Roman" panose="02020603050405020304" pitchFamily="18" charset="0"/>
+              </a:rPr>
+              <a:t>attr</a:t>
+            </a:r>
+            <a:r>
+              <a:rPr lang="pt-BR" sz="2400" dirty="0">
+                <a:solidFill>
+                  <a:schemeClr val="tx1"/>
+                </a:solidFill>
+                <a:latin typeface="Times New Roman" panose="02020603050405020304" pitchFamily="18" charset="0"/>
+                <a:cs typeface="Times New Roman" panose="02020603050405020304" pitchFamily="18" charset="0"/>
+              </a:rPr>
+              <a:t>('</a:t>
+            </a:r>
+            <a:r>
+              <a:rPr lang="pt-BR" sz="2400" dirty="0" err="1">
+                <a:solidFill>
+                  <a:schemeClr val="tx1"/>
+                </a:solidFill>
+                <a:latin typeface="Times New Roman" panose="02020603050405020304" pitchFamily="18" charset="0"/>
+                <a:cs typeface="Times New Roman" panose="02020603050405020304" pitchFamily="18" charset="0"/>
+              </a:rPr>
+              <a:t>href</a:t>
+            </a:r>
+            <a:r>
+              <a:rPr lang="pt-BR" sz="2400" dirty="0">
+                <a:solidFill>
+                  <a:schemeClr val="tx1"/>
+                </a:solidFill>
+                <a:latin typeface="Times New Roman" panose="02020603050405020304" pitchFamily="18" charset="0"/>
+                <a:cs typeface="Times New Roman" panose="02020603050405020304" pitchFamily="18" charset="0"/>
+              </a:rPr>
+              <a:t>'));</a:t>
+            </a:r>
+          </a:p>
+          <a:p>
+            <a:pPr marL="0" indent="0" algn="just">
+              <a:buNone/>
+            </a:pPr>
+            <a:r>
+              <a:rPr lang="pt-BR" sz="2400" dirty="0">
+                <a:solidFill>
+                  <a:schemeClr val="tx1"/>
+                </a:solidFill>
+                <a:latin typeface="Times New Roman" panose="02020603050405020304" pitchFamily="18" charset="0"/>
+                <a:cs typeface="Times New Roman" panose="02020603050405020304" pitchFamily="18" charset="0"/>
+              </a:rPr>
+              <a:t>        });</a:t>
+            </a:r>
+          </a:p>
+          <a:p>
+            <a:pPr marL="0" indent="0" algn="just">
+              <a:buNone/>
+            </a:pPr>
+            <a:r>
+              <a:rPr lang="pt-BR" sz="2400" dirty="0">
+                <a:solidFill>
+                  <a:schemeClr val="tx1"/>
+                </a:solidFill>
+                <a:latin typeface="Times New Roman" panose="02020603050405020304" pitchFamily="18" charset="0"/>
+                <a:cs typeface="Times New Roman" panose="02020603050405020304" pitchFamily="18" charset="0"/>
+              </a:rPr>
+              <a:t>      });</a:t>
+            </a:r>
+          </a:p>
+        </p:txBody>
+      </p:sp>
+    </p:spTree>
+    <p:extLst>
+      <p:ext uri="{BB962C8B-B14F-4D97-AF65-F5344CB8AC3E}">
+        <p14:creationId xmlns:p14="http://schemas.microsoft.com/office/powerpoint/2010/main" val="3398103820"/>
+      </p:ext>
+    </p:extLst>
+  </p:cSld>
+  <p:clrMapOvr>
+    <a:masterClrMapping/>
+  </p:clrMapOvr>
+  <p:transition spd="med"/>
+</p:sld>
+</file>
+
+<file path=ppt/slides/slide18.xml><?xml version="1.0" encoding="utf-8"?>
+<p:sld xmlns:a="http://schemas.openxmlformats.org/drawingml/2006/main" xmlns:r="http://schemas.openxmlformats.org/officeDocument/2006/relationships" xmlns:p="http://schemas.openxmlformats.org/presentationml/2006/main">
+  <p:cSld>
+    <p:spTree>
+      <p:nvGrpSpPr>
+        <p:cNvPr id="1" name=""/>
+        <p:cNvGrpSpPr/>
+        <p:nvPr/>
+      </p:nvGrpSpPr>
+      <p:grpSpPr>
+        <a:xfrm>
+          <a:off x="0" y="0"/>
+          <a:ext cx="0" cy="0"/>
+          <a:chOff x="0" y="0"/>
+          <a:chExt cx="0" cy="0"/>
+        </a:xfrm>
+      </p:grpSpPr>
+      <p:sp>
+        <p:nvSpPr>
+          <p:cNvPr id="6" name="Title 1"/>
+          <p:cNvSpPr>
+            <a:spLocks noGrp="1"/>
+          </p:cNvSpPr>
+          <p:nvPr>
+            <p:ph type="title"/>
+          </p:nvPr>
+        </p:nvSpPr>
+        <p:spPr>
+          <a:xfrm>
+            <a:off x="457200" y="205980"/>
+            <a:ext cx="8229600" cy="857251"/>
+          </a:xfrm>
+        </p:spPr>
+        <p:txBody>
+          <a:bodyPr>
+            <a:normAutofit/>
+          </a:bodyPr>
+          <a:lstStyle/>
+          <a:p>
+            <a:r>
+              <a:rPr lang="en-US" b="1" dirty="0" err="1">
+                <a:solidFill>
+                  <a:srgbClr val="0070C0"/>
                 </a:solidFill>
               </a:rPr>
               <a:t>JQuery</a:t>
             </a:r>
-            <a:endParaRPr lang="pt-BR" sz="4800" b="1" dirty="0">
+            <a:r>
+              <a:rPr lang="en-US" b="1" dirty="0">
+                <a:solidFill>
+                  <a:srgbClr val="0070C0"/>
+                </a:solidFill>
+              </a:rPr>
+              <a:t> – DOM </a:t>
+            </a:r>
+            <a:r>
+              <a:rPr lang="en-US" b="1" dirty="0" err="1">
+                <a:solidFill>
+                  <a:srgbClr val="0070C0"/>
+                </a:solidFill>
+              </a:rPr>
+              <a:t>Manipulando</a:t>
+            </a:r>
+            <a:endParaRPr lang="en-US" b="1" dirty="0">
               <a:solidFill>
-                <a:schemeClr val="bg1"/>
+                <a:srgbClr val="0070C0"/>
               </a:solidFill>
             </a:endParaRPr>
           </a:p>
@@ -6327,310 +8898,915 @@
       </p:sp>
       <p:sp>
         <p:nvSpPr>
-          <p:cNvPr id="6" name="Título 2"/>
-          <p:cNvSpPr txBox="1"/>
-          <p:nvPr/>
+          <p:cNvPr id="8" name="Text Placeholder 2"/>
+          <p:cNvSpPr>
+            <a:spLocks noGrp="1"/>
+          </p:cNvSpPr>
+          <p:nvPr>
+            <p:ph type="body" sz="half" idx="1"/>
+          </p:nvPr>
         </p:nvSpPr>
         <p:spPr>
           <a:xfrm>
-            <a:off x="975683" y="3866663"/>
-            <a:ext cx="7772400" cy="1102519"/>
+            <a:off x="142865" y="1037312"/>
+            <a:ext cx="8865056" cy="3900208"/>
           </a:xfrm>
-          <a:prstGeom prst="rect">
-            <a:avLst/>
-          </a:prstGeom>
-          <a:ln w="12700">
-            <a:miter lim="400000"/>
-          </a:ln>
         </p:spPr>
         <p:txBody>
-          <a:bodyPr lIns="45718" tIns="45718" rIns="45718" bIns="45718" anchor="ctr">
+          <a:bodyPr>
             <a:noAutofit/>
           </a:bodyPr>
-          <a:lstStyle>
-            <a:lvl1pPr marL="0" marR="0" indent="0" algn="ctr" defTabSz="457200" rtl="0" latinLnBrk="0">
-              <a:lnSpc>
-                <a:spcPct val="100000"/>
-              </a:lnSpc>
-              <a:spcBef>
-                <a:spcPts val="0"/>
-              </a:spcBef>
-              <a:spcAft>
-                <a:spcPts val="0"/>
-              </a:spcAft>
-              <a:buClrTx/>
-              <a:buSzTx/>
-              <a:buFontTx/>
-              <a:buNone/>
-              <a:defRPr sz="4400" b="0" i="0" u="none" strike="noStrike" cap="none" spc="0" baseline="0">
-                <a:ln>
-                  <a:noFill/>
-                </a:ln>
-                <a:solidFill>
-                  <a:srgbClr val="000000"/>
-                </a:solidFill>
-                <a:uFillTx/>
-                <a:latin typeface="+mj-lt"/>
-                <a:ea typeface="+mj-ea"/>
-                <a:cs typeface="+mj-cs"/>
-                <a:sym typeface="Calibri"/>
-              </a:defRPr>
-            </a:lvl1pPr>
-            <a:lvl2pPr marL="0" marR="0" indent="0" algn="ctr" defTabSz="457200" rtl="0" latinLnBrk="0">
-              <a:lnSpc>
-                <a:spcPct val="100000"/>
-              </a:lnSpc>
-              <a:spcBef>
-                <a:spcPts val="0"/>
-              </a:spcBef>
-              <a:spcAft>
-                <a:spcPts val="0"/>
-              </a:spcAft>
-              <a:buClrTx/>
-              <a:buSzTx/>
-              <a:buFontTx/>
-              <a:buNone/>
-              <a:defRPr sz="4400" b="0" i="0" u="none" strike="noStrike" cap="none" spc="0" baseline="0">
-                <a:ln>
-                  <a:noFill/>
-                </a:ln>
-                <a:solidFill>
-                  <a:srgbClr val="000000"/>
-                </a:solidFill>
-                <a:uFillTx/>
-                <a:latin typeface="+mj-lt"/>
-                <a:ea typeface="+mj-ea"/>
-                <a:cs typeface="+mj-cs"/>
-                <a:sym typeface="Calibri"/>
-              </a:defRPr>
-            </a:lvl2pPr>
-            <a:lvl3pPr marL="0" marR="0" indent="0" algn="ctr" defTabSz="457200" rtl="0" latinLnBrk="0">
-              <a:lnSpc>
-                <a:spcPct val="100000"/>
-              </a:lnSpc>
-              <a:spcBef>
-                <a:spcPts val="0"/>
-              </a:spcBef>
-              <a:spcAft>
-                <a:spcPts val="0"/>
-              </a:spcAft>
-              <a:buClrTx/>
-              <a:buSzTx/>
-              <a:buFontTx/>
-              <a:buNone/>
-              <a:defRPr sz="4400" b="0" i="0" u="none" strike="noStrike" cap="none" spc="0" baseline="0">
-                <a:ln>
-                  <a:noFill/>
-                </a:ln>
-                <a:solidFill>
-                  <a:srgbClr val="000000"/>
-                </a:solidFill>
-                <a:uFillTx/>
-                <a:latin typeface="+mj-lt"/>
-                <a:ea typeface="+mj-ea"/>
-                <a:cs typeface="+mj-cs"/>
-                <a:sym typeface="Calibri"/>
-              </a:defRPr>
-            </a:lvl3pPr>
-            <a:lvl4pPr marL="0" marR="0" indent="0" algn="ctr" defTabSz="457200" rtl="0" latinLnBrk="0">
-              <a:lnSpc>
-                <a:spcPct val="100000"/>
-              </a:lnSpc>
-              <a:spcBef>
-                <a:spcPts val="0"/>
-              </a:spcBef>
-              <a:spcAft>
-                <a:spcPts val="0"/>
-              </a:spcAft>
-              <a:buClrTx/>
-              <a:buSzTx/>
-              <a:buFontTx/>
-              <a:buNone/>
-              <a:defRPr sz="4400" b="0" i="0" u="none" strike="noStrike" cap="none" spc="0" baseline="0">
-                <a:ln>
-                  <a:noFill/>
-                </a:ln>
-                <a:solidFill>
-                  <a:srgbClr val="000000"/>
-                </a:solidFill>
-                <a:uFillTx/>
-                <a:latin typeface="+mj-lt"/>
-                <a:ea typeface="+mj-ea"/>
-                <a:cs typeface="+mj-cs"/>
-                <a:sym typeface="Calibri"/>
-              </a:defRPr>
-            </a:lvl4pPr>
-            <a:lvl5pPr marL="0" marR="0" indent="0" algn="ctr" defTabSz="457200" rtl="0" latinLnBrk="0">
-              <a:lnSpc>
-                <a:spcPct val="100000"/>
-              </a:lnSpc>
-              <a:spcBef>
-                <a:spcPts val="0"/>
-              </a:spcBef>
-              <a:spcAft>
-                <a:spcPts val="0"/>
-              </a:spcAft>
-              <a:buClrTx/>
-              <a:buSzTx/>
-              <a:buFontTx/>
-              <a:buNone/>
-              <a:defRPr sz="4400" b="0" i="0" u="none" strike="noStrike" cap="none" spc="0" baseline="0">
-                <a:ln>
-                  <a:noFill/>
-                </a:ln>
-                <a:solidFill>
-                  <a:srgbClr val="000000"/>
-                </a:solidFill>
-                <a:uFillTx/>
-                <a:latin typeface="+mj-lt"/>
-                <a:ea typeface="+mj-ea"/>
-                <a:cs typeface="+mj-cs"/>
-                <a:sym typeface="Calibri"/>
-              </a:defRPr>
-            </a:lvl5pPr>
-            <a:lvl6pPr marL="0" marR="0" indent="0" algn="ctr" defTabSz="457200" rtl="0" latinLnBrk="0">
-              <a:lnSpc>
-                <a:spcPct val="100000"/>
-              </a:lnSpc>
-              <a:spcBef>
-                <a:spcPts val="0"/>
-              </a:spcBef>
-              <a:spcAft>
-                <a:spcPts val="0"/>
-              </a:spcAft>
-              <a:buClrTx/>
-              <a:buSzTx/>
-              <a:buFontTx/>
-              <a:buNone/>
-              <a:defRPr sz="4400" b="0" i="0" u="none" strike="noStrike" cap="none" spc="0" baseline="0">
-                <a:ln>
-                  <a:noFill/>
-                </a:ln>
-                <a:solidFill>
-                  <a:srgbClr val="000000"/>
-                </a:solidFill>
-                <a:uFillTx/>
-                <a:latin typeface="+mj-lt"/>
-                <a:ea typeface="+mj-ea"/>
-                <a:cs typeface="+mj-cs"/>
-                <a:sym typeface="Calibri"/>
-              </a:defRPr>
-            </a:lvl6pPr>
-            <a:lvl7pPr marL="0" marR="0" indent="0" algn="ctr" defTabSz="457200" rtl="0" latinLnBrk="0">
-              <a:lnSpc>
-                <a:spcPct val="100000"/>
-              </a:lnSpc>
-              <a:spcBef>
-                <a:spcPts val="0"/>
-              </a:spcBef>
-              <a:spcAft>
-                <a:spcPts val="0"/>
-              </a:spcAft>
-              <a:buClrTx/>
-              <a:buSzTx/>
-              <a:buFontTx/>
-              <a:buNone/>
-              <a:defRPr sz="4400" b="0" i="0" u="none" strike="noStrike" cap="none" spc="0" baseline="0">
-                <a:ln>
-                  <a:noFill/>
-                </a:ln>
-                <a:solidFill>
-                  <a:srgbClr val="000000"/>
-                </a:solidFill>
-                <a:uFillTx/>
-                <a:latin typeface="+mj-lt"/>
-                <a:ea typeface="+mj-ea"/>
-                <a:cs typeface="+mj-cs"/>
-                <a:sym typeface="Calibri"/>
-              </a:defRPr>
-            </a:lvl7pPr>
-            <a:lvl8pPr marL="0" marR="0" indent="0" algn="ctr" defTabSz="457200" rtl="0" latinLnBrk="0">
-              <a:lnSpc>
-                <a:spcPct val="100000"/>
-              </a:lnSpc>
-              <a:spcBef>
-                <a:spcPts val="0"/>
-              </a:spcBef>
-              <a:spcAft>
-                <a:spcPts val="0"/>
-              </a:spcAft>
-              <a:buClrTx/>
-              <a:buSzTx/>
-              <a:buFontTx/>
-              <a:buNone/>
-              <a:defRPr sz="4400" b="0" i="0" u="none" strike="noStrike" cap="none" spc="0" baseline="0">
-                <a:ln>
-                  <a:noFill/>
-                </a:ln>
-                <a:solidFill>
-                  <a:srgbClr val="000000"/>
-                </a:solidFill>
-                <a:uFillTx/>
-                <a:latin typeface="+mj-lt"/>
-                <a:ea typeface="+mj-ea"/>
-                <a:cs typeface="+mj-cs"/>
-                <a:sym typeface="Calibri"/>
-              </a:defRPr>
-            </a:lvl8pPr>
-            <a:lvl9pPr marL="0" marR="0" indent="0" algn="ctr" defTabSz="457200" rtl="0" latinLnBrk="0">
-              <a:lnSpc>
-                <a:spcPct val="100000"/>
-              </a:lnSpc>
-              <a:spcBef>
-                <a:spcPts val="0"/>
-              </a:spcBef>
-              <a:spcAft>
-                <a:spcPts val="0"/>
-              </a:spcAft>
-              <a:buClrTx/>
-              <a:buSzTx/>
-              <a:buFontTx/>
-              <a:buNone/>
-              <a:defRPr sz="4400" b="0" i="0" u="none" strike="noStrike" cap="none" spc="0" baseline="0">
-                <a:ln>
-                  <a:noFill/>
-                </a:ln>
-                <a:solidFill>
-                  <a:srgbClr val="000000"/>
-                </a:solidFill>
-                <a:uFillTx/>
-                <a:latin typeface="+mj-lt"/>
-                <a:ea typeface="+mj-ea"/>
-                <a:cs typeface="+mj-cs"/>
-                <a:sym typeface="Calibri"/>
-              </a:defRPr>
-            </a:lvl9pPr>
-          </a:lstStyle>
-          <a:p>
-            <a:pPr algn="r" hangingPunct="1"/>
+          <a:lstStyle/>
+          <a:p>
+            <a:pPr marL="0" indent="0" algn="just">
+              <a:buNone/>
+            </a:pPr>
             <a:r>
               <a:rPr lang="pt-BR" sz="2000" b="1" dirty="0">
                 <a:solidFill>
-                  <a:schemeClr val="bg1"/>
-                </a:solidFill>
-              </a:rPr>
-              <a:t>Professor </a:t>
+                  <a:srgbClr val="FF0000"/>
+                </a:solidFill>
+                <a:latin typeface="Times New Roman" panose="02020603050405020304" pitchFamily="18" charset="0"/>
+                <a:cs typeface="Times New Roman" panose="02020603050405020304" pitchFamily="18" charset="0"/>
+              </a:rPr>
+              <a:t>Exemplo 15</a:t>
+            </a:r>
+            <a:r>
+              <a:rPr lang="pt-BR" sz="2000" b="1" dirty="0">
+                <a:solidFill>
+                  <a:schemeClr val="tx1"/>
+                </a:solidFill>
+                <a:latin typeface="Times New Roman" panose="02020603050405020304" pitchFamily="18" charset="0"/>
+                <a:cs typeface="Times New Roman" panose="02020603050405020304" pitchFamily="18" charset="0"/>
+              </a:rPr>
+              <a:t>: (h2; h3; a; </a:t>
+            </a:r>
+            <a:r>
+              <a:rPr lang="pt-BR" sz="2000" b="1" dirty="0" err="1">
+                <a:solidFill>
+                  <a:schemeClr val="tx1"/>
+                </a:solidFill>
+                <a:latin typeface="Times New Roman" panose="02020603050405020304" pitchFamily="18" charset="0"/>
+                <a:cs typeface="Times New Roman" panose="02020603050405020304" pitchFamily="18" charset="0"/>
+              </a:rPr>
+              <a:t>img</a:t>
+            </a:r>
+            <a:r>
+              <a:rPr lang="pt-BR" sz="2000" b="1" dirty="0">
+                <a:solidFill>
+                  <a:schemeClr val="tx1"/>
+                </a:solidFill>
+                <a:latin typeface="Times New Roman" panose="02020603050405020304" pitchFamily="18" charset="0"/>
+                <a:cs typeface="Times New Roman" panose="02020603050405020304" pitchFamily="18" charset="0"/>
+              </a:rPr>
+              <a:t>; input/</a:t>
+            </a:r>
+            <a:r>
+              <a:rPr lang="pt-BR" sz="2000" b="1" dirty="0" err="1">
+                <a:solidFill>
+                  <a:schemeClr val="tx1"/>
+                </a:solidFill>
+                <a:latin typeface="Times New Roman" panose="02020603050405020304" pitchFamily="18" charset="0"/>
+                <a:cs typeface="Times New Roman" panose="02020603050405020304" pitchFamily="18" charset="0"/>
+              </a:rPr>
+              <a:t>text</a:t>
+            </a:r>
+            <a:r>
+              <a:rPr lang="pt-BR" sz="2000" b="1" dirty="0">
+                <a:solidFill>
+                  <a:schemeClr val="tx1"/>
+                </a:solidFill>
+                <a:latin typeface="Times New Roman" panose="02020603050405020304" pitchFamily="18" charset="0"/>
+                <a:cs typeface="Times New Roman" panose="02020603050405020304" pitchFamily="18" charset="0"/>
+              </a:rPr>
+              <a:t>; </a:t>
+            </a:r>
+            <a:r>
+              <a:rPr lang="pt-BR" sz="2000" b="1" dirty="0" err="1">
+                <a:solidFill>
+                  <a:schemeClr val="tx1"/>
+                </a:solidFill>
+                <a:latin typeface="Times New Roman" panose="02020603050405020304" pitchFamily="18" charset="0"/>
+                <a:cs typeface="Times New Roman" panose="02020603050405020304" pitchFamily="18" charset="0"/>
+              </a:rPr>
+              <a:t>div</a:t>
+            </a:r>
+            <a:r>
+              <a:rPr lang="pt-BR" sz="2000" b="1" dirty="0">
+                <a:solidFill>
+                  <a:schemeClr val="tx1"/>
+                </a:solidFill>
+                <a:latin typeface="Times New Roman" panose="02020603050405020304" pitchFamily="18" charset="0"/>
+                <a:cs typeface="Times New Roman" panose="02020603050405020304" pitchFamily="18" charset="0"/>
+              </a:rPr>
+              <a:t>; 13 input/</a:t>
+            </a:r>
+            <a:r>
+              <a:rPr lang="pt-BR" sz="2000" b="1" dirty="0" err="1">
+                <a:solidFill>
+                  <a:schemeClr val="tx1"/>
+                </a:solidFill>
+                <a:latin typeface="Times New Roman" panose="02020603050405020304" pitchFamily="18" charset="0"/>
+                <a:cs typeface="Times New Roman" panose="02020603050405020304" pitchFamily="18" charset="0"/>
+              </a:rPr>
+              <a:t>button</a:t>
             </a:r>
             <a:r>
               <a:rPr lang="pt-BR" sz="2000" b="1">
                 <a:solidFill>
-                  <a:schemeClr val="bg1"/>
-                </a:solidFill>
-              </a:rPr>
-              <a:t>M.Sc</a:t>
+                  <a:schemeClr val="tx1"/>
+                </a:solidFill>
+                <a:latin typeface="Times New Roman" panose="02020603050405020304" pitchFamily="18" charset="0"/>
+                <a:cs typeface="Times New Roman" panose="02020603050405020304" pitchFamily="18" charset="0"/>
+              </a:rPr>
+              <a:t>)</a:t>
+            </a:r>
+            <a:endParaRPr lang="pt-BR" sz="2000" dirty="0">
+              <a:solidFill>
+                <a:schemeClr val="tx1"/>
+              </a:solidFill>
+              <a:latin typeface="Times New Roman" panose="02020603050405020304" pitchFamily="18" charset="0"/>
+              <a:cs typeface="Times New Roman" panose="02020603050405020304" pitchFamily="18" charset="0"/>
+            </a:endParaRPr>
+          </a:p>
+          <a:p>
+            <a:pPr marL="0" indent="0" algn="just">
+              <a:buNone/>
+            </a:pPr>
+            <a:r>
+              <a:rPr lang="pt-BR" sz="2000" dirty="0">
+                <a:solidFill>
+                  <a:schemeClr val="tx1"/>
+                </a:solidFill>
+                <a:latin typeface="Times New Roman" panose="02020603050405020304" pitchFamily="18" charset="0"/>
+                <a:cs typeface="Times New Roman" panose="02020603050405020304" pitchFamily="18" charset="0"/>
+              </a:rPr>
+              <a:t> 	$('#</a:t>
             </a:r>
             <a:r>
               <a:rPr lang="pt-BR" sz="2000" b="1" dirty="0">
                 <a:solidFill>
-                  <a:schemeClr val="bg1"/>
-                </a:solidFill>
-              </a:rPr>
-              <a:t>. Heleno Cardoso</a:t>
+                  <a:schemeClr val="tx1"/>
+                </a:solidFill>
+                <a:latin typeface="Times New Roman" panose="02020603050405020304" pitchFamily="18" charset="0"/>
+                <a:cs typeface="Times New Roman" panose="02020603050405020304" pitchFamily="18" charset="0"/>
+              </a:rPr>
+              <a:t>inputButton1</a:t>
+            </a:r>
+            <a:r>
+              <a:rPr lang="pt-BR" sz="2000" dirty="0">
+                <a:solidFill>
+                  <a:schemeClr val="tx1"/>
+                </a:solidFill>
+                <a:latin typeface="Times New Roman" panose="02020603050405020304" pitchFamily="18" charset="0"/>
+                <a:cs typeface="Times New Roman" panose="02020603050405020304" pitchFamily="18" charset="0"/>
+              </a:rPr>
+              <a:t>').click(</a:t>
+            </a:r>
+            <a:r>
+              <a:rPr lang="pt-BR" sz="2000" dirty="0" err="1">
+                <a:solidFill>
+                  <a:schemeClr val="tx1"/>
+                </a:solidFill>
+                <a:latin typeface="Times New Roman" panose="02020603050405020304" pitchFamily="18" charset="0"/>
+                <a:cs typeface="Times New Roman" panose="02020603050405020304" pitchFamily="18" charset="0"/>
+              </a:rPr>
+              <a:t>function</a:t>
+            </a:r>
+            <a:r>
+              <a:rPr lang="pt-BR" sz="2000" dirty="0">
+                <a:solidFill>
+                  <a:schemeClr val="tx1"/>
+                </a:solidFill>
+                <a:latin typeface="Times New Roman" panose="02020603050405020304" pitchFamily="18" charset="0"/>
+                <a:cs typeface="Times New Roman" panose="02020603050405020304" pitchFamily="18" charset="0"/>
+              </a:rPr>
+              <a:t> () {</a:t>
+            </a:r>
+          </a:p>
+          <a:p>
+            <a:pPr marL="0" indent="0" algn="just">
+              <a:buNone/>
+            </a:pPr>
+            <a:r>
+              <a:rPr lang="pt-BR" sz="2000" dirty="0">
+                <a:solidFill>
+                  <a:schemeClr val="tx1"/>
+                </a:solidFill>
+                <a:latin typeface="Times New Roman" panose="02020603050405020304" pitchFamily="18" charset="0"/>
+                <a:cs typeface="Times New Roman" panose="02020603050405020304" pitchFamily="18" charset="0"/>
+              </a:rPr>
+              <a:t>          </a:t>
+            </a:r>
+            <a:r>
+              <a:rPr lang="pt-BR" sz="2000" dirty="0" err="1">
+                <a:solidFill>
+                  <a:schemeClr val="tx1"/>
+                </a:solidFill>
+                <a:latin typeface="Times New Roman" panose="02020603050405020304" pitchFamily="18" charset="0"/>
+                <a:cs typeface="Times New Roman" panose="02020603050405020304" pitchFamily="18" charset="0"/>
+              </a:rPr>
+              <a:t>let</a:t>
+            </a:r>
+            <a:r>
+              <a:rPr lang="pt-BR" sz="2000" dirty="0">
+                <a:solidFill>
+                  <a:schemeClr val="tx1"/>
+                </a:solidFill>
+                <a:latin typeface="Times New Roman" panose="02020603050405020304" pitchFamily="18" charset="0"/>
+                <a:cs typeface="Times New Roman" panose="02020603050405020304" pitchFamily="18" charset="0"/>
+              </a:rPr>
+              <a:t> h2 = $('h2');</a:t>
+            </a:r>
+          </a:p>
+          <a:p>
+            <a:pPr marL="0" indent="0" algn="just">
+              <a:buNone/>
+            </a:pPr>
+            <a:r>
+              <a:rPr lang="pt-BR" sz="2000" dirty="0">
+                <a:solidFill>
+                  <a:schemeClr val="tx1"/>
+                </a:solidFill>
+                <a:latin typeface="Times New Roman" panose="02020603050405020304" pitchFamily="18" charset="0"/>
+                <a:cs typeface="Times New Roman" panose="02020603050405020304" pitchFamily="18" charset="0"/>
+              </a:rPr>
+              <a:t>          h2.append(' Acrescentando mais texto no h2');</a:t>
+            </a:r>
+          </a:p>
+          <a:p>
+            <a:pPr marL="0" indent="0" algn="just">
+              <a:buNone/>
+            </a:pPr>
+            <a:r>
+              <a:rPr lang="pt-BR" sz="2000" dirty="0">
+                <a:solidFill>
+                  <a:schemeClr val="tx1"/>
+                </a:solidFill>
+                <a:latin typeface="Times New Roman" panose="02020603050405020304" pitchFamily="18" charset="0"/>
+                <a:cs typeface="Times New Roman" panose="02020603050405020304" pitchFamily="18" charset="0"/>
+              </a:rPr>
+              <a:t>        });</a:t>
+            </a:r>
+          </a:p>
+          <a:p>
+            <a:pPr marL="0" indent="0" algn="just">
+              <a:buNone/>
+            </a:pPr>
+            <a:endParaRPr lang="pt-BR" sz="2000" dirty="0">
+              <a:solidFill>
+                <a:schemeClr val="tx1"/>
+              </a:solidFill>
+              <a:latin typeface="Times New Roman" panose="02020603050405020304" pitchFamily="18" charset="0"/>
+              <a:cs typeface="Times New Roman" panose="02020603050405020304" pitchFamily="18" charset="0"/>
+            </a:endParaRPr>
+          </a:p>
+          <a:p>
+            <a:pPr marL="0" indent="0" algn="just">
+              <a:buNone/>
+            </a:pPr>
+            <a:r>
+              <a:rPr lang="pt-BR" sz="2000" dirty="0">
+                <a:solidFill>
+                  <a:schemeClr val="tx1"/>
+                </a:solidFill>
+                <a:latin typeface="Times New Roman" panose="02020603050405020304" pitchFamily="18" charset="0"/>
+                <a:cs typeface="Times New Roman" panose="02020603050405020304" pitchFamily="18" charset="0"/>
+              </a:rPr>
+              <a:t>        $('#</a:t>
+            </a:r>
+            <a:r>
+              <a:rPr lang="pt-BR" sz="2000" b="1" dirty="0">
+                <a:solidFill>
+                  <a:schemeClr val="tx1"/>
+                </a:solidFill>
+                <a:latin typeface="Times New Roman" panose="02020603050405020304" pitchFamily="18" charset="0"/>
+                <a:cs typeface="Times New Roman" panose="02020603050405020304" pitchFamily="18" charset="0"/>
+              </a:rPr>
+              <a:t>inputButton2</a:t>
+            </a:r>
+            <a:r>
+              <a:rPr lang="pt-BR" sz="2000" dirty="0">
+                <a:solidFill>
+                  <a:schemeClr val="tx1"/>
+                </a:solidFill>
+                <a:latin typeface="Times New Roman" panose="02020603050405020304" pitchFamily="18" charset="0"/>
+                <a:cs typeface="Times New Roman" panose="02020603050405020304" pitchFamily="18" charset="0"/>
+              </a:rPr>
+              <a:t>').click(</a:t>
+            </a:r>
+            <a:r>
+              <a:rPr lang="pt-BR" sz="2000" dirty="0" err="1">
+                <a:solidFill>
+                  <a:schemeClr val="tx1"/>
+                </a:solidFill>
+                <a:latin typeface="Times New Roman" panose="02020603050405020304" pitchFamily="18" charset="0"/>
+                <a:cs typeface="Times New Roman" panose="02020603050405020304" pitchFamily="18" charset="0"/>
+              </a:rPr>
+              <a:t>function</a:t>
+            </a:r>
+            <a:r>
+              <a:rPr lang="pt-BR" sz="2000" dirty="0">
+                <a:solidFill>
+                  <a:schemeClr val="tx1"/>
+                </a:solidFill>
+                <a:latin typeface="Times New Roman" panose="02020603050405020304" pitchFamily="18" charset="0"/>
+                <a:cs typeface="Times New Roman" panose="02020603050405020304" pitchFamily="18" charset="0"/>
+              </a:rPr>
+              <a:t> () {</a:t>
+            </a:r>
+          </a:p>
+          <a:p>
+            <a:pPr marL="0" indent="0" algn="just">
+              <a:buNone/>
+            </a:pPr>
+            <a:r>
+              <a:rPr lang="pt-BR" sz="2000" dirty="0">
+                <a:solidFill>
+                  <a:schemeClr val="tx1"/>
+                </a:solidFill>
+                <a:latin typeface="Times New Roman" panose="02020603050405020304" pitchFamily="18" charset="0"/>
+                <a:cs typeface="Times New Roman" panose="02020603050405020304" pitchFamily="18" charset="0"/>
+              </a:rPr>
+              <a:t>          </a:t>
+            </a:r>
+            <a:r>
+              <a:rPr lang="pt-BR" sz="2000" dirty="0" err="1">
+                <a:solidFill>
+                  <a:schemeClr val="tx1"/>
+                </a:solidFill>
+                <a:latin typeface="Times New Roman" panose="02020603050405020304" pitchFamily="18" charset="0"/>
+                <a:cs typeface="Times New Roman" panose="02020603050405020304" pitchFamily="18" charset="0"/>
+              </a:rPr>
+              <a:t>let</a:t>
+            </a:r>
+            <a:r>
+              <a:rPr lang="pt-BR" sz="2000" dirty="0">
+                <a:solidFill>
+                  <a:schemeClr val="tx1"/>
+                </a:solidFill>
+                <a:latin typeface="Times New Roman" panose="02020603050405020304" pitchFamily="18" charset="0"/>
+                <a:cs typeface="Times New Roman" panose="02020603050405020304" pitchFamily="18" charset="0"/>
+              </a:rPr>
+              <a:t> h3 = $('h3');</a:t>
+            </a:r>
+          </a:p>
+          <a:p>
+            <a:pPr marL="0" indent="0" algn="just">
+              <a:buNone/>
+            </a:pPr>
+            <a:r>
+              <a:rPr lang="pt-BR" sz="2000" dirty="0">
+                <a:solidFill>
+                  <a:schemeClr val="tx1"/>
+                </a:solidFill>
+                <a:latin typeface="Times New Roman" panose="02020603050405020304" pitchFamily="18" charset="0"/>
+                <a:cs typeface="Times New Roman" panose="02020603050405020304" pitchFamily="18" charset="0"/>
+              </a:rPr>
+              <a:t>          h3.html('&lt;b&gt;Alterou&lt;/</a:t>
+            </a:r>
+            <a:r>
+              <a:rPr lang="pt-BR" sz="2000" dirty="0" err="1">
+                <a:solidFill>
+                  <a:schemeClr val="tx1"/>
+                </a:solidFill>
+                <a:latin typeface="Times New Roman" panose="02020603050405020304" pitchFamily="18" charset="0"/>
+                <a:cs typeface="Times New Roman" panose="02020603050405020304" pitchFamily="18" charset="0"/>
+              </a:rPr>
+              <a:t>br</a:t>
+            </a:r>
+            <a:r>
+              <a:rPr lang="pt-BR" sz="2000" dirty="0">
+                <a:solidFill>
+                  <a:schemeClr val="tx1"/>
+                </a:solidFill>
+                <a:latin typeface="Times New Roman" panose="02020603050405020304" pitchFamily="18" charset="0"/>
+                <a:cs typeface="Times New Roman" panose="02020603050405020304" pitchFamily="18" charset="0"/>
+              </a:rPr>
+              <a:t>&gt; h3');</a:t>
+            </a:r>
+          </a:p>
+          <a:p>
+            <a:pPr marL="0" indent="0" algn="just">
+              <a:buNone/>
+            </a:pPr>
+            <a:r>
+              <a:rPr lang="pt-BR" sz="2000" dirty="0">
+                <a:solidFill>
+                  <a:schemeClr val="tx1"/>
+                </a:solidFill>
+                <a:latin typeface="Times New Roman" panose="02020603050405020304" pitchFamily="18" charset="0"/>
+                <a:cs typeface="Times New Roman" panose="02020603050405020304" pitchFamily="18" charset="0"/>
+              </a:rPr>
+              <a:t>        });</a:t>
             </a:r>
           </a:p>
         </p:txBody>
       </p:sp>
     </p:spTree>
+    <p:extLst>
+      <p:ext uri="{BB962C8B-B14F-4D97-AF65-F5344CB8AC3E}">
+        <p14:creationId xmlns:p14="http://schemas.microsoft.com/office/powerpoint/2010/main" val="152154605"/>
+      </p:ext>
+    </p:extLst>
+  </p:cSld>
+  <p:clrMapOvr>
+    <a:masterClrMapping/>
+  </p:clrMapOvr>
+  <p:transition spd="med"/>
+</p:sld>
+</file>
+
+<file path=ppt/slides/slide19.xml><?xml version="1.0" encoding="utf-8"?>
+<p:sld xmlns:a="http://schemas.openxmlformats.org/drawingml/2006/main" xmlns:r="http://schemas.openxmlformats.org/officeDocument/2006/relationships" xmlns:p="http://schemas.openxmlformats.org/presentationml/2006/main">
+  <p:cSld>
+    <p:spTree>
+      <p:nvGrpSpPr>
+        <p:cNvPr id="1" name=""/>
+        <p:cNvGrpSpPr/>
+        <p:nvPr/>
+      </p:nvGrpSpPr>
+      <p:grpSpPr>
+        <a:xfrm>
+          <a:off x="0" y="0"/>
+          <a:ext cx="0" cy="0"/>
+          <a:chOff x="0" y="0"/>
+          <a:chExt cx="0" cy="0"/>
+        </a:xfrm>
+      </p:grpSpPr>
+      <p:sp>
+        <p:nvSpPr>
+          <p:cNvPr id="6" name="Title 1"/>
+          <p:cNvSpPr>
+            <a:spLocks noGrp="1"/>
+          </p:cNvSpPr>
+          <p:nvPr>
+            <p:ph type="title"/>
+          </p:nvPr>
+        </p:nvSpPr>
+        <p:spPr>
+          <a:xfrm>
+            <a:off x="457200" y="205980"/>
+            <a:ext cx="8229600" cy="857251"/>
+          </a:xfrm>
+        </p:spPr>
+        <p:txBody>
+          <a:bodyPr>
+            <a:normAutofit/>
+          </a:bodyPr>
+          <a:lstStyle/>
+          <a:p>
+            <a:r>
+              <a:rPr lang="en-US" b="1" dirty="0" err="1">
+                <a:solidFill>
+                  <a:srgbClr val="0070C0"/>
+                </a:solidFill>
+              </a:rPr>
+              <a:t>JQuery</a:t>
+            </a:r>
+            <a:r>
+              <a:rPr lang="en-US" b="1" dirty="0">
+                <a:solidFill>
+                  <a:srgbClr val="0070C0"/>
+                </a:solidFill>
+              </a:rPr>
+              <a:t> – DOM </a:t>
+            </a:r>
+            <a:r>
+              <a:rPr lang="en-US" b="1" dirty="0" err="1">
+                <a:solidFill>
+                  <a:srgbClr val="0070C0"/>
+                </a:solidFill>
+              </a:rPr>
+              <a:t>Manipulando</a:t>
+            </a:r>
+            <a:endParaRPr lang="en-US" b="1" dirty="0">
+              <a:solidFill>
+                <a:srgbClr val="0070C0"/>
+              </a:solidFill>
+            </a:endParaRPr>
+          </a:p>
+        </p:txBody>
+      </p:sp>
+      <p:sp>
+        <p:nvSpPr>
+          <p:cNvPr id="8" name="Text Placeholder 2"/>
+          <p:cNvSpPr>
+            <a:spLocks noGrp="1"/>
+          </p:cNvSpPr>
+          <p:nvPr>
+            <p:ph type="body" sz="half" idx="1"/>
+          </p:nvPr>
+        </p:nvSpPr>
+        <p:spPr>
+          <a:xfrm>
+            <a:off x="142865" y="1037312"/>
+            <a:ext cx="8865056" cy="3900208"/>
+          </a:xfrm>
+        </p:spPr>
+        <p:txBody>
+          <a:bodyPr>
+            <a:noAutofit/>
+          </a:bodyPr>
+          <a:lstStyle/>
+          <a:p>
+            <a:pPr marL="0" indent="0" algn="just">
+              <a:buNone/>
+            </a:pPr>
+            <a:r>
+              <a:rPr lang="pt-BR" sz="2000" b="1" dirty="0">
+                <a:solidFill>
+                  <a:srgbClr val="FF0000"/>
+                </a:solidFill>
+                <a:latin typeface="Times New Roman" panose="02020603050405020304" pitchFamily="18" charset="0"/>
+                <a:cs typeface="Times New Roman" panose="02020603050405020304" pitchFamily="18" charset="0"/>
+              </a:rPr>
+              <a:t>Exemplo 16</a:t>
+            </a:r>
+            <a:r>
+              <a:rPr lang="pt-BR" sz="2000" b="1" dirty="0">
+                <a:solidFill>
+                  <a:schemeClr val="tx1"/>
+                </a:solidFill>
+                <a:latin typeface="Times New Roman" panose="02020603050405020304" pitchFamily="18" charset="0"/>
+                <a:cs typeface="Times New Roman" panose="02020603050405020304" pitchFamily="18" charset="0"/>
+              </a:rPr>
+              <a:t>: </a:t>
+            </a:r>
+            <a:r>
+              <a:rPr lang="pt-BR" sz="2000" dirty="0">
+                <a:solidFill>
+                  <a:schemeClr val="tx1"/>
+                </a:solidFill>
+                <a:latin typeface="Times New Roman" panose="02020603050405020304" pitchFamily="18" charset="0"/>
+                <a:cs typeface="Times New Roman" panose="02020603050405020304" pitchFamily="18" charset="0"/>
+              </a:rPr>
+              <a:t>	</a:t>
+            </a:r>
+          </a:p>
+          <a:p>
+            <a:pPr marL="0" indent="0" algn="just">
+              <a:buNone/>
+            </a:pPr>
+            <a:r>
+              <a:rPr lang="pt-BR" sz="2000" dirty="0">
+                <a:solidFill>
+                  <a:schemeClr val="tx1"/>
+                </a:solidFill>
+                <a:latin typeface="Times New Roman" panose="02020603050405020304" pitchFamily="18" charset="0"/>
+                <a:cs typeface="Times New Roman" panose="02020603050405020304" pitchFamily="18" charset="0"/>
+              </a:rPr>
+              <a:t> 	$('#</a:t>
+            </a:r>
+            <a:r>
+              <a:rPr lang="pt-BR" sz="2000" b="1" dirty="0">
+                <a:solidFill>
+                  <a:schemeClr val="tx1"/>
+                </a:solidFill>
+                <a:latin typeface="Times New Roman" panose="02020603050405020304" pitchFamily="18" charset="0"/>
+                <a:cs typeface="Times New Roman" panose="02020603050405020304" pitchFamily="18" charset="0"/>
+              </a:rPr>
+              <a:t>inputButton3</a:t>
+            </a:r>
+            <a:r>
+              <a:rPr lang="pt-BR" sz="2000" dirty="0">
+                <a:solidFill>
+                  <a:schemeClr val="tx1"/>
+                </a:solidFill>
+                <a:latin typeface="Times New Roman" panose="02020603050405020304" pitchFamily="18" charset="0"/>
+                <a:cs typeface="Times New Roman" panose="02020603050405020304" pitchFamily="18" charset="0"/>
+              </a:rPr>
+              <a:t>').click(</a:t>
+            </a:r>
+            <a:r>
+              <a:rPr lang="pt-BR" sz="2000" dirty="0" err="1">
+                <a:solidFill>
+                  <a:schemeClr val="tx1"/>
+                </a:solidFill>
+                <a:latin typeface="Times New Roman" panose="02020603050405020304" pitchFamily="18" charset="0"/>
+                <a:cs typeface="Times New Roman" panose="02020603050405020304" pitchFamily="18" charset="0"/>
+              </a:rPr>
+              <a:t>function</a:t>
+            </a:r>
+            <a:r>
+              <a:rPr lang="pt-BR" sz="2000" dirty="0">
+                <a:solidFill>
+                  <a:schemeClr val="tx1"/>
+                </a:solidFill>
+                <a:latin typeface="Times New Roman" panose="02020603050405020304" pitchFamily="18" charset="0"/>
+                <a:cs typeface="Times New Roman" panose="02020603050405020304" pitchFamily="18" charset="0"/>
+              </a:rPr>
+              <a:t> () {</a:t>
+            </a:r>
+          </a:p>
+          <a:p>
+            <a:pPr marL="0" indent="0" algn="just">
+              <a:buNone/>
+            </a:pPr>
+            <a:r>
+              <a:rPr lang="pt-BR" sz="2000" dirty="0">
+                <a:solidFill>
+                  <a:schemeClr val="tx1"/>
+                </a:solidFill>
+                <a:latin typeface="Times New Roman" panose="02020603050405020304" pitchFamily="18" charset="0"/>
+                <a:cs typeface="Times New Roman" panose="02020603050405020304" pitchFamily="18" charset="0"/>
+              </a:rPr>
+              <a:t>          </a:t>
+            </a:r>
+            <a:r>
+              <a:rPr lang="pt-BR" sz="2000" dirty="0" err="1">
+                <a:solidFill>
+                  <a:schemeClr val="tx1"/>
+                </a:solidFill>
+                <a:latin typeface="Times New Roman" panose="02020603050405020304" pitchFamily="18" charset="0"/>
+                <a:cs typeface="Times New Roman" panose="02020603050405020304" pitchFamily="18" charset="0"/>
+              </a:rPr>
+              <a:t>let</a:t>
+            </a:r>
+            <a:r>
+              <a:rPr lang="pt-BR" sz="2000" dirty="0">
+                <a:solidFill>
+                  <a:schemeClr val="tx1"/>
+                </a:solidFill>
+                <a:latin typeface="Times New Roman" panose="02020603050405020304" pitchFamily="18" charset="0"/>
+                <a:cs typeface="Times New Roman" panose="02020603050405020304" pitchFamily="18" charset="0"/>
+              </a:rPr>
+              <a:t> </a:t>
+            </a:r>
+            <a:r>
+              <a:rPr lang="pt-BR" sz="2000" dirty="0" err="1">
+                <a:solidFill>
+                  <a:schemeClr val="tx1"/>
+                </a:solidFill>
+                <a:latin typeface="Times New Roman" panose="02020603050405020304" pitchFamily="18" charset="0"/>
+                <a:cs typeface="Times New Roman" panose="02020603050405020304" pitchFamily="18" charset="0"/>
+              </a:rPr>
+              <a:t>inputText</a:t>
+            </a:r>
+            <a:r>
+              <a:rPr lang="pt-BR" sz="2000" dirty="0">
+                <a:solidFill>
+                  <a:schemeClr val="tx1"/>
+                </a:solidFill>
+                <a:latin typeface="Times New Roman" panose="02020603050405020304" pitchFamily="18" charset="0"/>
+                <a:cs typeface="Times New Roman" panose="02020603050405020304" pitchFamily="18" charset="0"/>
+              </a:rPr>
+              <a:t> = $('#</a:t>
+            </a:r>
+            <a:r>
+              <a:rPr lang="pt-BR" sz="2000" dirty="0" err="1">
+                <a:solidFill>
+                  <a:schemeClr val="tx1"/>
+                </a:solidFill>
+                <a:latin typeface="Times New Roman" panose="02020603050405020304" pitchFamily="18" charset="0"/>
+                <a:cs typeface="Times New Roman" panose="02020603050405020304" pitchFamily="18" charset="0"/>
+              </a:rPr>
+              <a:t>inputText</a:t>
+            </a:r>
+            <a:r>
+              <a:rPr lang="pt-BR" sz="2000" dirty="0">
+                <a:solidFill>
+                  <a:schemeClr val="tx1"/>
+                </a:solidFill>
+                <a:latin typeface="Times New Roman" panose="02020603050405020304" pitchFamily="18" charset="0"/>
+                <a:cs typeface="Times New Roman" panose="02020603050405020304" pitchFamily="18" charset="0"/>
+              </a:rPr>
+              <a:t>');</a:t>
+            </a:r>
+          </a:p>
+          <a:p>
+            <a:pPr marL="0" indent="0" algn="just">
+              <a:buNone/>
+            </a:pPr>
+            <a:r>
+              <a:rPr lang="pt-BR" sz="2000" dirty="0">
+                <a:solidFill>
+                  <a:schemeClr val="tx1"/>
+                </a:solidFill>
+                <a:latin typeface="Times New Roman" panose="02020603050405020304" pitchFamily="18" charset="0"/>
+                <a:cs typeface="Times New Roman" panose="02020603050405020304" pitchFamily="18" charset="0"/>
+              </a:rPr>
+              <a:t>          </a:t>
+            </a:r>
+            <a:r>
+              <a:rPr lang="pt-BR" sz="2000" dirty="0" err="1">
+                <a:solidFill>
+                  <a:schemeClr val="tx1"/>
+                </a:solidFill>
+                <a:latin typeface="Times New Roman" panose="02020603050405020304" pitchFamily="18" charset="0"/>
+                <a:cs typeface="Times New Roman" panose="02020603050405020304" pitchFamily="18" charset="0"/>
+              </a:rPr>
+              <a:t>inputText.val</a:t>
+            </a:r>
+            <a:r>
+              <a:rPr lang="pt-BR" sz="2000" dirty="0">
+                <a:solidFill>
+                  <a:schemeClr val="tx1"/>
+                </a:solidFill>
+                <a:latin typeface="Times New Roman" panose="02020603050405020304" pitchFamily="18" charset="0"/>
+                <a:cs typeface="Times New Roman" panose="02020603050405020304" pitchFamily="18" charset="0"/>
+              </a:rPr>
+              <a:t>('Julia Cardoso');</a:t>
+            </a:r>
+          </a:p>
+          <a:p>
+            <a:pPr marL="0" indent="0" algn="just">
+              <a:buNone/>
+            </a:pPr>
+            <a:r>
+              <a:rPr lang="pt-BR" sz="2000" dirty="0">
+                <a:solidFill>
+                  <a:schemeClr val="tx1"/>
+                </a:solidFill>
+                <a:latin typeface="Times New Roman" panose="02020603050405020304" pitchFamily="18" charset="0"/>
+                <a:cs typeface="Times New Roman" panose="02020603050405020304" pitchFamily="18" charset="0"/>
+              </a:rPr>
+              <a:t>        });</a:t>
+            </a:r>
+          </a:p>
+          <a:p>
+            <a:pPr marL="0" indent="0" algn="just">
+              <a:buNone/>
+            </a:pPr>
+            <a:r>
+              <a:rPr lang="pt-BR" sz="2000" dirty="0">
+                <a:solidFill>
+                  <a:schemeClr val="tx1"/>
+                </a:solidFill>
+                <a:latin typeface="Times New Roman" panose="02020603050405020304" pitchFamily="18" charset="0"/>
+                <a:cs typeface="Times New Roman" panose="02020603050405020304" pitchFamily="18" charset="0"/>
+              </a:rPr>
+              <a:t>        $('#</a:t>
+            </a:r>
+            <a:r>
+              <a:rPr lang="pt-BR" sz="2000" b="1" dirty="0">
+                <a:solidFill>
+                  <a:schemeClr val="tx1"/>
+                </a:solidFill>
+                <a:latin typeface="Times New Roman" panose="02020603050405020304" pitchFamily="18" charset="0"/>
+                <a:cs typeface="Times New Roman" panose="02020603050405020304" pitchFamily="18" charset="0"/>
+              </a:rPr>
+              <a:t>inputButton4</a:t>
+            </a:r>
+            <a:r>
+              <a:rPr lang="pt-BR" sz="2000" dirty="0">
+                <a:solidFill>
+                  <a:schemeClr val="tx1"/>
+                </a:solidFill>
+                <a:latin typeface="Times New Roman" panose="02020603050405020304" pitchFamily="18" charset="0"/>
+                <a:cs typeface="Times New Roman" panose="02020603050405020304" pitchFamily="18" charset="0"/>
+              </a:rPr>
+              <a:t>').click(</a:t>
+            </a:r>
+            <a:r>
+              <a:rPr lang="pt-BR" sz="2000" dirty="0" err="1">
+                <a:solidFill>
+                  <a:schemeClr val="tx1"/>
+                </a:solidFill>
+                <a:latin typeface="Times New Roman" panose="02020603050405020304" pitchFamily="18" charset="0"/>
+                <a:cs typeface="Times New Roman" panose="02020603050405020304" pitchFamily="18" charset="0"/>
+              </a:rPr>
+              <a:t>function</a:t>
+            </a:r>
+            <a:r>
+              <a:rPr lang="pt-BR" sz="2000" dirty="0">
+                <a:solidFill>
+                  <a:schemeClr val="tx1"/>
+                </a:solidFill>
+                <a:latin typeface="Times New Roman" panose="02020603050405020304" pitchFamily="18" charset="0"/>
+                <a:cs typeface="Times New Roman" panose="02020603050405020304" pitchFamily="18" charset="0"/>
+              </a:rPr>
+              <a:t> () {</a:t>
+            </a:r>
+          </a:p>
+          <a:p>
+            <a:pPr marL="0" indent="0" algn="just">
+              <a:buNone/>
+            </a:pPr>
+            <a:r>
+              <a:rPr lang="pt-BR" sz="2000" dirty="0">
+                <a:solidFill>
+                  <a:schemeClr val="tx1"/>
+                </a:solidFill>
+                <a:latin typeface="Times New Roman" panose="02020603050405020304" pitchFamily="18" charset="0"/>
+                <a:cs typeface="Times New Roman" panose="02020603050405020304" pitchFamily="18" charset="0"/>
+              </a:rPr>
+              <a:t>          </a:t>
+            </a:r>
+            <a:r>
+              <a:rPr lang="pt-BR" sz="2000" dirty="0" err="1">
+                <a:solidFill>
+                  <a:schemeClr val="tx1"/>
+                </a:solidFill>
+                <a:latin typeface="Times New Roman" panose="02020603050405020304" pitchFamily="18" charset="0"/>
+                <a:cs typeface="Times New Roman" panose="02020603050405020304" pitchFamily="18" charset="0"/>
+              </a:rPr>
+              <a:t>let</a:t>
+            </a:r>
+            <a:r>
+              <a:rPr lang="pt-BR" sz="2000" dirty="0">
+                <a:solidFill>
+                  <a:schemeClr val="tx1"/>
+                </a:solidFill>
+                <a:latin typeface="Times New Roman" panose="02020603050405020304" pitchFamily="18" charset="0"/>
+                <a:cs typeface="Times New Roman" panose="02020603050405020304" pitchFamily="18" charset="0"/>
+              </a:rPr>
+              <a:t> link = $('#link');</a:t>
+            </a:r>
+          </a:p>
+          <a:p>
+            <a:pPr marL="0" indent="0" algn="just">
+              <a:buNone/>
+            </a:pPr>
+            <a:r>
+              <a:rPr lang="pt-BR" sz="2000" dirty="0">
+                <a:solidFill>
+                  <a:schemeClr val="tx1"/>
+                </a:solidFill>
+                <a:latin typeface="Times New Roman" panose="02020603050405020304" pitchFamily="18" charset="0"/>
+                <a:cs typeface="Times New Roman" panose="02020603050405020304" pitchFamily="18" charset="0"/>
+              </a:rPr>
+              <a:t>          </a:t>
+            </a:r>
+            <a:r>
+              <a:rPr lang="pt-BR" sz="2000" dirty="0" err="1">
+                <a:solidFill>
+                  <a:schemeClr val="tx1"/>
+                </a:solidFill>
+                <a:latin typeface="Times New Roman" panose="02020603050405020304" pitchFamily="18" charset="0"/>
+                <a:cs typeface="Times New Roman" panose="02020603050405020304" pitchFamily="18" charset="0"/>
+              </a:rPr>
+              <a:t>link.attr</a:t>
+            </a:r>
+            <a:r>
+              <a:rPr lang="pt-BR" sz="2000" dirty="0">
+                <a:solidFill>
+                  <a:schemeClr val="tx1"/>
+                </a:solidFill>
+                <a:latin typeface="Times New Roman" panose="02020603050405020304" pitchFamily="18" charset="0"/>
+                <a:cs typeface="Times New Roman" panose="02020603050405020304" pitchFamily="18" charset="0"/>
+              </a:rPr>
+              <a:t>('</a:t>
+            </a:r>
+            <a:r>
+              <a:rPr lang="pt-BR" sz="2000" dirty="0" err="1">
+                <a:solidFill>
+                  <a:schemeClr val="tx1"/>
+                </a:solidFill>
+                <a:latin typeface="Times New Roman" panose="02020603050405020304" pitchFamily="18" charset="0"/>
+                <a:cs typeface="Times New Roman" panose="02020603050405020304" pitchFamily="18" charset="0"/>
+              </a:rPr>
+              <a:t>href</a:t>
+            </a:r>
+            <a:r>
+              <a:rPr lang="pt-BR" sz="2000" dirty="0">
+                <a:solidFill>
+                  <a:schemeClr val="tx1"/>
+                </a:solidFill>
+                <a:latin typeface="Times New Roman" panose="02020603050405020304" pitchFamily="18" charset="0"/>
+                <a:cs typeface="Times New Roman" panose="02020603050405020304" pitchFamily="18" charset="0"/>
+              </a:rPr>
+              <a:t>', 'https://www.globo.com/');</a:t>
+            </a:r>
+          </a:p>
+          <a:p>
+            <a:pPr marL="0" indent="0" algn="just">
+              <a:buNone/>
+            </a:pPr>
+            <a:r>
+              <a:rPr lang="pt-BR" sz="2000" dirty="0">
+                <a:solidFill>
+                  <a:schemeClr val="tx1"/>
+                </a:solidFill>
+                <a:latin typeface="Times New Roman" panose="02020603050405020304" pitchFamily="18" charset="0"/>
+                <a:cs typeface="Times New Roman" panose="02020603050405020304" pitchFamily="18" charset="0"/>
+              </a:rPr>
+              <a:t>           link.html('Globo');</a:t>
+            </a:r>
+          </a:p>
+          <a:p>
+            <a:pPr marL="0" indent="0" algn="just">
+              <a:buNone/>
+            </a:pPr>
+            <a:r>
+              <a:rPr lang="pt-BR" sz="2000" dirty="0">
+                <a:solidFill>
+                  <a:schemeClr val="tx1"/>
+                </a:solidFill>
+                <a:latin typeface="Times New Roman" panose="02020603050405020304" pitchFamily="18" charset="0"/>
+                <a:cs typeface="Times New Roman" panose="02020603050405020304" pitchFamily="18" charset="0"/>
+              </a:rPr>
+              <a:t>        });</a:t>
+            </a:r>
+          </a:p>
+        </p:txBody>
+      </p:sp>
+    </p:spTree>
+    <p:extLst>
+      <p:ext uri="{BB962C8B-B14F-4D97-AF65-F5344CB8AC3E}">
+        <p14:creationId xmlns:p14="http://schemas.microsoft.com/office/powerpoint/2010/main" val="1207000913"/>
+      </p:ext>
+    </p:extLst>
   </p:cSld>
   <p:clrMapOvr>
     <a:masterClrMapping/>
@@ -7111,6 +10287,3613 @@
 </p:sld>
 </file>
 
+<file path=ppt/slides/slide20.xml><?xml version="1.0" encoding="utf-8"?>
+<p:sld xmlns:a="http://schemas.openxmlformats.org/drawingml/2006/main" xmlns:r="http://schemas.openxmlformats.org/officeDocument/2006/relationships" xmlns:p="http://schemas.openxmlformats.org/presentationml/2006/main">
+  <p:cSld>
+    <p:spTree>
+      <p:nvGrpSpPr>
+        <p:cNvPr id="1" name=""/>
+        <p:cNvGrpSpPr/>
+        <p:nvPr/>
+      </p:nvGrpSpPr>
+      <p:grpSpPr>
+        <a:xfrm>
+          <a:off x="0" y="0"/>
+          <a:ext cx="0" cy="0"/>
+          <a:chOff x="0" y="0"/>
+          <a:chExt cx="0" cy="0"/>
+        </a:xfrm>
+      </p:grpSpPr>
+      <p:sp>
+        <p:nvSpPr>
+          <p:cNvPr id="6" name="Title 1"/>
+          <p:cNvSpPr>
+            <a:spLocks noGrp="1"/>
+          </p:cNvSpPr>
+          <p:nvPr>
+            <p:ph type="title"/>
+          </p:nvPr>
+        </p:nvSpPr>
+        <p:spPr>
+          <a:xfrm>
+            <a:off x="457200" y="205980"/>
+            <a:ext cx="8229600" cy="857251"/>
+          </a:xfrm>
+        </p:spPr>
+        <p:txBody>
+          <a:bodyPr>
+            <a:normAutofit/>
+          </a:bodyPr>
+          <a:lstStyle/>
+          <a:p>
+            <a:r>
+              <a:rPr lang="en-US" b="1" dirty="0" err="1">
+                <a:solidFill>
+                  <a:srgbClr val="0070C0"/>
+                </a:solidFill>
+              </a:rPr>
+              <a:t>JQuery</a:t>
+            </a:r>
+            <a:r>
+              <a:rPr lang="en-US" b="1" dirty="0">
+                <a:solidFill>
+                  <a:srgbClr val="0070C0"/>
+                </a:solidFill>
+              </a:rPr>
+              <a:t> – DOM </a:t>
+            </a:r>
+            <a:r>
+              <a:rPr lang="en-US" b="1" dirty="0" err="1">
+                <a:solidFill>
+                  <a:srgbClr val="0070C0"/>
+                </a:solidFill>
+              </a:rPr>
+              <a:t>Manipulando</a:t>
+            </a:r>
+            <a:endParaRPr lang="en-US" b="1" dirty="0">
+              <a:solidFill>
+                <a:srgbClr val="0070C0"/>
+              </a:solidFill>
+            </a:endParaRPr>
+          </a:p>
+        </p:txBody>
+      </p:sp>
+      <p:sp>
+        <p:nvSpPr>
+          <p:cNvPr id="8" name="Text Placeholder 2"/>
+          <p:cNvSpPr>
+            <a:spLocks noGrp="1"/>
+          </p:cNvSpPr>
+          <p:nvPr>
+            <p:ph type="body" sz="half" idx="1"/>
+          </p:nvPr>
+        </p:nvSpPr>
+        <p:spPr>
+          <a:xfrm>
+            <a:off x="142865" y="1037312"/>
+            <a:ext cx="8865056" cy="3900208"/>
+          </a:xfrm>
+        </p:spPr>
+        <p:txBody>
+          <a:bodyPr>
+            <a:noAutofit/>
+          </a:bodyPr>
+          <a:lstStyle/>
+          <a:p>
+            <a:pPr marL="0" indent="0" algn="just">
+              <a:buNone/>
+            </a:pPr>
+            <a:r>
+              <a:rPr lang="pt-BR" sz="2000" b="1" dirty="0">
+                <a:solidFill>
+                  <a:srgbClr val="FF0000"/>
+                </a:solidFill>
+                <a:latin typeface="Times New Roman" panose="02020603050405020304" pitchFamily="18" charset="0"/>
+                <a:cs typeface="Times New Roman" panose="02020603050405020304" pitchFamily="18" charset="0"/>
+              </a:rPr>
+              <a:t>Exemplo 17</a:t>
+            </a:r>
+            <a:r>
+              <a:rPr lang="pt-BR" sz="2000" b="1" dirty="0">
+                <a:solidFill>
+                  <a:schemeClr val="tx1"/>
+                </a:solidFill>
+                <a:latin typeface="Times New Roman" panose="02020603050405020304" pitchFamily="18" charset="0"/>
+                <a:cs typeface="Times New Roman" panose="02020603050405020304" pitchFamily="18" charset="0"/>
+              </a:rPr>
+              <a:t>: </a:t>
+            </a:r>
+          </a:p>
+          <a:p>
+            <a:pPr marL="0" indent="0" algn="just">
+              <a:buNone/>
+            </a:pPr>
+            <a:r>
+              <a:rPr lang="pt-BR" sz="2000" dirty="0">
+                <a:solidFill>
+                  <a:schemeClr val="tx1"/>
+                </a:solidFill>
+                <a:latin typeface="Times New Roman" panose="02020603050405020304" pitchFamily="18" charset="0"/>
+                <a:cs typeface="Times New Roman" panose="02020603050405020304" pitchFamily="18" charset="0"/>
+              </a:rPr>
+              <a:t>	 $('#</a:t>
+            </a:r>
+            <a:r>
+              <a:rPr lang="pt-BR" sz="2000" b="1" dirty="0">
+                <a:solidFill>
+                  <a:schemeClr val="tx1"/>
+                </a:solidFill>
+                <a:latin typeface="Times New Roman" panose="02020603050405020304" pitchFamily="18" charset="0"/>
+                <a:cs typeface="Times New Roman" panose="02020603050405020304" pitchFamily="18" charset="0"/>
+              </a:rPr>
+              <a:t>inputButton5</a:t>
+            </a:r>
+            <a:r>
+              <a:rPr lang="pt-BR" sz="2000" dirty="0">
+                <a:solidFill>
+                  <a:schemeClr val="tx1"/>
+                </a:solidFill>
+                <a:latin typeface="Times New Roman" panose="02020603050405020304" pitchFamily="18" charset="0"/>
+                <a:cs typeface="Times New Roman" panose="02020603050405020304" pitchFamily="18" charset="0"/>
+              </a:rPr>
+              <a:t>').click(</a:t>
+            </a:r>
+            <a:r>
+              <a:rPr lang="pt-BR" sz="2000" dirty="0" err="1">
+                <a:solidFill>
+                  <a:schemeClr val="tx1"/>
+                </a:solidFill>
+                <a:latin typeface="Times New Roman" panose="02020603050405020304" pitchFamily="18" charset="0"/>
+                <a:cs typeface="Times New Roman" panose="02020603050405020304" pitchFamily="18" charset="0"/>
+              </a:rPr>
+              <a:t>function</a:t>
+            </a:r>
+            <a:r>
+              <a:rPr lang="pt-BR" sz="2000" dirty="0">
+                <a:solidFill>
+                  <a:schemeClr val="tx1"/>
+                </a:solidFill>
+                <a:latin typeface="Times New Roman" panose="02020603050405020304" pitchFamily="18" charset="0"/>
+                <a:cs typeface="Times New Roman" panose="02020603050405020304" pitchFamily="18" charset="0"/>
+              </a:rPr>
+              <a:t> () {</a:t>
+            </a:r>
+          </a:p>
+          <a:p>
+            <a:pPr marL="0" indent="0" algn="just">
+              <a:buNone/>
+            </a:pPr>
+            <a:r>
+              <a:rPr lang="pt-BR" sz="2000" dirty="0">
+                <a:solidFill>
+                  <a:schemeClr val="tx1"/>
+                </a:solidFill>
+                <a:latin typeface="Times New Roman" panose="02020603050405020304" pitchFamily="18" charset="0"/>
+                <a:cs typeface="Times New Roman" panose="02020603050405020304" pitchFamily="18" charset="0"/>
+              </a:rPr>
+              <a:t>          </a:t>
+            </a:r>
+            <a:r>
+              <a:rPr lang="pt-BR" sz="2000" dirty="0" err="1">
+                <a:solidFill>
+                  <a:schemeClr val="tx1"/>
+                </a:solidFill>
+                <a:latin typeface="Times New Roman" panose="02020603050405020304" pitchFamily="18" charset="0"/>
+                <a:cs typeface="Times New Roman" panose="02020603050405020304" pitchFamily="18" charset="0"/>
+              </a:rPr>
+              <a:t>let</a:t>
+            </a:r>
+            <a:r>
+              <a:rPr lang="pt-BR" sz="2000" dirty="0">
+                <a:solidFill>
+                  <a:schemeClr val="tx1"/>
+                </a:solidFill>
+                <a:latin typeface="Times New Roman" panose="02020603050405020304" pitchFamily="18" charset="0"/>
+                <a:cs typeface="Times New Roman" panose="02020603050405020304" pitchFamily="18" charset="0"/>
+              </a:rPr>
+              <a:t> </a:t>
+            </a:r>
+            <a:r>
+              <a:rPr lang="pt-BR" sz="2000" dirty="0" err="1">
+                <a:solidFill>
+                  <a:schemeClr val="tx1"/>
+                </a:solidFill>
+                <a:latin typeface="Times New Roman" panose="02020603050405020304" pitchFamily="18" charset="0"/>
+                <a:cs typeface="Times New Roman" panose="02020603050405020304" pitchFamily="18" charset="0"/>
+              </a:rPr>
+              <a:t>img</a:t>
+            </a:r>
+            <a:r>
+              <a:rPr lang="pt-BR" sz="2000" dirty="0">
+                <a:solidFill>
+                  <a:schemeClr val="tx1"/>
+                </a:solidFill>
+                <a:latin typeface="Times New Roman" panose="02020603050405020304" pitchFamily="18" charset="0"/>
+                <a:cs typeface="Times New Roman" panose="02020603050405020304" pitchFamily="18" charset="0"/>
+              </a:rPr>
+              <a:t> = $('#imagem');</a:t>
+            </a:r>
+          </a:p>
+          <a:p>
+            <a:pPr marL="0" indent="0" algn="just">
+              <a:buNone/>
+            </a:pPr>
+            <a:r>
+              <a:rPr lang="pt-BR" sz="2000" dirty="0">
+                <a:solidFill>
+                  <a:schemeClr val="tx1"/>
+                </a:solidFill>
+                <a:latin typeface="Times New Roman" panose="02020603050405020304" pitchFamily="18" charset="0"/>
+                <a:cs typeface="Times New Roman" panose="02020603050405020304" pitchFamily="18" charset="0"/>
+              </a:rPr>
+              <a:t>          </a:t>
+            </a:r>
+            <a:r>
+              <a:rPr lang="pt-BR" sz="2000" dirty="0" err="1">
+                <a:solidFill>
+                  <a:schemeClr val="tx1"/>
+                </a:solidFill>
+                <a:latin typeface="Times New Roman" panose="02020603050405020304" pitchFamily="18" charset="0"/>
+                <a:cs typeface="Times New Roman" panose="02020603050405020304" pitchFamily="18" charset="0"/>
+              </a:rPr>
+              <a:t>img.attr</a:t>
+            </a:r>
+            <a:r>
+              <a:rPr lang="pt-BR" sz="2000" dirty="0">
+                <a:solidFill>
+                  <a:schemeClr val="tx1"/>
+                </a:solidFill>
+                <a:latin typeface="Times New Roman" panose="02020603050405020304" pitchFamily="18" charset="0"/>
+                <a:cs typeface="Times New Roman" panose="02020603050405020304" pitchFamily="18" charset="0"/>
+              </a:rPr>
+              <a:t>('</a:t>
+            </a:r>
+            <a:r>
+              <a:rPr lang="pt-BR" sz="2000" dirty="0" err="1">
+                <a:solidFill>
+                  <a:schemeClr val="tx1"/>
+                </a:solidFill>
+                <a:latin typeface="Times New Roman" panose="02020603050405020304" pitchFamily="18" charset="0"/>
+                <a:cs typeface="Times New Roman" panose="02020603050405020304" pitchFamily="18" charset="0"/>
+              </a:rPr>
+              <a:t>src</a:t>
+            </a:r>
+            <a:r>
+              <a:rPr lang="pt-BR" sz="2000" dirty="0">
+                <a:solidFill>
+                  <a:schemeClr val="tx1"/>
+                </a:solidFill>
+                <a:latin typeface="Times New Roman" panose="02020603050405020304" pitchFamily="18" charset="0"/>
+                <a:cs typeface="Times New Roman" panose="02020603050405020304" pitchFamily="18" charset="0"/>
+              </a:rPr>
+              <a:t>', 'imagem.png');</a:t>
+            </a:r>
+          </a:p>
+          <a:p>
+            <a:pPr marL="0" indent="0" algn="just">
+              <a:buNone/>
+            </a:pPr>
+            <a:r>
+              <a:rPr lang="pt-BR" sz="2000" dirty="0">
+                <a:solidFill>
+                  <a:schemeClr val="tx1"/>
+                </a:solidFill>
+                <a:latin typeface="Times New Roman" panose="02020603050405020304" pitchFamily="18" charset="0"/>
+                <a:cs typeface="Times New Roman" panose="02020603050405020304" pitchFamily="18" charset="0"/>
+              </a:rPr>
+              <a:t>        });</a:t>
+            </a:r>
+          </a:p>
+          <a:p>
+            <a:pPr marL="0" indent="0" algn="just">
+              <a:buNone/>
+            </a:pPr>
+            <a:endParaRPr lang="pt-BR" sz="2000" dirty="0">
+              <a:solidFill>
+                <a:schemeClr val="tx1"/>
+              </a:solidFill>
+              <a:latin typeface="Times New Roman" panose="02020603050405020304" pitchFamily="18" charset="0"/>
+              <a:cs typeface="Times New Roman" panose="02020603050405020304" pitchFamily="18" charset="0"/>
+            </a:endParaRPr>
+          </a:p>
+          <a:p>
+            <a:pPr marL="0" indent="0" algn="just">
+              <a:buNone/>
+            </a:pPr>
+            <a:r>
+              <a:rPr lang="pt-BR" sz="2000" dirty="0">
+                <a:solidFill>
+                  <a:schemeClr val="tx1"/>
+                </a:solidFill>
+                <a:latin typeface="Times New Roman" panose="02020603050405020304" pitchFamily="18" charset="0"/>
+                <a:cs typeface="Times New Roman" panose="02020603050405020304" pitchFamily="18" charset="0"/>
+              </a:rPr>
+              <a:t>        $('#</a:t>
+            </a:r>
+            <a:r>
+              <a:rPr lang="pt-BR" sz="2000" b="1" dirty="0">
+                <a:solidFill>
+                  <a:schemeClr val="tx1"/>
+                </a:solidFill>
+                <a:latin typeface="Times New Roman" panose="02020603050405020304" pitchFamily="18" charset="0"/>
+                <a:cs typeface="Times New Roman" panose="02020603050405020304" pitchFamily="18" charset="0"/>
+              </a:rPr>
+              <a:t>inputButton6</a:t>
+            </a:r>
+            <a:r>
+              <a:rPr lang="pt-BR" sz="2000" dirty="0">
+                <a:solidFill>
+                  <a:schemeClr val="tx1"/>
+                </a:solidFill>
+                <a:latin typeface="Times New Roman" panose="02020603050405020304" pitchFamily="18" charset="0"/>
+                <a:cs typeface="Times New Roman" panose="02020603050405020304" pitchFamily="18" charset="0"/>
+              </a:rPr>
+              <a:t>').click(</a:t>
+            </a:r>
+            <a:r>
+              <a:rPr lang="pt-BR" sz="2000" dirty="0" err="1">
+                <a:solidFill>
+                  <a:schemeClr val="tx1"/>
+                </a:solidFill>
+                <a:latin typeface="Times New Roman" panose="02020603050405020304" pitchFamily="18" charset="0"/>
+                <a:cs typeface="Times New Roman" panose="02020603050405020304" pitchFamily="18" charset="0"/>
+              </a:rPr>
+              <a:t>function</a:t>
+            </a:r>
+            <a:r>
+              <a:rPr lang="pt-BR" sz="2000" dirty="0">
+                <a:solidFill>
+                  <a:schemeClr val="tx1"/>
+                </a:solidFill>
+                <a:latin typeface="Times New Roman" panose="02020603050405020304" pitchFamily="18" charset="0"/>
+                <a:cs typeface="Times New Roman" panose="02020603050405020304" pitchFamily="18" charset="0"/>
+              </a:rPr>
+              <a:t> () {</a:t>
+            </a:r>
+          </a:p>
+          <a:p>
+            <a:pPr marL="0" indent="0" algn="just">
+              <a:buNone/>
+            </a:pPr>
+            <a:r>
+              <a:rPr lang="pt-BR" sz="2000" dirty="0">
+                <a:solidFill>
+                  <a:schemeClr val="tx1"/>
+                </a:solidFill>
+                <a:latin typeface="Times New Roman" panose="02020603050405020304" pitchFamily="18" charset="0"/>
+                <a:cs typeface="Times New Roman" panose="02020603050405020304" pitchFamily="18" charset="0"/>
+              </a:rPr>
+              <a:t>          $('body').</a:t>
+            </a:r>
+            <a:r>
+              <a:rPr lang="pt-BR" sz="2000" dirty="0" err="1">
+                <a:solidFill>
+                  <a:schemeClr val="tx1"/>
+                </a:solidFill>
+                <a:latin typeface="Times New Roman" panose="02020603050405020304" pitchFamily="18" charset="0"/>
+                <a:cs typeface="Times New Roman" panose="02020603050405020304" pitchFamily="18" charset="0"/>
+              </a:rPr>
+              <a:t>prepend</a:t>
+            </a:r>
+            <a:r>
+              <a:rPr lang="pt-BR" sz="2000" dirty="0">
+                <a:solidFill>
+                  <a:schemeClr val="tx1"/>
+                </a:solidFill>
+                <a:latin typeface="Times New Roman" panose="02020603050405020304" pitchFamily="18" charset="0"/>
+                <a:cs typeface="Times New Roman" panose="02020603050405020304" pitchFamily="18" charset="0"/>
+              </a:rPr>
+              <a:t>('&lt;</a:t>
+            </a:r>
+            <a:r>
+              <a:rPr lang="pt-BR" sz="2000" dirty="0" err="1">
+                <a:solidFill>
+                  <a:schemeClr val="tx1"/>
+                </a:solidFill>
+                <a:latin typeface="Times New Roman" panose="02020603050405020304" pitchFamily="18" charset="0"/>
+                <a:cs typeface="Times New Roman" panose="02020603050405020304" pitchFamily="18" charset="0"/>
+              </a:rPr>
+              <a:t>div</a:t>
+            </a:r>
+            <a:r>
+              <a:rPr lang="pt-BR" sz="2000" dirty="0">
+                <a:solidFill>
+                  <a:schemeClr val="tx1"/>
+                </a:solidFill>
+                <a:latin typeface="Times New Roman" panose="02020603050405020304" pitchFamily="18" charset="0"/>
+                <a:cs typeface="Times New Roman" panose="02020603050405020304" pitchFamily="18" charset="0"/>
+              </a:rPr>
+              <a:t> </a:t>
+            </a:r>
+            <a:r>
+              <a:rPr lang="pt-BR" sz="2000" dirty="0" err="1">
+                <a:solidFill>
+                  <a:schemeClr val="tx1"/>
+                </a:solidFill>
+                <a:latin typeface="Times New Roman" panose="02020603050405020304" pitchFamily="18" charset="0"/>
+                <a:cs typeface="Times New Roman" panose="02020603050405020304" pitchFamily="18" charset="0"/>
+              </a:rPr>
+              <a:t>style</a:t>
+            </a:r>
+            <a:r>
+              <a:rPr lang="pt-BR" sz="2000" dirty="0">
+                <a:solidFill>
+                  <a:schemeClr val="tx1"/>
+                </a:solidFill>
+                <a:latin typeface="Times New Roman" panose="02020603050405020304" pitchFamily="18" charset="0"/>
+                <a:cs typeface="Times New Roman" panose="02020603050405020304" pitchFamily="18" charset="0"/>
+              </a:rPr>
+              <a:t>="</a:t>
+            </a:r>
+            <a:r>
+              <a:rPr lang="pt-BR" sz="2000" dirty="0" err="1">
+                <a:solidFill>
+                  <a:schemeClr val="tx1"/>
+                </a:solidFill>
+                <a:latin typeface="Times New Roman" panose="02020603050405020304" pitchFamily="18" charset="0"/>
+                <a:cs typeface="Times New Roman" panose="02020603050405020304" pitchFamily="18" charset="0"/>
+              </a:rPr>
+              <a:t>display:inline-block</a:t>
+            </a:r>
+            <a:r>
+              <a:rPr lang="pt-BR" sz="2000" dirty="0">
+                <a:solidFill>
+                  <a:schemeClr val="tx1"/>
+                </a:solidFill>
+                <a:latin typeface="Times New Roman" panose="02020603050405020304" pitchFamily="18" charset="0"/>
+                <a:cs typeface="Times New Roman" panose="02020603050405020304" pitchFamily="18" charset="0"/>
+              </a:rPr>
+              <a:t>; margin:1%; width:200px; height:200px; </a:t>
+            </a:r>
+            <a:r>
+              <a:rPr lang="pt-BR" sz="2000" dirty="0" err="1">
+                <a:solidFill>
+                  <a:schemeClr val="tx1"/>
+                </a:solidFill>
+                <a:latin typeface="Times New Roman" panose="02020603050405020304" pitchFamily="18" charset="0"/>
+                <a:cs typeface="Times New Roman" panose="02020603050405020304" pitchFamily="18" charset="0"/>
+              </a:rPr>
+              <a:t>background-color:green</a:t>
+            </a:r>
+            <a:r>
+              <a:rPr lang="pt-BR" sz="2000" dirty="0">
+                <a:solidFill>
+                  <a:schemeClr val="tx1"/>
+                </a:solidFill>
+                <a:latin typeface="Times New Roman" panose="02020603050405020304" pitchFamily="18" charset="0"/>
+                <a:cs typeface="Times New Roman" panose="02020603050405020304" pitchFamily="18" charset="0"/>
+              </a:rPr>
+              <a:t>";&gt;&lt;/</a:t>
+            </a:r>
+            <a:r>
+              <a:rPr lang="pt-BR" sz="2000" dirty="0" err="1">
+                <a:solidFill>
+                  <a:schemeClr val="tx1"/>
+                </a:solidFill>
+                <a:latin typeface="Times New Roman" panose="02020603050405020304" pitchFamily="18" charset="0"/>
+                <a:cs typeface="Times New Roman" panose="02020603050405020304" pitchFamily="18" charset="0"/>
+              </a:rPr>
+              <a:t>div</a:t>
+            </a:r>
+            <a:r>
+              <a:rPr lang="pt-BR" sz="2000" dirty="0">
+                <a:solidFill>
+                  <a:schemeClr val="tx1"/>
+                </a:solidFill>
+                <a:latin typeface="Times New Roman" panose="02020603050405020304" pitchFamily="18" charset="0"/>
+                <a:cs typeface="Times New Roman" panose="02020603050405020304" pitchFamily="18" charset="0"/>
+              </a:rPr>
+              <a:t>&gt;');</a:t>
+            </a:r>
+          </a:p>
+          <a:p>
+            <a:pPr marL="0" indent="0" algn="just">
+              <a:buNone/>
+            </a:pPr>
+            <a:r>
+              <a:rPr lang="pt-BR" sz="2000" dirty="0">
+                <a:solidFill>
+                  <a:schemeClr val="tx1"/>
+                </a:solidFill>
+                <a:latin typeface="Times New Roman" panose="02020603050405020304" pitchFamily="18" charset="0"/>
+                <a:cs typeface="Times New Roman" panose="02020603050405020304" pitchFamily="18" charset="0"/>
+              </a:rPr>
+              <a:t>        });	</a:t>
+            </a:r>
+          </a:p>
+        </p:txBody>
+      </p:sp>
+    </p:spTree>
+    <p:extLst>
+      <p:ext uri="{BB962C8B-B14F-4D97-AF65-F5344CB8AC3E}">
+        <p14:creationId xmlns:p14="http://schemas.microsoft.com/office/powerpoint/2010/main" val="2163123241"/>
+      </p:ext>
+    </p:extLst>
+  </p:cSld>
+  <p:clrMapOvr>
+    <a:masterClrMapping/>
+  </p:clrMapOvr>
+  <p:transition spd="med"/>
+</p:sld>
+</file>
+
+<file path=ppt/slides/slide21.xml><?xml version="1.0" encoding="utf-8"?>
+<p:sld xmlns:a="http://schemas.openxmlformats.org/drawingml/2006/main" xmlns:r="http://schemas.openxmlformats.org/officeDocument/2006/relationships" xmlns:p="http://schemas.openxmlformats.org/presentationml/2006/main">
+  <p:cSld>
+    <p:spTree>
+      <p:nvGrpSpPr>
+        <p:cNvPr id="1" name=""/>
+        <p:cNvGrpSpPr/>
+        <p:nvPr/>
+      </p:nvGrpSpPr>
+      <p:grpSpPr>
+        <a:xfrm>
+          <a:off x="0" y="0"/>
+          <a:ext cx="0" cy="0"/>
+          <a:chOff x="0" y="0"/>
+          <a:chExt cx="0" cy="0"/>
+        </a:xfrm>
+      </p:grpSpPr>
+      <p:sp>
+        <p:nvSpPr>
+          <p:cNvPr id="6" name="Title 1"/>
+          <p:cNvSpPr>
+            <a:spLocks noGrp="1"/>
+          </p:cNvSpPr>
+          <p:nvPr>
+            <p:ph type="title"/>
+          </p:nvPr>
+        </p:nvSpPr>
+        <p:spPr>
+          <a:xfrm>
+            <a:off x="457200" y="205980"/>
+            <a:ext cx="8229600" cy="857251"/>
+          </a:xfrm>
+        </p:spPr>
+        <p:txBody>
+          <a:bodyPr>
+            <a:normAutofit/>
+          </a:bodyPr>
+          <a:lstStyle/>
+          <a:p>
+            <a:r>
+              <a:rPr lang="en-US" b="1" dirty="0" err="1">
+                <a:solidFill>
+                  <a:srgbClr val="0070C0"/>
+                </a:solidFill>
+              </a:rPr>
+              <a:t>JQuery</a:t>
+            </a:r>
+            <a:r>
+              <a:rPr lang="en-US" b="1" dirty="0">
+                <a:solidFill>
+                  <a:srgbClr val="0070C0"/>
+                </a:solidFill>
+              </a:rPr>
+              <a:t> – DOM </a:t>
+            </a:r>
+            <a:r>
+              <a:rPr lang="en-US" b="1" dirty="0" err="1">
+                <a:solidFill>
+                  <a:srgbClr val="0070C0"/>
+                </a:solidFill>
+              </a:rPr>
+              <a:t>Manipulando</a:t>
+            </a:r>
+            <a:endParaRPr lang="en-US" b="1" dirty="0">
+              <a:solidFill>
+                <a:srgbClr val="0070C0"/>
+              </a:solidFill>
+            </a:endParaRPr>
+          </a:p>
+        </p:txBody>
+      </p:sp>
+      <p:sp>
+        <p:nvSpPr>
+          <p:cNvPr id="8" name="Text Placeholder 2"/>
+          <p:cNvSpPr>
+            <a:spLocks noGrp="1"/>
+          </p:cNvSpPr>
+          <p:nvPr>
+            <p:ph type="body" sz="half" idx="1"/>
+          </p:nvPr>
+        </p:nvSpPr>
+        <p:spPr>
+          <a:xfrm>
+            <a:off x="142865" y="1037312"/>
+            <a:ext cx="8865056" cy="3900208"/>
+          </a:xfrm>
+        </p:spPr>
+        <p:txBody>
+          <a:bodyPr>
+            <a:noAutofit/>
+          </a:bodyPr>
+          <a:lstStyle/>
+          <a:p>
+            <a:pPr marL="0" indent="0" algn="just">
+              <a:buNone/>
+            </a:pPr>
+            <a:r>
+              <a:rPr lang="pt-BR" sz="2000" b="1" dirty="0">
+                <a:solidFill>
+                  <a:srgbClr val="FF0000"/>
+                </a:solidFill>
+                <a:latin typeface="Times New Roman" panose="02020603050405020304" pitchFamily="18" charset="0"/>
+                <a:cs typeface="Times New Roman" panose="02020603050405020304" pitchFamily="18" charset="0"/>
+              </a:rPr>
+              <a:t>Exemplo 18</a:t>
+            </a:r>
+            <a:r>
+              <a:rPr lang="pt-BR" sz="2000" b="1" dirty="0">
+                <a:solidFill>
+                  <a:schemeClr val="tx1"/>
+                </a:solidFill>
+                <a:latin typeface="Times New Roman" panose="02020603050405020304" pitchFamily="18" charset="0"/>
+                <a:cs typeface="Times New Roman" panose="02020603050405020304" pitchFamily="18" charset="0"/>
+              </a:rPr>
+              <a:t>: </a:t>
+            </a:r>
+          </a:p>
+          <a:p>
+            <a:pPr marL="0" indent="0" algn="just">
+              <a:buNone/>
+            </a:pPr>
+            <a:endParaRPr lang="pt-BR" sz="2000" dirty="0">
+              <a:solidFill>
+                <a:schemeClr val="tx1"/>
+              </a:solidFill>
+              <a:latin typeface="Times New Roman" panose="02020603050405020304" pitchFamily="18" charset="0"/>
+              <a:cs typeface="Times New Roman" panose="02020603050405020304" pitchFamily="18" charset="0"/>
+            </a:endParaRPr>
+          </a:p>
+          <a:p>
+            <a:pPr marL="0" indent="0" algn="just">
+              <a:buNone/>
+            </a:pPr>
+            <a:r>
+              <a:rPr lang="pt-BR" sz="2000" dirty="0">
+                <a:solidFill>
+                  <a:schemeClr val="tx1"/>
+                </a:solidFill>
+                <a:latin typeface="Times New Roman" panose="02020603050405020304" pitchFamily="18" charset="0"/>
+                <a:cs typeface="Times New Roman" panose="02020603050405020304" pitchFamily="18" charset="0"/>
+              </a:rPr>
+              <a:t> 	$('#</a:t>
+            </a:r>
+            <a:r>
+              <a:rPr lang="pt-BR" sz="2000" b="1" dirty="0">
+                <a:solidFill>
+                  <a:schemeClr val="tx1"/>
+                </a:solidFill>
+                <a:latin typeface="Times New Roman" panose="02020603050405020304" pitchFamily="18" charset="0"/>
+                <a:cs typeface="Times New Roman" panose="02020603050405020304" pitchFamily="18" charset="0"/>
+              </a:rPr>
+              <a:t>inputButton7</a:t>
+            </a:r>
+            <a:r>
+              <a:rPr lang="pt-BR" sz="2000" dirty="0">
+                <a:solidFill>
+                  <a:schemeClr val="tx1"/>
+                </a:solidFill>
+                <a:latin typeface="Times New Roman" panose="02020603050405020304" pitchFamily="18" charset="0"/>
+                <a:cs typeface="Times New Roman" panose="02020603050405020304" pitchFamily="18" charset="0"/>
+              </a:rPr>
+              <a:t>').click(</a:t>
+            </a:r>
+            <a:r>
+              <a:rPr lang="pt-BR" sz="2000" dirty="0" err="1">
+                <a:solidFill>
+                  <a:schemeClr val="tx1"/>
+                </a:solidFill>
+                <a:latin typeface="Times New Roman" panose="02020603050405020304" pitchFamily="18" charset="0"/>
+                <a:cs typeface="Times New Roman" panose="02020603050405020304" pitchFamily="18" charset="0"/>
+              </a:rPr>
+              <a:t>function</a:t>
+            </a:r>
+            <a:r>
+              <a:rPr lang="pt-BR" sz="2000" dirty="0">
+                <a:solidFill>
+                  <a:schemeClr val="tx1"/>
+                </a:solidFill>
+                <a:latin typeface="Times New Roman" panose="02020603050405020304" pitchFamily="18" charset="0"/>
+                <a:cs typeface="Times New Roman" panose="02020603050405020304" pitchFamily="18" charset="0"/>
+              </a:rPr>
+              <a:t> () {</a:t>
+            </a:r>
+          </a:p>
+          <a:p>
+            <a:pPr marL="0" indent="0" algn="just">
+              <a:buNone/>
+            </a:pPr>
+            <a:r>
+              <a:rPr lang="pt-BR" sz="2000" dirty="0">
+                <a:solidFill>
+                  <a:schemeClr val="tx1"/>
+                </a:solidFill>
+                <a:latin typeface="Times New Roman" panose="02020603050405020304" pitchFamily="18" charset="0"/>
+                <a:cs typeface="Times New Roman" panose="02020603050405020304" pitchFamily="18" charset="0"/>
+              </a:rPr>
+              <a:t>          $('h2').remove();</a:t>
+            </a:r>
+          </a:p>
+          <a:p>
+            <a:pPr marL="0" indent="0" algn="just">
+              <a:buNone/>
+            </a:pPr>
+            <a:r>
+              <a:rPr lang="pt-BR" sz="2000" dirty="0">
+                <a:solidFill>
+                  <a:schemeClr val="tx1"/>
+                </a:solidFill>
+                <a:latin typeface="Times New Roman" panose="02020603050405020304" pitchFamily="18" charset="0"/>
+                <a:cs typeface="Times New Roman" panose="02020603050405020304" pitchFamily="18" charset="0"/>
+              </a:rPr>
+              <a:t>        });</a:t>
+            </a:r>
+          </a:p>
+          <a:p>
+            <a:pPr marL="0" indent="0" algn="just">
+              <a:buNone/>
+            </a:pPr>
+            <a:endParaRPr lang="pt-BR" sz="2000" dirty="0">
+              <a:solidFill>
+                <a:schemeClr val="tx1"/>
+              </a:solidFill>
+              <a:latin typeface="Times New Roman" panose="02020603050405020304" pitchFamily="18" charset="0"/>
+              <a:cs typeface="Times New Roman" panose="02020603050405020304" pitchFamily="18" charset="0"/>
+            </a:endParaRPr>
+          </a:p>
+          <a:p>
+            <a:pPr marL="0" indent="0" algn="just">
+              <a:buNone/>
+            </a:pPr>
+            <a:r>
+              <a:rPr lang="pt-BR" sz="2000" dirty="0">
+                <a:solidFill>
+                  <a:schemeClr val="tx1"/>
+                </a:solidFill>
+                <a:latin typeface="Times New Roman" panose="02020603050405020304" pitchFamily="18" charset="0"/>
+                <a:cs typeface="Times New Roman" panose="02020603050405020304" pitchFamily="18" charset="0"/>
+              </a:rPr>
+              <a:t>        $('#</a:t>
+            </a:r>
+            <a:r>
+              <a:rPr lang="pt-BR" sz="2000" b="1" dirty="0">
+                <a:solidFill>
+                  <a:schemeClr val="tx1"/>
+                </a:solidFill>
+                <a:latin typeface="Times New Roman" panose="02020603050405020304" pitchFamily="18" charset="0"/>
+                <a:cs typeface="Times New Roman" panose="02020603050405020304" pitchFamily="18" charset="0"/>
+              </a:rPr>
+              <a:t>inputButton8</a:t>
+            </a:r>
+            <a:r>
+              <a:rPr lang="pt-BR" sz="2000" dirty="0">
+                <a:solidFill>
+                  <a:schemeClr val="tx1"/>
+                </a:solidFill>
+                <a:latin typeface="Times New Roman" panose="02020603050405020304" pitchFamily="18" charset="0"/>
+                <a:cs typeface="Times New Roman" panose="02020603050405020304" pitchFamily="18" charset="0"/>
+              </a:rPr>
+              <a:t>').click(</a:t>
+            </a:r>
+            <a:r>
+              <a:rPr lang="pt-BR" sz="2000" dirty="0" err="1">
+                <a:solidFill>
+                  <a:schemeClr val="tx1"/>
+                </a:solidFill>
+                <a:latin typeface="Times New Roman" panose="02020603050405020304" pitchFamily="18" charset="0"/>
+                <a:cs typeface="Times New Roman" panose="02020603050405020304" pitchFamily="18" charset="0"/>
+              </a:rPr>
+              <a:t>function</a:t>
+            </a:r>
+            <a:r>
+              <a:rPr lang="pt-BR" sz="2000" dirty="0">
+                <a:solidFill>
+                  <a:schemeClr val="tx1"/>
+                </a:solidFill>
+                <a:latin typeface="Times New Roman" panose="02020603050405020304" pitchFamily="18" charset="0"/>
+                <a:cs typeface="Times New Roman" panose="02020603050405020304" pitchFamily="18" charset="0"/>
+              </a:rPr>
+              <a:t> () {</a:t>
+            </a:r>
+          </a:p>
+          <a:p>
+            <a:pPr marL="0" indent="0" algn="just">
+              <a:buNone/>
+            </a:pPr>
+            <a:r>
+              <a:rPr lang="pt-BR" sz="2000" dirty="0">
+                <a:solidFill>
+                  <a:schemeClr val="tx1"/>
+                </a:solidFill>
+                <a:latin typeface="Times New Roman" panose="02020603050405020304" pitchFamily="18" charset="0"/>
+                <a:cs typeface="Times New Roman" panose="02020603050405020304" pitchFamily="18" charset="0"/>
+              </a:rPr>
+              <a:t>          $('#teste').</a:t>
+            </a:r>
+            <a:r>
+              <a:rPr lang="pt-BR" sz="2000" dirty="0" err="1">
+                <a:solidFill>
+                  <a:schemeClr val="tx1"/>
+                </a:solidFill>
+                <a:latin typeface="Times New Roman" panose="02020603050405020304" pitchFamily="18" charset="0"/>
+                <a:cs typeface="Times New Roman" panose="02020603050405020304" pitchFamily="18" charset="0"/>
+              </a:rPr>
+              <a:t>empty</a:t>
+            </a:r>
+            <a:r>
+              <a:rPr lang="pt-BR" sz="2000" dirty="0">
+                <a:solidFill>
+                  <a:schemeClr val="tx1"/>
+                </a:solidFill>
+                <a:latin typeface="Times New Roman" panose="02020603050405020304" pitchFamily="18" charset="0"/>
+                <a:cs typeface="Times New Roman" panose="02020603050405020304" pitchFamily="18" charset="0"/>
+              </a:rPr>
+              <a:t>();</a:t>
+            </a:r>
+          </a:p>
+          <a:p>
+            <a:pPr marL="0" indent="0" algn="just">
+              <a:buNone/>
+            </a:pPr>
+            <a:r>
+              <a:rPr lang="pt-BR" sz="2000" dirty="0">
+                <a:solidFill>
+                  <a:schemeClr val="tx1"/>
+                </a:solidFill>
+                <a:latin typeface="Times New Roman" panose="02020603050405020304" pitchFamily="18" charset="0"/>
+                <a:cs typeface="Times New Roman" panose="02020603050405020304" pitchFamily="18" charset="0"/>
+              </a:rPr>
+              <a:t>        });</a:t>
+            </a:r>
+          </a:p>
+        </p:txBody>
+      </p:sp>
+    </p:spTree>
+    <p:extLst>
+      <p:ext uri="{BB962C8B-B14F-4D97-AF65-F5344CB8AC3E}">
+        <p14:creationId xmlns:p14="http://schemas.microsoft.com/office/powerpoint/2010/main" val="3896329603"/>
+      </p:ext>
+    </p:extLst>
+  </p:cSld>
+  <p:clrMapOvr>
+    <a:masterClrMapping/>
+  </p:clrMapOvr>
+  <p:transition spd="med"/>
+</p:sld>
+</file>
+
+<file path=ppt/slides/slide22.xml><?xml version="1.0" encoding="utf-8"?>
+<p:sld xmlns:a="http://schemas.openxmlformats.org/drawingml/2006/main" xmlns:r="http://schemas.openxmlformats.org/officeDocument/2006/relationships" xmlns:p="http://schemas.openxmlformats.org/presentationml/2006/main">
+  <p:cSld>
+    <p:spTree>
+      <p:nvGrpSpPr>
+        <p:cNvPr id="1" name=""/>
+        <p:cNvGrpSpPr/>
+        <p:nvPr/>
+      </p:nvGrpSpPr>
+      <p:grpSpPr>
+        <a:xfrm>
+          <a:off x="0" y="0"/>
+          <a:ext cx="0" cy="0"/>
+          <a:chOff x="0" y="0"/>
+          <a:chExt cx="0" cy="0"/>
+        </a:xfrm>
+      </p:grpSpPr>
+      <p:sp>
+        <p:nvSpPr>
+          <p:cNvPr id="6" name="Title 1"/>
+          <p:cNvSpPr>
+            <a:spLocks noGrp="1"/>
+          </p:cNvSpPr>
+          <p:nvPr>
+            <p:ph type="title"/>
+          </p:nvPr>
+        </p:nvSpPr>
+        <p:spPr>
+          <a:xfrm>
+            <a:off x="457200" y="205980"/>
+            <a:ext cx="8229600" cy="857251"/>
+          </a:xfrm>
+        </p:spPr>
+        <p:txBody>
+          <a:bodyPr>
+            <a:normAutofit/>
+          </a:bodyPr>
+          <a:lstStyle/>
+          <a:p>
+            <a:r>
+              <a:rPr lang="en-US" b="1" dirty="0" err="1">
+                <a:solidFill>
+                  <a:srgbClr val="0070C0"/>
+                </a:solidFill>
+              </a:rPr>
+              <a:t>JQuery</a:t>
+            </a:r>
+            <a:r>
+              <a:rPr lang="en-US" b="1" dirty="0">
+                <a:solidFill>
+                  <a:srgbClr val="0070C0"/>
+                </a:solidFill>
+              </a:rPr>
+              <a:t> – DOM </a:t>
+            </a:r>
+            <a:r>
+              <a:rPr lang="en-US" b="1" dirty="0" err="1">
+                <a:solidFill>
+                  <a:srgbClr val="0070C0"/>
+                </a:solidFill>
+              </a:rPr>
+              <a:t>Manipulando</a:t>
+            </a:r>
+            <a:endParaRPr lang="en-US" b="1" dirty="0">
+              <a:solidFill>
+                <a:srgbClr val="0070C0"/>
+              </a:solidFill>
+            </a:endParaRPr>
+          </a:p>
+        </p:txBody>
+      </p:sp>
+      <p:sp>
+        <p:nvSpPr>
+          <p:cNvPr id="8" name="Text Placeholder 2"/>
+          <p:cNvSpPr>
+            <a:spLocks noGrp="1"/>
+          </p:cNvSpPr>
+          <p:nvPr>
+            <p:ph type="body" sz="half" idx="1"/>
+          </p:nvPr>
+        </p:nvSpPr>
+        <p:spPr>
+          <a:xfrm>
+            <a:off x="142865" y="1037312"/>
+            <a:ext cx="8865056" cy="3900208"/>
+          </a:xfrm>
+        </p:spPr>
+        <p:txBody>
+          <a:bodyPr>
+            <a:noAutofit/>
+          </a:bodyPr>
+          <a:lstStyle/>
+          <a:p>
+            <a:pPr marL="0" indent="0" algn="just">
+              <a:buNone/>
+            </a:pPr>
+            <a:r>
+              <a:rPr lang="pt-BR" sz="2000" b="1" dirty="0">
+                <a:solidFill>
+                  <a:srgbClr val="FF0000"/>
+                </a:solidFill>
+                <a:latin typeface="Times New Roman" panose="02020603050405020304" pitchFamily="18" charset="0"/>
+                <a:cs typeface="Times New Roman" panose="02020603050405020304" pitchFamily="18" charset="0"/>
+              </a:rPr>
+              <a:t>Exemplo 19</a:t>
+            </a:r>
+            <a:r>
+              <a:rPr lang="pt-BR" sz="2000" b="1" dirty="0">
+                <a:solidFill>
+                  <a:schemeClr val="tx1"/>
+                </a:solidFill>
+                <a:latin typeface="Times New Roman" panose="02020603050405020304" pitchFamily="18" charset="0"/>
+                <a:cs typeface="Times New Roman" panose="02020603050405020304" pitchFamily="18" charset="0"/>
+              </a:rPr>
+              <a:t>: </a:t>
+            </a:r>
+          </a:p>
+          <a:p>
+            <a:pPr marL="0" indent="0" algn="just">
+              <a:buNone/>
+            </a:pPr>
+            <a:endParaRPr lang="pt-BR" sz="2000" dirty="0">
+              <a:solidFill>
+                <a:schemeClr val="tx1"/>
+              </a:solidFill>
+              <a:latin typeface="Times New Roman" panose="02020603050405020304" pitchFamily="18" charset="0"/>
+              <a:cs typeface="Times New Roman" panose="02020603050405020304" pitchFamily="18" charset="0"/>
+            </a:endParaRPr>
+          </a:p>
+          <a:p>
+            <a:pPr marL="0" indent="0" algn="just">
+              <a:buNone/>
+            </a:pPr>
+            <a:r>
+              <a:rPr lang="pt-BR" sz="2000" dirty="0">
+                <a:solidFill>
+                  <a:schemeClr val="tx1"/>
+                </a:solidFill>
+                <a:latin typeface="Times New Roman" panose="02020603050405020304" pitchFamily="18" charset="0"/>
+                <a:cs typeface="Times New Roman" panose="02020603050405020304" pitchFamily="18" charset="0"/>
+              </a:rPr>
+              <a:t>	 $('#</a:t>
+            </a:r>
+            <a:r>
+              <a:rPr lang="pt-BR" sz="2000" b="1" dirty="0">
+                <a:solidFill>
+                  <a:schemeClr val="tx1"/>
+                </a:solidFill>
+                <a:latin typeface="Times New Roman" panose="02020603050405020304" pitchFamily="18" charset="0"/>
+                <a:cs typeface="Times New Roman" panose="02020603050405020304" pitchFamily="18" charset="0"/>
+              </a:rPr>
+              <a:t>inputButton9</a:t>
+            </a:r>
+            <a:r>
+              <a:rPr lang="pt-BR" sz="2000" dirty="0">
+                <a:solidFill>
+                  <a:schemeClr val="tx1"/>
+                </a:solidFill>
+                <a:latin typeface="Times New Roman" panose="02020603050405020304" pitchFamily="18" charset="0"/>
+                <a:cs typeface="Times New Roman" panose="02020603050405020304" pitchFamily="18" charset="0"/>
+              </a:rPr>
+              <a:t>').click(</a:t>
+            </a:r>
+            <a:r>
+              <a:rPr lang="pt-BR" sz="2000" dirty="0" err="1">
+                <a:solidFill>
+                  <a:schemeClr val="tx1"/>
+                </a:solidFill>
+                <a:latin typeface="Times New Roman" panose="02020603050405020304" pitchFamily="18" charset="0"/>
+                <a:cs typeface="Times New Roman" panose="02020603050405020304" pitchFamily="18" charset="0"/>
+              </a:rPr>
+              <a:t>function</a:t>
+            </a:r>
+            <a:r>
+              <a:rPr lang="pt-BR" sz="2000" dirty="0">
+                <a:solidFill>
+                  <a:schemeClr val="tx1"/>
+                </a:solidFill>
+                <a:latin typeface="Times New Roman" panose="02020603050405020304" pitchFamily="18" charset="0"/>
+                <a:cs typeface="Times New Roman" panose="02020603050405020304" pitchFamily="18" charset="0"/>
+              </a:rPr>
+              <a:t> () {</a:t>
+            </a:r>
+          </a:p>
+          <a:p>
+            <a:pPr marL="0" indent="0" algn="just">
+              <a:buNone/>
+            </a:pPr>
+            <a:r>
+              <a:rPr lang="pt-BR" sz="2000" dirty="0">
+                <a:solidFill>
+                  <a:schemeClr val="tx1"/>
+                </a:solidFill>
+                <a:latin typeface="Times New Roman" panose="02020603050405020304" pitchFamily="18" charset="0"/>
+                <a:cs typeface="Times New Roman" panose="02020603050405020304" pitchFamily="18" charset="0"/>
+              </a:rPr>
+              <a:t>          </a:t>
+            </a:r>
+            <a:r>
+              <a:rPr lang="pt-BR" sz="2000" dirty="0" err="1">
+                <a:solidFill>
+                  <a:schemeClr val="tx1"/>
+                </a:solidFill>
+                <a:latin typeface="Times New Roman" panose="02020603050405020304" pitchFamily="18" charset="0"/>
+                <a:cs typeface="Times New Roman" panose="02020603050405020304" pitchFamily="18" charset="0"/>
+              </a:rPr>
+              <a:t>alert</a:t>
+            </a:r>
+            <a:r>
+              <a:rPr lang="pt-BR" sz="2000" dirty="0">
+                <a:solidFill>
+                  <a:schemeClr val="tx1"/>
+                </a:solidFill>
+                <a:latin typeface="Times New Roman" panose="02020603050405020304" pitchFamily="18" charset="0"/>
+                <a:cs typeface="Times New Roman" panose="02020603050405020304" pitchFamily="18" charset="0"/>
+              </a:rPr>
+              <a:t>($('body').</a:t>
+            </a:r>
+            <a:r>
+              <a:rPr lang="pt-BR" sz="2000" dirty="0" err="1">
+                <a:solidFill>
+                  <a:schemeClr val="tx1"/>
+                </a:solidFill>
+                <a:latin typeface="Times New Roman" panose="02020603050405020304" pitchFamily="18" charset="0"/>
+                <a:cs typeface="Times New Roman" panose="02020603050405020304" pitchFamily="18" charset="0"/>
+              </a:rPr>
+              <a:t>css</a:t>
+            </a:r>
+            <a:r>
+              <a:rPr lang="pt-BR" sz="2000" dirty="0">
+                <a:solidFill>
+                  <a:schemeClr val="tx1"/>
+                </a:solidFill>
+                <a:latin typeface="Times New Roman" panose="02020603050405020304" pitchFamily="18" charset="0"/>
+                <a:cs typeface="Times New Roman" panose="02020603050405020304" pitchFamily="18" charset="0"/>
+              </a:rPr>
+              <a:t>('background-color'));</a:t>
+            </a:r>
+          </a:p>
+          <a:p>
+            <a:pPr marL="0" indent="0" algn="just">
+              <a:buNone/>
+            </a:pPr>
+            <a:r>
+              <a:rPr lang="pt-BR" sz="2000" dirty="0">
+                <a:solidFill>
+                  <a:schemeClr val="tx1"/>
+                </a:solidFill>
+                <a:latin typeface="Times New Roman" panose="02020603050405020304" pitchFamily="18" charset="0"/>
+                <a:cs typeface="Times New Roman" panose="02020603050405020304" pitchFamily="18" charset="0"/>
+              </a:rPr>
+              <a:t>        });</a:t>
+            </a:r>
+          </a:p>
+          <a:p>
+            <a:pPr marL="0" indent="0" algn="just">
+              <a:buNone/>
+            </a:pPr>
+            <a:endParaRPr lang="pt-BR" sz="2000" dirty="0">
+              <a:solidFill>
+                <a:schemeClr val="tx1"/>
+              </a:solidFill>
+              <a:latin typeface="Times New Roman" panose="02020603050405020304" pitchFamily="18" charset="0"/>
+              <a:cs typeface="Times New Roman" panose="02020603050405020304" pitchFamily="18" charset="0"/>
+            </a:endParaRPr>
+          </a:p>
+          <a:p>
+            <a:pPr marL="0" indent="0" algn="just">
+              <a:buNone/>
+            </a:pPr>
+            <a:r>
+              <a:rPr lang="pt-BR" sz="2000" dirty="0">
+                <a:solidFill>
+                  <a:schemeClr val="tx1"/>
+                </a:solidFill>
+                <a:latin typeface="Times New Roman" panose="02020603050405020304" pitchFamily="18" charset="0"/>
+                <a:cs typeface="Times New Roman" panose="02020603050405020304" pitchFamily="18" charset="0"/>
+              </a:rPr>
+              <a:t>        $('#</a:t>
+            </a:r>
+            <a:r>
+              <a:rPr lang="pt-BR" sz="2000" b="1" dirty="0">
+                <a:solidFill>
+                  <a:schemeClr val="tx1"/>
+                </a:solidFill>
+                <a:latin typeface="Times New Roman" panose="02020603050405020304" pitchFamily="18" charset="0"/>
+                <a:cs typeface="Times New Roman" panose="02020603050405020304" pitchFamily="18" charset="0"/>
+              </a:rPr>
+              <a:t>inputButton10</a:t>
+            </a:r>
+            <a:r>
+              <a:rPr lang="pt-BR" sz="2000" dirty="0">
+                <a:solidFill>
+                  <a:schemeClr val="tx1"/>
+                </a:solidFill>
+                <a:latin typeface="Times New Roman" panose="02020603050405020304" pitchFamily="18" charset="0"/>
+                <a:cs typeface="Times New Roman" panose="02020603050405020304" pitchFamily="18" charset="0"/>
+              </a:rPr>
+              <a:t>').click(</a:t>
+            </a:r>
+            <a:r>
+              <a:rPr lang="pt-BR" sz="2000" dirty="0" err="1">
+                <a:solidFill>
+                  <a:schemeClr val="tx1"/>
+                </a:solidFill>
+                <a:latin typeface="Times New Roman" panose="02020603050405020304" pitchFamily="18" charset="0"/>
+                <a:cs typeface="Times New Roman" panose="02020603050405020304" pitchFamily="18" charset="0"/>
+              </a:rPr>
+              <a:t>function</a:t>
+            </a:r>
+            <a:r>
+              <a:rPr lang="pt-BR" sz="2000" dirty="0">
+                <a:solidFill>
+                  <a:schemeClr val="tx1"/>
+                </a:solidFill>
+                <a:latin typeface="Times New Roman" panose="02020603050405020304" pitchFamily="18" charset="0"/>
+                <a:cs typeface="Times New Roman" panose="02020603050405020304" pitchFamily="18" charset="0"/>
+              </a:rPr>
+              <a:t> () {</a:t>
+            </a:r>
+          </a:p>
+          <a:p>
+            <a:pPr marL="0" indent="0" algn="just">
+              <a:buNone/>
+            </a:pPr>
+            <a:r>
+              <a:rPr lang="pt-BR" sz="2000" dirty="0">
+                <a:solidFill>
+                  <a:schemeClr val="tx1"/>
+                </a:solidFill>
+                <a:latin typeface="Times New Roman" panose="02020603050405020304" pitchFamily="18" charset="0"/>
+                <a:cs typeface="Times New Roman" panose="02020603050405020304" pitchFamily="18" charset="0"/>
+              </a:rPr>
+              <a:t>          $('h2').</a:t>
+            </a:r>
+            <a:r>
+              <a:rPr lang="pt-BR" sz="2000" dirty="0" err="1">
+                <a:solidFill>
+                  <a:schemeClr val="tx1"/>
+                </a:solidFill>
+                <a:latin typeface="Times New Roman" panose="02020603050405020304" pitchFamily="18" charset="0"/>
+                <a:cs typeface="Times New Roman" panose="02020603050405020304" pitchFamily="18" charset="0"/>
+              </a:rPr>
+              <a:t>addClass</a:t>
+            </a:r>
+            <a:r>
+              <a:rPr lang="pt-BR" sz="2000" dirty="0">
+                <a:solidFill>
+                  <a:schemeClr val="tx1"/>
+                </a:solidFill>
+                <a:latin typeface="Times New Roman" panose="02020603050405020304" pitchFamily="18" charset="0"/>
+                <a:cs typeface="Times New Roman" panose="02020603050405020304" pitchFamily="18" charset="0"/>
+              </a:rPr>
+              <a:t>('classH2');</a:t>
+            </a:r>
+          </a:p>
+          <a:p>
+            <a:pPr marL="0" indent="0" algn="just">
+              <a:buNone/>
+            </a:pPr>
+            <a:r>
+              <a:rPr lang="pt-BR" sz="2000" dirty="0">
+                <a:solidFill>
+                  <a:schemeClr val="tx1"/>
+                </a:solidFill>
+                <a:latin typeface="Times New Roman" panose="02020603050405020304" pitchFamily="18" charset="0"/>
+                <a:cs typeface="Times New Roman" panose="02020603050405020304" pitchFamily="18" charset="0"/>
+              </a:rPr>
+              <a:t>        });</a:t>
+            </a:r>
+          </a:p>
+        </p:txBody>
+      </p:sp>
+    </p:spTree>
+    <p:extLst>
+      <p:ext uri="{BB962C8B-B14F-4D97-AF65-F5344CB8AC3E}">
+        <p14:creationId xmlns:p14="http://schemas.microsoft.com/office/powerpoint/2010/main" val="422864509"/>
+      </p:ext>
+    </p:extLst>
+  </p:cSld>
+  <p:clrMapOvr>
+    <a:masterClrMapping/>
+  </p:clrMapOvr>
+  <p:transition spd="med"/>
+</p:sld>
+</file>
+
+<file path=ppt/slides/slide23.xml><?xml version="1.0" encoding="utf-8"?>
+<p:sld xmlns:a="http://schemas.openxmlformats.org/drawingml/2006/main" xmlns:r="http://schemas.openxmlformats.org/officeDocument/2006/relationships" xmlns:p="http://schemas.openxmlformats.org/presentationml/2006/main">
+  <p:cSld>
+    <p:spTree>
+      <p:nvGrpSpPr>
+        <p:cNvPr id="1" name=""/>
+        <p:cNvGrpSpPr/>
+        <p:nvPr/>
+      </p:nvGrpSpPr>
+      <p:grpSpPr>
+        <a:xfrm>
+          <a:off x="0" y="0"/>
+          <a:ext cx="0" cy="0"/>
+          <a:chOff x="0" y="0"/>
+          <a:chExt cx="0" cy="0"/>
+        </a:xfrm>
+      </p:grpSpPr>
+      <p:sp>
+        <p:nvSpPr>
+          <p:cNvPr id="6" name="Title 1"/>
+          <p:cNvSpPr>
+            <a:spLocks noGrp="1"/>
+          </p:cNvSpPr>
+          <p:nvPr>
+            <p:ph type="title"/>
+          </p:nvPr>
+        </p:nvSpPr>
+        <p:spPr>
+          <a:xfrm>
+            <a:off x="457200" y="205980"/>
+            <a:ext cx="8229600" cy="857251"/>
+          </a:xfrm>
+        </p:spPr>
+        <p:txBody>
+          <a:bodyPr>
+            <a:normAutofit/>
+          </a:bodyPr>
+          <a:lstStyle/>
+          <a:p>
+            <a:r>
+              <a:rPr lang="en-US" b="1" dirty="0" err="1">
+                <a:solidFill>
+                  <a:srgbClr val="0070C0"/>
+                </a:solidFill>
+              </a:rPr>
+              <a:t>JQuery</a:t>
+            </a:r>
+            <a:r>
+              <a:rPr lang="en-US" b="1" dirty="0">
+                <a:solidFill>
+                  <a:srgbClr val="0070C0"/>
+                </a:solidFill>
+              </a:rPr>
+              <a:t> – DOM </a:t>
+            </a:r>
+            <a:r>
+              <a:rPr lang="en-US" b="1" dirty="0" err="1">
+                <a:solidFill>
+                  <a:srgbClr val="0070C0"/>
+                </a:solidFill>
+              </a:rPr>
+              <a:t>Manipulando</a:t>
+            </a:r>
+            <a:endParaRPr lang="en-US" b="1" dirty="0">
+              <a:solidFill>
+                <a:srgbClr val="0070C0"/>
+              </a:solidFill>
+            </a:endParaRPr>
+          </a:p>
+        </p:txBody>
+      </p:sp>
+      <p:sp>
+        <p:nvSpPr>
+          <p:cNvPr id="8" name="Text Placeholder 2"/>
+          <p:cNvSpPr>
+            <a:spLocks noGrp="1"/>
+          </p:cNvSpPr>
+          <p:nvPr>
+            <p:ph type="body" sz="half" idx="1"/>
+          </p:nvPr>
+        </p:nvSpPr>
+        <p:spPr>
+          <a:xfrm>
+            <a:off x="142865" y="1037312"/>
+            <a:ext cx="8865056" cy="3900208"/>
+          </a:xfrm>
+        </p:spPr>
+        <p:txBody>
+          <a:bodyPr>
+            <a:noAutofit/>
+          </a:bodyPr>
+          <a:lstStyle/>
+          <a:p>
+            <a:pPr marL="0" indent="0" algn="just">
+              <a:buNone/>
+            </a:pPr>
+            <a:r>
+              <a:rPr lang="pt-BR" sz="2000" b="1" dirty="0">
+                <a:solidFill>
+                  <a:srgbClr val="FF0000"/>
+                </a:solidFill>
+                <a:latin typeface="Times New Roman" panose="02020603050405020304" pitchFamily="18" charset="0"/>
+                <a:cs typeface="Times New Roman" panose="02020603050405020304" pitchFamily="18" charset="0"/>
+              </a:rPr>
+              <a:t>Exemplo 20</a:t>
+            </a:r>
+            <a:r>
+              <a:rPr lang="pt-BR" sz="2000" b="1" dirty="0">
+                <a:solidFill>
+                  <a:schemeClr val="tx1"/>
+                </a:solidFill>
+                <a:latin typeface="Times New Roman" panose="02020603050405020304" pitchFamily="18" charset="0"/>
+                <a:cs typeface="Times New Roman" panose="02020603050405020304" pitchFamily="18" charset="0"/>
+              </a:rPr>
+              <a:t>: </a:t>
+            </a:r>
+          </a:p>
+          <a:p>
+            <a:pPr marL="0" indent="0" algn="just">
+              <a:buNone/>
+            </a:pPr>
+            <a:endParaRPr lang="pt-BR" sz="2000" dirty="0">
+              <a:solidFill>
+                <a:schemeClr val="tx1"/>
+              </a:solidFill>
+              <a:latin typeface="Times New Roman" panose="02020603050405020304" pitchFamily="18" charset="0"/>
+              <a:cs typeface="Times New Roman" panose="02020603050405020304" pitchFamily="18" charset="0"/>
+            </a:endParaRPr>
+          </a:p>
+          <a:p>
+            <a:pPr marL="0" indent="0" algn="just">
+              <a:buNone/>
+            </a:pPr>
+            <a:r>
+              <a:rPr lang="pt-BR" sz="2000" dirty="0">
+                <a:solidFill>
+                  <a:schemeClr val="tx1"/>
+                </a:solidFill>
+                <a:latin typeface="Times New Roman" panose="02020603050405020304" pitchFamily="18" charset="0"/>
+                <a:cs typeface="Times New Roman" panose="02020603050405020304" pitchFamily="18" charset="0"/>
+              </a:rPr>
+              <a:t>	 $('#</a:t>
+            </a:r>
+            <a:r>
+              <a:rPr lang="pt-BR" sz="2000" b="1" dirty="0">
+                <a:solidFill>
+                  <a:schemeClr val="tx1"/>
+                </a:solidFill>
+                <a:latin typeface="Times New Roman" panose="02020603050405020304" pitchFamily="18" charset="0"/>
+                <a:cs typeface="Times New Roman" panose="02020603050405020304" pitchFamily="18" charset="0"/>
+              </a:rPr>
+              <a:t>inputButton11</a:t>
+            </a:r>
+            <a:r>
+              <a:rPr lang="pt-BR" sz="2000" dirty="0">
+                <a:solidFill>
+                  <a:schemeClr val="tx1"/>
+                </a:solidFill>
+                <a:latin typeface="Times New Roman" panose="02020603050405020304" pitchFamily="18" charset="0"/>
+                <a:cs typeface="Times New Roman" panose="02020603050405020304" pitchFamily="18" charset="0"/>
+              </a:rPr>
+              <a:t>').click(</a:t>
+            </a:r>
+            <a:r>
+              <a:rPr lang="pt-BR" sz="2000" dirty="0" err="1">
+                <a:solidFill>
+                  <a:schemeClr val="tx1"/>
+                </a:solidFill>
+                <a:latin typeface="Times New Roman" panose="02020603050405020304" pitchFamily="18" charset="0"/>
+                <a:cs typeface="Times New Roman" panose="02020603050405020304" pitchFamily="18" charset="0"/>
+              </a:rPr>
+              <a:t>function</a:t>
+            </a:r>
+            <a:r>
+              <a:rPr lang="pt-BR" sz="2000" dirty="0">
+                <a:solidFill>
+                  <a:schemeClr val="tx1"/>
+                </a:solidFill>
+                <a:latin typeface="Times New Roman" panose="02020603050405020304" pitchFamily="18" charset="0"/>
+                <a:cs typeface="Times New Roman" panose="02020603050405020304" pitchFamily="18" charset="0"/>
+              </a:rPr>
+              <a:t> () {</a:t>
+            </a:r>
+          </a:p>
+          <a:p>
+            <a:pPr marL="0" indent="0" algn="just">
+              <a:buNone/>
+            </a:pPr>
+            <a:r>
+              <a:rPr lang="pt-BR" sz="2000" dirty="0">
+                <a:solidFill>
+                  <a:schemeClr val="tx1"/>
+                </a:solidFill>
+                <a:latin typeface="Times New Roman" panose="02020603050405020304" pitchFamily="18" charset="0"/>
+                <a:cs typeface="Times New Roman" panose="02020603050405020304" pitchFamily="18" charset="0"/>
+              </a:rPr>
+              <a:t>          $('h2').</a:t>
+            </a:r>
+            <a:r>
+              <a:rPr lang="pt-BR" sz="2000" dirty="0" err="1">
+                <a:solidFill>
+                  <a:schemeClr val="tx1"/>
+                </a:solidFill>
+                <a:latin typeface="Times New Roman" panose="02020603050405020304" pitchFamily="18" charset="0"/>
+                <a:cs typeface="Times New Roman" panose="02020603050405020304" pitchFamily="18" charset="0"/>
+              </a:rPr>
+              <a:t>removeClass</a:t>
+            </a:r>
+            <a:r>
+              <a:rPr lang="pt-BR" sz="2000" dirty="0">
+                <a:solidFill>
+                  <a:schemeClr val="tx1"/>
+                </a:solidFill>
+                <a:latin typeface="Times New Roman" panose="02020603050405020304" pitchFamily="18" charset="0"/>
+                <a:cs typeface="Times New Roman" panose="02020603050405020304" pitchFamily="18" charset="0"/>
+              </a:rPr>
+              <a:t>('classH2');</a:t>
+            </a:r>
+          </a:p>
+          <a:p>
+            <a:pPr marL="0" indent="0" algn="just">
+              <a:buNone/>
+            </a:pPr>
+            <a:r>
+              <a:rPr lang="pt-BR" sz="2000" dirty="0">
+                <a:solidFill>
+                  <a:schemeClr val="tx1"/>
+                </a:solidFill>
+                <a:latin typeface="Times New Roman" panose="02020603050405020304" pitchFamily="18" charset="0"/>
+                <a:cs typeface="Times New Roman" panose="02020603050405020304" pitchFamily="18" charset="0"/>
+              </a:rPr>
+              <a:t>        });</a:t>
+            </a:r>
+          </a:p>
+          <a:p>
+            <a:pPr marL="0" indent="0" algn="just">
+              <a:buNone/>
+            </a:pPr>
+            <a:endParaRPr lang="pt-BR" sz="2000" dirty="0">
+              <a:solidFill>
+                <a:schemeClr val="tx1"/>
+              </a:solidFill>
+              <a:latin typeface="Times New Roman" panose="02020603050405020304" pitchFamily="18" charset="0"/>
+              <a:cs typeface="Times New Roman" panose="02020603050405020304" pitchFamily="18" charset="0"/>
+            </a:endParaRPr>
+          </a:p>
+          <a:p>
+            <a:pPr marL="0" indent="0" algn="just">
+              <a:buNone/>
+            </a:pPr>
+            <a:r>
+              <a:rPr lang="pt-BR" sz="2000" dirty="0">
+                <a:solidFill>
+                  <a:schemeClr val="tx1"/>
+                </a:solidFill>
+                <a:latin typeface="Times New Roman" panose="02020603050405020304" pitchFamily="18" charset="0"/>
+                <a:cs typeface="Times New Roman" panose="02020603050405020304" pitchFamily="18" charset="0"/>
+              </a:rPr>
+              <a:t>        $('#</a:t>
+            </a:r>
+            <a:r>
+              <a:rPr lang="pt-BR" sz="2000" b="1" dirty="0">
+                <a:solidFill>
+                  <a:schemeClr val="tx1"/>
+                </a:solidFill>
+                <a:latin typeface="Times New Roman" panose="02020603050405020304" pitchFamily="18" charset="0"/>
+                <a:cs typeface="Times New Roman" panose="02020603050405020304" pitchFamily="18" charset="0"/>
+              </a:rPr>
+              <a:t>inputButton12</a:t>
+            </a:r>
+            <a:r>
+              <a:rPr lang="pt-BR" sz="2000" dirty="0">
+                <a:solidFill>
+                  <a:schemeClr val="tx1"/>
+                </a:solidFill>
+                <a:latin typeface="Times New Roman" panose="02020603050405020304" pitchFamily="18" charset="0"/>
+                <a:cs typeface="Times New Roman" panose="02020603050405020304" pitchFamily="18" charset="0"/>
+              </a:rPr>
+              <a:t>').click(</a:t>
+            </a:r>
+            <a:r>
+              <a:rPr lang="pt-BR" sz="2000" dirty="0" err="1">
+                <a:solidFill>
+                  <a:schemeClr val="tx1"/>
+                </a:solidFill>
+                <a:latin typeface="Times New Roman" panose="02020603050405020304" pitchFamily="18" charset="0"/>
+                <a:cs typeface="Times New Roman" panose="02020603050405020304" pitchFamily="18" charset="0"/>
+              </a:rPr>
+              <a:t>function</a:t>
+            </a:r>
+            <a:r>
+              <a:rPr lang="pt-BR" sz="2000" dirty="0">
+                <a:solidFill>
+                  <a:schemeClr val="tx1"/>
+                </a:solidFill>
+                <a:latin typeface="Times New Roman" panose="02020603050405020304" pitchFamily="18" charset="0"/>
+                <a:cs typeface="Times New Roman" panose="02020603050405020304" pitchFamily="18" charset="0"/>
+              </a:rPr>
+              <a:t> () {</a:t>
+            </a:r>
+          </a:p>
+          <a:p>
+            <a:pPr marL="0" indent="0" algn="just">
+              <a:buNone/>
+            </a:pPr>
+            <a:r>
+              <a:rPr lang="pt-BR" sz="2000" dirty="0">
+                <a:solidFill>
+                  <a:schemeClr val="tx1"/>
+                </a:solidFill>
+                <a:latin typeface="Times New Roman" panose="02020603050405020304" pitchFamily="18" charset="0"/>
+                <a:cs typeface="Times New Roman" panose="02020603050405020304" pitchFamily="18" charset="0"/>
+              </a:rPr>
+              <a:t>          $('h2').</a:t>
+            </a:r>
+            <a:r>
+              <a:rPr lang="pt-BR" sz="2000" dirty="0" err="1">
+                <a:solidFill>
+                  <a:schemeClr val="tx1"/>
+                </a:solidFill>
+                <a:latin typeface="Times New Roman" panose="02020603050405020304" pitchFamily="18" charset="0"/>
+                <a:cs typeface="Times New Roman" panose="02020603050405020304" pitchFamily="18" charset="0"/>
+              </a:rPr>
+              <a:t>toggleClass</a:t>
+            </a:r>
+            <a:r>
+              <a:rPr lang="pt-BR" sz="2000" dirty="0">
+                <a:solidFill>
+                  <a:schemeClr val="tx1"/>
+                </a:solidFill>
+                <a:latin typeface="Times New Roman" panose="02020603050405020304" pitchFamily="18" charset="0"/>
+                <a:cs typeface="Times New Roman" panose="02020603050405020304" pitchFamily="18" charset="0"/>
+              </a:rPr>
+              <a:t>('classH2');</a:t>
+            </a:r>
+          </a:p>
+          <a:p>
+            <a:pPr marL="0" indent="0" algn="just">
+              <a:buNone/>
+            </a:pPr>
+            <a:r>
+              <a:rPr lang="pt-BR" sz="2000" dirty="0">
+                <a:solidFill>
+                  <a:schemeClr val="tx1"/>
+                </a:solidFill>
+                <a:latin typeface="Times New Roman" panose="02020603050405020304" pitchFamily="18" charset="0"/>
+                <a:cs typeface="Times New Roman" panose="02020603050405020304" pitchFamily="18" charset="0"/>
+              </a:rPr>
+              <a:t>        });</a:t>
+            </a:r>
+          </a:p>
+        </p:txBody>
+      </p:sp>
+    </p:spTree>
+    <p:extLst>
+      <p:ext uri="{BB962C8B-B14F-4D97-AF65-F5344CB8AC3E}">
+        <p14:creationId xmlns:p14="http://schemas.microsoft.com/office/powerpoint/2010/main" val="11980919"/>
+      </p:ext>
+    </p:extLst>
+  </p:cSld>
+  <p:clrMapOvr>
+    <a:masterClrMapping/>
+  </p:clrMapOvr>
+  <p:transition spd="med"/>
+</p:sld>
+</file>
+
+<file path=ppt/slides/slide24.xml><?xml version="1.0" encoding="utf-8"?>
+<p:sld xmlns:a="http://schemas.openxmlformats.org/drawingml/2006/main" xmlns:r="http://schemas.openxmlformats.org/officeDocument/2006/relationships" xmlns:p="http://schemas.openxmlformats.org/presentationml/2006/main">
+  <p:cSld>
+    <p:spTree>
+      <p:nvGrpSpPr>
+        <p:cNvPr id="1" name=""/>
+        <p:cNvGrpSpPr/>
+        <p:nvPr/>
+      </p:nvGrpSpPr>
+      <p:grpSpPr>
+        <a:xfrm>
+          <a:off x="0" y="0"/>
+          <a:ext cx="0" cy="0"/>
+          <a:chOff x="0" y="0"/>
+          <a:chExt cx="0" cy="0"/>
+        </a:xfrm>
+      </p:grpSpPr>
+      <p:sp>
+        <p:nvSpPr>
+          <p:cNvPr id="6" name="Title 1"/>
+          <p:cNvSpPr>
+            <a:spLocks noGrp="1"/>
+          </p:cNvSpPr>
+          <p:nvPr>
+            <p:ph type="title"/>
+          </p:nvPr>
+        </p:nvSpPr>
+        <p:spPr>
+          <a:xfrm>
+            <a:off x="457200" y="205980"/>
+            <a:ext cx="8229600" cy="857251"/>
+          </a:xfrm>
+        </p:spPr>
+        <p:txBody>
+          <a:bodyPr>
+            <a:normAutofit/>
+          </a:bodyPr>
+          <a:lstStyle/>
+          <a:p>
+            <a:r>
+              <a:rPr lang="en-US" b="1" dirty="0" err="1">
+                <a:solidFill>
+                  <a:srgbClr val="0070C0"/>
+                </a:solidFill>
+              </a:rPr>
+              <a:t>JQuery</a:t>
+            </a:r>
+            <a:r>
+              <a:rPr lang="en-US" b="1" dirty="0">
+                <a:solidFill>
+                  <a:srgbClr val="0070C0"/>
+                </a:solidFill>
+              </a:rPr>
+              <a:t> – DOM </a:t>
+            </a:r>
+            <a:r>
+              <a:rPr lang="en-US" b="1" dirty="0" err="1">
+                <a:solidFill>
+                  <a:srgbClr val="0070C0"/>
+                </a:solidFill>
+              </a:rPr>
+              <a:t>Manipulando</a:t>
+            </a:r>
+            <a:endParaRPr lang="en-US" b="1" dirty="0">
+              <a:solidFill>
+                <a:srgbClr val="0070C0"/>
+              </a:solidFill>
+            </a:endParaRPr>
+          </a:p>
+        </p:txBody>
+      </p:sp>
+      <p:sp>
+        <p:nvSpPr>
+          <p:cNvPr id="8" name="Text Placeholder 2"/>
+          <p:cNvSpPr>
+            <a:spLocks noGrp="1"/>
+          </p:cNvSpPr>
+          <p:nvPr>
+            <p:ph type="body" sz="half" idx="1"/>
+          </p:nvPr>
+        </p:nvSpPr>
+        <p:spPr>
+          <a:xfrm>
+            <a:off x="142865" y="1037312"/>
+            <a:ext cx="8865056" cy="3900208"/>
+          </a:xfrm>
+        </p:spPr>
+        <p:txBody>
+          <a:bodyPr>
+            <a:noAutofit/>
+          </a:bodyPr>
+          <a:lstStyle/>
+          <a:p>
+            <a:pPr marL="0" indent="0" algn="just">
+              <a:buNone/>
+            </a:pPr>
+            <a:r>
+              <a:rPr lang="pt-BR" sz="2000" b="1" dirty="0">
+                <a:solidFill>
+                  <a:srgbClr val="FF0000"/>
+                </a:solidFill>
+                <a:latin typeface="Times New Roman" panose="02020603050405020304" pitchFamily="18" charset="0"/>
+                <a:cs typeface="Times New Roman" panose="02020603050405020304" pitchFamily="18" charset="0"/>
+              </a:rPr>
+              <a:t>Exemplo 21</a:t>
+            </a:r>
+            <a:r>
+              <a:rPr lang="pt-BR" sz="2000" b="1" dirty="0">
+                <a:solidFill>
+                  <a:schemeClr val="tx1"/>
+                </a:solidFill>
+                <a:latin typeface="Times New Roman" panose="02020603050405020304" pitchFamily="18" charset="0"/>
+                <a:cs typeface="Times New Roman" panose="02020603050405020304" pitchFamily="18" charset="0"/>
+              </a:rPr>
+              <a:t>: </a:t>
+            </a:r>
+          </a:p>
+          <a:p>
+            <a:pPr marL="0" indent="0" algn="just">
+              <a:buNone/>
+            </a:pPr>
+            <a:endParaRPr lang="pt-BR" sz="2000" dirty="0">
+              <a:solidFill>
+                <a:schemeClr val="tx1"/>
+              </a:solidFill>
+              <a:latin typeface="Times New Roman" panose="02020603050405020304" pitchFamily="18" charset="0"/>
+              <a:cs typeface="Times New Roman" panose="02020603050405020304" pitchFamily="18" charset="0"/>
+            </a:endParaRPr>
+          </a:p>
+          <a:p>
+            <a:pPr marL="0" indent="0" algn="just">
+              <a:buNone/>
+            </a:pPr>
+            <a:r>
+              <a:rPr lang="pt-BR" sz="2000" dirty="0">
+                <a:solidFill>
+                  <a:schemeClr val="tx1"/>
+                </a:solidFill>
+                <a:latin typeface="Times New Roman" panose="02020603050405020304" pitchFamily="18" charset="0"/>
+                <a:cs typeface="Times New Roman" panose="02020603050405020304" pitchFamily="18" charset="0"/>
+              </a:rPr>
+              <a:t> 	$('#</a:t>
+            </a:r>
+            <a:r>
+              <a:rPr lang="pt-BR" sz="2000" b="1" dirty="0">
+                <a:solidFill>
+                  <a:schemeClr val="tx1"/>
+                </a:solidFill>
+                <a:latin typeface="Times New Roman" panose="02020603050405020304" pitchFamily="18" charset="0"/>
+                <a:cs typeface="Times New Roman" panose="02020603050405020304" pitchFamily="18" charset="0"/>
+              </a:rPr>
+              <a:t>inputButton13</a:t>
+            </a:r>
+            <a:r>
+              <a:rPr lang="pt-BR" sz="2000" dirty="0">
+                <a:solidFill>
+                  <a:schemeClr val="tx1"/>
+                </a:solidFill>
+                <a:latin typeface="Times New Roman" panose="02020603050405020304" pitchFamily="18" charset="0"/>
+                <a:cs typeface="Times New Roman" panose="02020603050405020304" pitchFamily="18" charset="0"/>
+              </a:rPr>
+              <a:t>').click(</a:t>
+            </a:r>
+            <a:r>
+              <a:rPr lang="pt-BR" sz="2000" dirty="0" err="1">
+                <a:solidFill>
+                  <a:schemeClr val="tx1"/>
+                </a:solidFill>
+                <a:latin typeface="Times New Roman" panose="02020603050405020304" pitchFamily="18" charset="0"/>
+                <a:cs typeface="Times New Roman" panose="02020603050405020304" pitchFamily="18" charset="0"/>
+              </a:rPr>
+              <a:t>function</a:t>
+            </a:r>
+            <a:r>
+              <a:rPr lang="pt-BR" sz="2000" dirty="0">
+                <a:solidFill>
+                  <a:schemeClr val="tx1"/>
+                </a:solidFill>
+                <a:latin typeface="Times New Roman" panose="02020603050405020304" pitchFamily="18" charset="0"/>
+                <a:cs typeface="Times New Roman" panose="02020603050405020304" pitchFamily="18" charset="0"/>
+              </a:rPr>
+              <a:t> () {</a:t>
+            </a:r>
+          </a:p>
+          <a:p>
+            <a:pPr marL="0" indent="0" algn="just">
+              <a:buNone/>
+            </a:pPr>
+            <a:r>
+              <a:rPr lang="pt-BR" sz="2000" dirty="0">
+                <a:solidFill>
+                  <a:schemeClr val="tx1"/>
+                </a:solidFill>
+                <a:latin typeface="Times New Roman" panose="02020603050405020304" pitchFamily="18" charset="0"/>
+                <a:cs typeface="Times New Roman" panose="02020603050405020304" pitchFamily="18" charset="0"/>
+              </a:rPr>
+              <a:t>          </a:t>
+            </a:r>
+            <a:r>
+              <a:rPr lang="pt-BR" sz="2000" dirty="0" err="1">
+                <a:solidFill>
+                  <a:schemeClr val="tx1"/>
+                </a:solidFill>
+                <a:latin typeface="Times New Roman" panose="02020603050405020304" pitchFamily="18" charset="0"/>
+                <a:cs typeface="Times New Roman" panose="02020603050405020304" pitchFamily="18" charset="0"/>
+              </a:rPr>
+              <a:t>let</a:t>
+            </a:r>
+            <a:r>
+              <a:rPr lang="pt-BR" sz="2000" dirty="0">
+                <a:solidFill>
+                  <a:schemeClr val="tx1"/>
+                </a:solidFill>
+                <a:latin typeface="Times New Roman" panose="02020603050405020304" pitchFamily="18" charset="0"/>
+                <a:cs typeface="Times New Roman" panose="02020603050405020304" pitchFamily="18" charset="0"/>
+              </a:rPr>
+              <a:t> </a:t>
+            </a:r>
+            <a:r>
+              <a:rPr lang="pt-BR" sz="2000" dirty="0" err="1">
+                <a:solidFill>
+                  <a:schemeClr val="tx1"/>
+                </a:solidFill>
+                <a:latin typeface="Times New Roman" panose="02020603050405020304" pitchFamily="18" charset="0"/>
+                <a:cs typeface="Times New Roman" panose="02020603050405020304" pitchFamily="18" charset="0"/>
+              </a:rPr>
+              <a:t>larguraImg</a:t>
+            </a:r>
+            <a:r>
+              <a:rPr lang="pt-BR" sz="2000" dirty="0">
+                <a:solidFill>
+                  <a:schemeClr val="tx1"/>
+                </a:solidFill>
+                <a:latin typeface="Times New Roman" panose="02020603050405020304" pitchFamily="18" charset="0"/>
+                <a:cs typeface="Times New Roman" panose="02020603050405020304" pitchFamily="18" charset="0"/>
+              </a:rPr>
+              <a:t> = $('</a:t>
+            </a:r>
+            <a:r>
+              <a:rPr lang="pt-BR" sz="2000" dirty="0" err="1">
+                <a:solidFill>
+                  <a:schemeClr val="tx1"/>
+                </a:solidFill>
+                <a:latin typeface="Times New Roman" panose="02020603050405020304" pitchFamily="18" charset="0"/>
+                <a:cs typeface="Times New Roman" panose="02020603050405020304" pitchFamily="18" charset="0"/>
+              </a:rPr>
+              <a:t>img</a:t>
+            </a:r>
+            <a:r>
+              <a:rPr lang="pt-BR" sz="2000" dirty="0">
+                <a:solidFill>
+                  <a:schemeClr val="tx1"/>
+                </a:solidFill>
+                <a:latin typeface="Times New Roman" panose="02020603050405020304" pitchFamily="18" charset="0"/>
+                <a:cs typeface="Times New Roman" panose="02020603050405020304" pitchFamily="18" charset="0"/>
+              </a:rPr>
+              <a:t>').</a:t>
+            </a:r>
+            <a:r>
+              <a:rPr lang="pt-BR" sz="2000" dirty="0" err="1">
+                <a:solidFill>
+                  <a:schemeClr val="tx1"/>
+                </a:solidFill>
+                <a:latin typeface="Times New Roman" panose="02020603050405020304" pitchFamily="18" charset="0"/>
+                <a:cs typeface="Times New Roman" panose="02020603050405020304" pitchFamily="18" charset="0"/>
+              </a:rPr>
+              <a:t>width</a:t>
+            </a:r>
+            <a:r>
+              <a:rPr lang="pt-BR" sz="2000" dirty="0">
+                <a:solidFill>
+                  <a:schemeClr val="tx1"/>
+                </a:solidFill>
+                <a:latin typeface="Times New Roman" panose="02020603050405020304" pitchFamily="18" charset="0"/>
+                <a:cs typeface="Times New Roman" panose="02020603050405020304" pitchFamily="18" charset="0"/>
+              </a:rPr>
+              <a:t>();</a:t>
+            </a:r>
+          </a:p>
+          <a:p>
+            <a:pPr marL="0" indent="0" algn="just">
+              <a:buNone/>
+            </a:pPr>
+            <a:r>
+              <a:rPr lang="pt-BR" sz="2000" dirty="0">
+                <a:solidFill>
+                  <a:schemeClr val="tx1"/>
+                </a:solidFill>
+                <a:latin typeface="Times New Roman" panose="02020603050405020304" pitchFamily="18" charset="0"/>
+                <a:cs typeface="Times New Roman" panose="02020603050405020304" pitchFamily="18" charset="0"/>
+              </a:rPr>
+              <a:t>          </a:t>
+            </a:r>
+            <a:r>
+              <a:rPr lang="pt-BR" sz="2000" dirty="0" err="1">
+                <a:solidFill>
+                  <a:schemeClr val="tx1"/>
+                </a:solidFill>
+                <a:latin typeface="Times New Roman" panose="02020603050405020304" pitchFamily="18" charset="0"/>
+                <a:cs typeface="Times New Roman" panose="02020603050405020304" pitchFamily="18" charset="0"/>
+              </a:rPr>
+              <a:t>let</a:t>
+            </a:r>
+            <a:r>
+              <a:rPr lang="pt-BR" sz="2000" dirty="0">
+                <a:solidFill>
+                  <a:schemeClr val="tx1"/>
+                </a:solidFill>
+                <a:latin typeface="Times New Roman" panose="02020603050405020304" pitchFamily="18" charset="0"/>
+                <a:cs typeface="Times New Roman" panose="02020603050405020304" pitchFamily="18" charset="0"/>
+              </a:rPr>
+              <a:t> </a:t>
+            </a:r>
+            <a:r>
+              <a:rPr lang="pt-BR" sz="2000" dirty="0" err="1">
+                <a:solidFill>
+                  <a:schemeClr val="tx1"/>
+                </a:solidFill>
+                <a:latin typeface="Times New Roman" panose="02020603050405020304" pitchFamily="18" charset="0"/>
+                <a:cs typeface="Times New Roman" panose="02020603050405020304" pitchFamily="18" charset="0"/>
+              </a:rPr>
+              <a:t>alturaImg</a:t>
+            </a:r>
+            <a:r>
+              <a:rPr lang="pt-BR" sz="2000" dirty="0">
+                <a:solidFill>
+                  <a:schemeClr val="tx1"/>
+                </a:solidFill>
+                <a:latin typeface="Times New Roman" panose="02020603050405020304" pitchFamily="18" charset="0"/>
+                <a:cs typeface="Times New Roman" panose="02020603050405020304" pitchFamily="18" charset="0"/>
+              </a:rPr>
+              <a:t>  = $('</a:t>
+            </a:r>
+            <a:r>
+              <a:rPr lang="pt-BR" sz="2000" dirty="0" err="1">
+                <a:solidFill>
+                  <a:schemeClr val="tx1"/>
+                </a:solidFill>
+                <a:latin typeface="Times New Roman" panose="02020603050405020304" pitchFamily="18" charset="0"/>
+                <a:cs typeface="Times New Roman" panose="02020603050405020304" pitchFamily="18" charset="0"/>
+              </a:rPr>
+              <a:t>img</a:t>
+            </a:r>
+            <a:r>
+              <a:rPr lang="pt-BR" sz="2000" dirty="0">
+                <a:solidFill>
+                  <a:schemeClr val="tx1"/>
+                </a:solidFill>
+                <a:latin typeface="Times New Roman" panose="02020603050405020304" pitchFamily="18" charset="0"/>
+                <a:cs typeface="Times New Roman" panose="02020603050405020304" pitchFamily="18" charset="0"/>
+              </a:rPr>
+              <a:t>').</a:t>
+            </a:r>
+            <a:r>
+              <a:rPr lang="pt-BR" sz="2000" dirty="0" err="1">
+                <a:solidFill>
+                  <a:schemeClr val="tx1"/>
+                </a:solidFill>
+                <a:latin typeface="Times New Roman" panose="02020603050405020304" pitchFamily="18" charset="0"/>
+                <a:cs typeface="Times New Roman" panose="02020603050405020304" pitchFamily="18" charset="0"/>
+              </a:rPr>
+              <a:t>height</a:t>
+            </a:r>
+            <a:r>
+              <a:rPr lang="pt-BR" sz="2000" dirty="0">
+                <a:solidFill>
+                  <a:schemeClr val="tx1"/>
+                </a:solidFill>
+                <a:latin typeface="Times New Roman" panose="02020603050405020304" pitchFamily="18" charset="0"/>
+                <a:cs typeface="Times New Roman" panose="02020603050405020304" pitchFamily="18" charset="0"/>
+              </a:rPr>
+              <a:t>();</a:t>
+            </a:r>
+          </a:p>
+          <a:p>
+            <a:pPr marL="0" indent="0" algn="just">
+              <a:buNone/>
+            </a:pPr>
+            <a:endParaRPr lang="pt-BR" sz="2000" dirty="0">
+              <a:solidFill>
+                <a:schemeClr val="tx1"/>
+              </a:solidFill>
+              <a:latin typeface="Times New Roman" panose="02020603050405020304" pitchFamily="18" charset="0"/>
+              <a:cs typeface="Times New Roman" panose="02020603050405020304" pitchFamily="18" charset="0"/>
+            </a:endParaRPr>
+          </a:p>
+          <a:p>
+            <a:pPr marL="0" indent="0" algn="just">
+              <a:buNone/>
+            </a:pPr>
+            <a:r>
+              <a:rPr lang="pt-BR" sz="2000" dirty="0">
+                <a:solidFill>
+                  <a:schemeClr val="tx1"/>
+                </a:solidFill>
+                <a:latin typeface="Times New Roman" panose="02020603050405020304" pitchFamily="18" charset="0"/>
+                <a:cs typeface="Times New Roman" panose="02020603050405020304" pitchFamily="18" charset="0"/>
+              </a:rPr>
+              <a:t>          </a:t>
+            </a:r>
+            <a:r>
+              <a:rPr lang="pt-BR" sz="2000" b="1" dirty="0" err="1">
+                <a:solidFill>
+                  <a:schemeClr val="tx1"/>
+                </a:solidFill>
+                <a:latin typeface="Times New Roman" panose="02020603050405020304" pitchFamily="18" charset="0"/>
+                <a:cs typeface="Times New Roman" panose="02020603050405020304" pitchFamily="18" charset="0"/>
+              </a:rPr>
+              <a:t>alert</a:t>
+            </a:r>
+            <a:r>
+              <a:rPr lang="pt-BR" sz="2000" dirty="0">
+                <a:solidFill>
+                  <a:schemeClr val="tx1"/>
+                </a:solidFill>
+                <a:latin typeface="Times New Roman" panose="02020603050405020304" pitchFamily="18" charset="0"/>
+                <a:cs typeface="Times New Roman" panose="02020603050405020304" pitchFamily="18" charset="0"/>
+              </a:rPr>
+              <a:t>('largura </a:t>
+            </a:r>
+            <a:r>
+              <a:rPr lang="pt-BR" sz="2000" dirty="0" err="1">
+                <a:solidFill>
+                  <a:schemeClr val="tx1"/>
+                </a:solidFill>
+                <a:latin typeface="Times New Roman" panose="02020603050405020304" pitchFamily="18" charset="0"/>
+                <a:cs typeface="Times New Roman" panose="02020603050405020304" pitchFamily="18" charset="0"/>
+              </a:rPr>
+              <a:t>img</a:t>
+            </a:r>
+            <a:r>
+              <a:rPr lang="pt-BR" sz="2000" dirty="0">
+                <a:solidFill>
+                  <a:schemeClr val="tx1"/>
+                </a:solidFill>
+                <a:latin typeface="Times New Roman" panose="02020603050405020304" pitchFamily="18" charset="0"/>
+                <a:cs typeface="Times New Roman" panose="02020603050405020304" pitchFamily="18" charset="0"/>
+              </a:rPr>
+              <a:t>:' + </a:t>
+            </a:r>
+            <a:r>
+              <a:rPr lang="pt-BR" sz="2000" dirty="0" err="1">
+                <a:solidFill>
+                  <a:schemeClr val="tx1"/>
+                </a:solidFill>
+                <a:latin typeface="Times New Roman" panose="02020603050405020304" pitchFamily="18" charset="0"/>
+                <a:cs typeface="Times New Roman" panose="02020603050405020304" pitchFamily="18" charset="0"/>
+              </a:rPr>
+              <a:t>larguraImg</a:t>
+            </a:r>
+            <a:r>
+              <a:rPr lang="pt-BR" sz="2000" dirty="0">
+                <a:solidFill>
+                  <a:schemeClr val="tx1"/>
+                </a:solidFill>
+                <a:latin typeface="Times New Roman" panose="02020603050405020304" pitchFamily="18" charset="0"/>
+                <a:cs typeface="Times New Roman" panose="02020603050405020304" pitchFamily="18" charset="0"/>
+              </a:rPr>
+              <a:t> + ' </a:t>
+            </a:r>
+            <a:r>
+              <a:rPr lang="pt-BR" sz="2000" dirty="0" err="1">
+                <a:solidFill>
+                  <a:schemeClr val="tx1"/>
+                </a:solidFill>
+                <a:latin typeface="Times New Roman" panose="02020603050405020304" pitchFamily="18" charset="0"/>
+                <a:cs typeface="Times New Roman" panose="02020603050405020304" pitchFamily="18" charset="0"/>
+              </a:rPr>
+              <a:t>px</a:t>
+            </a:r>
+            <a:r>
+              <a:rPr lang="pt-BR" sz="2000" dirty="0">
+                <a:solidFill>
+                  <a:schemeClr val="tx1"/>
+                </a:solidFill>
+                <a:latin typeface="Times New Roman" panose="02020603050405020304" pitchFamily="18" charset="0"/>
+                <a:cs typeface="Times New Roman" panose="02020603050405020304" pitchFamily="18" charset="0"/>
+              </a:rPr>
+              <a:t>' + ' e altura:' + </a:t>
+            </a:r>
+            <a:r>
+              <a:rPr lang="pt-BR" sz="2000" dirty="0" err="1">
+                <a:solidFill>
+                  <a:schemeClr val="tx1"/>
+                </a:solidFill>
+                <a:latin typeface="Times New Roman" panose="02020603050405020304" pitchFamily="18" charset="0"/>
+                <a:cs typeface="Times New Roman" panose="02020603050405020304" pitchFamily="18" charset="0"/>
+              </a:rPr>
+              <a:t>alturaImg</a:t>
+            </a:r>
+            <a:r>
+              <a:rPr lang="pt-BR" sz="2000" dirty="0">
+                <a:solidFill>
+                  <a:schemeClr val="tx1"/>
+                </a:solidFill>
+                <a:latin typeface="Times New Roman" panose="02020603050405020304" pitchFamily="18" charset="0"/>
+                <a:cs typeface="Times New Roman" panose="02020603050405020304" pitchFamily="18" charset="0"/>
+              </a:rPr>
+              <a:t> + ' </a:t>
+            </a:r>
+            <a:r>
+              <a:rPr lang="pt-BR" sz="2000" dirty="0" err="1">
+                <a:solidFill>
+                  <a:schemeClr val="tx1"/>
+                </a:solidFill>
+                <a:latin typeface="Times New Roman" panose="02020603050405020304" pitchFamily="18" charset="0"/>
+                <a:cs typeface="Times New Roman" panose="02020603050405020304" pitchFamily="18" charset="0"/>
+              </a:rPr>
+              <a:t>px</a:t>
+            </a:r>
+            <a:r>
+              <a:rPr lang="pt-BR" sz="2000" dirty="0">
+                <a:solidFill>
+                  <a:schemeClr val="tx1"/>
+                </a:solidFill>
+                <a:latin typeface="Times New Roman" panose="02020603050405020304" pitchFamily="18" charset="0"/>
+                <a:cs typeface="Times New Roman" panose="02020603050405020304" pitchFamily="18" charset="0"/>
+              </a:rPr>
+              <a:t>');</a:t>
+            </a:r>
+          </a:p>
+          <a:p>
+            <a:pPr marL="0" indent="0" algn="just">
+              <a:buNone/>
+            </a:pPr>
+            <a:r>
+              <a:rPr lang="pt-BR" sz="2000" dirty="0">
+                <a:solidFill>
+                  <a:schemeClr val="tx1"/>
+                </a:solidFill>
+                <a:latin typeface="Times New Roman" panose="02020603050405020304" pitchFamily="18" charset="0"/>
+                <a:cs typeface="Times New Roman" panose="02020603050405020304" pitchFamily="18" charset="0"/>
+              </a:rPr>
+              <a:t>        });</a:t>
+            </a:r>
+          </a:p>
+        </p:txBody>
+      </p:sp>
+    </p:spTree>
+    <p:extLst>
+      <p:ext uri="{BB962C8B-B14F-4D97-AF65-F5344CB8AC3E}">
+        <p14:creationId xmlns:p14="http://schemas.microsoft.com/office/powerpoint/2010/main" val="1621879800"/>
+      </p:ext>
+    </p:extLst>
+  </p:cSld>
+  <p:clrMapOvr>
+    <a:masterClrMapping/>
+  </p:clrMapOvr>
+  <p:transition spd="med"/>
+</p:sld>
+</file>
+
+<file path=ppt/slides/slide25.xml><?xml version="1.0" encoding="utf-8"?>
+<p:sld xmlns:a="http://schemas.openxmlformats.org/drawingml/2006/main" xmlns:r="http://schemas.openxmlformats.org/officeDocument/2006/relationships" xmlns:p="http://schemas.openxmlformats.org/presentationml/2006/main">
+  <p:cSld>
+    <p:spTree>
+      <p:nvGrpSpPr>
+        <p:cNvPr id="1" name=""/>
+        <p:cNvGrpSpPr/>
+        <p:nvPr/>
+      </p:nvGrpSpPr>
+      <p:grpSpPr>
+        <a:xfrm>
+          <a:off x="0" y="0"/>
+          <a:ext cx="0" cy="0"/>
+          <a:chOff x="0" y="0"/>
+          <a:chExt cx="0" cy="0"/>
+        </a:xfrm>
+      </p:grpSpPr>
+      <p:sp>
+        <p:nvSpPr>
+          <p:cNvPr id="6" name="Title 1"/>
+          <p:cNvSpPr>
+            <a:spLocks noGrp="1"/>
+          </p:cNvSpPr>
+          <p:nvPr>
+            <p:ph type="title"/>
+          </p:nvPr>
+        </p:nvSpPr>
+        <p:spPr>
+          <a:xfrm>
+            <a:off x="457200" y="205980"/>
+            <a:ext cx="8229600" cy="857251"/>
+          </a:xfrm>
+        </p:spPr>
+        <p:txBody>
+          <a:bodyPr>
+            <a:normAutofit/>
+          </a:bodyPr>
+          <a:lstStyle/>
+          <a:p>
+            <a:r>
+              <a:rPr lang="en-US" b="1" dirty="0" err="1">
+                <a:solidFill>
+                  <a:srgbClr val="0070C0"/>
+                </a:solidFill>
+              </a:rPr>
+              <a:t>Leitura</a:t>
+            </a:r>
+            <a:r>
+              <a:rPr lang="en-US" b="1" dirty="0">
+                <a:solidFill>
+                  <a:srgbClr val="0070C0"/>
+                </a:solidFill>
+              </a:rPr>
+              <a:t> </a:t>
+            </a:r>
+            <a:r>
+              <a:rPr lang="en-US" b="1" dirty="0" err="1">
+                <a:solidFill>
+                  <a:srgbClr val="0070C0"/>
+                </a:solidFill>
+              </a:rPr>
+              <a:t>Específica</a:t>
+            </a:r>
+            <a:endParaRPr lang="en-US" b="1" dirty="0">
+              <a:solidFill>
+                <a:srgbClr val="0070C0"/>
+              </a:solidFill>
+            </a:endParaRPr>
+          </a:p>
+        </p:txBody>
+      </p:sp>
+      <p:sp>
+        <p:nvSpPr>
+          <p:cNvPr id="8" name="Text Placeholder 2"/>
+          <p:cNvSpPr>
+            <a:spLocks noGrp="1"/>
+          </p:cNvSpPr>
+          <p:nvPr>
+            <p:ph type="body" sz="half" idx="1"/>
+          </p:nvPr>
+        </p:nvSpPr>
+        <p:spPr>
+          <a:xfrm>
+            <a:off x="142865" y="1012261"/>
+            <a:ext cx="8865056" cy="3835312"/>
+          </a:xfrm>
+        </p:spPr>
+        <p:txBody>
+          <a:bodyPr>
+            <a:noAutofit/>
+          </a:bodyPr>
+          <a:lstStyle/>
+          <a:p>
+            <a:pPr marL="0" indent="0" algn="just">
+              <a:buNone/>
+            </a:pPr>
+            <a:r>
+              <a:rPr lang="pt-BR" sz="2000" dirty="0">
+                <a:latin typeface="Times New Roman" panose="02020603050405020304" pitchFamily="18" charset="0"/>
+                <a:cs typeface="Times New Roman" panose="02020603050405020304" pitchFamily="18" charset="0"/>
+              </a:rPr>
+              <a:t>[1] </a:t>
+            </a:r>
+            <a:r>
+              <a:rPr lang="pt-BR" sz="2000" b="1" dirty="0" err="1">
+                <a:latin typeface="Times New Roman" panose="02020603050405020304" pitchFamily="18" charset="0"/>
+                <a:cs typeface="Times New Roman" panose="02020603050405020304" pitchFamily="18" charset="0"/>
+              </a:rPr>
+              <a:t>JQuery</a:t>
+            </a:r>
+            <a:endParaRPr lang="pt-BR" sz="2000" dirty="0">
+              <a:latin typeface="Times New Roman" panose="02020603050405020304" pitchFamily="18" charset="0"/>
+              <a:cs typeface="Times New Roman" panose="02020603050405020304" pitchFamily="18" charset="0"/>
+            </a:endParaRPr>
+          </a:p>
+          <a:p>
+            <a:pPr marL="0" indent="0" algn="just">
+              <a:buNone/>
+            </a:pPr>
+            <a:r>
+              <a:rPr lang="pt-BR" sz="2000" b="1" dirty="0">
+                <a:latin typeface="Times New Roman" panose="02020603050405020304" pitchFamily="18" charset="0"/>
+                <a:cs typeface="Times New Roman" panose="02020603050405020304" pitchFamily="18" charset="0"/>
+              </a:rPr>
+              <a:t>	Disponível em</a:t>
+            </a:r>
+            <a:r>
+              <a:rPr lang="pt-BR" sz="2000" dirty="0">
+                <a:latin typeface="Times New Roman" panose="02020603050405020304" pitchFamily="18" charset="0"/>
+                <a:cs typeface="Times New Roman" panose="02020603050405020304" pitchFamily="18" charset="0"/>
+              </a:rPr>
+              <a:t>: </a:t>
+            </a:r>
+            <a:r>
+              <a:rPr lang="pt-BR" sz="2000" dirty="0">
+                <a:latin typeface="Times New Roman" panose="02020603050405020304" pitchFamily="18" charset="0"/>
+                <a:cs typeface="Times New Roman" panose="02020603050405020304" pitchFamily="18" charset="0"/>
+                <a:hlinkClick r:id="rId3"/>
+              </a:rPr>
+              <a:t>https://jquery.com/</a:t>
+            </a:r>
+            <a:endParaRPr lang="pt-BR" sz="2000" dirty="0">
+              <a:latin typeface="Times New Roman" panose="02020603050405020304" pitchFamily="18" charset="0"/>
+              <a:cs typeface="Times New Roman" panose="02020603050405020304" pitchFamily="18" charset="0"/>
+            </a:endParaRPr>
+          </a:p>
+          <a:p>
+            <a:pPr marL="0" indent="0" algn="just">
+              <a:buNone/>
+            </a:pPr>
+            <a:endParaRPr lang="pt-BR" sz="2000" dirty="0">
+              <a:latin typeface="Times New Roman" panose="02020603050405020304" pitchFamily="18" charset="0"/>
+              <a:cs typeface="Times New Roman" panose="02020603050405020304" pitchFamily="18" charset="0"/>
+            </a:endParaRPr>
+          </a:p>
+          <a:p>
+            <a:pPr marL="0" indent="0" algn="just">
+              <a:buNone/>
+            </a:pPr>
+            <a:r>
+              <a:rPr lang="pt-BR" sz="2000" dirty="0">
+                <a:latin typeface="Times New Roman" panose="02020603050405020304" pitchFamily="18" charset="0"/>
+                <a:cs typeface="Times New Roman" panose="02020603050405020304" pitchFamily="18" charset="0"/>
+              </a:rPr>
+              <a:t>[2] </a:t>
+            </a:r>
+            <a:r>
+              <a:rPr lang="pt-BR" sz="2000" b="1" dirty="0">
+                <a:latin typeface="Times New Roman" panose="02020603050405020304" pitchFamily="18" charset="0"/>
+                <a:cs typeface="Times New Roman" panose="02020603050405020304" pitchFamily="18" charset="0"/>
+              </a:rPr>
+              <a:t>Devmedia</a:t>
+            </a:r>
+          </a:p>
+          <a:p>
+            <a:pPr marL="0" indent="0" algn="just">
+              <a:buNone/>
+            </a:pPr>
+            <a:r>
+              <a:rPr lang="pt-BR" sz="2000" dirty="0">
+                <a:latin typeface="Times New Roman" panose="02020603050405020304" pitchFamily="18" charset="0"/>
+                <a:cs typeface="Times New Roman" panose="02020603050405020304" pitchFamily="18" charset="0"/>
+              </a:rPr>
+              <a:t>	</a:t>
+            </a:r>
+            <a:r>
+              <a:rPr lang="pt-BR" sz="2000" b="1" dirty="0">
+                <a:latin typeface="Times New Roman" panose="02020603050405020304" pitchFamily="18" charset="0"/>
+                <a:cs typeface="Times New Roman" panose="02020603050405020304" pitchFamily="18" charset="0"/>
+              </a:rPr>
+              <a:t> Disponível em</a:t>
+            </a:r>
+            <a:r>
+              <a:rPr lang="pt-BR" sz="2000" dirty="0">
+                <a:latin typeface="Times New Roman" panose="02020603050405020304" pitchFamily="18" charset="0"/>
+                <a:cs typeface="Times New Roman" panose="02020603050405020304" pitchFamily="18" charset="0"/>
+              </a:rPr>
+              <a:t>: </a:t>
+            </a:r>
+            <a:r>
+              <a:rPr lang="pt-BR" sz="2000" dirty="0">
+                <a:latin typeface="Times New Roman" panose="02020603050405020304" pitchFamily="18" charset="0"/>
+                <a:cs typeface="Times New Roman" panose="02020603050405020304" pitchFamily="18" charset="0"/>
+                <a:hlinkClick r:id="rId4"/>
+              </a:rPr>
+              <a:t>https://www.devmedia.com.br/jquery-tutorial/27299</a:t>
+            </a:r>
+            <a:endParaRPr lang="pt-BR" sz="2000" dirty="0">
+              <a:latin typeface="Times New Roman" panose="02020603050405020304" pitchFamily="18" charset="0"/>
+              <a:cs typeface="Times New Roman" panose="02020603050405020304" pitchFamily="18" charset="0"/>
+            </a:endParaRPr>
+          </a:p>
+          <a:p>
+            <a:pPr marL="0" indent="0" algn="just">
+              <a:buNone/>
+            </a:pPr>
+            <a:endParaRPr lang="pt-BR" sz="2000" dirty="0">
+              <a:latin typeface="Times New Roman" panose="02020603050405020304" pitchFamily="18" charset="0"/>
+              <a:cs typeface="Times New Roman" panose="02020603050405020304" pitchFamily="18" charset="0"/>
+            </a:endParaRPr>
+          </a:p>
+          <a:p>
+            <a:pPr marL="0" indent="0" algn="just">
+              <a:buNone/>
+            </a:pPr>
+            <a:r>
+              <a:rPr lang="pt-BR" sz="2000" dirty="0">
+                <a:latin typeface="Times New Roman" panose="02020603050405020304" pitchFamily="18" charset="0"/>
+                <a:cs typeface="Times New Roman" panose="02020603050405020304" pitchFamily="18" charset="0"/>
+              </a:rPr>
+              <a:t>[3] </a:t>
+            </a:r>
+            <a:r>
+              <a:rPr lang="pt-BR" sz="2000" b="1" dirty="0">
+                <a:latin typeface="Times New Roman" panose="02020603050405020304" pitchFamily="18" charset="0"/>
+                <a:cs typeface="Times New Roman" panose="02020603050405020304" pitchFamily="18" charset="0"/>
+              </a:rPr>
+              <a:t>W3Schools</a:t>
+            </a:r>
+          </a:p>
+          <a:p>
+            <a:pPr marL="0" indent="0" algn="just">
+              <a:buNone/>
+            </a:pPr>
+            <a:r>
+              <a:rPr lang="pt-BR" sz="2000" dirty="0">
+                <a:latin typeface="Times New Roman" panose="02020603050405020304" pitchFamily="18" charset="0"/>
+                <a:cs typeface="Times New Roman" panose="02020603050405020304" pitchFamily="18" charset="0"/>
+              </a:rPr>
+              <a:t>	</a:t>
+            </a:r>
+            <a:r>
+              <a:rPr lang="pt-BR" sz="2000" b="1" dirty="0">
+                <a:latin typeface="Times New Roman" panose="02020603050405020304" pitchFamily="18" charset="0"/>
+                <a:cs typeface="Times New Roman" panose="02020603050405020304" pitchFamily="18" charset="0"/>
+              </a:rPr>
+              <a:t> Disponível em</a:t>
+            </a:r>
+            <a:r>
+              <a:rPr lang="pt-BR" sz="2000" dirty="0">
+                <a:latin typeface="Times New Roman" panose="02020603050405020304" pitchFamily="18" charset="0"/>
+                <a:cs typeface="Times New Roman" panose="02020603050405020304" pitchFamily="18" charset="0"/>
+              </a:rPr>
+              <a:t>: </a:t>
+            </a:r>
+            <a:r>
+              <a:rPr lang="pt-BR" sz="2000" dirty="0">
+                <a:latin typeface="Times New Roman" panose="02020603050405020304" pitchFamily="18" charset="0"/>
+                <a:cs typeface="Times New Roman" panose="02020603050405020304" pitchFamily="18" charset="0"/>
+                <a:hlinkClick r:id="rId5"/>
+              </a:rPr>
+              <a:t>https://www.w3schools.com/jquery/default.asp</a:t>
+            </a:r>
+            <a:endParaRPr lang="pt-BR" sz="2000" dirty="0">
+              <a:latin typeface="Times New Roman" panose="02020603050405020304" pitchFamily="18" charset="0"/>
+              <a:cs typeface="Times New Roman" panose="02020603050405020304" pitchFamily="18" charset="0"/>
+            </a:endParaRPr>
+          </a:p>
+          <a:p>
+            <a:pPr marL="0" indent="0" algn="just">
+              <a:buNone/>
+            </a:pPr>
+            <a:endParaRPr lang="pt-BR" sz="2000" dirty="0">
+              <a:latin typeface="Times New Roman" panose="02020603050405020304" pitchFamily="18" charset="0"/>
+              <a:cs typeface="Times New Roman" panose="02020603050405020304" pitchFamily="18" charset="0"/>
+            </a:endParaRPr>
+          </a:p>
+        </p:txBody>
+      </p:sp>
+    </p:spTree>
+    <p:extLst>
+      <p:ext uri="{BB962C8B-B14F-4D97-AF65-F5344CB8AC3E}">
+        <p14:creationId xmlns:p14="http://schemas.microsoft.com/office/powerpoint/2010/main" val="3680270425"/>
+      </p:ext>
+    </p:extLst>
+  </p:cSld>
+  <p:clrMapOvr>
+    <a:masterClrMapping/>
+  </p:clrMapOvr>
+  <p:transition spd="med"/>
+</p:sld>
+</file>
+
+<file path=ppt/slides/slide26.xml><?xml version="1.0" encoding="utf-8"?>
+<p:sld xmlns:a="http://schemas.openxmlformats.org/drawingml/2006/main" xmlns:r="http://schemas.openxmlformats.org/officeDocument/2006/relationships" xmlns:p="http://schemas.openxmlformats.org/presentationml/2006/main">
+  <p:cSld>
+    <p:spTree>
+      <p:nvGrpSpPr>
+        <p:cNvPr id="1" name=""/>
+        <p:cNvGrpSpPr/>
+        <p:nvPr/>
+      </p:nvGrpSpPr>
+      <p:grpSpPr>
+        <a:xfrm>
+          <a:off x="0" y="0"/>
+          <a:ext cx="0" cy="0"/>
+          <a:chOff x="0" y="0"/>
+          <a:chExt cx="0" cy="0"/>
+        </a:xfrm>
+      </p:grpSpPr>
+      <p:sp>
+        <p:nvSpPr>
+          <p:cNvPr id="6" name="Title 1"/>
+          <p:cNvSpPr>
+            <a:spLocks noGrp="1"/>
+          </p:cNvSpPr>
+          <p:nvPr>
+            <p:ph type="title"/>
+          </p:nvPr>
+        </p:nvSpPr>
+        <p:spPr>
+          <a:xfrm>
+            <a:off x="457200" y="205980"/>
+            <a:ext cx="8229600" cy="857251"/>
+          </a:xfrm>
+        </p:spPr>
+        <p:txBody>
+          <a:bodyPr>
+            <a:normAutofit/>
+          </a:bodyPr>
+          <a:lstStyle/>
+          <a:p>
+            <a:r>
+              <a:rPr lang="en-US" b="1" dirty="0" err="1">
+                <a:solidFill>
+                  <a:srgbClr val="0070C0"/>
+                </a:solidFill>
+              </a:rPr>
+              <a:t>Aprenda</a:t>
+            </a:r>
+            <a:r>
+              <a:rPr lang="en-US" b="1" dirty="0">
+                <a:solidFill>
+                  <a:srgbClr val="0070C0"/>
+                </a:solidFill>
+              </a:rPr>
+              <a:t>+</a:t>
+            </a:r>
+          </a:p>
+        </p:txBody>
+      </p:sp>
+      <p:sp>
+        <p:nvSpPr>
+          <p:cNvPr id="8" name="Text Placeholder 2"/>
+          <p:cNvSpPr>
+            <a:spLocks noGrp="1"/>
+          </p:cNvSpPr>
+          <p:nvPr>
+            <p:ph type="body" sz="half" idx="1"/>
+          </p:nvPr>
+        </p:nvSpPr>
+        <p:spPr>
+          <a:xfrm>
+            <a:off x="142865" y="1200151"/>
+            <a:ext cx="8865056" cy="3394472"/>
+          </a:xfrm>
+        </p:spPr>
+        <p:txBody>
+          <a:bodyPr>
+            <a:noAutofit/>
+          </a:bodyPr>
+          <a:lstStyle/>
+          <a:p>
+            <a:pPr marL="0" indent="0" algn="just">
+              <a:buNone/>
+            </a:pPr>
+            <a:endParaRPr lang="pt-BR" sz="2400" dirty="0">
+              <a:latin typeface="Times New Roman" panose="02020603050405020304" pitchFamily="18" charset="0"/>
+              <a:cs typeface="Times New Roman" panose="02020603050405020304" pitchFamily="18" charset="0"/>
+            </a:endParaRPr>
+          </a:p>
+          <a:p>
+            <a:pPr marL="0" indent="0" algn="just">
+              <a:buNone/>
+            </a:pPr>
+            <a:r>
+              <a:rPr lang="pt-BR" sz="2400" dirty="0">
+                <a:latin typeface="Times New Roman" panose="02020603050405020304" pitchFamily="18" charset="0"/>
+                <a:cs typeface="Times New Roman" panose="02020603050405020304" pitchFamily="18" charset="0"/>
+              </a:rPr>
+              <a:t>[1] </a:t>
+            </a:r>
+            <a:r>
+              <a:rPr lang="pt-BR" sz="2400" dirty="0">
+                <a:latin typeface="Times New Roman" panose="02020603050405020304" pitchFamily="18" charset="0"/>
+                <a:cs typeface="Times New Roman" panose="02020603050405020304" pitchFamily="18" charset="0"/>
+                <a:hlinkClick r:id="rId3"/>
+              </a:rPr>
+              <a:t>https://www.youtube.com/watch?v=ncbYP5Whtso</a:t>
+            </a:r>
+            <a:endParaRPr lang="pt-BR" sz="2400" dirty="0">
+              <a:latin typeface="Times New Roman" panose="02020603050405020304" pitchFamily="18" charset="0"/>
+              <a:cs typeface="Times New Roman" panose="02020603050405020304" pitchFamily="18" charset="0"/>
+            </a:endParaRPr>
+          </a:p>
+          <a:p>
+            <a:pPr marL="0" indent="0" algn="just">
+              <a:buNone/>
+            </a:pPr>
+            <a:endParaRPr lang="pt-BR" sz="2400" dirty="0">
+              <a:latin typeface="Times New Roman" panose="02020603050405020304" pitchFamily="18" charset="0"/>
+              <a:cs typeface="Times New Roman" panose="02020603050405020304" pitchFamily="18" charset="0"/>
+            </a:endParaRPr>
+          </a:p>
+          <a:p>
+            <a:pPr marL="0" indent="0" algn="just">
+              <a:buNone/>
+            </a:pPr>
+            <a:endParaRPr lang="pt-BR" sz="2400" dirty="0">
+              <a:latin typeface="Times New Roman" panose="02020603050405020304" pitchFamily="18" charset="0"/>
+              <a:cs typeface="Times New Roman" panose="02020603050405020304" pitchFamily="18" charset="0"/>
+            </a:endParaRPr>
+          </a:p>
+          <a:p>
+            <a:pPr marL="0" indent="0" algn="just">
+              <a:buNone/>
+            </a:pPr>
+            <a:r>
+              <a:rPr lang="pt-BR" sz="2400" dirty="0">
+                <a:latin typeface="Times New Roman" panose="02020603050405020304" pitchFamily="18" charset="0"/>
+                <a:cs typeface="Times New Roman" panose="02020603050405020304" pitchFamily="18" charset="0"/>
+              </a:rPr>
+              <a:t>[2] </a:t>
+            </a:r>
+            <a:r>
+              <a:rPr lang="pt-BR" sz="2400" dirty="0">
+                <a:latin typeface="Times New Roman" panose="02020603050405020304" pitchFamily="18" charset="0"/>
+                <a:cs typeface="Times New Roman" panose="02020603050405020304" pitchFamily="18" charset="0"/>
+                <a:hlinkClick r:id="rId4"/>
+              </a:rPr>
+              <a:t>https://www.alura.com.br/conteudo/jquery-a-biblioteca-do-mercado</a:t>
+            </a:r>
+            <a:r>
+              <a:rPr lang="pt-BR" sz="2400" dirty="0">
+                <a:latin typeface="Times New Roman" panose="02020603050405020304" pitchFamily="18" charset="0"/>
+                <a:cs typeface="Times New Roman" panose="02020603050405020304" pitchFamily="18" charset="0"/>
+              </a:rPr>
+              <a:t> </a:t>
+            </a:r>
+          </a:p>
+          <a:p>
+            <a:pPr marL="0" indent="0" algn="just">
+              <a:buNone/>
+            </a:pPr>
+            <a:endParaRPr lang="pt-BR" sz="2400" dirty="0">
+              <a:latin typeface="Times New Roman" panose="02020603050405020304" pitchFamily="18" charset="0"/>
+              <a:cs typeface="Times New Roman" panose="02020603050405020304" pitchFamily="18" charset="0"/>
+            </a:endParaRPr>
+          </a:p>
+          <a:p>
+            <a:pPr marL="0" indent="0" algn="just">
+              <a:buNone/>
+            </a:pPr>
+            <a:endParaRPr lang="pt-BR" sz="2400" dirty="0">
+              <a:latin typeface="Times New Roman" panose="02020603050405020304" pitchFamily="18" charset="0"/>
+              <a:cs typeface="Times New Roman" panose="02020603050405020304" pitchFamily="18" charset="0"/>
+            </a:endParaRPr>
+          </a:p>
+          <a:p>
+            <a:pPr marL="0" indent="0" algn="just">
+              <a:buNone/>
+            </a:pPr>
+            <a:endParaRPr lang="pt-BR" sz="2400" dirty="0">
+              <a:latin typeface="Times New Roman" panose="02020603050405020304" pitchFamily="18" charset="0"/>
+              <a:cs typeface="Times New Roman" panose="02020603050405020304" pitchFamily="18" charset="0"/>
+            </a:endParaRPr>
+          </a:p>
+          <a:p>
+            <a:pPr marL="0" indent="0" algn="just">
+              <a:buNone/>
+            </a:pPr>
+            <a:endParaRPr lang="pt-BR" sz="2400" dirty="0">
+              <a:latin typeface="Times New Roman" panose="02020603050405020304" pitchFamily="18" charset="0"/>
+              <a:cs typeface="Times New Roman" panose="02020603050405020304" pitchFamily="18" charset="0"/>
+            </a:endParaRPr>
+          </a:p>
+        </p:txBody>
+      </p:sp>
+    </p:spTree>
+    <p:extLst>
+      <p:ext uri="{BB962C8B-B14F-4D97-AF65-F5344CB8AC3E}">
+        <p14:creationId xmlns:p14="http://schemas.microsoft.com/office/powerpoint/2010/main" val="2747596967"/>
+      </p:ext>
+    </p:extLst>
+  </p:cSld>
+  <p:clrMapOvr>
+    <a:masterClrMapping/>
+  </p:clrMapOvr>
+  <p:transition spd="med"/>
+</p:sld>
+</file>
+
+<file path=ppt/slides/slide27.xml><?xml version="1.0" encoding="utf-8"?>
+<p:sld xmlns:a="http://schemas.openxmlformats.org/drawingml/2006/main" xmlns:r="http://schemas.openxmlformats.org/officeDocument/2006/relationships" xmlns:p="http://schemas.openxmlformats.org/presentationml/2006/main">
+  <p:cSld>
+    <p:spTree>
+      <p:nvGrpSpPr>
+        <p:cNvPr id="1" name=""/>
+        <p:cNvGrpSpPr/>
+        <p:nvPr/>
+      </p:nvGrpSpPr>
+      <p:grpSpPr>
+        <a:xfrm>
+          <a:off x="0" y="0"/>
+          <a:ext cx="0" cy="0"/>
+          <a:chOff x="0" y="0"/>
+          <a:chExt cx="0" cy="0"/>
+        </a:xfrm>
+      </p:grpSpPr>
+      <p:sp>
+        <p:nvSpPr>
+          <p:cNvPr id="6" name="Title 1"/>
+          <p:cNvSpPr>
+            <a:spLocks noGrp="1"/>
+          </p:cNvSpPr>
+          <p:nvPr>
+            <p:ph type="title"/>
+          </p:nvPr>
+        </p:nvSpPr>
+        <p:spPr>
+          <a:xfrm>
+            <a:off x="457200" y="205980"/>
+            <a:ext cx="8229600" cy="857251"/>
+          </a:xfrm>
+        </p:spPr>
+        <p:txBody>
+          <a:bodyPr>
+            <a:normAutofit/>
+          </a:bodyPr>
+          <a:lstStyle/>
+          <a:p>
+            <a:r>
+              <a:rPr lang="en-US" b="1" dirty="0" err="1">
+                <a:solidFill>
+                  <a:srgbClr val="0070C0"/>
+                </a:solidFill>
+              </a:rPr>
+              <a:t>Dinâmica</a:t>
+            </a:r>
+            <a:r>
+              <a:rPr lang="en-US" b="1" dirty="0">
+                <a:solidFill>
+                  <a:srgbClr val="0070C0"/>
+                </a:solidFill>
+              </a:rPr>
+              <a:t>/</a:t>
+            </a:r>
+            <a:r>
+              <a:rPr lang="en-US" b="1" dirty="0" err="1">
+                <a:solidFill>
+                  <a:srgbClr val="0070C0"/>
+                </a:solidFill>
+              </a:rPr>
+              <a:t>Atividades</a:t>
+            </a:r>
+            <a:endParaRPr lang="en-US" b="1" dirty="0">
+              <a:solidFill>
+                <a:srgbClr val="0070C0"/>
+              </a:solidFill>
+            </a:endParaRPr>
+          </a:p>
+        </p:txBody>
+      </p:sp>
+      <p:sp>
+        <p:nvSpPr>
+          <p:cNvPr id="8" name="Text Placeholder 2"/>
+          <p:cNvSpPr>
+            <a:spLocks noGrp="1"/>
+          </p:cNvSpPr>
+          <p:nvPr>
+            <p:ph type="body" sz="half" idx="1"/>
+          </p:nvPr>
+        </p:nvSpPr>
+        <p:spPr>
+          <a:xfrm>
+            <a:off x="139472" y="1063230"/>
+            <a:ext cx="8865056" cy="3606305"/>
+          </a:xfrm>
+        </p:spPr>
+        <p:txBody>
+          <a:bodyPr>
+            <a:noAutofit/>
+          </a:bodyPr>
+          <a:lstStyle/>
+          <a:p>
+            <a:pPr algn="just">
+              <a:buFontTx/>
+              <a:buChar char="-"/>
+            </a:pPr>
+            <a:r>
+              <a:rPr lang="pt-BR" dirty="0">
+                <a:latin typeface="Times New Roman" panose="02020603050405020304" pitchFamily="18" charset="0"/>
+                <a:cs typeface="Times New Roman" panose="02020603050405020304" pitchFamily="18" charset="0"/>
+              </a:rPr>
+              <a:t>Exercícios de Fixação </a:t>
+            </a:r>
+            <a:r>
+              <a:rPr lang="pt-BR" b="1" dirty="0" err="1">
+                <a:latin typeface="Times New Roman" panose="02020603050405020304" pitchFamily="18" charset="0"/>
+                <a:cs typeface="Times New Roman" panose="02020603050405020304" pitchFamily="18" charset="0"/>
+              </a:rPr>
+              <a:t>JQuery</a:t>
+            </a:r>
+            <a:endParaRPr lang="pt-BR" b="1" dirty="0">
+              <a:latin typeface="Times New Roman" panose="02020603050405020304" pitchFamily="18" charset="0"/>
+              <a:cs typeface="Times New Roman" panose="02020603050405020304" pitchFamily="18" charset="0"/>
+            </a:endParaRPr>
+          </a:p>
+          <a:p>
+            <a:pPr marL="0" indent="0" algn="just">
+              <a:buNone/>
+            </a:pPr>
+            <a:r>
+              <a:rPr lang="pt-BR" dirty="0">
+                <a:latin typeface="Times New Roman" panose="02020603050405020304" pitchFamily="18" charset="0"/>
+                <a:cs typeface="Times New Roman" panose="02020603050405020304" pitchFamily="18" charset="0"/>
+              </a:rPr>
+              <a:t>	</a:t>
+            </a:r>
+            <a:r>
+              <a:rPr lang="pt-BR" b="1" dirty="0">
+                <a:solidFill>
+                  <a:srgbClr val="FF0000"/>
+                </a:solidFill>
+                <a:latin typeface="Times New Roman" panose="02020603050405020304" pitchFamily="18" charset="0"/>
+                <a:cs typeface="Times New Roman" panose="02020603050405020304" pitchFamily="18" charset="0"/>
+              </a:rPr>
+              <a:t>Desafio em Sala de Aula</a:t>
+            </a:r>
+            <a:r>
+              <a:rPr lang="pt-BR" dirty="0">
+                <a:latin typeface="Times New Roman" panose="02020603050405020304" pitchFamily="18" charset="0"/>
+                <a:cs typeface="Times New Roman" panose="02020603050405020304" pitchFamily="18" charset="0"/>
+              </a:rPr>
+              <a:t>.</a:t>
+            </a:r>
+          </a:p>
+          <a:p>
+            <a:pPr marL="0" indent="0" algn="just">
+              <a:buNone/>
+            </a:pPr>
+            <a:r>
+              <a:rPr lang="pt-BR" dirty="0">
+                <a:latin typeface="Times New Roman" panose="02020603050405020304" pitchFamily="18" charset="0"/>
+                <a:cs typeface="Times New Roman" panose="02020603050405020304" pitchFamily="18" charset="0"/>
+              </a:rPr>
+              <a:t>		</a:t>
+            </a:r>
+          </a:p>
+          <a:p>
+            <a:pPr marL="0" indent="0" algn="just">
+              <a:buNone/>
+            </a:pPr>
+            <a:r>
+              <a:rPr lang="es-ES" dirty="0">
+                <a:latin typeface="Times New Roman" panose="02020603050405020304" pitchFamily="18" charset="0"/>
+                <a:cs typeface="Times New Roman" panose="02020603050405020304" pitchFamily="18" charset="0"/>
+              </a:rPr>
+              <a:t>- Quiz JQuery</a:t>
+            </a:r>
+          </a:p>
+          <a:p>
+            <a:pPr marL="0" indent="0" algn="just">
+              <a:buNone/>
+            </a:pPr>
+            <a:r>
+              <a:rPr lang="es-ES" dirty="0">
+                <a:latin typeface="Times New Roman" panose="02020603050405020304" pitchFamily="18" charset="0"/>
+                <a:cs typeface="Times New Roman" panose="02020603050405020304" pitchFamily="18" charset="0"/>
+                <a:hlinkClick r:id="rId3"/>
+              </a:rPr>
+              <a:t>https://www.w3schools.com/jquery/jquery_quiz.asp</a:t>
+            </a:r>
+            <a:endParaRPr lang="es-ES" dirty="0">
+              <a:latin typeface="Times New Roman" panose="02020603050405020304" pitchFamily="18" charset="0"/>
+              <a:cs typeface="Times New Roman" panose="02020603050405020304" pitchFamily="18" charset="0"/>
+            </a:endParaRPr>
+          </a:p>
+          <a:p>
+            <a:pPr marL="0" indent="0" algn="just">
+              <a:buNone/>
+            </a:pPr>
+            <a:endParaRPr lang="pt-BR" dirty="0">
+              <a:latin typeface="Calibri" panose="020F0502020204030204" pitchFamily="34" charset="0"/>
+            </a:endParaRPr>
+          </a:p>
+        </p:txBody>
+      </p:sp>
+    </p:spTree>
+    <p:extLst>
+      <p:ext uri="{BB962C8B-B14F-4D97-AF65-F5344CB8AC3E}">
+        <p14:creationId xmlns:p14="http://schemas.microsoft.com/office/powerpoint/2010/main" val="2470652989"/>
+      </p:ext>
+    </p:extLst>
+  </p:cSld>
+  <p:clrMapOvr>
+    <a:masterClrMapping/>
+  </p:clrMapOvr>
+  <p:transition spd="med"/>
+</p:sld>
+</file>
+
+<file path=ppt/slides/slide28.xml><?xml version="1.0" encoding="utf-8"?>
+<p:sld xmlns:a="http://schemas.openxmlformats.org/drawingml/2006/main" xmlns:r="http://schemas.openxmlformats.org/officeDocument/2006/relationships" xmlns:p="http://schemas.openxmlformats.org/presentationml/2006/main">
+  <p:cSld>
+    <p:spTree>
+      <p:nvGrpSpPr>
+        <p:cNvPr id="1" name=""/>
+        <p:cNvGrpSpPr/>
+        <p:nvPr/>
+      </p:nvGrpSpPr>
+      <p:grpSpPr>
+        <a:xfrm>
+          <a:off x="0" y="0"/>
+          <a:ext cx="0" cy="0"/>
+          <a:chOff x="0" y="0"/>
+          <a:chExt cx="0" cy="0"/>
+        </a:xfrm>
+      </p:grpSpPr>
+      <p:sp>
+        <p:nvSpPr>
+          <p:cNvPr id="6" name="Title 1"/>
+          <p:cNvSpPr>
+            <a:spLocks noGrp="1"/>
+          </p:cNvSpPr>
+          <p:nvPr>
+            <p:ph type="title"/>
+          </p:nvPr>
+        </p:nvSpPr>
+        <p:spPr>
+          <a:xfrm>
+            <a:off x="457200" y="205980"/>
+            <a:ext cx="8229600" cy="857251"/>
+          </a:xfrm>
+        </p:spPr>
+        <p:txBody>
+          <a:bodyPr>
+            <a:normAutofit/>
+          </a:bodyPr>
+          <a:lstStyle/>
+          <a:p>
+            <a:r>
+              <a:rPr lang="en-US" b="1" dirty="0" err="1">
+                <a:solidFill>
+                  <a:srgbClr val="0070C0"/>
+                </a:solidFill>
+              </a:rPr>
+              <a:t>Referências</a:t>
+            </a:r>
+            <a:r>
+              <a:rPr lang="en-US" b="1" dirty="0">
+                <a:solidFill>
+                  <a:srgbClr val="0070C0"/>
+                </a:solidFill>
+              </a:rPr>
+              <a:t> </a:t>
+            </a:r>
+            <a:r>
+              <a:rPr lang="en-US" b="1" dirty="0" err="1">
+                <a:solidFill>
+                  <a:srgbClr val="0070C0"/>
+                </a:solidFill>
+              </a:rPr>
+              <a:t>Bibliográficas</a:t>
+            </a:r>
+            <a:endParaRPr lang="en-US" b="1" dirty="0">
+              <a:solidFill>
+                <a:srgbClr val="0070C0"/>
+              </a:solidFill>
+            </a:endParaRPr>
+          </a:p>
+        </p:txBody>
+      </p:sp>
+      <p:sp>
+        <p:nvSpPr>
+          <p:cNvPr id="8" name="Text Placeholder 2"/>
+          <p:cNvSpPr>
+            <a:spLocks noGrp="1"/>
+          </p:cNvSpPr>
+          <p:nvPr>
+            <p:ph type="body" sz="half" idx="1"/>
+          </p:nvPr>
+        </p:nvSpPr>
+        <p:spPr>
+          <a:xfrm>
+            <a:off x="142865" y="1200151"/>
+            <a:ext cx="8865056" cy="3394472"/>
+          </a:xfrm>
+        </p:spPr>
+        <p:txBody>
+          <a:bodyPr>
+            <a:noAutofit/>
+          </a:bodyPr>
+          <a:lstStyle/>
+          <a:p>
+            <a:pPr marL="0" indent="0" algn="just">
+              <a:buNone/>
+            </a:pPr>
+            <a:endParaRPr lang="pt-BR" sz="2400" dirty="0">
+              <a:latin typeface="Times New Roman" panose="02020603050405020304" pitchFamily="18" charset="0"/>
+              <a:cs typeface="Times New Roman" panose="02020603050405020304" pitchFamily="18" charset="0"/>
+            </a:endParaRPr>
+          </a:p>
+          <a:p>
+            <a:pPr marL="0" indent="0" algn="just">
+              <a:buNone/>
+            </a:pPr>
+            <a:r>
+              <a:rPr lang="pt-BR" sz="2400" dirty="0">
+                <a:latin typeface="Times New Roman" panose="02020603050405020304" pitchFamily="18" charset="0"/>
+                <a:cs typeface="Times New Roman" panose="02020603050405020304" pitchFamily="18" charset="0"/>
+              </a:rPr>
+              <a:t>[1] BIBEAULT, </a:t>
+            </a:r>
+            <a:r>
+              <a:rPr lang="pt-BR" sz="2400" dirty="0" err="1">
+                <a:latin typeface="Times New Roman" panose="02020603050405020304" pitchFamily="18" charset="0"/>
+                <a:cs typeface="Times New Roman" panose="02020603050405020304" pitchFamily="18" charset="0"/>
+              </a:rPr>
+              <a:t>Bear</a:t>
+            </a:r>
+            <a:r>
+              <a:rPr lang="pt-BR" sz="2400" dirty="0">
+                <a:latin typeface="Times New Roman" panose="02020603050405020304" pitchFamily="18" charset="0"/>
+                <a:cs typeface="Times New Roman" panose="02020603050405020304" pitchFamily="18" charset="0"/>
+              </a:rPr>
+              <a:t>; DE ROSA, Aurelio; KATZ, Yehuda. </a:t>
+            </a:r>
+            <a:r>
+              <a:rPr lang="pt-BR" sz="2400" dirty="0" err="1">
+                <a:latin typeface="Times New Roman" panose="02020603050405020304" pitchFamily="18" charset="0"/>
+                <a:cs typeface="Times New Roman" panose="02020603050405020304" pitchFamily="18" charset="0"/>
+              </a:rPr>
+              <a:t>jQuery</a:t>
+            </a:r>
+            <a:r>
+              <a:rPr lang="pt-BR" sz="2400" dirty="0">
+                <a:latin typeface="Times New Roman" panose="02020603050405020304" pitchFamily="18" charset="0"/>
+                <a:cs typeface="Times New Roman" panose="02020603050405020304" pitchFamily="18" charset="0"/>
+              </a:rPr>
+              <a:t> in </a:t>
+            </a:r>
+            <a:r>
+              <a:rPr lang="pt-BR" sz="2400" dirty="0" err="1">
+                <a:latin typeface="Times New Roman" panose="02020603050405020304" pitchFamily="18" charset="0"/>
+                <a:cs typeface="Times New Roman" panose="02020603050405020304" pitchFamily="18" charset="0"/>
+              </a:rPr>
+              <a:t>Action</a:t>
+            </a:r>
+            <a:r>
+              <a:rPr lang="pt-BR" sz="2400" dirty="0">
+                <a:latin typeface="Times New Roman" panose="02020603050405020304" pitchFamily="18" charset="0"/>
+                <a:cs typeface="Times New Roman" panose="02020603050405020304" pitchFamily="18" charset="0"/>
+              </a:rPr>
+              <a:t>. Simon </a:t>
+            </a:r>
+            <a:r>
+              <a:rPr lang="pt-BR" sz="2400" dirty="0" err="1">
+                <a:latin typeface="Times New Roman" panose="02020603050405020304" pitchFamily="18" charset="0"/>
+                <a:cs typeface="Times New Roman" panose="02020603050405020304" pitchFamily="18" charset="0"/>
+              </a:rPr>
+              <a:t>and</a:t>
+            </a:r>
+            <a:r>
+              <a:rPr lang="pt-BR" sz="2400" dirty="0">
+                <a:latin typeface="Times New Roman" panose="02020603050405020304" pitchFamily="18" charset="0"/>
+                <a:cs typeface="Times New Roman" panose="02020603050405020304" pitchFamily="18" charset="0"/>
+              </a:rPr>
+              <a:t> Schuster, 2015.</a:t>
+            </a:r>
+          </a:p>
+          <a:p>
+            <a:pPr marL="0" indent="0" algn="just">
+              <a:buNone/>
+            </a:pPr>
+            <a:endParaRPr lang="pt-BR" sz="2400" dirty="0">
+              <a:latin typeface="Times New Roman" panose="02020603050405020304" pitchFamily="18" charset="0"/>
+              <a:cs typeface="Times New Roman" panose="02020603050405020304" pitchFamily="18" charset="0"/>
+            </a:endParaRPr>
+          </a:p>
+          <a:p>
+            <a:pPr marL="0" indent="0" algn="just">
+              <a:buNone/>
+            </a:pPr>
+            <a:r>
+              <a:rPr lang="pt-BR" sz="2400" dirty="0">
+                <a:latin typeface="Times New Roman" panose="02020603050405020304" pitchFamily="18" charset="0"/>
+                <a:cs typeface="Times New Roman" panose="02020603050405020304" pitchFamily="18" charset="0"/>
+              </a:rPr>
+              <a:t>[2] </a:t>
+            </a:r>
+            <a:r>
+              <a:rPr lang="en-US" sz="2400" dirty="0">
+                <a:latin typeface="Times New Roman" panose="02020603050405020304" pitchFamily="18" charset="0"/>
+                <a:cs typeface="Times New Roman" panose="02020603050405020304" pitchFamily="18" charset="0"/>
+              </a:rPr>
+              <a:t>CHAFFER, Jonathan; SWEDBERG, Karl. Learning jQuery. </a:t>
+            </a:r>
+            <a:r>
+              <a:rPr lang="en-US" sz="2400" dirty="0" err="1">
+                <a:latin typeface="Times New Roman" panose="02020603050405020304" pitchFamily="18" charset="0"/>
+                <a:cs typeface="Times New Roman" panose="02020603050405020304" pitchFamily="18" charset="0"/>
+              </a:rPr>
+              <a:t>Packt</a:t>
+            </a:r>
+            <a:r>
+              <a:rPr lang="en-US" sz="2400" dirty="0">
+                <a:latin typeface="Times New Roman" panose="02020603050405020304" pitchFamily="18" charset="0"/>
+                <a:cs typeface="Times New Roman" panose="02020603050405020304" pitchFamily="18" charset="0"/>
+              </a:rPr>
+              <a:t> Publishing Ltd, 2011.</a:t>
+            </a:r>
+            <a:endParaRPr lang="pt-BR" sz="2400" dirty="0">
+              <a:latin typeface="Times New Roman" panose="02020603050405020304" pitchFamily="18" charset="0"/>
+              <a:cs typeface="Times New Roman" panose="02020603050405020304" pitchFamily="18" charset="0"/>
+            </a:endParaRPr>
+          </a:p>
+        </p:txBody>
+      </p:sp>
+    </p:spTree>
+    <p:extLst>
+      <p:ext uri="{BB962C8B-B14F-4D97-AF65-F5344CB8AC3E}">
+        <p14:creationId xmlns:p14="http://schemas.microsoft.com/office/powerpoint/2010/main" val="1115311843"/>
+      </p:ext>
+    </p:extLst>
+  </p:cSld>
+  <p:clrMapOvr>
+    <a:masterClrMapping/>
+  </p:clrMapOvr>
+  <p:transition spd="med"/>
+</p:sld>
+</file>
+
+<file path=ppt/slides/slide29.xml><?xml version="1.0" encoding="utf-8"?>
+<p:sld xmlns:a="http://schemas.openxmlformats.org/drawingml/2006/main" xmlns:r="http://schemas.openxmlformats.org/officeDocument/2006/relationships" xmlns:p="http://schemas.openxmlformats.org/presentationml/2006/main">
+  <p:cSld>
+    <p:spTree>
+      <p:nvGrpSpPr>
+        <p:cNvPr id="1" name=""/>
+        <p:cNvGrpSpPr/>
+        <p:nvPr/>
+      </p:nvGrpSpPr>
+      <p:grpSpPr>
+        <a:xfrm>
+          <a:off x="0" y="0"/>
+          <a:ext cx="0" cy="0"/>
+          <a:chOff x="0" y="0"/>
+          <a:chExt cx="0" cy="0"/>
+        </a:xfrm>
+      </p:grpSpPr>
+      <p:pic>
+        <p:nvPicPr>
+          <p:cNvPr id="112" name="Picture 6" descr="Picture 6"/>
+          <p:cNvPicPr>
+            <a:picLocks noChangeAspect="1"/>
+          </p:cNvPicPr>
+          <p:nvPr/>
+        </p:nvPicPr>
+        <p:blipFill>
+          <a:blip r:embed="rId2"/>
+          <a:stretch>
+            <a:fillRect/>
+          </a:stretch>
+        </p:blipFill>
+        <p:spPr>
+          <a:xfrm>
+            <a:off x="0" y="0"/>
+            <a:ext cx="9144000" cy="5143500"/>
+          </a:xfrm>
+          <a:prstGeom prst="rect">
+            <a:avLst/>
+          </a:prstGeom>
+          <a:ln w="12700">
+            <a:miter lim="400000"/>
+            <a:headEnd/>
+            <a:tailEnd/>
+          </a:ln>
+        </p:spPr>
+      </p:pic>
+      <p:pic>
+        <p:nvPicPr>
+          <p:cNvPr id="114" name="Picture 5" descr="Picture 5"/>
+          <p:cNvPicPr>
+            <a:picLocks noChangeAspect="1"/>
+          </p:cNvPicPr>
+          <p:nvPr/>
+        </p:nvPicPr>
+        <p:blipFill>
+          <a:blip r:embed="rId3"/>
+          <a:stretch>
+            <a:fillRect/>
+          </a:stretch>
+        </p:blipFill>
+        <p:spPr>
+          <a:xfrm>
+            <a:off x="469900" y="0"/>
+            <a:ext cx="4391984" cy="171450"/>
+          </a:xfrm>
+          <a:prstGeom prst="rect">
+            <a:avLst/>
+          </a:prstGeom>
+          <a:ln w="12700">
+            <a:miter lim="400000"/>
+            <a:headEnd/>
+            <a:tailEnd/>
+          </a:ln>
+        </p:spPr>
+      </p:pic>
+      <p:pic>
+        <p:nvPicPr>
+          <p:cNvPr id="115" name="Imagem" descr="Imagem"/>
+          <p:cNvPicPr>
+            <a:picLocks noChangeAspect="1"/>
+          </p:cNvPicPr>
+          <p:nvPr/>
+        </p:nvPicPr>
+        <p:blipFill>
+          <a:blip r:embed="rId4"/>
+          <a:stretch>
+            <a:fillRect/>
+          </a:stretch>
+        </p:blipFill>
+        <p:spPr>
+          <a:xfrm>
+            <a:off x="823046" y="300823"/>
+            <a:ext cx="3685692" cy="1189055"/>
+          </a:xfrm>
+          <a:prstGeom prst="rect">
+            <a:avLst/>
+          </a:prstGeom>
+          <a:ln w="12700">
+            <a:miter lim="400000"/>
+            <a:headEnd/>
+            <a:tailEnd/>
+          </a:ln>
+        </p:spPr>
+      </p:pic>
+      <p:sp>
+        <p:nvSpPr>
+          <p:cNvPr id="3" name="Título 2"/>
+          <p:cNvSpPr>
+            <a:spLocks noGrp="1"/>
+          </p:cNvSpPr>
+          <p:nvPr>
+            <p:ph type="title"/>
+          </p:nvPr>
+        </p:nvSpPr>
+        <p:spPr>
+          <a:xfrm>
+            <a:off x="285751" y="2386770"/>
+            <a:ext cx="8615364" cy="1102519"/>
+          </a:xfrm>
+        </p:spPr>
+        <p:txBody>
+          <a:bodyPr>
+            <a:noAutofit/>
+          </a:bodyPr>
+          <a:lstStyle/>
+          <a:p>
+            <a:r>
+              <a:rPr lang="pt-BR" sz="4800" b="1" dirty="0">
+                <a:solidFill>
+                  <a:schemeClr val="bg1"/>
+                </a:solidFill>
+              </a:rPr>
+              <a:t>Desenvolvimento Web </a:t>
+            </a:r>
+            <a:br>
+              <a:rPr lang="pt-BR" sz="4800" b="1" dirty="0">
+                <a:solidFill>
+                  <a:schemeClr val="bg1"/>
+                </a:solidFill>
+              </a:rPr>
+            </a:br>
+            <a:r>
+              <a:rPr lang="pt-BR" sz="4800" b="1" dirty="0" err="1">
+                <a:solidFill>
+                  <a:schemeClr val="bg1"/>
+                </a:solidFill>
+              </a:rPr>
+              <a:t>JQuery</a:t>
+            </a:r>
+            <a:endParaRPr lang="pt-BR" sz="4800" b="1" dirty="0">
+              <a:solidFill>
+                <a:schemeClr val="bg1"/>
+              </a:solidFill>
+            </a:endParaRPr>
+          </a:p>
+        </p:txBody>
+      </p:sp>
+      <p:sp>
+        <p:nvSpPr>
+          <p:cNvPr id="6" name="Título 2"/>
+          <p:cNvSpPr txBox="1"/>
+          <p:nvPr/>
+        </p:nvSpPr>
+        <p:spPr>
+          <a:xfrm>
+            <a:off x="975683" y="3866663"/>
+            <a:ext cx="7772400" cy="1102519"/>
+          </a:xfrm>
+          <a:prstGeom prst="rect">
+            <a:avLst/>
+          </a:prstGeom>
+          <a:ln w="12700">
+            <a:miter lim="400000"/>
+          </a:ln>
+        </p:spPr>
+        <p:txBody>
+          <a:bodyPr lIns="45718" tIns="45718" rIns="45718" bIns="45718" anchor="ctr">
+            <a:noAutofit/>
+          </a:bodyPr>
+          <a:lstStyle>
+            <a:lvl1pPr marL="0" marR="0" indent="0" algn="ctr" defTabSz="457200" rtl="0" latinLnBrk="0">
+              <a:lnSpc>
+                <a:spcPct val="100000"/>
+              </a:lnSpc>
+              <a:spcBef>
+                <a:spcPts val="0"/>
+              </a:spcBef>
+              <a:spcAft>
+                <a:spcPts val="0"/>
+              </a:spcAft>
+              <a:buClrTx/>
+              <a:buSzTx/>
+              <a:buFontTx/>
+              <a:buNone/>
+              <a:defRPr sz="4400" b="0" i="0" u="none" strike="noStrike" cap="none" spc="0" baseline="0">
+                <a:ln>
+                  <a:noFill/>
+                </a:ln>
+                <a:solidFill>
+                  <a:srgbClr val="000000"/>
+                </a:solidFill>
+                <a:uFillTx/>
+                <a:latin typeface="+mj-lt"/>
+                <a:ea typeface="+mj-ea"/>
+                <a:cs typeface="+mj-cs"/>
+                <a:sym typeface="Calibri"/>
+              </a:defRPr>
+            </a:lvl1pPr>
+            <a:lvl2pPr marL="0" marR="0" indent="0" algn="ctr" defTabSz="457200" rtl="0" latinLnBrk="0">
+              <a:lnSpc>
+                <a:spcPct val="100000"/>
+              </a:lnSpc>
+              <a:spcBef>
+                <a:spcPts val="0"/>
+              </a:spcBef>
+              <a:spcAft>
+                <a:spcPts val="0"/>
+              </a:spcAft>
+              <a:buClrTx/>
+              <a:buSzTx/>
+              <a:buFontTx/>
+              <a:buNone/>
+              <a:defRPr sz="4400" b="0" i="0" u="none" strike="noStrike" cap="none" spc="0" baseline="0">
+                <a:ln>
+                  <a:noFill/>
+                </a:ln>
+                <a:solidFill>
+                  <a:srgbClr val="000000"/>
+                </a:solidFill>
+                <a:uFillTx/>
+                <a:latin typeface="+mj-lt"/>
+                <a:ea typeface="+mj-ea"/>
+                <a:cs typeface="+mj-cs"/>
+                <a:sym typeface="Calibri"/>
+              </a:defRPr>
+            </a:lvl2pPr>
+            <a:lvl3pPr marL="0" marR="0" indent="0" algn="ctr" defTabSz="457200" rtl="0" latinLnBrk="0">
+              <a:lnSpc>
+                <a:spcPct val="100000"/>
+              </a:lnSpc>
+              <a:spcBef>
+                <a:spcPts val="0"/>
+              </a:spcBef>
+              <a:spcAft>
+                <a:spcPts val="0"/>
+              </a:spcAft>
+              <a:buClrTx/>
+              <a:buSzTx/>
+              <a:buFontTx/>
+              <a:buNone/>
+              <a:defRPr sz="4400" b="0" i="0" u="none" strike="noStrike" cap="none" spc="0" baseline="0">
+                <a:ln>
+                  <a:noFill/>
+                </a:ln>
+                <a:solidFill>
+                  <a:srgbClr val="000000"/>
+                </a:solidFill>
+                <a:uFillTx/>
+                <a:latin typeface="+mj-lt"/>
+                <a:ea typeface="+mj-ea"/>
+                <a:cs typeface="+mj-cs"/>
+                <a:sym typeface="Calibri"/>
+              </a:defRPr>
+            </a:lvl3pPr>
+            <a:lvl4pPr marL="0" marR="0" indent="0" algn="ctr" defTabSz="457200" rtl="0" latinLnBrk="0">
+              <a:lnSpc>
+                <a:spcPct val="100000"/>
+              </a:lnSpc>
+              <a:spcBef>
+                <a:spcPts val="0"/>
+              </a:spcBef>
+              <a:spcAft>
+                <a:spcPts val="0"/>
+              </a:spcAft>
+              <a:buClrTx/>
+              <a:buSzTx/>
+              <a:buFontTx/>
+              <a:buNone/>
+              <a:defRPr sz="4400" b="0" i="0" u="none" strike="noStrike" cap="none" spc="0" baseline="0">
+                <a:ln>
+                  <a:noFill/>
+                </a:ln>
+                <a:solidFill>
+                  <a:srgbClr val="000000"/>
+                </a:solidFill>
+                <a:uFillTx/>
+                <a:latin typeface="+mj-lt"/>
+                <a:ea typeface="+mj-ea"/>
+                <a:cs typeface="+mj-cs"/>
+                <a:sym typeface="Calibri"/>
+              </a:defRPr>
+            </a:lvl4pPr>
+            <a:lvl5pPr marL="0" marR="0" indent="0" algn="ctr" defTabSz="457200" rtl="0" latinLnBrk="0">
+              <a:lnSpc>
+                <a:spcPct val="100000"/>
+              </a:lnSpc>
+              <a:spcBef>
+                <a:spcPts val="0"/>
+              </a:spcBef>
+              <a:spcAft>
+                <a:spcPts val="0"/>
+              </a:spcAft>
+              <a:buClrTx/>
+              <a:buSzTx/>
+              <a:buFontTx/>
+              <a:buNone/>
+              <a:defRPr sz="4400" b="0" i="0" u="none" strike="noStrike" cap="none" spc="0" baseline="0">
+                <a:ln>
+                  <a:noFill/>
+                </a:ln>
+                <a:solidFill>
+                  <a:srgbClr val="000000"/>
+                </a:solidFill>
+                <a:uFillTx/>
+                <a:latin typeface="+mj-lt"/>
+                <a:ea typeface="+mj-ea"/>
+                <a:cs typeface="+mj-cs"/>
+                <a:sym typeface="Calibri"/>
+              </a:defRPr>
+            </a:lvl5pPr>
+            <a:lvl6pPr marL="0" marR="0" indent="0" algn="ctr" defTabSz="457200" rtl="0" latinLnBrk="0">
+              <a:lnSpc>
+                <a:spcPct val="100000"/>
+              </a:lnSpc>
+              <a:spcBef>
+                <a:spcPts val="0"/>
+              </a:spcBef>
+              <a:spcAft>
+                <a:spcPts val="0"/>
+              </a:spcAft>
+              <a:buClrTx/>
+              <a:buSzTx/>
+              <a:buFontTx/>
+              <a:buNone/>
+              <a:defRPr sz="4400" b="0" i="0" u="none" strike="noStrike" cap="none" spc="0" baseline="0">
+                <a:ln>
+                  <a:noFill/>
+                </a:ln>
+                <a:solidFill>
+                  <a:srgbClr val="000000"/>
+                </a:solidFill>
+                <a:uFillTx/>
+                <a:latin typeface="+mj-lt"/>
+                <a:ea typeface="+mj-ea"/>
+                <a:cs typeface="+mj-cs"/>
+                <a:sym typeface="Calibri"/>
+              </a:defRPr>
+            </a:lvl6pPr>
+            <a:lvl7pPr marL="0" marR="0" indent="0" algn="ctr" defTabSz="457200" rtl="0" latinLnBrk="0">
+              <a:lnSpc>
+                <a:spcPct val="100000"/>
+              </a:lnSpc>
+              <a:spcBef>
+                <a:spcPts val="0"/>
+              </a:spcBef>
+              <a:spcAft>
+                <a:spcPts val="0"/>
+              </a:spcAft>
+              <a:buClrTx/>
+              <a:buSzTx/>
+              <a:buFontTx/>
+              <a:buNone/>
+              <a:defRPr sz="4400" b="0" i="0" u="none" strike="noStrike" cap="none" spc="0" baseline="0">
+                <a:ln>
+                  <a:noFill/>
+                </a:ln>
+                <a:solidFill>
+                  <a:srgbClr val="000000"/>
+                </a:solidFill>
+                <a:uFillTx/>
+                <a:latin typeface="+mj-lt"/>
+                <a:ea typeface="+mj-ea"/>
+                <a:cs typeface="+mj-cs"/>
+                <a:sym typeface="Calibri"/>
+              </a:defRPr>
+            </a:lvl7pPr>
+            <a:lvl8pPr marL="0" marR="0" indent="0" algn="ctr" defTabSz="457200" rtl="0" latinLnBrk="0">
+              <a:lnSpc>
+                <a:spcPct val="100000"/>
+              </a:lnSpc>
+              <a:spcBef>
+                <a:spcPts val="0"/>
+              </a:spcBef>
+              <a:spcAft>
+                <a:spcPts val="0"/>
+              </a:spcAft>
+              <a:buClrTx/>
+              <a:buSzTx/>
+              <a:buFontTx/>
+              <a:buNone/>
+              <a:defRPr sz="4400" b="0" i="0" u="none" strike="noStrike" cap="none" spc="0" baseline="0">
+                <a:ln>
+                  <a:noFill/>
+                </a:ln>
+                <a:solidFill>
+                  <a:srgbClr val="000000"/>
+                </a:solidFill>
+                <a:uFillTx/>
+                <a:latin typeface="+mj-lt"/>
+                <a:ea typeface="+mj-ea"/>
+                <a:cs typeface="+mj-cs"/>
+                <a:sym typeface="Calibri"/>
+              </a:defRPr>
+            </a:lvl8pPr>
+            <a:lvl9pPr marL="0" marR="0" indent="0" algn="ctr" defTabSz="457200" rtl="0" latinLnBrk="0">
+              <a:lnSpc>
+                <a:spcPct val="100000"/>
+              </a:lnSpc>
+              <a:spcBef>
+                <a:spcPts val="0"/>
+              </a:spcBef>
+              <a:spcAft>
+                <a:spcPts val="0"/>
+              </a:spcAft>
+              <a:buClrTx/>
+              <a:buSzTx/>
+              <a:buFontTx/>
+              <a:buNone/>
+              <a:defRPr sz="4400" b="0" i="0" u="none" strike="noStrike" cap="none" spc="0" baseline="0">
+                <a:ln>
+                  <a:noFill/>
+                </a:ln>
+                <a:solidFill>
+                  <a:srgbClr val="000000"/>
+                </a:solidFill>
+                <a:uFillTx/>
+                <a:latin typeface="+mj-lt"/>
+                <a:ea typeface="+mj-ea"/>
+                <a:cs typeface="+mj-cs"/>
+                <a:sym typeface="Calibri"/>
+              </a:defRPr>
+            </a:lvl9pPr>
+          </a:lstStyle>
+          <a:p>
+            <a:pPr algn="r" hangingPunct="1"/>
+            <a:r>
+              <a:rPr lang="pt-BR" sz="2000" b="1" dirty="0">
+                <a:solidFill>
+                  <a:schemeClr val="bg1"/>
+                </a:solidFill>
+              </a:rPr>
+              <a:t>Professor </a:t>
+            </a:r>
+            <a:r>
+              <a:rPr lang="pt-BR" sz="2000" b="1">
+                <a:solidFill>
+                  <a:schemeClr val="bg1"/>
+                </a:solidFill>
+              </a:rPr>
+              <a:t>M.Sc</a:t>
+            </a:r>
+            <a:r>
+              <a:rPr lang="pt-BR" sz="2000" b="1" dirty="0">
+                <a:solidFill>
+                  <a:schemeClr val="bg1"/>
+                </a:solidFill>
+              </a:rPr>
+              <a:t>. Heleno Cardoso</a:t>
+            </a:r>
+          </a:p>
+        </p:txBody>
+      </p:sp>
+    </p:spTree>
+  </p:cSld>
+  <p:clrMapOvr>
+    <a:masterClrMapping/>
+  </p:clrMapOvr>
+  <p:transition spd="med"/>
+</p:sld>
+</file>
+
 <file path=ppt/slides/slide3.xml><?xml version="1.0" encoding="utf-8"?>
 <p:sld xmlns:a="http://schemas.openxmlformats.org/drawingml/2006/main" xmlns:r="http://schemas.openxmlformats.org/officeDocument/2006/relationships" xmlns:p="http://schemas.openxmlformats.org/presentationml/2006/main">
   <p:cSld>
@@ -7538,8 +14321,8 @@
         </p:nvSpPr>
         <p:spPr>
           <a:xfrm>
-            <a:off x="142865" y="1037312"/>
-            <a:ext cx="8865056" cy="3900208"/>
+            <a:off x="142865" y="1037311"/>
+            <a:ext cx="8865056" cy="3998151"/>
           </a:xfrm>
         </p:spPr>
         <p:txBody>
@@ -7830,6 +14613,101 @@
                 <a:cs typeface="Times New Roman" panose="02020603050405020304" pitchFamily="18" charset="0"/>
               </a:rPr>
               <a:t> World!!!");</a:t>
+            </a:r>
+          </a:p>
+          <a:p>
+            <a:pPr marL="0" indent="0" algn="just">
+              <a:buNone/>
+            </a:pPr>
+            <a:r>
+              <a:rPr lang="pt-BR" sz="2400" dirty="0">
+                <a:solidFill>
+                  <a:schemeClr val="tx1"/>
+                </a:solidFill>
+                <a:latin typeface="Times New Roman" panose="02020603050405020304" pitchFamily="18" charset="0"/>
+                <a:cs typeface="Times New Roman" panose="02020603050405020304" pitchFamily="18" charset="0"/>
+              </a:rPr>
+              <a:t>	$('</a:t>
+            </a:r>
+            <a:r>
+              <a:rPr lang="pt-BR" sz="2400" b="1" dirty="0">
+                <a:solidFill>
+                  <a:schemeClr val="tx1"/>
+                </a:solidFill>
+                <a:latin typeface="Times New Roman" panose="02020603050405020304" pitchFamily="18" charset="0"/>
+                <a:cs typeface="Times New Roman" panose="02020603050405020304" pitchFamily="18" charset="0"/>
+              </a:rPr>
+              <a:t>body</a:t>
+            </a:r>
+            <a:r>
+              <a:rPr lang="pt-BR" sz="2400" dirty="0">
+                <a:solidFill>
+                  <a:schemeClr val="tx1"/>
+                </a:solidFill>
+                <a:latin typeface="Times New Roman" panose="02020603050405020304" pitchFamily="18" charset="0"/>
+                <a:cs typeface="Times New Roman" panose="02020603050405020304" pitchFamily="18" charset="0"/>
+              </a:rPr>
+              <a:t>').</a:t>
+            </a:r>
+            <a:r>
+              <a:rPr lang="pt-BR" sz="2400" dirty="0" err="1">
+                <a:solidFill>
+                  <a:schemeClr val="tx1"/>
+                </a:solidFill>
+                <a:latin typeface="Times New Roman" panose="02020603050405020304" pitchFamily="18" charset="0"/>
+                <a:cs typeface="Times New Roman" panose="02020603050405020304" pitchFamily="18" charset="0"/>
+              </a:rPr>
+              <a:t>css</a:t>
+            </a:r>
+            <a:r>
+              <a:rPr lang="pt-BR" sz="2400" dirty="0">
+                <a:solidFill>
+                  <a:schemeClr val="tx1"/>
+                </a:solidFill>
+                <a:latin typeface="Times New Roman" panose="02020603050405020304" pitchFamily="18" charset="0"/>
+                <a:cs typeface="Times New Roman" panose="02020603050405020304" pitchFamily="18" charset="0"/>
+              </a:rPr>
+              <a:t>('</a:t>
+            </a:r>
+            <a:r>
+              <a:rPr lang="pt-BR" sz="2400" b="1" dirty="0">
+                <a:solidFill>
+                  <a:schemeClr val="tx1"/>
+                </a:solidFill>
+                <a:latin typeface="Times New Roman" panose="02020603050405020304" pitchFamily="18" charset="0"/>
+                <a:cs typeface="Times New Roman" panose="02020603050405020304" pitchFamily="18" charset="0"/>
+              </a:rPr>
+              <a:t>background-color</a:t>
+            </a:r>
+            <a:r>
+              <a:rPr lang="pt-BR" sz="2400" dirty="0">
+                <a:solidFill>
+                  <a:schemeClr val="tx1"/>
+                </a:solidFill>
+                <a:latin typeface="Times New Roman" panose="02020603050405020304" pitchFamily="18" charset="0"/>
+                <a:cs typeface="Times New Roman" panose="02020603050405020304" pitchFamily="18" charset="0"/>
+              </a:rPr>
+              <a:t>', '</a:t>
+            </a:r>
+            <a:r>
+              <a:rPr lang="pt-BR" sz="2400" b="1" dirty="0">
+                <a:solidFill>
+                  <a:schemeClr val="tx1"/>
+                </a:solidFill>
+                <a:latin typeface="Times New Roman" panose="02020603050405020304" pitchFamily="18" charset="0"/>
+                <a:cs typeface="Times New Roman" panose="02020603050405020304" pitchFamily="18" charset="0"/>
+              </a:rPr>
+              <a:t>blue</a:t>
+            </a:r>
+            <a:r>
+              <a:rPr lang="pt-BR" sz="2400" dirty="0">
+                <a:solidFill>
+                  <a:schemeClr val="tx1"/>
+                </a:solidFill>
+                <a:latin typeface="Times New Roman" panose="02020603050405020304" pitchFamily="18" charset="0"/>
+                <a:cs typeface="Times New Roman" panose="02020603050405020304" pitchFamily="18" charset="0"/>
+              </a:rPr>
+              <a:t>');</a:t>
             </a:r>
           </a:p>
         </p:txBody>

--- a/01 Classes/Aula 11 Desenvolvimento Web PHP - JQuery.pptx
+++ b/01 Classes/Aula 11 Desenvolvimento Web PHP - JQuery.pptx
@@ -5,7 +5,7 @@
     <p:sldMasterId id="2147483648" r:id="rId1"/>
   </p:sldMasterIdLst>
   <p:notesMasterIdLst>
-    <p:notesMasterId r:id="rId31"/>
+    <p:notesMasterId r:id="rId40"/>
   </p:notesMasterIdLst>
   <p:sldIdLst>
     <p:sldId id="256" r:id="rId2"/>
@@ -32,11 +32,20 @@
     <p:sldId id="415" r:id="rId23"/>
     <p:sldId id="416" r:id="rId24"/>
     <p:sldId id="417" r:id="rId25"/>
-    <p:sldId id="333" r:id="rId26"/>
-    <p:sldId id="323" r:id="rId27"/>
-    <p:sldId id="334" r:id="rId28"/>
-    <p:sldId id="337" r:id="rId29"/>
-    <p:sldId id="309" r:id="rId30"/>
+    <p:sldId id="418" r:id="rId26"/>
+    <p:sldId id="420" r:id="rId27"/>
+    <p:sldId id="419" r:id="rId28"/>
+    <p:sldId id="421" r:id="rId29"/>
+    <p:sldId id="422" r:id="rId30"/>
+    <p:sldId id="423" r:id="rId31"/>
+    <p:sldId id="424" r:id="rId32"/>
+    <p:sldId id="425" r:id="rId33"/>
+    <p:sldId id="426" r:id="rId34"/>
+    <p:sldId id="333" r:id="rId35"/>
+    <p:sldId id="323" r:id="rId36"/>
+    <p:sldId id="334" r:id="rId37"/>
+    <p:sldId id="337" r:id="rId38"/>
+    <p:sldId id="309" r:id="rId39"/>
   </p:sldIdLst>
   <p:sldSz cx="9144000" cy="5143500" type="screen16x9"/>
   <p:notesSz cx="6858000" cy="9144000"/>
@@ -1568,7 +1577,7 @@
     </p:spTree>
     <p:extLst>
       <p:ext uri="{BB962C8B-B14F-4D97-AF65-F5344CB8AC3E}">
-        <p14:creationId xmlns:p14="http://schemas.microsoft.com/office/powerpoint/2010/main" val="585304384"/>
+        <p14:creationId xmlns:p14="http://schemas.microsoft.com/office/powerpoint/2010/main" val="3761609891"/>
       </p:ext>
     </p:extLst>
   </p:cSld>
@@ -1634,7 +1643,7 @@
     </p:spTree>
     <p:extLst>
       <p:ext uri="{BB962C8B-B14F-4D97-AF65-F5344CB8AC3E}">
-        <p14:creationId xmlns:p14="http://schemas.microsoft.com/office/powerpoint/2010/main" val="2709569597"/>
+        <p14:creationId xmlns:p14="http://schemas.microsoft.com/office/powerpoint/2010/main" val="144035265"/>
       </p:ext>
     </p:extLst>
   </p:cSld>
@@ -1700,7 +1709,7 @@
     </p:spTree>
     <p:extLst>
       <p:ext uri="{BB962C8B-B14F-4D97-AF65-F5344CB8AC3E}">
-        <p14:creationId xmlns:p14="http://schemas.microsoft.com/office/powerpoint/2010/main" val="2296249050"/>
+        <p14:creationId xmlns:p14="http://schemas.microsoft.com/office/powerpoint/2010/main" val="1945574138"/>
       </p:ext>
     </p:extLst>
   </p:cSld>
@@ -1766,7 +1775,205 @@
     </p:spTree>
     <p:extLst>
       <p:ext uri="{BB962C8B-B14F-4D97-AF65-F5344CB8AC3E}">
-        <p14:creationId xmlns:p14="http://schemas.microsoft.com/office/powerpoint/2010/main" val="4290351292"/>
+        <p14:creationId xmlns:p14="http://schemas.microsoft.com/office/powerpoint/2010/main" val="894853776"/>
+      </p:ext>
+    </p:extLst>
+  </p:cSld>
+  <p:clrMapOvr>
+    <a:masterClrMapping/>
+  </p:clrMapOvr>
+</p:notes>
+</file>
+
+<file path=ppt/notesSlides/notesSlide27.xml><?xml version="1.0" encoding="utf-8"?>
+<p:notes xmlns:a="http://schemas.openxmlformats.org/drawingml/2006/main" xmlns:r="http://schemas.openxmlformats.org/officeDocument/2006/relationships" xmlns:p="http://schemas.openxmlformats.org/presentationml/2006/main">
+  <p:cSld>
+    <p:spTree>
+      <p:nvGrpSpPr>
+        <p:cNvPr id="1" name=""/>
+        <p:cNvGrpSpPr/>
+        <p:nvPr/>
+      </p:nvGrpSpPr>
+      <p:grpSpPr>
+        <a:xfrm>
+          <a:off x="0" y="0"/>
+          <a:ext cx="0" cy="0"/>
+          <a:chOff x="0" y="0"/>
+          <a:chExt cx="0" cy="0"/>
+        </a:xfrm>
+      </p:grpSpPr>
+      <p:sp>
+        <p:nvSpPr>
+          <p:cNvPr id="2" name="Espaço Reservado para Imagem de Slide 1"/>
+          <p:cNvSpPr>
+            <a:spLocks noGrp="1" noRot="1" noChangeAspect="1"/>
+          </p:cNvSpPr>
+          <p:nvPr>
+            <p:ph type="sldImg"/>
+          </p:nvPr>
+        </p:nvSpPr>
+        <p:spPr>
+          <a:xfrm>
+            <a:off x="381000" y="685800"/>
+            <a:ext cx="6096000" cy="3429000"/>
+          </a:xfrm>
+        </p:spPr>
+      </p:sp>
+      <p:sp>
+        <p:nvSpPr>
+          <p:cNvPr id="3" name="Espaço Reservado para Anotações 2"/>
+          <p:cNvSpPr>
+            <a:spLocks noGrp="1"/>
+          </p:cNvSpPr>
+          <p:nvPr>
+            <p:ph type="body" idx="1"/>
+          </p:nvPr>
+        </p:nvSpPr>
+        <p:spPr/>
+        <p:txBody>
+          <a:bodyPr/>
+          <a:lstStyle/>
+          <a:p>
+            <a:endParaRPr lang="pt-BR" dirty="0"/>
+          </a:p>
+        </p:txBody>
+      </p:sp>
+    </p:spTree>
+    <p:extLst>
+      <p:ext uri="{BB962C8B-B14F-4D97-AF65-F5344CB8AC3E}">
+        <p14:creationId xmlns:p14="http://schemas.microsoft.com/office/powerpoint/2010/main" val="847603163"/>
+      </p:ext>
+    </p:extLst>
+  </p:cSld>
+  <p:clrMapOvr>
+    <a:masterClrMapping/>
+  </p:clrMapOvr>
+</p:notes>
+</file>
+
+<file path=ppt/notesSlides/notesSlide28.xml><?xml version="1.0" encoding="utf-8"?>
+<p:notes xmlns:a="http://schemas.openxmlformats.org/drawingml/2006/main" xmlns:r="http://schemas.openxmlformats.org/officeDocument/2006/relationships" xmlns:p="http://schemas.openxmlformats.org/presentationml/2006/main">
+  <p:cSld>
+    <p:spTree>
+      <p:nvGrpSpPr>
+        <p:cNvPr id="1" name=""/>
+        <p:cNvGrpSpPr/>
+        <p:nvPr/>
+      </p:nvGrpSpPr>
+      <p:grpSpPr>
+        <a:xfrm>
+          <a:off x="0" y="0"/>
+          <a:ext cx="0" cy="0"/>
+          <a:chOff x="0" y="0"/>
+          <a:chExt cx="0" cy="0"/>
+        </a:xfrm>
+      </p:grpSpPr>
+      <p:sp>
+        <p:nvSpPr>
+          <p:cNvPr id="2" name="Espaço Reservado para Imagem de Slide 1"/>
+          <p:cNvSpPr>
+            <a:spLocks noGrp="1" noRot="1" noChangeAspect="1"/>
+          </p:cNvSpPr>
+          <p:nvPr>
+            <p:ph type="sldImg"/>
+          </p:nvPr>
+        </p:nvSpPr>
+        <p:spPr>
+          <a:xfrm>
+            <a:off x="381000" y="685800"/>
+            <a:ext cx="6096000" cy="3429000"/>
+          </a:xfrm>
+        </p:spPr>
+      </p:sp>
+      <p:sp>
+        <p:nvSpPr>
+          <p:cNvPr id="3" name="Espaço Reservado para Anotações 2"/>
+          <p:cNvSpPr>
+            <a:spLocks noGrp="1"/>
+          </p:cNvSpPr>
+          <p:nvPr>
+            <p:ph type="body" idx="1"/>
+          </p:nvPr>
+        </p:nvSpPr>
+        <p:spPr/>
+        <p:txBody>
+          <a:bodyPr/>
+          <a:lstStyle/>
+          <a:p>
+            <a:endParaRPr lang="pt-BR" dirty="0"/>
+          </a:p>
+        </p:txBody>
+      </p:sp>
+    </p:spTree>
+    <p:extLst>
+      <p:ext uri="{BB962C8B-B14F-4D97-AF65-F5344CB8AC3E}">
+        <p14:creationId xmlns:p14="http://schemas.microsoft.com/office/powerpoint/2010/main" val="320359670"/>
+      </p:ext>
+    </p:extLst>
+  </p:cSld>
+  <p:clrMapOvr>
+    <a:masterClrMapping/>
+  </p:clrMapOvr>
+</p:notes>
+</file>
+
+<file path=ppt/notesSlides/notesSlide29.xml><?xml version="1.0" encoding="utf-8"?>
+<p:notes xmlns:a="http://schemas.openxmlformats.org/drawingml/2006/main" xmlns:r="http://schemas.openxmlformats.org/officeDocument/2006/relationships" xmlns:p="http://schemas.openxmlformats.org/presentationml/2006/main">
+  <p:cSld>
+    <p:spTree>
+      <p:nvGrpSpPr>
+        <p:cNvPr id="1" name=""/>
+        <p:cNvGrpSpPr/>
+        <p:nvPr/>
+      </p:nvGrpSpPr>
+      <p:grpSpPr>
+        <a:xfrm>
+          <a:off x="0" y="0"/>
+          <a:ext cx="0" cy="0"/>
+          <a:chOff x="0" y="0"/>
+          <a:chExt cx="0" cy="0"/>
+        </a:xfrm>
+      </p:grpSpPr>
+      <p:sp>
+        <p:nvSpPr>
+          <p:cNvPr id="2" name="Espaço Reservado para Imagem de Slide 1"/>
+          <p:cNvSpPr>
+            <a:spLocks noGrp="1" noRot="1" noChangeAspect="1"/>
+          </p:cNvSpPr>
+          <p:nvPr>
+            <p:ph type="sldImg"/>
+          </p:nvPr>
+        </p:nvSpPr>
+        <p:spPr>
+          <a:xfrm>
+            <a:off x="381000" y="685800"/>
+            <a:ext cx="6096000" cy="3429000"/>
+          </a:xfrm>
+        </p:spPr>
+      </p:sp>
+      <p:sp>
+        <p:nvSpPr>
+          <p:cNvPr id="3" name="Espaço Reservado para Anotações 2"/>
+          <p:cNvSpPr>
+            <a:spLocks noGrp="1"/>
+          </p:cNvSpPr>
+          <p:nvPr>
+            <p:ph type="body" idx="1"/>
+          </p:nvPr>
+        </p:nvSpPr>
+        <p:spPr/>
+        <p:txBody>
+          <a:bodyPr/>
+          <a:lstStyle/>
+          <a:p>
+            <a:endParaRPr lang="pt-BR" dirty="0"/>
+          </a:p>
+        </p:txBody>
+      </p:sp>
+    </p:spTree>
+    <p:extLst>
+      <p:ext uri="{BB962C8B-B14F-4D97-AF65-F5344CB8AC3E}">
+        <p14:creationId xmlns:p14="http://schemas.microsoft.com/office/powerpoint/2010/main" val="2046601100"/>
       </p:ext>
     </p:extLst>
   </p:cSld>
@@ -1833,6 +2040,402 @@
     <p:extLst>
       <p:ext uri="{BB962C8B-B14F-4D97-AF65-F5344CB8AC3E}">
         <p14:creationId xmlns:p14="http://schemas.microsoft.com/office/powerpoint/2010/main" val="2160980503"/>
+      </p:ext>
+    </p:extLst>
+  </p:cSld>
+  <p:clrMapOvr>
+    <a:masterClrMapping/>
+  </p:clrMapOvr>
+</p:notes>
+</file>
+
+<file path=ppt/notesSlides/notesSlide30.xml><?xml version="1.0" encoding="utf-8"?>
+<p:notes xmlns:a="http://schemas.openxmlformats.org/drawingml/2006/main" xmlns:r="http://schemas.openxmlformats.org/officeDocument/2006/relationships" xmlns:p="http://schemas.openxmlformats.org/presentationml/2006/main">
+  <p:cSld>
+    <p:spTree>
+      <p:nvGrpSpPr>
+        <p:cNvPr id="1" name=""/>
+        <p:cNvGrpSpPr/>
+        <p:nvPr/>
+      </p:nvGrpSpPr>
+      <p:grpSpPr>
+        <a:xfrm>
+          <a:off x="0" y="0"/>
+          <a:ext cx="0" cy="0"/>
+          <a:chOff x="0" y="0"/>
+          <a:chExt cx="0" cy="0"/>
+        </a:xfrm>
+      </p:grpSpPr>
+      <p:sp>
+        <p:nvSpPr>
+          <p:cNvPr id="2" name="Espaço Reservado para Imagem de Slide 1"/>
+          <p:cNvSpPr>
+            <a:spLocks noGrp="1" noRot="1" noChangeAspect="1"/>
+          </p:cNvSpPr>
+          <p:nvPr>
+            <p:ph type="sldImg"/>
+          </p:nvPr>
+        </p:nvSpPr>
+        <p:spPr>
+          <a:xfrm>
+            <a:off x="381000" y="685800"/>
+            <a:ext cx="6096000" cy="3429000"/>
+          </a:xfrm>
+        </p:spPr>
+      </p:sp>
+      <p:sp>
+        <p:nvSpPr>
+          <p:cNvPr id="3" name="Espaço Reservado para Anotações 2"/>
+          <p:cNvSpPr>
+            <a:spLocks noGrp="1"/>
+          </p:cNvSpPr>
+          <p:nvPr>
+            <p:ph type="body" idx="1"/>
+          </p:nvPr>
+        </p:nvSpPr>
+        <p:spPr/>
+        <p:txBody>
+          <a:bodyPr/>
+          <a:lstStyle/>
+          <a:p>
+            <a:endParaRPr lang="pt-BR" dirty="0"/>
+          </a:p>
+        </p:txBody>
+      </p:sp>
+    </p:spTree>
+    <p:extLst>
+      <p:ext uri="{BB962C8B-B14F-4D97-AF65-F5344CB8AC3E}">
+        <p14:creationId xmlns:p14="http://schemas.microsoft.com/office/powerpoint/2010/main" val="1328428552"/>
+      </p:ext>
+    </p:extLst>
+  </p:cSld>
+  <p:clrMapOvr>
+    <a:masterClrMapping/>
+  </p:clrMapOvr>
+</p:notes>
+</file>
+
+<file path=ppt/notesSlides/notesSlide31.xml><?xml version="1.0" encoding="utf-8"?>
+<p:notes xmlns:a="http://schemas.openxmlformats.org/drawingml/2006/main" xmlns:r="http://schemas.openxmlformats.org/officeDocument/2006/relationships" xmlns:p="http://schemas.openxmlformats.org/presentationml/2006/main">
+  <p:cSld>
+    <p:spTree>
+      <p:nvGrpSpPr>
+        <p:cNvPr id="1" name=""/>
+        <p:cNvGrpSpPr/>
+        <p:nvPr/>
+      </p:nvGrpSpPr>
+      <p:grpSpPr>
+        <a:xfrm>
+          <a:off x="0" y="0"/>
+          <a:ext cx="0" cy="0"/>
+          <a:chOff x="0" y="0"/>
+          <a:chExt cx="0" cy="0"/>
+        </a:xfrm>
+      </p:grpSpPr>
+      <p:sp>
+        <p:nvSpPr>
+          <p:cNvPr id="2" name="Espaço Reservado para Imagem de Slide 1"/>
+          <p:cNvSpPr>
+            <a:spLocks noGrp="1" noRot="1" noChangeAspect="1"/>
+          </p:cNvSpPr>
+          <p:nvPr>
+            <p:ph type="sldImg"/>
+          </p:nvPr>
+        </p:nvSpPr>
+        <p:spPr>
+          <a:xfrm>
+            <a:off x="381000" y="685800"/>
+            <a:ext cx="6096000" cy="3429000"/>
+          </a:xfrm>
+        </p:spPr>
+      </p:sp>
+      <p:sp>
+        <p:nvSpPr>
+          <p:cNvPr id="3" name="Espaço Reservado para Anotações 2"/>
+          <p:cNvSpPr>
+            <a:spLocks noGrp="1"/>
+          </p:cNvSpPr>
+          <p:nvPr>
+            <p:ph type="body" idx="1"/>
+          </p:nvPr>
+        </p:nvSpPr>
+        <p:spPr/>
+        <p:txBody>
+          <a:bodyPr/>
+          <a:lstStyle/>
+          <a:p>
+            <a:endParaRPr lang="pt-BR" dirty="0"/>
+          </a:p>
+        </p:txBody>
+      </p:sp>
+    </p:spTree>
+    <p:extLst>
+      <p:ext uri="{BB962C8B-B14F-4D97-AF65-F5344CB8AC3E}">
+        <p14:creationId xmlns:p14="http://schemas.microsoft.com/office/powerpoint/2010/main" val="564492461"/>
+      </p:ext>
+    </p:extLst>
+  </p:cSld>
+  <p:clrMapOvr>
+    <a:masterClrMapping/>
+  </p:clrMapOvr>
+</p:notes>
+</file>
+
+<file path=ppt/notesSlides/notesSlide32.xml><?xml version="1.0" encoding="utf-8"?>
+<p:notes xmlns:a="http://schemas.openxmlformats.org/drawingml/2006/main" xmlns:r="http://schemas.openxmlformats.org/officeDocument/2006/relationships" xmlns:p="http://schemas.openxmlformats.org/presentationml/2006/main">
+  <p:cSld>
+    <p:spTree>
+      <p:nvGrpSpPr>
+        <p:cNvPr id="1" name=""/>
+        <p:cNvGrpSpPr/>
+        <p:nvPr/>
+      </p:nvGrpSpPr>
+      <p:grpSpPr>
+        <a:xfrm>
+          <a:off x="0" y="0"/>
+          <a:ext cx="0" cy="0"/>
+          <a:chOff x="0" y="0"/>
+          <a:chExt cx="0" cy="0"/>
+        </a:xfrm>
+      </p:grpSpPr>
+      <p:sp>
+        <p:nvSpPr>
+          <p:cNvPr id="2" name="Espaço Reservado para Imagem de Slide 1"/>
+          <p:cNvSpPr>
+            <a:spLocks noGrp="1" noRot="1" noChangeAspect="1"/>
+          </p:cNvSpPr>
+          <p:nvPr>
+            <p:ph type="sldImg"/>
+          </p:nvPr>
+        </p:nvSpPr>
+        <p:spPr>
+          <a:xfrm>
+            <a:off x="381000" y="685800"/>
+            <a:ext cx="6096000" cy="3429000"/>
+          </a:xfrm>
+        </p:spPr>
+      </p:sp>
+      <p:sp>
+        <p:nvSpPr>
+          <p:cNvPr id="3" name="Espaço Reservado para Anotações 2"/>
+          <p:cNvSpPr>
+            <a:spLocks noGrp="1"/>
+          </p:cNvSpPr>
+          <p:nvPr>
+            <p:ph type="body" idx="1"/>
+          </p:nvPr>
+        </p:nvSpPr>
+        <p:spPr/>
+        <p:txBody>
+          <a:bodyPr/>
+          <a:lstStyle/>
+          <a:p>
+            <a:endParaRPr lang="pt-BR" dirty="0"/>
+          </a:p>
+        </p:txBody>
+      </p:sp>
+    </p:spTree>
+    <p:extLst>
+      <p:ext uri="{BB962C8B-B14F-4D97-AF65-F5344CB8AC3E}">
+        <p14:creationId xmlns:p14="http://schemas.microsoft.com/office/powerpoint/2010/main" val="585304384"/>
+      </p:ext>
+    </p:extLst>
+  </p:cSld>
+  <p:clrMapOvr>
+    <a:masterClrMapping/>
+  </p:clrMapOvr>
+</p:notes>
+</file>
+
+<file path=ppt/notesSlides/notesSlide33.xml><?xml version="1.0" encoding="utf-8"?>
+<p:notes xmlns:a="http://schemas.openxmlformats.org/drawingml/2006/main" xmlns:r="http://schemas.openxmlformats.org/officeDocument/2006/relationships" xmlns:p="http://schemas.openxmlformats.org/presentationml/2006/main">
+  <p:cSld>
+    <p:spTree>
+      <p:nvGrpSpPr>
+        <p:cNvPr id="1" name=""/>
+        <p:cNvGrpSpPr/>
+        <p:nvPr/>
+      </p:nvGrpSpPr>
+      <p:grpSpPr>
+        <a:xfrm>
+          <a:off x="0" y="0"/>
+          <a:ext cx="0" cy="0"/>
+          <a:chOff x="0" y="0"/>
+          <a:chExt cx="0" cy="0"/>
+        </a:xfrm>
+      </p:grpSpPr>
+      <p:sp>
+        <p:nvSpPr>
+          <p:cNvPr id="2" name="Espaço Reservado para Imagem de Slide 1"/>
+          <p:cNvSpPr>
+            <a:spLocks noGrp="1" noRot="1" noChangeAspect="1"/>
+          </p:cNvSpPr>
+          <p:nvPr>
+            <p:ph type="sldImg"/>
+          </p:nvPr>
+        </p:nvSpPr>
+        <p:spPr>
+          <a:xfrm>
+            <a:off x="381000" y="685800"/>
+            <a:ext cx="6096000" cy="3429000"/>
+          </a:xfrm>
+        </p:spPr>
+      </p:sp>
+      <p:sp>
+        <p:nvSpPr>
+          <p:cNvPr id="3" name="Espaço Reservado para Anotações 2"/>
+          <p:cNvSpPr>
+            <a:spLocks noGrp="1"/>
+          </p:cNvSpPr>
+          <p:nvPr>
+            <p:ph type="body" idx="1"/>
+          </p:nvPr>
+        </p:nvSpPr>
+        <p:spPr/>
+        <p:txBody>
+          <a:bodyPr/>
+          <a:lstStyle/>
+          <a:p>
+            <a:endParaRPr lang="pt-BR" dirty="0"/>
+          </a:p>
+        </p:txBody>
+      </p:sp>
+    </p:spTree>
+    <p:extLst>
+      <p:ext uri="{BB962C8B-B14F-4D97-AF65-F5344CB8AC3E}">
+        <p14:creationId xmlns:p14="http://schemas.microsoft.com/office/powerpoint/2010/main" val="2709569597"/>
+      </p:ext>
+    </p:extLst>
+  </p:cSld>
+  <p:clrMapOvr>
+    <a:masterClrMapping/>
+  </p:clrMapOvr>
+</p:notes>
+</file>
+
+<file path=ppt/notesSlides/notesSlide34.xml><?xml version="1.0" encoding="utf-8"?>
+<p:notes xmlns:a="http://schemas.openxmlformats.org/drawingml/2006/main" xmlns:r="http://schemas.openxmlformats.org/officeDocument/2006/relationships" xmlns:p="http://schemas.openxmlformats.org/presentationml/2006/main">
+  <p:cSld>
+    <p:spTree>
+      <p:nvGrpSpPr>
+        <p:cNvPr id="1" name=""/>
+        <p:cNvGrpSpPr/>
+        <p:nvPr/>
+      </p:nvGrpSpPr>
+      <p:grpSpPr>
+        <a:xfrm>
+          <a:off x="0" y="0"/>
+          <a:ext cx="0" cy="0"/>
+          <a:chOff x="0" y="0"/>
+          <a:chExt cx="0" cy="0"/>
+        </a:xfrm>
+      </p:grpSpPr>
+      <p:sp>
+        <p:nvSpPr>
+          <p:cNvPr id="2" name="Espaço Reservado para Imagem de Slide 1"/>
+          <p:cNvSpPr>
+            <a:spLocks noGrp="1" noRot="1" noChangeAspect="1"/>
+          </p:cNvSpPr>
+          <p:nvPr>
+            <p:ph type="sldImg"/>
+          </p:nvPr>
+        </p:nvSpPr>
+        <p:spPr>
+          <a:xfrm>
+            <a:off x="381000" y="685800"/>
+            <a:ext cx="6096000" cy="3429000"/>
+          </a:xfrm>
+        </p:spPr>
+      </p:sp>
+      <p:sp>
+        <p:nvSpPr>
+          <p:cNvPr id="3" name="Espaço Reservado para Anotações 2"/>
+          <p:cNvSpPr>
+            <a:spLocks noGrp="1"/>
+          </p:cNvSpPr>
+          <p:nvPr>
+            <p:ph type="body" idx="1"/>
+          </p:nvPr>
+        </p:nvSpPr>
+        <p:spPr/>
+        <p:txBody>
+          <a:bodyPr/>
+          <a:lstStyle/>
+          <a:p>
+            <a:endParaRPr lang="pt-BR" dirty="0"/>
+          </a:p>
+        </p:txBody>
+      </p:sp>
+    </p:spTree>
+    <p:extLst>
+      <p:ext uri="{BB962C8B-B14F-4D97-AF65-F5344CB8AC3E}">
+        <p14:creationId xmlns:p14="http://schemas.microsoft.com/office/powerpoint/2010/main" val="2296249050"/>
+      </p:ext>
+    </p:extLst>
+  </p:cSld>
+  <p:clrMapOvr>
+    <a:masterClrMapping/>
+  </p:clrMapOvr>
+</p:notes>
+</file>
+
+<file path=ppt/notesSlides/notesSlide35.xml><?xml version="1.0" encoding="utf-8"?>
+<p:notes xmlns:a="http://schemas.openxmlformats.org/drawingml/2006/main" xmlns:r="http://schemas.openxmlformats.org/officeDocument/2006/relationships" xmlns:p="http://schemas.openxmlformats.org/presentationml/2006/main">
+  <p:cSld>
+    <p:spTree>
+      <p:nvGrpSpPr>
+        <p:cNvPr id="1" name=""/>
+        <p:cNvGrpSpPr/>
+        <p:nvPr/>
+      </p:nvGrpSpPr>
+      <p:grpSpPr>
+        <a:xfrm>
+          <a:off x="0" y="0"/>
+          <a:ext cx="0" cy="0"/>
+          <a:chOff x="0" y="0"/>
+          <a:chExt cx="0" cy="0"/>
+        </a:xfrm>
+      </p:grpSpPr>
+      <p:sp>
+        <p:nvSpPr>
+          <p:cNvPr id="2" name="Espaço Reservado para Imagem de Slide 1"/>
+          <p:cNvSpPr>
+            <a:spLocks noGrp="1" noRot="1" noChangeAspect="1"/>
+          </p:cNvSpPr>
+          <p:nvPr>
+            <p:ph type="sldImg"/>
+          </p:nvPr>
+        </p:nvSpPr>
+        <p:spPr>
+          <a:xfrm>
+            <a:off x="381000" y="685800"/>
+            <a:ext cx="6096000" cy="3429000"/>
+          </a:xfrm>
+        </p:spPr>
+      </p:sp>
+      <p:sp>
+        <p:nvSpPr>
+          <p:cNvPr id="3" name="Espaço Reservado para Anotações 2"/>
+          <p:cNvSpPr>
+            <a:spLocks noGrp="1"/>
+          </p:cNvSpPr>
+          <p:nvPr>
+            <p:ph type="body" idx="1"/>
+          </p:nvPr>
+        </p:nvSpPr>
+        <p:spPr/>
+        <p:txBody>
+          <a:bodyPr/>
+          <a:lstStyle/>
+          <a:p>
+            <a:endParaRPr lang="pt-BR" dirty="0"/>
+          </a:p>
+        </p:txBody>
+      </p:sp>
+    </p:spTree>
+    <p:extLst>
+      <p:ext uri="{BB962C8B-B14F-4D97-AF65-F5344CB8AC3E}">
+        <p14:creationId xmlns:p14="http://schemas.microsoft.com/office/powerpoint/2010/main" val="4290351292"/>
       </p:ext>
     </p:extLst>
   </p:cSld>
@@ -12515,7 +13118,7 @@
                   <a:srgbClr val="0070C0"/>
                 </a:solidFill>
               </a:rPr>
-              <a:t>Leitura</a:t>
+              <a:t>JQuery</a:t>
             </a:r>
             <a:r>
               <a:rPr lang="en-US" b="1" dirty="0">
@@ -12523,21 +13126,8 @@
                   <a:srgbClr val="0070C0"/>
                 </a:solidFill>
               </a:rPr>
-              <a:t> </a:t>
-            </a:r>
-            <a:r>
-              <a:rPr lang="en-US" b="1" dirty="0" err="1">
-                <a:solidFill>
-                  <a:srgbClr val="0070C0"/>
-                </a:solidFill>
-              </a:rPr>
-              <a:t>Específica</a:t>
-            </a:r>
-            <a:endParaRPr lang="en-US" b="1" dirty="0">
-              <a:solidFill>
-                <a:srgbClr val="0070C0"/>
-              </a:solidFill>
-            </a:endParaRPr>
+              <a:t> – DOM $</a:t>
+            </a:r>
           </a:p>
         </p:txBody>
       </p:sp>
@@ -12553,8 +13143,8 @@
         </p:nvSpPr>
         <p:spPr>
           <a:xfrm>
-            <a:off x="142865" y="1012261"/>
-            <a:ext cx="8865056" cy="3835312"/>
+            <a:off x="142865" y="1049838"/>
+            <a:ext cx="8865056" cy="3900208"/>
           </a:xfrm>
         </p:spPr>
         <p:txBody>
@@ -12567,20 +13157,84 @@
               <a:buNone/>
             </a:pPr>
             <a:r>
-              <a:rPr lang="pt-BR" sz="2000" dirty="0">
-                <a:latin typeface="Times New Roman" panose="02020603050405020304" pitchFamily="18" charset="0"/>
-                <a:cs typeface="Times New Roman" panose="02020603050405020304" pitchFamily="18" charset="0"/>
-              </a:rPr>
-              <a:t>[1] </a:t>
-            </a:r>
-            <a:r>
-              <a:rPr lang="pt-BR" sz="2000" b="1" dirty="0" err="1">
-                <a:latin typeface="Times New Roman" panose="02020603050405020304" pitchFamily="18" charset="0"/>
-                <a:cs typeface="Times New Roman" panose="02020603050405020304" pitchFamily="18" charset="0"/>
-              </a:rPr>
-              <a:t>JQuery</a:t>
-            </a:r>
-            <a:endParaRPr lang="pt-BR" sz="2000" dirty="0">
+              <a:rPr lang="pt-BR" sz="2400" dirty="0">
+                <a:solidFill>
+                  <a:schemeClr val="tx1"/>
+                </a:solidFill>
+                <a:latin typeface="Times New Roman" panose="02020603050405020304" pitchFamily="18" charset="0"/>
+                <a:cs typeface="Times New Roman" panose="02020603050405020304" pitchFamily="18" charset="0"/>
+              </a:rPr>
+              <a:t>Se existir incompatibilidade com outros frameworks/bibliotecas: </a:t>
+            </a:r>
+            <a:r>
+              <a:rPr lang="pt-BR" sz="2400" dirty="0" err="1">
+                <a:solidFill>
+                  <a:schemeClr val="tx1"/>
+                </a:solidFill>
+                <a:latin typeface="Times New Roman" panose="02020603050405020304" pitchFamily="18" charset="0"/>
+                <a:cs typeface="Times New Roman" panose="02020603050405020304" pitchFamily="18" charset="0"/>
+              </a:rPr>
+              <a:t>AngularJS</a:t>
+            </a:r>
+            <a:r>
+              <a:rPr lang="pt-BR" sz="2400" dirty="0">
+                <a:solidFill>
+                  <a:schemeClr val="tx1"/>
+                </a:solidFill>
+                <a:latin typeface="Times New Roman" panose="02020603050405020304" pitchFamily="18" charset="0"/>
+                <a:cs typeface="Times New Roman" panose="02020603050405020304" pitchFamily="18" charset="0"/>
+              </a:rPr>
+              <a:t>, </a:t>
+            </a:r>
+            <a:r>
+              <a:rPr lang="pt-BR" sz="2400" dirty="0" err="1">
+                <a:solidFill>
+                  <a:schemeClr val="tx1"/>
+                </a:solidFill>
+                <a:latin typeface="Times New Roman" panose="02020603050405020304" pitchFamily="18" charset="0"/>
+                <a:cs typeface="Times New Roman" panose="02020603050405020304" pitchFamily="18" charset="0"/>
+              </a:rPr>
+              <a:t>VueJS</a:t>
+            </a:r>
+            <a:r>
+              <a:rPr lang="pt-BR" sz="2400" dirty="0">
+                <a:solidFill>
+                  <a:schemeClr val="tx1"/>
+                </a:solidFill>
+                <a:latin typeface="Times New Roman" panose="02020603050405020304" pitchFamily="18" charset="0"/>
+                <a:cs typeface="Times New Roman" panose="02020603050405020304" pitchFamily="18" charset="0"/>
+              </a:rPr>
+              <a:t>, </a:t>
+            </a:r>
+            <a:r>
+              <a:rPr lang="pt-BR" sz="2400" dirty="0" err="1">
+                <a:solidFill>
+                  <a:schemeClr val="tx1"/>
+                </a:solidFill>
+                <a:latin typeface="Times New Roman" panose="02020603050405020304" pitchFamily="18" charset="0"/>
+                <a:cs typeface="Times New Roman" panose="02020603050405020304" pitchFamily="18" charset="0"/>
+              </a:rPr>
+              <a:t>React</a:t>
+            </a:r>
+            <a:r>
+              <a:rPr lang="pt-BR" sz="2400" dirty="0">
+                <a:solidFill>
+                  <a:schemeClr val="tx1"/>
+                </a:solidFill>
+                <a:latin typeface="Times New Roman" panose="02020603050405020304" pitchFamily="18" charset="0"/>
+                <a:cs typeface="Times New Roman" panose="02020603050405020304" pitchFamily="18" charset="0"/>
+              </a:rPr>
+              <a:t>, etc.</a:t>
+            </a:r>
+          </a:p>
+          <a:p>
+            <a:pPr marL="0" indent="0" algn="just">
+              <a:buNone/>
+            </a:pPr>
+            <a:endParaRPr lang="pt-BR" sz="2400" dirty="0">
+              <a:solidFill>
+                <a:schemeClr val="tx1"/>
+              </a:solidFill>
               <a:latin typeface="Times New Roman" panose="02020603050405020304" pitchFamily="18" charset="0"/>
               <a:cs typeface="Times New Roman" panose="02020603050405020304" pitchFamily="18" charset="0"/>
             </a:endParaRPr>
@@ -12590,28 +13244,314 @@
               <a:buNone/>
             </a:pPr>
             <a:r>
-              <a:rPr lang="pt-BR" sz="2000" b="1" dirty="0">
-                <a:latin typeface="Times New Roman" panose="02020603050405020304" pitchFamily="18" charset="0"/>
-                <a:cs typeface="Times New Roman" panose="02020603050405020304" pitchFamily="18" charset="0"/>
-              </a:rPr>
-              <a:t>	Disponível em</a:t>
-            </a:r>
-            <a:r>
-              <a:rPr lang="pt-BR" sz="2000" dirty="0">
-                <a:latin typeface="Times New Roman" panose="02020603050405020304" pitchFamily="18" charset="0"/>
-                <a:cs typeface="Times New Roman" panose="02020603050405020304" pitchFamily="18" charset="0"/>
-              </a:rPr>
-              <a:t>: </a:t>
-            </a:r>
-            <a:r>
-              <a:rPr lang="pt-BR" sz="2000" dirty="0">
-                <a:latin typeface="Times New Roman" panose="02020603050405020304" pitchFamily="18" charset="0"/>
-                <a:cs typeface="Times New Roman" panose="02020603050405020304" pitchFamily="18" charset="0"/>
-                <a:hlinkClick r:id="rId3"/>
-              </a:rPr>
-              <a:t>https://jquery.com/</a:t>
-            </a:r>
-            <a:endParaRPr lang="pt-BR" sz="2000" dirty="0">
+              <a:rPr lang="pt-BR" sz="2400" b="1" dirty="0">
+                <a:solidFill>
+                  <a:schemeClr val="tx1"/>
+                </a:solidFill>
+                <a:latin typeface="Times New Roman" panose="02020603050405020304" pitchFamily="18" charset="0"/>
+                <a:cs typeface="Times New Roman" panose="02020603050405020304" pitchFamily="18" charset="0"/>
+              </a:rPr>
+              <a:t>Método</a:t>
+            </a:r>
+            <a:r>
+              <a:rPr lang="pt-BR" sz="2400" dirty="0">
+                <a:solidFill>
+                  <a:schemeClr val="tx1"/>
+                </a:solidFill>
+                <a:latin typeface="Times New Roman" panose="02020603050405020304" pitchFamily="18" charset="0"/>
+                <a:cs typeface="Times New Roman" panose="02020603050405020304" pitchFamily="18" charset="0"/>
+              </a:rPr>
+              <a:t> </a:t>
+            </a:r>
+            <a:r>
+              <a:rPr lang="pt-BR" sz="2400" b="1" dirty="0" err="1">
+                <a:solidFill>
+                  <a:srgbClr val="FF0000"/>
+                </a:solidFill>
+                <a:latin typeface="Times New Roman" panose="02020603050405020304" pitchFamily="18" charset="0"/>
+                <a:cs typeface="Times New Roman" panose="02020603050405020304" pitchFamily="18" charset="0"/>
+              </a:rPr>
+              <a:t>noConflict</a:t>
+            </a:r>
+            <a:r>
+              <a:rPr lang="pt-BR" sz="2400" dirty="0">
+                <a:solidFill>
+                  <a:schemeClr val="tx1"/>
+                </a:solidFill>
+                <a:latin typeface="Times New Roman" panose="02020603050405020304" pitchFamily="18" charset="0"/>
+                <a:cs typeface="Times New Roman" panose="02020603050405020304" pitchFamily="18" charset="0"/>
+              </a:rPr>
+              <a:t>() (</a:t>
+            </a:r>
+            <a:r>
+              <a:rPr lang="pt-BR" sz="2400" b="1" dirty="0">
+                <a:solidFill>
+                  <a:schemeClr val="tx1"/>
+                </a:solidFill>
+                <a:latin typeface="Times New Roman" panose="02020603050405020304" pitchFamily="18" charset="0"/>
+                <a:cs typeface="Times New Roman" panose="02020603050405020304" pitchFamily="18" charset="0"/>
+              </a:rPr>
+              <a:t>Sem conflito</a:t>
+            </a:r>
+            <a:r>
+              <a:rPr lang="pt-BR" sz="2400" dirty="0">
+                <a:solidFill>
+                  <a:schemeClr val="tx1"/>
+                </a:solidFill>
+                <a:latin typeface="Times New Roman" panose="02020603050405020304" pitchFamily="18" charset="0"/>
+                <a:cs typeface="Times New Roman" panose="02020603050405020304" pitchFamily="18" charset="0"/>
+              </a:rPr>
+              <a:t>) – Utilizar </a:t>
+            </a:r>
+            <a:r>
+              <a:rPr lang="pt-BR" sz="2400" b="1" dirty="0" err="1">
+                <a:solidFill>
+                  <a:srgbClr val="FF0000"/>
+                </a:solidFill>
+                <a:latin typeface="Times New Roman" panose="02020603050405020304" pitchFamily="18" charset="0"/>
+                <a:cs typeface="Times New Roman" panose="02020603050405020304" pitchFamily="18" charset="0"/>
+              </a:rPr>
+              <a:t>JQuery</a:t>
+            </a:r>
+            <a:r>
+              <a:rPr lang="pt-BR" sz="2400" dirty="0">
+                <a:solidFill>
+                  <a:schemeClr val="tx1"/>
+                </a:solidFill>
+                <a:latin typeface="Times New Roman" panose="02020603050405020304" pitchFamily="18" charset="0"/>
+                <a:cs typeface="Times New Roman" panose="02020603050405020304" pitchFamily="18" charset="0"/>
+              </a:rPr>
+              <a:t> no lugar do </a:t>
+            </a:r>
+            <a:r>
+              <a:rPr lang="pt-BR" sz="2400" b="1" dirty="0">
+                <a:solidFill>
+                  <a:schemeClr val="tx1"/>
+                </a:solidFill>
+                <a:latin typeface="Times New Roman" panose="02020603050405020304" pitchFamily="18" charset="0"/>
+                <a:cs typeface="Times New Roman" panose="02020603050405020304" pitchFamily="18" charset="0"/>
+              </a:rPr>
+              <a:t>$</a:t>
+            </a:r>
+          </a:p>
+          <a:p>
+            <a:pPr marL="447675" lvl="1" indent="0" algn="just">
+              <a:buNone/>
+            </a:pPr>
+            <a:r>
+              <a:rPr lang="pt-BR" sz="2400" dirty="0">
+                <a:solidFill>
+                  <a:schemeClr val="tx1"/>
+                </a:solidFill>
+                <a:latin typeface="Times New Roman" panose="02020603050405020304" pitchFamily="18" charset="0"/>
+                <a:cs typeface="Times New Roman" panose="02020603050405020304" pitchFamily="18" charset="0"/>
+              </a:rPr>
+              <a:t> $.</a:t>
+            </a:r>
+            <a:r>
+              <a:rPr lang="pt-BR" sz="2400" dirty="0" err="1">
+                <a:solidFill>
+                  <a:schemeClr val="tx1"/>
+                </a:solidFill>
+                <a:latin typeface="Times New Roman" panose="02020603050405020304" pitchFamily="18" charset="0"/>
+                <a:cs typeface="Times New Roman" panose="02020603050405020304" pitchFamily="18" charset="0"/>
+              </a:rPr>
+              <a:t>noConflict</a:t>
+            </a:r>
+            <a:r>
+              <a:rPr lang="pt-BR" sz="2400" dirty="0">
+                <a:solidFill>
+                  <a:schemeClr val="tx1"/>
+                </a:solidFill>
+                <a:latin typeface="Times New Roman" panose="02020603050405020304" pitchFamily="18" charset="0"/>
+                <a:cs typeface="Times New Roman" panose="02020603050405020304" pitchFamily="18" charset="0"/>
+              </a:rPr>
+              <a:t>();</a:t>
+            </a:r>
+          </a:p>
+          <a:p>
+            <a:pPr marL="447675" lvl="1" indent="0" algn="just">
+              <a:buNone/>
+            </a:pPr>
+            <a:r>
+              <a:rPr lang="pt-BR" sz="2400" dirty="0">
+                <a:solidFill>
+                  <a:schemeClr val="tx1"/>
+                </a:solidFill>
+                <a:latin typeface="Times New Roman" panose="02020603050405020304" pitchFamily="18" charset="0"/>
+                <a:cs typeface="Times New Roman" panose="02020603050405020304" pitchFamily="18" charset="0"/>
+              </a:rPr>
+              <a:t> </a:t>
+            </a:r>
+            <a:r>
+              <a:rPr lang="pt-BR" sz="2400" b="1" dirty="0" err="1">
+                <a:solidFill>
+                  <a:schemeClr val="tx1"/>
+                </a:solidFill>
+                <a:latin typeface="Times New Roman" panose="02020603050405020304" pitchFamily="18" charset="0"/>
+                <a:cs typeface="Times New Roman" panose="02020603050405020304" pitchFamily="18" charset="0"/>
+              </a:rPr>
+              <a:t>JQuery</a:t>
+            </a:r>
+            <a:r>
+              <a:rPr lang="pt-BR" sz="2400" dirty="0">
+                <a:solidFill>
+                  <a:schemeClr val="tx1"/>
+                </a:solidFill>
+                <a:latin typeface="Times New Roman" panose="02020603050405020304" pitchFamily="18" charset="0"/>
+                <a:cs typeface="Times New Roman" panose="02020603050405020304" pitchFamily="18" charset="0"/>
+              </a:rPr>
+              <a:t>(</a:t>
+            </a:r>
+            <a:r>
+              <a:rPr lang="pt-BR" sz="2400" b="1" dirty="0" err="1">
+                <a:solidFill>
+                  <a:schemeClr val="tx1"/>
+                </a:solidFill>
+                <a:latin typeface="Times New Roman" panose="02020603050405020304" pitchFamily="18" charset="0"/>
+                <a:cs typeface="Times New Roman" panose="02020603050405020304" pitchFamily="18" charset="0"/>
+              </a:rPr>
+              <a:t>document</a:t>
+            </a:r>
+            <a:r>
+              <a:rPr lang="pt-BR" sz="2400" dirty="0">
+                <a:solidFill>
+                  <a:schemeClr val="tx1"/>
+                </a:solidFill>
+                <a:latin typeface="Times New Roman" panose="02020603050405020304" pitchFamily="18" charset="0"/>
+                <a:cs typeface="Times New Roman" panose="02020603050405020304" pitchFamily="18" charset="0"/>
+              </a:rPr>
+              <a:t>).</a:t>
+            </a:r>
+            <a:r>
+              <a:rPr lang="pt-BR" sz="2400" dirty="0" err="1">
+                <a:solidFill>
+                  <a:schemeClr val="tx1"/>
+                </a:solidFill>
+                <a:latin typeface="Times New Roman" panose="02020603050405020304" pitchFamily="18" charset="0"/>
+                <a:cs typeface="Times New Roman" panose="02020603050405020304" pitchFamily="18" charset="0"/>
+              </a:rPr>
+              <a:t>ready</a:t>
+            </a:r>
+            <a:r>
+              <a:rPr lang="pt-BR" sz="2400" dirty="0">
+                <a:solidFill>
+                  <a:schemeClr val="tx1"/>
+                </a:solidFill>
+                <a:latin typeface="Times New Roman" panose="02020603050405020304" pitchFamily="18" charset="0"/>
+                <a:cs typeface="Times New Roman" panose="02020603050405020304" pitchFamily="18" charset="0"/>
+              </a:rPr>
+              <a:t>(</a:t>
+            </a:r>
+            <a:r>
+              <a:rPr lang="pt-BR" sz="2400" b="1" dirty="0" err="1">
+                <a:solidFill>
+                  <a:schemeClr val="tx1"/>
+                </a:solidFill>
+                <a:latin typeface="Times New Roman" panose="02020603050405020304" pitchFamily="18" charset="0"/>
+                <a:cs typeface="Times New Roman" panose="02020603050405020304" pitchFamily="18" charset="0"/>
+              </a:rPr>
+              <a:t>function</a:t>
+            </a:r>
+            <a:r>
+              <a:rPr lang="pt-BR" sz="2400" dirty="0">
+                <a:solidFill>
+                  <a:schemeClr val="tx1"/>
+                </a:solidFill>
+                <a:latin typeface="Times New Roman" panose="02020603050405020304" pitchFamily="18" charset="0"/>
+                <a:cs typeface="Times New Roman" panose="02020603050405020304" pitchFamily="18" charset="0"/>
+              </a:rPr>
+              <a:t> () {</a:t>
+            </a:r>
+          </a:p>
+          <a:p>
+            <a:pPr marL="447675" lvl="1" indent="0" algn="just">
+              <a:buNone/>
+            </a:pPr>
+            <a:r>
+              <a:rPr lang="pt-BR" sz="2400" dirty="0">
+                <a:solidFill>
+                  <a:schemeClr val="tx1"/>
+                </a:solidFill>
+                <a:latin typeface="Times New Roman" panose="02020603050405020304" pitchFamily="18" charset="0"/>
+                <a:cs typeface="Times New Roman" panose="02020603050405020304" pitchFamily="18" charset="0"/>
+              </a:rPr>
+              <a:t>		</a:t>
+            </a:r>
+            <a:r>
+              <a:rPr lang="pt-BR" sz="2400" b="1" dirty="0">
+                <a:solidFill>
+                  <a:schemeClr val="tx1"/>
+                </a:solidFill>
+                <a:latin typeface="Times New Roman" panose="02020603050405020304" pitchFamily="18" charset="0"/>
+                <a:cs typeface="Times New Roman" panose="02020603050405020304" pitchFamily="18" charset="0"/>
+              </a:rPr>
+              <a:t> </a:t>
+            </a:r>
+            <a:r>
+              <a:rPr lang="pt-BR" sz="2400" b="1" dirty="0" err="1">
+                <a:solidFill>
+                  <a:schemeClr val="tx1"/>
+                </a:solidFill>
+                <a:latin typeface="Times New Roman" panose="02020603050405020304" pitchFamily="18" charset="0"/>
+                <a:cs typeface="Times New Roman" panose="02020603050405020304" pitchFamily="18" charset="0"/>
+              </a:rPr>
+              <a:t>JQuery</a:t>
+            </a:r>
+            <a:r>
+              <a:rPr lang="pt-BR" sz="2400" dirty="0">
+                <a:solidFill>
+                  <a:schemeClr val="tx1"/>
+                </a:solidFill>
+                <a:latin typeface="Times New Roman" panose="02020603050405020304" pitchFamily="18" charset="0"/>
+                <a:cs typeface="Times New Roman" panose="02020603050405020304" pitchFamily="18" charset="0"/>
+              </a:rPr>
+              <a:t>(‘p’).</a:t>
+            </a:r>
+            <a:r>
+              <a:rPr lang="pt-BR" sz="2400" dirty="0" err="1">
+                <a:solidFill>
+                  <a:schemeClr val="tx1"/>
+                </a:solidFill>
+                <a:latin typeface="Times New Roman" panose="02020603050405020304" pitchFamily="18" charset="0"/>
+                <a:cs typeface="Times New Roman" panose="02020603050405020304" pitchFamily="18" charset="0"/>
+              </a:rPr>
+              <a:t>text</a:t>
+            </a:r>
+            <a:r>
+              <a:rPr lang="pt-BR" sz="2400" dirty="0">
+                <a:solidFill>
+                  <a:schemeClr val="tx1"/>
+                </a:solidFill>
+                <a:latin typeface="Times New Roman" panose="02020603050405020304" pitchFamily="18" charset="0"/>
+                <a:cs typeface="Times New Roman" panose="02020603050405020304" pitchFamily="18" charset="0"/>
+              </a:rPr>
+              <a:t>(‘Texto’);</a:t>
+            </a:r>
+          </a:p>
+          <a:p>
+            <a:pPr marL="447675" lvl="1" indent="0" algn="just">
+              <a:buNone/>
+            </a:pPr>
+            <a:r>
+              <a:rPr lang="pt-BR" sz="2400" dirty="0">
+                <a:solidFill>
+                  <a:schemeClr val="tx1"/>
+                </a:solidFill>
+                <a:latin typeface="Times New Roman" panose="02020603050405020304" pitchFamily="18" charset="0"/>
+                <a:cs typeface="Times New Roman" panose="02020603050405020304" pitchFamily="18" charset="0"/>
+              </a:rPr>
+              <a:t>  });</a:t>
+            </a:r>
+          </a:p>
+          <a:p>
+            <a:pPr marL="0" indent="0" algn="just">
+              <a:buNone/>
+            </a:pPr>
+            <a:endParaRPr lang="pt-BR" sz="2400" dirty="0">
+              <a:solidFill>
+                <a:schemeClr val="tx1"/>
+              </a:solidFill>
               <a:latin typeface="Times New Roman" panose="02020603050405020304" pitchFamily="18" charset="0"/>
               <a:cs typeface="Times New Roman" panose="02020603050405020304" pitchFamily="18" charset="0"/>
             </a:endParaRPr>
@@ -12620,7 +13560,10 @@
             <a:pPr marL="0" indent="0" algn="just">
               <a:buNone/>
             </a:pPr>
-            <a:endParaRPr lang="pt-BR" sz="2000" dirty="0">
+            <a:endParaRPr lang="pt-BR" sz="2400" dirty="0">
+              <a:solidFill>
+                <a:schemeClr val="tx1"/>
+              </a:solidFill>
               <a:latin typeface="Times New Roman" panose="02020603050405020304" pitchFamily="18" charset="0"/>
               <a:cs typeface="Times New Roman" panose="02020603050405020304" pitchFamily="18" charset="0"/>
             </a:endParaRPr>
@@ -12629,55 +13572,10 @@
             <a:pPr marL="0" indent="0" algn="just">
               <a:buNone/>
             </a:pPr>
-            <a:r>
-              <a:rPr lang="pt-BR" sz="2000" dirty="0">
-                <a:latin typeface="Times New Roman" panose="02020603050405020304" pitchFamily="18" charset="0"/>
-                <a:cs typeface="Times New Roman" panose="02020603050405020304" pitchFamily="18" charset="0"/>
-              </a:rPr>
-              <a:t>[2] </a:t>
-            </a:r>
-            <a:r>
-              <a:rPr lang="pt-BR" sz="2000" b="1" dirty="0">
-                <a:latin typeface="Times New Roman" panose="02020603050405020304" pitchFamily="18" charset="0"/>
-                <a:cs typeface="Times New Roman" panose="02020603050405020304" pitchFamily="18" charset="0"/>
-              </a:rPr>
-              <a:t>Devmedia</a:t>
-            </a:r>
-          </a:p>
-          <a:p>
-            <a:pPr marL="0" indent="0" algn="just">
-              <a:buNone/>
-            </a:pPr>
-            <a:r>
-              <a:rPr lang="pt-BR" sz="2000" dirty="0">
-                <a:latin typeface="Times New Roman" panose="02020603050405020304" pitchFamily="18" charset="0"/>
-                <a:cs typeface="Times New Roman" panose="02020603050405020304" pitchFamily="18" charset="0"/>
-              </a:rPr>
-              <a:t>	</a:t>
-            </a:r>
-            <a:r>
-              <a:rPr lang="pt-BR" sz="2000" b="1" dirty="0">
-                <a:latin typeface="Times New Roman" panose="02020603050405020304" pitchFamily="18" charset="0"/>
-                <a:cs typeface="Times New Roman" panose="02020603050405020304" pitchFamily="18" charset="0"/>
-              </a:rPr>
-              <a:t> Disponível em</a:t>
-            </a:r>
-            <a:r>
-              <a:rPr lang="pt-BR" sz="2000" dirty="0">
-                <a:latin typeface="Times New Roman" panose="02020603050405020304" pitchFamily="18" charset="0"/>
-                <a:cs typeface="Times New Roman" panose="02020603050405020304" pitchFamily="18" charset="0"/>
-              </a:rPr>
-              <a:t>: </a:t>
-            </a:r>
-            <a:r>
-              <a:rPr lang="pt-BR" sz="2000" dirty="0">
-                <a:latin typeface="Times New Roman" panose="02020603050405020304" pitchFamily="18" charset="0"/>
-                <a:cs typeface="Times New Roman" panose="02020603050405020304" pitchFamily="18" charset="0"/>
-                <a:hlinkClick r:id="rId4"/>
-              </a:rPr>
-              <a:t>https://www.devmedia.com.br/jquery-tutorial/27299</a:t>
-            </a:r>
-            <a:endParaRPr lang="pt-BR" sz="2000" dirty="0">
+            <a:endParaRPr lang="pt-BR" sz="2400" dirty="0">
+              <a:solidFill>
+                <a:schemeClr val="tx1"/>
+              </a:solidFill>
               <a:latin typeface="Times New Roman" panose="02020603050405020304" pitchFamily="18" charset="0"/>
               <a:cs typeface="Times New Roman" panose="02020603050405020304" pitchFamily="18" charset="0"/>
             </a:endParaRPr>
@@ -12686,7 +13584,10 @@
             <a:pPr marL="0" indent="0" algn="just">
               <a:buNone/>
             </a:pPr>
-            <a:endParaRPr lang="pt-BR" sz="2000" dirty="0">
+            <a:endParaRPr lang="pt-BR" sz="2400" dirty="0">
+              <a:solidFill>
+                <a:schemeClr val="tx1"/>
+              </a:solidFill>
               <a:latin typeface="Times New Roman" panose="02020603050405020304" pitchFamily="18" charset="0"/>
               <a:cs typeface="Times New Roman" panose="02020603050405020304" pitchFamily="18" charset="0"/>
             </a:endParaRPr>
@@ -12695,64 +13596,10 @@
             <a:pPr marL="0" indent="0" algn="just">
               <a:buNone/>
             </a:pPr>
-            <a:r>
-              <a:rPr lang="pt-BR" sz="2000" dirty="0">
-                <a:latin typeface="Times New Roman" panose="02020603050405020304" pitchFamily="18" charset="0"/>
-                <a:cs typeface="Times New Roman" panose="02020603050405020304" pitchFamily="18" charset="0"/>
-              </a:rPr>
-              <a:t>[3] </a:t>
-            </a:r>
-            <a:r>
-              <a:rPr lang="pt-BR" sz="2000" b="1" dirty="0">
-                <a:latin typeface="Times New Roman" panose="02020603050405020304" pitchFamily="18" charset="0"/>
-                <a:cs typeface="Times New Roman" panose="02020603050405020304" pitchFamily="18" charset="0"/>
-              </a:rPr>
-              <a:t>W3Schools</a:t>
-            </a:r>
-          </a:p>
-          <a:p>
-            <a:pPr marL="0" indent="0" algn="just">
-              <a:buNone/>
-            </a:pPr>
-            <a:r>
-              <a:rPr lang="pt-BR" sz="2000" dirty="0">
-                <a:latin typeface="Times New Roman" panose="02020603050405020304" pitchFamily="18" charset="0"/>
-                <a:cs typeface="Times New Roman" panose="02020603050405020304" pitchFamily="18" charset="0"/>
-              </a:rPr>
-              <a:t>	</a:t>
-            </a:r>
-            <a:r>
-              <a:rPr lang="pt-BR" sz="2000" b="1" dirty="0">
-                <a:latin typeface="Times New Roman" panose="02020603050405020304" pitchFamily="18" charset="0"/>
-                <a:cs typeface="Times New Roman" panose="02020603050405020304" pitchFamily="18" charset="0"/>
-              </a:rPr>
-              <a:t> Disponível em</a:t>
-            </a:r>
-            <a:r>
-              <a:rPr lang="pt-BR" sz="2000" dirty="0">
-                <a:latin typeface="Times New Roman" panose="02020603050405020304" pitchFamily="18" charset="0"/>
-                <a:cs typeface="Times New Roman" panose="02020603050405020304" pitchFamily="18" charset="0"/>
-              </a:rPr>
-              <a:t>: </a:t>
-            </a:r>
-            <a:r>
-              <a:rPr lang="pt-BR" sz="2000" dirty="0">
-                <a:latin typeface="Times New Roman" panose="02020603050405020304" pitchFamily="18" charset="0"/>
-                <a:cs typeface="Times New Roman" panose="02020603050405020304" pitchFamily="18" charset="0"/>
-                <a:hlinkClick r:id="rId5"/>
-              </a:rPr>
-              <a:t>https://www.w3schools.com/jquery/default.asp</a:t>
-            </a:r>
-            <a:endParaRPr lang="pt-BR" sz="2000" dirty="0">
-              <a:latin typeface="Times New Roman" panose="02020603050405020304" pitchFamily="18" charset="0"/>
-              <a:cs typeface="Times New Roman" panose="02020603050405020304" pitchFamily="18" charset="0"/>
-            </a:endParaRPr>
-          </a:p>
-          <a:p>
-            <a:pPr marL="0" indent="0" algn="just">
-              <a:buNone/>
-            </a:pPr>
-            <a:endParaRPr lang="pt-BR" sz="2000" dirty="0">
+            <a:endParaRPr lang="pt-BR" sz="2400" dirty="0">
+              <a:solidFill>
+                <a:schemeClr val="tx1"/>
+              </a:solidFill>
               <a:latin typeface="Times New Roman" panose="02020603050405020304" pitchFamily="18" charset="0"/>
               <a:cs typeface="Times New Roman" panose="02020603050405020304" pitchFamily="18" charset="0"/>
             </a:endParaRPr>
@@ -12762,7 +13609,7 @@
     </p:spTree>
     <p:extLst>
       <p:ext uri="{BB962C8B-B14F-4D97-AF65-F5344CB8AC3E}">
-        <p14:creationId xmlns:p14="http://schemas.microsoft.com/office/powerpoint/2010/main" val="3680270425"/>
+        <p14:creationId xmlns:p14="http://schemas.microsoft.com/office/powerpoint/2010/main" val="2502634530"/>
       </p:ext>
     </p:extLst>
   </p:cSld>
@@ -12818,7 +13665,7 @@
                   <a:srgbClr val="0070C0"/>
                 </a:solidFill>
               </a:rPr>
-              <a:t>Aprenda</a:t>
+              <a:t>JQuery</a:t>
             </a:r>
             <a:r>
               <a:rPr lang="en-US" b="1" dirty="0">
@@ -12826,7 +13673,23 @@
                   <a:srgbClr val="0070C0"/>
                 </a:solidFill>
               </a:rPr>
-              <a:t>+</a:t>
+              <a:t> – DOM $ </a:t>
+            </a:r>
+            <a:r>
+              <a:rPr lang="en-US" b="1" dirty="0" err="1">
+                <a:solidFill>
+                  <a:srgbClr val="0070C0"/>
+                </a:solidFill>
+              </a:rPr>
+              <a:t>Outra</a:t>
+            </a:r>
+            <a:r>
+              <a:rPr lang="en-US" b="1" dirty="0">
+                <a:solidFill>
+                  <a:srgbClr val="0070C0"/>
+                </a:solidFill>
+              </a:rPr>
+              <a:t> Forma</a:t>
             </a:r>
           </a:p>
         </p:txBody>
@@ -12843,8 +13706,8 @@
         </p:nvSpPr>
         <p:spPr>
           <a:xfrm>
-            <a:off x="142865" y="1200151"/>
-            <a:ext cx="8865056" cy="3394472"/>
+            <a:off x="142865" y="1049837"/>
+            <a:ext cx="8865056" cy="4010677"/>
           </a:xfrm>
         </p:spPr>
         <p:txBody>
@@ -12856,7 +13719,105 @@
             <a:pPr marL="0" indent="0" algn="just">
               <a:buNone/>
             </a:pPr>
+            <a:r>
+              <a:rPr lang="pt-BR" sz="2400" b="1" dirty="0">
+                <a:solidFill>
+                  <a:schemeClr val="tx1"/>
+                </a:solidFill>
+                <a:latin typeface="Times New Roman" panose="02020603050405020304" pitchFamily="18" charset="0"/>
+                <a:cs typeface="Times New Roman" panose="02020603050405020304" pitchFamily="18" charset="0"/>
+              </a:rPr>
+              <a:t>Método</a:t>
+            </a:r>
+            <a:r>
+              <a:rPr lang="pt-BR" sz="2400" dirty="0">
+                <a:solidFill>
+                  <a:schemeClr val="tx1"/>
+                </a:solidFill>
+                <a:latin typeface="Times New Roman" panose="02020603050405020304" pitchFamily="18" charset="0"/>
+                <a:cs typeface="Times New Roman" panose="02020603050405020304" pitchFamily="18" charset="0"/>
+              </a:rPr>
+              <a:t> </a:t>
+            </a:r>
+            <a:r>
+              <a:rPr lang="pt-BR" sz="2400" b="1" dirty="0" err="1">
+                <a:solidFill>
+                  <a:srgbClr val="FF0000"/>
+                </a:solidFill>
+                <a:latin typeface="Times New Roman" panose="02020603050405020304" pitchFamily="18" charset="0"/>
+                <a:cs typeface="Times New Roman" panose="02020603050405020304" pitchFamily="18" charset="0"/>
+              </a:rPr>
+              <a:t>noConflict</a:t>
+            </a:r>
+            <a:r>
+              <a:rPr lang="pt-BR" sz="2400" dirty="0">
+                <a:solidFill>
+                  <a:schemeClr val="tx1"/>
+                </a:solidFill>
+                <a:latin typeface="Times New Roman" panose="02020603050405020304" pitchFamily="18" charset="0"/>
+                <a:cs typeface="Times New Roman" panose="02020603050405020304" pitchFamily="18" charset="0"/>
+              </a:rPr>
+              <a:t>() (</a:t>
+            </a:r>
+            <a:r>
+              <a:rPr lang="pt-BR" sz="2400" b="1" dirty="0">
+                <a:solidFill>
+                  <a:schemeClr val="tx1"/>
+                </a:solidFill>
+                <a:latin typeface="Times New Roman" panose="02020603050405020304" pitchFamily="18" charset="0"/>
+                <a:cs typeface="Times New Roman" panose="02020603050405020304" pitchFamily="18" charset="0"/>
+              </a:rPr>
+              <a:t>Sem conflito</a:t>
+            </a:r>
+            <a:r>
+              <a:rPr lang="pt-BR" sz="2400" dirty="0">
+                <a:solidFill>
+                  <a:schemeClr val="tx1"/>
+                </a:solidFill>
+                <a:latin typeface="Times New Roman" panose="02020603050405020304" pitchFamily="18" charset="0"/>
+                <a:cs typeface="Times New Roman" panose="02020603050405020304" pitchFamily="18" charset="0"/>
+              </a:rPr>
+              <a:t>) – Utilizar </a:t>
+            </a:r>
+            <a:r>
+              <a:rPr lang="pt-BR" sz="2400" b="1" dirty="0" err="1">
+                <a:solidFill>
+                  <a:srgbClr val="FF0000"/>
+                </a:solidFill>
+                <a:latin typeface="Times New Roman" panose="02020603050405020304" pitchFamily="18" charset="0"/>
+                <a:cs typeface="Times New Roman" panose="02020603050405020304" pitchFamily="18" charset="0"/>
+              </a:rPr>
+              <a:t>JQuery</a:t>
+            </a:r>
+            <a:r>
+              <a:rPr lang="pt-BR" sz="2400" dirty="0">
+                <a:solidFill>
+                  <a:schemeClr val="tx1"/>
+                </a:solidFill>
+                <a:latin typeface="Times New Roman" panose="02020603050405020304" pitchFamily="18" charset="0"/>
+                <a:cs typeface="Times New Roman" panose="02020603050405020304" pitchFamily="18" charset="0"/>
+              </a:rPr>
+              <a:t> no lugar do </a:t>
+            </a:r>
+            <a:r>
+              <a:rPr lang="pt-BR" sz="2400" b="1" dirty="0">
+                <a:solidFill>
+                  <a:schemeClr val="tx1"/>
+                </a:solidFill>
+                <a:latin typeface="Times New Roman" panose="02020603050405020304" pitchFamily="18" charset="0"/>
+                <a:cs typeface="Times New Roman" panose="02020603050405020304" pitchFamily="18" charset="0"/>
+              </a:rPr>
+              <a:t>$</a:t>
+            </a:r>
+          </a:p>
+          <a:p>
+            <a:pPr marL="0" indent="0" algn="just">
+              <a:buNone/>
+            </a:pPr>
             <a:endParaRPr lang="pt-BR" sz="2400" dirty="0">
+              <a:solidFill>
+                <a:schemeClr val="tx1"/>
+              </a:solidFill>
               <a:latin typeface="Times New Roman" panose="02020603050405020304" pitchFamily="18" charset="0"/>
               <a:cs typeface="Times New Roman" panose="02020603050405020304" pitchFamily="18" charset="0"/>
             </a:endParaRPr>
@@ -12867,20 +13828,43 @@
             </a:pPr>
             <a:r>
               <a:rPr lang="pt-BR" sz="2400" dirty="0">
-                <a:latin typeface="Times New Roman" panose="02020603050405020304" pitchFamily="18" charset="0"/>
-                <a:cs typeface="Times New Roman" panose="02020603050405020304" pitchFamily="18" charset="0"/>
-              </a:rPr>
-              <a:t>[1] </a:t>
-            </a:r>
-            <a:r>
-              <a:rPr lang="pt-BR" sz="2400" dirty="0">
-                <a:latin typeface="Times New Roman" panose="02020603050405020304" pitchFamily="18" charset="0"/>
-                <a:cs typeface="Times New Roman" panose="02020603050405020304" pitchFamily="18" charset="0"/>
-                <a:hlinkClick r:id="rId3"/>
-              </a:rPr>
-              <a:t>https://www.youtube.com/watch?v=ncbYP5Whtso</a:t>
-            </a:r>
-            <a:endParaRPr lang="pt-BR" sz="2400" dirty="0">
+                <a:solidFill>
+                  <a:schemeClr val="tx1"/>
+                </a:solidFill>
+                <a:latin typeface="Times New Roman" panose="02020603050405020304" pitchFamily="18" charset="0"/>
+                <a:cs typeface="Times New Roman" panose="02020603050405020304" pitchFamily="18" charset="0"/>
+              </a:rPr>
+              <a:t>É possível criar um apelido para o </a:t>
+            </a:r>
+            <a:r>
+              <a:rPr lang="pt-BR" sz="2400" b="1" dirty="0" err="1">
+                <a:solidFill>
+                  <a:srgbClr val="FF0000"/>
+                </a:solidFill>
+                <a:latin typeface="Times New Roman" panose="02020603050405020304" pitchFamily="18" charset="0"/>
+                <a:cs typeface="Times New Roman" panose="02020603050405020304" pitchFamily="18" charset="0"/>
+              </a:rPr>
+              <a:t>JQuery</a:t>
+            </a:r>
+            <a:r>
+              <a:rPr lang="pt-BR" sz="2400" b="1" dirty="0">
+                <a:solidFill>
+                  <a:schemeClr val="tx1"/>
+                </a:solidFill>
+                <a:latin typeface="Times New Roman" panose="02020603050405020304" pitchFamily="18" charset="0"/>
+                <a:cs typeface="Times New Roman" panose="02020603050405020304" pitchFamily="18" charset="0"/>
+              </a:rPr>
+              <a:t>.</a:t>
+            </a:r>
+          </a:p>
+          <a:p>
+            <a:pPr marL="0" indent="0" algn="just">
+              <a:buNone/>
+            </a:pPr>
+            <a:endParaRPr lang="pt-BR" sz="2400" b="1" dirty="0">
+              <a:solidFill>
+                <a:srgbClr val="FF0000"/>
+              </a:solidFill>
               <a:latin typeface="Times New Roman" panose="02020603050405020304" pitchFamily="18" charset="0"/>
               <a:cs typeface="Times New Roman" panose="02020603050405020304" pitchFamily="18" charset="0"/>
             </a:endParaRPr>
@@ -12889,7 +13873,295 @@
             <a:pPr marL="0" indent="0" algn="just">
               <a:buNone/>
             </a:pPr>
+            <a:r>
+              <a:rPr lang="pt-BR" sz="2400" b="1" dirty="0">
+                <a:solidFill>
+                  <a:srgbClr val="FF0000"/>
+                </a:solidFill>
+                <a:latin typeface="Times New Roman" panose="02020603050405020304" pitchFamily="18" charset="0"/>
+                <a:cs typeface="Times New Roman" panose="02020603050405020304" pitchFamily="18" charset="0"/>
+              </a:rPr>
+              <a:t>Exemplo</a:t>
+            </a:r>
+            <a:r>
+              <a:rPr lang="pt-BR" sz="2400" b="1" dirty="0">
+                <a:solidFill>
+                  <a:schemeClr val="tx1"/>
+                </a:solidFill>
+                <a:latin typeface="Times New Roman" panose="02020603050405020304" pitchFamily="18" charset="0"/>
+                <a:cs typeface="Times New Roman" panose="02020603050405020304" pitchFamily="18" charset="0"/>
+              </a:rPr>
+              <a:t>:</a:t>
+            </a:r>
+            <a:r>
+              <a:rPr lang="pt-BR" sz="2400" dirty="0">
+                <a:solidFill>
+                  <a:schemeClr val="tx1"/>
+                </a:solidFill>
+                <a:latin typeface="Times New Roman" panose="02020603050405020304" pitchFamily="18" charset="0"/>
+                <a:cs typeface="Times New Roman" panose="02020603050405020304" pitchFamily="18" charset="0"/>
+              </a:rPr>
+              <a:t> </a:t>
+            </a:r>
+          </a:p>
+          <a:p>
+            <a:pPr marL="447675" lvl="1" indent="0" algn="just">
+              <a:buNone/>
+            </a:pPr>
+            <a:r>
+              <a:rPr lang="pt-BR" sz="2400" dirty="0">
+                <a:solidFill>
+                  <a:schemeClr val="tx1"/>
+                </a:solidFill>
+                <a:latin typeface="Times New Roman" panose="02020603050405020304" pitchFamily="18" charset="0"/>
+                <a:cs typeface="Times New Roman" panose="02020603050405020304" pitchFamily="18" charset="0"/>
+              </a:rPr>
+              <a:t> </a:t>
+            </a:r>
+            <a:r>
+              <a:rPr lang="pt-BR" sz="2400" b="1" dirty="0" err="1">
+                <a:solidFill>
+                  <a:schemeClr val="tx1"/>
+                </a:solidFill>
+                <a:latin typeface="Times New Roman" panose="02020603050405020304" pitchFamily="18" charset="0"/>
+                <a:cs typeface="Times New Roman" panose="02020603050405020304" pitchFamily="18" charset="0"/>
+              </a:rPr>
+              <a:t>let</a:t>
+            </a:r>
+            <a:r>
+              <a:rPr lang="pt-BR" sz="2400" dirty="0">
+                <a:solidFill>
+                  <a:schemeClr val="tx1"/>
+                </a:solidFill>
+                <a:latin typeface="Times New Roman" panose="02020603050405020304" pitchFamily="18" charset="0"/>
+                <a:cs typeface="Times New Roman" panose="02020603050405020304" pitchFamily="18" charset="0"/>
+              </a:rPr>
+              <a:t> </a:t>
+            </a:r>
+            <a:r>
+              <a:rPr lang="pt-BR" sz="2400" b="1" dirty="0" err="1">
+                <a:solidFill>
+                  <a:srgbClr val="FF0000"/>
+                </a:solidFill>
+                <a:latin typeface="Times New Roman" panose="02020603050405020304" pitchFamily="18" charset="0"/>
+                <a:cs typeface="Times New Roman" panose="02020603050405020304" pitchFamily="18" charset="0"/>
+              </a:rPr>
+              <a:t>jq</a:t>
+            </a:r>
+            <a:r>
+              <a:rPr lang="pt-BR" sz="2400" dirty="0">
+                <a:solidFill>
+                  <a:schemeClr val="tx1"/>
+                </a:solidFill>
+                <a:latin typeface="Times New Roman" panose="02020603050405020304" pitchFamily="18" charset="0"/>
+                <a:cs typeface="Times New Roman" panose="02020603050405020304" pitchFamily="18" charset="0"/>
+              </a:rPr>
+              <a:t> = $.</a:t>
+            </a:r>
+            <a:r>
+              <a:rPr lang="pt-BR" sz="2400" dirty="0" err="1">
+                <a:solidFill>
+                  <a:schemeClr val="tx1"/>
+                </a:solidFill>
+                <a:latin typeface="Times New Roman" panose="02020603050405020304" pitchFamily="18" charset="0"/>
+                <a:cs typeface="Times New Roman" panose="02020603050405020304" pitchFamily="18" charset="0"/>
+              </a:rPr>
+              <a:t>noConflict</a:t>
+            </a:r>
+            <a:r>
+              <a:rPr lang="pt-BR" sz="2400" dirty="0">
+                <a:solidFill>
+                  <a:schemeClr val="tx1"/>
+                </a:solidFill>
+                <a:latin typeface="Times New Roman" panose="02020603050405020304" pitchFamily="18" charset="0"/>
+                <a:cs typeface="Times New Roman" panose="02020603050405020304" pitchFamily="18" charset="0"/>
+              </a:rPr>
+              <a:t>();</a:t>
+            </a:r>
+          </a:p>
+          <a:p>
+            <a:pPr marL="447675" lvl="1" indent="0" algn="just">
+              <a:buNone/>
+            </a:pPr>
+            <a:r>
+              <a:rPr lang="pt-BR" sz="2400" dirty="0">
+                <a:solidFill>
+                  <a:schemeClr val="tx1"/>
+                </a:solidFill>
+                <a:latin typeface="Times New Roman" panose="02020603050405020304" pitchFamily="18" charset="0"/>
+                <a:cs typeface="Times New Roman" panose="02020603050405020304" pitchFamily="18" charset="0"/>
+              </a:rPr>
+              <a:t> </a:t>
+            </a:r>
+            <a:r>
+              <a:rPr lang="pt-BR" sz="2400" b="1" dirty="0" err="1">
+                <a:solidFill>
+                  <a:srgbClr val="FF0000"/>
+                </a:solidFill>
+                <a:latin typeface="Times New Roman" panose="02020603050405020304" pitchFamily="18" charset="0"/>
+                <a:cs typeface="Times New Roman" panose="02020603050405020304" pitchFamily="18" charset="0"/>
+              </a:rPr>
+              <a:t>jq</a:t>
+            </a:r>
+            <a:r>
+              <a:rPr lang="pt-BR" sz="2400" dirty="0">
+                <a:solidFill>
+                  <a:schemeClr val="tx1"/>
+                </a:solidFill>
+                <a:latin typeface="Times New Roman" panose="02020603050405020304" pitchFamily="18" charset="0"/>
+                <a:cs typeface="Times New Roman" panose="02020603050405020304" pitchFamily="18" charset="0"/>
+              </a:rPr>
+              <a:t>(</a:t>
+            </a:r>
+            <a:r>
+              <a:rPr lang="pt-BR" sz="2400" b="1" dirty="0" err="1">
+                <a:solidFill>
+                  <a:schemeClr val="tx1"/>
+                </a:solidFill>
+                <a:latin typeface="Times New Roman" panose="02020603050405020304" pitchFamily="18" charset="0"/>
+                <a:cs typeface="Times New Roman" panose="02020603050405020304" pitchFamily="18" charset="0"/>
+              </a:rPr>
+              <a:t>document</a:t>
+            </a:r>
+            <a:r>
+              <a:rPr lang="pt-BR" sz="2400" dirty="0">
+                <a:solidFill>
+                  <a:schemeClr val="tx1"/>
+                </a:solidFill>
+                <a:latin typeface="Times New Roman" panose="02020603050405020304" pitchFamily="18" charset="0"/>
+                <a:cs typeface="Times New Roman" panose="02020603050405020304" pitchFamily="18" charset="0"/>
+              </a:rPr>
+              <a:t>).</a:t>
+            </a:r>
+            <a:r>
+              <a:rPr lang="pt-BR" sz="2400" dirty="0" err="1">
+                <a:solidFill>
+                  <a:schemeClr val="tx1"/>
+                </a:solidFill>
+                <a:latin typeface="Times New Roman" panose="02020603050405020304" pitchFamily="18" charset="0"/>
+                <a:cs typeface="Times New Roman" panose="02020603050405020304" pitchFamily="18" charset="0"/>
+              </a:rPr>
+              <a:t>ready</a:t>
+            </a:r>
+            <a:r>
+              <a:rPr lang="pt-BR" sz="2400" dirty="0">
+                <a:solidFill>
+                  <a:schemeClr val="tx1"/>
+                </a:solidFill>
+                <a:latin typeface="Times New Roman" panose="02020603050405020304" pitchFamily="18" charset="0"/>
+                <a:cs typeface="Times New Roman" panose="02020603050405020304" pitchFamily="18" charset="0"/>
+              </a:rPr>
+              <a:t>(</a:t>
+            </a:r>
+            <a:r>
+              <a:rPr lang="pt-BR" sz="2400" b="1" dirty="0" err="1">
+                <a:solidFill>
+                  <a:schemeClr val="tx1"/>
+                </a:solidFill>
+                <a:latin typeface="Times New Roman" panose="02020603050405020304" pitchFamily="18" charset="0"/>
+                <a:cs typeface="Times New Roman" panose="02020603050405020304" pitchFamily="18" charset="0"/>
+              </a:rPr>
+              <a:t>function</a:t>
+            </a:r>
+            <a:r>
+              <a:rPr lang="pt-BR" sz="2400" dirty="0">
+                <a:solidFill>
+                  <a:schemeClr val="tx1"/>
+                </a:solidFill>
+                <a:latin typeface="Times New Roman" panose="02020603050405020304" pitchFamily="18" charset="0"/>
+                <a:cs typeface="Times New Roman" panose="02020603050405020304" pitchFamily="18" charset="0"/>
+              </a:rPr>
+              <a:t> () {</a:t>
+            </a:r>
+          </a:p>
+          <a:p>
+            <a:pPr marL="447675" lvl="1" indent="0" algn="just">
+              <a:buNone/>
+            </a:pPr>
+            <a:r>
+              <a:rPr lang="pt-BR" sz="2400" dirty="0">
+                <a:solidFill>
+                  <a:schemeClr val="tx1"/>
+                </a:solidFill>
+                <a:latin typeface="Times New Roman" panose="02020603050405020304" pitchFamily="18" charset="0"/>
+                <a:cs typeface="Times New Roman" panose="02020603050405020304" pitchFamily="18" charset="0"/>
+              </a:rPr>
+              <a:t>		</a:t>
+            </a:r>
+            <a:r>
+              <a:rPr lang="pt-BR" sz="2400" b="1" dirty="0">
+                <a:solidFill>
+                  <a:schemeClr val="tx1"/>
+                </a:solidFill>
+                <a:latin typeface="Times New Roman" panose="02020603050405020304" pitchFamily="18" charset="0"/>
+                <a:cs typeface="Times New Roman" panose="02020603050405020304" pitchFamily="18" charset="0"/>
+              </a:rPr>
+              <a:t> </a:t>
+            </a:r>
+            <a:r>
+              <a:rPr lang="pt-BR" sz="2400" b="1" dirty="0" err="1">
+                <a:solidFill>
+                  <a:srgbClr val="FF0000"/>
+                </a:solidFill>
+                <a:latin typeface="Times New Roman" panose="02020603050405020304" pitchFamily="18" charset="0"/>
+                <a:cs typeface="Times New Roman" panose="02020603050405020304" pitchFamily="18" charset="0"/>
+              </a:rPr>
+              <a:t>jq</a:t>
+            </a:r>
+            <a:r>
+              <a:rPr lang="pt-BR" sz="2400" dirty="0">
+                <a:solidFill>
+                  <a:schemeClr val="tx1"/>
+                </a:solidFill>
+                <a:latin typeface="Times New Roman" panose="02020603050405020304" pitchFamily="18" charset="0"/>
+                <a:cs typeface="Times New Roman" panose="02020603050405020304" pitchFamily="18" charset="0"/>
+              </a:rPr>
+              <a:t>(‘p’).</a:t>
+            </a:r>
+            <a:r>
+              <a:rPr lang="pt-BR" sz="2400" dirty="0" err="1">
+                <a:solidFill>
+                  <a:schemeClr val="tx1"/>
+                </a:solidFill>
+                <a:latin typeface="Times New Roman" panose="02020603050405020304" pitchFamily="18" charset="0"/>
+                <a:cs typeface="Times New Roman" panose="02020603050405020304" pitchFamily="18" charset="0"/>
+              </a:rPr>
+              <a:t>text</a:t>
+            </a:r>
+            <a:r>
+              <a:rPr lang="pt-BR" sz="2400" dirty="0">
+                <a:solidFill>
+                  <a:schemeClr val="tx1"/>
+                </a:solidFill>
+                <a:latin typeface="Times New Roman" panose="02020603050405020304" pitchFamily="18" charset="0"/>
+                <a:cs typeface="Times New Roman" panose="02020603050405020304" pitchFamily="18" charset="0"/>
+              </a:rPr>
+              <a:t>(‘Texto’);</a:t>
+            </a:r>
+          </a:p>
+          <a:p>
+            <a:pPr marL="447675" lvl="1" indent="0" algn="just">
+              <a:buNone/>
+            </a:pPr>
+            <a:r>
+              <a:rPr lang="pt-BR" sz="2400" dirty="0">
+                <a:solidFill>
+                  <a:schemeClr val="tx1"/>
+                </a:solidFill>
+                <a:latin typeface="Times New Roman" panose="02020603050405020304" pitchFamily="18" charset="0"/>
+                <a:cs typeface="Times New Roman" panose="02020603050405020304" pitchFamily="18" charset="0"/>
+              </a:rPr>
+              <a:t>  });</a:t>
+            </a:r>
+          </a:p>
+          <a:p>
+            <a:pPr marL="0" indent="0" algn="just">
+              <a:buNone/>
+            </a:pPr>
             <a:endParaRPr lang="pt-BR" sz="2400" dirty="0">
+              <a:solidFill>
+                <a:schemeClr val="tx1"/>
+              </a:solidFill>
               <a:latin typeface="Times New Roman" panose="02020603050405020304" pitchFamily="18" charset="0"/>
               <a:cs typeface="Times New Roman" panose="02020603050405020304" pitchFamily="18" charset="0"/>
             </a:endParaRPr>
@@ -12899,6 +14171,9 @@
               <a:buNone/>
             </a:pPr>
             <a:endParaRPr lang="pt-BR" sz="2400" dirty="0">
+              <a:solidFill>
+                <a:schemeClr val="tx1"/>
+              </a:solidFill>
               <a:latin typeface="Times New Roman" panose="02020603050405020304" pitchFamily="18" charset="0"/>
               <a:cs typeface="Times New Roman" panose="02020603050405020304" pitchFamily="18" charset="0"/>
             </a:endParaRPr>
@@ -12907,34 +14182,10 @@
             <a:pPr marL="0" indent="0" algn="just">
               <a:buNone/>
             </a:pPr>
-            <a:r>
-              <a:rPr lang="pt-BR" sz="2400" dirty="0">
-                <a:latin typeface="Times New Roman" panose="02020603050405020304" pitchFamily="18" charset="0"/>
-                <a:cs typeface="Times New Roman" panose="02020603050405020304" pitchFamily="18" charset="0"/>
-              </a:rPr>
-              <a:t>[2] </a:t>
-            </a:r>
-            <a:r>
-              <a:rPr lang="pt-BR" sz="2400" dirty="0">
-                <a:latin typeface="Times New Roman" panose="02020603050405020304" pitchFamily="18" charset="0"/>
-                <a:cs typeface="Times New Roman" panose="02020603050405020304" pitchFamily="18" charset="0"/>
-                <a:hlinkClick r:id="rId4"/>
-              </a:rPr>
-              <a:t>https://www.alura.com.br/conteudo/jquery-a-biblioteca-do-mercado</a:t>
-            </a:r>
-            <a:r>
-              <a:rPr lang="pt-BR" sz="2400" dirty="0">
-                <a:latin typeface="Times New Roman" panose="02020603050405020304" pitchFamily="18" charset="0"/>
-                <a:cs typeface="Times New Roman" panose="02020603050405020304" pitchFamily="18" charset="0"/>
-              </a:rPr>
-              <a:t> </a:t>
-            </a:r>
-          </a:p>
-          <a:p>
-            <a:pPr marL="0" indent="0" algn="just">
-              <a:buNone/>
-            </a:pPr>
             <a:endParaRPr lang="pt-BR" sz="2400" dirty="0">
+              <a:solidFill>
+                <a:schemeClr val="tx1"/>
+              </a:solidFill>
               <a:latin typeface="Times New Roman" panose="02020603050405020304" pitchFamily="18" charset="0"/>
               <a:cs typeface="Times New Roman" panose="02020603050405020304" pitchFamily="18" charset="0"/>
             </a:endParaRPr>
@@ -12944,6 +14195,9 @@
               <a:buNone/>
             </a:pPr>
             <a:endParaRPr lang="pt-BR" sz="2400" dirty="0">
+              <a:solidFill>
+                <a:schemeClr val="tx1"/>
+              </a:solidFill>
               <a:latin typeface="Times New Roman" panose="02020603050405020304" pitchFamily="18" charset="0"/>
               <a:cs typeface="Times New Roman" panose="02020603050405020304" pitchFamily="18" charset="0"/>
             </a:endParaRPr>
@@ -12953,15 +14207,9 @@
               <a:buNone/>
             </a:pPr>
             <a:endParaRPr lang="pt-BR" sz="2400" dirty="0">
-              <a:latin typeface="Times New Roman" panose="02020603050405020304" pitchFamily="18" charset="0"/>
-              <a:cs typeface="Times New Roman" panose="02020603050405020304" pitchFamily="18" charset="0"/>
-            </a:endParaRPr>
-          </a:p>
-          <a:p>
-            <a:pPr marL="0" indent="0" algn="just">
-              <a:buNone/>
-            </a:pPr>
-            <a:endParaRPr lang="pt-BR" sz="2400" dirty="0">
+              <a:solidFill>
+                <a:schemeClr val="tx1"/>
+              </a:solidFill>
               <a:latin typeface="Times New Roman" panose="02020603050405020304" pitchFamily="18" charset="0"/>
               <a:cs typeface="Times New Roman" panose="02020603050405020304" pitchFamily="18" charset="0"/>
             </a:endParaRPr>
@@ -12971,7 +14219,7 @@
     </p:spTree>
     <p:extLst>
       <p:ext uri="{BB962C8B-B14F-4D97-AF65-F5344CB8AC3E}">
-        <p14:creationId xmlns:p14="http://schemas.microsoft.com/office/powerpoint/2010/main" val="2747596967"/>
+        <p14:creationId xmlns:p14="http://schemas.microsoft.com/office/powerpoint/2010/main" val="360958168"/>
       </p:ext>
     </p:extLst>
   </p:cSld>
@@ -13027,7 +14275,7 @@
                   <a:srgbClr val="0070C0"/>
                 </a:solidFill>
               </a:rPr>
-              <a:t>Dinâmica</a:t>
+              <a:t>JQuery</a:t>
             </a:r>
             <a:r>
               <a:rPr lang="en-US" b="1" dirty="0">
@@ -13035,21 +14283,8 @@
                   <a:srgbClr val="0070C0"/>
                 </a:solidFill>
               </a:rPr>
-              <a:t>/</a:t>
-            </a:r>
-            <a:r>
-              <a:rPr lang="en-US" b="1" dirty="0" err="1">
-                <a:solidFill>
-                  <a:srgbClr val="0070C0"/>
-                </a:solidFill>
-              </a:rPr>
-              <a:t>Atividades</a:t>
-            </a:r>
-            <a:endParaRPr lang="en-US" b="1" dirty="0">
-              <a:solidFill>
-                <a:srgbClr val="0070C0"/>
-              </a:solidFill>
-            </a:endParaRPr>
+              <a:t> – DOM AJAX</a:t>
+            </a:r>
           </a:p>
         </p:txBody>
       </p:sp>
@@ -13065,8 +14300,8 @@
         </p:nvSpPr>
         <p:spPr>
           <a:xfrm>
-            <a:off x="139472" y="1063230"/>
-            <a:ext cx="8865056" cy="3606305"/>
+            <a:off x="142865" y="1049838"/>
+            <a:ext cx="8865056" cy="3900208"/>
           </a:xfrm>
         </p:spPr>
         <p:txBody>
@@ -13075,25 +14310,48 @@
           </a:bodyPr>
           <a:lstStyle/>
           <a:p>
-            <a:pPr algn="just">
-              <a:buFontTx/>
-              <a:buChar char="-"/>
-            </a:pPr>
-            <a:r>
-              <a:rPr lang="pt-BR" dirty="0">
-                <a:latin typeface="Times New Roman" panose="02020603050405020304" pitchFamily="18" charset="0"/>
-                <a:cs typeface="Times New Roman" panose="02020603050405020304" pitchFamily="18" charset="0"/>
-              </a:rPr>
-              <a:t>Exercícios de Fixação </a:t>
-            </a:r>
-            <a:r>
-              <a:rPr lang="pt-BR" b="1" dirty="0" err="1">
-                <a:latin typeface="Times New Roman" panose="02020603050405020304" pitchFamily="18" charset="0"/>
-                <a:cs typeface="Times New Roman" panose="02020603050405020304" pitchFamily="18" charset="0"/>
-              </a:rPr>
-              <a:t>JQuery</a:t>
-            </a:r>
-            <a:endParaRPr lang="pt-BR" b="1" dirty="0">
+            <a:pPr marL="0" indent="0" algn="just">
+              <a:buNone/>
+            </a:pPr>
+            <a:r>
+              <a:rPr lang="pt-BR" sz="2000" b="1" dirty="0" err="1">
+                <a:solidFill>
+                  <a:srgbClr val="FF0000"/>
+                </a:solidFill>
+                <a:latin typeface="Times New Roman" panose="02020603050405020304" pitchFamily="18" charset="0"/>
+                <a:cs typeface="Times New Roman" panose="02020603050405020304" pitchFamily="18" charset="0"/>
+              </a:rPr>
+              <a:t>AsynchronousJavaScriptAndXML</a:t>
+            </a:r>
+            <a:r>
+              <a:rPr lang="pt-BR" sz="2000" b="1" dirty="0">
+                <a:solidFill>
+                  <a:srgbClr val="FF0000"/>
+                </a:solidFill>
+                <a:latin typeface="Times New Roman" panose="02020603050405020304" pitchFamily="18" charset="0"/>
+                <a:cs typeface="Times New Roman" panose="02020603050405020304" pitchFamily="18" charset="0"/>
+              </a:rPr>
+              <a:t>, </a:t>
+            </a:r>
+            <a:r>
+              <a:rPr lang="pt-BR" sz="2000" dirty="0">
+                <a:solidFill>
+                  <a:schemeClr val="tx1"/>
+                </a:solidFill>
+                <a:latin typeface="Times New Roman" panose="02020603050405020304" pitchFamily="18" charset="0"/>
+                <a:cs typeface="Times New Roman" panose="02020603050405020304" pitchFamily="18" charset="0"/>
+              </a:rPr>
+              <a:t>tem como objetivo carregar dados em segundo plano e exibi-los na página da web.</a:t>
+            </a:r>
+          </a:p>
+          <a:p>
+            <a:pPr marL="0" indent="0" algn="just">
+              <a:buNone/>
+            </a:pPr>
+            <a:endParaRPr lang="pt-BR" sz="2000" dirty="0">
+              <a:solidFill>
+                <a:schemeClr val="tx1"/>
+              </a:solidFill>
               <a:latin typeface="Times New Roman" panose="02020603050405020304" pitchFamily="18" charset="0"/>
               <a:cs typeface="Times New Roman" panose="02020603050405020304" pitchFamily="18" charset="0"/>
             </a:endParaRPr>
@@ -13103,67 +14361,24 @@
               <a:buNone/>
             </a:pPr>
             <a:r>
-              <a:rPr lang="pt-BR" dirty="0">
-                <a:latin typeface="Times New Roman" panose="02020603050405020304" pitchFamily="18" charset="0"/>
-                <a:cs typeface="Times New Roman" panose="02020603050405020304" pitchFamily="18" charset="0"/>
-              </a:rPr>
-              <a:t>	</a:t>
-            </a:r>
-            <a:r>
-              <a:rPr lang="pt-BR" b="1" dirty="0">
-                <a:solidFill>
-                  <a:srgbClr val="FF0000"/>
-                </a:solidFill>
-                <a:latin typeface="Times New Roman" panose="02020603050405020304" pitchFamily="18" charset="0"/>
-                <a:cs typeface="Times New Roman" panose="02020603050405020304" pitchFamily="18" charset="0"/>
-              </a:rPr>
-              <a:t>Desafio em Sala de Aula</a:t>
-            </a:r>
-            <a:r>
-              <a:rPr lang="pt-BR" dirty="0">
-                <a:latin typeface="Times New Roman" panose="02020603050405020304" pitchFamily="18" charset="0"/>
-                <a:cs typeface="Times New Roman" panose="02020603050405020304" pitchFamily="18" charset="0"/>
-              </a:rPr>
-              <a:t>.</a:t>
-            </a:r>
-          </a:p>
-          <a:p>
-            <a:pPr marL="0" indent="0" algn="just">
-              <a:buNone/>
-            </a:pPr>
-            <a:r>
-              <a:rPr lang="pt-BR" dirty="0">
-                <a:latin typeface="Times New Roman" panose="02020603050405020304" pitchFamily="18" charset="0"/>
-                <a:cs typeface="Times New Roman" panose="02020603050405020304" pitchFamily="18" charset="0"/>
-              </a:rPr>
-              <a:t>		</a:t>
-            </a:r>
-          </a:p>
-          <a:p>
-            <a:pPr marL="0" indent="0" algn="just">
-              <a:buNone/>
-            </a:pPr>
-            <a:r>
-              <a:rPr lang="es-ES" dirty="0">
-                <a:latin typeface="Times New Roman" panose="02020603050405020304" pitchFamily="18" charset="0"/>
-                <a:cs typeface="Times New Roman" panose="02020603050405020304" pitchFamily="18" charset="0"/>
-              </a:rPr>
-              <a:t>- Quiz JQuery</a:t>
-            </a:r>
-          </a:p>
-          <a:p>
-            <a:pPr marL="0" indent="0" algn="just">
-              <a:buNone/>
-            </a:pPr>
-            <a:r>
-              <a:rPr lang="es-ES" dirty="0">
-                <a:latin typeface="Times New Roman" panose="02020603050405020304" pitchFamily="18" charset="0"/>
-                <a:cs typeface="Times New Roman" panose="02020603050405020304" pitchFamily="18" charset="0"/>
-                <a:hlinkClick r:id="rId3"/>
-              </a:rPr>
-              <a:t>https://www.w3schools.com/jquery/jquery_quiz.asp</a:t>
-            </a:r>
-            <a:endParaRPr lang="es-ES" dirty="0">
+              <a:rPr lang="pt-BR" sz="2000" dirty="0">
+                <a:solidFill>
+                  <a:schemeClr val="tx1"/>
+                </a:solidFill>
+                <a:latin typeface="Times New Roman" panose="02020603050405020304" pitchFamily="18" charset="0"/>
+                <a:cs typeface="Times New Roman" panose="02020603050405020304" pitchFamily="18" charset="0"/>
+              </a:rPr>
+              <a:t>Possibilita buscar informações em outros sites, arquivos externos, efeitos, sem a necessidade de recarregar a página web.</a:t>
+            </a:r>
+          </a:p>
+          <a:p>
+            <a:pPr marL="0" indent="0" algn="just">
+              <a:buNone/>
+            </a:pPr>
+            <a:endParaRPr lang="pt-BR" sz="2000" dirty="0">
+              <a:solidFill>
+                <a:schemeClr val="tx1"/>
+              </a:solidFill>
               <a:latin typeface="Times New Roman" panose="02020603050405020304" pitchFamily="18" charset="0"/>
               <a:cs typeface="Times New Roman" panose="02020603050405020304" pitchFamily="18" charset="0"/>
             </a:endParaRPr>
@@ -13172,16 +14387,96 @@
             <a:pPr marL="0" indent="0" algn="just">
               <a:buNone/>
             </a:pPr>
-            <a:endParaRPr lang="pt-BR" dirty="0">
-              <a:latin typeface="Calibri" panose="020F0502020204030204" pitchFamily="34" charset="0"/>
+            <a:r>
+              <a:rPr lang="pt-BR" sz="2000" b="1" dirty="0">
+                <a:solidFill>
+                  <a:srgbClr val="FF0000"/>
+                </a:solidFill>
+                <a:latin typeface="Times New Roman" panose="02020603050405020304" pitchFamily="18" charset="0"/>
+                <a:cs typeface="Times New Roman" panose="02020603050405020304" pitchFamily="18" charset="0"/>
+              </a:rPr>
+              <a:t>Exemplo API CEP</a:t>
+            </a:r>
+            <a:r>
+              <a:rPr lang="pt-BR" sz="2000" dirty="0">
+                <a:solidFill>
+                  <a:schemeClr val="tx1"/>
+                </a:solidFill>
+                <a:latin typeface="Times New Roman" panose="02020603050405020304" pitchFamily="18" charset="0"/>
+                <a:cs typeface="Times New Roman" panose="02020603050405020304" pitchFamily="18" charset="0"/>
+              </a:rPr>
+              <a:t>:</a:t>
+            </a:r>
+          </a:p>
+          <a:p>
+            <a:pPr marL="0" indent="0" algn="just">
+              <a:buNone/>
+            </a:pPr>
+            <a:r>
+              <a:rPr lang="pt-BR" sz="2000" dirty="0">
+                <a:solidFill>
+                  <a:schemeClr val="tx1"/>
+                </a:solidFill>
+                <a:latin typeface="Times New Roman" panose="02020603050405020304" pitchFamily="18" charset="0"/>
+                <a:cs typeface="Times New Roman" panose="02020603050405020304" pitchFamily="18" charset="0"/>
+              </a:rPr>
+              <a:t> 	</a:t>
+            </a:r>
+            <a:r>
+              <a:rPr lang="pt-BR" sz="2000" dirty="0">
+                <a:solidFill>
+                  <a:schemeClr val="tx1"/>
+                </a:solidFill>
+                <a:latin typeface="Times New Roman" panose="02020603050405020304" pitchFamily="18" charset="0"/>
+                <a:cs typeface="Times New Roman" panose="02020603050405020304" pitchFamily="18" charset="0"/>
+                <a:hlinkClick r:id="rId3"/>
+              </a:rPr>
+              <a:t>https://viacep.com.br/exemplo/jquery/</a:t>
+            </a:r>
+            <a:endParaRPr lang="pt-BR" sz="2000" dirty="0">
+              <a:solidFill>
+                <a:schemeClr val="tx1"/>
+              </a:solidFill>
+              <a:latin typeface="Times New Roman" panose="02020603050405020304" pitchFamily="18" charset="0"/>
+              <a:cs typeface="Times New Roman" panose="02020603050405020304" pitchFamily="18" charset="0"/>
             </a:endParaRPr>
+          </a:p>
+          <a:p>
+            <a:pPr marL="0" indent="0" algn="just">
+              <a:buNone/>
+            </a:pPr>
+            <a:r>
+              <a:rPr lang="pt-BR" sz="2000" dirty="0">
+                <a:solidFill>
+                  <a:schemeClr val="tx1"/>
+                </a:solidFill>
+                <a:latin typeface="Times New Roman" panose="02020603050405020304" pitchFamily="18" charset="0"/>
+                <a:cs typeface="Times New Roman" panose="02020603050405020304" pitchFamily="18" charset="0"/>
+              </a:rPr>
+              <a:t>       </a:t>
+            </a:r>
+          </a:p>
+          <a:p>
+            <a:pPr marL="0" indent="0" algn="just">
+              <a:buNone/>
+            </a:pPr>
+            <a:r>
+              <a:rPr lang="pt-BR" sz="2000" dirty="0">
+                <a:solidFill>
+                  <a:schemeClr val="tx1"/>
+                </a:solidFill>
+                <a:latin typeface="Times New Roman" panose="02020603050405020304" pitchFamily="18" charset="0"/>
+                <a:cs typeface="Times New Roman" panose="02020603050405020304" pitchFamily="18" charset="0"/>
+              </a:rPr>
+              <a:t>     </a:t>
+            </a:r>
           </a:p>
         </p:txBody>
       </p:sp>
     </p:spTree>
     <p:extLst>
       <p:ext uri="{BB962C8B-B14F-4D97-AF65-F5344CB8AC3E}">
-        <p14:creationId xmlns:p14="http://schemas.microsoft.com/office/powerpoint/2010/main" val="2470652989"/>
+        <p14:creationId xmlns:p14="http://schemas.microsoft.com/office/powerpoint/2010/main" val="1969506227"/>
       </p:ext>
     </p:extLst>
   </p:cSld>
@@ -13237,7 +14532,7 @@
                   <a:srgbClr val="0070C0"/>
                 </a:solidFill>
               </a:rPr>
-              <a:t>Referências</a:t>
+              <a:t>JQuery</a:t>
             </a:r>
             <a:r>
               <a:rPr lang="en-US" b="1" dirty="0">
@@ -13245,6 +14540,22 @@
                   <a:srgbClr val="0070C0"/>
                 </a:solidFill>
               </a:rPr>
+              <a:t> – DOM AJAX </a:t>
+            </a:r>
+            <a:r>
+              <a:rPr lang="en-US" b="1" dirty="0" err="1">
+                <a:solidFill>
+                  <a:srgbClr val="0070C0"/>
+                </a:solidFill>
+              </a:rPr>
+              <a:t>Arq</a:t>
+            </a:r>
+            <a:r>
+              <a:rPr lang="en-US" b="1" dirty="0">
+                <a:solidFill>
+                  <a:srgbClr val="0070C0"/>
+                </a:solidFill>
+              </a:rPr>
               <a:t> </a:t>
             </a:r>
             <a:r>
@@ -13253,13 +14564,3777 @@
                   <a:srgbClr val="0070C0"/>
                 </a:solidFill>
               </a:rPr>
-              <a:t>Bibliográficas</a:t>
+              <a:t>Texto</a:t>
             </a:r>
             <a:endParaRPr lang="en-US" b="1" dirty="0">
               <a:solidFill>
                 <a:srgbClr val="0070C0"/>
               </a:solidFill>
             </a:endParaRPr>
+          </a:p>
+        </p:txBody>
+      </p:sp>
+      <p:sp>
+        <p:nvSpPr>
+          <p:cNvPr id="8" name="Text Placeholder 2"/>
+          <p:cNvSpPr>
+            <a:spLocks noGrp="1"/>
+          </p:cNvSpPr>
+          <p:nvPr>
+            <p:ph type="body" sz="half" idx="1"/>
+          </p:nvPr>
+        </p:nvSpPr>
+        <p:spPr>
+          <a:xfrm>
+            <a:off x="142865" y="1049838"/>
+            <a:ext cx="8865056" cy="3900208"/>
+          </a:xfrm>
+        </p:spPr>
+        <p:txBody>
+          <a:bodyPr>
+            <a:noAutofit/>
+          </a:bodyPr>
+          <a:lstStyle/>
+          <a:p>
+            <a:pPr marL="0" indent="0" algn="just">
+              <a:buNone/>
+            </a:pPr>
+            <a:r>
+              <a:rPr lang="pt-BR" sz="2400" b="1" dirty="0">
+                <a:solidFill>
+                  <a:schemeClr val="tx1"/>
+                </a:solidFill>
+                <a:latin typeface="Times New Roman" panose="02020603050405020304" pitchFamily="18" charset="0"/>
+                <a:cs typeface="Times New Roman" panose="02020603050405020304" pitchFamily="18" charset="0"/>
+              </a:rPr>
+              <a:t>Nota</a:t>
+            </a:r>
+            <a:r>
+              <a:rPr lang="pt-BR" sz="2400" dirty="0">
+                <a:solidFill>
+                  <a:schemeClr val="tx1"/>
+                </a:solidFill>
+                <a:latin typeface="Times New Roman" panose="02020603050405020304" pitchFamily="18" charset="0"/>
+                <a:cs typeface="Times New Roman" panose="02020603050405020304" pitchFamily="18" charset="0"/>
+              </a:rPr>
+              <a:t>: Acesso para arquivo externo precisa de permissão, senão dar erro de </a:t>
+            </a:r>
+            <a:r>
+              <a:rPr lang="pt-BR" sz="2400" dirty="0" err="1">
+                <a:solidFill>
+                  <a:schemeClr val="tx1"/>
+                </a:solidFill>
+                <a:latin typeface="Times New Roman" panose="02020603050405020304" pitchFamily="18" charset="0"/>
+                <a:cs typeface="Times New Roman" panose="02020603050405020304" pitchFamily="18" charset="0"/>
+              </a:rPr>
+              <a:t>Cors</a:t>
+            </a:r>
+            <a:endParaRPr lang="pt-BR" sz="2400" dirty="0">
+              <a:solidFill>
+                <a:schemeClr val="tx1"/>
+              </a:solidFill>
+              <a:latin typeface="Times New Roman" panose="02020603050405020304" pitchFamily="18" charset="0"/>
+              <a:cs typeface="Times New Roman" panose="02020603050405020304" pitchFamily="18" charset="0"/>
+            </a:endParaRPr>
+          </a:p>
+          <a:p>
+            <a:pPr marL="0" indent="0" algn="just">
+              <a:buNone/>
+            </a:pPr>
+            <a:r>
+              <a:rPr lang="pt-BR" sz="2400" dirty="0">
+                <a:solidFill>
+                  <a:schemeClr val="tx1"/>
+                </a:solidFill>
+                <a:latin typeface="Times New Roman" panose="02020603050405020304" pitchFamily="18" charset="0"/>
+                <a:cs typeface="Times New Roman" panose="02020603050405020304" pitchFamily="18" charset="0"/>
+              </a:rPr>
+              <a:t> </a:t>
+            </a:r>
+          </a:p>
+          <a:p>
+            <a:pPr marL="0" indent="0" algn="just">
+              <a:buNone/>
+            </a:pPr>
+            <a:r>
+              <a:rPr lang="pt-BR" sz="2400" dirty="0">
+                <a:solidFill>
+                  <a:schemeClr val="tx1"/>
+                </a:solidFill>
+                <a:latin typeface="Times New Roman" panose="02020603050405020304" pitchFamily="18" charset="0"/>
+                <a:cs typeface="Times New Roman" panose="02020603050405020304" pitchFamily="18" charset="0"/>
+              </a:rPr>
+              <a:t>	$(</a:t>
+            </a:r>
+            <a:r>
+              <a:rPr lang="pt-BR" sz="2400" b="1" dirty="0" err="1">
+                <a:solidFill>
+                  <a:schemeClr val="tx1"/>
+                </a:solidFill>
+                <a:latin typeface="Times New Roman" panose="02020603050405020304" pitchFamily="18" charset="0"/>
+                <a:cs typeface="Times New Roman" panose="02020603050405020304" pitchFamily="18" charset="0"/>
+              </a:rPr>
+              <a:t>document</a:t>
+            </a:r>
+            <a:r>
+              <a:rPr lang="pt-BR" sz="2400" dirty="0">
+                <a:solidFill>
+                  <a:schemeClr val="tx1"/>
+                </a:solidFill>
+                <a:latin typeface="Times New Roman" panose="02020603050405020304" pitchFamily="18" charset="0"/>
+                <a:cs typeface="Times New Roman" panose="02020603050405020304" pitchFamily="18" charset="0"/>
+              </a:rPr>
+              <a:t>).</a:t>
+            </a:r>
+            <a:r>
+              <a:rPr lang="pt-BR" sz="2400" dirty="0" err="1">
+                <a:solidFill>
+                  <a:schemeClr val="tx1"/>
+                </a:solidFill>
+                <a:latin typeface="Times New Roman" panose="02020603050405020304" pitchFamily="18" charset="0"/>
+                <a:cs typeface="Times New Roman" panose="02020603050405020304" pitchFamily="18" charset="0"/>
+              </a:rPr>
+              <a:t>ready</a:t>
+            </a:r>
+            <a:r>
+              <a:rPr lang="pt-BR" sz="2400" dirty="0">
+                <a:solidFill>
+                  <a:schemeClr val="tx1"/>
+                </a:solidFill>
+                <a:latin typeface="Times New Roman" panose="02020603050405020304" pitchFamily="18" charset="0"/>
+                <a:cs typeface="Times New Roman" panose="02020603050405020304" pitchFamily="18" charset="0"/>
+              </a:rPr>
+              <a:t>(</a:t>
+            </a:r>
+            <a:r>
+              <a:rPr lang="pt-BR" sz="2400" dirty="0" err="1">
+                <a:solidFill>
+                  <a:schemeClr val="tx1"/>
+                </a:solidFill>
+                <a:latin typeface="Times New Roman" panose="02020603050405020304" pitchFamily="18" charset="0"/>
+                <a:cs typeface="Times New Roman" panose="02020603050405020304" pitchFamily="18" charset="0"/>
+              </a:rPr>
+              <a:t>function</a:t>
+            </a:r>
+            <a:r>
+              <a:rPr lang="pt-BR" sz="2400" dirty="0">
+                <a:solidFill>
+                  <a:schemeClr val="tx1"/>
+                </a:solidFill>
+                <a:latin typeface="Times New Roman" panose="02020603050405020304" pitchFamily="18" charset="0"/>
+                <a:cs typeface="Times New Roman" panose="02020603050405020304" pitchFamily="18" charset="0"/>
+              </a:rPr>
+              <a:t> () { // </a:t>
+            </a:r>
+            <a:r>
+              <a:rPr lang="pt-BR" sz="2400" b="1" dirty="0" err="1">
+                <a:solidFill>
+                  <a:schemeClr val="tx1"/>
+                </a:solidFill>
+                <a:latin typeface="Times New Roman" panose="02020603050405020304" pitchFamily="18" charset="0"/>
+                <a:cs typeface="Times New Roman" panose="02020603050405020304" pitchFamily="18" charset="0"/>
+              </a:rPr>
+              <a:t>div</a:t>
+            </a:r>
+            <a:r>
+              <a:rPr lang="pt-BR" sz="2400" dirty="0">
+                <a:solidFill>
+                  <a:schemeClr val="tx1"/>
+                </a:solidFill>
+                <a:latin typeface="Times New Roman" panose="02020603050405020304" pitchFamily="18" charset="0"/>
+                <a:cs typeface="Times New Roman" panose="02020603050405020304" pitchFamily="18" charset="0"/>
+              </a:rPr>
+              <a:t> ; </a:t>
+            </a:r>
+            <a:r>
+              <a:rPr lang="pt-BR" sz="2400" b="1" dirty="0">
+                <a:solidFill>
+                  <a:schemeClr val="tx1"/>
+                </a:solidFill>
+                <a:latin typeface="Times New Roman" panose="02020603050405020304" pitchFamily="18" charset="0"/>
+                <a:cs typeface="Times New Roman" panose="02020603050405020304" pitchFamily="18" charset="0"/>
+              </a:rPr>
+              <a:t>p ; input/</a:t>
+            </a:r>
+            <a:r>
+              <a:rPr lang="pt-BR" sz="2400" b="1" dirty="0" err="1">
+                <a:solidFill>
+                  <a:schemeClr val="tx1"/>
+                </a:solidFill>
+                <a:latin typeface="Times New Roman" panose="02020603050405020304" pitchFamily="18" charset="0"/>
+                <a:cs typeface="Times New Roman" panose="02020603050405020304" pitchFamily="18" charset="0"/>
+              </a:rPr>
+              <a:t>button</a:t>
+            </a:r>
+            <a:r>
+              <a:rPr lang="pt-BR" sz="2400" b="1" dirty="0">
+                <a:solidFill>
+                  <a:schemeClr val="tx1"/>
+                </a:solidFill>
+                <a:latin typeface="Times New Roman" panose="02020603050405020304" pitchFamily="18" charset="0"/>
+                <a:cs typeface="Times New Roman" panose="02020603050405020304" pitchFamily="18" charset="0"/>
+              </a:rPr>
+              <a:t> </a:t>
+            </a:r>
+          </a:p>
+          <a:p>
+            <a:pPr marL="0" indent="0" algn="just">
+              <a:buNone/>
+            </a:pPr>
+            <a:r>
+              <a:rPr lang="pt-BR" sz="2400" dirty="0">
+                <a:solidFill>
+                  <a:schemeClr val="tx1"/>
+                </a:solidFill>
+                <a:latin typeface="Times New Roman" panose="02020603050405020304" pitchFamily="18" charset="0"/>
+                <a:cs typeface="Times New Roman" panose="02020603050405020304" pitchFamily="18" charset="0"/>
+              </a:rPr>
+              <a:t>        	$('#</a:t>
+            </a:r>
+            <a:r>
+              <a:rPr lang="pt-BR" sz="2400" b="1" dirty="0">
+                <a:solidFill>
+                  <a:schemeClr val="tx1"/>
+                </a:solidFill>
+                <a:latin typeface="Times New Roman" panose="02020603050405020304" pitchFamily="18" charset="0"/>
+                <a:cs typeface="Times New Roman" panose="02020603050405020304" pitchFamily="18" charset="0"/>
+              </a:rPr>
+              <a:t>inputButton1</a:t>
+            </a:r>
+            <a:r>
+              <a:rPr lang="pt-BR" sz="2400" dirty="0">
+                <a:solidFill>
+                  <a:schemeClr val="tx1"/>
+                </a:solidFill>
+                <a:latin typeface="Times New Roman" panose="02020603050405020304" pitchFamily="18" charset="0"/>
+                <a:cs typeface="Times New Roman" panose="02020603050405020304" pitchFamily="18" charset="0"/>
+              </a:rPr>
+              <a:t>').click(</a:t>
+            </a:r>
+            <a:r>
+              <a:rPr lang="pt-BR" sz="2400" dirty="0" err="1">
+                <a:solidFill>
+                  <a:schemeClr val="tx1"/>
+                </a:solidFill>
+                <a:latin typeface="Times New Roman" panose="02020603050405020304" pitchFamily="18" charset="0"/>
+                <a:cs typeface="Times New Roman" panose="02020603050405020304" pitchFamily="18" charset="0"/>
+              </a:rPr>
+              <a:t>function</a:t>
+            </a:r>
+            <a:r>
+              <a:rPr lang="pt-BR" sz="2400" dirty="0">
+                <a:solidFill>
+                  <a:schemeClr val="tx1"/>
+                </a:solidFill>
+                <a:latin typeface="Times New Roman" panose="02020603050405020304" pitchFamily="18" charset="0"/>
+                <a:cs typeface="Times New Roman" panose="02020603050405020304" pitchFamily="18" charset="0"/>
+              </a:rPr>
+              <a:t>() { //h1 c/ método </a:t>
+            </a:r>
+            <a:r>
+              <a:rPr lang="pt-BR" sz="2400" dirty="0" err="1">
+                <a:solidFill>
+                  <a:schemeClr val="tx1"/>
+                </a:solidFill>
+                <a:latin typeface="Times New Roman" panose="02020603050405020304" pitchFamily="18" charset="0"/>
+                <a:cs typeface="Times New Roman" panose="02020603050405020304" pitchFamily="18" charset="0"/>
+              </a:rPr>
+              <a:t>mouseover</a:t>
+            </a:r>
+            <a:endParaRPr lang="pt-BR" sz="2400" dirty="0">
+              <a:solidFill>
+                <a:schemeClr val="tx1"/>
+              </a:solidFill>
+              <a:latin typeface="Times New Roman" panose="02020603050405020304" pitchFamily="18" charset="0"/>
+              <a:cs typeface="Times New Roman" panose="02020603050405020304" pitchFamily="18" charset="0"/>
+            </a:endParaRPr>
+          </a:p>
+          <a:p>
+            <a:pPr marL="0" indent="0" algn="just">
+              <a:buNone/>
+            </a:pPr>
+            <a:r>
+              <a:rPr lang="pt-BR" sz="2400" dirty="0">
+                <a:solidFill>
+                  <a:schemeClr val="tx1"/>
+                </a:solidFill>
+                <a:latin typeface="Times New Roman" panose="02020603050405020304" pitchFamily="18" charset="0"/>
+                <a:cs typeface="Times New Roman" panose="02020603050405020304" pitchFamily="18" charset="0"/>
+              </a:rPr>
+              <a:t>          	$('#</a:t>
+            </a:r>
+            <a:r>
+              <a:rPr lang="pt-BR" sz="2400" b="1" dirty="0">
+                <a:solidFill>
+                  <a:schemeClr val="tx1"/>
+                </a:solidFill>
+                <a:latin typeface="Times New Roman" panose="02020603050405020304" pitchFamily="18" charset="0"/>
+                <a:cs typeface="Times New Roman" panose="02020603050405020304" pitchFamily="18" charset="0"/>
+              </a:rPr>
+              <a:t>teste</a:t>
+            </a:r>
+            <a:r>
+              <a:rPr lang="pt-BR" sz="2400" dirty="0">
+                <a:solidFill>
+                  <a:schemeClr val="tx1"/>
+                </a:solidFill>
+                <a:latin typeface="Times New Roman" panose="02020603050405020304" pitchFamily="18" charset="0"/>
+                <a:cs typeface="Times New Roman" panose="02020603050405020304" pitchFamily="18" charset="0"/>
+              </a:rPr>
+              <a:t>').</a:t>
+            </a:r>
+            <a:r>
+              <a:rPr lang="pt-BR" sz="2400" b="1" dirty="0" err="1">
+                <a:solidFill>
+                  <a:srgbClr val="FF0000"/>
+                </a:solidFill>
+                <a:latin typeface="Times New Roman" panose="02020603050405020304" pitchFamily="18" charset="0"/>
+                <a:cs typeface="Times New Roman" panose="02020603050405020304" pitchFamily="18" charset="0"/>
+              </a:rPr>
+              <a:t>load</a:t>
+            </a:r>
+            <a:r>
+              <a:rPr lang="pt-BR" sz="2400" dirty="0">
+                <a:solidFill>
+                  <a:schemeClr val="tx1"/>
+                </a:solidFill>
+                <a:latin typeface="Times New Roman" panose="02020603050405020304" pitchFamily="18" charset="0"/>
+                <a:cs typeface="Times New Roman" panose="02020603050405020304" pitchFamily="18" charset="0"/>
+              </a:rPr>
+              <a:t>('./</a:t>
+            </a:r>
+            <a:r>
+              <a:rPr lang="pt-BR" sz="2400" b="1" dirty="0">
+                <a:solidFill>
+                  <a:srgbClr val="FF0000"/>
+                </a:solidFill>
+                <a:latin typeface="Times New Roman" panose="02020603050405020304" pitchFamily="18" charset="0"/>
+                <a:cs typeface="Times New Roman" panose="02020603050405020304" pitchFamily="18" charset="0"/>
+              </a:rPr>
+              <a:t>teste</a:t>
+            </a:r>
+            <a:r>
+              <a:rPr lang="pt-BR" sz="2400" dirty="0">
+                <a:solidFill>
+                  <a:schemeClr val="tx1"/>
+                </a:solidFill>
+                <a:latin typeface="Times New Roman" panose="02020603050405020304" pitchFamily="18" charset="0"/>
+                <a:cs typeface="Times New Roman" panose="02020603050405020304" pitchFamily="18" charset="0"/>
+              </a:rPr>
+              <a:t>.txt');</a:t>
+            </a:r>
+          </a:p>
+          <a:p>
+            <a:pPr marL="0" indent="0" algn="just">
+              <a:buNone/>
+            </a:pPr>
+            <a:r>
+              <a:rPr lang="pt-BR" sz="2400" dirty="0">
+                <a:solidFill>
+                  <a:schemeClr val="tx1"/>
+                </a:solidFill>
+                <a:latin typeface="Times New Roman" panose="02020603050405020304" pitchFamily="18" charset="0"/>
+                <a:cs typeface="Times New Roman" panose="02020603050405020304" pitchFamily="18" charset="0"/>
+              </a:rPr>
+              <a:t>        });</a:t>
+            </a:r>
+          </a:p>
+          <a:p>
+            <a:pPr marL="0" indent="0" algn="just">
+              <a:buNone/>
+            </a:pPr>
+            <a:endParaRPr lang="pt-BR" sz="2400" dirty="0">
+              <a:solidFill>
+                <a:schemeClr val="tx1"/>
+              </a:solidFill>
+              <a:latin typeface="Times New Roman" panose="02020603050405020304" pitchFamily="18" charset="0"/>
+              <a:cs typeface="Times New Roman" panose="02020603050405020304" pitchFamily="18" charset="0"/>
+            </a:endParaRPr>
+          </a:p>
+          <a:p>
+            <a:pPr marL="0" indent="0" algn="just">
+              <a:buNone/>
+            </a:pPr>
+            <a:r>
+              <a:rPr lang="pt-BR" sz="2400" b="1" dirty="0">
+                <a:solidFill>
+                  <a:schemeClr val="tx1"/>
+                </a:solidFill>
+                <a:latin typeface="Times New Roman" panose="02020603050405020304" pitchFamily="18" charset="0"/>
+                <a:cs typeface="Times New Roman" panose="02020603050405020304" pitchFamily="18" charset="0"/>
+              </a:rPr>
+              <a:t>Nota</a:t>
+            </a:r>
+            <a:r>
+              <a:rPr lang="pt-BR" sz="2400" dirty="0">
+                <a:solidFill>
+                  <a:schemeClr val="tx1"/>
+                </a:solidFill>
+                <a:latin typeface="Times New Roman" panose="02020603050405020304" pitchFamily="18" charset="0"/>
+                <a:cs typeface="Times New Roman" panose="02020603050405020304" pitchFamily="18" charset="0"/>
+              </a:rPr>
+              <a:t>: </a:t>
+            </a:r>
+            <a:r>
+              <a:rPr lang="pt-BR" sz="2400" b="1" dirty="0">
+                <a:solidFill>
+                  <a:srgbClr val="FF0000"/>
+                </a:solidFill>
+                <a:latin typeface="Times New Roman" panose="02020603050405020304" pitchFamily="18" charset="0"/>
+                <a:cs typeface="Times New Roman" panose="02020603050405020304" pitchFamily="18" charset="0"/>
+              </a:rPr>
+              <a:t>teste</a:t>
+            </a:r>
+            <a:r>
+              <a:rPr lang="pt-BR" sz="2400" dirty="0">
+                <a:solidFill>
+                  <a:schemeClr val="tx1"/>
+                </a:solidFill>
+                <a:latin typeface="Times New Roman" panose="02020603050405020304" pitchFamily="18" charset="0"/>
+                <a:cs typeface="Times New Roman" panose="02020603050405020304" pitchFamily="18" charset="0"/>
+              </a:rPr>
+              <a:t>.txt (</a:t>
+            </a:r>
+            <a:r>
+              <a:rPr lang="pt-BR" sz="2400" b="1" dirty="0">
+                <a:solidFill>
+                  <a:schemeClr val="tx1"/>
+                </a:solidFill>
+                <a:latin typeface="Times New Roman" panose="02020603050405020304" pitchFamily="18" charset="0"/>
+                <a:cs typeface="Times New Roman" panose="02020603050405020304" pitchFamily="18" charset="0"/>
+              </a:rPr>
+              <a:t>exemplo</a:t>
+            </a:r>
+            <a:r>
+              <a:rPr lang="pt-BR" sz="2400" dirty="0">
+                <a:solidFill>
+                  <a:schemeClr val="tx1"/>
+                </a:solidFill>
+                <a:latin typeface="Times New Roman" panose="02020603050405020304" pitchFamily="18" charset="0"/>
+                <a:cs typeface="Times New Roman" panose="02020603050405020304" pitchFamily="18" charset="0"/>
+              </a:rPr>
+              <a:t>: h2; p; script/</a:t>
+            </a:r>
+            <a:r>
+              <a:rPr lang="pt-BR" sz="2400" dirty="0" err="1">
+                <a:solidFill>
+                  <a:schemeClr val="tx1"/>
+                </a:solidFill>
+                <a:latin typeface="Times New Roman" panose="02020603050405020304" pitchFamily="18" charset="0"/>
+                <a:cs typeface="Times New Roman" panose="02020603050405020304" pitchFamily="18" charset="0"/>
+              </a:rPr>
+              <a:t>alert</a:t>
+            </a:r>
+            <a:r>
+              <a:rPr lang="pt-BR" sz="2400" dirty="0">
+                <a:solidFill>
+                  <a:schemeClr val="tx1"/>
+                </a:solidFill>
+                <a:latin typeface="Times New Roman" panose="02020603050405020304" pitchFamily="18" charset="0"/>
+                <a:cs typeface="Times New Roman" panose="02020603050405020304" pitchFamily="18" charset="0"/>
+              </a:rPr>
+              <a:t>() )</a:t>
+            </a:r>
+          </a:p>
+          <a:p>
+            <a:pPr marL="0" indent="0" algn="just">
+              <a:buNone/>
+            </a:pPr>
+            <a:r>
+              <a:rPr lang="pt-BR" sz="2400" dirty="0">
+                <a:solidFill>
+                  <a:schemeClr val="tx1"/>
+                </a:solidFill>
+                <a:latin typeface="Times New Roman" panose="02020603050405020304" pitchFamily="18" charset="0"/>
+                <a:cs typeface="Times New Roman" panose="02020603050405020304" pitchFamily="18" charset="0"/>
+              </a:rPr>
+              <a:t> </a:t>
+            </a:r>
+          </a:p>
+        </p:txBody>
+      </p:sp>
+    </p:spTree>
+    <p:extLst>
+      <p:ext uri="{BB962C8B-B14F-4D97-AF65-F5344CB8AC3E}">
+        <p14:creationId xmlns:p14="http://schemas.microsoft.com/office/powerpoint/2010/main" val="2838265940"/>
+      </p:ext>
+    </p:extLst>
+  </p:cSld>
+  <p:clrMapOvr>
+    <a:masterClrMapping/>
+  </p:clrMapOvr>
+  <p:transition spd="med"/>
+</p:sld>
+</file>
+
+<file path=ppt/slides/slide29.xml><?xml version="1.0" encoding="utf-8"?>
+<p:sld xmlns:a="http://schemas.openxmlformats.org/drawingml/2006/main" xmlns:r="http://schemas.openxmlformats.org/officeDocument/2006/relationships" xmlns:p="http://schemas.openxmlformats.org/presentationml/2006/main">
+  <p:cSld>
+    <p:spTree>
+      <p:nvGrpSpPr>
+        <p:cNvPr id="1" name=""/>
+        <p:cNvGrpSpPr/>
+        <p:nvPr/>
+      </p:nvGrpSpPr>
+      <p:grpSpPr>
+        <a:xfrm>
+          <a:off x="0" y="0"/>
+          <a:ext cx="0" cy="0"/>
+          <a:chOff x="0" y="0"/>
+          <a:chExt cx="0" cy="0"/>
+        </a:xfrm>
+      </p:grpSpPr>
+      <p:sp>
+        <p:nvSpPr>
+          <p:cNvPr id="6" name="Title 1"/>
+          <p:cNvSpPr>
+            <a:spLocks noGrp="1"/>
+          </p:cNvSpPr>
+          <p:nvPr>
+            <p:ph type="title"/>
+          </p:nvPr>
+        </p:nvSpPr>
+        <p:spPr>
+          <a:xfrm>
+            <a:off x="457200" y="205980"/>
+            <a:ext cx="8229600" cy="857251"/>
+          </a:xfrm>
+        </p:spPr>
+        <p:txBody>
+          <a:bodyPr>
+            <a:normAutofit/>
+          </a:bodyPr>
+          <a:lstStyle/>
+          <a:p>
+            <a:r>
+              <a:rPr lang="en-US" b="1" dirty="0" err="1">
+                <a:solidFill>
+                  <a:srgbClr val="0070C0"/>
+                </a:solidFill>
+              </a:rPr>
+              <a:t>JQuery</a:t>
+            </a:r>
+            <a:r>
+              <a:rPr lang="en-US" b="1" dirty="0">
+                <a:solidFill>
+                  <a:srgbClr val="0070C0"/>
+                </a:solidFill>
+              </a:rPr>
+              <a:t> – DOM AJAX API Get Web</a:t>
+            </a:r>
+          </a:p>
+        </p:txBody>
+      </p:sp>
+      <p:sp>
+        <p:nvSpPr>
+          <p:cNvPr id="8" name="Text Placeholder 2"/>
+          <p:cNvSpPr>
+            <a:spLocks noGrp="1"/>
+          </p:cNvSpPr>
+          <p:nvPr>
+            <p:ph type="body" sz="half" idx="1"/>
+          </p:nvPr>
+        </p:nvSpPr>
+        <p:spPr>
+          <a:xfrm>
+            <a:off x="142865" y="1049838"/>
+            <a:ext cx="8865056" cy="3900208"/>
+          </a:xfrm>
+        </p:spPr>
+        <p:txBody>
+          <a:bodyPr>
+            <a:noAutofit/>
+          </a:bodyPr>
+          <a:lstStyle/>
+          <a:p>
+            <a:pPr marL="0" indent="0" algn="just">
+              <a:buNone/>
+            </a:pPr>
+            <a:r>
+              <a:rPr lang="pt-BR" sz="2400" dirty="0">
+                <a:solidFill>
+                  <a:schemeClr val="tx1"/>
+                </a:solidFill>
+                <a:latin typeface="Times New Roman" panose="02020603050405020304" pitchFamily="18" charset="0"/>
+                <a:cs typeface="Times New Roman" panose="02020603050405020304" pitchFamily="18" charset="0"/>
+              </a:rPr>
+              <a:t>	$(</a:t>
+            </a:r>
+            <a:r>
+              <a:rPr lang="pt-BR" sz="2400" b="1" dirty="0" err="1">
+                <a:solidFill>
+                  <a:schemeClr val="tx1"/>
+                </a:solidFill>
+                <a:latin typeface="Times New Roman" panose="02020603050405020304" pitchFamily="18" charset="0"/>
+                <a:cs typeface="Times New Roman" panose="02020603050405020304" pitchFamily="18" charset="0"/>
+              </a:rPr>
+              <a:t>document</a:t>
+            </a:r>
+            <a:r>
+              <a:rPr lang="pt-BR" sz="2400" dirty="0">
+                <a:solidFill>
+                  <a:schemeClr val="tx1"/>
+                </a:solidFill>
+                <a:latin typeface="Times New Roman" panose="02020603050405020304" pitchFamily="18" charset="0"/>
+                <a:cs typeface="Times New Roman" panose="02020603050405020304" pitchFamily="18" charset="0"/>
+              </a:rPr>
+              <a:t>).</a:t>
+            </a:r>
+            <a:r>
+              <a:rPr lang="pt-BR" sz="2400" dirty="0" err="1">
+                <a:solidFill>
+                  <a:schemeClr val="tx1"/>
+                </a:solidFill>
+                <a:latin typeface="Times New Roman" panose="02020603050405020304" pitchFamily="18" charset="0"/>
+                <a:cs typeface="Times New Roman" panose="02020603050405020304" pitchFamily="18" charset="0"/>
+              </a:rPr>
+              <a:t>ready</a:t>
+            </a:r>
+            <a:r>
+              <a:rPr lang="pt-BR" sz="2400" dirty="0">
+                <a:solidFill>
+                  <a:schemeClr val="tx1"/>
+                </a:solidFill>
+                <a:latin typeface="Times New Roman" panose="02020603050405020304" pitchFamily="18" charset="0"/>
+                <a:cs typeface="Times New Roman" panose="02020603050405020304" pitchFamily="18" charset="0"/>
+              </a:rPr>
+              <a:t>(</a:t>
+            </a:r>
+            <a:r>
+              <a:rPr lang="pt-BR" sz="2400" dirty="0" err="1">
+                <a:solidFill>
+                  <a:schemeClr val="tx1"/>
+                </a:solidFill>
+                <a:latin typeface="Times New Roman" panose="02020603050405020304" pitchFamily="18" charset="0"/>
+                <a:cs typeface="Times New Roman" panose="02020603050405020304" pitchFamily="18" charset="0"/>
+              </a:rPr>
+              <a:t>function</a:t>
+            </a:r>
+            <a:r>
+              <a:rPr lang="pt-BR" sz="2400" dirty="0">
+                <a:solidFill>
+                  <a:schemeClr val="tx1"/>
+                </a:solidFill>
+                <a:latin typeface="Times New Roman" panose="02020603050405020304" pitchFamily="18" charset="0"/>
+                <a:cs typeface="Times New Roman" panose="02020603050405020304" pitchFamily="18" charset="0"/>
+              </a:rPr>
+              <a:t>(){ //</a:t>
+            </a:r>
+            <a:r>
+              <a:rPr lang="pt-BR" sz="2400" b="1" dirty="0" err="1">
+                <a:solidFill>
+                  <a:schemeClr val="tx1"/>
+                </a:solidFill>
+                <a:latin typeface="Times New Roman" panose="02020603050405020304" pitchFamily="18" charset="0"/>
+                <a:cs typeface="Times New Roman" panose="02020603050405020304" pitchFamily="18" charset="0"/>
+              </a:rPr>
+              <a:t>div</a:t>
+            </a:r>
+            <a:r>
+              <a:rPr lang="pt-BR" sz="2400" dirty="0" err="1">
+                <a:solidFill>
+                  <a:schemeClr val="tx1"/>
+                </a:solidFill>
+                <a:latin typeface="Times New Roman" panose="02020603050405020304" pitchFamily="18" charset="0"/>
+                <a:cs typeface="Times New Roman" panose="02020603050405020304" pitchFamily="18" charset="0"/>
+              </a:rPr>
+              <a:t>;</a:t>
+            </a:r>
+            <a:r>
+              <a:rPr lang="pt-BR" sz="2400" b="1" dirty="0" err="1">
+                <a:solidFill>
+                  <a:schemeClr val="tx1"/>
+                </a:solidFill>
+                <a:latin typeface="Times New Roman" panose="02020603050405020304" pitchFamily="18" charset="0"/>
+                <a:cs typeface="Times New Roman" panose="02020603050405020304" pitchFamily="18" charset="0"/>
+              </a:rPr>
+              <a:t>p;input</a:t>
+            </a:r>
+            <a:r>
+              <a:rPr lang="pt-BR" sz="2400" b="1" dirty="0">
+                <a:solidFill>
+                  <a:schemeClr val="tx1"/>
+                </a:solidFill>
+                <a:latin typeface="Times New Roman" panose="02020603050405020304" pitchFamily="18" charset="0"/>
+                <a:cs typeface="Times New Roman" panose="02020603050405020304" pitchFamily="18" charset="0"/>
+              </a:rPr>
+              <a:t>/</a:t>
+            </a:r>
+            <a:r>
+              <a:rPr lang="pt-BR" sz="2400" b="1" dirty="0" err="1">
+                <a:solidFill>
+                  <a:schemeClr val="tx1"/>
+                </a:solidFill>
+                <a:latin typeface="Times New Roman" panose="02020603050405020304" pitchFamily="18" charset="0"/>
+                <a:cs typeface="Times New Roman" panose="02020603050405020304" pitchFamily="18" charset="0"/>
+              </a:rPr>
+              <a:t>text;input</a:t>
+            </a:r>
+            <a:r>
+              <a:rPr lang="pt-BR" sz="2400" b="1" dirty="0">
+                <a:solidFill>
+                  <a:schemeClr val="tx1"/>
+                </a:solidFill>
+                <a:latin typeface="Times New Roman" panose="02020603050405020304" pitchFamily="18" charset="0"/>
+                <a:cs typeface="Times New Roman" panose="02020603050405020304" pitchFamily="18" charset="0"/>
+              </a:rPr>
+              <a:t>/</a:t>
+            </a:r>
+            <a:r>
+              <a:rPr lang="pt-BR" sz="2400" b="1" dirty="0" err="1">
+                <a:solidFill>
+                  <a:schemeClr val="tx1"/>
+                </a:solidFill>
+                <a:latin typeface="Times New Roman" panose="02020603050405020304" pitchFamily="18" charset="0"/>
+                <a:cs typeface="Times New Roman" panose="02020603050405020304" pitchFamily="18" charset="0"/>
+              </a:rPr>
+              <a:t>button</a:t>
+            </a:r>
+            <a:r>
+              <a:rPr lang="pt-BR" sz="2400" b="1" dirty="0">
+                <a:solidFill>
+                  <a:schemeClr val="tx1"/>
+                </a:solidFill>
+                <a:latin typeface="Times New Roman" panose="02020603050405020304" pitchFamily="18" charset="0"/>
+                <a:cs typeface="Times New Roman" panose="02020603050405020304" pitchFamily="18" charset="0"/>
+              </a:rPr>
+              <a:t>;  </a:t>
+            </a:r>
+          </a:p>
+          <a:p>
+            <a:pPr marL="0" indent="0" algn="just">
+              <a:buNone/>
+            </a:pPr>
+            <a:r>
+              <a:rPr lang="pt-BR" sz="2400" dirty="0">
+                <a:solidFill>
+                  <a:schemeClr val="tx1"/>
+                </a:solidFill>
+                <a:latin typeface="Times New Roman" panose="02020603050405020304" pitchFamily="18" charset="0"/>
+                <a:cs typeface="Times New Roman" panose="02020603050405020304" pitchFamily="18" charset="0"/>
+              </a:rPr>
+              <a:t>	// </a:t>
+            </a:r>
+            <a:r>
+              <a:rPr lang="pt-BR" sz="2400" dirty="0">
+                <a:solidFill>
+                  <a:schemeClr val="tx1"/>
+                </a:solidFill>
+                <a:latin typeface="Times New Roman" panose="02020603050405020304" pitchFamily="18" charset="0"/>
+                <a:cs typeface="Times New Roman" panose="02020603050405020304" pitchFamily="18" charset="0"/>
+                <a:hlinkClick r:id="rId3"/>
+              </a:rPr>
+              <a:t>https://viacep.com.br/ws/40040470/json/</a:t>
+            </a:r>
+            <a:endParaRPr lang="pt-BR" sz="2400" dirty="0">
+              <a:solidFill>
+                <a:schemeClr val="tx1"/>
+              </a:solidFill>
+              <a:latin typeface="Times New Roman" panose="02020603050405020304" pitchFamily="18" charset="0"/>
+              <a:cs typeface="Times New Roman" panose="02020603050405020304" pitchFamily="18" charset="0"/>
+            </a:endParaRPr>
+          </a:p>
+          <a:p>
+            <a:pPr marL="0" indent="0" algn="just">
+              <a:buNone/>
+            </a:pPr>
+            <a:r>
+              <a:rPr lang="pt-BR" sz="2400" dirty="0">
+                <a:solidFill>
+                  <a:schemeClr val="tx1"/>
+                </a:solidFill>
+                <a:latin typeface="Times New Roman" panose="02020603050405020304" pitchFamily="18" charset="0"/>
+                <a:cs typeface="Times New Roman" panose="02020603050405020304" pitchFamily="18" charset="0"/>
+              </a:rPr>
+              <a:t>        $('#</a:t>
+            </a:r>
+            <a:r>
+              <a:rPr lang="pt-BR" sz="2400" b="1" dirty="0">
+                <a:solidFill>
+                  <a:schemeClr val="tx1"/>
+                </a:solidFill>
+                <a:latin typeface="Times New Roman" panose="02020603050405020304" pitchFamily="18" charset="0"/>
+                <a:cs typeface="Times New Roman" panose="02020603050405020304" pitchFamily="18" charset="0"/>
+              </a:rPr>
+              <a:t>inputButton2</a:t>
+            </a:r>
+            <a:r>
+              <a:rPr lang="pt-BR" sz="2400" dirty="0">
+                <a:solidFill>
+                  <a:schemeClr val="tx1"/>
+                </a:solidFill>
+                <a:latin typeface="Times New Roman" panose="02020603050405020304" pitchFamily="18" charset="0"/>
+                <a:cs typeface="Times New Roman" panose="02020603050405020304" pitchFamily="18" charset="0"/>
+              </a:rPr>
+              <a:t>').click(</a:t>
+            </a:r>
+            <a:r>
+              <a:rPr lang="pt-BR" sz="2400" dirty="0" err="1">
+                <a:solidFill>
+                  <a:schemeClr val="tx1"/>
+                </a:solidFill>
+                <a:latin typeface="Times New Roman" panose="02020603050405020304" pitchFamily="18" charset="0"/>
+                <a:cs typeface="Times New Roman" panose="02020603050405020304" pitchFamily="18" charset="0"/>
+              </a:rPr>
+              <a:t>function</a:t>
+            </a:r>
+            <a:r>
+              <a:rPr lang="pt-BR" sz="2400" dirty="0">
+                <a:solidFill>
+                  <a:schemeClr val="tx1"/>
+                </a:solidFill>
+                <a:latin typeface="Times New Roman" panose="02020603050405020304" pitchFamily="18" charset="0"/>
+                <a:cs typeface="Times New Roman" panose="02020603050405020304" pitchFamily="18" charset="0"/>
+              </a:rPr>
+              <a:t> () { // </a:t>
+            </a:r>
+            <a:r>
+              <a:rPr lang="pt-BR" sz="2400" b="1" dirty="0">
+                <a:solidFill>
+                  <a:schemeClr val="tx1"/>
+                </a:solidFill>
+                <a:latin typeface="Times New Roman" panose="02020603050405020304" pitchFamily="18" charset="0"/>
+                <a:cs typeface="Times New Roman" panose="02020603050405020304" pitchFamily="18" charset="0"/>
+              </a:rPr>
+              <a:t>método </a:t>
+            </a:r>
+            <a:r>
+              <a:rPr lang="pt-BR" sz="2400" b="1" dirty="0" err="1">
+                <a:solidFill>
+                  <a:schemeClr val="tx1"/>
+                </a:solidFill>
+                <a:latin typeface="Times New Roman" panose="02020603050405020304" pitchFamily="18" charset="0"/>
+                <a:cs typeface="Times New Roman" panose="02020603050405020304" pitchFamily="18" charset="0"/>
+              </a:rPr>
+              <a:t>blur</a:t>
+            </a:r>
+            <a:r>
+              <a:rPr lang="pt-BR" sz="2400" dirty="0">
+                <a:solidFill>
+                  <a:schemeClr val="tx1"/>
+                </a:solidFill>
+                <a:latin typeface="Times New Roman" panose="02020603050405020304" pitchFamily="18" charset="0"/>
+                <a:cs typeface="Times New Roman" panose="02020603050405020304" pitchFamily="18" charset="0"/>
+              </a:rPr>
+              <a:t> (sair do </a:t>
+            </a:r>
+            <a:r>
+              <a:rPr lang="pt-BR" sz="2400" dirty="0" err="1">
+                <a:solidFill>
+                  <a:schemeClr val="tx1"/>
+                </a:solidFill>
+                <a:latin typeface="Times New Roman" panose="02020603050405020304" pitchFamily="18" charset="0"/>
+                <a:cs typeface="Times New Roman" panose="02020603050405020304" pitchFamily="18" charset="0"/>
+              </a:rPr>
+              <a:t>inputCEP</a:t>
+            </a:r>
+            <a:r>
+              <a:rPr lang="pt-BR" sz="2400" dirty="0">
+                <a:solidFill>
+                  <a:schemeClr val="tx1"/>
+                </a:solidFill>
+                <a:latin typeface="Times New Roman" panose="02020603050405020304" pitchFamily="18" charset="0"/>
+                <a:cs typeface="Times New Roman" panose="02020603050405020304" pitchFamily="18" charset="0"/>
+              </a:rPr>
+              <a:t>)</a:t>
+            </a:r>
+          </a:p>
+          <a:p>
+            <a:pPr marL="0" indent="0" algn="just">
+              <a:buNone/>
+            </a:pPr>
+            <a:r>
+              <a:rPr lang="pt-BR" sz="2400" dirty="0">
+                <a:solidFill>
+                  <a:schemeClr val="tx1"/>
+                </a:solidFill>
+                <a:latin typeface="Times New Roman" panose="02020603050405020304" pitchFamily="18" charset="0"/>
+                <a:cs typeface="Times New Roman" panose="02020603050405020304" pitchFamily="18" charset="0"/>
+              </a:rPr>
+              <a:t>          </a:t>
+            </a:r>
+            <a:r>
+              <a:rPr lang="pt-BR" sz="2400" dirty="0" err="1">
+                <a:solidFill>
+                  <a:schemeClr val="tx1"/>
+                </a:solidFill>
+                <a:latin typeface="Times New Roman" panose="02020603050405020304" pitchFamily="18" charset="0"/>
+                <a:cs typeface="Times New Roman" panose="02020603050405020304" pitchFamily="18" charset="0"/>
+              </a:rPr>
+              <a:t>let</a:t>
+            </a:r>
+            <a:r>
+              <a:rPr lang="pt-BR" sz="2400" dirty="0">
+                <a:solidFill>
+                  <a:schemeClr val="tx1"/>
+                </a:solidFill>
+                <a:latin typeface="Times New Roman" panose="02020603050405020304" pitchFamily="18" charset="0"/>
+                <a:cs typeface="Times New Roman" panose="02020603050405020304" pitchFamily="18" charset="0"/>
+              </a:rPr>
+              <a:t> </a:t>
+            </a:r>
+            <a:r>
+              <a:rPr lang="pt-BR" sz="2400" b="1" dirty="0" err="1">
+                <a:solidFill>
+                  <a:schemeClr val="tx1"/>
+                </a:solidFill>
+                <a:latin typeface="Times New Roman" panose="02020603050405020304" pitchFamily="18" charset="0"/>
+                <a:cs typeface="Times New Roman" panose="02020603050405020304" pitchFamily="18" charset="0"/>
+              </a:rPr>
+              <a:t>valorCEP</a:t>
+            </a:r>
+            <a:r>
+              <a:rPr lang="pt-BR" sz="2400" dirty="0">
+                <a:solidFill>
+                  <a:schemeClr val="tx1"/>
+                </a:solidFill>
+                <a:latin typeface="Times New Roman" panose="02020603050405020304" pitchFamily="18" charset="0"/>
+                <a:cs typeface="Times New Roman" panose="02020603050405020304" pitchFamily="18" charset="0"/>
+              </a:rPr>
+              <a:t> = $('#</a:t>
+            </a:r>
+            <a:r>
+              <a:rPr lang="pt-BR" sz="2400" dirty="0" err="1">
+                <a:solidFill>
+                  <a:schemeClr val="tx1"/>
+                </a:solidFill>
+                <a:latin typeface="Times New Roman" panose="02020603050405020304" pitchFamily="18" charset="0"/>
+                <a:cs typeface="Times New Roman" panose="02020603050405020304" pitchFamily="18" charset="0"/>
+              </a:rPr>
+              <a:t>inputCEP</a:t>
+            </a:r>
+            <a:r>
+              <a:rPr lang="pt-BR" sz="2400" dirty="0">
+                <a:solidFill>
+                  <a:schemeClr val="tx1"/>
+                </a:solidFill>
+                <a:latin typeface="Times New Roman" panose="02020603050405020304" pitchFamily="18" charset="0"/>
+                <a:cs typeface="Times New Roman" panose="02020603050405020304" pitchFamily="18" charset="0"/>
+              </a:rPr>
+              <a:t>').</a:t>
+            </a:r>
+            <a:r>
+              <a:rPr lang="pt-BR" sz="2400" b="1" dirty="0" err="1">
+                <a:solidFill>
+                  <a:schemeClr val="tx1"/>
+                </a:solidFill>
+                <a:latin typeface="Times New Roman" panose="02020603050405020304" pitchFamily="18" charset="0"/>
+                <a:cs typeface="Times New Roman" panose="02020603050405020304" pitchFamily="18" charset="0"/>
+              </a:rPr>
+              <a:t>val</a:t>
+            </a:r>
+            <a:r>
+              <a:rPr lang="pt-BR" sz="2400" dirty="0">
+                <a:solidFill>
+                  <a:schemeClr val="tx1"/>
+                </a:solidFill>
+                <a:latin typeface="Times New Roman" panose="02020603050405020304" pitchFamily="18" charset="0"/>
+                <a:cs typeface="Times New Roman" panose="02020603050405020304" pitchFamily="18" charset="0"/>
+              </a:rPr>
+              <a:t>();</a:t>
+            </a:r>
+          </a:p>
+          <a:p>
+            <a:pPr marL="0" indent="0" algn="just">
+              <a:buNone/>
+            </a:pPr>
+            <a:r>
+              <a:rPr lang="pt-BR" sz="2400" dirty="0">
+                <a:solidFill>
+                  <a:schemeClr val="tx1"/>
+                </a:solidFill>
+                <a:latin typeface="Times New Roman" panose="02020603050405020304" pitchFamily="18" charset="0"/>
+                <a:cs typeface="Times New Roman" panose="02020603050405020304" pitchFamily="18" charset="0"/>
+              </a:rPr>
+              <a:t>	    $.</a:t>
+            </a:r>
+            <a:r>
+              <a:rPr lang="pt-BR" sz="2400" b="1" dirty="0" err="1">
+                <a:solidFill>
+                  <a:srgbClr val="FF0000"/>
+                </a:solidFill>
+                <a:latin typeface="Times New Roman" panose="02020603050405020304" pitchFamily="18" charset="0"/>
+                <a:cs typeface="Times New Roman" panose="02020603050405020304" pitchFamily="18" charset="0"/>
+              </a:rPr>
+              <a:t>get</a:t>
+            </a:r>
+            <a:r>
+              <a:rPr lang="pt-BR" sz="2400" dirty="0">
+                <a:solidFill>
+                  <a:schemeClr val="tx1"/>
+                </a:solidFill>
+                <a:latin typeface="Times New Roman" panose="02020603050405020304" pitchFamily="18" charset="0"/>
+                <a:cs typeface="Times New Roman" panose="02020603050405020304" pitchFamily="18" charset="0"/>
+              </a:rPr>
+              <a:t>('https://viacep.com.br/ws/'+ </a:t>
+            </a:r>
+            <a:r>
+              <a:rPr lang="pt-BR" sz="2400" b="1" dirty="0" err="1">
+                <a:solidFill>
+                  <a:schemeClr val="tx1"/>
+                </a:solidFill>
+                <a:latin typeface="Times New Roman" panose="02020603050405020304" pitchFamily="18" charset="0"/>
+                <a:cs typeface="Times New Roman" panose="02020603050405020304" pitchFamily="18" charset="0"/>
+              </a:rPr>
+              <a:t>valorCEP</a:t>
+            </a:r>
+            <a:r>
+              <a:rPr lang="pt-BR" sz="2400" dirty="0">
+                <a:solidFill>
+                  <a:schemeClr val="tx1"/>
+                </a:solidFill>
+                <a:latin typeface="Times New Roman" panose="02020603050405020304" pitchFamily="18" charset="0"/>
+                <a:cs typeface="Times New Roman" panose="02020603050405020304" pitchFamily="18" charset="0"/>
+              </a:rPr>
+              <a:t> + '/</a:t>
+            </a:r>
+            <a:r>
+              <a:rPr lang="pt-BR" sz="2400" dirty="0" err="1">
+                <a:solidFill>
+                  <a:schemeClr val="tx1"/>
+                </a:solidFill>
+                <a:latin typeface="Times New Roman" panose="02020603050405020304" pitchFamily="18" charset="0"/>
+                <a:cs typeface="Times New Roman" panose="02020603050405020304" pitchFamily="18" charset="0"/>
+              </a:rPr>
+              <a:t>json</a:t>
+            </a:r>
+            <a:r>
+              <a:rPr lang="pt-BR" sz="2400" dirty="0">
+                <a:solidFill>
+                  <a:schemeClr val="tx1"/>
+                </a:solidFill>
+                <a:latin typeface="Times New Roman" panose="02020603050405020304" pitchFamily="18" charset="0"/>
+                <a:cs typeface="Times New Roman" panose="02020603050405020304" pitchFamily="18" charset="0"/>
+              </a:rPr>
+              <a:t>/', </a:t>
+            </a:r>
+            <a:r>
+              <a:rPr lang="pt-BR" sz="2400" b="1" dirty="0" err="1">
+                <a:solidFill>
+                  <a:schemeClr val="tx1"/>
+                </a:solidFill>
+                <a:latin typeface="Times New Roman" panose="02020603050405020304" pitchFamily="18" charset="0"/>
+                <a:cs typeface="Times New Roman" panose="02020603050405020304" pitchFamily="18" charset="0"/>
+              </a:rPr>
+              <a:t>function</a:t>
+            </a:r>
+            <a:r>
+              <a:rPr lang="pt-BR" sz="2400" dirty="0">
+                <a:solidFill>
+                  <a:schemeClr val="tx1"/>
+                </a:solidFill>
+                <a:latin typeface="Times New Roman" panose="02020603050405020304" pitchFamily="18" charset="0"/>
+                <a:cs typeface="Times New Roman" panose="02020603050405020304" pitchFamily="18" charset="0"/>
+              </a:rPr>
+              <a:t>(</a:t>
+            </a:r>
+            <a:r>
+              <a:rPr lang="pt-BR" sz="2400" dirty="0" err="1">
+                <a:solidFill>
+                  <a:schemeClr val="tx1"/>
+                </a:solidFill>
+                <a:latin typeface="Times New Roman" panose="02020603050405020304" pitchFamily="18" charset="0"/>
+                <a:cs typeface="Times New Roman" panose="02020603050405020304" pitchFamily="18" charset="0"/>
+              </a:rPr>
+              <a:t>dadosCEP</a:t>
+            </a:r>
+            <a:r>
+              <a:rPr lang="pt-BR" sz="2400" dirty="0">
+                <a:solidFill>
+                  <a:schemeClr val="tx1"/>
+                </a:solidFill>
+                <a:latin typeface="Times New Roman" panose="02020603050405020304" pitchFamily="18" charset="0"/>
+                <a:cs typeface="Times New Roman" panose="02020603050405020304" pitchFamily="18" charset="0"/>
+              </a:rPr>
+              <a:t>, status) {			// </a:t>
+            </a:r>
+            <a:r>
+              <a:rPr lang="pt-BR" sz="2400" b="1" dirty="0">
+                <a:solidFill>
+                  <a:schemeClr val="tx1"/>
+                </a:solidFill>
+                <a:latin typeface="Times New Roman" panose="02020603050405020304" pitchFamily="18" charset="0"/>
+                <a:cs typeface="Times New Roman" panose="02020603050405020304" pitchFamily="18" charset="0"/>
+              </a:rPr>
+              <a:t>método </a:t>
+            </a:r>
+            <a:r>
+              <a:rPr lang="pt-BR" sz="2400" b="1" dirty="0" err="1">
+                <a:solidFill>
+                  <a:schemeClr val="tx1"/>
+                </a:solidFill>
+                <a:latin typeface="Times New Roman" panose="02020603050405020304" pitchFamily="18" charset="0"/>
+                <a:cs typeface="Times New Roman" panose="02020603050405020304" pitchFamily="18" charset="0"/>
+              </a:rPr>
+              <a:t>get</a:t>
+            </a:r>
+            <a:r>
+              <a:rPr lang="pt-BR" sz="2400" dirty="0">
+                <a:solidFill>
+                  <a:schemeClr val="tx1"/>
+                </a:solidFill>
+                <a:latin typeface="Times New Roman" panose="02020603050405020304" pitchFamily="18" charset="0"/>
+                <a:cs typeface="Times New Roman" panose="02020603050405020304" pitchFamily="18" charset="0"/>
+              </a:rPr>
+              <a:t>: pegar dado (requisição)</a:t>
+            </a:r>
+          </a:p>
+          <a:p>
+            <a:pPr marL="0" indent="0" algn="just">
+              <a:buNone/>
+            </a:pPr>
+            <a:r>
+              <a:rPr lang="pt-BR" sz="2400" dirty="0">
+                <a:solidFill>
+                  <a:schemeClr val="tx1"/>
+                </a:solidFill>
+                <a:latin typeface="Times New Roman" panose="02020603050405020304" pitchFamily="18" charset="0"/>
+                <a:cs typeface="Times New Roman" panose="02020603050405020304" pitchFamily="18" charset="0"/>
+              </a:rPr>
+              <a:t>         //</a:t>
+            </a:r>
+            <a:r>
+              <a:rPr lang="pt-BR" sz="2400" b="1" dirty="0" err="1">
+                <a:solidFill>
+                  <a:schemeClr val="tx1"/>
+                </a:solidFill>
+                <a:latin typeface="Times New Roman" panose="02020603050405020304" pitchFamily="18" charset="0"/>
+                <a:cs typeface="Times New Roman" panose="02020603050405020304" pitchFamily="18" charset="0"/>
+              </a:rPr>
+              <a:t>alert</a:t>
+            </a:r>
+            <a:r>
+              <a:rPr lang="pt-BR" sz="2400" dirty="0">
+                <a:solidFill>
+                  <a:schemeClr val="tx1"/>
+                </a:solidFill>
+                <a:latin typeface="Times New Roman" panose="02020603050405020304" pitchFamily="18" charset="0"/>
+                <a:cs typeface="Times New Roman" panose="02020603050405020304" pitchFamily="18" charset="0"/>
+              </a:rPr>
+              <a:t>(status);</a:t>
+            </a:r>
+          </a:p>
+        </p:txBody>
+      </p:sp>
+    </p:spTree>
+    <p:extLst>
+      <p:ext uri="{BB962C8B-B14F-4D97-AF65-F5344CB8AC3E}">
+        <p14:creationId xmlns:p14="http://schemas.microsoft.com/office/powerpoint/2010/main" val="2175933199"/>
+      </p:ext>
+    </p:extLst>
+  </p:cSld>
+  <p:clrMapOvr>
+    <a:masterClrMapping/>
+  </p:clrMapOvr>
+  <p:transition spd="med"/>
+</p:sld>
+</file>
+
+<file path=ppt/slides/slide3.xml><?xml version="1.0" encoding="utf-8"?>
+<p:sld xmlns:a="http://schemas.openxmlformats.org/drawingml/2006/main" xmlns:r="http://schemas.openxmlformats.org/officeDocument/2006/relationships" xmlns:p="http://schemas.openxmlformats.org/presentationml/2006/main">
+  <p:cSld>
+    <p:spTree>
+      <p:nvGrpSpPr>
+        <p:cNvPr id="1" name=""/>
+        <p:cNvGrpSpPr/>
+        <p:nvPr/>
+      </p:nvGrpSpPr>
+      <p:grpSpPr>
+        <a:xfrm>
+          <a:off x="0" y="0"/>
+          <a:ext cx="0" cy="0"/>
+          <a:chOff x="0" y="0"/>
+          <a:chExt cx="0" cy="0"/>
+        </a:xfrm>
+      </p:grpSpPr>
+      <p:sp>
+        <p:nvSpPr>
+          <p:cNvPr id="6" name="Title 1"/>
+          <p:cNvSpPr>
+            <a:spLocks noGrp="1"/>
+          </p:cNvSpPr>
+          <p:nvPr>
+            <p:ph type="title"/>
+          </p:nvPr>
+        </p:nvSpPr>
+        <p:spPr>
+          <a:xfrm>
+            <a:off x="457200" y="205980"/>
+            <a:ext cx="8229600" cy="857251"/>
+          </a:xfrm>
+        </p:spPr>
+        <p:txBody>
+          <a:bodyPr>
+            <a:normAutofit/>
+          </a:bodyPr>
+          <a:lstStyle/>
+          <a:p>
+            <a:r>
+              <a:rPr lang="en-US" b="1" dirty="0" err="1">
+                <a:solidFill>
+                  <a:srgbClr val="0070C0"/>
+                </a:solidFill>
+              </a:rPr>
+              <a:t>JQuery</a:t>
+            </a:r>
+            <a:r>
+              <a:rPr lang="en-US" b="1" dirty="0">
+                <a:solidFill>
+                  <a:srgbClr val="0070C0"/>
+                </a:solidFill>
+              </a:rPr>
+              <a:t> – </a:t>
+            </a:r>
+            <a:r>
+              <a:rPr lang="en-US" b="1" dirty="0" err="1">
+                <a:solidFill>
+                  <a:srgbClr val="0070C0"/>
+                </a:solidFill>
+              </a:rPr>
+              <a:t>Biblioteca</a:t>
+            </a:r>
+            <a:endParaRPr lang="en-US" b="1" dirty="0">
+              <a:solidFill>
+                <a:srgbClr val="0070C0"/>
+              </a:solidFill>
+            </a:endParaRPr>
+          </a:p>
+        </p:txBody>
+      </p:sp>
+      <p:sp>
+        <p:nvSpPr>
+          <p:cNvPr id="8" name="Text Placeholder 2"/>
+          <p:cNvSpPr>
+            <a:spLocks noGrp="1"/>
+          </p:cNvSpPr>
+          <p:nvPr>
+            <p:ph type="body" sz="half" idx="1"/>
+          </p:nvPr>
+        </p:nvSpPr>
+        <p:spPr>
+          <a:xfrm>
+            <a:off x="142865" y="1037312"/>
+            <a:ext cx="8865056" cy="3900208"/>
+          </a:xfrm>
+        </p:spPr>
+        <p:txBody>
+          <a:bodyPr>
+            <a:noAutofit/>
+          </a:bodyPr>
+          <a:lstStyle/>
+          <a:p>
+            <a:pPr marL="0" indent="0" algn="just">
+              <a:buNone/>
+            </a:pPr>
+            <a:r>
+              <a:rPr lang="pt-BR" sz="2400" dirty="0">
+                <a:solidFill>
+                  <a:schemeClr val="tx1"/>
+                </a:solidFill>
+                <a:latin typeface="Times New Roman" panose="02020603050405020304" pitchFamily="18" charset="0"/>
+                <a:cs typeface="Times New Roman" panose="02020603050405020304" pitchFamily="18" charset="0"/>
+              </a:rPr>
+              <a:t>É uma </a:t>
+            </a:r>
+            <a:r>
+              <a:rPr lang="pt-BR" sz="2400" b="1" dirty="0">
+                <a:solidFill>
+                  <a:schemeClr val="tx1"/>
+                </a:solidFill>
+                <a:latin typeface="Times New Roman" panose="02020603050405020304" pitchFamily="18" charset="0"/>
+                <a:cs typeface="Times New Roman" panose="02020603050405020304" pitchFamily="18" charset="0"/>
+              </a:rPr>
+              <a:t>biblioteca JS </a:t>
+            </a:r>
+            <a:r>
+              <a:rPr lang="pt-BR" sz="2400" dirty="0">
+                <a:solidFill>
+                  <a:schemeClr val="tx1"/>
+                </a:solidFill>
+                <a:latin typeface="Times New Roman" panose="02020603050405020304" pitchFamily="18" charset="0"/>
+                <a:cs typeface="Times New Roman" panose="02020603050405020304" pitchFamily="18" charset="0"/>
+              </a:rPr>
+              <a:t>para agilizar as interações com a página Web.</a:t>
+            </a:r>
+          </a:p>
+          <a:p>
+            <a:pPr marL="0" indent="0" algn="just">
+              <a:buNone/>
+            </a:pPr>
+            <a:endParaRPr lang="pt-BR" sz="2400" dirty="0">
+              <a:solidFill>
+                <a:schemeClr val="tx1"/>
+              </a:solidFill>
+              <a:latin typeface="Times New Roman" panose="02020603050405020304" pitchFamily="18" charset="0"/>
+              <a:cs typeface="Times New Roman" panose="02020603050405020304" pitchFamily="18" charset="0"/>
+            </a:endParaRPr>
+          </a:p>
+          <a:p>
+            <a:pPr marL="0" indent="0" algn="just">
+              <a:buNone/>
+            </a:pPr>
+            <a:r>
+              <a:rPr lang="pt-BR" sz="2400" b="1" dirty="0">
+                <a:solidFill>
+                  <a:schemeClr val="tx1"/>
+                </a:solidFill>
+                <a:latin typeface="Times New Roman" panose="02020603050405020304" pitchFamily="18" charset="0"/>
+                <a:cs typeface="Times New Roman" panose="02020603050405020304" pitchFamily="18" charset="0"/>
+              </a:rPr>
+              <a:t>Simplifica</a:t>
+            </a:r>
+            <a:r>
+              <a:rPr lang="pt-BR" sz="2400" dirty="0">
+                <a:solidFill>
+                  <a:schemeClr val="tx1"/>
+                </a:solidFill>
+                <a:latin typeface="Times New Roman" panose="02020603050405020304" pitchFamily="18" charset="0"/>
+                <a:cs typeface="Times New Roman" panose="02020603050405020304" pitchFamily="18" charset="0"/>
+              </a:rPr>
+              <a:t>: Requisições AJAX; manipulação CSS, animações, gráficos, efeito carrossel , banners, etc.</a:t>
+            </a:r>
+          </a:p>
+          <a:p>
+            <a:pPr marL="0" indent="0" algn="just">
+              <a:buNone/>
+            </a:pPr>
+            <a:endParaRPr lang="pt-BR" sz="2400" dirty="0">
+              <a:solidFill>
+                <a:schemeClr val="tx1"/>
+              </a:solidFill>
+              <a:latin typeface="Times New Roman" panose="02020603050405020304" pitchFamily="18" charset="0"/>
+              <a:cs typeface="Times New Roman" panose="02020603050405020304" pitchFamily="18" charset="0"/>
+            </a:endParaRPr>
+          </a:p>
+          <a:p>
+            <a:pPr marL="0" indent="0" algn="just">
+              <a:buNone/>
+            </a:pPr>
+            <a:r>
+              <a:rPr lang="pt-BR" sz="2400" b="1" dirty="0">
+                <a:solidFill>
+                  <a:schemeClr val="tx1"/>
+                </a:solidFill>
+                <a:latin typeface="Times New Roman" panose="02020603050405020304" pitchFamily="18" charset="0"/>
+                <a:cs typeface="Times New Roman" panose="02020603050405020304" pitchFamily="18" charset="0"/>
+              </a:rPr>
+              <a:t>URL</a:t>
+            </a:r>
+            <a:r>
+              <a:rPr lang="pt-BR" sz="2400" dirty="0">
+                <a:solidFill>
+                  <a:schemeClr val="tx1"/>
+                </a:solidFill>
+                <a:latin typeface="Times New Roman" panose="02020603050405020304" pitchFamily="18" charset="0"/>
+                <a:cs typeface="Times New Roman" panose="02020603050405020304" pitchFamily="18" charset="0"/>
+              </a:rPr>
+              <a:t>: jquery.com</a:t>
+            </a:r>
+          </a:p>
+          <a:p>
+            <a:pPr marL="0" indent="0" algn="just">
+              <a:buNone/>
+            </a:pPr>
+            <a:r>
+              <a:rPr lang="pt-BR" sz="2400" dirty="0">
+                <a:solidFill>
+                  <a:schemeClr val="tx1"/>
+                </a:solidFill>
+                <a:latin typeface="Times New Roman" panose="02020603050405020304" pitchFamily="18" charset="0"/>
+                <a:cs typeface="Times New Roman" panose="02020603050405020304" pitchFamily="18" charset="0"/>
+              </a:rPr>
+              <a:t>Baixar a versão </a:t>
+            </a:r>
+            <a:r>
+              <a:rPr lang="pt-BR" sz="2400" b="1" dirty="0" err="1">
+                <a:solidFill>
+                  <a:srgbClr val="FF0000"/>
+                </a:solidFill>
+                <a:latin typeface="Times New Roman" panose="02020603050405020304" pitchFamily="18" charset="0"/>
+                <a:cs typeface="Times New Roman" panose="02020603050405020304" pitchFamily="18" charset="0"/>
+              </a:rPr>
+              <a:t>uncompressed</a:t>
+            </a:r>
+            <a:r>
+              <a:rPr lang="pt-BR" sz="2400" dirty="0">
+                <a:solidFill>
+                  <a:schemeClr val="tx1"/>
+                </a:solidFill>
+                <a:latin typeface="Times New Roman" panose="02020603050405020304" pitchFamily="18" charset="0"/>
+                <a:cs typeface="Times New Roman" panose="02020603050405020304" pitchFamily="18" charset="0"/>
+              </a:rPr>
+              <a:t> (</a:t>
+            </a:r>
+            <a:r>
+              <a:rPr lang="pt-BR" sz="2400" b="1" dirty="0">
+                <a:solidFill>
+                  <a:schemeClr val="tx1"/>
+                </a:solidFill>
+                <a:latin typeface="Times New Roman" panose="02020603050405020304" pitchFamily="18" charset="0"/>
+                <a:cs typeface="Times New Roman" panose="02020603050405020304" pitchFamily="18" charset="0"/>
+                <a:hlinkClick r:id="rId3"/>
+              </a:rPr>
+              <a:t>https://jquery.com/download/</a:t>
+            </a:r>
+            <a:r>
+              <a:rPr lang="pt-BR" sz="2400" dirty="0">
+                <a:solidFill>
+                  <a:schemeClr val="tx1"/>
+                </a:solidFill>
+                <a:latin typeface="Times New Roman" panose="02020603050405020304" pitchFamily="18" charset="0"/>
+                <a:cs typeface="Times New Roman" panose="02020603050405020304" pitchFamily="18" charset="0"/>
+              </a:rPr>
+              <a:t>). </a:t>
+            </a:r>
+          </a:p>
+          <a:p>
+            <a:pPr marL="0" indent="0" algn="just">
+              <a:buNone/>
+            </a:pPr>
+            <a:endParaRPr lang="pt-BR" sz="2400" dirty="0">
+              <a:solidFill>
+                <a:schemeClr val="tx1"/>
+              </a:solidFill>
+              <a:latin typeface="Times New Roman" panose="02020603050405020304" pitchFamily="18" charset="0"/>
+              <a:cs typeface="Times New Roman" panose="02020603050405020304" pitchFamily="18" charset="0"/>
+            </a:endParaRPr>
+          </a:p>
+          <a:p>
+            <a:pPr marL="0" indent="0" algn="just">
+              <a:buNone/>
+            </a:pPr>
+            <a:r>
+              <a:rPr lang="pt-BR" sz="2400" dirty="0">
+                <a:solidFill>
+                  <a:schemeClr val="tx1"/>
+                </a:solidFill>
+                <a:latin typeface="Times New Roman" panose="02020603050405020304" pitchFamily="18" charset="0"/>
+                <a:cs typeface="Times New Roman" panose="02020603050405020304" pitchFamily="18" charset="0"/>
+              </a:rPr>
+              <a:t>Salvar o arquivo </a:t>
+            </a:r>
+            <a:r>
+              <a:rPr lang="pt-BR" sz="2400" b="1" dirty="0">
+                <a:solidFill>
+                  <a:schemeClr val="tx1"/>
+                </a:solidFill>
+                <a:latin typeface="Times New Roman" panose="02020603050405020304" pitchFamily="18" charset="0"/>
+                <a:cs typeface="Times New Roman" panose="02020603050405020304" pitchFamily="18" charset="0"/>
+              </a:rPr>
+              <a:t>JQuery.js </a:t>
+            </a:r>
+            <a:r>
+              <a:rPr lang="pt-BR" sz="2400" dirty="0">
+                <a:solidFill>
+                  <a:schemeClr val="tx1"/>
+                </a:solidFill>
+                <a:latin typeface="Times New Roman" panose="02020603050405020304" pitchFamily="18" charset="0"/>
+                <a:cs typeface="Times New Roman" panose="02020603050405020304" pitchFamily="18" charset="0"/>
+              </a:rPr>
+              <a:t>e incluir no seu projeto Web.</a:t>
+            </a:r>
+          </a:p>
+          <a:p>
+            <a:pPr marL="0" indent="0" algn="just">
+              <a:buNone/>
+            </a:pPr>
+            <a:endParaRPr lang="pt-BR" sz="2400" dirty="0">
+              <a:solidFill>
+                <a:schemeClr val="tx1"/>
+              </a:solidFill>
+              <a:latin typeface="Times New Roman" panose="02020603050405020304" pitchFamily="18" charset="0"/>
+              <a:cs typeface="Times New Roman" panose="02020603050405020304" pitchFamily="18" charset="0"/>
+            </a:endParaRPr>
+          </a:p>
+          <a:p>
+            <a:pPr marL="0" indent="0" algn="just">
+              <a:buNone/>
+            </a:pPr>
+            <a:endParaRPr lang="pt-BR" sz="2400" dirty="0">
+              <a:solidFill>
+                <a:schemeClr val="tx1"/>
+              </a:solidFill>
+              <a:latin typeface="Times New Roman" panose="02020603050405020304" pitchFamily="18" charset="0"/>
+              <a:cs typeface="Times New Roman" panose="02020603050405020304" pitchFamily="18" charset="0"/>
+            </a:endParaRPr>
+          </a:p>
+        </p:txBody>
+      </p:sp>
+    </p:spTree>
+    <p:extLst>
+      <p:ext uri="{BB962C8B-B14F-4D97-AF65-F5344CB8AC3E}">
+        <p14:creationId xmlns:p14="http://schemas.microsoft.com/office/powerpoint/2010/main" val="3049810001"/>
+      </p:ext>
+    </p:extLst>
+  </p:cSld>
+  <p:clrMapOvr>
+    <a:masterClrMapping/>
+  </p:clrMapOvr>
+  <p:transition spd="med"/>
+</p:sld>
+</file>
+
+<file path=ppt/slides/slide30.xml><?xml version="1.0" encoding="utf-8"?>
+<p:sld xmlns:a="http://schemas.openxmlformats.org/drawingml/2006/main" xmlns:r="http://schemas.openxmlformats.org/officeDocument/2006/relationships" xmlns:p="http://schemas.openxmlformats.org/presentationml/2006/main">
+  <p:cSld>
+    <p:spTree>
+      <p:nvGrpSpPr>
+        <p:cNvPr id="1" name=""/>
+        <p:cNvGrpSpPr/>
+        <p:nvPr/>
+      </p:nvGrpSpPr>
+      <p:grpSpPr>
+        <a:xfrm>
+          <a:off x="0" y="0"/>
+          <a:ext cx="0" cy="0"/>
+          <a:chOff x="0" y="0"/>
+          <a:chExt cx="0" cy="0"/>
+        </a:xfrm>
+      </p:grpSpPr>
+      <p:sp>
+        <p:nvSpPr>
+          <p:cNvPr id="6" name="Title 1"/>
+          <p:cNvSpPr>
+            <a:spLocks noGrp="1"/>
+          </p:cNvSpPr>
+          <p:nvPr>
+            <p:ph type="title"/>
+          </p:nvPr>
+        </p:nvSpPr>
+        <p:spPr>
+          <a:xfrm>
+            <a:off x="457200" y="205980"/>
+            <a:ext cx="8229600" cy="857251"/>
+          </a:xfrm>
+        </p:spPr>
+        <p:txBody>
+          <a:bodyPr>
+            <a:normAutofit/>
+          </a:bodyPr>
+          <a:lstStyle/>
+          <a:p>
+            <a:r>
+              <a:rPr lang="en-US" b="1" dirty="0" err="1">
+                <a:solidFill>
+                  <a:srgbClr val="0070C0"/>
+                </a:solidFill>
+              </a:rPr>
+              <a:t>JQuery</a:t>
+            </a:r>
+            <a:r>
+              <a:rPr lang="en-US" b="1" dirty="0">
+                <a:solidFill>
+                  <a:srgbClr val="0070C0"/>
+                </a:solidFill>
+              </a:rPr>
+              <a:t> – DOM AJAX API Get Web</a:t>
+            </a:r>
+          </a:p>
+        </p:txBody>
+      </p:sp>
+      <p:sp>
+        <p:nvSpPr>
+          <p:cNvPr id="8" name="Text Placeholder 2"/>
+          <p:cNvSpPr>
+            <a:spLocks noGrp="1"/>
+          </p:cNvSpPr>
+          <p:nvPr>
+            <p:ph type="body" sz="half" idx="1"/>
+          </p:nvPr>
+        </p:nvSpPr>
+        <p:spPr>
+          <a:xfrm>
+            <a:off x="142865" y="1049838"/>
+            <a:ext cx="8865056" cy="3900208"/>
+          </a:xfrm>
+        </p:spPr>
+        <p:txBody>
+          <a:bodyPr>
+            <a:noAutofit/>
+          </a:bodyPr>
+          <a:lstStyle/>
+          <a:p>
+            <a:pPr marL="0" indent="0" algn="just">
+              <a:buNone/>
+            </a:pPr>
+            <a:r>
+              <a:rPr lang="pt-BR" sz="2400" dirty="0">
+                <a:solidFill>
+                  <a:schemeClr val="tx1"/>
+                </a:solidFill>
+                <a:latin typeface="Times New Roman" panose="02020603050405020304" pitchFamily="18" charset="0"/>
+                <a:cs typeface="Times New Roman" panose="02020603050405020304" pitchFamily="18" charset="0"/>
+              </a:rPr>
+              <a:t>	</a:t>
+            </a:r>
+            <a:r>
+              <a:rPr lang="pt-BR" sz="2400" b="1" dirty="0" err="1">
+                <a:solidFill>
+                  <a:schemeClr val="tx1"/>
+                </a:solidFill>
+                <a:latin typeface="Times New Roman" panose="02020603050405020304" pitchFamily="18" charset="0"/>
+                <a:cs typeface="Times New Roman" panose="02020603050405020304" pitchFamily="18" charset="0"/>
+              </a:rPr>
+              <a:t>if</a:t>
+            </a:r>
+            <a:r>
+              <a:rPr lang="pt-BR" sz="2400" dirty="0">
+                <a:solidFill>
+                  <a:schemeClr val="tx1"/>
+                </a:solidFill>
+                <a:latin typeface="Times New Roman" panose="02020603050405020304" pitchFamily="18" charset="0"/>
+                <a:cs typeface="Times New Roman" panose="02020603050405020304" pitchFamily="18" charset="0"/>
+              </a:rPr>
+              <a:t> ( status == '</a:t>
+            </a:r>
+            <a:r>
+              <a:rPr lang="pt-BR" sz="2400" dirty="0" err="1">
+                <a:solidFill>
+                  <a:schemeClr val="tx1"/>
+                </a:solidFill>
+                <a:latin typeface="Times New Roman" panose="02020603050405020304" pitchFamily="18" charset="0"/>
+                <a:cs typeface="Times New Roman" panose="02020603050405020304" pitchFamily="18" charset="0"/>
+              </a:rPr>
+              <a:t>success</a:t>
+            </a:r>
+            <a:r>
+              <a:rPr lang="pt-BR" sz="2400" dirty="0">
+                <a:solidFill>
+                  <a:schemeClr val="tx1"/>
+                </a:solidFill>
+                <a:latin typeface="Times New Roman" panose="02020603050405020304" pitchFamily="18" charset="0"/>
+                <a:cs typeface="Times New Roman" panose="02020603050405020304" pitchFamily="18" charset="0"/>
+              </a:rPr>
+              <a:t>'){</a:t>
+            </a:r>
+          </a:p>
+          <a:p>
+            <a:pPr marL="0" indent="0" algn="just">
+              <a:buNone/>
+            </a:pPr>
+            <a:r>
+              <a:rPr lang="pt-BR" sz="2400" dirty="0">
+                <a:solidFill>
+                  <a:schemeClr val="tx1"/>
+                </a:solidFill>
+                <a:latin typeface="Times New Roman" panose="02020603050405020304" pitchFamily="18" charset="0"/>
+                <a:cs typeface="Times New Roman" panose="02020603050405020304" pitchFamily="18" charset="0"/>
+              </a:rPr>
+              <a:t>              $('#</a:t>
+            </a:r>
+            <a:r>
+              <a:rPr lang="pt-BR" sz="2400" dirty="0" err="1">
+                <a:solidFill>
+                  <a:schemeClr val="tx1"/>
+                </a:solidFill>
+                <a:latin typeface="Times New Roman" panose="02020603050405020304" pitchFamily="18" charset="0"/>
+                <a:cs typeface="Times New Roman" panose="02020603050405020304" pitchFamily="18" charset="0"/>
+              </a:rPr>
+              <a:t>inputCidade</a:t>
+            </a:r>
+            <a:r>
+              <a:rPr lang="pt-BR" sz="2400" dirty="0">
+                <a:solidFill>
+                  <a:schemeClr val="tx1"/>
+                </a:solidFill>
+                <a:latin typeface="Times New Roman" panose="02020603050405020304" pitchFamily="18" charset="0"/>
+                <a:cs typeface="Times New Roman" panose="02020603050405020304" pitchFamily="18" charset="0"/>
+              </a:rPr>
+              <a:t>').</a:t>
+            </a:r>
+            <a:r>
+              <a:rPr lang="pt-BR" sz="2400" dirty="0" err="1">
+                <a:solidFill>
+                  <a:schemeClr val="tx1"/>
+                </a:solidFill>
+                <a:latin typeface="Times New Roman" panose="02020603050405020304" pitchFamily="18" charset="0"/>
+                <a:cs typeface="Times New Roman" panose="02020603050405020304" pitchFamily="18" charset="0"/>
+              </a:rPr>
+              <a:t>val</a:t>
+            </a:r>
+            <a:r>
+              <a:rPr lang="pt-BR" sz="2400" dirty="0">
+                <a:solidFill>
+                  <a:schemeClr val="tx1"/>
+                </a:solidFill>
+                <a:latin typeface="Times New Roman" panose="02020603050405020304" pitchFamily="18" charset="0"/>
+                <a:cs typeface="Times New Roman" panose="02020603050405020304" pitchFamily="18" charset="0"/>
+              </a:rPr>
+              <a:t>(</a:t>
+            </a:r>
+            <a:r>
+              <a:rPr lang="pt-BR" sz="2400" dirty="0" err="1">
+                <a:solidFill>
+                  <a:schemeClr val="tx1"/>
+                </a:solidFill>
+                <a:latin typeface="Times New Roman" panose="02020603050405020304" pitchFamily="18" charset="0"/>
+                <a:cs typeface="Times New Roman" panose="02020603050405020304" pitchFamily="18" charset="0"/>
+              </a:rPr>
+              <a:t>dadosCEP.localidade</a:t>
+            </a:r>
+            <a:r>
+              <a:rPr lang="pt-BR" sz="2400" dirty="0">
+                <a:solidFill>
+                  <a:schemeClr val="tx1"/>
+                </a:solidFill>
+                <a:latin typeface="Times New Roman" panose="02020603050405020304" pitchFamily="18" charset="0"/>
+                <a:cs typeface="Times New Roman" panose="02020603050405020304" pitchFamily="18" charset="0"/>
+              </a:rPr>
+              <a:t>);</a:t>
+            </a:r>
+          </a:p>
+          <a:p>
+            <a:pPr marL="0" indent="0" algn="just">
+              <a:buNone/>
+            </a:pPr>
+            <a:r>
+              <a:rPr lang="pt-BR" sz="2400" dirty="0">
+                <a:solidFill>
+                  <a:schemeClr val="tx1"/>
+                </a:solidFill>
+                <a:latin typeface="Times New Roman" panose="02020603050405020304" pitchFamily="18" charset="0"/>
+                <a:cs typeface="Times New Roman" panose="02020603050405020304" pitchFamily="18" charset="0"/>
+              </a:rPr>
+              <a:t>              $('#</a:t>
+            </a:r>
+            <a:r>
+              <a:rPr lang="pt-BR" sz="2400" dirty="0" err="1">
+                <a:solidFill>
+                  <a:schemeClr val="tx1"/>
+                </a:solidFill>
+                <a:latin typeface="Times New Roman" panose="02020603050405020304" pitchFamily="18" charset="0"/>
+                <a:cs typeface="Times New Roman" panose="02020603050405020304" pitchFamily="18" charset="0"/>
+              </a:rPr>
+              <a:t>inputUF</a:t>
+            </a:r>
+            <a:r>
+              <a:rPr lang="pt-BR" sz="2400" dirty="0">
+                <a:solidFill>
+                  <a:schemeClr val="tx1"/>
+                </a:solidFill>
+                <a:latin typeface="Times New Roman" panose="02020603050405020304" pitchFamily="18" charset="0"/>
+                <a:cs typeface="Times New Roman" panose="02020603050405020304" pitchFamily="18" charset="0"/>
+              </a:rPr>
+              <a:t>').</a:t>
+            </a:r>
+            <a:r>
+              <a:rPr lang="pt-BR" sz="2400" dirty="0" err="1">
+                <a:solidFill>
+                  <a:schemeClr val="tx1"/>
+                </a:solidFill>
+                <a:latin typeface="Times New Roman" panose="02020603050405020304" pitchFamily="18" charset="0"/>
+                <a:cs typeface="Times New Roman" panose="02020603050405020304" pitchFamily="18" charset="0"/>
+              </a:rPr>
+              <a:t>val</a:t>
+            </a:r>
+            <a:r>
+              <a:rPr lang="pt-BR" sz="2400" dirty="0">
+                <a:solidFill>
+                  <a:schemeClr val="tx1"/>
+                </a:solidFill>
+                <a:latin typeface="Times New Roman" panose="02020603050405020304" pitchFamily="18" charset="0"/>
+                <a:cs typeface="Times New Roman" panose="02020603050405020304" pitchFamily="18" charset="0"/>
+              </a:rPr>
+              <a:t>(</a:t>
+            </a:r>
+            <a:r>
+              <a:rPr lang="pt-BR" sz="2400" dirty="0" err="1">
+                <a:solidFill>
+                  <a:schemeClr val="tx1"/>
+                </a:solidFill>
+                <a:latin typeface="Times New Roman" panose="02020603050405020304" pitchFamily="18" charset="0"/>
+                <a:cs typeface="Times New Roman" panose="02020603050405020304" pitchFamily="18" charset="0"/>
+              </a:rPr>
+              <a:t>dadosCEP.uf</a:t>
+            </a:r>
+            <a:r>
+              <a:rPr lang="pt-BR" sz="2400" dirty="0">
+                <a:solidFill>
+                  <a:schemeClr val="tx1"/>
+                </a:solidFill>
+                <a:latin typeface="Times New Roman" panose="02020603050405020304" pitchFamily="18" charset="0"/>
+                <a:cs typeface="Times New Roman" panose="02020603050405020304" pitchFamily="18" charset="0"/>
+              </a:rPr>
+              <a:t>);</a:t>
+            </a:r>
+          </a:p>
+          <a:p>
+            <a:pPr marL="0" indent="0" algn="just">
+              <a:buNone/>
+            </a:pPr>
+            <a:r>
+              <a:rPr lang="pt-BR" sz="2400" dirty="0">
+                <a:solidFill>
+                  <a:schemeClr val="tx1"/>
+                </a:solidFill>
+                <a:latin typeface="Times New Roman" panose="02020603050405020304" pitchFamily="18" charset="0"/>
+                <a:cs typeface="Times New Roman" panose="02020603050405020304" pitchFamily="18" charset="0"/>
+              </a:rPr>
+              <a:t>              $('#</a:t>
+            </a:r>
+            <a:r>
+              <a:rPr lang="pt-BR" sz="2400" dirty="0" err="1">
+                <a:solidFill>
+                  <a:schemeClr val="tx1"/>
+                </a:solidFill>
+                <a:latin typeface="Times New Roman" panose="02020603050405020304" pitchFamily="18" charset="0"/>
+                <a:cs typeface="Times New Roman" panose="02020603050405020304" pitchFamily="18" charset="0"/>
+              </a:rPr>
+              <a:t>inputLogradouro</a:t>
+            </a:r>
+            <a:r>
+              <a:rPr lang="pt-BR" sz="2400" dirty="0">
+                <a:solidFill>
+                  <a:schemeClr val="tx1"/>
+                </a:solidFill>
+                <a:latin typeface="Times New Roman" panose="02020603050405020304" pitchFamily="18" charset="0"/>
+                <a:cs typeface="Times New Roman" panose="02020603050405020304" pitchFamily="18" charset="0"/>
+              </a:rPr>
+              <a:t>').</a:t>
+            </a:r>
+            <a:r>
+              <a:rPr lang="pt-BR" sz="2400" dirty="0" err="1">
+                <a:solidFill>
+                  <a:schemeClr val="tx1"/>
+                </a:solidFill>
+                <a:latin typeface="Times New Roman" panose="02020603050405020304" pitchFamily="18" charset="0"/>
+                <a:cs typeface="Times New Roman" panose="02020603050405020304" pitchFamily="18" charset="0"/>
+              </a:rPr>
+              <a:t>val</a:t>
+            </a:r>
+            <a:r>
+              <a:rPr lang="pt-BR" sz="2400" dirty="0">
+                <a:solidFill>
+                  <a:schemeClr val="tx1"/>
+                </a:solidFill>
+                <a:latin typeface="Times New Roman" panose="02020603050405020304" pitchFamily="18" charset="0"/>
+                <a:cs typeface="Times New Roman" panose="02020603050405020304" pitchFamily="18" charset="0"/>
+              </a:rPr>
+              <a:t>(</a:t>
+            </a:r>
+            <a:r>
+              <a:rPr lang="pt-BR" sz="2400" dirty="0" err="1">
+                <a:solidFill>
+                  <a:schemeClr val="tx1"/>
+                </a:solidFill>
+                <a:latin typeface="Times New Roman" panose="02020603050405020304" pitchFamily="18" charset="0"/>
+                <a:cs typeface="Times New Roman" panose="02020603050405020304" pitchFamily="18" charset="0"/>
+              </a:rPr>
+              <a:t>dadosCEP.logradouro</a:t>
+            </a:r>
+            <a:r>
+              <a:rPr lang="pt-BR" sz="2400" dirty="0">
+                <a:solidFill>
+                  <a:schemeClr val="tx1"/>
+                </a:solidFill>
+                <a:latin typeface="Times New Roman" panose="02020603050405020304" pitchFamily="18" charset="0"/>
+                <a:cs typeface="Times New Roman" panose="02020603050405020304" pitchFamily="18" charset="0"/>
+              </a:rPr>
+              <a:t>);</a:t>
+            </a:r>
+          </a:p>
+          <a:p>
+            <a:pPr marL="0" indent="0" algn="just">
+              <a:buNone/>
+            </a:pPr>
+            <a:r>
+              <a:rPr lang="pt-BR" sz="2400" dirty="0">
+                <a:solidFill>
+                  <a:schemeClr val="tx1"/>
+                </a:solidFill>
+                <a:latin typeface="Times New Roman" panose="02020603050405020304" pitchFamily="18" charset="0"/>
+                <a:cs typeface="Times New Roman" panose="02020603050405020304" pitchFamily="18" charset="0"/>
+              </a:rPr>
+              <a:t>              $('#</a:t>
+            </a:r>
+            <a:r>
+              <a:rPr lang="pt-BR" sz="2400" dirty="0" err="1">
+                <a:solidFill>
+                  <a:schemeClr val="tx1"/>
+                </a:solidFill>
+                <a:latin typeface="Times New Roman" panose="02020603050405020304" pitchFamily="18" charset="0"/>
+                <a:cs typeface="Times New Roman" panose="02020603050405020304" pitchFamily="18" charset="0"/>
+              </a:rPr>
+              <a:t>inputBairro</a:t>
+            </a:r>
+            <a:r>
+              <a:rPr lang="pt-BR" sz="2400" dirty="0">
+                <a:solidFill>
+                  <a:schemeClr val="tx1"/>
+                </a:solidFill>
+                <a:latin typeface="Times New Roman" panose="02020603050405020304" pitchFamily="18" charset="0"/>
+                <a:cs typeface="Times New Roman" panose="02020603050405020304" pitchFamily="18" charset="0"/>
+              </a:rPr>
+              <a:t>').</a:t>
+            </a:r>
+            <a:r>
+              <a:rPr lang="pt-BR" sz="2400" dirty="0" err="1">
+                <a:solidFill>
+                  <a:schemeClr val="tx1"/>
+                </a:solidFill>
+                <a:latin typeface="Times New Roman" panose="02020603050405020304" pitchFamily="18" charset="0"/>
+                <a:cs typeface="Times New Roman" panose="02020603050405020304" pitchFamily="18" charset="0"/>
+              </a:rPr>
+              <a:t>val</a:t>
+            </a:r>
+            <a:r>
+              <a:rPr lang="pt-BR" sz="2400" dirty="0">
+                <a:solidFill>
+                  <a:schemeClr val="tx1"/>
+                </a:solidFill>
+                <a:latin typeface="Times New Roman" panose="02020603050405020304" pitchFamily="18" charset="0"/>
+                <a:cs typeface="Times New Roman" panose="02020603050405020304" pitchFamily="18" charset="0"/>
+              </a:rPr>
+              <a:t>(</a:t>
+            </a:r>
+            <a:r>
+              <a:rPr lang="pt-BR" sz="2400" dirty="0" err="1">
+                <a:solidFill>
+                  <a:schemeClr val="tx1"/>
+                </a:solidFill>
+                <a:latin typeface="Times New Roman" panose="02020603050405020304" pitchFamily="18" charset="0"/>
+                <a:cs typeface="Times New Roman" panose="02020603050405020304" pitchFamily="18" charset="0"/>
+              </a:rPr>
+              <a:t>dadosCEP.bairro</a:t>
+            </a:r>
+            <a:r>
+              <a:rPr lang="pt-BR" sz="2400" dirty="0">
+                <a:solidFill>
+                  <a:schemeClr val="tx1"/>
+                </a:solidFill>
+                <a:latin typeface="Times New Roman" panose="02020603050405020304" pitchFamily="18" charset="0"/>
+                <a:cs typeface="Times New Roman" panose="02020603050405020304" pitchFamily="18" charset="0"/>
+              </a:rPr>
+              <a:t>);</a:t>
+            </a:r>
+          </a:p>
+          <a:p>
+            <a:pPr marL="0" indent="0" algn="just">
+              <a:buNone/>
+            </a:pPr>
+            <a:r>
+              <a:rPr lang="pt-BR" sz="2400" dirty="0">
+                <a:solidFill>
+                  <a:schemeClr val="tx1"/>
+                </a:solidFill>
+                <a:latin typeface="Times New Roman" panose="02020603050405020304" pitchFamily="18" charset="0"/>
+                <a:cs typeface="Times New Roman" panose="02020603050405020304" pitchFamily="18" charset="0"/>
+              </a:rPr>
+              <a:t>            }</a:t>
+            </a:r>
+          </a:p>
+          <a:p>
+            <a:pPr marL="0" indent="0" algn="just">
+              <a:buNone/>
+            </a:pPr>
+            <a:r>
+              <a:rPr lang="pt-BR" sz="2400" b="1" dirty="0">
+                <a:solidFill>
+                  <a:schemeClr val="tx1"/>
+                </a:solidFill>
+                <a:latin typeface="Times New Roman" panose="02020603050405020304" pitchFamily="18" charset="0"/>
+                <a:cs typeface="Times New Roman" panose="02020603050405020304" pitchFamily="18" charset="0"/>
+              </a:rPr>
+              <a:t>     </a:t>
+            </a:r>
+            <a:r>
+              <a:rPr lang="pt-BR" sz="2400" b="1" dirty="0" err="1">
+                <a:solidFill>
+                  <a:schemeClr val="tx1"/>
+                </a:solidFill>
+                <a:latin typeface="Times New Roman" panose="02020603050405020304" pitchFamily="18" charset="0"/>
+                <a:cs typeface="Times New Roman" panose="02020603050405020304" pitchFamily="18" charset="0"/>
+              </a:rPr>
+              <a:t>else</a:t>
+            </a:r>
+            <a:r>
+              <a:rPr lang="pt-BR" sz="2400" dirty="0">
+                <a:solidFill>
+                  <a:schemeClr val="tx1"/>
+                </a:solidFill>
+                <a:latin typeface="Times New Roman" panose="02020603050405020304" pitchFamily="18" charset="0"/>
+                <a:cs typeface="Times New Roman" panose="02020603050405020304" pitchFamily="18" charset="0"/>
+              </a:rPr>
+              <a:t> { </a:t>
+            </a:r>
+            <a:r>
+              <a:rPr lang="pt-BR" sz="2400" b="1" dirty="0" err="1">
+                <a:solidFill>
+                  <a:schemeClr val="tx1"/>
+                </a:solidFill>
+                <a:latin typeface="Times New Roman" panose="02020603050405020304" pitchFamily="18" charset="0"/>
+                <a:cs typeface="Times New Roman" panose="02020603050405020304" pitchFamily="18" charset="0"/>
+              </a:rPr>
+              <a:t>alert</a:t>
+            </a:r>
+            <a:r>
+              <a:rPr lang="pt-BR" sz="2400" dirty="0">
+                <a:solidFill>
+                  <a:schemeClr val="tx1"/>
+                </a:solidFill>
+                <a:latin typeface="Times New Roman" panose="02020603050405020304" pitchFamily="18" charset="0"/>
+                <a:cs typeface="Times New Roman" panose="02020603050405020304" pitchFamily="18" charset="0"/>
+              </a:rPr>
+              <a:t>('Erro na requisição!!!’); }</a:t>
+            </a:r>
+          </a:p>
+          <a:p>
+            <a:pPr marL="0" indent="0" algn="just">
+              <a:buNone/>
+            </a:pPr>
+            <a:r>
+              <a:rPr lang="pt-BR" sz="2400" dirty="0">
+                <a:solidFill>
+                  <a:schemeClr val="tx1"/>
+                </a:solidFill>
+                <a:latin typeface="Times New Roman" panose="02020603050405020304" pitchFamily="18" charset="0"/>
+                <a:cs typeface="Times New Roman" panose="02020603050405020304" pitchFamily="18" charset="0"/>
+              </a:rPr>
+              <a:t>});   // </a:t>
+            </a:r>
+            <a:r>
+              <a:rPr lang="pt-BR" sz="2400" b="1" dirty="0">
+                <a:solidFill>
+                  <a:schemeClr val="tx1"/>
+                </a:solidFill>
+                <a:latin typeface="Times New Roman" panose="02020603050405020304" pitchFamily="18" charset="0"/>
+                <a:cs typeface="Times New Roman" panose="02020603050405020304" pitchFamily="18" charset="0"/>
+              </a:rPr>
+              <a:t>Fim</a:t>
+            </a:r>
+            <a:r>
+              <a:rPr lang="pt-BR" sz="2400" dirty="0">
+                <a:solidFill>
+                  <a:schemeClr val="tx1"/>
+                </a:solidFill>
+                <a:latin typeface="Times New Roman" panose="02020603050405020304" pitchFamily="18" charset="0"/>
+                <a:cs typeface="Times New Roman" panose="02020603050405020304" pitchFamily="18" charset="0"/>
+              </a:rPr>
+              <a:t> do $(</a:t>
+            </a:r>
+            <a:r>
+              <a:rPr lang="pt-BR" sz="2400" b="1" dirty="0" err="1">
+                <a:solidFill>
+                  <a:schemeClr val="tx1"/>
+                </a:solidFill>
+                <a:latin typeface="Times New Roman" panose="02020603050405020304" pitchFamily="18" charset="0"/>
+                <a:cs typeface="Times New Roman" panose="02020603050405020304" pitchFamily="18" charset="0"/>
+              </a:rPr>
+              <a:t>document</a:t>
+            </a:r>
+            <a:r>
+              <a:rPr lang="pt-BR" sz="2400" dirty="0">
+                <a:solidFill>
+                  <a:schemeClr val="tx1"/>
+                </a:solidFill>
+                <a:latin typeface="Times New Roman" panose="02020603050405020304" pitchFamily="18" charset="0"/>
+                <a:cs typeface="Times New Roman" panose="02020603050405020304" pitchFamily="18" charset="0"/>
+              </a:rPr>
+              <a:t>)...</a:t>
+            </a:r>
+          </a:p>
+        </p:txBody>
+      </p:sp>
+    </p:spTree>
+    <p:extLst>
+      <p:ext uri="{BB962C8B-B14F-4D97-AF65-F5344CB8AC3E}">
+        <p14:creationId xmlns:p14="http://schemas.microsoft.com/office/powerpoint/2010/main" val="2778009814"/>
+      </p:ext>
+    </p:extLst>
+  </p:cSld>
+  <p:clrMapOvr>
+    <a:masterClrMapping/>
+  </p:clrMapOvr>
+  <p:transition spd="med"/>
+</p:sld>
+</file>
+
+<file path=ppt/slides/slide31.xml><?xml version="1.0" encoding="utf-8"?>
+<p:sld xmlns:a="http://schemas.openxmlformats.org/drawingml/2006/main" xmlns:r="http://schemas.openxmlformats.org/officeDocument/2006/relationships" xmlns:p="http://schemas.openxmlformats.org/presentationml/2006/main">
+  <p:cSld>
+    <p:spTree>
+      <p:nvGrpSpPr>
+        <p:cNvPr id="1" name=""/>
+        <p:cNvGrpSpPr/>
+        <p:nvPr/>
+      </p:nvGrpSpPr>
+      <p:grpSpPr>
+        <a:xfrm>
+          <a:off x="0" y="0"/>
+          <a:ext cx="0" cy="0"/>
+          <a:chOff x="0" y="0"/>
+          <a:chExt cx="0" cy="0"/>
+        </a:xfrm>
+      </p:grpSpPr>
+      <p:sp>
+        <p:nvSpPr>
+          <p:cNvPr id="6" name="Title 1"/>
+          <p:cNvSpPr>
+            <a:spLocks noGrp="1"/>
+          </p:cNvSpPr>
+          <p:nvPr>
+            <p:ph type="title"/>
+          </p:nvPr>
+        </p:nvSpPr>
+        <p:spPr>
+          <a:xfrm>
+            <a:off x="457200" y="205980"/>
+            <a:ext cx="8229600" cy="857251"/>
+          </a:xfrm>
+        </p:spPr>
+        <p:txBody>
+          <a:bodyPr>
+            <a:normAutofit/>
+          </a:bodyPr>
+          <a:lstStyle/>
+          <a:p>
+            <a:r>
+              <a:rPr lang="en-US" b="1" dirty="0" err="1">
+                <a:solidFill>
+                  <a:srgbClr val="0070C0"/>
+                </a:solidFill>
+              </a:rPr>
+              <a:t>JQuery</a:t>
+            </a:r>
+            <a:r>
+              <a:rPr lang="en-US" b="1" dirty="0">
+                <a:solidFill>
+                  <a:srgbClr val="0070C0"/>
+                </a:solidFill>
+              </a:rPr>
+              <a:t> – DOM AJAX API Post Web</a:t>
+            </a:r>
+          </a:p>
+        </p:txBody>
+      </p:sp>
+      <p:sp>
+        <p:nvSpPr>
+          <p:cNvPr id="8" name="Text Placeholder 2"/>
+          <p:cNvSpPr>
+            <a:spLocks noGrp="1"/>
+          </p:cNvSpPr>
+          <p:nvPr>
+            <p:ph type="body" sz="half" idx="1"/>
+          </p:nvPr>
+        </p:nvSpPr>
+        <p:spPr>
+          <a:xfrm>
+            <a:off x="142865" y="1049838"/>
+            <a:ext cx="8865056" cy="3900208"/>
+          </a:xfrm>
+        </p:spPr>
+        <p:txBody>
+          <a:bodyPr>
+            <a:noAutofit/>
+          </a:bodyPr>
+          <a:lstStyle/>
+          <a:p>
+            <a:pPr marL="0" indent="0" algn="just">
+              <a:buNone/>
+            </a:pPr>
+            <a:r>
+              <a:rPr lang="pt-BR" sz="2400" dirty="0">
+                <a:solidFill>
+                  <a:schemeClr val="tx1"/>
+                </a:solidFill>
+                <a:latin typeface="Times New Roman" panose="02020603050405020304" pitchFamily="18" charset="0"/>
+                <a:cs typeface="Times New Roman" panose="02020603050405020304" pitchFamily="18" charset="0"/>
+              </a:rPr>
+              <a:t> Método </a:t>
+            </a:r>
+            <a:r>
+              <a:rPr lang="pt-BR" sz="2400" b="1" dirty="0">
+                <a:solidFill>
+                  <a:schemeClr val="tx1"/>
+                </a:solidFill>
+                <a:latin typeface="Times New Roman" panose="02020603050405020304" pitchFamily="18" charset="0"/>
+                <a:cs typeface="Times New Roman" panose="02020603050405020304" pitchFamily="18" charset="0"/>
+              </a:rPr>
+              <a:t>POST,</a:t>
+            </a:r>
+            <a:r>
+              <a:rPr lang="pt-BR" sz="2400" dirty="0">
+                <a:solidFill>
+                  <a:schemeClr val="tx1"/>
+                </a:solidFill>
+                <a:latin typeface="Times New Roman" panose="02020603050405020304" pitchFamily="18" charset="0"/>
+                <a:cs typeface="Times New Roman" panose="02020603050405020304" pitchFamily="18" charset="0"/>
+              </a:rPr>
+              <a:t> enviar para outro site.</a:t>
+            </a:r>
+          </a:p>
+          <a:p>
+            <a:pPr marL="0" indent="0" algn="just">
+              <a:buNone/>
+            </a:pPr>
+            <a:r>
+              <a:rPr lang="pt-BR" sz="2400" dirty="0">
+                <a:solidFill>
+                  <a:schemeClr val="tx1"/>
+                </a:solidFill>
+                <a:latin typeface="Times New Roman" panose="02020603050405020304" pitchFamily="18" charset="0"/>
+                <a:cs typeface="Times New Roman" panose="02020603050405020304" pitchFamily="18" charset="0"/>
+              </a:rPr>
+              <a:t> </a:t>
+            </a:r>
+          </a:p>
+          <a:p>
+            <a:pPr marL="0" indent="0" algn="just">
+              <a:buNone/>
+            </a:pPr>
+            <a:r>
+              <a:rPr lang="pt-BR" sz="2400" dirty="0">
+                <a:solidFill>
+                  <a:schemeClr val="tx1"/>
+                </a:solidFill>
+                <a:latin typeface="Times New Roman" panose="02020603050405020304" pitchFamily="18" charset="0"/>
+                <a:cs typeface="Times New Roman" panose="02020603050405020304" pitchFamily="18" charset="0"/>
+              </a:rPr>
+              <a:t>$(</a:t>
+            </a:r>
+            <a:r>
+              <a:rPr lang="pt-BR" sz="2400" b="1" dirty="0" err="1">
+                <a:solidFill>
+                  <a:schemeClr val="tx1"/>
+                </a:solidFill>
+                <a:latin typeface="Times New Roman" panose="02020603050405020304" pitchFamily="18" charset="0"/>
+                <a:cs typeface="Times New Roman" panose="02020603050405020304" pitchFamily="18" charset="0"/>
+              </a:rPr>
+              <a:t>document</a:t>
+            </a:r>
+            <a:r>
+              <a:rPr lang="pt-BR" sz="2400" dirty="0">
+                <a:solidFill>
+                  <a:schemeClr val="tx1"/>
+                </a:solidFill>
+                <a:latin typeface="Times New Roman" panose="02020603050405020304" pitchFamily="18" charset="0"/>
+                <a:cs typeface="Times New Roman" panose="02020603050405020304" pitchFamily="18" charset="0"/>
+              </a:rPr>
+              <a:t>).</a:t>
+            </a:r>
+            <a:r>
+              <a:rPr lang="pt-BR" sz="2400" dirty="0" err="1">
+                <a:solidFill>
+                  <a:schemeClr val="tx1"/>
+                </a:solidFill>
+                <a:latin typeface="Times New Roman" panose="02020603050405020304" pitchFamily="18" charset="0"/>
+                <a:cs typeface="Times New Roman" panose="02020603050405020304" pitchFamily="18" charset="0"/>
+              </a:rPr>
+              <a:t>ready</a:t>
+            </a:r>
+            <a:r>
+              <a:rPr lang="pt-BR" sz="2400" dirty="0">
+                <a:solidFill>
+                  <a:schemeClr val="tx1"/>
+                </a:solidFill>
+                <a:latin typeface="Times New Roman" panose="02020603050405020304" pitchFamily="18" charset="0"/>
+                <a:cs typeface="Times New Roman" panose="02020603050405020304" pitchFamily="18" charset="0"/>
+              </a:rPr>
+              <a:t>(</a:t>
+            </a:r>
+            <a:r>
+              <a:rPr lang="pt-BR" sz="2400" dirty="0" err="1">
+                <a:solidFill>
+                  <a:schemeClr val="tx1"/>
+                </a:solidFill>
+                <a:latin typeface="Times New Roman" panose="02020603050405020304" pitchFamily="18" charset="0"/>
+                <a:cs typeface="Times New Roman" panose="02020603050405020304" pitchFamily="18" charset="0"/>
+              </a:rPr>
+              <a:t>function</a:t>
+            </a:r>
+            <a:r>
+              <a:rPr lang="pt-BR" sz="2400" dirty="0">
+                <a:solidFill>
+                  <a:schemeClr val="tx1"/>
+                </a:solidFill>
+                <a:latin typeface="Times New Roman" panose="02020603050405020304" pitchFamily="18" charset="0"/>
+                <a:cs typeface="Times New Roman" panose="02020603050405020304" pitchFamily="18" charset="0"/>
+              </a:rPr>
+              <a:t> () {</a:t>
+            </a:r>
+          </a:p>
+          <a:p>
+            <a:pPr marL="0" indent="0" algn="just">
+              <a:buNone/>
+            </a:pPr>
+            <a:r>
+              <a:rPr lang="pt-BR" sz="2400" dirty="0">
+                <a:solidFill>
+                  <a:schemeClr val="tx1"/>
+                </a:solidFill>
+                <a:latin typeface="Times New Roman" panose="02020603050405020304" pitchFamily="18" charset="0"/>
+                <a:cs typeface="Times New Roman" panose="02020603050405020304" pitchFamily="18" charset="0"/>
+              </a:rPr>
+              <a:t>          // $.</a:t>
+            </a:r>
+            <a:r>
+              <a:rPr lang="pt-BR" sz="2400" b="1" dirty="0">
+                <a:solidFill>
+                  <a:srgbClr val="FF0000"/>
+                </a:solidFill>
+                <a:latin typeface="Times New Roman" panose="02020603050405020304" pitchFamily="18" charset="0"/>
+                <a:cs typeface="Times New Roman" panose="02020603050405020304" pitchFamily="18" charset="0"/>
+              </a:rPr>
+              <a:t>post</a:t>
+            </a:r>
+            <a:r>
+              <a:rPr lang="pt-BR" sz="2400" dirty="0">
+                <a:solidFill>
+                  <a:schemeClr val="tx1"/>
+                </a:solidFill>
+                <a:latin typeface="Times New Roman" panose="02020603050405020304" pitchFamily="18" charset="0"/>
+                <a:cs typeface="Times New Roman" panose="02020603050405020304" pitchFamily="18" charset="0"/>
+              </a:rPr>
+              <a:t>(</a:t>
+            </a:r>
+            <a:r>
+              <a:rPr lang="pt-BR" sz="2400" dirty="0" err="1">
+                <a:solidFill>
+                  <a:schemeClr val="tx1"/>
+                </a:solidFill>
+                <a:latin typeface="Times New Roman" panose="02020603050405020304" pitchFamily="18" charset="0"/>
+                <a:cs typeface="Times New Roman" panose="02020603050405020304" pitchFamily="18" charset="0"/>
+              </a:rPr>
+              <a:t>url</a:t>
+            </a:r>
+            <a:r>
+              <a:rPr lang="pt-BR" sz="2400" dirty="0">
+                <a:solidFill>
+                  <a:schemeClr val="tx1"/>
+                </a:solidFill>
+                <a:latin typeface="Times New Roman" panose="02020603050405020304" pitchFamily="18" charset="0"/>
+                <a:cs typeface="Times New Roman" panose="02020603050405020304" pitchFamily="18" charset="0"/>
+              </a:rPr>
+              <a:t>, {</a:t>
+            </a:r>
+            <a:r>
+              <a:rPr lang="pt-BR" sz="2400" dirty="0" err="1">
+                <a:solidFill>
+                  <a:schemeClr val="tx1"/>
+                </a:solidFill>
+                <a:latin typeface="Times New Roman" panose="02020603050405020304" pitchFamily="18" charset="0"/>
+                <a:cs typeface="Times New Roman" panose="02020603050405020304" pitchFamily="18" charset="0"/>
+              </a:rPr>
+              <a:t>nome:"fulano</a:t>
+            </a:r>
+            <a:r>
+              <a:rPr lang="pt-BR" sz="2400" dirty="0">
+                <a:solidFill>
+                  <a:schemeClr val="tx1"/>
+                </a:solidFill>
+                <a:latin typeface="Times New Roman" panose="02020603050405020304" pitchFamily="18" charset="0"/>
+                <a:cs typeface="Times New Roman" panose="02020603050405020304" pitchFamily="18" charset="0"/>
+              </a:rPr>
+              <a:t> de tal", idade:21}, </a:t>
+            </a:r>
+            <a:r>
+              <a:rPr lang="pt-BR" sz="2400" b="1" dirty="0" err="1">
+                <a:solidFill>
+                  <a:schemeClr val="tx1"/>
+                </a:solidFill>
+                <a:latin typeface="Times New Roman" panose="02020603050405020304" pitchFamily="18" charset="0"/>
+                <a:cs typeface="Times New Roman" panose="02020603050405020304" pitchFamily="18" charset="0"/>
+              </a:rPr>
+              <a:t>function</a:t>
+            </a:r>
+            <a:r>
+              <a:rPr lang="pt-BR" sz="2400" dirty="0">
+                <a:solidFill>
+                  <a:schemeClr val="tx1"/>
+                </a:solidFill>
+                <a:latin typeface="Times New Roman" panose="02020603050405020304" pitchFamily="18" charset="0"/>
+                <a:cs typeface="Times New Roman" panose="02020603050405020304" pitchFamily="18" charset="0"/>
+              </a:rPr>
+              <a:t>(dados, status)</a:t>
+            </a:r>
+          </a:p>
+          <a:p>
+            <a:pPr marL="0" indent="0" algn="just">
+              <a:buNone/>
+            </a:pPr>
+            <a:r>
+              <a:rPr lang="pt-BR" sz="2400" dirty="0">
+                <a:solidFill>
+                  <a:schemeClr val="tx1"/>
+                </a:solidFill>
+                <a:latin typeface="Times New Roman" panose="02020603050405020304" pitchFamily="18" charset="0"/>
+                <a:cs typeface="Times New Roman" panose="02020603050405020304" pitchFamily="18" charset="0"/>
+              </a:rPr>
+              <a:t>          //   { corpo da função });</a:t>
+            </a:r>
+          </a:p>
+          <a:p>
+            <a:pPr marL="0" indent="0" algn="just">
+              <a:buNone/>
+            </a:pPr>
+            <a:r>
+              <a:rPr lang="pt-BR" sz="2400" dirty="0">
+                <a:solidFill>
+                  <a:schemeClr val="tx1"/>
+                </a:solidFill>
+                <a:latin typeface="Times New Roman" panose="02020603050405020304" pitchFamily="18" charset="0"/>
+                <a:cs typeface="Times New Roman" panose="02020603050405020304" pitchFamily="18" charset="0"/>
+              </a:rPr>
+              <a:t>	});</a:t>
+            </a:r>
+          </a:p>
+        </p:txBody>
+      </p:sp>
+    </p:spTree>
+    <p:extLst>
+      <p:ext uri="{BB962C8B-B14F-4D97-AF65-F5344CB8AC3E}">
+        <p14:creationId xmlns:p14="http://schemas.microsoft.com/office/powerpoint/2010/main" val="682255035"/>
+      </p:ext>
+    </p:extLst>
+  </p:cSld>
+  <p:clrMapOvr>
+    <a:masterClrMapping/>
+  </p:clrMapOvr>
+  <p:transition spd="med"/>
+</p:sld>
+</file>
+
+<file path=ppt/slides/slide32.xml><?xml version="1.0" encoding="utf-8"?>
+<p:sld xmlns:a="http://schemas.openxmlformats.org/drawingml/2006/main" xmlns:r="http://schemas.openxmlformats.org/officeDocument/2006/relationships" xmlns:p="http://schemas.openxmlformats.org/presentationml/2006/main">
+  <p:cSld>
+    <p:spTree>
+      <p:nvGrpSpPr>
+        <p:cNvPr id="1" name=""/>
+        <p:cNvGrpSpPr/>
+        <p:nvPr/>
+      </p:nvGrpSpPr>
+      <p:grpSpPr>
+        <a:xfrm>
+          <a:off x="0" y="0"/>
+          <a:ext cx="0" cy="0"/>
+          <a:chOff x="0" y="0"/>
+          <a:chExt cx="0" cy="0"/>
+        </a:xfrm>
+      </p:grpSpPr>
+      <p:sp>
+        <p:nvSpPr>
+          <p:cNvPr id="6" name="Title 1"/>
+          <p:cNvSpPr>
+            <a:spLocks noGrp="1"/>
+          </p:cNvSpPr>
+          <p:nvPr>
+            <p:ph type="title"/>
+          </p:nvPr>
+        </p:nvSpPr>
+        <p:spPr>
+          <a:xfrm>
+            <a:off x="457200" y="205980"/>
+            <a:ext cx="8229600" cy="857251"/>
+          </a:xfrm>
+        </p:spPr>
+        <p:txBody>
+          <a:bodyPr>
+            <a:normAutofit/>
+          </a:bodyPr>
+          <a:lstStyle/>
+          <a:p>
+            <a:r>
+              <a:rPr lang="en-US" b="1" dirty="0" err="1">
+                <a:solidFill>
+                  <a:srgbClr val="0070C0"/>
+                </a:solidFill>
+              </a:rPr>
+              <a:t>JQuery</a:t>
+            </a:r>
+            <a:r>
+              <a:rPr lang="en-US" b="1" dirty="0">
+                <a:solidFill>
+                  <a:srgbClr val="0070C0"/>
+                </a:solidFill>
+              </a:rPr>
+              <a:t> – DOM AJAX </a:t>
+            </a:r>
+            <a:r>
+              <a:rPr lang="en-US" b="1" dirty="0" err="1">
+                <a:solidFill>
+                  <a:srgbClr val="0070C0"/>
+                </a:solidFill>
+              </a:rPr>
+              <a:t>Completo</a:t>
+            </a:r>
+            <a:endParaRPr lang="en-US" b="1" dirty="0">
+              <a:solidFill>
+                <a:srgbClr val="0070C0"/>
+              </a:solidFill>
+            </a:endParaRPr>
+          </a:p>
+        </p:txBody>
+      </p:sp>
+      <p:sp>
+        <p:nvSpPr>
+          <p:cNvPr id="8" name="Text Placeholder 2"/>
+          <p:cNvSpPr>
+            <a:spLocks noGrp="1"/>
+          </p:cNvSpPr>
+          <p:nvPr>
+            <p:ph type="body" sz="half" idx="1"/>
+          </p:nvPr>
+        </p:nvSpPr>
+        <p:spPr>
+          <a:xfrm>
+            <a:off x="142865" y="1049837"/>
+            <a:ext cx="8865056" cy="3960573"/>
+          </a:xfrm>
+        </p:spPr>
+        <p:txBody>
+          <a:bodyPr>
+            <a:noAutofit/>
+          </a:bodyPr>
+          <a:lstStyle/>
+          <a:p>
+            <a:pPr marL="0" indent="0" algn="just">
+              <a:buNone/>
+            </a:pPr>
+            <a:r>
+              <a:rPr lang="pt-BR" sz="2400" dirty="0">
+                <a:solidFill>
+                  <a:schemeClr val="tx1"/>
+                </a:solidFill>
+                <a:latin typeface="Times New Roman" panose="02020603050405020304" pitchFamily="18" charset="0"/>
+                <a:cs typeface="Times New Roman" panose="02020603050405020304" pitchFamily="18" charset="0"/>
+              </a:rPr>
+              <a:t> Método </a:t>
+            </a:r>
+            <a:r>
+              <a:rPr lang="pt-BR" sz="2400" b="1" dirty="0">
+                <a:solidFill>
+                  <a:schemeClr val="tx1"/>
+                </a:solidFill>
+                <a:latin typeface="Times New Roman" panose="02020603050405020304" pitchFamily="18" charset="0"/>
+                <a:cs typeface="Times New Roman" panose="02020603050405020304" pitchFamily="18" charset="0"/>
+              </a:rPr>
+              <a:t>AJAX COMPLETO</a:t>
+            </a:r>
+            <a:r>
+              <a:rPr lang="pt-BR" sz="2400" dirty="0">
+                <a:solidFill>
+                  <a:schemeClr val="tx1"/>
+                </a:solidFill>
+                <a:latin typeface="Times New Roman" panose="02020603050405020304" pitchFamily="18" charset="0"/>
+                <a:cs typeface="Times New Roman" panose="02020603050405020304" pitchFamily="18" charset="0"/>
+              </a:rPr>
+              <a:t>, enviar/receber, outro site.</a:t>
+            </a:r>
+          </a:p>
+          <a:p>
+            <a:pPr marL="0" indent="0" algn="just">
+              <a:buNone/>
+            </a:pPr>
+            <a:r>
+              <a:rPr lang="pt-BR" sz="2400" dirty="0">
+                <a:solidFill>
+                  <a:schemeClr val="tx1"/>
+                </a:solidFill>
+                <a:latin typeface="Times New Roman" panose="02020603050405020304" pitchFamily="18" charset="0"/>
+                <a:cs typeface="Times New Roman" panose="02020603050405020304" pitchFamily="18" charset="0"/>
+              </a:rPr>
+              <a:t>$(</a:t>
+            </a:r>
+            <a:r>
+              <a:rPr lang="pt-BR" sz="2400" b="1" dirty="0" err="1">
+                <a:solidFill>
+                  <a:schemeClr val="tx1"/>
+                </a:solidFill>
+                <a:latin typeface="Times New Roman" panose="02020603050405020304" pitchFamily="18" charset="0"/>
+                <a:cs typeface="Times New Roman" panose="02020603050405020304" pitchFamily="18" charset="0"/>
+              </a:rPr>
+              <a:t>document</a:t>
+            </a:r>
+            <a:r>
+              <a:rPr lang="pt-BR" sz="2400" dirty="0">
+                <a:solidFill>
+                  <a:schemeClr val="tx1"/>
+                </a:solidFill>
+                <a:latin typeface="Times New Roman" panose="02020603050405020304" pitchFamily="18" charset="0"/>
+                <a:cs typeface="Times New Roman" panose="02020603050405020304" pitchFamily="18" charset="0"/>
+              </a:rPr>
+              <a:t>).</a:t>
+            </a:r>
+            <a:r>
+              <a:rPr lang="pt-BR" sz="2400" dirty="0" err="1">
+                <a:solidFill>
+                  <a:schemeClr val="tx1"/>
+                </a:solidFill>
+                <a:latin typeface="Times New Roman" panose="02020603050405020304" pitchFamily="18" charset="0"/>
+                <a:cs typeface="Times New Roman" panose="02020603050405020304" pitchFamily="18" charset="0"/>
+              </a:rPr>
+              <a:t>ready</a:t>
+            </a:r>
+            <a:r>
+              <a:rPr lang="pt-BR" sz="2400" dirty="0">
+                <a:solidFill>
+                  <a:schemeClr val="tx1"/>
+                </a:solidFill>
+                <a:latin typeface="Times New Roman" panose="02020603050405020304" pitchFamily="18" charset="0"/>
+                <a:cs typeface="Times New Roman" panose="02020603050405020304" pitchFamily="18" charset="0"/>
+              </a:rPr>
+              <a:t>(</a:t>
+            </a:r>
+            <a:r>
+              <a:rPr lang="pt-BR" sz="2400" dirty="0" err="1">
+                <a:solidFill>
+                  <a:schemeClr val="tx1"/>
+                </a:solidFill>
+                <a:latin typeface="Times New Roman" panose="02020603050405020304" pitchFamily="18" charset="0"/>
+                <a:cs typeface="Times New Roman" panose="02020603050405020304" pitchFamily="18" charset="0"/>
+              </a:rPr>
+              <a:t>function</a:t>
+            </a:r>
+            <a:r>
+              <a:rPr lang="pt-BR" sz="2400" dirty="0">
+                <a:solidFill>
+                  <a:schemeClr val="tx1"/>
+                </a:solidFill>
+                <a:latin typeface="Times New Roman" panose="02020603050405020304" pitchFamily="18" charset="0"/>
+                <a:cs typeface="Times New Roman" panose="02020603050405020304" pitchFamily="18" charset="0"/>
+              </a:rPr>
+              <a:t> () {</a:t>
+            </a:r>
+          </a:p>
+          <a:p>
+            <a:pPr marL="0" indent="0" algn="just">
+              <a:buNone/>
+            </a:pPr>
+            <a:r>
+              <a:rPr lang="pt-BR" sz="2400" dirty="0">
+                <a:solidFill>
+                  <a:schemeClr val="tx1"/>
+                </a:solidFill>
+                <a:latin typeface="Times New Roman" panose="02020603050405020304" pitchFamily="18" charset="0"/>
+                <a:cs typeface="Times New Roman" panose="02020603050405020304" pitchFamily="18" charset="0"/>
+              </a:rPr>
+              <a:t>          $.</a:t>
+            </a:r>
+            <a:r>
+              <a:rPr lang="pt-BR" sz="2400" b="1" dirty="0" err="1">
+                <a:solidFill>
+                  <a:srgbClr val="FF0000"/>
+                </a:solidFill>
+                <a:latin typeface="Times New Roman" panose="02020603050405020304" pitchFamily="18" charset="0"/>
+                <a:cs typeface="Times New Roman" panose="02020603050405020304" pitchFamily="18" charset="0"/>
+              </a:rPr>
+              <a:t>ajax</a:t>
+            </a:r>
+            <a:r>
+              <a:rPr lang="pt-BR" sz="2400" dirty="0">
+                <a:solidFill>
+                  <a:schemeClr val="tx1"/>
+                </a:solidFill>
+                <a:latin typeface="Times New Roman" panose="02020603050405020304" pitchFamily="18" charset="0"/>
+                <a:cs typeface="Times New Roman" panose="02020603050405020304" pitchFamily="18" charset="0"/>
+              </a:rPr>
+              <a:t>({</a:t>
+            </a:r>
+          </a:p>
+          <a:p>
+            <a:pPr marL="0" indent="0" algn="just">
+              <a:buNone/>
+            </a:pPr>
+            <a:r>
+              <a:rPr lang="pt-BR" sz="2400" dirty="0">
+                <a:solidFill>
+                  <a:schemeClr val="tx1"/>
+                </a:solidFill>
+                <a:latin typeface="Times New Roman" panose="02020603050405020304" pitchFamily="18" charset="0"/>
+                <a:cs typeface="Times New Roman" panose="02020603050405020304" pitchFamily="18" charset="0"/>
+              </a:rPr>
+              <a:t>            </a:t>
+            </a:r>
+            <a:r>
+              <a:rPr lang="pt-BR" sz="2400" b="1" dirty="0">
+                <a:solidFill>
+                  <a:schemeClr val="tx1"/>
+                </a:solidFill>
+                <a:latin typeface="Times New Roman" panose="02020603050405020304" pitchFamily="18" charset="0"/>
+                <a:cs typeface="Times New Roman" panose="02020603050405020304" pitchFamily="18" charset="0"/>
+              </a:rPr>
+              <a:t>url</a:t>
+            </a:r>
+            <a:r>
+              <a:rPr lang="pt-BR" sz="2400" dirty="0">
+                <a:solidFill>
+                  <a:schemeClr val="tx1"/>
+                </a:solidFill>
+                <a:latin typeface="Times New Roman" panose="02020603050405020304" pitchFamily="18" charset="0"/>
+                <a:cs typeface="Times New Roman" panose="02020603050405020304" pitchFamily="18" charset="0"/>
+              </a:rPr>
+              <a:t>: 'URL',</a:t>
+            </a:r>
+          </a:p>
+          <a:p>
+            <a:pPr marL="0" indent="0" algn="just">
+              <a:buNone/>
+            </a:pPr>
+            <a:r>
+              <a:rPr lang="pt-BR" sz="2400" dirty="0">
+                <a:solidFill>
+                  <a:schemeClr val="tx1"/>
+                </a:solidFill>
+                <a:latin typeface="Times New Roman" panose="02020603050405020304" pitchFamily="18" charset="0"/>
+                <a:cs typeface="Times New Roman" panose="02020603050405020304" pitchFamily="18" charset="0"/>
+              </a:rPr>
+              <a:t>            </a:t>
+            </a:r>
+            <a:r>
+              <a:rPr lang="pt-BR" sz="2400" b="1" dirty="0" err="1">
+                <a:solidFill>
+                  <a:schemeClr val="tx1"/>
+                </a:solidFill>
+                <a:latin typeface="Times New Roman" panose="02020603050405020304" pitchFamily="18" charset="0"/>
+                <a:cs typeface="Times New Roman" panose="02020603050405020304" pitchFamily="18" charset="0"/>
+              </a:rPr>
+              <a:t>type</a:t>
+            </a:r>
+            <a:r>
+              <a:rPr lang="pt-BR" sz="2400" dirty="0">
+                <a:solidFill>
+                  <a:schemeClr val="tx1"/>
+                </a:solidFill>
+                <a:latin typeface="Times New Roman" panose="02020603050405020304" pitchFamily="18" charset="0"/>
+                <a:cs typeface="Times New Roman" panose="02020603050405020304" pitchFamily="18" charset="0"/>
+              </a:rPr>
+              <a:t>: 'GET ou POST',</a:t>
+            </a:r>
+          </a:p>
+          <a:p>
+            <a:pPr marL="0" indent="0" algn="just">
+              <a:buNone/>
+            </a:pPr>
+            <a:r>
+              <a:rPr lang="pt-BR" sz="2400" dirty="0">
+                <a:solidFill>
+                  <a:schemeClr val="tx1"/>
+                </a:solidFill>
+                <a:latin typeface="Times New Roman" panose="02020603050405020304" pitchFamily="18" charset="0"/>
+                <a:cs typeface="Times New Roman" panose="02020603050405020304" pitchFamily="18" charset="0"/>
+              </a:rPr>
+              <a:t>            </a:t>
+            </a:r>
+            <a:r>
+              <a:rPr lang="pt-BR" sz="2400" b="1" dirty="0" err="1">
+                <a:solidFill>
+                  <a:schemeClr val="tx1"/>
+                </a:solidFill>
+                <a:latin typeface="Times New Roman" panose="02020603050405020304" pitchFamily="18" charset="0"/>
+                <a:cs typeface="Times New Roman" panose="02020603050405020304" pitchFamily="18" charset="0"/>
+              </a:rPr>
+              <a:t>success</a:t>
+            </a:r>
+            <a:r>
+              <a:rPr lang="pt-BR" sz="2400" dirty="0">
+                <a:solidFill>
+                  <a:schemeClr val="tx1"/>
+                </a:solidFill>
+                <a:latin typeface="Times New Roman" panose="02020603050405020304" pitchFamily="18" charset="0"/>
+                <a:cs typeface="Times New Roman" panose="02020603050405020304" pitchFamily="18" charset="0"/>
+              </a:rPr>
+              <a:t>: </a:t>
+            </a:r>
+            <a:r>
+              <a:rPr lang="pt-BR" sz="2400" b="1" dirty="0" err="1">
+                <a:solidFill>
+                  <a:srgbClr val="FF0000"/>
+                </a:solidFill>
+                <a:latin typeface="Times New Roman" panose="02020603050405020304" pitchFamily="18" charset="0"/>
+                <a:cs typeface="Times New Roman" panose="02020603050405020304" pitchFamily="18" charset="0"/>
+              </a:rPr>
+              <a:t>function</a:t>
+            </a:r>
+            <a:r>
+              <a:rPr lang="pt-BR" sz="2400" dirty="0">
+                <a:solidFill>
+                  <a:schemeClr val="tx1"/>
+                </a:solidFill>
+                <a:latin typeface="Times New Roman" panose="02020603050405020304" pitchFamily="18" charset="0"/>
+                <a:cs typeface="Times New Roman" panose="02020603050405020304" pitchFamily="18" charset="0"/>
+              </a:rPr>
+              <a:t>(dados, status){corpo da função},</a:t>
+            </a:r>
+          </a:p>
+          <a:p>
+            <a:pPr marL="0" indent="0" algn="just">
+              <a:buNone/>
+            </a:pPr>
+            <a:r>
+              <a:rPr lang="pt-BR" sz="2400" dirty="0">
+                <a:solidFill>
+                  <a:schemeClr val="tx1"/>
+                </a:solidFill>
+                <a:latin typeface="Times New Roman" panose="02020603050405020304" pitchFamily="18" charset="0"/>
+                <a:cs typeface="Times New Roman" panose="02020603050405020304" pitchFamily="18" charset="0"/>
+              </a:rPr>
+              <a:t>            </a:t>
+            </a:r>
+            <a:r>
+              <a:rPr lang="pt-BR" sz="2400" b="1" dirty="0" err="1">
+                <a:solidFill>
+                  <a:schemeClr val="tx1"/>
+                </a:solidFill>
+                <a:latin typeface="Times New Roman" panose="02020603050405020304" pitchFamily="18" charset="0"/>
+                <a:cs typeface="Times New Roman" panose="02020603050405020304" pitchFamily="18" charset="0"/>
+              </a:rPr>
+              <a:t>error</a:t>
+            </a:r>
+            <a:r>
+              <a:rPr lang="pt-BR" sz="2400" dirty="0">
+                <a:solidFill>
+                  <a:schemeClr val="tx1"/>
+                </a:solidFill>
+                <a:latin typeface="Times New Roman" panose="02020603050405020304" pitchFamily="18" charset="0"/>
+                <a:cs typeface="Times New Roman" panose="02020603050405020304" pitchFamily="18" charset="0"/>
+              </a:rPr>
+              <a:t>: </a:t>
+            </a:r>
+            <a:r>
+              <a:rPr lang="pt-BR" sz="2400" b="1" dirty="0" err="1">
+                <a:solidFill>
+                  <a:srgbClr val="FF0000"/>
+                </a:solidFill>
+                <a:latin typeface="Times New Roman" panose="02020603050405020304" pitchFamily="18" charset="0"/>
+                <a:cs typeface="Times New Roman" panose="02020603050405020304" pitchFamily="18" charset="0"/>
+              </a:rPr>
+              <a:t>function</a:t>
+            </a:r>
+            <a:r>
+              <a:rPr lang="pt-BR" sz="2400" dirty="0">
+                <a:solidFill>
+                  <a:schemeClr val="tx1"/>
+                </a:solidFill>
+                <a:latin typeface="Times New Roman" panose="02020603050405020304" pitchFamily="18" charset="0"/>
+                <a:cs typeface="Times New Roman" panose="02020603050405020304" pitchFamily="18" charset="0"/>
+              </a:rPr>
+              <a:t>(){corpo da função}</a:t>
+            </a:r>
+          </a:p>
+          <a:p>
+            <a:pPr marL="0" indent="0" algn="just">
+              <a:buNone/>
+            </a:pPr>
+            <a:r>
+              <a:rPr lang="pt-BR" sz="2400" dirty="0">
+                <a:solidFill>
+                  <a:schemeClr val="tx1"/>
+                </a:solidFill>
+                <a:latin typeface="Times New Roman" panose="02020603050405020304" pitchFamily="18" charset="0"/>
+                <a:cs typeface="Times New Roman" panose="02020603050405020304" pitchFamily="18" charset="0"/>
+              </a:rPr>
+              <a:t>          });</a:t>
+            </a:r>
+          </a:p>
+          <a:p>
+            <a:pPr marL="0" indent="0" algn="just">
+              <a:buNone/>
+            </a:pPr>
+            <a:r>
+              <a:rPr lang="pt-BR" sz="2400" dirty="0">
+                <a:solidFill>
+                  <a:schemeClr val="tx1"/>
+                </a:solidFill>
+                <a:latin typeface="Times New Roman" panose="02020603050405020304" pitchFamily="18" charset="0"/>
+                <a:cs typeface="Times New Roman" panose="02020603050405020304" pitchFamily="18" charset="0"/>
+              </a:rPr>
+              <a:t>});</a:t>
+            </a:r>
+          </a:p>
+        </p:txBody>
+      </p:sp>
+    </p:spTree>
+    <p:extLst>
+      <p:ext uri="{BB962C8B-B14F-4D97-AF65-F5344CB8AC3E}">
+        <p14:creationId xmlns:p14="http://schemas.microsoft.com/office/powerpoint/2010/main" val="805251561"/>
+      </p:ext>
+    </p:extLst>
+  </p:cSld>
+  <p:clrMapOvr>
+    <a:masterClrMapping/>
+  </p:clrMapOvr>
+  <p:transition spd="med"/>
+</p:sld>
+</file>
+
+<file path=ppt/slides/slide33.xml><?xml version="1.0" encoding="utf-8"?>
+<p:sld xmlns:a="http://schemas.openxmlformats.org/drawingml/2006/main" xmlns:r="http://schemas.openxmlformats.org/officeDocument/2006/relationships" xmlns:p="http://schemas.openxmlformats.org/presentationml/2006/main">
+  <p:cSld>
+    <p:spTree>
+      <p:nvGrpSpPr>
+        <p:cNvPr id="1" name=""/>
+        <p:cNvGrpSpPr/>
+        <p:nvPr/>
+      </p:nvGrpSpPr>
+      <p:grpSpPr>
+        <a:xfrm>
+          <a:off x="0" y="0"/>
+          <a:ext cx="0" cy="0"/>
+          <a:chOff x="0" y="0"/>
+          <a:chExt cx="0" cy="0"/>
+        </a:xfrm>
+      </p:grpSpPr>
+      <p:sp>
+        <p:nvSpPr>
+          <p:cNvPr id="6" name="Title 1"/>
+          <p:cNvSpPr>
+            <a:spLocks noGrp="1"/>
+          </p:cNvSpPr>
+          <p:nvPr>
+            <p:ph type="title"/>
+          </p:nvPr>
+        </p:nvSpPr>
+        <p:spPr>
+          <a:xfrm>
+            <a:off x="457200" y="205980"/>
+            <a:ext cx="8229600" cy="857251"/>
+          </a:xfrm>
+        </p:spPr>
+        <p:txBody>
+          <a:bodyPr>
+            <a:normAutofit/>
+          </a:bodyPr>
+          <a:lstStyle/>
+          <a:p>
+            <a:r>
+              <a:rPr lang="en-US" b="1" dirty="0" err="1">
+                <a:solidFill>
+                  <a:srgbClr val="0070C0"/>
+                </a:solidFill>
+              </a:rPr>
+              <a:t>JQuery</a:t>
+            </a:r>
+            <a:r>
+              <a:rPr lang="en-US" b="1" dirty="0">
+                <a:solidFill>
+                  <a:srgbClr val="0070C0"/>
+                </a:solidFill>
+              </a:rPr>
+              <a:t> – DOM </a:t>
+            </a:r>
+            <a:r>
+              <a:rPr lang="en-US" b="1" dirty="0" err="1">
+                <a:solidFill>
+                  <a:srgbClr val="0070C0"/>
+                </a:solidFill>
+              </a:rPr>
+              <a:t>Outra</a:t>
+            </a:r>
+            <a:r>
+              <a:rPr lang="en-US" b="1" dirty="0">
+                <a:solidFill>
+                  <a:srgbClr val="0070C0"/>
+                </a:solidFill>
+              </a:rPr>
+              <a:t> Forma</a:t>
+            </a:r>
+          </a:p>
+        </p:txBody>
+      </p:sp>
+      <p:sp>
+        <p:nvSpPr>
+          <p:cNvPr id="8" name="Text Placeholder 2"/>
+          <p:cNvSpPr>
+            <a:spLocks noGrp="1"/>
+          </p:cNvSpPr>
+          <p:nvPr>
+            <p:ph type="body" sz="half" idx="1"/>
+          </p:nvPr>
+        </p:nvSpPr>
+        <p:spPr>
+          <a:xfrm>
+            <a:off x="142865" y="1049837"/>
+            <a:ext cx="8865056" cy="3960573"/>
+          </a:xfrm>
+        </p:spPr>
+        <p:txBody>
+          <a:bodyPr>
+            <a:noAutofit/>
+          </a:bodyPr>
+          <a:lstStyle/>
+          <a:p>
+            <a:pPr marL="0" indent="0" algn="just">
+              <a:buNone/>
+            </a:pPr>
+            <a:r>
+              <a:rPr lang="pt-BR" sz="2400" dirty="0">
+                <a:solidFill>
+                  <a:schemeClr val="tx1"/>
+                </a:solidFill>
+                <a:latin typeface="Times New Roman" panose="02020603050405020304" pitchFamily="18" charset="0"/>
+                <a:cs typeface="Times New Roman" panose="02020603050405020304" pitchFamily="18" charset="0"/>
+              </a:rPr>
+              <a:t> (</a:t>
+            </a:r>
+            <a:r>
+              <a:rPr lang="pt-BR" sz="2400" b="1" dirty="0" err="1">
+                <a:solidFill>
+                  <a:schemeClr val="tx1"/>
+                </a:solidFill>
+                <a:latin typeface="Times New Roman" panose="02020603050405020304" pitchFamily="18" charset="0"/>
+                <a:cs typeface="Times New Roman" panose="02020603050405020304" pitchFamily="18" charset="0"/>
+              </a:rPr>
+              <a:t>function</a:t>
+            </a:r>
+            <a:r>
+              <a:rPr lang="pt-BR" sz="2400" dirty="0">
+                <a:solidFill>
+                  <a:schemeClr val="tx1"/>
+                </a:solidFill>
+                <a:latin typeface="Times New Roman" panose="02020603050405020304" pitchFamily="18" charset="0"/>
+                <a:cs typeface="Times New Roman" panose="02020603050405020304" pitchFamily="18" charset="0"/>
+              </a:rPr>
+              <a:t> </a:t>
+            </a:r>
+            <a:r>
+              <a:rPr lang="pt-BR" sz="2400" b="1" dirty="0" err="1">
+                <a:solidFill>
+                  <a:srgbClr val="FF0000"/>
+                </a:solidFill>
+                <a:latin typeface="Times New Roman" panose="02020603050405020304" pitchFamily="18" charset="0"/>
+                <a:cs typeface="Times New Roman" panose="02020603050405020304" pitchFamily="18" charset="0"/>
+              </a:rPr>
+              <a:t>readyJS</a:t>
+            </a:r>
+            <a:r>
+              <a:rPr lang="pt-BR" sz="2400" dirty="0">
+                <a:solidFill>
+                  <a:schemeClr val="tx1"/>
+                </a:solidFill>
+                <a:latin typeface="Times New Roman" panose="02020603050405020304" pitchFamily="18" charset="0"/>
+                <a:cs typeface="Times New Roman" panose="02020603050405020304" pitchFamily="18" charset="0"/>
+              </a:rPr>
+              <a:t>(</a:t>
+            </a:r>
+            <a:r>
+              <a:rPr lang="pt-BR" sz="2400" dirty="0" err="1">
+                <a:solidFill>
+                  <a:schemeClr val="tx1"/>
+                </a:solidFill>
+                <a:latin typeface="Times New Roman" panose="02020603050405020304" pitchFamily="18" charset="0"/>
+                <a:cs typeface="Times New Roman" panose="02020603050405020304" pitchFamily="18" charset="0"/>
+              </a:rPr>
+              <a:t>win</a:t>
+            </a:r>
+            <a:r>
+              <a:rPr lang="pt-BR" sz="2400" dirty="0">
+                <a:solidFill>
+                  <a:schemeClr val="tx1"/>
+                </a:solidFill>
+                <a:latin typeface="Times New Roman" panose="02020603050405020304" pitchFamily="18" charset="0"/>
+                <a:cs typeface="Times New Roman" panose="02020603050405020304" pitchFamily="18" charset="0"/>
+              </a:rPr>
+              <a:t>, </a:t>
+            </a:r>
+            <a:r>
+              <a:rPr lang="pt-BR" sz="2400" dirty="0" err="1">
+                <a:solidFill>
+                  <a:schemeClr val="tx1"/>
+                </a:solidFill>
+                <a:latin typeface="Times New Roman" panose="02020603050405020304" pitchFamily="18" charset="0"/>
+                <a:cs typeface="Times New Roman" panose="02020603050405020304" pitchFamily="18" charset="0"/>
+              </a:rPr>
+              <a:t>doc</a:t>
+            </a:r>
+            <a:r>
+              <a:rPr lang="pt-BR" sz="2400" dirty="0">
+                <a:solidFill>
+                  <a:schemeClr val="tx1"/>
+                </a:solidFill>
+                <a:latin typeface="Times New Roman" panose="02020603050405020304" pitchFamily="18" charset="0"/>
+                <a:cs typeface="Times New Roman" panose="02020603050405020304" pitchFamily="18" charset="0"/>
+              </a:rPr>
+              <a:t>) {</a:t>
+            </a:r>
+          </a:p>
+          <a:p>
+            <a:pPr marL="0" indent="0" algn="just">
+              <a:buNone/>
+            </a:pPr>
+            <a:endParaRPr lang="pt-BR" sz="2400" dirty="0">
+              <a:solidFill>
+                <a:schemeClr val="tx1"/>
+              </a:solidFill>
+              <a:latin typeface="Times New Roman" panose="02020603050405020304" pitchFamily="18" charset="0"/>
+              <a:cs typeface="Times New Roman" panose="02020603050405020304" pitchFamily="18" charset="0"/>
+            </a:endParaRPr>
+          </a:p>
+          <a:p>
+            <a:pPr marL="0" indent="0" algn="just">
+              <a:buNone/>
+            </a:pPr>
+            <a:r>
+              <a:rPr lang="pt-BR" sz="2400" dirty="0">
+                <a:solidFill>
+                  <a:schemeClr val="tx1"/>
+                </a:solidFill>
+                <a:latin typeface="Times New Roman" panose="02020603050405020304" pitchFamily="18" charset="0"/>
+                <a:cs typeface="Times New Roman" panose="02020603050405020304" pitchFamily="18" charset="0"/>
+              </a:rPr>
+              <a:t>      </a:t>
+            </a:r>
+            <a:r>
+              <a:rPr lang="pt-BR" sz="2400" b="1" dirty="0" err="1">
+                <a:solidFill>
+                  <a:schemeClr val="tx1"/>
+                </a:solidFill>
+                <a:latin typeface="Times New Roman" panose="02020603050405020304" pitchFamily="18" charset="0"/>
+                <a:cs typeface="Times New Roman" panose="02020603050405020304" pitchFamily="18" charset="0"/>
+              </a:rPr>
+              <a:t>function</a:t>
+            </a:r>
+            <a:r>
+              <a:rPr lang="pt-BR" sz="2400" dirty="0">
+                <a:solidFill>
+                  <a:schemeClr val="tx1"/>
+                </a:solidFill>
+                <a:latin typeface="Times New Roman" panose="02020603050405020304" pitchFamily="18" charset="0"/>
+                <a:cs typeface="Times New Roman" panose="02020603050405020304" pitchFamily="18" charset="0"/>
+              </a:rPr>
+              <a:t> </a:t>
+            </a:r>
+            <a:r>
+              <a:rPr lang="pt-BR" sz="2400" b="1" dirty="0" err="1">
+                <a:solidFill>
+                  <a:srgbClr val="FF0000"/>
+                </a:solidFill>
+                <a:latin typeface="Times New Roman" panose="02020603050405020304" pitchFamily="18" charset="0"/>
+                <a:cs typeface="Times New Roman" panose="02020603050405020304" pitchFamily="18" charset="0"/>
+              </a:rPr>
+              <a:t>getRoot</a:t>
+            </a:r>
+            <a:r>
+              <a:rPr lang="pt-BR" sz="2400" dirty="0">
+                <a:solidFill>
+                  <a:schemeClr val="tx1"/>
+                </a:solidFill>
+                <a:latin typeface="Times New Roman" panose="02020603050405020304" pitchFamily="18" charset="0"/>
+                <a:cs typeface="Times New Roman" panose="02020603050405020304" pitchFamily="18" charset="0"/>
+              </a:rPr>
+              <a:t>() {</a:t>
+            </a:r>
+          </a:p>
+          <a:p>
+            <a:pPr marL="0" indent="0" algn="just">
+              <a:buNone/>
+            </a:pPr>
+            <a:r>
+              <a:rPr lang="pt-BR" sz="2400" dirty="0">
+                <a:solidFill>
+                  <a:schemeClr val="tx1"/>
+                </a:solidFill>
+                <a:latin typeface="Times New Roman" panose="02020603050405020304" pitchFamily="18" charset="0"/>
+                <a:cs typeface="Times New Roman" panose="02020603050405020304" pitchFamily="18" charset="0"/>
+              </a:rPr>
+              <a:t>        </a:t>
+            </a:r>
+            <a:r>
+              <a:rPr lang="pt-BR" sz="2400" b="1" dirty="0" err="1">
+                <a:solidFill>
+                  <a:schemeClr val="tx1"/>
+                </a:solidFill>
+                <a:latin typeface="Times New Roman" panose="02020603050405020304" pitchFamily="18" charset="0"/>
+                <a:cs typeface="Times New Roman" panose="02020603050405020304" pitchFamily="18" charset="0"/>
+              </a:rPr>
+              <a:t>return</a:t>
+            </a:r>
+            <a:r>
+              <a:rPr lang="pt-BR" sz="2400" dirty="0">
+                <a:solidFill>
+                  <a:schemeClr val="tx1"/>
+                </a:solidFill>
+                <a:latin typeface="Times New Roman" panose="02020603050405020304" pitchFamily="18" charset="0"/>
+                <a:cs typeface="Times New Roman" panose="02020603050405020304" pitchFamily="18" charset="0"/>
+              </a:rPr>
+              <a:t> </a:t>
+            </a:r>
+            <a:r>
+              <a:rPr lang="pt-BR" sz="2400" dirty="0" err="1">
+                <a:solidFill>
+                  <a:schemeClr val="tx1"/>
+                </a:solidFill>
+                <a:latin typeface="Times New Roman" panose="02020603050405020304" pitchFamily="18" charset="0"/>
+                <a:cs typeface="Times New Roman" panose="02020603050405020304" pitchFamily="18" charset="0"/>
+              </a:rPr>
+              <a:t>win.location.protocol</a:t>
+            </a:r>
+            <a:r>
+              <a:rPr lang="pt-BR" sz="2400" dirty="0">
+                <a:solidFill>
+                  <a:schemeClr val="tx1"/>
+                </a:solidFill>
+                <a:latin typeface="Times New Roman" panose="02020603050405020304" pitchFamily="18" charset="0"/>
+                <a:cs typeface="Times New Roman" panose="02020603050405020304" pitchFamily="18" charset="0"/>
+              </a:rPr>
+              <a:t> + </a:t>
+            </a:r>
+            <a:r>
+              <a:rPr lang="pt-BR" sz="2400" dirty="0" err="1">
+                <a:solidFill>
+                  <a:schemeClr val="tx1"/>
+                </a:solidFill>
+                <a:latin typeface="Times New Roman" panose="02020603050405020304" pitchFamily="18" charset="0"/>
+                <a:cs typeface="Times New Roman" panose="02020603050405020304" pitchFamily="18" charset="0"/>
+              </a:rPr>
+              <a:t>doc.location.hostname</a:t>
+            </a:r>
+            <a:r>
+              <a:rPr lang="pt-BR" sz="2400" dirty="0">
+                <a:solidFill>
+                  <a:schemeClr val="tx1"/>
+                </a:solidFill>
+                <a:latin typeface="Times New Roman" panose="02020603050405020304" pitchFamily="18" charset="0"/>
+                <a:cs typeface="Times New Roman" panose="02020603050405020304" pitchFamily="18" charset="0"/>
+              </a:rPr>
+              <a:t>;</a:t>
+            </a:r>
+          </a:p>
+          <a:p>
+            <a:pPr marL="0" indent="0" algn="just">
+              <a:buNone/>
+            </a:pPr>
+            <a:r>
+              <a:rPr lang="pt-BR" sz="2400" dirty="0">
+                <a:solidFill>
+                  <a:schemeClr val="tx1"/>
+                </a:solidFill>
+                <a:latin typeface="Times New Roman" panose="02020603050405020304" pitchFamily="18" charset="0"/>
+                <a:cs typeface="Times New Roman" panose="02020603050405020304" pitchFamily="18" charset="0"/>
+              </a:rPr>
+              <a:t>      }</a:t>
+            </a:r>
+          </a:p>
+          <a:p>
+            <a:pPr marL="0" indent="0" algn="just">
+              <a:buNone/>
+            </a:pPr>
+            <a:endParaRPr lang="pt-BR" sz="2400" dirty="0">
+              <a:solidFill>
+                <a:schemeClr val="tx1"/>
+              </a:solidFill>
+              <a:latin typeface="Times New Roman" panose="02020603050405020304" pitchFamily="18" charset="0"/>
+              <a:cs typeface="Times New Roman" panose="02020603050405020304" pitchFamily="18" charset="0"/>
+            </a:endParaRPr>
+          </a:p>
+          <a:p>
+            <a:pPr marL="0" indent="0" algn="just">
+              <a:buNone/>
+            </a:pPr>
+            <a:r>
+              <a:rPr lang="pt-BR" sz="2400" dirty="0">
+                <a:solidFill>
+                  <a:schemeClr val="tx1"/>
+                </a:solidFill>
+                <a:latin typeface="Times New Roman" panose="02020603050405020304" pitchFamily="18" charset="0"/>
+                <a:cs typeface="Times New Roman" panose="02020603050405020304" pitchFamily="18" charset="0"/>
+              </a:rPr>
+              <a:t>      </a:t>
+            </a:r>
+            <a:r>
+              <a:rPr lang="pt-BR" sz="2400" b="1" dirty="0" err="1">
+                <a:solidFill>
+                  <a:schemeClr val="tx1"/>
+                </a:solidFill>
+                <a:latin typeface="Times New Roman" panose="02020603050405020304" pitchFamily="18" charset="0"/>
+                <a:cs typeface="Times New Roman" panose="02020603050405020304" pitchFamily="18" charset="0"/>
+              </a:rPr>
+              <a:t>alert</a:t>
+            </a:r>
+            <a:r>
+              <a:rPr lang="pt-BR" sz="2400" dirty="0">
+                <a:solidFill>
+                  <a:schemeClr val="tx1"/>
+                </a:solidFill>
+                <a:latin typeface="Times New Roman" panose="02020603050405020304" pitchFamily="18" charset="0"/>
+                <a:cs typeface="Times New Roman" panose="02020603050405020304" pitchFamily="18" charset="0"/>
+              </a:rPr>
+              <a:t>('</a:t>
+            </a:r>
+            <a:r>
+              <a:rPr lang="pt-BR" sz="2400" dirty="0" err="1">
+                <a:solidFill>
+                  <a:schemeClr val="tx1"/>
+                </a:solidFill>
+                <a:latin typeface="Times New Roman" panose="02020603050405020304" pitchFamily="18" charset="0"/>
+                <a:cs typeface="Times New Roman" panose="02020603050405020304" pitchFamily="18" charset="0"/>
+              </a:rPr>
+              <a:t>oiiii</a:t>
+            </a:r>
+            <a:r>
+              <a:rPr lang="pt-BR" sz="2400" dirty="0">
+                <a:solidFill>
+                  <a:schemeClr val="tx1"/>
+                </a:solidFill>
+                <a:latin typeface="Times New Roman" panose="02020603050405020304" pitchFamily="18" charset="0"/>
+                <a:cs typeface="Times New Roman" panose="02020603050405020304" pitchFamily="18" charset="0"/>
+              </a:rPr>
+              <a:t>' + </a:t>
+            </a:r>
+            <a:r>
+              <a:rPr lang="pt-BR" sz="2400" dirty="0" err="1">
+                <a:solidFill>
+                  <a:schemeClr val="tx1"/>
+                </a:solidFill>
+                <a:latin typeface="Times New Roman" panose="02020603050405020304" pitchFamily="18" charset="0"/>
+                <a:cs typeface="Times New Roman" panose="02020603050405020304" pitchFamily="18" charset="0"/>
+              </a:rPr>
+              <a:t>getRoot</a:t>
+            </a:r>
+            <a:r>
+              <a:rPr lang="pt-BR" sz="2400" dirty="0">
+                <a:solidFill>
+                  <a:schemeClr val="tx1"/>
+                </a:solidFill>
+                <a:latin typeface="Times New Roman" panose="02020603050405020304" pitchFamily="18" charset="0"/>
+                <a:cs typeface="Times New Roman" panose="02020603050405020304" pitchFamily="18" charset="0"/>
+              </a:rPr>
+              <a:t>());</a:t>
+            </a:r>
+          </a:p>
+          <a:p>
+            <a:pPr marL="0" indent="0" algn="just">
+              <a:buNone/>
+            </a:pPr>
+            <a:r>
+              <a:rPr lang="pt-BR" sz="2400" dirty="0">
+                <a:solidFill>
+                  <a:schemeClr val="tx1"/>
+                </a:solidFill>
+                <a:latin typeface="Times New Roman" panose="02020603050405020304" pitchFamily="18" charset="0"/>
+                <a:cs typeface="Times New Roman" panose="02020603050405020304" pitchFamily="18" charset="0"/>
+              </a:rPr>
+              <a:t>    })(</a:t>
+            </a:r>
+            <a:r>
+              <a:rPr lang="pt-BR" sz="2400" b="1" dirty="0" err="1">
+                <a:solidFill>
+                  <a:srgbClr val="FF0000"/>
+                </a:solidFill>
+                <a:latin typeface="Times New Roman" panose="02020603050405020304" pitchFamily="18" charset="0"/>
+                <a:cs typeface="Times New Roman" panose="02020603050405020304" pitchFamily="18" charset="0"/>
+              </a:rPr>
+              <a:t>window</a:t>
+            </a:r>
+            <a:r>
+              <a:rPr lang="pt-BR" sz="2400" dirty="0">
+                <a:solidFill>
+                  <a:schemeClr val="tx1"/>
+                </a:solidFill>
+                <a:latin typeface="Times New Roman" panose="02020603050405020304" pitchFamily="18" charset="0"/>
+                <a:cs typeface="Times New Roman" panose="02020603050405020304" pitchFamily="18" charset="0"/>
+              </a:rPr>
+              <a:t>, </a:t>
+            </a:r>
+            <a:r>
+              <a:rPr lang="pt-BR" sz="2400" b="1" dirty="0" err="1">
+                <a:solidFill>
+                  <a:srgbClr val="FF0000"/>
+                </a:solidFill>
+                <a:latin typeface="Times New Roman" panose="02020603050405020304" pitchFamily="18" charset="0"/>
+                <a:cs typeface="Times New Roman" panose="02020603050405020304" pitchFamily="18" charset="0"/>
+              </a:rPr>
+              <a:t>document</a:t>
+            </a:r>
+            <a:r>
+              <a:rPr lang="pt-BR" sz="2400" dirty="0">
+                <a:solidFill>
+                  <a:schemeClr val="tx1"/>
+                </a:solidFill>
+                <a:latin typeface="Times New Roman" panose="02020603050405020304" pitchFamily="18" charset="0"/>
+                <a:cs typeface="Times New Roman" panose="02020603050405020304" pitchFamily="18" charset="0"/>
+              </a:rPr>
+              <a:t>);</a:t>
+            </a:r>
+          </a:p>
+          <a:p>
+            <a:pPr marL="0" indent="0" algn="just">
+              <a:buNone/>
+            </a:pPr>
+            <a:r>
+              <a:rPr lang="pt-BR" sz="2400" dirty="0">
+                <a:solidFill>
+                  <a:schemeClr val="tx1"/>
+                </a:solidFill>
+                <a:latin typeface="Times New Roman" panose="02020603050405020304" pitchFamily="18" charset="0"/>
+                <a:cs typeface="Times New Roman" panose="02020603050405020304" pitchFamily="18" charset="0"/>
+              </a:rPr>
+              <a:t> </a:t>
+            </a:r>
+          </a:p>
+        </p:txBody>
+      </p:sp>
+    </p:spTree>
+    <p:extLst>
+      <p:ext uri="{BB962C8B-B14F-4D97-AF65-F5344CB8AC3E}">
+        <p14:creationId xmlns:p14="http://schemas.microsoft.com/office/powerpoint/2010/main" val="390406928"/>
+      </p:ext>
+    </p:extLst>
+  </p:cSld>
+  <p:clrMapOvr>
+    <a:masterClrMapping/>
+  </p:clrMapOvr>
+  <p:transition spd="med"/>
+</p:sld>
+</file>
+
+<file path=ppt/slides/slide34.xml><?xml version="1.0" encoding="utf-8"?>
+<p:sld xmlns:a="http://schemas.openxmlformats.org/drawingml/2006/main" xmlns:r="http://schemas.openxmlformats.org/officeDocument/2006/relationships" xmlns:p="http://schemas.openxmlformats.org/presentationml/2006/main">
+  <p:cSld>
+    <p:spTree>
+      <p:nvGrpSpPr>
+        <p:cNvPr id="1" name=""/>
+        <p:cNvGrpSpPr/>
+        <p:nvPr/>
+      </p:nvGrpSpPr>
+      <p:grpSpPr>
+        <a:xfrm>
+          <a:off x="0" y="0"/>
+          <a:ext cx="0" cy="0"/>
+          <a:chOff x="0" y="0"/>
+          <a:chExt cx="0" cy="0"/>
+        </a:xfrm>
+      </p:grpSpPr>
+      <p:sp>
+        <p:nvSpPr>
+          <p:cNvPr id="6" name="Title 1"/>
+          <p:cNvSpPr>
+            <a:spLocks noGrp="1"/>
+          </p:cNvSpPr>
+          <p:nvPr>
+            <p:ph type="title"/>
+          </p:nvPr>
+        </p:nvSpPr>
+        <p:spPr>
+          <a:xfrm>
+            <a:off x="457200" y="205980"/>
+            <a:ext cx="8229600" cy="857251"/>
+          </a:xfrm>
+        </p:spPr>
+        <p:txBody>
+          <a:bodyPr>
+            <a:normAutofit/>
+          </a:bodyPr>
+          <a:lstStyle/>
+          <a:p>
+            <a:r>
+              <a:rPr lang="en-US" b="1" dirty="0" err="1">
+                <a:solidFill>
+                  <a:srgbClr val="0070C0"/>
+                </a:solidFill>
+              </a:rPr>
+              <a:t>Leitura</a:t>
+            </a:r>
+            <a:r>
+              <a:rPr lang="en-US" b="1" dirty="0">
+                <a:solidFill>
+                  <a:srgbClr val="0070C0"/>
+                </a:solidFill>
+              </a:rPr>
+              <a:t> </a:t>
+            </a:r>
+            <a:r>
+              <a:rPr lang="en-US" b="1" dirty="0" err="1">
+                <a:solidFill>
+                  <a:srgbClr val="0070C0"/>
+                </a:solidFill>
+              </a:rPr>
+              <a:t>Específica</a:t>
+            </a:r>
+            <a:endParaRPr lang="en-US" b="1" dirty="0">
+              <a:solidFill>
+                <a:srgbClr val="0070C0"/>
+              </a:solidFill>
+            </a:endParaRPr>
+          </a:p>
+        </p:txBody>
+      </p:sp>
+      <p:sp>
+        <p:nvSpPr>
+          <p:cNvPr id="8" name="Text Placeholder 2"/>
+          <p:cNvSpPr>
+            <a:spLocks noGrp="1"/>
+          </p:cNvSpPr>
+          <p:nvPr>
+            <p:ph type="body" sz="half" idx="1"/>
+          </p:nvPr>
+        </p:nvSpPr>
+        <p:spPr>
+          <a:xfrm>
+            <a:off x="142865" y="1012261"/>
+            <a:ext cx="8865056" cy="3835312"/>
+          </a:xfrm>
+        </p:spPr>
+        <p:txBody>
+          <a:bodyPr>
+            <a:noAutofit/>
+          </a:bodyPr>
+          <a:lstStyle/>
+          <a:p>
+            <a:pPr marL="0" indent="0" algn="just">
+              <a:buNone/>
+            </a:pPr>
+            <a:r>
+              <a:rPr lang="pt-BR" sz="2000" dirty="0">
+                <a:latin typeface="Times New Roman" panose="02020603050405020304" pitchFamily="18" charset="0"/>
+                <a:cs typeface="Times New Roman" panose="02020603050405020304" pitchFamily="18" charset="0"/>
+              </a:rPr>
+              <a:t>[1] </a:t>
+            </a:r>
+            <a:r>
+              <a:rPr lang="pt-BR" sz="2000" b="1" dirty="0" err="1">
+                <a:latin typeface="Times New Roman" panose="02020603050405020304" pitchFamily="18" charset="0"/>
+                <a:cs typeface="Times New Roman" panose="02020603050405020304" pitchFamily="18" charset="0"/>
+              </a:rPr>
+              <a:t>JQuery</a:t>
+            </a:r>
+            <a:endParaRPr lang="pt-BR" sz="2000" dirty="0">
+              <a:latin typeface="Times New Roman" panose="02020603050405020304" pitchFamily="18" charset="0"/>
+              <a:cs typeface="Times New Roman" panose="02020603050405020304" pitchFamily="18" charset="0"/>
+            </a:endParaRPr>
+          </a:p>
+          <a:p>
+            <a:pPr marL="0" indent="0" algn="just">
+              <a:buNone/>
+            </a:pPr>
+            <a:r>
+              <a:rPr lang="pt-BR" sz="2000" b="1" dirty="0">
+                <a:latin typeface="Times New Roman" panose="02020603050405020304" pitchFamily="18" charset="0"/>
+                <a:cs typeface="Times New Roman" panose="02020603050405020304" pitchFamily="18" charset="0"/>
+              </a:rPr>
+              <a:t>	Disponível em</a:t>
+            </a:r>
+            <a:r>
+              <a:rPr lang="pt-BR" sz="2000" dirty="0">
+                <a:latin typeface="Times New Roman" panose="02020603050405020304" pitchFamily="18" charset="0"/>
+                <a:cs typeface="Times New Roman" panose="02020603050405020304" pitchFamily="18" charset="0"/>
+              </a:rPr>
+              <a:t>: </a:t>
+            </a:r>
+            <a:r>
+              <a:rPr lang="pt-BR" sz="2000" dirty="0">
+                <a:latin typeface="Times New Roman" panose="02020603050405020304" pitchFamily="18" charset="0"/>
+                <a:cs typeface="Times New Roman" panose="02020603050405020304" pitchFamily="18" charset="0"/>
+                <a:hlinkClick r:id="rId3"/>
+              </a:rPr>
+              <a:t>https://jquery.com/</a:t>
+            </a:r>
+            <a:endParaRPr lang="pt-BR" sz="2000" dirty="0">
+              <a:latin typeface="Times New Roman" panose="02020603050405020304" pitchFamily="18" charset="0"/>
+              <a:cs typeface="Times New Roman" panose="02020603050405020304" pitchFamily="18" charset="0"/>
+            </a:endParaRPr>
+          </a:p>
+          <a:p>
+            <a:pPr marL="0" indent="0" algn="just">
+              <a:buNone/>
+            </a:pPr>
+            <a:endParaRPr lang="pt-BR" sz="2000" dirty="0">
+              <a:latin typeface="Times New Roman" panose="02020603050405020304" pitchFamily="18" charset="0"/>
+              <a:cs typeface="Times New Roman" panose="02020603050405020304" pitchFamily="18" charset="0"/>
+            </a:endParaRPr>
+          </a:p>
+          <a:p>
+            <a:pPr marL="0" indent="0" algn="just">
+              <a:buNone/>
+            </a:pPr>
+            <a:r>
+              <a:rPr lang="pt-BR" sz="2000" dirty="0">
+                <a:latin typeface="Times New Roman" panose="02020603050405020304" pitchFamily="18" charset="0"/>
+                <a:cs typeface="Times New Roman" panose="02020603050405020304" pitchFamily="18" charset="0"/>
+              </a:rPr>
+              <a:t>[2] </a:t>
+            </a:r>
+            <a:r>
+              <a:rPr lang="pt-BR" sz="2000" b="1" dirty="0">
+                <a:latin typeface="Times New Roman" panose="02020603050405020304" pitchFamily="18" charset="0"/>
+                <a:cs typeface="Times New Roman" panose="02020603050405020304" pitchFamily="18" charset="0"/>
+              </a:rPr>
+              <a:t>Devmedia</a:t>
+            </a:r>
+          </a:p>
+          <a:p>
+            <a:pPr marL="0" indent="0" algn="just">
+              <a:buNone/>
+            </a:pPr>
+            <a:r>
+              <a:rPr lang="pt-BR" sz="2000" dirty="0">
+                <a:latin typeface="Times New Roman" panose="02020603050405020304" pitchFamily="18" charset="0"/>
+                <a:cs typeface="Times New Roman" panose="02020603050405020304" pitchFamily="18" charset="0"/>
+              </a:rPr>
+              <a:t>	</a:t>
+            </a:r>
+            <a:r>
+              <a:rPr lang="pt-BR" sz="2000" b="1" dirty="0">
+                <a:latin typeface="Times New Roman" panose="02020603050405020304" pitchFamily="18" charset="0"/>
+                <a:cs typeface="Times New Roman" panose="02020603050405020304" pitchFamily="18" charset="0"/>
+              </a:rPr>
+              <a:t> Disponível em</a:t>
+            </a:r>
+            <a:r>
+              <a:rPr lang="pt-BR" sz="2000" dirty="0">
+                <a:latin typeface="Times New Roman" panose="02020603050405020304" pitchFamily="18" charset="0"/>
+                <a:cs typeface="Times New Roman" panose="02020603050405020304" pitchFamily="18" charset="0"/>
+              </a:rPr>
+              <a:t>: </a:t>
+            </a:r>
+            <a:r>
+              <a:rPr lang="pt-BR" sz="2000" dirty="0">
+                <a:latin typeface="Times New Roman" panose="02020603050405020304" pitchFamily="18" charset="0"/>
+                <a:cs typeface="Times New Roman" panose="02020603050405020304" pitchFamily="18" charset="0"/>
+                <a:hlinkClick r:id="rId4"/>
+              </a:rPr>
+              <a:t>https://www.devmedia.com.br/jquery-tutorial/27299</a:t>
+            </a:r>
+            <a:endParaRPr lang="pt-BR" sz="2000" dirty="0">
+              <a:latin typeface="Times New Roman" panose="02020603050405020304" pitchFamily="18" charset="0"/>
+              <a:cs typeface="Times New Roman" panose="02020603050405020304" pitchFamily="18" charset="0"/>
+            </a:endParaRPr>
+          </a:p>
+          <a:p>
+            <a:pPr marL="0" indent="0" algn="just">
+              <a:buNone/>
+            </a:pPr>
+            <a:endParaRPr lang="pt-BR" sz="2000" dirty="0">
+              <a:latin typeface="Times New Roman" panose="02020603050405020304" pitchFamily="18" charset="0"/>
+              <a:cs typeface="Times New Roman" panose="02020603050405020304" pitchFamily="18" charset="0"/>
+            </a:endParaRPr>
+          </a:p>
+          <a:p>
+            <a:pPr marL="0" indent="0" algn="just">
+              <a:buNone/>
+            </a:pPr>
+            <a:r>
+              <a:rPr lang="pt-BR" sz="2000" dirty="0">
+                <a:latin typeface="Times New Roman" panose="02020603050405020304" pitchFamily="18" charset="0"/>
+                <a:cs typeface="Times New Roman" panose="02020603050405020304" pitchFamily="18" charset="0"/>
+              </a:rPr>
+              <a:t>[3] </a:t>
+            </a:r>
+            <a:r>
+              <a:rPr lang="pt-BR" sz="2000" b="1" dirty="0">
+                <a:latin typeface="Times New Roman" panose="02020603050405020304" pitchFamily="18" charset="0"/>
+                <a:cs typeface="Times New Roman" panose="02020603050405020304" pitchFamily="18" charset="0"/>
+              </a:rPr>
+              <a:t>W3Schools</a:t>
+            </a:r>
+          </a:p>
+          <a:p>
+            <a:pPr marL="0" indent="0" algn="just">
+              <a:buNone/>
+            </a:pPr>
+            <a:r>
+              <a:rPr lang="pt-BR" sz="2000" dirty="0">
+                <a:latin typeface="Times New Roman" panose="02020603050405020304" pitchFamily="18" charset="0"/>
+                <a:cs typeface="Times New Roman" panose="02020603050405020304" pitchFamily="18" charset="0"/>
+              </a:rPr>
+              <a:t>	</a:t>
+            </a:r>
+            <a:r>
+              <a:rPr lang="pt-BR" sz="2000" b="1" dirty="0">
+                <a:latin typeface="Times New Roman" panose="02020603050405020304" pitchFamily="18" charset="0"/>
+                <a:cs typeface="Times New Roman" panose="02020603050405020304" pitchFamily="18" charset="0"/>
+              </a:rPr>
+              <a:t> Disponível em</a:t>
+            </a:r>
+            <a:r>
+              <a:rPr lang="pt-BR" sz="2000" dirty="0">
+                <a:latin typeface="Times New Roman" panose="02020603050405020304" pitchFamily="18" charset="0"/>
+                <a:cs typeface="Times New Roman" panose="02020603050405020304" pitchFamily="18" charset="0"/>
+              </a:rPr>
+              <a:t>: </a:t>
+            </a:r>
+            <a:r>
+              <a:rPr lang="pt-BR" sz="2000" dirty="0">
+                <a:latin typeface="Times New Roman" panose="02020603050405020304" pitchFamily="18" charset="0"/>
+                <a:cs typeface="Times New Roman" panose="02020603050405020304" pitchFamily="18" charset="0"/>
+                <a:hlinkClick r:id="rId5"/>
+              </a:rPr>
+              <a:t>https://www.w3schools.com/jquery/default.asp</a:t>
+            </a:r>
+            <a:endParaRPr lang="pt-BR" sz="2000" dirty="0">
+              <a:latin typeface="Times New Roman" panose="02020603050405020304" pitchFamily="18" charset="0"/>
+              <a:cs typeface="Times New Roman" panose="02020603050405020304" pitchFamily="18" charset="0"/>
+            </a:endParaRPr>
+          </a:p>
+          <a:p>
+            <a:pPr marL="0" indent="0" algn="just">
+              <a:buNone/>
+            </a:pPr>
+            <a:endParaRPr lang="pt-BR" sz="2000" dirty="0">
+              <a:latin typeface="Times New Roman" panose="02020603050405020304" pitchFamily="18" charset="0"/>
+              <a:cs typeface="Times New Roman" panose="02020603050405020304" pitchFamily="18" charset="0"/>
+            </a:endParaRPr>
+          </a:p>
+        </p:txBody>
+      </p:sp>
+    </p:spTree>
+    <p:extLst>
+      <p:ext uri="{BB962C8B-B14F-4D97-AF65-F5344CB8AC3E}">
+        <p14:creationId xmlns:p14="http://schemas.microsoft.com/office/powerpoint/2010/main" val="3680270425"/>
+      </p:ext>
+    </p:extLst>
+  </p:cSld>
+  <p:clrMapOvr>
+    <a:masterClrMapping/>
+  </p:clrMapOvr>
+  <p:transition spd="med"/>
+</p:sld>
+</file>
+
+<file path=ppt/slides/slide35.xml><?xml version="1.0" encoding="utf-8"?>
+<p:sld xmlns:a="http://schemas.openxmlformats.org/drawingml/2006/main" xmlns:r="http://schemas.openxmlformats.org/officeDocument/2006/relationships" xmlns:p="http://schemas.openxmlformats.org/presentationml/2006/main">
+  <p:cSld>
+    <p:spTree>
+      <p:nvGrpSpPr>
+        <p:cNvPr id="1" name=""/>
+        <p:cNvGrpSpPr/>
+        <p:nvPr/>
+      </p:nvGrpSpPr>
+      <p:grpSpPr>
+        <a:xfrm>
+          <a:off x="0" y="0"/>
+          <a:ext cx="0" cy="0"/>
+          <a:chOff x="0" y="0"/>
+          <a:chExt cx="0" cy="0"/>
+        </a:xfrm>
+      </p:grpSpPr>
+      <p:sp>
+        <p:nvSpPr>
+          <p:cNvPr id="6" name="Title 1"/>
+          <p:cNvSpPr>
+            <a:spLocks noGrp="1"/>
+          </p:cNvSpPr>
+          <p:nvPr>
+            <p:ph type="title"/>
+          </p:nvPr>
+        </p:nvSpPr>
+        <p:spPr>
+          <a:xfrm>
+            <a:off x="457200" y="205980"/>
+            <a:ext cx="8229600" cy="857251"/>
+          </a:xfrm>
+        </p:spPr>
+        <p:txBody>
+          <a:bodyPr>
+            <a:normAutofit/>
+          </a:bodyPr>
+          <a:lstStyle/>
+          <a:p>
+            <a:r>
+              <a:rPr lang="en-US" b="1" dirty="0" err="1">
+                <a:solidFill>
+                  <a:srgbClr val="0070C0"/>
+                </a:solidFill>
+              </a:rPr>
+              <a:t>Aprenda</a:t>
+            </a:r>
+            <a:r>
+              <a:rPr lang="en-US" b="1" dirty="0">
+                <a:solidFill>
+                  <a:srgbClr val="0070C0"/>
+                </a:solidFill>
+              </a:rPr>
+              <a:t>+</a:t>
+            </a:r>
           </a:p>
         </p:txBody>
       </p:sp>
@@ -13302,6 +18377,438 @@
                 <a:latin typeface="Times New Roman" panose="02020603050405020304" pitchFamily="18" charset="0"/>
                 <a:cs typeface="Times New Roman" panose="02020603050405020304" pitchFamily="18" charset="0"/>
               </a:rPr>
+              <a:t>[1] </a:t>
+            </a:r>
+            <a:r>
+              <a:rPr lang="pt-BR" sz="2400" dirty="0">
+                <a:latin typeface="Times New Roman" panose="02020603050405020304" pitchFamily="18" charset="0"/>
+                <a:cs typeface="Times New Roman" panose="02020603050405020304" pitchFamily="18" charset="0"/>
+                <a:hlinkClick r:id="rId3"/>
+              </a:rPr>
+              <a:t>https://www.youtube.com/watch?v=ncbYP5Whtso</a:t>
+            </a:r>
+            <a:endParaRPr lang="pt-BR" sz="2400" dirty="0">
+              <a:latin typeface="Times New Roman" panose="02020603050405020304" pitchFamily="18" charset="0"/>
+              <a:cs typeface="Times New Roman" panose="02020603050405020304" pitchFamily="18" charset="0"/>
+            </a:endParaRPr>
+          </a:p>
+          <a:p>
+            <a:pPr marL="0" indent="0" algn="just">
+              <a:buNone/>
+            </a:pPr>
+            <a:endParaRPr lang="pt-BR" sz="2400" dirty="0">
+              <a:latin typeface="Times New Roman" panose="02020603050405020304" pitchFamily="18" charset="0"/>
+              <a:cs typeface="Times New Roman" panose="02020603050405020304" pitchFamily="18" charset="0"/>
+            </a:endParaRPr>
+          </a:p>
+          <a:p>
+            <a:pPr marL="0" indent="0" algn="just">
+              <a:buNone/>
+            </a:pPr>
+            <a:endParaRPr lang="pt-BR" sz="2400" dirty="0">
+              <a:latin typeface="Times New Roman" panose="02020603050405020304" pitchFamily="18" charset="0"/>
+              <a:cs typeface="Times New Roman" panose="02020603050405020304" pitchFamily="18" charset="0"/>
+            </a:endParaRPr>
+          </a:p>
+          <a:p>
+            <a:pPr marL="0" indent="0" algn="just">
+              <a:buNone/>
+            </a:pPr>
+            <a:r>
+              <a:rPr lang="pt-BR" sz="2400" dirty="0">
+                <a:latin typeface="Times New Roman" panose="02020603050405020304" pitchFamily="18" charset="0"/>
+                <a:cs typeface="Times New Roman" panose="02020603050405020304" pitchFamily="18" charset="0"/>
+              </a:rPr>
+              <a:t>[2] </a:t>
+            </a:r>
+            <a:r>
+              <a:rPr lang="pt-BR" sz="2400" dirty="0">
+                <a:latin typeface="Times New Roman" panose="02020603050405020304" pitchFamily="18" charset="0"/>
+                <a:cs typeface="Times New Roman" panose="02020603050405020304" pitchFamily="18" charset="0"/>
+                <a:hlinkClick r:id="rId4"/>
+              </a:rPr>
+              <a:t>https://www.alura.com.br/conteudo/jquery-a-biblioteca-do-mercado</a:t>
+            </a:r>
+            <a:r>
+              <a:rPr lang="pt-BR" sz="2400" dirty="0">
+                <a:latin typeface="Times New Roman" panose="02020603050405020304" pitchFamily="18" charset="0"/>
+                <a:cs typeface="Times New Roman" panose="02020603050405020304" pitchFamily="18" charset="0"/>
+              </a:rPr>
+              <a:t> </a:t>
+            </a:r>
+          </a:p>
+          <a:p>
+            <a:pPr marL="0" indent="0" algn="just">
+              <a:buNone/>
+            </a:pPr>
+            <a:endParaRPr lang="pt-BR" sz="2400" dirty="0">
+              <a:latin typeface="Times New Roman" panose="02020603050405020304" pitchFamily="18" charset="0"/>
+              <a:cs typeface="Times New Roman" panose="02020603050405020304" pitchFamily="18" charset="0"/>
+            </a:endParaRPr>
+          </a:p>
+          <a:p>
+            <a:pPr marL="0" indent="0" algn="just">
+              <a:buNone/>
+            </a:pPr>
+            <a:endParaRPr lang="pt-BR" sz="2400" dirty="0">
+              <a:latin typeface="Times New Roman" panose="02020603050405020304" pitchFamily="18" charset="0"/>
+              <a:cs typeface="Times New Roman" panose="02020603050405020304" pitchFamily="18" charset="0"/>
+            </a:endParaRPr>
+          </a:p>
+          <a:p>
+            <a:pPr marL="0" indent="0" algn="just">
+              <a:buNone/>
+            </a:pPr>
+            <a:endParaRPr lang="pt-BR" sz="2400" dirty="0">
+              <a:latin typeface="Times New Roman" panose="02020603050405020304" pitchFamily="18" charset="0"/>
+              <a:cs typeface="Times New Roman" panose="02020603050405020304" pitchFamily="18" charset="0"/>
+            </a:endParaRPr>
+          </a:p>
+          <a:p>
+            <a:pPr marL="0" indent="0" algn="just">
+              <a:buNone/>
+            </a:pPr>
+            <a:endParaRPr lang="pt-BR" sz="2400" dirty="0">
+              <a:latin typeface="Times New Roman" panose="02020603050405020304" pitchFamily="18" charset="0"/>
+              <a:cs typeface="Times New Roman" panose="02020603050405020304" pitchFamily="18" charset="0"/>
+            </a:endParaRPr>
+          </a:p>
+        </p:txBody>
+      </p:sp>
+    </p:spTree>
+    <p:extLst>
+      <p:ext uri="{BB962C8B-B14F-4D97-AF65-F5344CB8AC3E}">
+        <p14:creationId xmlns:p14="http://schemas.microsoft.com/office/powerpoint/2010/main" val="2747596967"/>
+      </p:ext>
+    </p:extLst>
+  </p:cSld>
+  <p:clrMapOvr>
+    <a:masterClrMapping/>
+  </p:clrMapOvr>
+  <p:transition spd="med"/>
+</p:sld>
+</file>
+
+<file path=ppt/slides/slide36.xml><?xml version="1.0" encoding="utf-8"?>
+<p:sld xmlns:a="http://schemas.openxmlformats.org/drawingml/2006/main" xmlns:r="http://schemas.openxmlformats.org/officeDocument/2006/relationships" xmlns:p="http://schemas.openxmlformats.org/presentationml/2006/main">
+  <p:cSld>
+    <p:spTree>
+      <p:nvGrpSpPr>
+        <p:cNvPr id="1" name=""/>
+        <p:cNvGrpSpPr/>
+        <p:nvPr/>
+      </p:nvGrpSpPr>
+      <p:grpSpPr>
+        <a:xfrm>
+          <a:off x="0" y="0"/>
+          <a:ext cx="0" cy="0"/>
+          <a:chOff x="0" y="0"/>
+          <a:chExt cx="0" cy="0"/>
+        </a:xfrm>
+      </p:grpSpPr>
+      <p:sp>
+        <p:nvSpPr>
+          <p:cNvPr id="6" name="Title 1"/>
+          <p:cNvSpPr>
+            <a:spLocks noGrp="1"/>
+          </p:cNvSpPr>
+          <p:nvPr>
+            <p:ph type="title"/>
+          </p:nvPr>
+        </p:nvSpPr>
+        <p:spPr>
+          <a:xfrm>
+            <a:off x="457200" y="205980"/>
+            <a:ext cx="8229600" cy="857251"/>
+          </a:xfrm>
+        </p:spPr>
+        <p:txBody>
+          <a:bodyPr>
+            <a:normAutofit/>
+          </a:bodyPr>
+          <a:lstStyle/>
+          <a:p>
+            <a:r>
+              <a:rPr lang="en-US" b="1" dirty="0" err="1">
+                <a:solidFill>
+                  <a:srgbClr val="0070C0"/>
+                </a:solidFill>
+              </a:rPr>
+              <a:t>Dinâmica</a:t>
+            </a:r>
+            <a:r>
+              <a:rPr lang="en-US" b="1" dirty="0">
+                <a:solidFill>
+                  <a:srgbClr val="0070C0"/>
+                </a:solidFill>
+              </a:rPr>
+              <a:t>/</a:t>
+            </a:r>
+            <a:r>
+              <a:rPr lang="en-US" b="1" dirty="0" err="1">
+                <a:solidFill>
+                  <a:srgbClr val="0070C0"/>
+                </a:solidFill>
+              </a:rPr>
+              <a:t>Atividades</a:t>
+            </a:r>
+            <a:endParaRPr lang="en-US" b="1" dirty="0">
+              <a:solidFill>
+                <a:srgbClr val="0070C0"/>
+              </a:solidFill>
+            </a:endParaRPr>
+          </a:p>
+        </p:txBody>
+      </p:sp>
+      <p:sp>
+        <p:nvSpPr>
+          <p:cNvPr id="8" name="Text Placeholder 2"/>
+          <p:cNvSpPr>
+            <a:spLocks noGrp="1"/>
+          </p:cNvSpPr>
+          <p:nvPr>
+            <p:ph type="body" sz="half" idx="1"/>
+          </p:nvPr>
+        </p:nvSpPr>
+        <p:spPr>
+          <a:xfrm>
+            <a:off x="139472" y="1063230"/>
+            <a:ext cx="8865056" cy="3606305"/>
+          </a:xfrm>
+        </p:spPr>
+        <p:txBody>
+          <a:bodyPr>
+            <a:noAutofit/>
+          </a:bodyPr>
+          <a:lstStyle/>
+          <a:p>
+            <a:pPr algn="just">
+              <a:buFontTx/>
+              <a:buChar char="-"/>
+            </a:pPr>
+            <a:r>
+              <a:rPr lang="pt-BR" dirty="0">
+                <a:latin typeface="Times New Roman" panose="02020603050405020304" pitchFamily="18" charset="0"/>
+                <a:cs typeface="Times New Roman" panose="02020603050405020304" pitchFamily="18" charset="0"/>
+              </a:rPr>
+              <a:t>Exercícios de Fixação </a:t>
+            </a:r>
+            <a:r>
+              <a:rPr lang="pt-BR" b="1" dirty="0" err="1">
+                <a:latin typeface="Times New Roman" panose="02020603050405020304" pitchFamily="18" charset="0"/>
+                <a:cs typeface="Times New Roman" panose="02020603050405020304" pitchFamily="18" charset="0"/>
+              </a:rPr>
+              <a:t>JQuery</a:t>
+            </a:r>
+            <a:endParaRPr lang="pt-BR" b="1" dirty="0">
+              <a:latin typeface="Times New Roman" panose="02020603050405020304" pitchFamily="18" charset="0"/>
+              <a:cs typeface="Times New Roman" panose="02020603050405020304" pitchFamily="18" charset="0"/>
+            </a:endParaRPr>
+          </a:p>
+          <a:p>
+            <a:pPr marL="0" indent="0" algn="just">
+              <a:buNone/>
+            </a:pPr>
+            <a:r>
+              <a:rPr lang="pt-BR" dirty="0">
+                <a:latin typeface="Times New Roman" panose="02020603050405020304" pitchFamily="18" charset="0"/>
+                <a:cs typeface="Times New Roman" panose="02020603050405020304" pitchFamily="18" charset="0"/>
+              </a:rPr>
+              <a:t>	</a:t>
+            </a:r>
+            <a:r>
+              <a:rPr lang="pt-BR" b="1" dirty="0">
+                <a:solidFill>
+                  <a:srgbClr val="FF0000"/>
+                </a:solidFill>
+                <a:latin typeface="Times New Roman" panose="02020603050405020304" pitchFamily="18" charset="0"/>
+                <a:cs typeface="Times New Roman" panose="02020603050405020304" pitchFamily="18" charset="0"/>
+              </a:rPr>
+              <a:t>Desafio em Sala de Aula</a:t>
+            </a:r>
+            <a:r>
+              <a:rPr lang="pt-BR" dirty="0">
+                <a:latin typeface="Times New Roman" panose="02020603050405020304" pitchFamily="18" charset="0"/>
+                <a:cs typeface="Times New Roman" panose="02020603050405020304" pitchFamily="18" charset="0"/>
+              </a:rPr>
+              <a:t>.</a:t>
+            </a:r>
+          </a:p>
+          <a:p>
+            <a:pPr marL="0" indent="0" algn="just">
+              <a:buNone/>
+            </a:pPr>
+            <a:r>
+              <a:rPr lang="pt-BR" dirty="0">
+                <a:latin typeface="Times New Roman" panose="02020603050405020304" pitchFamily="18" charset="0"/>
+                <a:cs typeface="Times New Roman" panose="02020603050405020304" pitchFamily="18" charset="0"/>
+              </a:rPr>
+              <a:t>		</a:t>
+            </a:r>
+          </a:p>
+          <a:p>
+            <a:pPr marL="0" indent="0" algn="just">
+              <a:buNone/>
+            </a:pPr>
+            <a:r>
+              <a:rPr lang="es-ES" dirty="0">
+                <a:latin typeface="Times New Roman" panose="02020603050405020304" pitchFamily="18" charset="0"/>
+                <a:cs typeface="Times New Roman" panose="02020603050405020304" pitchFamily="18" charset="0"/>
+              </a:rPr>
+              <a:t>- Quiz JQuery</a:t>
+            </a:r>
+          </a:p>
+          <a:p>
+            <a:pPr marL="0" indent="0" algn="just">
+              <a:buNone/>
+            </a:pPr>
+            <a:r>
+              <a:rPr lang="es-ES" dirty="0">
+                <a:latin typeface="Times New Roman" panose="02020603050405020304" pitchFamily="18" charset="0"/>
+                <a:cs typeface="Times New Roman" panose="02020603050405020304" pitchFamily="18" charset="0"/>
+                <a:hlinkClick r:id="rId3"/>
+              </a:rPr>
+              <a:t>https://www.w3schools.com/jquery/jquery_quiz.asp</a:t>
+            </a:r>
+            <a:endParaRPr lang="es-ES" dirty="0">
+              <a:latin typeface="Times New Roman" panose="02020603050405020304" pitchFamily="18" charset="0"/>
+              <a:cs typeface="Times New Roman" panose="02020603050405020304" pitchFamily="18" charset="0"/>
+            </a:endParaRPr>
+          </a:p>
+          <a:p>
+            <a:pPr marL="0" indent="0" algn="just">
+              <a:buNone/>
+            </a:pPr>
+            <a:endParaRPr lang="pt-BR" dirty="0">
+              <a:latin typeface="Calibri" panose="020F0502020204030204" pitchFamily="34" charset="0"/>
+            </a:endParaRPr>
+          </a:p>
+        </p:txBody>
+      </p:sp>
+    </p:spTree>
+    <p:extLst>
+      <p:ext uri="{BB962C8B-B14F-4D97-AF65-F5344CB8AC3E}">
+        <p14:creationId xmlns:p14="http://schemas.microsoft.com/office/powerpoint/2010/main" val="2470652989"/>
+      </p:ext>
+    </p:extLst>
+  </p:cSld>
+  <p:clrMapOvr>
+    <a:masterClrMapping/>
+  </p:clrMapOvr>
+  <p:transition spd="med"/>
+</p:sld>
+</file>
+
+<file path=ppt/slides/slide37.xml><?xml version="1.0" encoding="utf-8"?>
+<p:sld xmlns:a="http://schemas.openxmlformats.org/drawingml/2006/main" xmlns:r="http://schemas.openxmlformats.org/officeDocument/2006/relationships" xmlns:p="http://schemas.openxmlformats.org/presentationml/2006/main">
+  <p:cSld>
+    <p:spTree>
+      <p:nvGrpSpPr>
+        <p:cNvPr id="1" name=""/>
+        <p:cNvGrpSpPr/>
+        <p:nvPr/>
+      </p:nvGrpSpPr>
+      <p:grpSpPr>
+        <a:xfrm>
+          <a:off x="0" y="0"/>
+          <a:ext cx="0" cy="0"/>
+          <a:chOff x="0" y="0"/>
+          <a:chExt cx="0" cy="0"/>
+        </a:xfrm>
+      </p:grpSpPr>
+      <p:sp>
+        <p:nvSpPr>
+          <p:cNvPr id="6" name="Title 1"/>
+          <p:cNvSpPr>
+            <a:spLocks noGrp="1"/>
+          </p:cNvSpPr>
+          <p:nvPr>
+            <p:ph type="title"/>
+          </p:nvPr>
+        </p:nvSpPr>
+        <p:spPr>
+          <a:xfrm>
+            <a:off x="457200" y="205980"/>
+            <a:ext cx="8229600" cy="857251"/>
+          </a:xfrm>
+        </p:spPr>
+        <p:txBody>
+          <a:bodyPr>
+            <a:normAutofit/>
+          </a:bodyPr>
+          <a:lstStyle/>
+          <a:p>
+            <a:r>
+              <a:rPr lang="en-US" b="1" dirty="0" err="1">
+                <a:solidFill>
+                  <a:srgbClr val="0070C0"/>
+                </a:solidFill>
+              </a:rPr>
+              <a:t>Referências</a:t>
+            </a:r>
+            <a:r>
+              <a:rPr lang="en-US" b="1" dirty="0">
+                <a:solidFill>
+                  <a:srgbClr val="0070C0"/>
+                </a:solidFill>
+              </a:rPr>
+              <a:t> </a:t>
+            </a:r>
+            <a:r>
+              <a:rPr lang="en-US" b="1" dirty="0" err="1">
+                <a:solidFill>
+                  <a:srgbClr val="0070C0"/>
+                </a:solidFill>
+              </a:rPr>
+              <a:t>Bibliográficas</a:t>
+            </a:r>
+            <a:endParaRPr lang="en-US" b="1" dirty="0">
+              <a:solidFill>
+                <a:srgbClr val="0070C0"/>
+              </a:solidFill>
+            </a:endParaRPr>
+          </a:p>
+        </p:txBody>
+      </p:sp>
+      <p:sp>
+        <p:nvSpPr>
+          <p:cNvPr id="8" name="Text Placeholder 2"/>
+          <p:cNvSpPr>
+            <a:spLocks noGrp="1"/>
+          </p:cNvSpPr>
+          <p:nvPr>
+            <p:ph type="body" sz="half" idx="1"/>
+          </p:nvPr>
+        </p:nvSpPr>
+        <p:spPr>
+          <a:xfrm>
+            <a:off x="142865" y="1200151"/>
+            <a:ext cx="8865056" cy="3394472"/>
+          </a:xfrm>
+        </p:spPr>
+        <p:txBody>
+          <a:bodyPr>
+            <a:noAutofit/>
+          </a:bodyPr>
+          <a:lstStyle/>
+          <a:p>
+            <a:pPr marL="0" indent="0" algn="just">
+              <a:buNone/>
+            </a:pPr>
+            <a:endParaRPr lang="pt-BR" sz="2400" dirty="0">
+              <a:latin typeface="Times New Roman" panose="02020603050405020304" pitchFamily="18" charset="0"/>
+              <a:cs typeface="Times New Roman" panose="02020603050405020304" pitchFamily="18" charset="0"/>
+            </a:endParaRPr>
+          </a:p>
+          <a:p>
+            <a:pPr marL="0" indent="0" algn="just">
+              <a:buNone/>
+            </a:pPr>
+            <a:r>
+              <a:rPr lang="pt-BR" sz="2400" dirty="0">
+                <a:latin typeface="Times New Roman" panose="02020603050405020304" pitchFamily="18" charset="0"/>
+                <a:cs typeface="Times New Roman" panose="02020603050405020304" pitchFamily="18" charset="0"/>
+              </a:rPr>
               <a:t>[1] BIBEAULT, </a:t>
             </a:r>
             <a:r>
@@ -13423,7 +18930,7 @@
 </p:sld>
 </file>
 
-<file path=ppt/slides/slide29.xml><?xml version="1.0" encoding="utf-8"?>
+<file path=ppt/slides/slide38.xml><?xml version="1.0" encoding="utf-8"?>
 <p:sld xmlns:a="http://schemas.openxmlformats.org/drawingml/2006/main" xmlns:r="http://schemas.openxmlformats.org/officeDocument/2006/relationships" xmlns:p="http://schemas.openxmlformats.org/presentationml/2006/main">
   <p:cSld>
     <p:spTree>
@@ -13886,350 +19393,6 @@
         </p:txBody>
       </p:sp>
     </p:spTree>
-  </p:cSld>
-  <p:clrMapOvr>
-    <a:masterClrMapping/>
-  </p:clrMapOvr>
-  <p:transition spd="med"/>
-</p:sld>
-</file>
-
-<file path=ppt/slides/slide3.xml><?xml version="1.0" encoding="utf-8"?>
-<p:sld xmlns:a="http://schemas.openxmlformats.org/drawingml/2006/main" xmlns:r="http://schemas.openxmlformats.org/officeDocument/2006/relationships" xmlns:p="http://schemas.openxmlformats.org/presentationml/2006/main">
-  <p:cSld>
-    <p:spTree>
-      <p:nvGrpSpPr>
-        <p:cNvPr id="1" name=""/>
-        <p:cNvGrpSpPr/>
-        <p:nvPr/>
-      </p:nvGrpSpPr>
-      <p:grpSpPr>
-        <a:xfrm>
-          <a:off x="0" y="0"/>
-          <a:ext cx="0" cy="0"/>
-          <a:chOff x="0" y="0"/>
-          <a:chExt cx="0" cy="0"/>
-        </a:xfrm>
-      </p:grpSpPr>
-      <p:sp>
-        <p:nvSpPr>
-          <p:cNvPr id="6" name="Title 1"/>
-          <p:cNvSpPr>
-            <a:spLocks noGrp="1"/>
-          </p:cNvSpPr>
-          <p:nvPr>
-            <p:ph type="title"/>
-          </p:nvPr>
-        </p:nvSpPr>
-        <p:spPr>
-          <a:xfrm>
-            <a:off x="457200" y="205980"/>
-            <a:ext cx="8229600" cy="857251"/>
-          </a:xfrm>
-        </p:spPr>
-        <p:txBody>
-          <a:bodyPr>
-            <a:normAutofit/>
-          </a:bodyPr>
-          <a:lstStyle/>
-          <a:p>
-            <a:r>
-              <a:rPr lang="en-US" b="1" dirty="0" err="1">
-                <a:solidFill>
-                  <a:srgbClr val="0070C0"/>
-                </a:solidFill>
-              </a:rPr>
-              <a:t>JQuery</a:t>
-            </a:r>
-            <a:r>
-              <a:rPr lang="en-US" b="1" dirty="0">
-                <a:solidFill>
-                  <a:srgbClr val="0070C0"/>
-                </a:solidFill>
-              </a:rPr>
-              <a:t> – </a:t>
-            </a:r>
-            <a:r>
-              <a:rPr lang="en-US" b="1" dirty="0" err="1">
-                <a:solidFill>
-                  <a:srgbClr val="0070C0"/>
-                </a:solidFill>
-              </a:rPr>
-              <a:t>Biblioteca</a:t>
-            </a:r>
-            <a:endParaRPr lang="en-US" b="1" dirty="0">
-              <a:solidFill>
-                <a:srgbClr val="0070C0"/>
-              </a:solidFill>
-            </a:endParaRPr>
-          </a:p>
-        </p:txBody>
-      </p:sp>
-      <p:sp>
-        <p:nvSpPr>
-          <p:cNvPr id="8" name="Text Placeholder 2"/>
-          <p:cNvSpPr>
-            <a:spLocks noGrp="1"/>
-          </p:cNvSpPr>
-          <p:nvPr>
-            <p:ph type="body" sz="half" idx="1"/>
-          </p:nvPr>
-        </p:nvSpPr>
-        <p:spPr>
-          <a:xfrm>
-            <a:off x="142865" y="1037312"/>
-            <a:ext cx="8865056" cy="3900208"/>
-          </a:xfrm>
-        </p:spPr>
-        <p:txBody>
-          <a:bodyPr>
-            <a:noAutofit/>
-          </a:bodyPr>
-          <a:lstStyle/>
-          <a:p>
-            <a:pPr marL="0" indent="0" algn="just">
-              <a:buNone/>
-            </a:pPr>
-            <a:r>
-              <a:rPr lang="pt-BR" sz="2400" dirty="0">
-                <a:solidFill>
-                  <a:schemeClr val="tx1"/>
-                </a:solidFill>
-                <a:latin typeface="Times New Roman" panose="02020603050405020304" pitchFamily="18" charset="0"/>
-                <a:cs typeface="Times New Roman" panose="02020603050405020304" pitchFamily="18" charset="0"/>
-              </a:rPr>
-              <a:t>É uma </a:t>
-            </a:r>
-            <a:r>
-              <a:rPr lang="pt-BR" sz="2400" b="1" dirty="0">
-                <a:solidFill>
-                  <a:schemeClr val="tx1"/>
-                </a:solidFill>
-                <a:latin typeface="Times New Roman" panose="02020603050405020304" pitchFamily="18" charset="0"/>
-                <a:cs typeface="Times New Roman" panose="02020603050405020304" pitchFamily="18" charset="0"/>
-              </a:rPr>
-              <a:t>biblioteca JS </a:t>
-            </a:r>
-            <a:r>
-              <a:rPr lang="pt-BR" sz="2400" dirty="0">
-                <a:solidFill>
-                  <a:schemeClr val="tx1"/>
-                </a:solidFill>
-                <a:latin typeface="Times New Roman" panose="02020603050405020304" pitchFamily="18" charset="0"/>
-                <a:cs typeface="Times New Roman" panose="02020603050405020304" pitchFamily="18" charset="0"/>
-              </a:rPr>
-              <a:t>para agilizar as interações com a página Web.</a:t>
-            </a:r>
-          </a:p>
-          <a:p>
-            <a:pPr marL="0" indent="0" algn="just">
-              <a:buNone/>
-            </a:pPr>
-            <a:endParaRPr lang="pt-BR" sz="2400" dirty="0">
-              <a:solidFill>
-                <a:schemeClr val="tx1"/>
-              </a:solidFill>
-              <a:latin typeface="Times New Roman" panose="02020603050405020304" pitchFamily="18" charset="0"/>
-              <a:cs typeface="Times New Roman" panose="02020603050405020304" pitchFamily="18" charset="0"/>
-            </a:endParaRPr>
-          </a:p>
-          <a:p>
-            <a:pPr marL="0" indent="0" algn="just">
-              <a:buNone/>
-            </a:pPr>
-            <a:r>
-              <a:rPr lang="pt-BR" sz="2400" b="1" dirty="0">
-                <a:solidFill>
-                  <a:schemeClr val="tx1"/>
-                </a:solidFill>
-                <a:latin typeface="Times New Roman" panose="02020603050405020304" pitchFamily="18" charset="0"/>
-                <a:cs typeface="Times New Roman" panose="02020603050405020304" pitchFamily="18" charset="0"/>
-              </a:rPr>
-              <a:t>Simplifica</a:t>
-            </a:r>
-            <a:r>
-              <a:rPr lang="pt-BR" sz="2400" dirty="0">
-                <a:solidFill>
-                  <a:schemeClr val="tx1"/>
-                </a:solidFill>
-                <a:latin typeface="Times New Roman" panose="02020603050405020304" pitchFamily="18" charset="0"/>
-                <a:cs typeface="Times New Roman" panose="02020603050405020304" pitchFamily="18" charset="0"/>
-              </a:rPr>
-              <a:t>: Requisições AJAX; manipulação CSS, animações, gráficos, efeito carrossel , banners, etc.</a:t>
-            </a:r>
-          </a:p>
-          <a:p>
-            <a:pPr marL="0" indent="0" algn="just">
-              <a:buNone/>
-            </a:pPr>
-            <a:endParaRPr lang="pt-BR" sz="2400" dirty="0">
-              <a:solidFill>
-                <a:schemeClr val="tx1"/>
-              </a:solidFill>
-              <a:latin typeface="Times New Roman" panose="02020603050405020304" pitchFamily="18" charset="0"/>
-              <a:cs typeface="Times New Roman" panose="02020603050405020304" pitchFamily="18" charset="0"/>
-            </a:endParaRPr>
-          </a:p>
-          <a:p>
-            <a:pPr marL="0" indent="0" algn="just">
-              <a:buNone/>
-            </a:pPr>
-            <a:r>
-              <a:rPr lang="pt-BR" sz="2400" b="1" dirty="0">
-                <a:solidFill>
-                  <a:schemeClr val="tx1"/>
-                </a:solidFill>
-                <a:latin typeface="Times New Roman" panose="02020603050405020304" pitchFamily="18" charset="0"/>
-                <a:cs typeface="Times New Roman" panose="02020603050405020304" pitchFamily="18" charset="0"/>
-              </a:rPr>
-              <a:t>URL</a:t>
-            </a:r>
-            <a:r>
-              <a:rPr lang="pt-BR" sz="2400" dirty="0">
-                <a:solidFill>
-                  <a:schemeClr val="tx1"/>
-                </a:solidFill>
-                <a:latin typeface="Times New Roman" panose="02020603050405020304" pitchFamily="18" charset="0"/>
-                <a:cs typeface="Times New Roman" panose="02020603050405020304" pitchFamily="18" charset="0"/>
-              </a:rPr>
-              <a:t>: jquery.com</a:t>
-            </a:r>
-          </a:p>
-          <a:p>
-            <a:pPr marL="0" indent="0" algn="just">
-              <a:buNone/>
-            </a:pPr>
-            <a:r>
-              <a:rPr lang="pt-BR" sz="2400" dirty="0">
-                <a:solidFill>
-                  <a:schemeClr val="tx1"/>
-                </a:solidFill>
-                <a:latin typeface="Times New Roman" panose="02020603050405020304" pitchFamily="18" charset="0"/>
-                <a:cs typeface="Times New Roman" panose="02020603050405020304" pitchFamily="18" charset="0"/>
-              </a:rPr>
-              <a:t>Baixar a versão </a:t>
-            </a:r>
-            <a:r>
-              <a:rPr lang="pt-BR" sz="2400" b="1" dirty="0" err="1">
-                <a:solidFill>
-                  <a:srgbClr val="FF0000"/>
-                </a:solidFill>
-                <a:latin typeface="Times New Roman" panose="02020603050405020304" pitchFamily="18" charset="0"/>
-                <a:cs typeface="Times New Roman" panose="02020603050405020304" pitchFamily="18" charset="0"/>
-              </a:rPr>
-              <a:t>uncompressed</a:t>
-            </a:r>
-            <a:r>
-              <a:rPr lang="pt-BR" sz="2400" dirty="0">
-                <a:solidFill>
-                  <a:schemeClr val="tx1"/>
-                </a:solidFill>
-                <a:latin typeface="Times New Roman" panose="02020603050405020304" pitchFamily="18" charset="0"/>
-                <a:cs typeface="Times New Roman" panose="02020603050405020304" pitchFamily="18" charset="0"/>
-              </a:rPr>
-              <a:t> (</a:t>
-            </a:r>
-            <a:r>
-              <a:rPr lang="pt-BR" sz="2400" b="1" dirty="0">
-                <a:solidFill>
-                  <a:schemeClr val="tx1"/>
-                </a:solidFill>
-                <a:latin typeface="Times New Roman" panose="02020603050405020304" pitchFamily="18" charset="0"/>
-                <a:cs typeface="Times New Roman" panose="02020603050405020304" pitchFamily="18" charset="0"/>
-                <a:hlinkClick r:id="rId3"/>
-              </a:rPr>
-              <a:t>https://jquery.com/download/</a:t>
-            </a:r>
-            <a:r>
-              <a:rPr lang="pt-BR" sz="2400" dirty="0">
-                <a:solidFill>
-                  <a:schemeClr val="tx1"/>
-                </a:solidFill>
-                <a:latin typeface="Times New Roman" panose="02020603050405020304" pitchFamily="18" charset="0"/>
-                <a:cs typeface="Times New Roman" panose="02020603050405020304" pitchFamily="18" charset="0"/>
-              </a:rPr>
-              <a:t>). </a:t>
-            </a:r>
-          </a:p>
-          <a:p>
-            <a:pPr marL="0" indent="0" algn="just">
-              <a:buNone/>
-            </a:pPr>
-            <a:endParaRPr lang="pt-BR" sz="2400" dirty="0">
-              <a:solidFill>
-                <a:schemeClr val="tx1"/>
-              </a:solidFill>
-              <a:latin typeface="Times New Roman" panose="02020603050405020304" pitchFamily="18" charset="0"/>
-              <a:cs typeface="Times New Roman" panose="02020603050405020304" pitchFamily="18" charset="0"/>
-            </a:endParaRPr>
-          </a:p>
-          <a:p>
-            <a:pPr marL="0" indent="0" algn="just">
-              <a:buNone/>
-            </a:pPr>
-            <a:r>
-              <a:rPr lang="pt-BR" sz="2400" dirty="0">
-                <a:solidFill>
-                  <a:schemeClr val="tx1"/>
-                </a:solidFill>
-                <a:latin typeface="Times New Roman" panose="02020603050405020304" pitchFamily="18" charset="0"/>
-                <a:cs typeface="Times New Roman" panose="02020603050405020304" pitchFamily="18" charset="0"/>
-              </a:rPr>
-              <a:t>Salvar o arquivo </a:t>
-            </a:r>
-            <a:r>
-              <a:rPr lang="pt-BR" sz="2400" b="1" dirty="0">
-                <a:solidFill>
-                  <a:schemeClr val="tx1"/>
-                </a:solidFill>
-                <a:latin typeface="Times New Roman" panose="02020603050405020304" pitchFamily="18" charset="0"/>
-                <a:cs typeface="Times New Roman" panose="02020603050405020304" pitchFamily="18" charset="0"/>
-              </a:rPr>
-              <a:t>JQuery.js </a:t>
-            </a:r>
-            <a:r>
-              <a:rPr lang="pt-BR" sz="2400" dirty="0">
-                <a:solidFill>
-                  <a:schemeClr val="tx1"/>
-                </a:solidFill>
-                <a:latin typeface="Times New Roman" panose="02020603050405020304" pitchFamily="18" charset="0"/>
-                <a:cs typeface="Times New Roman" panose="02020603050405020304" pitchFamily="18" charset="0"/>
-              </a:rPr>
-              <a:t>e incluir no seu projeto Web.</a:t>
-            </a:r>
-          </a:p>
-          <a:p>
-            <a:pPr marL="0" indent="0" algn="just">
-              <a:buNone/>
-            </a:pPr>
-            <a:endParaRPr lang="pt-BR" sz="2400" dirty="0">
-              <a:solidFill>
-                <a:schemeClr val="tx1"/>
-              </a:solidFill>
-              <a:latin typeface="Times New Roman" panose="02020603050405020304" pitchFamily="18" charset="0"/>
-              <a:cs typeface="Times New Roman" panose="02020603050405020304" pitchFamily="18" charset="0"/>
-            </a:endParaRPr>
-          </a:p>
-          <a:p>
-            <a:pPr marL="0" indent="0" algn="just">
-              <a:buNone/>
-            </a:pPr>
-            <a:endParaRPr lang="pt-BR" sz="2400" dirty="0">
-              <a:solidFill>
-                <a:schemeClr val="tx1"/>
-              </a:solidFill>
-              <a:latin typeface="Times New Roman" panose="02020603050405020304" pitchFamily="18" charset="0"/>
-              <a:cs typeface="Times New Roman" panose="02020603050405020304" pitchFamily="18" charset="0"/>
-            </a:endParaRPr>
-          </a:p>
-        </p:txBody>
-      </p:sp>
-    </p:spTree>
-    <p:extLst>
-      <p:ext uri="{BB962C8B-B14F-4D97-AF65-F5344CB8AC3E}">
-        <p14:creationId xmlns:p14="http://schemas.microsoft.com/office/powerpoint/2010/main" val="3049810001"/>
-      </p:ext>
-    </p:extLst>
   </p:cSld>
   <p:clrMapOvr>
     <a:masterClrMapping/>

--- a/01 Classes/Aula 11 Desenvolvimento Web PHP - JQuery.pptx
+++ b/01 Classes/Aula 11 Desenvolvimento Web PHP - JQuery.pptx
@@ -5,7 +5,7 @@
     <p:sldMasterId id="2147483648" r:id="rId1"/>
   </p:sldMasterIdLst>
   <p:notesMasterIdLst>
-    <p:notesMasterId r:id="rId40"/>
+    <p:notesMasterId r:id="rId42"/>
   </p:notesMasterIdLst>
   <p:sldIdLst>
     <p:sldId id="256" r:id="rId2"/>
@@ -41,11 +41,13 @@
     <p:sldId id="424" r:id="rId32"/>
     <p:sldId id="425" r:id="rId33"/>
     <p:sldId id="426" r:id="rId34"/>
-    <p:sldId id="333" r:id="rId35"/>
-    <p:sldId id="323" r:id="rId36"/>
-    <p:sldId id="334" r:id="rId37"/>
-    <p:sldId id="337" r:id="rId38"/>
-    <p:sldId id="309" r:id="rId39"/>
+    <p:sldId id="428" r:id="rId35"/>
+    <p:sldId id="427" r:id="rId36"/>
+    <p:sldId id="333" r:id="rId37"/>
+    <p:sldId id="323" r:id="rId38"/>
+    <p:sldId id="334" r:id="rId39"/>
+    <p:sldId id="337" r:id="rId40"/>
+    <p:sldId id="309" r:id="rId41"/>
   </p:sldIdLst>
   <p:sldSz cx="9144000" cy="5143500" type="screen16x9"/>
   <p:notesSz cx="6858000" cy="9144000"/>
@@ -2237,7 +2239,7 @@
     </p:spTree>
     <p:extLst>
       <p:ext uri="{BB962C8B-B14F-4D97-AF65-F5344CB8AC3E}">
-        <p14:creationId xmlns:p14="http://schemas.microsoft.com/office/powerpoint/2010/main" val="585304384"/>
+        <p14:creationId xmlns:p14="http://schemas.microsoft.com/office/powerpoint/2010/main" val="3909767587"/>
       </p:ext>
     </p:extLst>
   </p:cSld>
@@ -2303,7 +2305,7 @@
     </p:spTree>
     <p:extLst>
       <p:ext uri="{BB962C8B-B14F-4D97-AF65-F5344CB8AC3E}">
-        <p14:creationId xmlns:p14="http://schemas.microsoft.com/office/powerpoint/2010/main" val="2709569597"/>
+        <p14:creationId xmlns:p14="http://schemas.microsoft.com/office/powerpoint/2010/main" val="125742966"/>
       </p:ext>
     </p:extLst>
   </p:cSld>
@@ -2369,6 +2371,138 @@
     </p:spTree>
     <p:extLst>
       <p:ext uri="{BB962C8B-B14F-4D97-AF65-F5344CB8AC3E}">
+        <p14:creationId xmlns:p14="http://schemas.microsoft.com/office/powerpoint/2010/main" val="585304384"/>
+      </p:ext>
+    </p:extLst>
+  </p:cSld>
+  <p:clrMapOvr>
+    <a:masterClrMapping/>
+  </p:clrMapOvr>
+</p:notes>
+</file>
+
+<file path=ppt/notesSlides/notesSlide35.xml><?xml version="1.0" encoding="utf-8"?>
+<p:notes xmlns:a="http://schemas.openxmlformats.org/drawingml/2006/main" xmlns:r="http://schemas.openxmlformats.org/officeDocument/2006/relationships" xmlns:p="http://schemas.openxmlformats.org/presentationml/2006/main">
+  <p:cSld>
+    <p:spTree>
+      <p:nvGrpSpPr>
+        <p:cNvPr id="1" name=""/>
+        <p:cNvGrpSpPr/>
+        <p:nvPr/>
+      </p:nvGrpSpPr>
+      <p:grpSpPr>
+        <a:xfrm>
+          <a:off x="0" y="0"/>
+          <a:ext cx="0" cy="0"/>
+          <a:chOff x="0" y="0"/>
+          <a:chExt cx="0" cy="0"/>
+        </a:xfrm>
+      </p:grpSpPr>
+      <p:sp>
+        <p:nvSpPr>
+          <p:cNvPr id="2" name="Espaço Reservado para Imagem de Slide 1"/>
+          <p:cNvSpPr>
+            <a:spLocks noGrp="1" noRot="1" noChangeAspect="1"/>
+          </p:cNvSpPr>
+          <p:nvPr>
+            <p:ph type="sldImg"/>
+          </p:nvPr>
+        </p:nvSpPr>
+        <p:spPr>
+          <a:xfrm>
+            <a:off x="381000" y="685800"/>
+            <a:ext cx="6096000" cy="3429000"/>
+          </a:xfrm>
+        </p:spPr>
+      </p:sp>
+      <p:sp>
+        <p:nvSpPr>
+          <p:cNvPr id="3" name="Espaço Reservado para Anotações 2"/>
+          <p:cNvSpPr>
+            <a:spLocks noGrp="1"/>
+          </p:cNvSpPr>
+          <p:nvPr>
+            <p:ph type="body" idx="1"/>
+          </p:nvPr>
+        </p:nvSpPr>
+        <p:spPr/>
+        <p:txBody>
+          <a:bodyPr/>
+          <a:lstStyle/>
+          <a:p>
+            <a:endParaRPr lang="pt-BR" dirty="0"/>
+          </a:p>
+        </p:txBody>
+      </p:sp>
+    </p:spTree>
+    <p:extLst>
+      <p:ext uri="{BB962C8B-B14F-4D97-AF65-F5344CB8AC3E}">
+        <p14:creationId xmlns:p14="http://schemas.microsoft.com/office/powerpoint/2010/main" val="2709569597"/>
+      </p:ext>
+    </p:extLst>
+  </p:cSld>
+  <p:clrMapOvr>
+    <a:masterClrMapping/>
+  </p:clrMapOvr>
+</p:notes>
+</file>
+
+<file path=ppt/notesSlides/notesSlide36.xml><?xml version="1.0" encoding="utf-8"?>
+<p:notes xmlns:a="http://schemas.openxmlformats.org/drawingml/2006/main" xmlns:r="http://schemas.openxmlformats.org/officeDocument/2006/relationships" xmlns:p="http://schemas.openxmlformats.org/presentationml/2006/main">
+  <p:cSld>
+    <p:spTree>
+      <p:nvGrpSpPr>
+        <p:cNvPr id="1" name=""/>
+        <p:cNvGrpSpPr/>
+        <p:nvPr/>
+      </p:nvGrpSpPr>
+      <p:grpSpPr>
+        <a:xfrm>
+          <a:off x="0" y="0"/>
+          <a:ext cx="0" cy="0"/>
+          <a:chOff x="0" y="0"/>
+          <a:chExt cx="0" cy="0"/>
+        </a:xfrm>
+      </p:grpSpPr>
+      <p:sp>
+        <p:nvSpPr>
+          <p:cNvPr id="2" name="Espaço Reservado para Imagem de Slide 1"/>
+          <p:cNvSpPr>
+            <a:spLocks noGrp="1" noRot="1" noChangeAspect="1"/>
+          </p:cNvSpPr>
+          <p:nvPr>
+            <p:ph type="sldImg"/>
+          </p:nvPr>
+        </p:nvSpPr>
+        <p:spPr>
+          <a:xfrm>
+            <a:off x="381000" y="685800"/>
+            <a:ext cx="6096000" cy="3429000"/>
+          </a:xfrm>
+        </p:spPr>
+      </p:sp>
+      <p:sp>
+        <p:nvSpPr>
+          <p:cNvPr id="3" name="Espaço Reservado para Anotações 2"/>
+          <p:cNvSpPr>
+            <a:spLocks noGrp="1"/>
+          </p:cNvSpPr>
+          <p:nvPr>
+            <p:ph type="body" idx="1"/>
+          </p:nvPr>
+        </p:nvSpPr>
+        <p:spPr/>
+        <p:txBody>
+          <a:bodyPr/>
+          <a:lstStyle/>
+          <a:p>
+            <a:endParaRPr lang="pt-BR" dirty="0"/>
+          </a:p>
+        </p:txBody>
+      </p:sp>
+    </p:spTree>
+    <p:extLst>
+      <p:ext uri="{BB962C8B-B14F-4D97-AF65-F5344CB8AC3E}">
         <p14:creationId xmlns:p14="http://schemas.microsoft.com/office/powerpoint/2010/main" val="2296249050"/>
       </p:ext>
     </p:extLst>
@@ -2379,7 +2513,7 @@
 </p:notes>
 </file>
 
-<file path=ppt/notesSlides/notesSlide35.xml><?xml version="1.0" encoding="utf-8"?>
+<file path=ppt/notesSlides/notesSlide37.xml><?xml version="1.0" encoding="utf-8"?>
 <p:notes xmlns:a="http://schemas.openxmlformats.org/drawingml/2006/main" xmlns:r="http://schemas.openxmlformats.org/officeDocument/2006/relationships" xmlns:p="http://schemas.openxmlformats.org/presentationml/2006/main">
   <p:cSld>
     <p:spTree>
@@ -17510,23 +17644,7 @@
                   <a:srgbClr val="0070C0"/>
                 </a:solidFill>
               </a:rPr>
-              <a:t> – DOM </a:t>
-            </a:r>
-            <a:r>
-              <a:rPr lang="en-US" b="1" dirty="0" err="1">
-                <a:solidFill>
-                  <a:srgbClr val="0070C0"/>
-                </a:solidFill>
-              </a:rPr>
-              <a:t>Outra</a:t>
-            </a:r>
-            <a:r>
-              <a:rPr lang="en-US" b="1" dirty="0">
-                <a:solidFill>
-                  <a:srgbClr val="0070C0"/>
-                </a:solidFill>
-              </a:rPr>
-              <a:t> Forma</a:t>
+              <a:t> – DOM Filter Table</a:t>
             </a:r>
           </a:p>
         </p:txBody>
@@ -17564,7 +17682,7 @@
                 <a:latin typeface="Times New Roman" panose="02020603050405020304" pitchFamily="18" charset="0"/>
                 <a:cs typeface="Times New Roman" panose="02020603050405020304" pitchFamily="18" charset="0"/>
               </a:rPr>
-              <a:t> (</a:t>
+              <a:t>$(</a:t>
             </a:r>
             <a:r>
               <a:rPr lang="pt-BR" sz="2400" b="1" dirty="0" err="1">
@@ -17574,6 +17692,46 @@
                 <a:latin typeface="Times New Roman" panose="02020603050405020304" pitchFamily="18" charset="0"/>
                 <a:cs typeface="Times New Roman" panose="02020603050405020304" pitchFamily="18" charset="0"/>
               </a:rPr>
+              <a:t>document</a:t>
+            </a:r>
+            <a:r>
+              <a:rPr lang="pt-BR" sz="2400" dirty="0">
+                <a:solidFill>
+                  <a:schemeClr val="tx1"/>
+                </a:solidFill>
+                <a:latin typeface="Times New Roman" panose="02020603050405020304" pitchFamily="18" charset="0"/>
+                <a:cs typeface="Times New Roman" panose="02020603050405020304" pitchFamily="18" charset="0"/>
+              </a:rPr>
+              <a:t>).</a:t>
+            </a:r>
+            <a:r>
+              <a:rPr lang="pt-BR" sz="2400" dirty="0" err="1">
+                <a:solidFill>
+                  <a:schemeClr val="tx1"/>
+                </a:solidFill>
+                <a:latin typeface="Times New Roman" panose="02020603050405020304" pitchFamily="18" charset="0"/>
+                <a:cs typeface="Times New Roman" panose="02020603050405020304" pitchFamily="18" charset="0"/>
+              </a:rPr>
+              <a:t>ready</a:t>
+            </a:r>
+            <a:r>
+              <a:rPr lang="pt-BR" sz="2400" dirty="0">
+                <a:solidFill>
+                  <a:schemeClr val="tx1"/>
+                </a:solidFill>
+                <a:latin typeface="Times New Roman" panose="02020603050405020304" pitchFamily="18" charset="0"/>
+                <a:cs typeface="Times New Roman" panose="02020603050405020304" pitchFamily="18" charset="0"/>
+              </a:rPr>
+              <a:t>(</a:t>
+            </a:r>
+            <a:r>
+              <a:rPr lang="pt-BR" sz="2400" b="1" dirty="0" err="1">
+                <a:solidFill>
+                  <a:schemeClr val="tx1"/>
+                </a:solidFill>
+                <a:latin typeface="Times New Roman" panose="02020603050405020304" pitchFamily="18" charset="0"/>
+                <a:cs typeface="Times New Roman" panose="02020603050405020304" pitchFamily="18" charset="0"/>
+              </a:rPr>
               <a:t>function</a:t>
             </a:r>
             <a:r>
@@ -17584,27 +17742,27 @@
                 <a:latin typeface="Times New Roman" panose="02020603050405020304" pitchFamily="18" charset="0"/>
                 <a:cs typeface="Times New Roman" panose="02020603050405020304" pitchFamily="18" charset="0"/>
               </a:rPr>
-              <a:t> </a:t>
+              <a:t> () {//</a:t>
+            </a:r>
+            <a:r>
+              <a:rPr lang="pt-BR" sz="2400" b="1" dirty="0">
+                <a:solidFill>
+                  <a:schemeClr val="tx1"/>
+                </a:solidFill>
+                <a:latin typeface="Times New Roman" panose="02020603050405020304" pitchFamily="18" charset="0"/>
+                <a:cs typeface="Times New Roman" panose="02020603050405020304" pitchFamily="18" charset="0"/>
+              </a:rPr>
+              <a:t>input/</a:t>
             </a:r>
             <a:r>
               <a:rPr lang="pt-BR" sz="2400" b="1" dirty="0" err="1">
                 <a:solidFill>
-                  <a:srgbClr val="FF0000"/>
-                </a:solidFill>
-                <a:latin typeface="Times New Roman" panose="02020603050405020304" pitchFamily="18" charset="0"/>
-                <a:cs typeface="Times New Roman" panose="02020603050405020304" pitchFamily="18" charset="0"/>
-              </a:rPr>
-              <a:t>readyJS</a:t>
-            </a:r>
-            <a:r>
-              <a:rPr lang="pt-BR" sz="2400" dirty="0">
-                <a:solidFill>
-                  <a:schemeClr val="tx1"/>
-                </a:solidFill>
-                <a:latin typeface="Times New Roman" panose="02020603050405020304" pitchFamily="18" charset="0"/>
-                <a:cs typeface="Times New Roman" panose="02020603050405020304" pitchFamily="18" charset="0"/>
-              </a:rPr>
-              <a:t>(</a:t>
+                  <a:schemeClr val="tx1"/>
+                </a:solidFill>
+                <a:latin typeface="Times New Roman" panose="02020603050405020304" pitchFamily="18" charset="0"/>
+                <a:cs typeface="Times New Roman" panose="02020603050405020304" pitchFamily="18" charset="0"/>
+              </a:rPr>
+              <a:t>text</a:t>
             </a:r>
             <a:r>
               <a:rPr lang="pt-BR" sz="2400" dirty="0" err="1">
@@ -17614,17 +17772,17 @@
                 <a:latin typeface="Times New Roman" panose="02020603050405020304" pitchFamily="18" charset="0"/>
                 <a:cs typeface="Times New Roman" panose="02020603050405020304" pitchFamily="18" charset="0"/>
               </a:rPr>
-              <a:t>win</a:t>
-            </a:r>
-            <a:r>
-              <a:rPr lang="pt-BR" sz="2400" dirty="0">
-                <a:solidFill>
-                  <a:schemeClr val="tx1"/>
-                </a:solidFill>
-                <a:latin typeface="Times New Roman" panose="02020603050405020304" pitchFamily="18" charset="0"/>
-                <a:cs typeface="Times New Roman" panose="02020603050405020304" pitchFamily="18" charset="0"/>
-              </a:rPr>
-              <a:t>, </a:t>
+              <a:t>;table;thead;tbody</a:t>
+            </a:r>
+            <a:r>
+              <a:rPr lang="pt-BR" sz="2400" dirty="0">
+                <a:solidFill>
+                  <a:schemeClr val="tx1"/>
+                </a:solidFill>
+                <a:latin typeface="Times New Roman" panose="02020603050405020304" pitchFamily="18" charset="0"/>
+                <a:cs typeface="Times New Roman" panose="02020603050405020304" pitchFamily="18" charset="0"/>
+              </a:rPr>
+              <a:t>(id);</a:t>
             </a:r>
             <a:r>
               <a:rPr lang="pt-BR" sz="2400" dirty="0" err="1">
@@ -17634,23 +17792,8 @@
                 <a:latin typeface="Times New Roman" panose="02020603050405020304" pitchFamily="18" charset="0"/>
                 <a:cs typeface="Times New Roman" panose="02020603050405020304" pitchFamily="18" charset="0"/>
               </a:rPr>
-              <a:t>doc</a:t>
-            </a:r>
-            <a:r>
-              <a:rPr lang="pt-BR" sz="2400" dirty="0">
-                <a:solidFill>
-                  <a:schemeClr val="tx1"/>
-                </a:solidFill>
-                <a:latin typeface="Times New Roman" panose="02020603050405020304" pitchFamily="18" charset="0"/>
-                <a:cs typeface="Times New Roman" panose="02020603050405020304" pitchFamily="18" charset="0"/>
-              </a:rPr>
-              <a:t>) {</a:t>
-            </a:r>
-          </a:p>
-          <a:p>
-            <a:pPr marL="0" indent="0" algn="just">
-              <a:buNone/>
-            </a:pPr>
+              <a:t>tr;td</a:t>
+            </a:r>
             <a:endParaRPr lang="pt-BR" sz="2400" dirty="0">
               <a:solidFill>
                 <a:schemeClr val="tx1"/>
@@ -17671,7 +17814,7 @@
                 <a:latin typeface="Times New Roman" panose="02020603050405020304" pitchFamily="18" charset="0"/>
                 <a:cs typeface="Times New Roman" panose="02020603050405020304" pitchFamily="18" charset="0"/>
               </a:rPr>
-              <a:t>      </a:t>
+              <a:t>      $('#</a:t>
             </a:r>
             <a:r>
               <a:rPr lang="pt-BR" sz="2400" b="1" dirty="0" err="1">
@@ -17681,6 +17824,76 @@
                 <a:latin typeface="Times New Roman" panose="02020603050405020304" pitchFamily="18" charset="0"/>
                 <a:cs typeface="Times New Roman" panose="02020603050405020304" pitchFamily="18" charset="0"/>
               </a:rPr>
+              <a:t>inputBuscar</a:t>
+            </a:r>
+            <a:r>
+              <a:rPr lang="pt-BR" sz="2400" dirty="0">
+                <a:solidFill>
+                  <a:schemeClr val="tx1"/>
+                </a:solidFill>
+                <a:latin typeface="Times New Roman" panose="02020603050405020304" pitchFamily="18" charset="0"/>
+                <a:cs typeface="Times New Roman" panose="02020603050405020304" pitchFamily="18" charset="0"/>
+              </a:rPr>
+              <a:t>').</a:t>
+            </a:r>
+            <a:r>
+              <a:rPr lang="pt-BR" sz="2400" b="1" dirty="0" err="1">
+                <a:solidFill>
+                  <a:srgbClr val="FF0000"/>
+                </a:solidFill>
+                <a:latin typeface="Times New Roman" panose="02020603050405020304" pitchFamily="18" charset="0"/>
+                <a:cs typeface="Times New Roman" panose="02020603050405020304" pitchFamily="18" charset="0"/>
+              </a:rPr>
+              <a:t>on</a:t>
+            </a:r>
+            <a:r>
+              <a:rPr lang="pt-BR" sz="2400" dirty="0">
+                <a:solidFill>
+                  <a:schemeClr val="tx1"/>
+                </a:solidFill>
+                <a:latin typeface="Times New Roman" panose="02020603050405020304" pitchFamily="18" charset="0"/>
+                <a:cs typeface="Times New Roman" panose="02020603050405020304" pitchFamily="18" charset="0"/>
+              </a:rPr>
+              <a:t>(</a:t>
+            </a:r>
+            <a:r>
+              <a:rPr lang="pt-BR" sz="2400" b="1" dirty="0">
+                <a:solidFill>
+                  <a:srgbClr val="FF0000"/>
+                </a:solidFill>
+                <a:latin typeface="Times New Roman" panose="02020603050405020304" pitchFamily="18" charset="0"/>
+                <a:cs typeface="Times New Roman" panose="02020603050405020304" pitchFamily="18" charset="0"/>
+              </a:rPr>
+              <a:t>'</a:t>
+            </a:r>
+            <a:r>
+              <a:rPr lang="pt-BR" sz="2400" b="1" dirty="0" err="1">
+                <a:solidFill>
+                  <a:srgbClr val="FF0000"/>
+                </a:solidFill>
+                <a:latin typeface="Times New Roman" panose="02020603050405020304" pitchFamily="18" charset="0"/>
+                <a:cs typeface="Times New Roman" panose="02020603050405020304" pitchFamily="18" charset="0"/>
+              </a:rPr>
+              <a:t>keyup</a:t>
+            </a:r>
+            <a:r>
+              <a:rPr lang="pt-BR" sz="2400" dirty="0">
+                <a:solidFill>
+                  <a:schemeClr val="tx1"/>
+                </a:solidFill>
+                <a:latin typeface="Times New Roman" panose="02020603050405020304" pitchFamily="18" charset="0"/>
+                <a:cs typeface="Times New Roman" panose="02020603050405020304" pitchFamily="18" charset="0"/>
+              </a:rPr>
+              <a:t>', </a:t>
+            </a:r>
+            <a:r>
+              <a:rPr lang="pt-BR" sz="2400" b="1" dirty="0" err="1">
+                <a:solidFill>
+                  <a:schemeClr val="tx1"/>
+                </a:solidFill>
+                <a:latin typeface="Times New Roman" panose="02020603050405020304" pitchFamily="18" charset="0"/>
+                <a:cs typeface="Times New Roman" panose="02020603050405020304" pitchFamily="18" charset="0"/>
+              </a:rPr>
               <a:t>function</a:t>
             </a:r>
             <a:r>
@@ -17691,6 +17904,136 @@
                 <a:latin typeface="Times New Roman" panose="02020603050405020304" pitchFamily="18" charset="0"/>
                 <a:cs typeface="Times New Roman" panose="02020603050405020304" pitchFamily="18" charset="0"/>
               </a:rPr>
+              <a:t> () {</a:t>
+            </a:r>
+          </a:p>
+          <a:p>
+            <a:pPr marL="0" indent="0" algn="just">
+              <a:buNone/>
+            </a:pPr>
+            <a:r>
+              <a:rPr lang="pt-BR" sz="2400" dirty="0">
+                <a:solidFill>
+                  <a:schemeClr val="tx1"/>
+                </a:solidFill>
+                <a:latin typeface="Times New Roman" panose="02020603050405020304" pitchFamily="18" charset="0"/>
+                <a:cs typeface="Times New Roman" panose="02020603050405020304" pitchFamily="18" charset="0"/>
+              </a:rPr>
+              <a:t>            </a:t>
+            </a:r>
+            <a:r>
+              <a:rPr lang="pt-BR" sz="2400" b="1" dirty="0" err="1">
+                <a:solidFill>
+                  <a:schemeClr val="tx1"/>
+                </a:solidFill>
+                <a:latin typeface="Times New Roman" panose="02020603050405020304" pitchFamily="18" charset="0"/>
+                <a:cs typeface="Times New Roman" panose="02020603050405020304" pitchFamily="18" charset="0"/>
+              </a:rPr>
+              <a:t>let</a:t>
+            </a:r>
+            <a:r>
+              <a:rPr lang="pt-BR" sz="2400" dirty="0">
+                <a:solidFill>
+                  <a:schemeClr val="tx1"/>
+                </a:solidFill>
+                <a:latin typeface="Times New Roman" panose="02020603050405020304" pitchFamily="18" charset="0"/>
+                <a:cs typeface="Times New Roman" panose="02020603050405020304" pitchFamily="18" charset="0"/>
+              </a:rPr>
+              <a:t> valor = $(</a:t>
+            </a:r>
+            <a:r>
+              <a:rPr lang="pt-BR" sz="2400" b="1" dirty="0" err="1">
+                <a:solidFill>
+                  <a:schemeClr val="tx1"/>
+                </a:solidFill>
+                <a:latin typeface="Times New Roman" panose="02020603050405020304" pitchFamily="18" charset="0"/>
+                <a:cs typeface="Times New Roman" panose="02020603050405020304" pitchFamily="18" charset="0"/>
+              </a:rPr>
+              <a:t>this</a:t>
+            </a:r>
+            <a:r>
+              <a:rPr lang="pt-BR" sz="2400" dirty="0">
+                <a:solidFill>
+                  <a:schemeClr val="tx1"/>
+                </a:solidFill>
+                <a:latin typeface="Times New Roman" panose="02020603050405020304" pitchFamily="18" charset="0"/>
+                <a:cs typeface="Times New Roman" panose="02020603050405020304" pitchFamily="18" charset="0"/>
+              </a:rPr>
+              <a:t>).</a:t>
+            </a:r>
+            <a:r>
+              <a:rPr lang="pt-BR" sz="2400" dirty="0" err="1">
+                <a:solidFill>
+                  <a:schemeClr val="tx1"/>
+                </a:solidFill>
+                <a:latin typeface="Times New Roman" panose="02020603050405020304" pitchFamily="18" charset="0"/>
+                <a:cs typeface="Times New Roman" panose="02020603050405020304" pitchFamily="18" charset="0"/>
+              </a:rPr>
+              <a:t>val</a:t>
+            </a:r>
+            <a:r>
+              <a:rPr lang="pt-BR" sz="2400" dirty="0">
+                <a:solidFill>
+                  <a:schemeClr val="tx1"/>
+                </a:solidFill>
+                <a:latin typeface="Times New Roman" panose="02020603050405020304" pitchFamily="18" charset="0"/>
+                <a:cs typeface="Times New Roman" panose="02020603050405020304" pitchFamily="18" charset="0"/>
+              </a:rPr>
+              <a:t>().</a:t>
+            </a:r>
+            <a:r>
+              <a:rPr lang="pt-BR" sz="2400" b="1" dirty="0" err="1">
+                <a:solidFill>
+                  <a:schemeClr val="tx1"/>
+                </a:solidFill>
+                <a:latin typeface="Times New Roman" panose="02020603050405020304" pitchFamily="18" charset="0"/>
+                <a:cs typeface="Times New Roman" panose="02020603050405020304" pitchFamily="18" charset="0"/>
+              </a:rPr>
+              <a:t>toLowerCase</a:t>
+            </a:r>
+            <a:r>
+              <a:rPr lang="pt-BR" sz="2400" dirty="0">
+                <a:solidFill>
+                  <a:schemeClr val="tx1"/>
+                </a:solidFill>
+                <a:latin typeface="Times New Roman" panose="02020603050405020304" pitchFamily="18" charset="0"/>
+                <a:cs typeface="Times New Roman" panose="02020603050405020304" pitchFamily="18" charset="0"/>
+              </a:rPr>
+              <a:t>();</a:t>
+            </a:r>
+          </a:p>
+          <a:p>
+            <a:pPr marL="0" indent="0" algn="just">
+              <a:buNone/>
+            </a:pPr>
+            <a:r>
+              <a:rPr lang="pt-BR" sz="2400" dirty="0">
+                <a:solidFill>
+                  <a:schemeClr val="tx1"/>
+                </a:solidFill>
+                <a:latin typeface="Times New Roman" panose="02020603050405020304" pitchFamily="18" charset="0"/>
+                <a:cs typeface="Times New Roman" panose="02020603050405020304" pitchFamily="18" charset="0"/>
+              </a:rPr>
+              <a:t>            $('#</a:t>
+            </a:r>
+            <a:r>
+              <a:rPr lang="pt-BR" sz="2400" b="1" dirty="0">
+                <a:solidFill>
+                  <a:schemeClr val="tx1"/>
+                </a:solidFill>
+                <a:latin typeface="Times New Roman" panose="02020603050405020304" pitchFamily="18" charset="0"/>
+                <a:cs typeface="Times New Roman" panose="02020603050405020304" pitchFamily="18" charset="0"/>
+              </a:rPr>
+              <a:t>tabela</a:t>
+            </a:r>
+            <a:r>
+              <a:rPr lang="pt-BR" sz="2400" dirty="0">
+                <a:solidFill>
+                  <a:schemeClr val="tx1"/>
+                </a:solidFill>
+                <a:latin typeface="Times New Roman" panose="02020603050405020304" pitchFamily="18" charset="0"/>
+                <a:cs typeface="Times New Roman" panose="02020603050405020304" pitchFamily="18" charset="0"/>
+              </a:rPr>
               <a:t> </a:t>
             </a:r>
             <a:r>
@@ -17701,32 +18044,17 @@
                 <a:latin typeface="Times New Roman" panose="02020603050405020304" pitchFamily="18" charset="0"/>
                 <a:cs typeface="Times New Roman" panose="02020603050405020304" pitchFamily="18" charset="0"/>
               </a:rPr>
-              <a:t>getRoot</a:t>
-            </a:r>
-            <a:r>
-              <a:rPr lang="pt-BR" sz="2400" dirty="0">
-                <a:solidFill>
-                  <a:schemeClr val="tx1"/>
-                </a:solidFill>
-                <a:latin typeface="Times New Roman" panose="02020603050405020304" pitchFamily="18" charset="0"/>
-                <a:cs typeface="Times New Roman" panose="02020603050405020304" pitchFamily="18" charset="0"/>
-              </a:rPr>
-              <a:t>() {</a:t>
-            </a:r>
-          </a:p>
-          <a:p>
-            <a:pPr marL="0" indent="0" algn="just">
-              <a:buNone/>
-            </a:pPr>
-            <a:r>
-              <a:rPr lang="pt-BR" sz="2400" dirty="0">
-                <a:solidFill>
-                  <a:schemeClr val="tx1"/>
-                </a:solidFill>
-                <a:latin typeface="Times New Roman" panose="02020603050405020304" pitchFamily="18" charset="0"/>
-                <a:cs typeface="Times New Roman" panose="02020603050405020304" pitchFamily="18" charset="0"/>
-              </a:rPr>
-              <a:t>        </a:t>
+              <a:t>tr</a:t>
+            </a:r>
+            <a:r>
+              <a:rPr lang="pt-BR" sz="2400" dirty="0">
+                <a:solidFill>
+                  <a:schemeClr val="tx1"/>
+                </a:solidFill>
+                <a:latin typeface="Times New Roman" panose="02020603050405020304" pitchFamily="18" charset="0"/>
+                <a:cs typeface="Times New Roman" panose="02020603050405020304" pitchFamily="18" charset="0"/>
+              </a:rPr>
+              <a:t>').</a:t>
             </a:r>
             <a:r>
               <a:rPr lang="pt-BR" sz="2400" b="1" dirty="0" err="1">
@@ -17736,17 +18064,17 @@
                 <a:latin typeface="Times New Roman" panose="02020603050405020304" pitchFamily="18" charset="0"/>
                 <a:cs typeface="Times New Roman" panose="02020603050405020304" pitchFamily="18" charset="0"/>
               </a:rPr>
-              <a:t>return</a:t>
-            </a:r>
-            <a:r>
-              <a:rPr lang="pt-BR" sz="2400" dirty="0">
-                <a:solidFill>
-                  <a:schemeClr val="tx1"/>
-                </a:solidFill>
-                <a:latin typeface="Times New Roman" panose="02020603050405020304" pitchFamily="18" charset="0"/>
-                <a:cs typeface="Times New Roman" panose="02020603050405020304" pitchFamily="18" charset="0"/>
-              </a:rPr>
-              <a:t> </a:t>
+              <a:t>filter</a:t>
+            </a:r>
+            <a:r>
+              <a:rPr lang="pt-BR" sz="2400" dirty="0">
+                <a:solidFill>
+                  <a:schemeClr val="tx1"/>
+                </a:solidFill>
+                <a:latin typeface="Times New Roman" panose="02020603050405020304" pitchFamily="18" charset="0"/>
+                <a:cs typeface="Times New Roman" panose="02020603050405020304" pitchFamily="18" charset="0"/>
+              </a:rPr>
+              <a:t>(</a:t>
             </a:r>
             <a:r>
               <a:rPr lang="pt-BR" sz="2400" dirty="0" err="1">
@@ -17756,17 +18084,92 @@
                 <a:latin typeface="Times New Roman" panose="02020603050405020304" pitchFamily="18" charset="0"/>
                 <a:cs typeface="Times New Roman" panose="02020603050405020304" pitchFamily="18" charset="0"/>
               </a:rPr>
-              <a:t>win.location.protocol</a:t>
-            </a:r>
-            <a:r>
-              <a:rPr lang="pt-BR" sz="2400" dirty="0">
-                <a:solidFill>
-                  <a:schemeClr val="tx1"/>
-                </a:solidFill>
-                <a:latin typeface="Times New Roman" panose="02020603050405020304" pitchFamily="18" charset="0"/>
-                <a:cs typeface="Times New Roman" panose="02020603050405020304" pitchFamily="18" charset="0"/>
-              </a:rPr>
-              <a:t> + </a:t>
+              <a:t>function</a:t>
+            </a:r>
+            <a:r>
+              <a:rPr lang="pt-BR" sz="2400" dirty="0">
+                <a:solidFill>
+                  <a:schemeClr val="tx1"/>
+                </a:solidFill>
+                <a:latin typeface="Times New Roman" panose="02020603050405020304" pitchFamily="18" charset="0"/>
+                <a:cs typeface="Times New Roman" panose="02020603050405020304" pitchFamily="18" charset="0"/>
+              </a:rPr>
+              <a:t>(){</a:t>
+            </a:r>
+          </a:p>
+          <a:p>
+            <a:pPr marL="0" indent="0" algn="just">
+              <a:buNone/>
+            </a:pPr>
+            <a:r>
+              <a:rPr lang="pt-BR" sz="2400" dirty="0">
+                <a:solidFill>
+                  <a:schemeClr val="tx1"/>
+                </a:solidFill>
+                <a:latin typeface="Times New Roman" panose="02020603050405020304" pitchFamily="18" charset="0"/>
+                <a:cs typeface="Times New Roman" panose="02020603050405020304" pitchFamily="18" charset="0"/>
+              </a:rPr>
+              <a:t>              	$(</a:t>
+            </a:r>
+            <a:r>
+              <a:rPr lang="pt-BR" sz="2400" b="1" dirty="0" err="1">
+                <a:solidFill>
+                  <a:schemeClr val="tx1"/>
+                </a:solidFill>
+                <a:latin typeface="Times New Roman" panose="02020603050405020304" pitchFamily="18" charset="0"/>
+                <a:cs typeface="Times New Roman" panose="02020603050405020304" pitchFamily="18" charset="0"/>
+              </a:rPr>
+              <a:t>this</a:t>
+            </a:r>
+            <a:r>
+              <a:rPr lang="pt-BR" sz="2400" dirty="0">
+                <a:solidFill>
+                  <a:schemeClr val="tx1"/>
+                </a:solidFill>
+                <a:latin typeface="Times New Roman" panose="02020603050405020304" pitchFamily="18" charset="0"/>
+                <a:cs typeface="Times New Roman" panose="02020603050405020304" pitchFamily="18" charset="0"/>
+              </a:rPr>
+              <a:t>).</a:t>
+            </a:r>
+            <a:r>
+              <a:rPr lang="pt-BR" sz="2400" b="1" dirty="0" err="1">
+                <a:solidFill>
+                  <a:srgbClr val="FF0000"/>
+                </a:solidFill>
+                <a:latin typeface="Times New Roman" panose="02020603050405020304" pitchFamily="18" charset="0"/>
+                <a:cs typeface="Times New Roman" panose="02020603050405020304" pitchFamily="18" charset="0"/>
+              </a:rPr>
+              <a:t>toggle</a:t>
+            </a:r>
+            <a:r>
+              <a:rPr lang="pt-BR" sz="2400" dirty="0">
+                <a:solidFill>
+                  <a:schemeClr val="tx1"/>
+                </a:solidFill>
+                <a:latin typeface="Times New Roman" panose="02020603050405020304" pitchFamily="18" charset="0"/>
+                <a:cs typeface="Times New Roman" panose="02020603050405020304" pitchFamily="18" charset="0"/>
+              </a:rPr>
+              <a:t>($(</a:t>
+            </a:r>
+            <a:r>
+              <a:rPr lang="pt-BR" sz="2400" b="1" dirty="0" err="1">
+                <a:solidFill>
+                  <a:schemeClr val="tx1"/>
+                </a:solidFill>
+                <a:latin typeface="Times New Roman" panose="02020603050405020304" pitchFamily="18" charset="0"/>
+                <a:cs typeface="Times New Roman" panose="02020603050405020304" pitchFamily="18" charset="0"/>
+              </a:rPr>
+              <a:t>this</a:t>
+            </a:r>
+            <a:r>
+              <a:rPr lang="pt-BR" sz="2400" dirty="0">
+                <a:solidFill>
+                  <a:schemeClr val="tx1"/>
+                </a:solidFill>
+                <a:latin typeface="Times New Roman" panose="02020603050405020304" pitchFamily="18" charset="0"/>
+                <a:cs typeface="Times New Roman" panose="02020603050405020304" pitchFamily="18" charset="0"/>
+              </a:rPr>
+              <a:t>).</a:t>
             </a:r>
             <a:r>
               <a:rPr lang="pt-BR" sz="2400" dirty="0" err="1">
@@ -17776,59 +18179,17 @@
                 <a:latin typeface="Times New Roman" panose="02020603050405020304" pitchFamily="18" charset="0"/>
                 <a:cs typeface="Times New Roman" panose="02020603050405020304" pitchFamily="18" charset="0"/>
               </a:rPr>
-              <a:t>doc.location.hostname</a:t>
-            </a:r>
-            <a:r>
-              <a:rPr lang="pt-BR" sz="2400" dirty="0">
-                <a:solidFill>
-                  <a:schemeClr val="tx1"/>
-                </a:solidFill>
-                <a:latin typeface="Times New Roman" panose="02020603050405020304" pitchFamily="18" charset="0"/>
-                <a:cs typeface="Times New Roman" panose="02020603050405020304" pitchFamily="18" charset="0"/>
-              </a:rPr>
-              <a:t>;</a:t>
-            </a:r>
-          </a:p>
-          <a:p>
-            <a:pPr marL="0" indent="0" algn="just">
-              <a:buNone/>
-            </a:pPr>
-            <a:r>
-              <a:rPr lang="pt-BR" sz="2400" dirty="0">
-                <a:solidFill>
-                  <a:schemeClr val="tx1"/>
-                </a:solidFill>
-                <a:latin typeface="Times New Roman" panose="02020603050405020304" pitchFamily="18" charset="0"/>
-                <a:cs typeface="Times New Roman" panose="02020603050405020304" pitchFamily="18" charset="0"/>
-              </a:rPr>
-              <a:t>      }</a:t>
-            </a:r>
-          </a:p>
-          <a:p>
-            <a:pPr marL="0" indent="0" algn="just">
-              <a:buNone/>
-            </a:pPr>
-            <a:endParaRPr lang="pt-BR" sz="2400" dirty="0">
-              <a:solidFill>
-                <a:schemeClr val="tx1"/>
-              </a:solidFill>
-              <a:latin typeface="Times New Roman" panose="02020603050405020304" pitchFamily="18" charset="0"/>
-              <a:cs typeface="Times New Roman" panose="02020603050405020304" pitchFamily="18" charset="0"/>
-            </a:endParaRPr>
-          </a:p>
-          <a:p>
-            <a:pPr marL="0" indent="0" algn="just">
-              <a:buNone/>
-            </a:pPr>
-            <a:r>
-              <a:rPr lang="pt-BR" sz="2400" dirty="0">
-                <a:solidFill>
-                  <a:schemeClr val="tx1"/>
-                </a:solidFill>
-                <a:latin typeface="Times New Roman" panose="02020603050405020304" pitchFamily="18" charset="0"/>
-                <a:cs typeface="Times New Roman" panose="02020603050405020304" pitchFamily="18" charset="0"/>
-              </a:rPr>
-              <a:t>      </a:t>
+              <a:t>text</a:t>
+            </a:r>
+            <a:r>
+              <a:rPr lang="pt-BR" sz="2400" dirty="0">
+                <a:solidFill>
+                  <a:schemeClr val="tx1"/>
+                </a:solidFill>
+                <a:latin typeface="Times New Roman" panose="02020603050405020304" pitchFamily="18" charset="0"/>
+                <a:cs typeface="Times New Roman" panose="02020603050405020304" pitchFamily="18" charset="0"/>
+              </a:rPr>
+              <a:t>().</a:t>
             </a:r>
             <a:r>
               <a:rPr lang="pt-BR" sz="2400" b="1" dirty="0" err="1">
@@ -17838,127 +18199,82 @@
                 <a:latin typeface="Times New Roman" panose="02020603050405020304" pitchFamily="18" charset="0"/>
                 <a:cs typeface="Times New Roman" panose="02020603050405020304" pitchFamily="18" charset="0"/>
               </a:rPr>
-              <a:t>alert</a:t>
-            </a:r>
-            <a:r>
-              <a:rPr lang="pt-BR" sz="2400" dirty="0">
-                <a:solidFill>
-                  <a:schemeClr val="tx1"/>
-                </a:solidFill>
-                <a:latin typeface="Times New Roman" panose="02020603050405020304" pitchFamily="18" charset="0"/>
-                <a:cs typeface="Times New Roman" panose="02020603050405020304" pitchFamily="18" charset="0"/>
-              </a:rPr>
-              <a:t>('</a:t>
-            </a:r>
-            <a:r>
-              <a:rPr lang="pt-BR" sz="2400" dirty="0" err="1">
-                <a:solidFill>
-                  <a:schemeClr val="tx1"/>
-                </a:solidFill>
-                <a:latin typeface="Times New Roman" panose="02020603050405020304" pitchFamily="18" charset="0"/>
-                <a:cs typeface="Times New Roman" panose="02020603050405020304" pitchFamily="18" charset="0"/>
-              </a:rPr>
-              <a:t>oiiii</a:t>
-            </a:r>
-            <a:r>
-              <a:rPr lang="pt-BR" sz="2400" dirty="0">
-                <a:solidFill>
-                  <a:schemeClr val="tx1"/>
-                </a:solidFill>
-                <a:latin typeface="Times New Roman" panose="02020603050405020304" pitchFamily="18" charset="0"/>
-                <a:cs typeface="Times New Roman" panose="02020603050405020304" pitchFamily="18" charset="0"/>
-              </a:rPr>
-              <a:t>' + </a:t>
-            </a:r>
-            <a:r>
-              <a:rPr lang="pt-BR" sz="2400" dirty="0" err="1">
-                <a:solidFill>
-                  <a:schemeClr val="tx1"/>
-                </a:solidFill>
-                <a:latin typeface="Times New Roman" panose="02020603050405020304" pitchFamily="18" charset="0"/>
-                <a:cs typeface="Times New Roman" panose="02020603050405020304" pitchFamily="18" charset="0"/>
-              </a:rPr>
-              <a:t>getRoot</a:t>
-            </a:r>
-            <a:r>
-              <a:rPr lang="pt-BR" sz="2400" dirty="0">
-                <a:solidFill>
-                  <a:schemeClr val="tx1"/>
-                </a:solidFill>
-                <a:latin typeface="Times New Roman" panose="02020603050405020304" pitchFamily="18" charset="0"/>
-                <a:cs typeface="Times New Roman" panose="02020603050405020304" pitchFamily="18" charset="0"/>
-              </a:rPr>
-              <a:t>());</a:t>
-            </a:r>
-          </a:p>
-          <a:p>
-            <a:pPr marL="0" indent="0" algn="just">
-              <a:buNone/>
-            </a:pPr>
-            <a:r>
-              <a:rPr lang="pt-BR" sz="2400" dirty="0">
-                <a:solidFill>
-                  <a:schemeClr val="tx1"/>
-                </a:solidFill>
-                <a:latin typeface="Times New Roman" panose="02020603050405020304" pitchFamily="18" charset="0"/>
-                <a:cs typeface="Times New Roman" panose="02020603050405020304" pitchFamily="18" charset="0"/>
-              </a:rPr>
-              <a:t>    })(</a:t>
+              <a:t>toLowerCase</a:t>
+            </a:r>
+            <a:r>
+              <a:rPr lang="pt-BR" sz="2400" dirty="0">
+                <a:solidFill>
+                  <a:schemeClr val="tx1"/>
+                </a:solidFill>
+                <a:latin typeface="Times New Roman" panose="02020603050405020304" pitchFamily="18" charset="0"/>
+                <a:cs typeface="Times New Roman" panose="02020603050405020304" pitchFamily="18" charset="0"/>
+              </a:rPr>
+              <a:t>().</a:t>
             </a:r>
             <a:r>
               <a:rPr lang="pt-BR" sz="2400" b="1" dirty="0" err="1">
                 <a:solidFill>
-                  <a:srgbClr val="FF0000"/>
-                </a:solidFill>
-                <a:latin typeface="Times New Roman" panose="02020603050405020304" pitchFamily="18" charset="0"/>
-                <a:cs typeface="Times New Roman" panose="02020603050405020304" pitchFamily="18" charset="0"/>
-              </a:rPr>
-              <a:t>window</a:t>
-            </a:r>
-            <a:r>
-              <a:rPr lang="pt-BR" sz="2400" dirty="0">
-                <a:solidFill>
-                  <a:schemeClr val="tx1"/>
-                </a:solidFill>
-                <a:latin typeface="Times New Roman" panose="02020603050405020304" pitchFamily="18" charset="0"/>
-                <a:cs typeface="Times New Roman" panose="02020603050405020304" pitchFamily="18" charset="0"/>
-              </a:rPr>
-              <a:t>, </a:t>
-            </a:r>
-            <a:r>
-              <a:rPr lang="pt-BR" sz="2400" b="1" dirty="0" err="1">
-                <a:solidFill>
-                  <a:srgbClr val="FF0000"/>
-                </a:solidFill>
-                <a:latin typeface="Times New Roman" panose="02020603050405020304" pitchFamily="18" charset="0"/>
-                <a:cs typeface="Times New Roman" panose="02020603050405020304" pitchFamily="18" charset="0"/>
-              </a:rPr>
-              <a:t>document</a:t>
-            </a:r>
-            <a:r>
-              <a:rPr lang="pt-BR" sz="2400" dirty="0">
-                <a:solidFill>
-                  <a:schemeClr val="tx1"/>
-                </a:solidFill>
-                <a:latin typeface="Times New Roman" panose="02020603050405020304" pitchFamily="18" charset="0"/>
-                <a:cs typeface="Times New Roman" panose="02020603050405020304" pitchFamily="18" charset="0"/>
-              </a:rPr>
-              <a:t>);</a:t>
-            </a:r>
-          </a:p>
-          <a:p>
-            <a:pPr marL="0" indent="0" algn="just">
-              <a:buNone/>
-            </a:pPr>
-            <a:r>
-              <a:rPr lang="pt-BR" sz="2400" dirty="0">
-                <a:solidFill>
-                  <a:schemeClr val="tx1"/>
-                </a:solidFill>
-                <a:latin typeface="Times New Roman" panose="02020603050405020304" pitchFamily="18" charset="0"/>
-                <a:cs typeface="Times New Roman" panose="02020603050405020304" pitchFamily="18" charset="0"/>
-              </a:rPr>
-              <a:t> </a:t>
+                  <a:schemeClr val="tx1"/>
+                </a:solidFill>
+                <a:latin typeface="Times New Roman" panose="02020603050405020304" pitchFamily="18" charset="0"/>
+                <a:cs typeface="Times New Roman" panose="02020603050405020304" pitchFamily="18" charset="0"/>
+              </a:rPr>
+              <a:t>indexOf</a:t>
+            </a:r>
+            <a:r>
+              <a:rPr lang="pt-BR" sz="2400" dirty="0">
+                <a:solidFill>
+                  <a:schemeClr val="tx1"/>
+                </a:solidFill>
+                <a:latin typeface="Times New Roman" panose="02020603050405020304" pitchFamily="18" charset="0"/>
+                <a:cs typeface="Times New Roman" panose="02020603050405020304" pitchFamily="18" charset="0"/>
+              </a:rPr>
+              <a:t>(valor) &gt; -1);</a:t>
+            </a:r>
+          </a:p>
+          <a:p>
+            <a:pPr marL="0" indent="0" algn="just">
+              <a:buNone/>
+            </a:pPr>
+            <a:r>
+              <a:rPr lang="pt-BR" sz="2400" dirty="0">
+                <a:solidFill>
+                  <a:schemeClr val="tx1"/>
+                </a:solidFill>
+                <a:latin typeface="Times New Roman" panose="02020603050405020304" pitchFamily="18" charset="0"/>
+                <a:cs typeface="Times New Roman" panose="02020603050405020304" pitchFamily="18" charset="0"/>
+              </a:rPr>
+              <a:t>            }); </a:t>
+            </a:r>
+          </a:p>
+          <a:p>
+            <a:pPr marL="0" indent="0" algn="just">
+              <a:buNone/>
+            </a:pPr>
+            <a:r>
+              <a:rPr lang="pt-BR" sz="2400" dirty="0">
+                <a:solidFill>
+                  <a:schemeClr val="tx1"/>
+                </a:solidFill>
+                <a:latin typeface="Times New Roman" panose="02020603050405020304" pitchFamily="18" charset="0"/>
+                <a:cs typeface="Times New Roman" panose="02020603050405020304" pitchFamily="18" charset="0"/>
+              </a:rPr>
+              <a:t>      });</a:t>
+            </a:r>
+          </a:p>
+          <a:p>
+            <a:pPr marL="0" indent="0" algn="just">
+              <a:buNone/>
+            </a:pPr>
+            <a:r>
+              <a:rPr lang="pt-BR" sz="2400" dirty="0">
+                <a:solidFill>
+                  <a:schemeClr val="tx1"/>
+                </a:solidFill>
+                <a:latin typeface="Times New Roman" panose="02020603050405020304" pitchFamily="18" charset="0"/>
+                <a:cs typeface="Times New Roman" panose="02020603050405020304" pitchFamily="18" charset="0"/>
+              </a:rPr>
+              <a:t>});</a:t>
             </a:r>
           </a:p>
         </p:txBody>
@@ -18022,7 +18338,7 @@
                   <a:srgbClr val="0070C0"/>
                 </a:solidFill>
               </a:rPr>
-              <a:t>Leitura</a:t>
+              <a:t>JQuery</a:t>
             </a:r>
             <a:r>
               <a:rPr lang="en-US" b="1" dirty="0">
@@ -18030,21 +18346,8 @@
                   <a:srgbClr val="0070C0"/>
                 </a:solidFill>
               </a:rPr>
-              <a:t> </a:t>
-            </a:r>
-            <a:r>
-              <a:rPr lang="en-US" b="1" dirty="0" err="1">
-                <a:solidFill>
-                  <a:srgbClr val="0070C0"/>
-                </a:solidFill>
-              </a:rPr>
-              <a:t>Específica</a:t>
-            </a:r>
-            <a:endParaRPr lang="en-US" b="1" dirty="0">
-              <a:solidFill>
-                <a:srgbClr val="0070C0"/>
-              </a:solidFill>
-            </a:endParaRPr>
+              <a:t> – DOM Filter Lista</a:t>
+            </a:r>
           </a:p>
         </p:txBody>
       </p:sp>
@@ -18060,8 +18363,8 @@
         </p:nvSpPr>
         <p:spPr>
           <a:xfrm>
-            <a:off x="142865" y="1012261"/>
-            <a:ext cx="8865056" cy="3835312"/>
+            <a:off x="142865" y="1049837"/>
+            <a:ext cx="8865056" cy="3960573"/>
           </a:xfrm>
         </p:spPr>
         <p:txBody>
@@ -18074,202 +18377,607 @@
               <a:buNone/>
             </a:pPr>
             <a:r>
-              <a:rPr lang="pt-BR" sz="2000" dirty="0">
-                <a:latin typeface="Times New Roman" panose="02020603050405020304" pitchFamily="18" charset="0"/>
-                <a:cs typeface="Times New Roman" panose="02020603050405020304" pitchFamily="18" charset="0"/>
-              </a:rPr>
-              <a:t>[1] </a:t>
-            </a:r>
-            <a:r>
-              <a:rPr lang="pt-BR" sz="2000" b="1" dirty="0" err="1">
-                <a:latin typeface="Times New Roman" panose="02020603050405020304" pitchFamily="18" charset="0"/>
-                <a:cs typeface="Times New Roman" panose="02020603050405020304" pitchFamily="18" charset="0"/>
-              </a:rPr>
-              <a:t>JQuery</a:t>
-            </a:r>
-            <a:endParaRPr lang="pt-BR" sz="2000" dirty="0">
-              <a:latin typeface="Times New Roman" panose="02020603050405020304" pitchFamily="18" charset="0"/>
-              <a:cs typeface="Times New Roman" panose="02020603050405020304" pitchFamily="18" charset="0"/>
-            </a:endParaRPr>
-          </a:p>
-          <a:p>
-            <a:pPr marL="0" indent="0" algn="just">
-              <a:buNone/>
-            </a:pPr>
-            <a:r>
-              <a:rPr lang="pt-BR" sz="2000" b="1" dirty="0">
-                <a:latin typeface="Times New Roman" panose="02020603050405020304" pitchFamily="18" charset="0"/>
-                <a:cs typeface="Times New Roman" panose="02020603050405020304" pitchFamily="18" charset="0"/>
-              </a:rPr>
-              <a:t>	Disponível em</a:t>
-            </a:r>
-            <a:r>
-              <a:rPr lang="pt-BR" sz="2000" dirty="0">
-                <a:latin typeface="Times New Roman" panose="02020603050405020304" pitchFamily="18" charset="0"/>
-                <a:cs typeface="Times New Roman" panose="02020603050405020304" pitchFamily="18" charset="0"/>
-              </a:rPr>
-              <a:t>: </a:t>
-            </a:r>
-            <a:r>
-              <a:rPr lang="pt-BR" sz="2000" dirty="0">
-                <a:latin typeface="Times New Roman" panose="02020603050405020304" pitchFamily="18" charset="0"/>
-                <a:cs typeface="Times New Roman" panose="02020603050405020304" pitchFamily="18" charset="0"/>
-                <a:hlinkClick r:id="rId3"/>
-              </a:rPr>
-              <a:t>https://jquery.com/</a:t>
-            </a:r>
-            <a:endParaRPr lang="pt-BR" sz="2000" dirty="0">
-              <a:latin typeface="Times New Roman" panose="02020603050405020304" pitchFamily="18" charset="0"/>
-              <a:cs typeface="Times New Roman" panose="02020603050405020304" pitchFamily="18" charset="0"/>
-            </a:endParaRPr>
-          </a:p>
-          <a:p>
-            <a:pPr marL="0" indent="0" algn="just">
-              <a:buNone/>
-            </a:pPr>
-            <a:endParaRPr lang="pt-BR" sz="2000" dirty="0">
-              <a:latin typeface="Times New Roman" panose="02020603050405020304" pitchFamily="18" charset="0"/>
-              <a:cs typeface="Times New Roman" panose="02020603050405020304" pitchFamily="18" charset="0"/>
-            </a:endParaRPr>
-          </a:p>
-          <a:p>
-            <a:pPr marL="0" indent="0" algn="just">
-              <a:buNone/>
-            </a:pPr>
-            <a:r>
-              <a:rPr lang="pt-BR" sz="2000" dirty="0">
-                <a:latin typeface="Times New Roman" panose="02020603050405020304" pitchFamily="18" charset="0"/>
-                <a:cs typeface="Times New Roman" panose="02020603050405020304" pitchFamily="18" charset="0"/>
-              </a:rPr>
-              <a:t>[2] </a:t>
-            </a:r>
-            <a:r>
-              <a:rPr lang="pt-BR" sz="2000" b="1" dirty="0">
-                <a:latin typeface="Times New Roman" panose="02020603050405020304" pitchFamily="18" charset="0"/>
-                <a:cs typeface="Times New Roman" panose="02020603050405020304" pitchFamily="18" charset="0"/>
-              </a:rPr>
-              <a:t>Devmedia</a:t>
-            </a:r>
-          </a:p>
-          <a:p>
-            <a:pPr marL="0" indent="0" algn="just">
-              <a:buNone/>
-            </a:pPr>
-            <a:r>
-              <a:rPr lang="pt-BR" sz="2000" dirty="0">
-                <a:latin typeface="Times New Roman" panose="02020603050405020304" pitchFamily="18" charset="0"/>
-                <a:cs typeface="Times New Roman" panose="02020603050405020304" pitchFamily="18" charset="0"/>
-              </a:rPr>
-              <a:t>	</a:t>
-            </a:r>
-            <a:r>
-              <a:rPr lang="pt-BR" sz="2000" b="1" dirty="0">
-                <a:latin typeface="Times New Roman" panose="02020603050405020304" pitchFamily="18" charset="0"/>
-                <a:cs typeface="Times New Roman" panose="02020603050405020304" pitchFamily="18" charset="0"/>
-              </a:rPr>
-              <a:t> Disponível em</a:t>
-            </a:r>
-            <a:r>
-              <a:rPr lang="pt-BR" sz="2000" dirty="0">
-                <a:latin typeface="Times New Roman" panose="02020603050405020304" pitchFamily="18" charset="0"/>
-                <a:cs typeface="Times New Roman" panose="02020603050405020304" pitchFamily="18" charset="0"/>
-              </a:rPr>
-              <a:t>: </a:t>
-            </a:r>
-            <a:r>
-              <a:rPr lang="pt-BR" sz="2000" dirty="0">
-                <a:latin typeface="Times New Roman" panose="02020603050405020304" pitchFamily="18" charset="0"/>
-                <a:cs typeface="Times New Roman" panose="02020603050405020304" pitchFamily="18" charset="0"/>
-                <a:hlinkClick r:id="rId4"/>
-              </a:rPr>
-              <a:t>https://www.devmedia.com.br/jquery-tutorial/27299</a:t>
-            </a:r>
-            <a:endParaRPr lang="pt-BR" sz="2000" dirty="0">
-              <a:latin typeface="Times New Roman" panose="02020603050405020304" pitchFamily="18" charset="0"/>
-              <a:cs typeface="Times New Roman" panose="02020603050405020304" pitchFamily="18" charset="0"/>
-            </a:endParaRPr>
-          </a:p>
-          <a:p>
-            <a:pPr marL="0" indent="0" algn="just">
-              <a:buNone/>
-            </a:pPr>
-            <a:endParaRPr lang="pt-BR" sz="2000" dirty="0">
-              <a:latin typeface="Times New Roman" panose="02020603050405020304" pitchFamily="18" charset="0"/>
-              <a:cs typeface="Times New Roman" panose="02020603050405020304" pitchFamily="18" charset="0"/>
-            </a:endParaRPr>
-          </a:p>
-          <a:p>
-            <a:pPr marL="0" indent="0" algn="just">
-              <a:buNone/>
-            </a:pPr>
-            <a:r>
-              <a:rPr lang="pt-BR" sz="2000" dirty="0">
-                <a:latin typeface="Times New Roman" panose="02020603050405020304" pitchFamily="18" charset="0"/>
-                <a:cs typeface="Times New Roman" panose="02020603050405020304" pitchFamily="18" charset="0"/>
-              </a:rPr>
-              <a:t>[3] </a:t>
-            </a:r>
-            <a:r>
-              <a:rPr lang="pt-BR" sz="2000" b="1" dirty="0">
-                <a:latin typeface="Times New Roman" panose="02020603050405020304" pitchFamily="18" charset="0"/>
-                <a:cs typeface="Times New Roman" panose="02020603050405020304" pitchFamily="18" charset="0"/>
-              </a:rPr>
-              <a:t>W3Schools</a:t>
-            </a:r>
-          </a:p>
-          <a:p>
-            <a:pPr marL="0" indent="0" algn="just">
-              <a:buNone/>
-            </a:pPr>
-            <a:r>
-              <a:rPr lang="pt-BR" sz="2000" dirty="0">
-                <a:latin typeface="Times New Roman" panose="02020603050405020304" pitchFamily="18" charset="0"/>
-                <a:cs typeface="Times New Roman" panose="02020603050405020304" pitchFamily="18" charset="0"/>
-              </a:rPr>
-              <a:t>	</a:t>
-            </a:r>
-            <a:r>
-              <a:rPr lang="pt-BR" sz="2000" b="1" dirty="0">
-                <a:latin typeface="Times New Roman" panose="02020603050405020304" pitchFamily="18" charset="0"/>
-                <a:cs typeface="Times New Roman" panose="02020603050405020304" pitchFamily="18" charset="0"/>
-              </a:rPr>
-              <a:t> Disponível em</a:t>
-            </a:r>
-            <a:r>
-              <a:rPr lang="pt-BR" sz="2000" dirty="0">
-                <a:latin typeface="Times New Roman" panose="02020603050405020304" pitchFamily="18" charset="0"/>
-                <a:cs typeface="Times New Roman" panose="02020603050405020304" pitchFamily="18" charset="0"/>
-              </a:rPr>
-              <a:t>: </a:t>
-            </a:r>
-            <a:r>
-              <a:rPr lang="pt-BR" sz="2000" dirty="0">
-                <a:latin typeface="Times New Roman" panose="02020603050405020304" pitchFamily="18" charset="0"/>
-                <a:cs typeface="Times New Roman" panose="02020603050405020304" pitchFamily="18" charset="0"/>
-                <a:hlinkClick r:id="rId5"/>
-              </a:rPr>
-              <a:t>https://www.w3schools.com/jquery/default.asp</a:t>
-            </a:r>
-            <a:endParaRPr lang="pt-BR" sz="2000" dirty="0">
-              <a:latin typeface="Times New Roman" panose="02020603050405020304" pitchFamily="18" charset="0"/>
-              <a:cs typeface="Times New Roman" panose="02020603050405020304" pitchFamily="18" charset="0"/>
-            </a:endParaRPr>
-          </a:p>
-          <a:p>
-            <a:pPr marL="0" indent="0" algn="just">
-              <a:buNone/>
-            </a:pPr>
-            <a:endParaRPr lang="pt-BR" sz="2000" dirty="0">
-              <a:latin typeface="Times New Roman" panose="02020603050405020304" pitchFamily="18" charset="0"/>
-              <a:cs typeface="Times New Roman" panose="02020603050405020304" pitchFamily="18" charset="0"/>
-            </a:endParaRPr>
+              <a:rPr lang="pt-BR" sz="2400" dirty="0">
+                <a:solidFill>
+                  <a:schemeClr val="tx1"/>
+                </a:solidFill>
+                <a:latin typeface="Times New Roman" panose="02020603050405020304" pitchFamily="18" charset="0"/>
+                <a:cs typeface="Times New Roman" panose="02020603050405020304" pitchFamily="18" charset="0"/>
+              </a:rPr>
+              <a:t>$(</a:t>
+            </a:r>
+            <a:r>
+              <a:rPr lang="pt-BR" sz="2400" b="1" dirty="0" err="1">
+                <a:solidFill>
+                  <a:schemeClr val="tx1"/>
+                </a:solidFill>
+                <a:latin typeface="Times New Roman" panose="02020603050405020304" pitchFamily="18" charset="0"/>
+                <a:cs typeface="Times New Roman" panose="02020603050405020304" pitchFamily="18" charset="0"/>
+              </a:rPr>
+              <a:t>document</a:t>
+            </a:r>
+            <a:r>
+              <a:rPr lang="pt-BR" sz="2400" dirty="0">
+                <a:solidFill>
+                  <a:schemeClr val="tx1"/>
+                </a:solidFill>
+                <a:latin typeface="Times New Roman" panose="02020603050405020304" pitchFamily="18" charset="0"/>
+                <a:cs typeface="Times New Roman" panose="02020603050405020304" pitchFamily="18" charset="0"/>
+              </a:rPr>
+              <a:t>).</a:t>
+            </a:r>
+            <a:r>
+              <a:rPr lang="pt-BR" sz="2400" dirty="0" err="1">
+                <a:solidFill>
+                  <a:schemeClr val="tx1"/>
+                </a:solidFill>
+                <a:latin typeface="Times New Roman" panose="02020603050405020304" pitchFamily="18" charset="0"/>
+                <a:cs typeface="Times New Roman" panose="02020603050405020304" pitchFamily="18" charset="0"/>
+              </a:rPr>
+              <a:t>ready</a:t>
+            </a:r>
+            <a:r>
+              <a:rPr lang="pt-BR" sz="2400" dirty="0">
+                <a:solidFill>
+                  <a:schemeClr val="tx1"/>
+                </a:solidFill>
+                <a:latin typeface="Times New Roman" panose="02020603050405020304" pitchFamily="18" charset="0"/>
+                <a:cs typeface="Times New Roman" panose="02020603050405020304" pitchFamily="18" charset="0"/>
+              </a:rPr>
+              <a:t>(</a:t>
+            </a:r>
+            <a:r>
+              <a:rPr lang="pt-BR" sz="2400" b="1" dirty="0" err="1">
+                <a:solidFill>
+                  <a:schemeClr val="tx1"/>
+                </a:solidFill>
+                <a:latin typeface="Times New Roman" panose="02020603050405020304" pitchFamily="18" charset="0"/>
+                <a:cs typeface="Times New Roman" panose="02020603050405020304" pitchFamily="18" charset="0"/>
+              </a:rPr>
+              <a:t>function</a:t>
+            </a:r>
+            <a:r>
+              <a:rPr lang="pt-BR" sz="2400" dirty="0">
+                <a:solidFill>
+                  <a:schemeClr val="tx1"/>
+                </a:solidFill>
+                <a:latin typeface="Times New Roman" panose="02020603050405020304" pitchFamily="18" charset="0"/>
+                <a:cs typeface="Times New Roman" panose="02020603050405020304" pitchFamily="18" charset="0"/>
+              </a:rPr>
+              <a:t> () { // input/</a:t>
+            </a:r>
+            <a:r>
+              <a:rPr lang="pt-BR" sz="2400" dirty="0" err="1">
+                <a:solidFill>
+                  <a:schemeClr val="tx1"/>
+                </a:solidFill>
+                <a:latin typeface="Times New Roman" panose="02020603050405020304" pitchFamily="18" charset="0"/>
+                <a:cs typeface="Times New Roman" panose="02020603050405020304" pitchFamily="18" charset="0"/>
+              </a:rPr>
+              <a:t>text</a:t>
+            </a:r>
+            <a:r>
+              <a:rPr lang="pt-BR" sz="2400" dirty="0">
+                <a:solidFill>
+                  <a:schemeClr val="tx1"/>
+                </a:solidFill>
+                <a:latin typeface="Times New Roman" panose="02020603050405020304" pitchFamily="18" charset="0"/>
+                <a:cs typeface="Times New Roman" panose="02020603050405020304" pitchFamily="18" charset="0"/>
+              </a:rPr>
+              <a:t>; </a:t>
+            </a:r>
+            <a:r>
+              <a:rPr lang="pt-BR" sz="2400" dirty="0" err="1">
+                <a:solidFill>
+                  <a:schemeClr val="tx1"/>
+                </a:solidFill>
+                <a:latin typeface="Times New Roman" panose="02020603050405020304" pitchFamily="18" charset="0"/>
+                <a:cs typeface="Times New Roman" panose="02020603050405020304" pitchFamily="18" charset="0"/>
+              </a:rPr>
+              <a:t>ul</a:t>
+            </a:r>
+            <a:r>
+              <a:rPr lang="pt-BR" sz="2400" dirty="0">
+                <a:solidFill>
+                  <a:schemeClr val="tx1"/>
+                </a:solidFill>
+                <a:latin typeface="Times New Roman" panose="02020603050405020304" pitchFamily="18" charset="0"/>
+                <a:cs typeface="Times New Roman" panose="02020603050405020304" pitchFamily="18" charset="0"/>
+              </a:rPr>
+              <a:t>(id); li</a:t>
+            </a:r>
+          </a:p>
+          <a:p>
+            <a:pPr marL="0" indent="0" algn="just">
+              <a:buNone/>
+            </a:pPr>
+            <a:r>
+              <a:rPr lang="pt-BR" sz="2400" dirty="0">
+                <a:solidFill>
+                  <a:schemeClr val="tx1"/>
+                </a:solidFill>
+                <a:latin typeface="Times New Roman" panose="02020603050405020304" pitchFamily="18" charset="0"/>
+                <a:cs typeface="Times New Roman" panose="02020603050405020304" pitchFamily="18" charset="0"/>
+              </a:rPr>
+              <a:t>    $('#</a:t>
+            </a:r>
+            <a:r>
+              <a:rPr lang="pt-BR" sz="2400" b="1" dirty="0" err="1">
+                <a:solidFill>
+                  <a:schemeClr val="tx1"/>
+                </a:solidFill>
+                <a:latin typeface="Times New Roman" panose="02020603050405020304" pitchFamily="18" charset="0"/>
+                <a:cs typeface="Times New Roman" panose="02020603050405020304" pitchFamily="18" charset="0"/>
+              </a:rPr>
+              <a:t>inputLista</a:t>
+            </a:r>
+            <a:r>
+              <a:rPr lang="pt-BR" sz="2400" dirty="0">
+                <a:solidFill>
+                  <a:schemeClr val="tx1"/>
+                </a:solidFill>
+                <a:latin typeface="Times New Roman" panose="02020603050405020304" pitchFamily="18" charset="0"/>
+                <a:cs typeface="Times New Roman" panose="02020603050405020304" pitchFamily="18" charset="0"/>
+              </a:rPr>
+              <a:t>').</a:t>
+            </a:r>
+            <a:r>
+              <a:rPr lang="pt-BR" sz="2400" b="1" dirty="0" err="1">
+                <a:solidFill>
+                  <a:srgbClr val="FF0000"/>
+                </a:solidFill>
+                <a:latin typeface="Times New Roman" panose="02020603050405020304" pitchFamily="18" charset="0"/>
+                <a:cs typeface="Times New Roman" panose="02020603050405020304" pitchFamily="18" charset="0"/>
+              </a:rPr>
+              <a:t>keyup</a:t>
+            </a:r>
+            <a:r>
+              <a:rPr lang="pt-BR" sz="2400" dirty="0">
+                <a:solidFill>
+                  <a:schemeClr val="tx1"/>
+                </a:solidFill>
+                <a:latin typeface="Times New Roman" panose="02020603050405020304" pitchFamily="18" charset="0"/>
+                <a:cs typeface="Times New Roman" panose="02020603050405020304" pitchFamily="18" charset="0"/>
+              </a:rPr>
+              <a:t>(</a:t>
+            </a:r>
+            <a:r>
+              <a:rPr lang="pt-BR" sz="2400" b="1" dirty="0" err="1">
+                <a:solidFill>
+                  <a:schemeClr val="tx1"/>
+                </a:solidFill>
+                <a:latin typeface="Times New Roman" panose="02020603050405020304" pitchFamily="18" charset="0"/>
+                <a:cs typeface="Times New Roman" panose="02020603050405020304" pitchFamily="18" charset="0"/>
+              </a:rPr>
+              <a:t>function</a:t>
+            </a:r>
+            <a:r>
+              <a:rPr lang="pt-BR" sz="2400" dirty="0">
+                <a:solidFill>
+                  <a:schemeClr val="tx1"/>
+                </a:solidFill>
+                <a:latin typeface="Times New Roman" panose="02020603050405020304" pitchFamily="18" charset="0"/>
+                <a:cs typeface="Times New Roman" panose="02020603050405020304" pitchFamily="18" charset="0"/>
+              </a:rPr>
+              <a:t> () {</a:t>
+            </a:r>
+          </a:p>
+          <a:p>
+            <a:pPr marL="0" indent="0" algn="just">
+              <a:buNone/>
+            </a:pPr>
+            <a:r>
+              <a:rPr lang="pt-BR" sz="2400" dirty="0">
+                <a:solidFill>
+                  <a:schemeClr val="tx1"/>
+                </a:solidFill>
+                <a:latin typeface="Times New Roman" panose="02020603050405020304" pitchFamily="18" charset="0"/>
+                <a:cs typeface="Times New Roman" panose="02020603050405020304" pitchFamily="18" charset="0"/>
+              </a:rPr>
+              <a:t>         </a:t>
+            </a:r>
+            <a:r>
+              <a:rPr lang="pt-BR" sz="2400" b="1" dirty="0" err="1">
+                <a:solidFill>
+                  <a:schemeClr val="tx1"/>
+                </a:solidFill>
+                <a:latin typeface="Times New Roman" panose="02020603050405020304" pitchFamily="18" charset="0"/>
+                <a:cs typeface="Times New Roman" panose="02020603050405020304" pitchFamily="18" charset="0"/>
+              </a:rPr>
+              <a:t>let</a:t>
+            </a:r>
+            <a:r>
+              <a:rPr lang="pt-BR" sz="2400" dirty="0">
+                <a:solidFill>
+                  <a:schemeClr val="tx1"/>
+                </a:solidFill>
+                <a:latin typeface="Times New Roman" panose="02020603050405020304" pitchFamily="18" charset="0"/>
+                <a:cs typeface="Times New Roman" panose="02020603050405020304" pitchFamily="18" charset="0"/>
+              </a:rPr>
+              <a:t> </a:t>
+            </a:r>
+            <a:r>
+              <a:rPr lang="pt-BR" sz="2400" dirty="0" err="1">
+                <a:solidFill>
+                  <a:schemeClr val="tx1"/>
+                </a:solidFill>
+                <a:latin typeface="Times New Roman" panose="02020603050405020304" pitchFamily="18" charset="0"/>
+                <a:cs typeface="Times New Roman" panose="02020603050405020304" pitchFamily="18" charset="0"/>
+              </a:rPr>
+              <a:t>valorLista</a:t>
+            </a:r>
+            <a:r>
+              <a:rPr lang="pt-BR" sz="2400" dirty="0">
+                <a:solidFill>
+                  <a:schemeClr val="tx1"/>
+                </a:solidFill>
+                <a:latin typeface="Times New Roman" panose="02020603050405020304" pitchFamily="18" charset="0"/>
+                <a:cs typeface="Times New Roman" panose="02020603050405020304" pitchFamily="18" charset="0"/>
+              </a:rPr>
+              <a:t> = $(</a:t>
+            </a:r>
+            <a:r>
+              <a:rPr lang="pt-BR" sz="2400" dirty="0" err="1">
+                <a:solidFill>
+                  <a:schemeClr val="tx1"/>
+                </a:solidFill>
+                <a:latin typeface="Times New Roman" panose="02020603050405020304" pitchFamily="18" charset="0"/>
+                <a:cs typeface="Times New Roman" panose="02020603050405020304" pitchFamily="18" charset="0"/>
+              </a:rPr>
+              <a:t>this</a:t>
+            </a:r>
+            <a:r>
+              <a:rPr lang="pt-BR" sz="2400" dirty="0">
+                <a:solidFill>
+                  <a:schemeClr val="tx1"/>
+                </a:solidFill>
+                <a:latin typeface="Times New Roman" panose="02020603050405020304" pitchFamily="18" charset="0"/>
+                <a:cs typeface="Times New Roman" panose="02020603050405020304" pitchFamily="18" charset="0"/>
+              </a:rPr>
+              <a:t>).</a:t>
+            </a:r>
+            <a:r>
+              <a:rPr lang="pt-BR" sz="2400" dirty="0" err="1">
+                <a:solidFill>
+                  <a:schemeClr val="tx1"/>
+                </a:solidFill>
+                <a:latin typeface="Times New Roman" panose="02020603050405020304" pitchFamily="18" charset="0"/>
+                <a:cs typeface="Times New Roman" panose="02020603050405020304" pitchFamily="18" charset="0"/>
+              </a:rPr>
+              <a:t>val</a:t>
+            </a:r>
+            <a:r>
+              <a:rPr lang="pt-BR" sz="2400" dirty="0">
+                <a:solidFill>
+                  <a:schemeClr val="tx1"/>
+                </a:solidFill>
+                <a:latin typeface="Times New Roman" panose="02020603050405020304" pitchFamily="18" charset="0"/>
+                <a:cs typeface="Times New Roman" panose="02020603050405020304" pitchFamily="18" charset="0"/>
+              </a:rPr>
+              <a:t>().</a:t>
+            </a:r>
+            <a:r>
+              <a:rPr lang="pt-BR" sz="2400" b="1" dirty="0" err="1">
+                <a:solidFill>
+                  <a:schemeClr val="tx1"/>
+                </a:solidFill>
+                <a:latin typeface="Times New Roman" panose="02020603050405020304" pitchFamily="18" charset="0"/>
+                <a:cs typeface="Times New Roman" panose="02020603050405020304" pitchFamily="18" charset="0"/>
+              </a:rPr>
+              <a:t>toLowerCase</a:t>
+            </a:r>
+            <a:r>
+              <a:rPr lang="pt-BR" sz="2400" dirty="0">
+                <a:solidFill>
+                  <a:schemeClr val="tx1"/>
+                </a:solidFill>
+                <a:latin typeface="Times New Roman" panose="02020603050405020304" pitchFamily="18" charset="0"/>
+                <a:cs typeface="Times New Roman" panose="02020603050405020304" pitchFamily="18" charset="0"/>
+              </a:rPr>
+              <a:t>();</a:t>
+            </a:r>
+          </a:p>
+          <a:p>
+            <a:pPr marL="0" indent="0" algn="just">
+              <a:buNone/>
+            </a:pPr>
+            <a:r>
+              <a:rPr lang="pt-BR" sz="2400" dirty="0">
+                <a:solidFill>
+                  <a:schemeClr val="tx1"/>
+                </a:solidFill>
+                <a:latin typeface="Times New Roman" panose="02020603050405020304" pitchFamily="18" charset="0"/>
+                <a:cs typeface="Times New Roman" panose="02020603050405020304" pitchFamily="18" charset="0"/>
+              </a:rPr>
+              <a:t>         $('#</a:t>
+            </a:r>
+            <a:r>
+              <a:rPr lang="pt-BR" sz="2400" b="1" dirty="0">
+                <a:solidFill>
+                  <a:schemeClr val="tx1"/>
+                </a:solidFill>
+                <a:latin typeface="Times New Roman" panose="02020603050405020304" pitchFamily="18" charset="0"/>
+                <a:cs typeface="Times New Roman" panose="02020603050405020304" pitchFamily="18" charset="0"/>
+              </a:rPr>
+              <a:t>lista</a:t>
+            </a:r>
+            <a:r>
+              <a:rPr lang="pt-BR" sz="2400" dirty="0">
+                <a:solidFill>
+                  <a:schemeClr val="tx1"/>
+                </a:solidFill>
+                <a:latin typeface="Times New Roman" panose="02020603050405020304" pitchFamily="18" charset="0"/>
+                <a:cs typeface="Times New Roman" panose="02020603050405020304" pitchFamily="18" charset="0"/>
+              </a:rPr>
+              <a:t> </a:t>
+            </a:r>
+            <a:r>
+              <a:rPr lang="pt-BR" sz="2400" b="1" dirty="0">
+                <a:solidFill>
+                  <a:srgbClr val="FF0000"/>
+                </a:solidFill>
+                <a:latin typeface="Times New Roman" panose="02020603050405020304" pitchFamily="18" charset="0"/>
+                <a:cs typeface="Times New Roman" panose="02020603050405020304" pitchFamily="18" charset="0"/>
+              </a:rPr>
+              <a:t>li</a:t>
+            </a:r>
+            <a:r>
+              <a:rPr lang="pt-BR" sz="2400" dirty="0">
+                <a:solidFill>
+                  <a:schemeClr val="tx1"/>
+                </a:solidFill>
+                <a:latin typeface="Times New Roman" panose="02020603050405020304" pitchFamily="18" charset="0"/>
+                <a:cs typeface="Times New Roman" panose="02020603050405020304" pitchFamily="18" charset="0"/>
+              </a:rPr>
+              <a:t>').</a:t>
+            </a:r>
+            <a:r>
+              <a:rPr lang="pt-BR" sz="2400" dirty="0" err="1">
+                <a:solidFill>
+                  <a:schemeClr val="tx1"/>
+                </a:solidFill>
+                <a:latin typeface="Times New Roman" panose="02020603050405020304" pitchFamily="18" charset="0"/>
+                <a:cs typeface="Times New Roman" panose="02020603050405020304" pitchFamily="18" charset="0"/>
+              </a:rPr>
+              <a:t>filter</a:t>
+            </a:r>
+            <a:r>
+              <a:rPr lang="pt-BR" sz="2400" dirty="0">
+                <a:solidFill>
+                  <a:schemeClr val="tx1"/>
+                </a:solidFill>
+                <a:latin typeface="Times New Roman" panose="02020603050405020304" pitchFamily="18" charset="0"/>
+                <a:cs typeface="Times New Roman" panose="02020603050405020304" pitchFamily="18" charset="0"/>
+              </a:rPr>
+              <a:t>(</a:t>
+            </a:r>
+            <a:r>
+              <a:rPr lang="pt-BR" sz="2400" b="1" dirty="0" err="1">
+                <a:solidFill>
+                  <a:schemeClr val="tx1"/>
+                </a:solidFill>
+                <a:latin typeface="Times New Roman" panose="02020603050405020304" pitchFamily="18" charset="0"/>
+                <a:cs typeface="Times New Roman" panose="02020603050405020304" pitchFamily="18" charset="0"/>
+              </a:rPr>
+              <a:t>function</a:t>
+            </a:r>
+            <a:r>
+              <a:rPr lang="pt-BR" sz="2400" dirty="0">
+                <a:solidFill>
+                  <a:schemeClr val="tx1"/>
+                </a:solidFill>
+                <a:latin typeface="Times New Roman" panose="02020603050405020304" pitchFamily="18" charset="0"/>
+                <a:cs typeface="Times New Roman" panose="02020603050405020304" pitchFamily="18" charset="0"/>
+              </a:rPr>
+              <a:t> () {</a:t>
+            </a:r>
+          </a:p>
+          <a:p>
+            <a:pPr marL="0" indent="0" algn="just">
+              <a:buNone/>
+            </a:pPr>
+            <a:r>
+              <a:rPr lang="pt-BR" sz="2400" dirty="0">
+                <a:solidFill>
+                  <a:schemeClr val="tx1"/>
+                </a:solidFill>
+                <a:latin typeface="Times New Roman" panose="02020603050405020304" pitchFamily="18" charset="0"/>
+                <a:cs typeface="Times New Roman" panose="02020603050405020304" pitchFamily="18" charset="0"/>
+              </a:rPr>
+              <a:t>             $(</a:t>
+            </a:r>
+            <a:r>
+              <a:rPr lang="pt-BR" sz="2400" b="1" dirty="0" err="1">
+                <a:solidFill>
+                  <a:schemeClr val="tx1"/>
+                </a:solidFill>
+                <a:latin typeface="Times New Roman" panose="02020603050405020304" pitchFamily="18" charset="0"/>
+                <a:cs typeface="Times New Roman" panose="02020603050405020304" pitchFamily="18" charset="0"/>
+              </a:rPr>
+              <a:t>this</a:t>
+            </a:r>
+            <a:r>
+              <a:rPr lang="pt-BR" sz="2400" dirty="0">
+                <a:solidFill>
+                  <a:schemeClr val="tx1"/>
+                </a:solidFill>
+                <a:latin typeface="Times New Roman" panose="02020603050405020304" pitchFamily="18" charset="0"/>
+                <a:cs typeface="Times New Roman" panose="02020603050405020304" pitchFamily="18" charset="0"/>
+              </a:rPr>
+              <a:t>).</a:t>
+            </a:r>
+            <a:r>
+              <a:rPr lang="pt-BR" sz="2400" b="1" dirty="0" err="1">
+                <a:solidFill>
+                  <a:srgbClr val="FF0000"/>
+                </a:solidFill>
+                <a:latin typeface="Times New Roman" panose="02020603050405020304" pitchFamily="18" charset="0"/>
+                <a:cs typeface="Times New Roman" panose="02020603050405020304" pitchFamily="18" charset="0"/>
+              </a:rPr>
+              <a:t>toggle</a:t>
+            </a:r>
+            <a:r>
+              <a:rPr lang="pt-BR" sz="2400" dirty="0">
+                <a:solidFill>
+                  <a:schemeClr val="tx1"/>
+                </a:solidFill>
+                <a:latin typeface="Times New Roman" panose="02020603050405020304" pitchFamily="18" charset="0"/>
+                <a:cs typeface="Times New Roman" panose="02020603050405020304" pitchFamily="18" charset="0"/>
+              </a:rPr>
+              <a:t>($(</a:t>
+            </a:r>
+            <a:r>
+              <a:rPr lang="pt-BR" sz="2400" b="1" dirty="0" err="1">
+                <a:solidFill>
+                  <a:schemeClr val="tx1"/>
+                </a:solidFill>
+                <a:latin typeface="Times New Roman" panose="02020603050405020304" pitchFamily="18" charset="0"/>
+                <a:cs typeface="Times New Roman" panose="02020603050405020304" pitchFamily="18" charset="0"/>
+              </a:rPr>
+              <a:t>this</a:t>
+            </a:r>
+            <a:r>
+              <a:rPr lang="pt-BR" sz="2400" dirty="0">
+                <a:solidFill>
+                  <a:schemeClr val="tx1"/>
+                </a:solidFill>
+                <a:latin typeface="Times New Roman" panose="02020603050405020304" pitchFamily="18" charset="0"/>
+                <a:cs typeface="Times New Roman" panose="02020603050405020304" pitchFamily="18" charset="0"/>
+              </a:rPr>
+              <a:t>).</a:t>
+            </a:r>
+            <a:r>
+              <a:rPr lang="pt-BR" sz="2400" dirty="0" err="1">
+                <a:solidFill>
+                  <a:schemeClr val="tx1"/>
+                </a:solidFill>
+                <a:latin typeface="Times New Roman" panose="02020603050405020304" pitchFamily="18" charset="0"/>
+                <a:cs typeface="Times New Roman" panose="02020603050405020304" pitchFamily="18" charset="0"/>
+              </a:rPr>
+              <a:t>text</a:t>
+            </a:r>
+            <a:r>
+              <a:rPr lang="pt-BR" sz="2400" dirty="0">
+                <a:solidFill>
+                  <a:schemeClr val="tx1"/>
+                </a:solidFill>
+                <a:latin typeface="Times New Roman" panose="02020603050405020304" pitchFamily="18" charset="0"/>
+                <a:cs typeface="Times New Roman" panose="02020603050405020304" pitchFamily="18" charset="0"/>
+              </a:rPr>
+              <a:t>().</a:t>
+            </a:r>
+            <a:r>
+              <a:rPr lang="pt-BR" sz="2400" dirty="0" err="1">
+                <a:solidFill>
+                  <a:schemeClr val="tx1"/>
+                </a:solidFill>
+                <a:latin typeface="Times New Roman" panose="02020603050405020304" pitchFamily="18" charset="0"/>
+                <a:cs typeface="Times New Roman" panose="02020603050405020304" pitchFamily="18" charset="0"/>
+              </a:rPr>
+              <a:t>toLowerCase</a:t>
+            </a:r>
+            <a:r>
+              <a:rPr lang="pt-BR" sz="2400" dirty="0">
+                <a:solidFill>
+                  <a:schemeClr val="tx1"/>
+                </a:solidFill>
+                <a:latin typeface="Times New Roman" panose="02020603050405020304" pitchFamily="18" charset="0"/>
+                <a:cs typeface="Times New Roman" panose="02020603050405020304" pitchFamily="18" charset="0"/>
+              </a:rPr>
+              <a:t>().</a:t>
+            </a:r>
+            <a:r>
+              <a:rPr lang="pt-BR" sz="2400" dirty="0" err="1">
+                <a:solidFill>
+                  <a:schemeClr val="tx1"/>
+                </a:solidFill>
+                <a:latin typeface="Times New Roman" panose="02020603050405020304" pitchFamily="18" charset="0"/>
+                <a:cs typeface="Times New Roman" panose="02020603050405020304" pitchFamily="18" charset="0"/>
+              </a:rPr>
+              <a:t>indexOf</a:t>
+            </a:r>
+            <a:r>
+              <a:rPr lang="pt-BR" sz="2400" dirty="0">
+                <a:solidFill>
+                  <a:schemeClr val="tx1"/>
+                </a:solidFill>
+                <a:latin typeface="Times New Roman" panose="02020603050405020304" pitchFamily="18" charset="0"/>
+                <a:cs typeface="Times New Roman" panose="02020603050405020304" pitchFamily="18" charset="0"/>
+              </a:rPr>
+              <a:t>(</a:t>
+            </a:r>
+            <a:r>
+              <a:rPr lang="pt-BR" sz="2400" dirty="0" err="1">
+                <a:solidFill>
+                  <a:schemeClr val="tx1"/>
+                </a:solidFill>
+                <a:latin typeface="Times New Roman" panose="02020603050405020304" pitchFamily="18" charset="0"/>
+                <a:cs typeface="Times New Roman" panose="02020603050405020304" pitchFamily="18" charset="0"/>
+              </a:rPr>
+              <a:t>valorLista</a:t>
+            </a:r>
+            <a:r>
+              <a:rPr lang="pt-BR" sz="2400" dirty="0">
+                <a:solidFill>
+                  <a:schemeClr val="tx1"/>
+                </a:solidFill>
+                <a:latin typeface="Times New Roman" panose="02020603050405020304" pitchFamily="18" charset="0"/>
+                <a:cs typeface="Times New Roman" panose="02020603050405020304" pitchFamily="18" charset="0"/>
+              </a:rPr>
+              <a:t>) &gt; -1);</a:t>
+            </a:r>
+          </a:p>
+          <a:p>
+            <a:pPr marL="0" indent="0" algn="just">
+              <a:buNone/>
+            </a:pPr>
+            <a:r>
+              <a:rPr lang="pt-BR" sz="2400" dirty="0">
+                <a:solidFill>
+                  <a:schemeClr val="tx1"/>
+                </a:solidFill>
+                <a:latin typeface="Times New Roman" panose="02020603050405020304" pitchFamily="18" charset="0"/>
+                <a:cs typeface="Times New Roman" panose="02020603050405020304" pitchFamily="18" charset="0"/>
+              </a:rPr>
+              <a:t>         });</a:t>
+            </a:r>
+          </a:p>
+          <a:p>
+            <a:pPr marL="0" indent="0" algn="just">
+              <a:buNone/>
+            </a:pPr>
+            <a:r>
+              <a:rPr lang="pt-BR" sz="2400" dirty="0">
+                <a:solidFill>
+                  <a:schemeClr val="tx1"/>
+                </a:solidFill>
+                <a:latin typeface="Times New Roman" panose="02020603050405020304" pitchFamily="18" charset="0"/>
+                <a:cs typeface="Times New Roman" panose="02020603050405020304" pitchFamily="18" charset="0"/>
+              </a:rPr>
+              <a:t>    });</a:t>
+            </a:r>
+          </a:p>
+          <a:p>
+            <a:pPr marL="0" indent="0" algn="just">
+              <a:buNone/>
+            </a:pPr>
+            <a:r>
+              <a:rPr lang="pt-BR" sz="2400" dirty="0">
+                <a:solidFill>
+                  <a:schemeClr val="tx1"/>
+                </a:solidFill>
+                <a:latin typeface="Times New Roman" panose="02020603050405020304" pitchFamily="18" charset="0"/>
+                <a:cs typeface="Times New Roman" panose="02020603050405020304" pitchFamily="18" charset="0"/>
+              </a:rPr>
+              <a:t>});</a:t>
+            </a:r>
           </a:p>
         </p:txBody>
       </p:sp>
     </p:spTree>
     <p:extLst>
       <p:ext uri="{BB962C8B-B14F-4D97-AF65-F5344CB8AC3E}">
-        <p14:creationId xmlns:p14="http://schemas.microsoft.com/office/powerpoint/2010/main" val="3680270425"/>
+        <p14:creationId xmlns:p14="http://schemas.microsoft.com/office/powerpoint/2010/main" val="1103267620"/>
       </p:ext>
     </p:extLst>
   </p:cSld>
@@ -18325,7 +19033,7 @@
                   <a:srgbClr val="0070C0"/>
                 </a:solidFill>
               </a:rPr>
-              <a:t>Aprenda</a:t>
+              <a:t>JQuery</a:t>
             </a:r>
             <a:r>
               <a:rPr lang="en-US" b="1" dirty="0">
@@ -18333,7 +19041,23 @@
                   <a:srgbClr val="0070C0"/>
                 </a:solidFill>
               </a:rPr>
-              <a:t>+</a:t>
+              <a:t> – DOM </a:t>
+            </a:r>
+            <a:r>
+              <a:rPr lang="en-US" b="1" dirty="0" err="1">
+                <a:solidFill>
+                  <a:srgbClr val="0070C0"/>
+                </a:solidFill>
+              </a:rPr>
+              <a:t>Outra</a:t>
+            </a:r>
+            <a:r>
+              <a:rPr lang="en-US" b="1" dirty="0">
+                <a:solidFill>
+                  <a:srgbClr val="0070C0"/>
+                </a:solidFill>
+              </a:rPr>
+              <a:t> Forma</a:t>
             </a:r>
           </a:p>
         </p:txBody>
@@ -18350,8 +19074,8 @@
         </p:nvSpPr>
         <p:spPr>
           <a:xfrm>
-            <a:off x="142865" y="1200151"/>
-            <a:ext cx="8865056" cy="3394472"/>
+            <a:off x="142865" y="1049837"/>
+            <a:ext cx="8865056" cy="3960573"/>
           </a:xfrm>
         </p:spPr>
         <p:txBody>
@@ -18363,7 +19087,105 @@
             <a:pPr marL="0" indent="0" algn="just">
               <a:buNone/>
             </a:pPr>
+            <a:r>
+              <a:rPr lang="pt-BR" sz="2400" dirty="0">
+                <a:solidFill>
+                  <a:schemeClr val="tx1"/>
+                </a:solidFill>
+                <a:latin typeface="Times New Roman" panose="02020603050405020304" pitchFamily="18" charset="0"/>
+                <a:cs typeface="Times New Roman" panose="02020603050405020304" pitchFamily="18" charset="0"/>
+              </a:rPr>
+              <a:t> (</a:t>
+            </a:r>
+            <a:r>
+              <a:rPr lang="pt-BR" sz="2400" b="1" dirty="0" err="1">
+                <a:solidFill>
+                  <a:schemeClr val="tx1"/>
+                </a:solidFill>
+                <a:latin typeface="Times New Roman" panose="02020603050405020304" pitchFamily="18" charset="0"/>
+                <a:cs typeface="Times New Roman" panose="02020603050405020304" pitchFamily="18" charset="0"/>
+              </a:rPr>
+              <a:t>function</a:t>
+            </a:r>
+            <a:r>
+              <a:rPr lang="pt-BR" sz="2400" dirty="0">
+                <a:solidFill>
+                  <a:schemeClr val="tx1"/>
+                </a:solidFill>
+                <a:latin typeface="Times New Roman" panose="02020603050405020304" pitchFamily="18" charset="0"/>
+                <a:cs typeface="Times New Roman" panose="02020603050405020304" pitchFamily="18" charset="0"/>
+              </a:rPr>
+              <a:t> </a:t>
+            </a:r>
+            <a:r>
+              <a:rPr lang="pt-BR" sz="2400" b="1" dirty="0" err="1">
+                <a:solidFill>
+                  <a:srgbClr val="FF0000"/>
+                </a:solidFill>
+                <a:latin typeface="Times New Roman" panose="02020603050405020304" pitchFamily="18" charset="0"/>
+                <a:cs typeface="Times New Roman" panose="02020603050405020304" pitchFamily="18" charset="0"/>
+              </a:rPr>
+              <a:t>readyJS</a:t>
+            </a:r>
+            <a:r>
+              <a:rPr lang="pt-BR" sz="2400" dirty="0">
+                <a:solidFill>
+                  <a:schemeClr val="tx1"/>
+                </a:solidFill>
+                <a:latin typeface="Times New Roman" panose="02020603050405020304" pitchFamily="18" charset="0"/>
+                <a:cs typeface="Times New Roman" panose="02020603050405020304" pitchFamily="18" charset="0"/>
+              </a:rPr>
+              <a:t>(</a:t>
+            </a:r>
+            <a:r>
+              <a:rPr lang="pt-BR" sz="2400" dirty="0" err="1">
+                <a:solidFill>
+                  <a:schemeClr val="tx1"/>
+                </a:solidFill>
+                <a:latin typeface="Times New Roman" panose="02020603050405020304" pitchFamily="18" charset="0"/>
+                <a:cs typeface="Times New Roman" panose="02020603050405020304" pitchFamily="18" charset="0"/>
+              </a:rPr>
+              <a:t>win</a:t>
+            </a:r>
+            <a:r>
+              <a:rPr lang="pt-BR" sz="2400" dirty="0">
+                <a:solidFill>
+                  <a:schemeClr val="tx1"/>
+                </a:solidFill>
+                <a:latin typeface="Times New Roman" panose="02020603050405020304" pitchFamily="18" charset="0"/>
+                <a:cs typeface="Times New Roman" panose="02020603050405020304" pitchFamily="18" charset="0"/>
+              </a:rPr>
+              <a:t>, </a:t>
+            </a:r>
+            <a:r>
+              <a:rPr lang="pt-BR" sz="2400" dirty="0" err="1">
+                <a:solidFill>
+                  <a:schemeClr val="tx1"/>
+                </a:solidFill>
+                <a:latin typeface="Times New Roman" panose="02020603050405020304" pitchFamily="18" charset="0"/>
+                <a:cs typeface="Times New Roman" panose="02020603050405020304" pitchFamily="18" charset="0"/>
+              </a:rPr>
+              <a:t>doc</a:t>
+            </a:r>
+            <a:r>
+              <a:rPr lang="pt-BR" sz="2400" dirty="0">
+                <a:solidFill>
+                  <a:schemeClr val="tx1"/>
+                </a:solidFill>
+                <a:latin typeface="Times New Roman" panose="02020603050405020304" pitchFamily="18" charset="0"/>
+                <a:cs typeface="Times New Roman" panose="02020603050405020304" pitchFamily="18" charset="0"/>
+              </a:rPr>
+              <a:t>) {</a:t>
+            </a:r>
+          </a:p>
+          <a:p>
+            <a:pPr marL="0" indent="0" algn="just">
+              <a:buNone/>
+            </a:pPr>
             <a:endParaRPr lang="pt-BR" sz="2400" dirty="0">
+              <a:solidFill>
+                <a:schemeClr val="tx1"/>
+              </a:solidFill>
               <a:latin typeface="Times New Roman" panose="02020603050405020304" pitchFamily="18" charset="0"/>
               <a:cs typeface="Times New Roman" panose="02020603050405020304" pitchFamily="18" charset="0"/>
             </a:endParaRPr>
@@ -18374,20 +19196,153 @@
             </a:pPr>
             <a:r>
               <a:rPr lang="pt-BR" sz="2400" dirty="0">
-                <a:latin typeface="Times New Roman" panose="02020603050405020304" pitchFamily="18" charset="0"/>
-                <a:cs typeface="Times New Roman" panose="02020603050405020304" pitchFamily="18" charset="0"/>
-              </a:rPr>
-              <a:t>[1] </a:t>
-            </a:r>
-            <a:r>
-              <a:rPr lang="pt-BR" sz="2400" dirty="0">
-                <a:latin typeface="Times New Roman" panose="02020603050405020304" pitchFamily="18" charset="0"/>
-                <a:cs typeface="Times New Roman" panose="02020603050405020304" pitchFamily="18" charset="0"/>
-                <a:hlinkClick r:id="rId3"/>
-              </a:rPr>
-              <a:t>https://www.youtube.com/watch?v=ncbYP5Whtso</a:t>
-            </a:r>
+                <a:solidFill>
+                  <a:schemeClr val="tx1"/>
+                </a:solidFill>
+                <a:latin typeface="Times New Roman" panose="02020603050405020304" pitchFamily="18" charset="0"/>
+                <a:cs typeface="Times New Roman" panose="02020603050405020304" pitchFamily="18" charset="0"/>
+              </a:rPr>
+              <a:t>      </a:t>
+            </a:r>
+            <a:r>
+              <a:rPr lang="pt-BR" sz="2400" b="1" dirty="0" err="1">
+                <a:solidFill>
+                  <a:schemeClr val="tx1"/>
+                </a:solidFill>
+                <a:latin typeface="Times New Roman" panose="02020603050405020304" pitchFamily="18" charset="0"/>
+                <a:cs typeface="Times New Roman" panose="02020603050405020304" pitchFamily="18" charset="0"/>
+              </a:rPr>
+              <a:t>function</a:t>
+            </a:r>
+            <a:r>
+              <a:rPr lang="pt-BR" sz="2400" dirty="0">
+                <a:solidFill>
+                  <a:schemeClr val="tx1"/>
+                </a:solidFill>
+                <a:latin typeface="Times New Roman" panose="02020603050405020304" pitchFamily="18" charset="0"/>
+                <a:cs typeface="Times New Roman" panose="02020603050405020304" pitchFamily="18" charset="0"/>
+              </a:rPr>
+              <a:t> </a:t>
+            </a:r>
+            <a:r>
+              <a:rPr lang="pt-BR" sz="2400" b="1" dirty="0" err="1">
+                <a:solidFill>
+                  <a:srgbClr val="FF0000"/>
+                </a:solidFill>
+                <a:latin typeface="Times New Roman" panose="02020603050405020304" pitchFamily="18" charset="0"/>
+                <a:cs typeface="Times New Roman" panose="02020603050405020304" pitchFamily="18" charset="0"/>
+              </a:rPr>
+              <a:t>getRoot</a:t>
+            </a:r>
+            <a:r>
+              <a:rPr lang="pt-BR" sz="2400" dirty="0">
+                <a:solidFill>
+                  <a:schemeClr val="tx1"/>
+                </a:solidFill>
+                <a:latin typeface="Times New Roman" panose="02020603050405020304" pitchFamily="18" charset="0"/>
+                <a:cs typeface="Times New Roman" panose="02020603050405020304" pitchFamily="18" charset="0"/>
+              </a:rPr>
+              <a:t>() {</a:t>
+            </a:r>
+          </a:p>
+          <a:p>
+            <a:pPr marL="0" indent="0" algn="just">
+              <a:buNone/>
+            </a:pPr>
+            <a:r>
+              <a:rPr lang="pt-BR" sz="2400" dirty="0">
+                <a:solidFill>
+                  <a:schemeClr val="tx1"/>
+                </a:solidFill>
+                <a:latin typeface="Times New Roman" panose="02020603050405020304" pitchFamily="18" charset="0"/>
+                <a:cs typeface="Times New Roman" panose="02020603050405020304" pitchFamily="18" charset="0"/>
+              </a:rPr>
+              <a:t>        </a:t>
+            </a:r>
+            <a:r>
+              <a:rPr lang="pt-BR" sz="2400" b="1" dirty="0" err="1">
+                <a:solidFill>
+                  <a:schemeClr val="tx1"/>
+                </a:solidFill>
+                <a:latin typeface="Times New Roman" panose="02020603050405020304" pitchFamily="18" charset="0"/>
+                <a:cs typeface="Times New Roman" panose="02020603050405020304" pitchFamily="18" charset="0"/>
+              </a:rPr>
+              <a:t>return</a:t>
+            </a:r>
+            <a:r>
+              <a:rPr lang="pt-BR" sz="2400" dirty="0">
+                <a:solidFill>
+                  <a:schemeClr val="tx1"/>
+                </a:solidFill>
+                <a:latin typeface="Times New Roman" panose="02020603050405020304" pitchFamily="18" charset="0"/>
+                <a:cs typeface="Times New Roman" panose="02020603050405020304" pitchFamily="18" charset="0"/>
+              </a:rPr>
+              <a:t> </a:t>
+            </a:r>
+            <a:r>
+              <a:rPr lang="pt-BR" sz="2400" dirty="0" err="1">
+                <a:solidFill>
+                  <a:schemeClr val="tx1"/>
+                </a:solidFill>
+                <a:latin typeface="Times New Roman" panose="02020603050405020304" pitchFamily="18" charset="0"/>
+                <a:cs typeface="Times New Roman" panose="02020603050405020304" pitchFamily="18" charset="0"/>
+              </a:rPr>
+              <a:t>win.location.protocol</a:t>
+            </a:r>
+            <a:r>
+              <a:rPr lang="pt-BR" sz="2400" dirty="0">
+                <a:solidFill>
+                  <a:schemeClr val="tx1"/>
+                </a:solidFill>
+                <a:latin typeface="Times New Roman" panose="02020603050405020304" pitchFamily="18" charset="0"/>
+                <a:cs typeface="Times New Roman" panose="02020603050405020304" pitchFamily="18" charset="0"/>
+              </a:rPr>
+              <a:t> + </a:t>
+            </a:r>
+            <a:r>
+              <a:rPr lang="pt-BR" sz="2400" dirty="0" err="1">
+                <a:solidFill>
+                  <a:schemeClr val="tx1"/>
+                </a:solidFill>
+                <a:latin typeface="Times New Roman" panose="02020603050405020304" pitchFamily="18" charset="0"/>
+                <a:cs typeface="Times New Roman" panose="02020603050405020304" pitchFamily="18" charset="0"/>
+              </a:rPr>
+              <a:t>doc.location.hostname</a:t>
+            </a:r>
+            <a:r>
+              <a:rPr lang="pt-BR" sz="2400" dirty="0">
+                <a:solidFill>
+                  <a:schemeClr val="tx1"/>
+                </a:solidFill>
+                <a:latin typeface="Times New Roman" panose="02020603050405020304" pitchFamily="18" charset="0"/>
+                <a:cs typeface="Times New Roman" panose="02020603050405020304" pitchFamily="18" charset="0"/>
+              </a:rPr>
+              <a:t>;</a:t>
+            </a:r>
+          </a:p>
+          <a:p>
+            <a:pPr marL="0" indent="0" algn="just">
+              <a:buNone/>
+            </a:pPr>
+            <a:r>
+              <a:rPr lang="pt-BR" sz="2400" dirty="0">
+                <a:solidFill>
+                  <a:schemeClr val="tx1"/>
+                </a:solidFill>
+                <a:latin typeface="Times New Roman" panose="02020603050405020304" pitchFamily="18" charset="0"/>
+                <a:cs typeface="Times New Roman" panose="02020603050405020304" pitchFamily="18" charset="0"/>
+              </a:rPr>
+              <a:t>      }</a:t>
+            </a:r>
+          </a:p>
+          <a:p>
+            <a:pPr marL="0" indent="0" algn="just">
+              <a:buNone/>
+            </a:pPr>
             <a:endParaRPr lang="pt-BR" sz="2400" dirty="0">
+              <a:solidFill>
+                <a:schemeClr val="tx1"/>
+              </a:solidFill>
               <a:latin typeface="Times New Roman" panose="02020603050405020304" pitchFamily="18" charset="0"/>
               <a:cs typeface="Times New Roman" panose="02020603050405020304" pitchFamily="18" charset="0"/>
             </a:endParaRPr>
@@ -18396,89 +19351,153 @@
             <a:pPr marL="0" indent="0" algn="just">
               <a:buNone/>
             </a:pPr>
-            <a:endParaRPr lang="pt-BR" sz="2400" dirty="0">
-              <a:latin typeface="Times New Roman" panose="02020603050405020304" pitchFamily="18" charset="0"/>
-              <a:cs typeface="Times New Roman" panose="02020603050405020304" pitchFamily="18" charset="0"/>
-            </a:endParaRPr>
-          </a:p>
-          <a:p>
-            <a:pPr marL="0" indent="0" algn="just">
-              <a:buNone/>
-            </a:pPr>
-            <a:endParaRPr lang="pt-BR" sz="2400" dirty="0">
-              <a:latin typeface="Times New Roman" panose="02020603050405020304" pitchFamily="18" charset="0"/>
-              <a:cs typeface="Times New Roman" panose="02020603050405020304" pitchFamily="18" charset="0"/>
-            </a:endParaRPr>
-          </a:p>
-          <a:p>
-            <a:pPr marL="0" indent="0" algn="just">
-              <a:buNone/>
-            </a:pPr>
-            <a:r>
-              <a:rPr lang="pt-BR" sz="2400" dirty="0">
-                <a:latin typeface="Times New Roman" panose="02020603050405020304" pitchFamily="18" charset="0"/>
-                <a:cs typeface="Times New Roman" panose="02020603050405020304" pitchFamily="18" charset="0"/>
-              </a:rPr>
-              <a:t>[2] </a:t>
-            </a:r>
-            <a:r>
-              <a:rPr lang="pt-BR" sz="2400" dirty="0">
-                <a:latin typeface="Times New Roman" panose="02020603050405020304" pitchFamily="18" charset="0"/>
-                <a:cs typeface="Times New Roman" panose="02020603050405020304" pitchFamily="18" charset="0"/>
-                <a:hlinkClick r:id="rId4"/>
-              </a:rPr>
-              <a:t>https://www.alura.com.br/conteudo/jquery-a-biblioteca-do-mercado</a:t>
-            </a:r>
-            <a:r>
-              <a:rPr lang="pt-BR" sz="2400" dirty="0">
+            <a:r>
+              <a:rPr lang="pt-BR" sz="2400" dirty="0">
+                <a:solidFill>
+                  <a:schemeClr val="tx1"/>
+                </a:solidFill>
+                <a:latin typeface="Times New Roman" panose="02020603050405020304" pitchFamily="18" charset="0"/>
+                <a:cs typeface="Times New Roman" panose="02020603050405020304" pitchFamily="18" charset="0"/>
+              </a:rPr>
+              <a:t>      </a:t>
+            </a:r>
+            <a:r>
+              <a:rPr lang="pt-BR" sz="2400" b="1" dirty="0" err="1">
+                <a:solidFill>
+                  <a:schemeClr val="tx1"/>
+                </a:solidFill>
+                <a:latin typeface="Times New Roman" panose="02020603050405020304" pitchFamily="18" charset="0"/>
+                <a:cs typeface="Times New Roman" panose="02020603050405020304" pitchFamily="18" charset="0"/>
+              </a:rPr>
+              <a:t>alert</a:t>
+            </a:r>
+            <a:r>
+              <a:rPr lang="pt-BR" sz="2400" dirty="0">
+                <a:solidFill>
+                  <a:schemeClr val="tx1"/>
+                </a:solidFill>
+                <a:latin typeface="Times New Roman" panose="02020603050405020304" pitchFamily="18" charset="0"/>
+                <a:cs typeface="Times New Roman" panose="02020603050405020304" pitchFamily="18" charset="0"/>
+              </a:rPr>
+              <a:t>('</a:t>
+            </a:r>
+            <a:r>
+              <a:rPr lang="pt-BR" sz="2400" dirty="0" err="1">
+                <a:solidFill>
+                  <a:schemeClr val="tx1"/>
+                </a:solidFill>
+                <a:latin typeface="Times New Roman" panose="02020603050405020304" pitchFamily="18" charset="0"/>
+                <a:cs typeface="Times New Roman" panose="02020603050405020304" pitchFamily="18" charset="0"/>
+              </a:rPr>
+              <a:t>oiiii</a:t>
+            </a:r>
+            <a:r>
+              <a:rPr lang="pt-BR" sz="2400" dirty="0">
+                <a:solidFill>
+                  <a:schemeClr val="tx1"/>
+                </a:solidFill>
+                <a:latin typeface="Times New Roman" panose="02020603050405020304" pitchFamily="18" charset="0"/>
+                <a:cs typeface="Times New Roman" panose="02020603050405020304" pitchFamily="18" charset="0"/>
+              </a:rPr>
+              <a:t>' + </a:t>
+            </a:r>
+            <a:r>
+              <a:rPr lang="pt-BR" sz="2400" dirty="0" err="1">
+                <a:solidFill>
+                  <a:schemeClr val="tx1"/>
+                </a:solidFill>
+                <a:latin typeface="Times New Roman" panose="02020603050405020304" pitchFamily="18" charset="0"/>
+                <a:cs typeface="Times New Roman" panose="02020603050405020304" pitchFamily="18" charset="0"/>
+              </a:rPr>
+              <a:t>getRoot</a:t>
+            </a:r>
+            <a:r>
+              <a:rPr lang="pt-BR" sz="2400" dirty="0">
+                <a:solidFill>
+                  <a:schemeClr val="tx1"/>
+                </a:solidFill>
+                <a:latin typeface="Times New Roman" panose="02020603050405020304" pitchFamily="18" charset="0"/>
+                <a:cs typeface="Times New Roman" panose="02020603050405020304" pitchFamily="18" charset="0"/>
+              </a:rPr>
+              <a:t>());</a:t>
+            </a:r>
+          </a:p>
+          <a:p>
+            <a:pPr marL="0" indent="0" algn="just">
+              <a:buNone/>
+            </a:pPr>
+            <a:r>
+              <a:rPr lang="pt-BR" sz="2400" dirty="0">
+                <a:solidFill>
+                  <a:schemeClr val="tx1"/>
+                </a:solidFill>
+                <a:latin typeface="Times New Roman" panose="02020603050405020304" pitchFamily="18" charset="0"/>
+                <a:cs typeface="Times New Roman" panose="02020603050405020304" pitchFamily="18" charset="0"/>
+              </a:rPr>
+              <a:t>    })(</a:t>
+            </a:r>
+            <a:r>
+              <a:rPr lang="pt-BR" sz="2400" b="1" dirty="0" err="1">
+                <a:solidFill>
+                  <a:srgbClr val="FF0000"/>
+                </a:solidFill>
+                <a:latin typeface="Times New Roman" panose="02020603050405020304" pitchFamily="18" charset="0"/>
+                <a:cs typeface="Times New Roman" panose="02020603050405020304" pitchFamily="18" charset="0"/>
+              </a:rPr>
+              <a:t>window</a:t>
+            </a:r>
+            <a:r>
+              <a:rPr lang="pt-BR" sz="2400" dirty="0">
+                <a:solidFill>
+                  <a:schemeClr val="tx1"/>
+                </a:solidFill>
+                <a:latin typeface="Times New Roman" panose="02020603050405020304" pitchFamily="18" charset="0"/>
+                <a:cs typeface="Times New Roman" panose="02020603050405020304" pitchFamily="18" charset="0"/>
+              </a:rPr>
+              <a:t>, </a:t>
+            </a:r>
+            <a:r>
+              <a:rPr lang="pt-BR" sz="2400" b="1" dirty="0" err="1">
+                <a:solidFill>
+                  <a:srgbClr val="FF0000"/>
+                </a:solidFill>
+                <a:latin typeface="Times New Roman" panose="02020603050405020304" pitchFamily="18" charset="0"/>
+                <a:cs typeface="Times New Roman" panose="02020603050405020304" pitchFamily="18" charset="0"/>
+              </a:rPr>
+              <a:t>document</a:t>
+            </a:r>
+            <a:r>
+              <a:rPr lang="pt-BR" sz="2400" dirty="0">
+                <a:solidFill>
+                  <a:schemeClr val="tx1"/>
+                </a:solidFill>
+                <a:latin typeface="Times New Roman" panose="02020603050405020304" pitchFamily="18" charset="0"/>
+                <a:cs typeface="Times New Roman" panose="02020603050405020304" pitchFamily="18" charset="0"/>
+              </a:rPr>
+              <a:t>);</a:t>
+            </a:r>
+          </a:p>
+          <a:p>
+            <a:pPr marL="0" indent="0" algn="just">
+              <a:buNone/>
+            </a:pPr>
+            <a:r>
+              <a:rPr lang="pt-BR" sz="2400" dirty="0">
+                <a:solidFill>
+                  <a:schemeClr val="tx1"/>
+                </a:solidFill>
                 <a:latin typeface="Times New Roman" panose="02020603050405020304" pitchFamily="18" charset="0"/>
                 <a:cs typeface="Times New Roman" panose="02020603050405020304" pitchFamily="18" charset="0"/>
               </a:rPr>
               <a:t> </a:t>
             </a:r>
-          </a:p>
-          <a:p>
-            <a:pPr marL="0" indent="0" algn="just">
-              <a:buNone/>
-            </a:pPr>
-            <a:endParaRPr lang="pt-BR" sz="2400" dirty="0">
-              <a:latin typeface="Times New Roman" panose="02020603050405020304" pitchFamily="18" charset="0"/>
-              <a:cs typeface="Times New Roman" panose="02020603050405020304" pitchFamily="18" charset="0"/>
-            </a:endParaRPr>
-          </a:p>
-          <a:p>
-            <a:pPr marL="0" indent="0" algn="just">
-              <a:buNone/>
-            </a:pPr>
-            <a:endParaRPr lang="pt-BR" sz="2400" dirty="0">
-              <a:latin typeface="Times New Roman" panose="02020603050405020304" pitchFamily="18" charset="0"/>
-              <a:cs typeface="Times New Roman" panose="02020603050405020304" pitchFamily="18" charset="0"/>
-            </a:endParaRPr>
-          </a:p>
-          <a:p>
-            <a:pPr marL="0" indent="0" algn="just">
-              <a:buNone/>
-            </a:pPr>
-            <a:endParaRPr lang="pt-BR" sz="2400" dirty="0">
-              <a:latin typeface="Times New Roman" panose="02020603050405020304" pitchFamily="18" charset="0"/>
-              <a:cs typeface="Times New Roman" panose="02020603050405020304" pitchFamily="18" charset="0"/>
-            </a:endParaRPr>
-          </a:p>
-          <a:p>
-            <a:pPr marL="0" indent="0" algn="just">
-              <a:buNone/>
-            </a:pPr>
-            <a:endParaRPr lang="pt-BR" sz="2400" dirty="0">
-              <a:latin typeface="Times New Roman" panose="02020603050405020304" pitchFamily="18" charset="0"/>
-              <a:cs typeface="Times New Roman" panose="02020603050405020304" pitchFamily="18" charset="0"/>
-            </a:endParaRPr>
           </a:p>
         </p:txBody>
       </p:sp>
     </p:spTree>
     <p:extLst>
       <p:ext uri="{BB962C8B-B14F-4D97-AF65-F5344CB8AC3E}">
-        <p14:creationId xmlns:p14="http://schemas.microsoft.com/office/powerpoint/2010/main" val="2747596967"/>
+        <p14:creationId xmlns:p14="http://schemas.microsoft.com/office/powerpoint/2010/main" val="4045588661"/>
       </p:ext>
     </p:extLst>
   </p:cSld>
@@ -18534,7 +19553,7 @@
                   <a:srgbClr val="0070C0"/>
                 </a:solidFill>
               </a:rPr>
-              <a:t>Dinâmica</a:t>
+              <a:t>Leitura</a:t>
             </a:r>
             <a:r>
               <a:rPr lang="en-US" b="1" dirty="0">
@@ -18542,7 +19561,7 @@
                   <a:srgbClr val="0070C0"/>
                 </a:solidFill>
               </a:rPr>
-              <a:t>/</a:t>
+              <a:t> </a:t>
             </a:r>
             <a:r>
               <a:rPr lang="en-US" b="1" dirty="0" err="1">
@@ -18550,7 +19569,7 @@
                   <a:srgbClr val="0070C0"/>
                 </a:solidFill>
               </a:rPr>
-              <a:t>Atividades</a:t>
+              <a:t>Específica</a:t>
             </a:r>
             <a:endParaRPr lang="en-US" b="1" dirty="0">
               <a:solidFill>
@@ -18572,8 +19591,8 @@
         </p:nvSpPr>
         <p:spPr>
           <a:xfrm>
-            <a:off x="139472" y="1063230"/>
-            <a:ext cx="8865056" cy="3606305"/>
+            <a:off x="142865" y="1012261"/>
+            <a:ext cx="8865056" cy="3835312"/>
           </a:xfrm>
         </p:spPr>
         <p:txBody>
@@ -18582,25 +19601,24 @@
           </a:bodyPr>
           <a:lstStyle/>
           <a:p>
-            <a:pPr algn="just">
-              <a:buFontTx/>
-              <a:buChar char="-"/>
-            </a:pPr>
-            <a:r>
-              <a:rPr lang="pt-BR" dirty="0">
-                <a:latin typeface="Times New Roman" panose="02020603050405020304" pitchFamily="18" charset="0"/>
-                <a:cs typeface="Times New Roman" panose="02020603050405020304" pitchFamily="18" charset="0"/>
-              </a:rPr>
-              <a:t>Exercícios de Fixação </a:t>
-            </a:r>
-            <a:r>
-              <a:rPr lang="pt-BR" b="1" dirty="0" err="1">
+            <a:pPr marL="0" indent="0" algn="just">
+              <a:buNone/>
+            </a:pPr>
+            <a:r>
+              <a:rPr lang="pt-BR" sz="2000" dirty="0">
+                <a:latin typeface="Times New Roman" panose="02020603050405020304" pitchFamily="18" charset="0"/>
+                <a:cs typeface="Times New Roman" panose="02020603050405020304" pitchFamily="18" charset="0"/>
+              </a:rPr>
+              <a:t>[1] </a:t>
+            </a:r>
+            <a:r>
+              <a:rPr lang="pt-BR" sz="2000" b="1" dirty="0" err="1">
                 <a:latin typeface="Times New Roman" panose="02020603050405020304" pitchFamily="18" charset="0"/>
                 <a:cs typeface="Times New Roman" panose="02020603050405020304" pitchFamily="18" charset="0"/>
               </a:rPr>
               <a:t>JQuery</a:t>
             </a:r>
-            <a:endParaRPr lang="pt-BR" b="1" dirty="0">
+            <a:endParaRPr lang="pt-BR" sz="2000" dirty="0">
               <a:latin typeface="Times New Roman" panose="02020603050405020304" pitchFamily="18" charset="0"/>
               <a:cs typeface="Times New Roman" panose="02020603050405020304" pitchFamily="18" charset="0"/>
             </a:endParaRPr>
@@ -18610,67 +19628,28 @@
               <a:buNone/>
             </a:pPr>
             <a:r>
-              <a:rPr lang="pt-BR" dirty="0">
-                <a:latin typeface="Times New Roman" panose="02020603050405020304" pitchFamily="18" charset="0"/>
-                <a:cs typeface="Times New Roman" panose="02020603050405020304" pitchFamily="18" charset="0"/>
-              </a:rPr>
-              <a:t>	</a:t>
-            </a:r>
-            <a:r>
-              <a:rPr lang="pt-BR" b="1" dirty="0">
-                <a:solidFill>
-                  <a:srgbClr val="FF0000"/>
-                </a:solidFill>
-                <a:latin typeface="Times New Roman" panose="02020603050405020304" pitchFamily="18" charset="0"/>
-                <a:cs typeface="Times New Roman" panose="02020603050405020304" pitchFamily="18" charset="0"/>
-              </a:rPr>
-              <a:t>Desafio em Sala de Aula</a:t>
-            </a:r>
-            <a:r>
-              <a:rPr lang="pt-BR" dirty="0">
-                <a:latin typeface="Times New Roman" panose="02020603050405020304" pitchFamily="18" charset="0"/>
-                <a:cs typeface="Times New Roman" panose="02020603050405020304" pitchFamily="18" charset="0"/>
-              </a:rPr>
-              <a:t>.</a:t>
-            </a:r>
-          </a:p>
-          <a:p>
-            <a:pPr marL="0" indent="0" algn="just">
-              <a:buNone/>
-            </a:pPr>
-            <a:r>
-              <a:rPr lang="pt-BR" dirty="0">
-                <a:latin typeface="Times New Roman" panose="02020603050405020304" pitchFamily="18" charset="0"/>
-                <a:cs typeface="Times New Roman" panose="02020603050405020304" pitchFamily="18" charset="0"/>
-              </a:rPr>
-              <a:t>		</a:t>
-            </a:r>
-          </a:p>
-          <a:p>
-            <a:pPr marL="0" indent="0" algn="just">
-              <a:buNone/>
-            </a:pPr>
-            <a:r>
-              <a:rPr lang="es-ES" dirty="0">
-                <a:latin typeface="Times New Roman" panose="02020603050405020304" pitchFamily="18" charset="0"/>
-                <a:cs typeface="Times New Roman" panose="02020603050405020304" pitchFamily="18" charset="0"/>
-              </a:rPr>
-              <a:t>- Quiz JQuery</a:t>
-            </a:r>
-          </a:p>
-          <a:p>
-            <a:pPr marL="0" indent="0" algn="just">
-              <a:buNone/>
-            </a:pPr>
-            <a:r>
-              <a:rPr lang="es-ES" dirty="0">
+              <a:rPr lang="pt-BR" sz="2000" b="1" dirty="0">
+                <a:latin typeface="Times New Roman" panose="02020603050405020304" pitchFamily="18" charset="0"/>
+                <a:cs typeface="Times New Roman" panose="02020603050405020304" pitchFamily="18" charset="0"/>
+              </a:rPr>
+              <a:t>	Disponível em</a:t>
+            </a:r>
+            <a:r>
+              <a:rPr lang="pt-BR" sz="2000" dirty="0">
+                <a:latin typeface="Times New Roman" panose="02020603050405020304" pitchFamily="18" charset="0"/>
+                <a:cs typeface="Times New Roman" panose="02020603050405020304" pitchFamily="18" charset="0"/>
+              </a:rPr>
+              <a:t>: </a:t>
+            </a:r>
+            <a:r>
+              <a:rPr lang="pt-BR" sz="2000" dirty="0">
                 <a:latin typeface="Times New Roman" panose="02020603050405020304" pitchFamily="18" charset="0"/>
                 <a:cs typeface="Times New Roman" panose="02020603050405020304" pitchFamily="18" charset="0"/>
                 <a:hlinkClick r:id="rId3"/>
               </a:rPr>
-              <a:t>https://www.w3schools.com/jquery/jquery_quiz.asp</a:t>
-            </a:r>
-            <a:endParaRPr lang="es-ES" dirty="0">
+              <a:t>https://jquery.com/</a:t>
+            </a:r>
+            <a:endParaRPr lang="pt-BR" sz="2000" dirty="0">
               <a:latin typeface="Times New Roman" panose="02020603050405020304" pitchFamily="18" charset="0"/>
               <a:cs typeface="Times New Roman" panose="02020603050405020304" pitchFamily="18" charset="0"/>
             </a:endParaRPr>
@@ -18679,8 +19658,141 @@
             <a:pPr marL="0" indent="0" algn="just">
               <a:buNone/>
             </a:pPr>
-            <a:endParaRPr lang="pt-BR" dirty="0">
-              <a:latin typeface="Calibri" panose="020F0502020204030204" pitchFamily="34" charset="0"/>
+            <a:endParaRPr lang="pt-BR" sz="2000" dirty="0">
+              <a:latin typeface="Times New Roman" panose="02020603050405020304" pitchFamily="18" charset="0"/>
+              <a:cs typeface="Times New Roman" panose="02020603050405020304" pitchFamily="18" charset="0"/>
+            </a:endParaRPr>
+          </a:p>
+          <a:p>
+            <a:pPr marL="0" indent="0" algn="just">
+              <a:buNone/>
+            </a:pPr>
+            <a:r>
+              <a:rPr lang="pt-BR" sz="2000" dirty="0">
+                <a:latin typeface="Times New Roman" panose="02020603050405020304" pitchFamily="18" charset="0"/>
+                <a:cs typeface="Times New Roman" panose="02020603050405020304" pitchFamily="18" charset="0"/>
+              </a:rPr>
+              <a:t>[2] </a:t>
+            </a:r>
+            <a:r>
+              <a:rPr lang="pt-BR" sz="2000" b="1" dirty="0">
+                <a:latin typeface="Times New Roman" panose="02020603050405020304" pitchFamily="18" charset="0"/>
+                <a:cs typeface="Times New Roman" panose="02020603050405020304" pitchFamily="18" charset="0"/>
+              </a:rPr>
+              <a:t>Devmedia</a:t>
+            </a:r>
+          </a:p>
+          <a:p>
+            <a:pPr marL="0" indent="0" algn="just">
+              <a:buNone/>
+            </a:pPr>
+            <a:r>
+              <a:rPr lang="pt-BR" sz="2000" dirty="0">
+                <a:latin typeface="Times New Roman" panose="02020603050405020304" pitchFamily="18" charset="0"/>
+                <a:cs typeface="Times New Roman" panose="02020603050405020304" pitchFamily="18" charset="0"/>
+              </a:rPr>
+              <a:t>	</a:t>
+            </a:r>
+            <a:r>
+              <a:rPr lang="pt-BR" sz="2000" b="1" dirty="0">
+                <a:latin typeface="Times New Roman" panose="02020603050405020304" pitchFamily="18" charset="0"/>
+                <a:cs typeface="Times New Roman" panose="02020603050405020304" pitchFamily="18" charset="0"/>
+              </a:rPr>
+              <a:t> Disponível em</a:t>
+            </a:r>
+            <a:r>
+              <a:rPr lang="pt-BR" sz="2000" dirty="0">
+                <a:latin typeface="Times New Roman" panose="02020603050405020304" pitchFamily="18" charset="0"/>
+                <a:cs typeface="Times New Roman" panose="02020603050405020304" pitchFamily="18" charset="0"/>
+              </a:rPr>
+              <a:t>: </a:t>
+            </a:r>
+            <a:r>
+              <a:rPr lang="pt-BR" sz="2000" dirty="0">
+                <a:latin typeface="Times New Roman" panose="02020603050405020304" pitchFamily="18" charset="0"/>
+                <a:cs typeface="Times New Roman" panose="02020603050405020304" pitchFamily="18" charset="0"/>
+                <a:hlinkClick r:id="rId4"/>
+              </a:rPr>
+              <a:t>https://www.devmedia.com.br/jquery-tutorial/27299</a:t>
+            </a:r>
+            <a:endParaRPr lang="pt-BR" sz="2000" dirty="0">
+              <a:latin typeface="Times New Roman" panose="02020603050405020304" pitchFamily="18" charset="0"/>
+              <a:cs typeface="Times New Roman" panose="02020603050405020304" pitchFamily="18" charset="0"/>
+            </a:endParaRPr>
+          </a:p>
+          <a:p>
+            <a:pPr marL="0" indent="0" algn="just">
+              <a:buNone/>
+            </a:pPr>
+            <a:endParaRPr lang="pt-BR" sz="2000" dirty="0">
+              <a:latin typeface="Times New Roman" panose="02020603050405020304" pitchFamily="18" charset="0"/>
+              <a:cs typeface="Times New Roman" panose="02020603050405020304" pitchFamily="18" charset="0"/>
+            </a:endParaRPr>
+          </a:p>
+          <a:p>
+            <a:pPr marL="0" indent="0" algn="just">
+              <a:buNone/>
+            </a:pPr>
+            <a:r>
+              <a:rPr lang="pt-BR" sz="2000" dirty="0">
+                <a:latin typeface="Times New Roman" panose="02020603050405020304" pitchFamily="18" charset="0"/>
+                <a:cs typeface="Times New Roman" panose="02020603050405020304" pitchFamily="18" charset="0"/>
+              </a:rPr>
+              <a:t>[3] </a:t>
+            </a:r>
+            <a:r>
+              <a:rPr lang="pt-BR" sz="2000" b="1" dirty="0">
+                <a:latin typeface="Times New Roman" panose="02020603050405020304" pitchFamily="18" charset="0"/>
+                <a:cs typeface="Times New Roman" panose="02020603050405020304" pitchFamily="18" charset="0"/>
+              </a:rPr>
+              <a:t>W3Schools</a:t>
+            </a:r>
+          </a:p>
+          <a:p>
+            <a:pPr marL="0" indent="0" algn="just">
+              <a:buNone/>
+            </a:pPr>
+            <a:r>
+              <a:rPr lang="pt-BR" sz="2000" dirty="0">
+                <a:latin typeface="Times New Roman" panose="02020603050405020304" pitchFamily="18" charset="0"/>
+                <a:cs typeface="Times New Roman" panose="02020603050405020304" pitchFamily="18" charset="0"/>
+              </a:rPr>
+              <a:t>	</a:t>
+            </a:r>
+            <a:r>
+              <a:rPr lang="pt-BR" sz="2000" b="1" dirty="0">
+                <a:latin typeface="Times New Roman" panose="02020603050405020304" pitchFamily="18" charset="0"/>
+                <a:cs typeface="Times New Roman" panose="02020603050405020304" pitchFamily="18" charset="0"/>
+              </a:rPr>
+              <a:t> Disponível em</a:t>
+            </a:r>
+            <a:r>
+              <a:rPr lang="pt-BR" sz="2000" dirty="0">
+                <a:latin typeface="Times New Roman" panose="02020603050405020304" pitchFamily="18" charset="0"/>
+                <a:cs typeface="Times New Roman" panose="02020603050405020304" pitchFamily="18" charset="0"/>
+              </a:rPr>
+              <a:t>: </a:t>
+            </a:r>
+            <a:r>
+              <a:rPr lang="pt-BR" sz="2000" dirty="0">
+                <a:latin typeface="Times New Roman" panose="02020603050405020304" pitchFamily="18" charset="0"/>
+                <a:cs typeface="Times New Roman" panose="02020603050405020304" pitchFamily="18" charset="0"/>
+                <a:hlinkClick r:id="rId5"/>
+              </a:rPr>
+              <a:t>https://www.w3schools.com/jquery/default.asp</a:t>
+            </a:r>
+            <a:endParaRPr lang="pt-BR" sz="2000" dirty="0">
+              <a:latin typeface="Times New Roman" panose="02020603050405020304" pitchFamily="18" charset="0"/>
+              <a:cs typeface="Times New Roman" panose="02020603050405020304" pitchFamily="18" charset="0"/>
+            </a:endParaRPr>
+          </a:p>
+          <a:p>
+            <a:pPr marL="0" indent="0" algn="just">
+              <a:buNone/>
+            </a:pPr>
+            <a:endParaRPr lang="pt-BR" sz="2000" dirty="0">
+              <a:latin typeface="Times New Roman" panose="02020603050405020304" pitchFamily="18" charset="0"/>
+              <a:cs typeface="Times New Roman" panose="02020603050405020304" pitchFamily="18" charset="0"/>
             </a:endParaRPr>
           </a:p>
         </p:txBody>
@@ -18688,7 +19800,7 @@
     </p:spTree>
     <p:extLst>
       <p:ext uri="{BB962C8B-B14F-4D97-AF65-F5344CB8AC3E}">
-        <p14:creationId xmlns:p14="http://schemas.microsoft.com/office/powerpoint/2010/main" val="2470652989"/>
+        <p14:creationId xmlns:p14="http://schemas.microsoft.com/office/powerpoint/2010/main" val="3680270425"/>
       </p:ext>
     </p:extLst>
   </p:cSld>
@@ -18744,7 +19856,7 @@
                   <a:srgbClr val="0070C0"/>
                 </a:solidFill>
               </a:rPr>
-              <a:t>Referências</a:t>
+              <a:t>Aprenda</a:t>
             </a:r>
             <a:r>
               <a:rPr lang="en-US" b="1" dirty="0">
@@ -18752,21 +19864,8 @@
                   <a:srgbClr val="0070C0"/>
                 </a:solidFill>
               </a:rPr>
-              <a:t> </a:t>
-            </a:r>
-            <a:r>
-              <a:rPr lang="en-US" b="1" dirty="0" err="1">
-                <a:solidFill>
-                  <a:srgbClr val="0070C0"/>
-                </a:solidFill>
-              </a:rPr>
-              <a:t>Bibliográficas</a:t>
-            </a:r>
-            <a:endParaRPr lang="en-US" b="1" dirty="0">
-              <a:solidFill>
-                <a:srgbClr val="0070C0"/>
-              </a:solidFill>
-            </a:endParaRPr>
+              <a:t>+</a:t>
+            </a:r>
           </a:p>
         </p:txBody>
       </p:sp>
@@ -18809,6 +19908,438 @@
                 <a:latin typeface="Times New Roman" panose="02020603050405020304" pitchFamily="18" charset="0"/>
                 <a:cs typeface="Times New Roman" panose="02020603050405020304" pitchFamily="18" charset="0"/>
               </a:rPr>
+              <a:t>[1] </a:t>
+            </a:r>
+            <a:r>
+              <a:rPr lang="pt-BR" sz="2400" dirty="0">
+                <a:latin typeface="Times New Roman" panose="02020603050405020304" pitchFamily="18" charset="0"/>
+                <a:cs typeface="Times New Roman" panose="02020603050405020304" pitchFamily="18" charset="0"/>
+                <a:hlinkClick r:id="rId3"/>
+              </a:rPr>
+              <a:t>https://www.youtube.com/watch?v=ncbYP5Whtso</a:t>
+            </a:r>
+            <a:endParaRPr lang="pt-BR" sz="2400" dirty="0">
+              <a:latin typeface="Times New Roman" panose="02020603050405020304" pitchFamily="18" charset="0"/>
+              <a:cs typeface="Times New Roman" panose="02020603050405020304" pitchFamily="18" charset="0"/>
+            </a:endParaRPr>
+          </a:p>
+          <a:p>
+            <a:pPr marL="0" indent="0" algn="just">
+              <a:buNone/>
+            </a:pPr>
+            <a:endParaRPr lang="pt-BR" sz="2400" dirty="0">
+              <a:latin typeface="Times New Roman" panose="02020603050405020304" pitchFamily="18" charset="0"/>
+              <a:cs typeface="Times New Roman" panose="02020603050405020304" pitchFamily="18" charset="0"/>
+            </a:endParaRPr>
+          </a:p>
+          <a:p>
+            <a:pPr marL="0" indent="0" algn="just">
+              <a:buNone/>
+            </a:pPr>
+            <a:endParaRPr lang="pt-BR" sz="2400" dirty="0">
+              <a:latin typeface="Times New Roman" panose="02020603050405020304" pitchFamily="18" charset="0"/>
+              <a:cs typeface="Times New Roman" panose="02020603050405020304" pitchFamily="18" charset="0"/>
+            </a:endParaRPr>
+          </a:p>
+          <a:p>
+            <a:pPr marL="0" indent="0" algn="just">
+              <a:buNone/>
+            </a:pPr>
+            <a:r>
+              <a:rPr lang="pt-BR" sz="2400" dirty="0">
+                <a:latin typeface="Times New Roman" panose="02020603050405020304" pitchFamily="18" charset="0"/>
+                <a:cs typeface="Times New Roman" panose="02020603050405020304" pitchFamily="18" charset="0"/>
+              </a:rPr>
+              <a:t>[2] </a:t>
+            </a:r>
+            <a:r>
+              <a:rPr lang="pt-BR" sz="2400" dirty="0">
+                <a:latin typeface="Times New Roman" panose="02020603050405020304" pitchFamily="18" charset="0"/>
+                <a:cs typeface="Times New Roman" panose="02020603050405020304" pitchFamily="18" charset="0"/>
+                <a:hlinkClick r:id="rId4"/>
+              </a:rPr>
+              <a:t>https://www.alura.com.br/conteudo/jquery-a-biblioteca-do-mercado</a:t>
+            </a:r>
+            <a:r>
+              <a:rPr lang="pt-BR" sz="2400" dirty="0">
+                <a:latin typeface="Times New Roman" panose="02020603050405020304" pitchFamily="18" charset="0"/>
+                <a:cs typeface="Times New Roman" panose="02020603050405020304" pitchFamily="18" charset="0"/>
+              </a:rPr>
+              <a:t> </a:t>
+            </a:r>
+          </a:p>
+          <a:p>
+            <a:pPr marL="0" indent="0" algn="just">
+              <a:buNone/>
+            </a:pPr>
+            <a:endParaRPr lang="pt-BR" sz="2400" dirty="0">
+              <a:latin typeface="Times New Roman" panose="02020603050405020304" pitchFamily="18" charset="0"/>
+              <a:cs typeface="Times New Roman" panose="02020603050405020304" pitchFamily="18" charset="0"/>
+            </a:endParaRPr>
+          </a:p>
+          <a:p>
+            <a:pPr marL="0" indent="0" algn="just">
+              <a:buNone/>
+            </a:pPr>
+            <a:endParaRPr lang="pt-BR" sz="2400" dirty="0">
+              <a:latin typeface="Times New Roman" panose="02020603050405020304" pitchFamily="18" charset="0"/>
+              <a:cs typeface="Times New Roman" panose="02020603050405020304" pitchFamily="18" charset="0"/>
+            </a:endParaRPr>
+          </a:p>
+          <a:p>
+            <a:pPr marL="0" indent="0" algn="just">
+              <a:buNone/>
+            </a:pPr>
+            <a:endParaRPr lang="pt-BR" sz="2400" dirty="0">
+              <a:latin typeface="Times New Roman" panose="02020603050405020304" pitchFamily="18" charset="0"/>
+              <a:cs typeface="Times New Roman" panose="02020603050405020304" pitchFamily="18" charset="0"/>
+            </a:endParaRPr>
+          </a:p>
+          <a:p>
+            <a:pPr marL="0" indent="0" algn="just">
+              <a:buNone/>
+            </a:pPr>
+            <a:endParaRPr lang="pt-BR" sz="2400" dirty="0">
+              <a:latin typeface="Times New Roman" panose="02020603050405020304" pitchFamily="18" charset="0"/>
+              <a:cs typeface="Times New Roman" panose="02020603050405020304" pitchFamily="18" charset="0"/>
+            </a:endParaRPr>
+          </a:p>
+        </p:txBody>
+      </p:sp>
+    </p:spTree>
+    <p:extLst>
+      <p:ext uri="{BB962C8B-B14F-4D97-AF65-F5344CB8AC3E}">
+        <p14:creationId xmlns:p14="http://schemas.microsoft.com/office/powerpoint/2010/main" val="2747596967"/>
+      </p:ext>
+    </p:extLst>
+  </p:cSld>
+  <p:clrMapOvr>
+    <a:masterClrMapping/>
+  </p:clrMapOvr>
+  <p:transition spd="med"/>
+</p:sld>
+</file>
+
+<file path=ppt/slides/slide38.xml><?xml version="1.0" encoding="utf-8"?>
+<p:sld xmlns:a="http://schemas.openxmlformats.org/drawingml/2006/main" xmlns:r="http://schemas.openxmlformats.org/officeDocument/2006/relationships" xmlns:p="http://schemas.openxmlformats.org/presentationml/2006/main">
+  <p:cSld>
+    <p:spTree>
+      <p:nvGrpSpPr>
+        <p:cNvPr id="1" name=""/>
+        <p:cNvGrpSpPr/>
+        <p:nvPr/>
+      </p:nvGrpSpPr>
+      <p:grpSpPr>
+        <a:xfrm>
+          <a:off x="0" y="0"/>
+          <a:ext cx="0" cy="0"/>
+          <a:chOff x="0" y="0"/>
+          <a:chExt cx="0" cy="0"/>
+        </a:xfrm>
+      </p:grpSpPr>
+      <p:sp>
+        <p:nvSpPr>
+          <p:cNvPr id="6" name="Title 1"/>
+          <p:cNvSpPr>
+            <a:spLocks noGrp="1"/>
+          </p:cNvSpPr>
+          <p:nvPr>
+            <p:ph type="title"/>
+          </p:nvPr>
+        </p:nvSpPr>
+        <p:spPr>
+          <a:xfrm>
+            <a:off x="457200" y="205980"/>
+            <a:ext cx="8229600" cy="857251"/>
+          </a:xfrm>
+        </p:spPr>
+        <p:txBody>
+          <a:bodyPr>
+            <a:normAutofit/>
+          </a:bodyPr>
+          <a:lstStyle/>
+          <a:p>
+            <a:r>
+              <a:rPr lang="en-US" b="1" dirty="0" err="1">
+                <a:solidFill>
+                  <a:srgbClr val="0070C0"/>
+                </a:solidFill>
+              </a:rPr>
+              <a:t>Dinâmica</a:t>
+            </a:r>
+            <a:r>
+              <a:rPr lang="en-US" b="1" dirty="0">
+                <a:solidFill>
+                  <a:srgbClr val="0070C0"/>
+                </a:solidFill>
+              </a:rPr>
+              <a:t>/</a:t>
+            </a:r>
+            <a:r>
+              <a:rPr lang="en-US" b="1" dirty="0" err="1">
+                <a:solidFill>
+                  <a:srgbClr val="0070C0"/>
+                </a:solidFill>
+              </a:rPr>
+              <a:t>Atividades</a:t>
+            </a:r>
+            <a:endParaRPr lang="en-US" b="1" dirty="0">
+              <a:solidFill>
+                <a:srgbClr val="0070C0"/>
+              </a:solidFill>
+            </a:endParaRPr>
+          </a:p>
+        </p:txBody>
+      </p:sp>
+      <p:sp>
+        <p:nvSpPr>
+          <p:cNvPr id="8" name="Text Placeholder 2"/>
+          <p:cNvSpPr>
+            <a:spLocks noGrp="1"/>
+          </p:cNvSpPr>
+          <p:nvPr>
+            <p:ph type="body" sz="half" idx="1"/>
+          </p:nvPr>
+        </p:nvSpPr>
+        <p:spPr>
+          <a:xfrm>
+            <a:off x="139472" y="1063230"/>
+            <a:ext cx="8865056" cy="3606305"/>
+          </a:xfrm>
+        </p:spPr>
+        <p:txBody>
+          <a:bodyPr>
+            <a:noAutofit/>
+          </a:bodyPr>
+          <a:lstStyle/>
+          <a:p>
+            <a:pPr algn="just">
+              <a:buFontTx/>
+              <a:buChar char="-"/>
+            </a:pPr>
+            <a:r>
+              <a:rPr lang="pt-BR" dirty="0">
+                <a:latin typeface="Times New Roman" panose="02020603050405020304" pitchFamily="18" charset="0"/>
+                <a:cs typeface="Times New Roman" panose="02020603050405020304" pitchFamily="18" charset="0"/>
+              </a:rPr>
+              <a:t>Exercícios de Fixação </a:t>
+            </a:r>
+            <a:r>
+              <a:rPr lang="pt-BR" b="1" dirty="0" err="1">
+                <a:latin typeface="Times New Roman" panose="02020603050405020304" pitchFamily="18" charset="0"/>
+                <a:cs typeface="Times New Roman" panose="02020603050405020304" pitchFamily="18" charset="0"/>
+              </a:rPr>
+              <a:t>JQuery</a:t>
+            </a:r>
+            <a:endParaRPr lang="pt-BR" b="1" dirty="0">
+              <a:latin typeface="Times New Roman" panose="02020603050405020304" pitchFamily="18" charset="0"/>
+              <a:cs typeface="Times New Roman" panose="02020603050405020304" pitchFamily="18" charset="0"/>
+            </a:endParaRPr>
+          </a:p>
+          <a:p>
+            <a:pPr marL="0" indent="0" algn="just">
+              <a:buNone/>
+            </a:pPr>
+            <a:r>
+              <a:rPr lang="pt-BR" dirty="0">
+                <a:latin typeface="Times New Roman" panose="02020603050405020304" pitchFamily="18" charset="0"/>
+                <a:cs typeface="Times New Roman" panose="02020603050405020304" pitchFamily="18" charset="0"/>
+              </a:rPr>
+              <a:t>	</a:t>
+            </a:r>
+            <a:r>
+              <a:rPr lang="pt-BR" b="1" dirty="0">
+                <a:solidFill>
+                  <a:srgbClr val="FF0000"/>
+                </a:solidFill>
+                <a:latin typeface="Times New Roman" panose="02020603050405020304" pitchFamily="18" charset="0"/>
+                <a:cs typeface="Times New Roman" panose="02020603050405020304" pitchFamily="18" charset="0"/>
+              </a:rPr>
+              <a:t>Desafio em Sala de Aula</a:t>
+            </a:r>
+            <a:r>
+              <a:rPr lang="pt-BR" dirty="0">
+                <a:latin typeface="Times New Roman" panose="02020603050405020304" pitchFamily="18" charset="0"/>
+                <a:cs typeface="Times New Roman" panose="02020603050405020304" pitchFamily="18" charset="0"/>
+              </a:rPr>
+              <a:t>.</a:t>
+            </a:r>
+          </a:p>
+          <a:p>
+            <a:pPr marL="0" indent="0" algn="just">
+              <a:buNone/>
+            </a:pPr>
+            <a:r>
+              <a:rPr lang="pt-BR" dirty="0">
+                <a:latin typeface="Times New Roman" panose="02020603050405020304" pitchFamily="18" charset="0"/>
+                <a:cs typeface="Times New Roman" panose="02020603050405020304" pitchFamily="18" charset="0"/>
+              </a:rPr>
+              <a:t>		</a:t>
+            </a:r>
+          </a:p>
+          <a:p>
+            <a:pPr marL="0" indent="0" algn="just">
+              <a:buNone/>
+            </a:pPr>
+            <a:r>
+              <a:rPr lang="es-ES" dirty="0">
+                <a:latin typeface="Times New Roman" panose="02020603050405020304" pitchFamily="18" charset="0"/>
+                <a:cs typeface="Times New Roman" panose="02020603050405020304" pitchFamily="18" charset="0"/>
+              </a:rPr>
+              <a:t>- Quiz JQuery</a:t>
+            </a:r>
+          </a:p>
+          <a:p>
+            <a:pPr marL="0" indent="0" algn="just">
+              <a:buNone/>
+            </a:pPr>
+            <a:r>
+              <a:rPr lang="es-ES" dirty="0">
+                <a:latin typeface="Times New Roman" panose="02020603050405020304" pitchFamily="18" charset="0"/>
+                <a:cs typeface="Times New Roman" panose="02020603050405020304" pitchFamily="18" charset="0"/>
+                <a:hlinkClick r:id="rId3"/>
+              </a:rPr>
+              <a:t>https://www.w3schools.com/jquery/jquery_quiz.asp</a:t>
+            </a:r>
+            <a:endParaRPr lang="es-ES" dirty="0">
+              <a:latin typeface="Times New Roman" panose="02020603050405020304" pitchFamily="18" charset="0"/>
+              <a:cs typeface="Times New Roman" panose="02020603050405020304" pitchFamily="18" charset="0"/>
+            </a:endParaRPr>
+          </a:p>
+          <a:p>
+            <a:pPr marL="0" indent="0" algn="just">
+              <a:buNone/>
+            </a:pPr>
+            <a:endParaRPr lang="pt-BR" dirty="0">
+              <a:latin typeface="Calibri" panose="020F0502020204030204" pitchFamily="34" charset="0"/>
+            </a:endParaRPr>
+          </a:p>
+        </p:txBody>
+      </p:sp>
+    </p:spTree>
+    <p:extLst>
+      <p:ext uri="{BB962C8B-B14F-4D97-AF65-F5344CB8AC3E}">
+        <p14:creationId xmlns:p14="http://schemas.microsoft.com/office/powerpoint/2010/main" val="2470652989"/>
+      </p:ext>
+    </p:extLst>
+  </p:cSld>
+  <p:clrMapOvr>
+    <a:masterClrMapping/>
+  </p:clrMapOvr>
+  <p:transition spd="med"/>
+</p:sld>
+</file>
+
+<file path=ppt/slides/slide39.xml><?xml version="1.0" encoding="utf-8"?>
+<p:sld xmlns:a="http://schemas.openxmlformats.org/drawingml/2006/main" xmlns:r="http://schemas.openxmlformats.org/officeDocument/2006/relationships" xmlns:p="http://schemas.openxmlformats.org/presentationml/2006/main">
+  <p:cSld>
+    <p:spTree>
+      <p:nvGrpSpPr>
+        <p:cNvPr id="1" name=""/>
+        <p:cNvGrpSpPr/>
+        <p:nvPr/>
+      </p:nvGrpSpPr>
+      <p:grpSpPr>
+        <a:xfrm>
+          <a:off x="0" y="0"/>
+          <a:ext cx="0" cy="0"/>
+          <a:chOff x="0" y="0"/>
+          <a:chExt cx="0" cy="0"/>
+        </a:xfrm>
+      </p:grpSpPr>
+      <p:sp>
+        <p:nvSpPr>
+          <p:cNvPr id="6" name="Title 1"/>
+          <p:cNvSpPr>
+            <a:spLocks noGrp="1"/>
+          </p:cNvSpPr>
+          <p:nvPr>
+            <p:ph type="title"/>
+          </p:nvPr>
+        </p:nvSpPr>
+        <p:spPr>
+          <a:xfrm>
+            <a:off x="457200" y="205980"/>
+            <a:ext cx="8229600" cy="857251"/>
+          </a:xfrm>
+        </p:spPr>
+        <p:txBody>
+          <a:bodyPr>
+            <a:normAutofit/>
+          </a:bodyPr>
+          <a:lstStyle/>
+          <a:p>
+            <a:r>
+              <a:rPr lang="en-US" b="1" dirty="0" err="1">
+                <a:solidFill>
+                  <a:srgbClr val="0070C0"/>
+                </a:solidFill>
+              </a:rPr>
+              <a:t>Referências</a:t>
+            </a:r>
+            <a:r>
+              <a:rPr lang="en-US" b="1" dirty="0">
+                <a:solidFill>
+                  <a:srgbClr val="0070C0"/>
+                </a:solidFill>
+              </a:rPr>
+              <a:t> </a:t>
+            </a:r>
+            <a:r>
+              <a:rPr lang="en-US" b="1" dirty="0" err="1">
+                <a:solidFill>
+                  <a:srgbClr val="0070C0"/>
+                </a:solidFill>
+              </a:rPr>
+              <a:t>Bibliográficas</a:t>
+            </a:r>
+            <a:endParaRPr lang="en-US" b="1" dirty="0">
+              <a:solidFill>
+                <a:srgbClr val="0070C0"/>
+              </a:solidFill>
+            </a:endParaRPr>
+          </a:p>
+        </p:txBody>
+      </p:sp>
+      <p:sp>
+        <p:nvSpPr>
+          <p:cNvPr id="8" name="Text Placeholder 2"/>
+          <p:cNvSpPr>
+            <a:spLocks noGrp="1"/>
+          </p:cNvSpPr>
+          <p:nvPr>
+            <p:ph type="body" sz="half" idx="1"/>
+          </p:nvPr>
+        </p:nvSpPr>
+        <p:spPr>
+          <a:xfrm>
+            <a:off x="142865" y="1200151"/>
+            <a:ext cx="8865056" cy="3394472"/>
+          </a:xfrm>
+        </p:spPr>
+        <p:txBody>
+          <a:bodyPr>
+            <a:noAutofit/>
+          </a:bodyPr>
+          <a:lstStyle/>
+          <a:p>
+            <a:pPr marL="0" indent="0" algn="just">
+              <a:buNone/>
+            </a:pPr>
+            <a:endParaRPr lang="pt-BR" sz="2400" dirty="0">
+              <a:latin typeface="Times New Roman" panose="02020603050405020304" pitchFamily="18" charset="0"/>
+              <a:cs typeface="Times New Roman" panose="02020603050405020304" pitchFamily="18" charset="0"/>
+            </a:endParaRPr>
+          </a:p>
+          <a:p>
+            <a:pPr marL="0" indent="0" algn="just">
+              <a:buNone/>
+            </a:pPr>
+            <a:r>
+              <a:rPr lang="pt-BR" sz="2400" dirty="0">
+                <a:latin typeface="Times New Roman" panose="02020603050405020304" pitchFamily="18" charset="0"/>
+                <a:cs typeface="Times New Roman" panose="02020603050405020304" pitchFamily="18" charset="0"/>
+              </a:rPr>
               <a:t>[1] BIBEAULT, </a:t>
             </a:r>
             <a:r>
@@ -18930,7 +20461,495 @@
 </p:sld>
 </file>
 
-<file path=ppt/slides/slide38.xml><?xml version="1.0" encoding="utf-8"?>
+<file path=ppt/slides/slide4.xml><?xml version="1.0" encoding="utf-8"?>
+<p:sld xmlns:a="http://schemas.openxmlformats.org/drawingml/2006/main" xmlns:r="http://schemas.openxmlformats.org/officeDocument/2006/relationships" xmlns:p="http://schemas.openxmlformats.org/presentationml/2006/main">
+  <p:cSld>
+    <p:spTree>
+      <p:nvGrpSpPr>
+        <p:cNvPr id="1" name=""/>
+        <p:cNvGrpSpPr/>
+        <p:nvPr/>
+      </p:nvGrpSpPr>
+      <p:grpSpPr>
+        <a:xfrm>
+          <a:off x="0" y="0"/>
+          <a:ext cx="0" cy="0"/>
+          <a:chOff x="0" y="0"/>
+          <a:chExt cx="0" cy="0"/>
+        </a:xfrm>
+      </p:grpSpPr>
+      <p:sp>
+        <p:nvSpPr>
+          <p:cNvPr id="6" name="Title 1"/>
+          <p:cNvSpPr>
+            <a:spLocks noGrp="1"/>
+          </p:cNvSpPr>
+          <p:nvPr>
+            <p:ph type="title"/>
+          </p:nvPr>
+        </p:nvSpPr>
+        <p:spPr>
+          <a:xfrm>
+            <a:off x="457200" y="205980"/>
+            <a:ext cx="8229600" cy="857251"/>
+          </a:xfrm>
+        </p:spPr>
+        <p:txBody>
+          <a:bodyPr>
+            <a:normAutofit/>
+          </a:bodyPr>
+          <a:lstStyle/>
+          <a:p>
+            <a:r>
+              <a:rPr lang="en-US" b="1" dirty="0" err="1">
+                <a:solidFill>
+                  <a:srgbClr val="0070C0"/>
+                </a:solidFill>
+              </a:rPr>
+              <a:t>JQuery</a:t>
+            </a:r>
+            <a:r>
+              <a:rPr lang="en-US" b="1" dirty="0">
+                <a:solidFill>
+                  <a:srgbClr val="0070C0"/>
+                </a:solidFill>
+              </a:rPr>
+              <a:t> – </a:t>
+            </a:r>
+            <a:r>
+              <a:rPr lang="en-US" b="1" dirty="0" err="1">
+                <a:solidFill>
+                  <a:srgbClr val="0070C0"/>
+                </a:solidFill>
+              </a:rPr>
+              <a:t>Biblioteca</a:t>
+            </a:r>
+            <a:endParaRPr lang="en-US" b="1" dirty="0">
+              <a:solidFill>
+                <a:srgbClr val="0070C0"/>
+              </a:solidFill>
+            </a:endParaRPr>
+          </a:p>
+        </p:txBody>
+      </p:sp>
+      <p:sp>
+        <p:nvSpPr>
+          <p:cNvPr id="8" name="Text Placeholder 2"/>
+          <p:cNvSpPr>
+            <a:spLocks noGrp="1"/>
+          </p:cNvSpPr>
+          <p:nvPr>
+            <p:ph type="body" sz="half" idx="1"/>
+          </p:nvPr>
+        </p:nvSpPr>
+        <p:spPr>
+          <a:xfrm>
+            <a:off x="142865" y="1037311"/>
+            <a:ext cx="8865056" cy="3998151"/>
+          </a:xfrm>
+        </p:spPr>
+        <p:txBody>
+          <a:bodyPr>
+            <a:noAutofit/>
+          </a:bodyPr>
+          <a:lstStyle/>
+          <a:p>
+            <a:pPr marL="0" indent="0" algn="just">
+              <a:buNone/>
+            </a:pPr>
+            <a:r>
+              <a:rPr lang="pt-BR" sz="2400" b="1" dirty="0">
+                <a:solidFill>
+                  <a:schemeClr val="tx1"/>
+                </a:solidFill>
+                <a:latin typeface="Times New Roman" panose="02020603050405020304" pitchFamily="18" charset="0"/>
+                <a:cs typeface="Times New Roman" panose="02020603050405020304" pitchFamily="18" charset="0"/>
+              </a:rPr>
+              <a:t>Java Script Puro</a:t>
+            </a:r>
+            <a:endParaRPr lang="pt-BR" sz="2400" dirty="0">
+              <a:solidFill>
+                <a:schemeClr val="tx1"/>
+              </a:solidFill>
+              <a:latin typeface="Times New Roman" panose="02020603050405020304" pitchFamily="18" charset="0"/>
+              <a:cs typeface="Times New Roman" panose="02020603050405020304" pitchFamily="18" charset="0"/>
+            </a:endParaRPr>
+          </a:p>
+          <a:p>
+            <a:pPr marL="0" indent="0" algn="just">
+              <a:buNone/>
+            </a:pPr>
+            <a:r>
+              <a:rPr lang="pt-BR" sz="2400" dirty="0">
+                <a:solidFill>
+                  <a:schemeClr val="tx1"/>
+                </a:solidFill>
+                <a:latin typeface="Times New Roman" panose="02020603050405020304" pitchFamily="18" charset="0"/>
+                <a:cs typeface="Times New Roman" panose="02020603050405020304" pitchFamily="18" charset="0"/>
+              </a:rPr>
+              <a:t>	</a:t>
+            </a:r>
+            <a:r>
+              <a:rPr lang="pt-BR" sz="2400" dirty="0" err="1">
+                <a:solidFill>
+                  <a:schemeClr val="tx1"/>
+                </a:solidFill>
+                <a:latin typeface="Times New Roman" panose="02020603050405020304" pitchFamily="18" charset="0"/>
+                <a:cs typeface="Times New Roman" panose="02020603050405020304" pitchFamily="18" charset="0"/>
+              </a:rPr>
+              <a:t>document.getElementById</a:t>
+            </a:r>
+            <a:r>
+              <a:rPr lang="pt-BR" sz="2400" dirty="0">
+                <a:solidFill>
+                  <a:schemeClr val="tx1"/>
+                </a:solidFill>
+                <a:latin typeface="Times New Roman" panose="02020603050405020304" pitchFamily="18" charset="0"/>
+                <a:cs typeface="Times New Roman" panose="02020603050405020304" pitchFamily="18" charset="0"/>
+              </a:rPr>
+              <a:t>("teste").</a:t>
+            </a:r>
+            <a:r>
+              <a:rPr lang="pt-BR" sz="2400" dirty="0" err="1">
+                <a:solidFill>
+                  <a:schemeClr val="tx1"/>
+                </a:solidFill>
+                <a:latin typeface="Times New Roman" panose="02020603050405020304" pitchFamily="18" charset="0"/>
+                <a:cs typeface="Times New Roman" panose="02020603050405020304" pitchFamily="18" charset="0"/>
+              </a:rPr>
+              <a:t>innerHTML</a:t>
+            </a:r>
+            <a:r>
+              <a:rPr lang="pt-BR" sz="2400" dirty="0">
+                <a:solidFill>
+                  <a:schemeClr val="tx1"/>
+                </a:solidFill>
+                <a:latin typeface="Times New Roman" panose="02020603050405020304" pitchFamily="18" charset="0"/>
+                <a:cs typeface="Times New Roman" panose="02020603050405020304" pitchFamily="18" charset="0"/>
+              </a:rPr>
+              <a:t> = 'oi’;</a:t>
+            </a:r>
+          </a:p>
+          <a:p>
+            <a:pPr marL="0" indent="0" algn="just">
+              <a:buNone/>
+            </a:pPr>
+            <a:endParaRPr lang="pt-BR" sz="2400" dirty="0">
+              <a:solidFill>
+                <a:schemeClr val="tx1"/>
+              </a:solidFill>
+              <a:latin typeface="Times New Roman" panose="02020603050405020304" pitchFamily="18" charset="0"/>
+              <a:cs typeface="Times New Roman" panose="02020603050405020304" pitchFamily="18" charset="0"/>
+            </a:endParaRPr>
+          </a:p>
+          <a:p>
+            <a:pPr marL="0" indent="0" algn="just">
+              <a:buNone/>
+            </a:pPr>
+            <a:r>
+              <a:rPr lang="pt-BR" sz="2400" b="1" dirty="0" err="1">
+                <a:solidFill>
+                  <a:schemeClr val="tx1"/>
+                </a:solidFill>
+                <a:latin typeface="Times New Roman" panose="02020603050405020304" pitchFamily="18" charset="0"/>
+                <a:cs typeface="Times New Roman" panose="02020603050405020304" pitchFamily="18" charset="0"/>
+              </a:rPr>
+              <a:t>JQuery</a:t>
+            </a:r>
+            <a:endParaRPr lang="pt-BR" sz="2400" dirty="0">
+              <a:solidFill>
+                <a:schemeClr val="tx1"/>
+              </a:solidFill>
+              <a:latin typeface="Times New Roman" panose="02020603050405020304" pitchFamily="18" charset="0"/>
+              <a:cs typeface="Times New Roman" panose="02020603050405020304" pitchFamily="18" charset="0"/>
+            </a:endParaRPr>
+          </a:p>
+          <a:p>
+            <a:pPr marL="0" indent="0" algn="just">
+              <a:buNone/>
+            </a:pPr>
+            <a:r>
+              <a:rPr lang="pt-BR" sz="2400" dirty="0">
+                <a:solidFill>
+                  <a:schemeClr val="tx1"/>
+                </a:solidFill>
+                <a:latin typeface="Times New Roman" panose="02020603050405020304" pitchFamily="18" charset="0"/>
+                <a:cs typeface="Times New Roman" panose="02020603050405020304" pitchFamily="18" charset="0"/>
+              </a:rPr>
+              <a:t>      $(</a:t>
+            </a:r>
+            <a:r>
+              <a:rPr lang="pt-BR" sz="2400" b="1" dirty="0" err="1">
+                <a:solidFill>
+                  <a:schemeClr val="tx1"/>
+                </a:solidFill>
+                <a:latin typeface="Times New Roman" panose="02020603050405020304" pitchFamily="18" charset="0"/>
+                <a:cs typeface="Times New Roman" panose="02020603050405020304" pitchFamily="18" charset="0"/>
+              </a:rPr>
+              <a:t>selector</a:t>
+            </a:r>
+            <a:r>
+              <a:rPr lang="pt-BR" sz="2400" dirty="0">
+                <a:solidFill>
+                  <a:schemeClr val="tx1"/>
+                </a:solidFill>
+                <a:latin typeface="Times New Roman" panose="02020603050405020304" pitchFamily="18" charset="0"/>
+                <a:cs typeface="Times New Roman" panose="02020603050405020304" pitchFamily="18" charset="0"/>
+              </a:rPr>
+              <a:t>).</a:t>
+            </a:r>
+            <a:r>
+              <a:rPr lang="pt-BR" sz="2400" b="1" dirty="0" err="1">
+                <a:solidFill>
+                  <a:srgbClr val="FF0000"/>
+                </a:solidFill>
+                <a:latin typeface="Times New Roman" panose="02020603050405020304" pitchFamily="18" charset="0"/>
+                <a:cs typeface="Times New Roman" panose="02020603050405020304" pitchFamily="18" charset="0"/>
+              </a:rPr>
+              <a:t>acao</a:t>
+            </a:r>
+            <a:r>
+              <a:rPr lang="pt-BR" sz="2400" dirty="0">
+                <a:solidFill>
+                  <a:schemeClr val="tx1"/>
+                </a:solidFill>
+                <a:latin typeface="Times New Roman" panose="02020603050405020304" pitchFamily="18" charset="0"/>
+                <a:cs typeface="Times New Roman" panose="02020603050405020304" pitchFamily="18" charset="0"/>
+              </a:rPr>
+              <a:t>();</a:t>
+            </a:r>
+          </a:p>
+          <a:p>
+            <a:pPr marL="0" indent="0" algn="just">
+              <a:buNone/>
+            </a:pPr>
+            <a:endParaRPr lang="pt-BR" sz="2400" b="1" dirty="0">
+              <a:solidFill>
+                <a:schemeClr val="tx1"/>
+              </a:solidFill>
+              <a:latin typeface="Times New Roman" panose="02020603050405020304" pitchFamily="18" charset="0"/>
+              <a:cs typeface="Times New Roman" panose="02020603050405020304" pitchFamily="18" charset="0"/>
+            </a:endParaRPr>
+          </a:p>
+          <a:p>
+            <a:pPr marL="0" indent="0" algn="just">
+              <a:buNone/>
+            </a:pPr>
+            <a:r>
+              <a:rPr lang="pt-BR" sz="2400" b="1" dirty="0">
+                <a:solidFill>
+                  <a:srgbClr val="FF0000"/>
+                </a:solidFill>
+                <a:latin typeface="Times New Roman" panose="02020603050405020304" pitchFamily="18" charset="0"/>
+                <a:cs typeface="Times New Roman" panose="02020603050405020304" pitchFamily="18" charset="0"/>
+              </a:rPr>
+              <a:t>Exemplo 1</a:t>
+            </a:r>
+            <a:r>
+              <a:rPr lang="pt-BR" sz="2400" b="1" dirty="0">
+                <a:solidFill>
+                  <a:schemeClr val="tx1"/>
+                </a:solidFill>
+                <a:latin typeface="Times New Roman" panose="02020603050405020304" pitchFamily="18" charset="0"/>
+                <a:cs typeface="Times New Roman" panose="02020603050405020304" pitchFamily="18" charset="0"/>
+              </a:rPr>
+              <a:t>:</a:t>
+            </a:r>
+            <a:endParaRPr lang="pt-BR" sz="2400" dirty="0">
+              <a:solidFill>
+                <a:schemeClr val="tx1"/>
+              </a:solidFill>
+              <a:latin typeface="Times New Roman" panose="02020603050405020304" pitchFamily="18" charset="0"/>
+              <a:cs typeface="Times New Roman" panose="02020603050405020304" pitchFamily="18" charset="0"/>
+            </a:endParaRPr>
+          </a:p>
+          <a:p>
+            <a:pPr marL="0" indent="0" algn="just">
+              <a:buNone/>
+            </a:pPr>
+            <a:r>
+              <a:rPr lang="pt-BR" sz="2400" dirty="0">
+                <a:solidFill>
+                  <a:schemeClr val="tx1"/>
+                </a:solidFill>
+                <a:latin typeface="Times New Roman" panose="02020603050405020304" pitchFamily="18" charset="0"/>
+                <a:cs typeface="Times New Roman" panose="02020603050405020304" pitchFamily="18" charset="0"/>
+              </a:rPr>
+              <a:t>      $("</a:t>
+            </a:r>
+            <a:r>
+              <a:rPr lang="pt-BR" sz="2400" b="1" dirty="0">
+                <a:solidFill>
+                  <a:schemeClr val="tx1"/>
+                </a:solidFill>
+                <a:latin typeface="Times New Roman" panose="02020603050405020304" pitchFamily="18" charset="0"/>
+                <a:cs typeface="Times New Roman" panose="02020603050405020304" pitchFamily="18" charset="0"/>
+              </a:rPr>
+              <a:t>#teste</a:t>
+            </a:r>
+            <a:r>
+              <a:rPr lang="pt-BR" sz="2400" dirty="0">
+                <a:solidFill>
+                  <a:schemeClr val="tx1"/>
+                </a:solidFill>
+                <a:latin typeface="Times New Roman" panose="02020603050405020304" pitchFamily="18" charset="0"/>
+                <a:cs typeface="Times New Roman" panose="02020603050405020304" pitchFamily="18" charset="0"/>
+              </a:rPr>
+              <a:t>").</a:t>
+            </a:r>
+            <a:r>
+              <a:rPr lang="pt-BR" sz="2400" b="1" dirty="0" err="1">
+                <a:solidFill>
+                  <a:srgbClr val="FF0000"/>
+                </a:solidFill>
+                <a:latin typeface="Times New Roman" panose="02020603050405020304" pitchFamily="18" charset="0"/>
+                <a:cs typeface="Times New Roman" panose="02020603050405020304" pitchFamily="18" charset="0"/>
+              </a:rPr>
+              <a:t>html</a:t>
+            </a:r>
+            <a:r>
+              <a:rPr lang="pt-BR" sz="2400" dirty="0">
+                <a:solidFill>
+                  <a:schemeClr val="tx1"/>
+                </a:solidFill>
+                <a:latin typeface="Times New Roman" panose="02020603050405020304" pitchFamily="18" charset="0"/>
+                <a:cs typeface="Times New Roman" panose="02020603050405020304" pitchFamily="18" charset="0"/>
+              </a:rPr>
+              <a:t>(“</a:t>
+            </a:r>
+            <a:r>
+              <a:rPr lang="pt-BR" sz="2400" dirty="0" err="1">
+                <a:solidFill>
+                  <a:schemeClr val="tx1"/>
+                </a:solidFill>
+                <a:latin typeface="Times New Roman" panose="02020603050405020304" pitchFamily="18" charset="0"/>
+                <a:cs typeface="Times New Roman" panose="02020603050405020304" pitchFamily="18" charset="0"/>
+              </a:rPr>
+              <a:t>Hello</a:t>
+            </a:r>
+            <a:r>
+              <a:rPr lang="pt-BR" sz="2400" dirty="0">
+                <a:solidFill>
+                  <a:schemeClr val="tx1"/>
+                </a:solidFill>
+                <a:latin typeface="Times New Roman" panose="02020603050405020304" pitchFamily="18" charset="0"/>
+                <a:cs typeface="Times New Roman" panose="02020603050405020304" pitchFamily="18" charset="0"/>
+              </a:rPr>
+              <a:t> World!!!");</a:t>
+            </a:r>
+          </a:p>
+          <a:p>
+            <a:pPr marL="0" indent="0" algn="just">
+              <a:buNone/>
+            </a:pPr>
+            <a:r>
+              <a:rPr lang="pt-BR" sz="2400" dirty="0">
+                <a:solidFill>
+                  <a:schemeClr val="tx1"/>
+                </a:solidFill>
+                <a:latin typeface="Times New Roman" panose="02020603050405020304" pitchFamily="18" charset="0"/>
+                <a:cs typeface="Times New Roman" panose="02020603050405020304" pitchFamily="18" charset="0"/>
+              </a:rPr>
+              <a:t>	$('</a:t>
+            </a:r>
+            <a:r>
+              <a:rPr lang="pt-BR" sz="2400" b="1" dirty="0">
+                <a:solidFill>
+                  <a:schemeClr val="tx1"/>
+                </a:solidFill>
+                <a:latin typeface="Times New Roman" panose="02020603050405020304" pitchFamily="18" charset="0"/>
+                <a:cs typeface="Times New Roman" panose="02020603050405020304" pitchFamily="18" charset="0"/>
+              </a:rPr>
+              <a:t>body</a:t>
+            </a:r>
+            <a:r>
+              <a:rPr lang="pt-BR" sz="2400" dirty="0">
+                <a:solidFill>
+                  <a:schemeClr val="tx1"/>
+                </a:solidFill>
+                <a:latin typeface="Times New Roman" panose="02020603050405020304" pitchFamily="18" charset="0"/>
+                <a:cs typeface="Times New Roman" panose="02020603050405020304" pitchFamily="18" charset="0"/>
+              </a:rPr>
+              <a:t>').</a:t>
+            </a:r>
+            <a:r>
+              <a:rPr lang="pt-BR" sz="2400" dirty="0" err="1">
+                <a:solidFill>
+                  <a:schemeClr val="tx1"/>
+                </a:solidFill>
+                <a:latin typeface="Times New Roman" panose="02020603050405020304" pitchFamily="18" charset="0"/>
+                <a:cs typeface="Times New Roman" panose="02020603050405020304" pitchFamily="18" charset="0"/>
+              </a:rPr>
+              <a:t>css</a:t>
+            </a:r>
+            <a:r>
+              <a:rPr lang="pt-BR" sz="2400" dirty="0">
+                <a:solidFill>
+                  <a:schemeClr val="tx1"/>
+                </a:solidFill>
+                <a:latin typeface="Times New Roman" panose="02020603050405020304" pitchFamily="18" charset="0"/>
+                <a:cs typeface="Times New Roman" panose="02020603050405020304" pitchFamily="18" charset="0"/>
+              </a:rPr>
+              <a:t>('</a:t>
+            </a:r>
+            <a:r>
+              <a:rPr lang="pt-BR" sz="2400" b="1" dirty="0">
+                <a:solidFill>
+                  <a:schemeClr val="tx1"/>
+                </a:solidFill>
+                <a:latin typeface="Times New Roman" panose="02020603050405020304" pitchFamily="18" charset="0"/>
+                <a:cs typeface="Times New Roman" panose="02020603050405020304" pitchFamily="18" charset="0"/>
+              </a:rPr>
+              <a:t>background-color</a:t>
+            </a:r>
+            <a:r>
+              <a:rPr lang="pt-BR" sz="2400" dirty="0">
+                <a:solidFill>
+                  <a:schemeClr val="tx1"/>
+                </a:solidFill>
+                <a:latin typeface="Times New Roman" panose="02020603050405020304" pitchFamily="18" charset="0"/>
+                <a:cs typeface="Times New Roman" panose="02020603050405020304" pitchFamily="18" charset="0"/>
+              </a:rPr>
+              <a:t>', '</a:t>
+            </a:r>
+            <a:r>
+              <a:rPr lang="pt-BR" sz="2400" b="1" dirty="0">
+                <a:solidFill>
+                  <a:schemeClr val="tx1"/>
+                </a:solidFill>
+                <a:latin typeface="Times New Roman" panose="02020603050405020304" pitchFamily="18" charset="0"/>
+                <a:cs typeface="Times New Roman" panose="02020603050405020304" pitchFamily="18" charset="0"/>
+              </a:rPr>
+              <a:t>blue</a:t>
+            </a:r>
+            <a:r>
+              <a:rPr lang="pt-BR" sz="2400" dirty="0">
+                <a:solidFill>
+                  <a:schemeClr val="tx1"/>
+                </a:solidFill>
+                <a:latin typeface="Times New Roman" panose="02020603050405020304" pitchFamily="18" charset="0"/>
+                <a:cs typeface="Times New Roman" panose="02020603050405020304" pitchFamily="18" charset="0"/>
+              </a:rPr>
+              <a:t>');</a:t>
+            </a:r>
+          </a:p>
+        </p:txBody>
+      </p:sp>
+    </p:spTree>
+    <p:extLst>
+      <p:ext uri="{BB962C8B-B14F-4D97-AF65-F5344CB8AC3E}">
+        <p14:creationId xmlns:p14="http://schemas.microsoft.com/office/powerpoint/2010/main" val="3967537034"/>
+      </p:ext>
+    </p:extLst>
+  </p:cSld>
+  <p:clrMapOvr>
+    <a:masterClrMapping/>
+  </p:clrMapOvr>
+  <p:transition spd="med"/>
+</p:sld>
+</file>
+
+<file path=ppt/slides/slide40.xml><?xml version="1.0" encoding="utf-8"?>
 <p:sld xmlns:a="http://schemas.openxmlformats.org/drawingml/2006/main" xmlns:r="http://schemas.openxmlformats.org/officeDocument/2006/relationships" xmlns:p="http://schemas.openxmlformats.org/presentationml/2006/main">
   <p:cSld>
     <p:spTree>
@@ -19393,494 +21412,6 @@
         </p:txBody>
       </p:sp>
     </p:spTree>
-  </p:cSld>
-  <p:clrMapOvr>
-    <a:masterClrMapping/>
-  </p:clrMapOvr>
-  <p:transition spd="med"/>
-</p:sld>
-</file>
-
-<file path=ppt/slides/slide4.xml><?xml version="1.0" encoding="utf-8"?>
-<p:sld xmlns:a="http://schemas.openxmlformats.org/drawingml/2006/main" xmlns:r="http://schemas.openxmlformats.org/officeDocument/2006/relationships" xmlns:p="http://schemas.openxmlformats.org/presentationml/2006/main">
-  <p:cSld>
-    <p:spTree>
-      <p:nvGrpSpPr>
-        <p:cNvPr id="1" name=""/>
-        <p:cNvGrpSpPr/>
-        <p:nvPr/>
-      </p:nvGrpSpPr>
-      <p:grpSpPr>
-        <a:xfrm>
-          <a:off x="0" y="0"/>
-          <a:ext cx="0" cy="0"/>
-          <a:chOff x="0" y="0"/>
-          <a:chExt cx="0" cy="0"/>
-        </a:xfrm>
-      </p:grpSpPr>
-      <p:sp>
-        <p:nvSpPr>
-          <p:cNvPr id="6" name="Title 1"/>
-          <p:cNvSpPr>
-            <a:spLocks noGrp="1"/>
-          </p:cNvSpPr>
-          <p:nvPr>
-            <p:ph type="title"/>
-          </p:nvPr>
-        </p:nvSpPr>
-        <p:spPr>
-          <a:xfrm>
-            <a:off x="457200" y="205980"/>
-            <a:ext cx="8229600" cy="857251"/>
-          </a:xfrm>
-        </p:spPr>
-        <p:txBody>
-          <a:bodyPr>
-            <a:normAutofit/>
-          </a:bodyPr>
-          <a:lstStyle/>
-          <a:p>
-            <a:r>
-              <a:rPr lang="en-US" b="1" dirty="0" err="1">
-                <a:solidFill>
-                  <a:srgbClr val="0070C0"/>
-                </a:solidFill>
-              </a:rPr>
-              <a:t>JQuery</a:t>
-            </a:r>
-            <a:r>
-              <a:rPr lang="en-US" b="1" dirty="0">
-                <a:solidFill>
-                  <a:srgbClr val="0070C0"/>
-                </a:solidFill>
-              </a:rPr>
-              <a:t> – </a:t>
-            </a:r>
-            <a:r>
-              <a:rPr lang="en-US" b="1" dirty="0" err="1">
-                <a:solidFill>
-                  <a:srgbClr val="0070C0"/>
-                </a:solidFill>
-              </a:rPr>
-              <a:t>Biblioteca</a:t>
-            </a:r>
-            <a:endParaRPr lang="en-US" b="1" dirty="0">
-              <a:solidFill>
-                <a:srgbClr val="0070C0"/>
-              </a:solidFill>
-            </a:endParaRPr>
-          </a:p>
-        </p:txBody>
-      </p:sp>
-      <p:sp>
-        <p:nvSpPr>
-          <p:cNvPr id="8" name="Text Placeholder 2"/>
-          <p:cNvSpPr>
-            <a:spLocks noGrp="1"/>
-          </p:cNvSpPr>
-          <p:nvPr>
-            <p:ph type="body" sz="half" idx="1"/>
-          </p:nvPr>
-        </p:nvSpPr>
-        <p:spPr>
-          <a:xfrm>
-            <a:off x="142865" y="1037311"/>
-            <a:ext cx="8865056" cy="3998151"/>
-          </a:xfrm>
-        </p:spPr>
-        <p:txBody>
-          <a:bodyPr>
-            <a:noAutofit/>
-          </a:bodyPr>
-          <a:lstStyle/>
-          <a:p>
-            <a:pPr marL="0" indent="0" algn="just">
-              <a:buNone/>
-            </a:pPr>
-            <a:r>
-              <a:rPr lang="pt-BR" sz="2400" b="1" dirty="0">
-                <a:solidFill>
-                  <a:schemeClr val="tx1"/>
-                </a:solidFill>
-                <a:latin typeface="Times New Roman" panose="02020603050405020304" pitchFamily="18" charset="0"/>
-                <a:cs typeface="Times New Roman" panose="02020603050405020304" pitchFamily="18" charset="0"/>
-              </a:rPr>
-              <a:t>Java Script Puro</a:t>
-            </a:r>
-            <a:endParaRPr lang="pt-BR" sz="2400" dirty="0">
-              <a:solidFill>
-                <a:schemeClr val="tx1"/>
-              </a:solidFill>
-              <a:latin typeface="Times New Roman" panose="02020603050405020304" pitchFamily="18" charset="0"/>
-              <a:cs typeface="Times New Roman" panose="02020603050405020304" pitchFamily="18" charset="0"/>
-            </a:endParaRPr>
-          </a:p>
-          <a:p>
-            <a:pPr marL="0" indent="0" algn="just">
-              <a:buNone/>
-            </a:pPr>
-            <a:r>
-              <a:rPr lang="pt-BR" sz="2400" dirty="0">
-                <a:solidFill>
-                  <a:schemeClr val="tx1"/>
-                </a:solidFill>
-                <a:latin typeface="Times New Roman" panose="02020603050405020304" pitchFamily="18" charset="0"/>
-                <a:cs typeface="Times New Roman" panose="02020603050405020304" pitchFamily="18" charset="0"/>
-              </a:rPr>
-              <a:t>	</a:t>
-            </a:r>
-            <a:r>
-              <a:rPr lang="pt-BR" sz="2400" dirty="0" err="1">
-                <a:solidFill>
-                  <a:schemeClr val="tx1"/>
-                </a:solidFill>
-                <a:latin typeface="Times New Roman" panose="02020603050405020304" pitchFamily="18" charset="0"/>
-                <a:cs typeface="Times New Roman" panose="02020603050405020304" pitchFamily="18" charset="0"/>
-              </a:rPr>
-              <a:t>document.getElementById</a:t>
-            </a:r>
-            <a:r>
-              <a:rPr lang="pt-BR" sz="2400" dirty="0">
-                <a:solidFill>
-                  <a:schemeClr val="tx1"/>
-                </a:solidFill>
-                <a:latin typeface="Times New Roman" panose="02020603050405020304" pitchFamily="18" charset="0"/>
-                <a:cs typeface="Times New Roman" panose="02020603050405020304" pitchFamily="18" charset="0"/>
-              </a:rPr>
-              <a:t>("teste").</a:t>
-            </a:r>
-            <a:r>
-              <a:rPr lang="pt-BR" sz="2400" dirty="0" err="1">
-                <a:solidFill>
-                  <a:schemeClr val="tx1"/>
-                </a:solidFill>
-                <a:latin typeface="Times New Roman" panose="02020603050405020304" pitchFamily="18" charset="0"/>
-                <a:cs typeface="Times New Roman" panose="02020603050405020304" pitchFamily="18" charset="0"/>
-              </a:rPr>
-              <a:t>innerHTML</a:t>
-            </a:r>
-            <a:r>
-              <a:rPr lang="pt-BR" sz="2400" dirty="0">
-                <a:solidFill>
-                  <a:schemeClr val="tx1"/>
-                </a:solidFill>
-                <a:latin typeface="Times New Roman" panose="02020603050405020304" pitchFamily="18" charset="0"/>
-                <a:cs typeface="Times New Roman" panose="02020603050405020304" pitchFamily="18" charset="0"/>
-              </a:rPr>
-              <a:t> = 'oi’;</a:t>
-            </a:r>
-          </a:p>
-          <a:p>
-            <a:pPr marL="0" indent="0" algn="just">
-              <a:buNone/>
-            </a:pPr>
-            <a:endParaRPr lang="pt-BR" sz="2400" dirty="0">
-              <a:solidFill>
-                <a:schemeClr val="tx1"/>
-              </a:solidFill>
-              <a:latin typeface="Times New Roman" panose="02020603050405020304" pitchFamily="18" charset="0"/>
-              <a:cs typeface="Times New Roman" panose="02020603050405020304" pitchFamily="18" charset="0"/>
-            </a:endParaRPr>
-          </a:p>
-          <a:p>
-            <a:pPr marL="0" indent="0" algn="just">
-              <a:buNone/>
-            </a:pPr>
-            <a:r>
-              <a:rPr lang="pt-BR" sz="2400" b="1" dirty="0" err="1">
-                <a:solidFill>
-                  <a:schemeClr val="tx1"/>
-                </a:solidFill>
-                <a:latin typeface="Times New Roman" panose="02020603050405020304" pitchFamily="18" charset="0"/>
-                <a:cs typeface="Times New Roman" panose="02020603050405020304" pitchFamily="18" charset="0"/>
-              </a:rPr>
-              <a:t>JQuery</a:t>
-            </a:r>
-            <a:endParaRPr lang="pt-BR" sz="2400" dirty="0">
-              <a:solidFill>
-                <a:schemeClr val="tx1"/>
-              </a:solidFill>
-              <a:latin typeface="Times New Roman" panose="02020603050405020304" pitchFamily="18" charset="0"/>
-              <a:cs typeface="Times New Roman" panose="02020603050405020304" pitchFamily="18" charset="0"/>
-            </a:endParaRPr>
-          </a:p>
-          <a:p>
-            <a:pPr marL="0" indent="0" algn="just">
-              <a:buNone/>
-            </a:pPr>
-            <a:r>
-              <a:rPr lang="pt-BR" sz="2400" dirty="0">
-                <a:solidFill>
-                  <a:schemeClr val="tx1"/>
-                </a:solidFill>
-                <a:latin typeface="Times New Roman" panose="02020603050405020304" pitchFamily="18" charset="0"/>
-                <a:cs typeface="Times New Roman" panose="02020603050405020304" pitchFamily="18" charset="0"/>
-              </a:rPr>
-              <a:t>      $(</a:t>
-            </a:r>
-            <a:r>
-              <a:rPr lang="pt-BR" sz="2400" b="1" dirty="0" err="1">
-                <a:solidFill>
-                  <a:schemeClr val="tx1"/>
-                </a:solidFill>
-                <a:latin typeface="Times New Roman" panose="02020603050405020304" pitchFamily="18" charset="0"/>
-                <a:cs typeface="Times New Roman" panose="02020603050405020304" pitchFamily="18" charset="0"/>
-              </a:rPr>
-              <a:t>selector</a:t>
-            </a:r>
-            <a:r>
-              <a:rPr lang="pt-BR" sz="2400" dirty="0">
-                <a:solidFill>
-                  <a:schemeClr val="tx1"/>
-                </a:solidFill>
-                <a:latin typeface="Times New Roman" panose="02020603050405020304" pitchFamily="18" charset="0"/>
-                <a:cs typeface="Times New Roman" panose="02020603050405020304" pitchFamily="18" charset="0"/>
-              </a:rPr>
-              <a:t>).</a:t>
-            </a:r>
-            <a:r>
-              <a:rPr lang="pt-BR" sz="2400" b="1" dirty="0" err="1">
-                <a:solidFill>
-                  <a:srgbClr val="FF0000"/>
-                </a:solidFill>
-                <a:latin typeface="Times New Roman" panose="02020603050405020304" pitchFamily="18" charset="0"/>
-                <a:cs typeface="Times New Roman" panose="02020603050405020304" pitchFamily="18" charset="0"/>
-              </a:rPr>
-              <a:t>acao</a:t>
-            </a:r>
-            <a:r>
-              <a:rPr lang="pt-BR" sz="2400" dirty="0">
-                <a:solidFill>
-                  <a:schemeClr val="tx1"/>
-                </a:solidFill>
-                <a:latin typeface="Times New Roman" panose="02020603050405020304" pitchFamily="18" charset="0"/>
-                <a:cs typeface="Times New Roman" panose="02020603050405020304" pitchFamily="18" charset="0"/>
-              </a:rPr>
-              <a:t>();</a:t>
-            </a:r>
-          </a:p>
-          <a:p>
-            <a:pPr marL="0" indent="0" algn="just">
-              <a:buNone/>
-            </a:pPr>
-            <a:endParaRPr lang="pt-BR" sz="2400" b="1" dirty="0">
-              <a:solidFill>
-                <a:schemeClr val="tx1"/>
-              </a:solidFill>
-              <a:latin typeface="Times New Roman" panose="02020603050405020304" pitchFamily="18" charset="0"/>
-              <a:cs typeface="Times New Roman" panose="02020603050405020304" pitchFamily="18" charset="0"/>
-            </a:endParaRPr>
-          </a:p>
-          <a:p>
-            <a:pPr marL="0" indent="0" algn="just">
-              <a:buNone/>
-            </a:pPr>
-            <a:r>
-              <a:rPr lang="pt-BR" sz="2400" b="1" dirty="0">
-                <a:solidFill>
-                  <a:srgbClr val="FF0000"/>
-                </a:solidFill>
-                <a:latin typeface="Times New Roman" panose="02020603050405020304" pitchFamily="18" charset="0"/>
-                <a:cs typeface="Times New Roman" panose="02020603050405020304" pitchFamily="18" charset="0"/>
-              </a:rPr>
-              <a:t>Exemplo 1</a:t>
-            </a:r>
-            <a:r>
-              <a:rPr lang="pt-BR" sz="2400" b="1" dirty="0">
-                <a:solidFill>
-                  <a:schemeClr val="tx1"/>
-                </a:solidFill>
-                <a:latin typeface="Times New Roman" panose="02020603050405020304" pitchFamily="18" charset="0"/>
-                <a:cs typeface="Times New Roman" panose="02020603050405020304" pitchFamily="18" charset="0"/>
-              </a:rPr>
-              <a:t>:</a:t>
-            </a:r>
-            <a:endParaRPr lang="pt-BR" sz="2400" dirty="0">
-              <a:solidFill>
-                <a:schemeClr val="tx1"/>
-              </a:solidFill>
-              <a:latin typeface="Times New Roman" panose="02020603050405020304" pitchFamily="18" charset="0"/>
-              <a:cs typeface="Times New Roman" panose="02020603050405020304" pitchFamily="18" charset="0"/>
-            </a:endParaRPr>
-          </a:p>
-          <a:p>
-            <a:pPr marL="0" indent="0" algn="just">
-              <a:buNone/>
-            </a:pPr>
-            <a:r>
-              <a:rPr lang="pt-BR" sz="2400" dirty="0">
-                <a:solidFill>
-                  <a:schemeClr val="tx1"/>
-                </a:solidFill>
-                <a:latin typeface="Times New Roman" panose="02020603050405020304" pitchFamily="18" charset="0"/>
-                <a:cs typeface="Times New Roman" panose="02020603050405020304" pitchFamily="18" charset="0"/>
-              </a:rPr>
-              <a:t>      $("</a:t>
-            </a:r>
-            <a:r>
-              <a:rPr lang="pt-BR" sz="2400" b="1" dirty="0">
-                <a:solidFill>
-                  <a:schemeClr val="tx1"/>
-                </a:solidFill>
-                <a:latin typeface="Times New Roman" panose="02020603050405020304" pitchFamily="18" charset="0"/>
-                <a:cs typeface="Times New Roman" panose="02020603050405020304" pitchFamily="18" charset="0"/>
-              </a:rPr>
-              <a:t>#teste</a:t>
-            </a:r>
-            <a:r>
-              <a:rPr lang="pt-BR" sz="2400" dirty="0">
-                <a:solidFill>
-                  <a:schemeClr val="tx1"/>
-                </a:solidFill>
-                <a:latin typeface="Times New Roman" panose="02020603050405020304" pitchFamily="18" charset="0"/>
-                <a:cs typeface="Times New Roman" panose="02020603050405020304" pitchFamily="18" charset="0"/>
-              </a:rPr>
-              <a:t>").</a:t>
-            </a:r>
-            <a:r>
-              <a:rPr lang="pt-BR" sz="2400" b="1" dirty="0" err="1">
-                <a:solidFill>
-                  <a:srgbClr val="FF0000"/>
-                </a:solidFill>
-                <a:latin typeface="Times New Roman" panose="02020603050405020304" pitchFamily="18" charset="0"/>
-                <a:cs typeface="Times New Roman" panose="02020603050405020304" pitchFamily="18" charset="0"/>
-              </a:rPr>
-              <a:t>html</a:t>
-            </a:r>
-            <a:r>
-              <a:rPr lang="pt-BR" sz="2400" dirty="0">
-                <a:solidFill>
-                  <a:schemeClr val="tx1"/>
-                </a:solidFill>
-                <a:latin typeface="Times New Roman" panose="02020603050405020304" pitchFamily="18" charset="0"/>
-                <a:cs typeface="Times New Roman" panose="02020603050405020304" pitchFamily="18" charset="0"/>
-              </a:rPr>
-              <a:t>(“</a:t>
-            </a:r>
-            <a:r>
-              <a:rPr lang="pt-BR" sz="2400" dirty="0" err="1">
-                <a:solidFill>
-                  <a:schemeClr val="tx1"/>
-                </a:solidFill>
-                <a:latin typeface="Times New Roman" panose="02020603050405020304" pitchFamily="18" charset="0"/>
-                <a:cs typeface="Times New Roman" panose="02020603050405020304" pitchFamily="18" charset="0"/>
-              </a:rPr>
-              <a:t>Hello</a:t>
-            </a:r>
-            <a:r>
-              <a:rPr lang="pt-BR" sz="2400" dirty="0">
-                <a:solidFill>
-                  <a:schemeClr val="tx1"/>
-                </a:solidFill>
-                <a:latin typeface="Times New Roman" panose="02020603050405020304" pitchFamily="18" charset="0"/>
-                <a:cs typeface="Times New Roman" panose="02020603050405020304" pitchFamily="18" charset="0"/>
-              </a:rPr>
-              <a:t> World!!!");</a:t>
-            </a:r>
-          </a:p>
-          <a:p>
-            <a:pPr marL="0" indent="0" algn="just">
-              <a:buNone/>
-            </a:pPr>
-            <a:r>
-              <a:rPr lang="pt-BR" sz="2400" dirty="0">
-                <a:solidFill>
-                  <a:schemeClr val="tx1"/>
-                </a:solidFill>
-                <a:latin typeface="Times New Roman" panose="02020603050405020304" pitchFamily="18" charset="0"/>
-                <a:cs typeface="Times New Roman" panose="02020603050405020304" pitchFamily="18" charset="0"/>
-              </a:rPr>
-              <a:t>	$('</a:t>
-            </a:r>
-            <a:r>
-              <a:rPr lang="pt-BR" sz="2400" b="1" dirty="0">
-                <a:solidFill>
-                  <a:schemeClr val="tx1"/>
-                </a:solidFill>
-                <a:latin typeface="Times New Roman" panose="02020603050405020304" pitchFamily="18" charset="0"/>
-                <a:cs typeface="Times New Roman" panose="02020603050405020304" pitchFamily="18" charset="0"/>
-              </a:rPr>
-              <a:t>body</a:t>
-            </a:r>
-            <a:r>
-              <a:rPr lang="pt-BR" sz="2400" dirty="0">
-                <a:solidFill>
-                  <a:schemeClr val="tx1"/>
-                </a:solidFill>
-                <a:latin typeface="Times New Roman" panose="02020603050405020304" pitchFamily="18" charset="0"/>
-                <a:cs typeface="Times New Roman" panose="02020603050405020304" pitchFamily="18" charset="0"/>
-              </a:rPr>
-              <a:t>').</a:t>
-            </a:r>
-            <a:r>
-              <a:rPr lang="pt-BR" sz="2400" dirty="0" err="1">
-                <a:solidFill>
-                  <a:schemeClr val="tx1"/>
-                </a:solidFill>
-                <a:latin typeface="Times New Roman" panose="02020603050405020304" pitchFamily="18" charset="0"/>
-                <a:cs typeface="Times New Roman" panose="02020603050405020304" pitchFamily="18" charset="0"/>
-              </a:rPr>
-              <a:t>css</a:t>
-            </a:r>
-            <a:r>
-              <a:rPr lang="pt-BR" sz="2400" dirty="0">
-                <a:solidFill>
-                  <a:schemeClr val="tx1"/>
-                </a:solidFill>
-                <a:latin typeface="Times New Roman" panose="02020603050405020304" pitchFamily="18" charset="0"/>
-                <a:cs typeface="Times New Roman" panose="02020603050405020304" pitchFamily="18" charset="0"/>
-              </a:rPr>
-              <a:t>('</a:t>
-            </a:r>
-            <a:r>
-              <a:rPr lang="pt-BR" sz="2400" b="1" dirty="0">
-                <a:solidFill>
-                  <a:schemeClr val="tx1"/>
-                </a:solidFill>
-                <a:latin typeface="Times New Roman" panose="02020603050405020304" pitchFamily="18" charset="0"/>
-                <a:cs typeface="Times New Roman" panose="02020603050405020304" pitchFamily="18" charset="0"/>
-              </a:rPr>
-              <a:t>background-color</a:t>
-            </a:r>
-            <a:r>
-              <a:rPr lang="pt-BR" sz="2400" dirty="0">
-                <a:solidFill>
-                  <a:schemeClr val="tx1"/>
-                </a:solidFill>
-                <a:latin typeface="Times New Roman" panose="02020603050405020304" pitchFamily="18" charset="0"/>
-                <a:cs typeface="Times New Roman" panose="02020603050405020304" pitchFamily="18" charset="0"/>
-              </a:rPr>
-              <a:t>', '</a:t>
-            </a:r>
-            <a:r>
-              <a:rPr lang="pt-BR" sz="2400" b="1" dirty="0">
-                <a:solidFill>
-                  <a:schemeClr val="tx1"/>
-                </a:solidFill>
-                <a:latin typeface="Times New Roman" panose="02020603050405020304" pitchFamily="18" charset="0"/>
-                <a:cs typeface="Times New Roman" panose="02020603050405020304" pitchFamily="18" charset="0"/>
-              </a:rPr>
-              <a:t>blue</a:t>
-            </a:r>
-            <a:r>
-              <a:rPr lang="pt-BR" sz="2400" dirty="0">
-                <a:solidFill>
-                  <a:schemeClr val="tx1"/>
-                </a:solidFill>
-                <a:latin typeface="Times New Roman" panose="02020603050405020304" pitchFamily="18" charset="0"/>
-                <a:cs typeface="Times New Roman" panose="02020603050405020304" pitchFamily="18" charset="0"/>
-              </a:rPr>
-              <a:t>');</a:t>
-            </a:r>
-          </a:p>
-        </p:txBody>
-      </p:sp>
-    </p:spTree>
-    <p:extLst>
-      <p:ext uri="{BB962C8B-B14F-4D97-AF65-F5344CB8AC3E}">
-        <p14:creationId xmlns:p14="http://schemas.microsoft.com/office/powerpoint/2010/main" val="3967537034"/>
-      </p:ext>
-    </p:extLst>
   </p:cSld>
   <p:clrMapOvr>
     <a:masterClrMapping/>

--- a/01 Classes/Aula 11 Desenvolvimento Web PHP - JQuery.pptx
+++ b/01 Classes/Aula 11 Desenvolvimento Web PHP - JQuery.pptx
@@ -12062,10 +12062,30 @@
                 <a:latin typeface="Times New Roman" panose="02020603050405020304" pitchFamily="18" charset="0"/>
                 <a:cs typeface="Times New Roman" panose="02020603050405020304" pitchFamily="18" charset="0"/>
               </a:rPr>
-              <a:t>').click(</a:t>
-            </a:r>
-            <a:r>
-              <a:rPr lang="pt-BR" sz="2000" dirty="0" err="1">
+              <a:t>').</a:t>
+            </a:r>
+            <a:r>
+              <a:rPr lang="pt-BR" sz="2000" b="1" dirty="0">
+                <a:solidFill>
+                  <a:srgbClr val="FF0000"/>
+                </a:solidFill>
+                <a:latin typeface="Times New Roman" panose="02020603050405020304" pitchFamily="18" charset="0"/>
+                <a:cs typeface="Times New Roman" panose="02020603050405020304" pitchFamily="18" charset="0"/>
+              </a:rPr>
+              <a:t>click</a:t>
+            </a:r>
+            <a:r>
+              <a:rPr lang="pt-BR" sz="2000" dirty="0">
+                <a:solidFill>
+                  <a:schemeClr val="tx1"/>
+                </a:solidFill>
+                <a:latin typeface="Times New Roman" panose="02020603050405020304" pitchFamily="18" charset="0"/>
+                <a:cs typeface="Times New Roman" panose="02020603050405020304" pitchFamily="18" charset="0"/>
+              </a:rPr>
+              <a:t>(</a:t>
+            </a:r>
+            <a:r>
+              <a:rPr lang="pt-BR" sz="2000" b="1" dirty="0" err="1">
                 <a:solidFill>
                   <a:schemeClr val="tx1"/>
                 </a:solidFill>
@@ -12100,7 +12120,7 @@
               <a:t>          </a:t>
             </a:r>
             <a:r>
-              <a:rPr lang="pt-BR" sz="2000" dirty="0" err="1">
+              <a:rPr lang="pt-BR" sz="2000" b="1" dirty="0" err="1">
                 <a:solidFill>
                   <a:schemeClr val="tx1"/>
                 </a:solidFill>
@@ -12120,7 +12140,7 @@
               <a:t>($('body').</a:t>
             </a:r>
             <a:r>
-              <a:rPr lang="pt-BR" sz="2000" dirty="0" err="1">
+              <a:rPr lang="pt-BR" sz="2000" b="1" dirty="0" err="1">
                 <a:solidFill>
                   <a:schemeClr val="tx1"/>
                 </a:solidFill>
@@ -12199,7 +12219,27 @@
                 <a:latin typeface="Times New Roman" panose="02020603050405020304" pitchFamily="18" charset="0"/>
                 <a:cs typeface="Times New Roman" panose="02020603050405020304" pitchFamily="18" charset="0"/>
               </a:rPr>
-              <a:t>').click(</a:t>
+              <a:t>').</a:t>
+            </a:r>
+            <a:r>
+              <a:rPr lang="pt-BR" sz="2000" b="1" dirty="0">
+                <a:solidFill>
+                  <a:srgbClr val="FF0000"/>
+                </a:solidFill>
+                <a:latin typeface="Times New Roman" panose="02020603050405020304" pitchFamily="18" charset="0"/>
+                <a:cs typeface="Times New Roman" panose="02020603050405020304" pitchFamily="18" charset="0"/>
+              </a:rPr>
+              <a:t>click</a:t>
+            </a:r>
+            <a:r>
+              <a:rPr lang="pt-BR" sz="2000" dirty="0">
+                <a:solidFill>
+                  <a:schemeClr val="tx1"/>
+                </a:solidFill>
+                <a:latin typeface="Times New Roman" panose="02020603050405020304" pitchFamily="18" charset="0"/>
+                <a:cs typeface="Times New Roman" panose="02020603050405020304" pitchFamily="18" charset="0"/>
+              </a:rPr>
+              <a:t>(</a:t>
             </a:r>
             <a:r>
               <a:rPr lang="pt-BR" sz="2000" dirty="0" err="1">
@@ -12237,9 +12277,9 @@
               <a:t>          $('h2').</a:t>
             </a:r>
             <a:r>
-              <a:rPr lang="pt-BR" sz="2000" dirty="0" err="1">
-                <a:solidFill>
-                  <a:schemeClr val="tx1"/>
+              <a:rPr lang="pt-BR" sz="2000" b="1" dirty="0" err="1">
+                <a:solidFill>
+                  <a:srgbClr val="FF0000"/>
                 </a:solidFill>
                 <a:latin typeface="Times New Roman" panose="02020603050405020304" pitchFamily="18" charset="0"/>
                 <a:cs typeface="Times New Roman" panose="02020603050405020304" pitchFamily="18" charset="0"/>
@@ -12449,10 +12489,30 @@
                 <a:latin typeface="Times New Roman" panose="02020603050405020304" pitchFamily="18" charset="0"/>
                 <a:cs typeface="Times New Roman" panose="02020603050405020304" pitchFamily="18" charset="0"/>
               </a:rPr>
-              <a:t>').click(</a:t>
-            </a:r>
-            <a:r>
-              <a:rPr lang="pt-BR" sz="2000" dirty="0" err="1">
+              <a:t>').</a:t>
+            </a:r>
+            <a:r>
+              <a:rPr lang="pt-BR" sz="2000" b="1" dirty="0">
+                <a:solidFill>
+                  <a:srgbClr val="FF0000"/>
+                </a:solidFill>
+                <a:latin typeface="Times New Roman" panose="02020603050405020304" pitchFamily="18" charset="0"/>
+                <a:cs typeface="Times New Roman" panose="02020603050405020304" pitchFamily="18" charset="0"/>
+              </a:rPr>
+              <a:t>click</a:t>
+            </a:r>
+            <a:r>
+              <a:rPr lang="pt-BR" sz="2000" dirty="0">
+                <a:solidFill>
+                  <a:schemeClr val="tx1"/>
+                </a:solidFill>
+                <a:latin typeface="Times New Roman" panose="02020603050405020304" pitchFamily="18" charset="0"/>
+                <a:cs typeface="Times New Roman" panose="02020603050405020304" pitchFamily="18" charset="0"/>
+              </a:rPr>
+              <a:t>(</a:t>
+            </a:r>
+            <a:r>
+              <a:rPr lang="pt-BR" sz="2000" b="1" dirty="0" err="1">
                 <a:solidFill>
                   <a:schemeClr val="tx1"/>
                 </a:solidFill>
@@ -12487,9 +12547,9 @@
               <a:t>          $('h2').</a:t>
             </a:r>
             <a:r>
-              <a:rPr lang="pt-BR" sz="2000" dirty="0" err="1">
-                <a:solidFill>
-                  <a:schemeClr val="tx1"/>
+              <a:rPr lang="pt-BR" sz="2000" b="1" dirty="0" err="1">
+                <a:solidFill>
+                  <a:srgbClr val="FF0000"/>
                 </a:solidFill>
                 <a:latin typeface="Times New Roman" panose="02020603050405020304" pitchFamily="18" charset="0"/>
                 <a:cs typeface="Times New Roman" panose="02020603050405020304" pitchFamily="18" charset="0"/>
@@ -12566,10 +12626,30 @@
                 <a:latin typeface="Times New Roman" panose="02020603050405020304" pitchFamily="18" charset="0"/>
                 <a:cs typeface="Times New Roman" panose="02020603050405020304" pitchFamily="18" charset="0"/>
               </a:rPr>
-              <a:t>').click(</a:t>
-            </a:r>
-            <a:r>
-              <a:rPr lang="pt-BR" sz="2000" dirty="0" err="1">
+              <a:t>').</a:t>
+            </a:r>
+            <a:r>
+              <a:rPr lang="pt-BR" sz="2000" b="1" dirty="0">
+                <a:solidFill>
+                  <a:srgbClr val="FF0000"/>
+                </a:solidFill>
+                <a:latin typeface="Times New Roman" panose="02020603050405020304" pitchFamily="18" charset="0"/>
+                <a:cs typeface="Times New Roman" panose="02020603050405020304" pitchFamily="18" charset="0"/>
+              </a:rPr>
+              <a:t>click</a:t>
+            </a:r>
+            <a:r>
+              <a:rPr lang="pt-BR" sz="2000" dirty="0">
+                <a:solidFill>
+                  <a:schemeClr val="tx1"/>
+                </a:solidFill>
+                <a:latin typeface="Times New Roman" panose="02020603050405020304" pitchFamily="18" charset="0"/>
+                <a:cs typeface="Times New Roman" panose="02020603050405020304" pitchFamily="18" charset="0"/>
+              </a:rPr>
+              <a:t>(</a:t>
+            </a:r>
+            <a:r>
+              <a:rPr lang="pt-BR" sz="2000" b="1" dirty="0" err="1">
                 <a:solidFill>
                   <a:schemeClr val="tx1"/>
                 </a:solidFill>
@@ -12604,9 +12684,9 @@
               <a:t>          $('h2').</a:t>
             </a:r>
             <a:r>
-              <a:rPr lang="pt-BR" sz="2000" dirty="0" err="1">
-                <a:solidFill>
-                  <a:schemeClr val="tx1"/>
+              <a:rPr lang="pt-BR" sz="2000" b="1" dirty="0" err="1">
+                <a:solidFill>
+                  <a:srgbClr val="FF0000"/>
                 </a:solidFill>
                 <a:latin typeface="Times New Roman" panose="02020603050405020304" pitchFamily="18" charset="0"/>
                 <a:cs typeface="Times New Roman" panose="02020603050405020304" pitchFamily="18" charset="0"/>
@@ -12816,7 +12896,27 @@
                 <a:latin typeface="Times New Roman" panose="02020603050405020304" pitchFamily="18" charset="0"/>
                 <a:cs typeface="Times New Roman" panose="02020603050405020304" pitchFamily="18" charset="0"/>
               </a:rPr>
-              <a:t>').click(</a:t>
+              <a:t>').</a:t>
+            </a:r>
+            <a:r>
+              <a:rPr lang="pt-BR" sz="2000" b="1" dirty="0">
+                <a:solidFill>
+                  <a:srgbClr val="FF0000"/>
+                </a:solidFill>
+                <a:latin typeface="Times New Roman" panose="02020603050405020304" pitchFamily="18" charset="0"/>
+                <a:cs typeface="Times New Roman" panose="02020603050405020304" pitchFamily="18" charset="0"/>
+              </a:rPr>
+              <a:t>click</a:t>
+            </a:r>
+            <a:r>
+              <a:rPr lang="pt-BR" sz="2000" dirty="0">
+                <a:solidFill>
+                  <a:schemeClr val="tx1"/>
+                </a:solidFill>
+                <a:latin typeface="Times New Roman" panose="02020603050405020304" pitchFamily="18" charset="0"/>
+                <a:cs typeface="Times New Roman" panose="02020603050405020304" pitchFamily="18" charset="0"/>
+              </a:rPr>
+              <a:t>(</a:t>
             </a:r>
             <a:r>
               <a:rPr lang="pt-BR" sz="2000" dirty="0" err="1">
@@ -12854,6 +12954,26 @@
               <a:t>          </a:t>
             </a:r>
             <a:r>
+              <a:rPr lang="pt-BR" sz="2000" b="1" dirty="0" err="1">
+                <a:solidFill>
+                  <a:schemeClr val="tx1"/>
+                </a:solidFill>
+                <a:latin typeface="Times New Roman" panose="02020603050405020304" pitchFamily="18" charset="0"/>
+                <a:cs typeface="Times New Roman" panose="02020603050405020304" pitchFamily="18" charset="0"/>
+              </a:rPr>
+              <a:t>let</a:t>
+            </a:r>
+            <a:r>
+              <a:rPr lang="pt-BR" sz="2000" dirty="0">
+                <a:solidFill>
+                  <a:schemeClr val="tx1"/>
+                </a:solidFill>
+                <a:latin typeface="Times New Roman" panose="02020603050405020304" pitchFamily="18" charset="0"/>
+                <a:cs typeface="Times New Roman" panose="02020603050405020304" pitchFamily="18" charset="0"/>
+              </a:rPr>
+              <a:t> </a:t>
+            </a:r>
+            <a:r>
               <a:rPr lang="pt-BR" sz="2000" dirty="0" err="1">
                 <a:solidFill>
                   <a:schemeClr val="tx1"/>
@@ -12861,7 +12981,7 @@
                 <a:latin typeface="Times New Roman" panose="02020603050405020304" pitchFamily="18" charset="0"/>
                 <a:cs typeface="Times New Roman" panose="02020603050405020304" pitchFamily="18" charset="0"/>
               </a:rPr>
-              <a:t>let</a:t>
+              <a:t>larguraImg</a:t>
             </a:r>
             <a:r>
               <a:rPr lang="pt-BR" sz="2000" dirty="0">
@@ -12871,7 +12991,7 @@
                 <a:latin typeface="Times New Roman" panose="02020603050405020304" pitchFamily="18" charset="0"/>
                 <a:cs typeface="Times New Roman" panose="02020603050405020304" pitchFamily="18" charset="0"/>
               </a:rPr>
-              <a:t> </a:t>
+              <a:t> = $('</a:t>
             </a:r>
             <a:r>
               <a:rPr lang="pt-BR" sz="2000" dirty="0" err="1">
@@ -12881,7 +13001,7 @@
                 <a:latin typeface="Times New Roman" panose="02020603050405020304" pitchFamily="18" charset="0"/>
                 <a:cs typeface="Times New Roman" panose="02020603050405020304" pitchFamily="18" charset="0"/>
               </a:rPr>
-              <a:t>larguraImg</a:t>
+              <a:t>img</a:t>
             </a:r>
             <a:r>
               <a:rPr lang="pt-BR" sz="2000" dirty="0">
@@ -12891,7 +13011,7 @@
                 <a:latin typeface="Times New Roman" panose="02020603050405020304" pitchFamily="18" charset="0"/>
                 <a:cs typeface="Times New Roman" panose="02020603050405020304" pitchFamily="18" charset="0"/>
               </a:rPr>
-              <a:t> = $('</a:t>
+              <a:t>').</a:t>
             </a:r>
             <a:r>
               <a:rPr lang="pt-BR" sz="2000" dirty="0" err="1">
@@ -12901,7 +13021,7 @@
                 <a:latin typeface="Times New Roman" panose="02020603050405020304" pitchFamily="18" charset="0"/>
                 <a:cs typeface="Times New Roman" panose="02020603050405020304" pitchFamily="18" charset="0"/>
               </a:rPr>
-              <a:t>img</a:t>
+              <a:t>width</a:t>
             </a:r>
             <a:r>
               <a:rPr lang="pt-BR" sz="2000" dirty="0">
@@ -12911,18 +13031,13 @@
                 <a:latin typeface="Times New Roman" panose="02020603050405020304" pitchFamily="18" charset="0"/>
                 <a:cs typeface="Times New Roman" panose="02020603050405020304" pitchFamily="18" charset="0"/>
               </a:rPr>
-              <a:t>').</a:t>
-            </a:r>
-            <a:r>
-              <a:rPr lang="pt-BR" sz="2000" dirty="0" err="1">
-                <a:solidFill>
-                  <a:schemeClr val="tx1"/>
-                </a:solidFill>
-                <a:latin typeface="Times New Roman" panose="02020603050405020304" pitchFamily="18" charset="0"/>
-                <a:cs typeface="Times New Roman" panose="02020603050405020304" pitchFamily="18" charset="0"/>
-              </a:rPr>
-              <a:t>width</a:t>
-            </a:r>
+              <a:t>();</a:t>
+            </a:r>
+          </a:p>
+          <a:p>
+            <a:pPr marL="0" indent="0" algn="just">
+              <a:buNone/>
+            </a:pPr>
             <a:r>
               <a:rPr lang="pt-BR" sz="2000" dirty="0">
                 <a:solidFill>
@@ -12931,25 +13046,10 @@
                 <a:latin typeface="Times New Roman" panose="02020603050405020304" pitchFamily="18" charset="0"/>
                 <a:cs typeface="Times New Roman" panose="02020603050405020304" pitchFamily="18" charset="0"/>
               </a:rPr>
-              <a:t>();</a:t>
-            </a:r>
-          </a:p>
-          <a:p>
-            <a:pPr marL="0" indent="0" algn="just">
-              <a:buNone/>
-            </a:pPr>
-            <a:r>
-              <a:rPr lang="pt-BR" sz="2000" dirty="0">
-                <a:solidFill>
-                  <a:schemeClr val="tx1"/>
-                </a:solidFill>
-                <a:latin typeface="Times New Roman" panose="02020603050405020304" pitchFamily="18" charset="0"/>
-                <a:cs typeface="Times New Roman" panose="02020603050405020304" pitchFamily="18" charset="0"/>
-              </a:rPr>
               <a:t>          </a:t>
             </a:r>
             <a:r>
-              <a:rPr lang="pt-BR" sz="2000" dirty="0" err="1">
+              <a:rPr lang="pt-BR" sz="2000" b="1" dirty="0" err="1">
                 <a:solidFill>
                   <a:schemeClr val="tx1"/>
                 </a:solidFill>
@@ -13558,9 +13658,9 @@
               <a:t>).</a:t>
             </a:r>
             <a:r>
-              <a:rPr lang="pt-BR" sz="2400" dirty="0" err="1">
-                <a:solidFill>
-                  <a:schemeClr val="tx1"/>
+              <a:rPr lang="pt-BR" sz="2400" b="1" dirty="0" err="1">
+                <a:solidFill>
+                  <a:srgbClr val="FF0000"/>
                 </a:solidFill>
                 <a:latin typeface="Times New Roman" panose="02020603050405020304" pitchFamily="18" charset="0"/>
                 <a:cs typeface="Times New Roman" panose="02020603050405020304" pitchFamily="18" charset="0"/>
@@ -14093,9 +14193,9 @@
               <a:t> = $.</a:t>
             </a:r>
             <a:r>
-              <a:rPr lang="pt-BR" sz="2400" dirty="0" err="1">
-                <a:solidFill>
-                  <a:schemeClr val="tx1"/>
+              <a:rPr lang="pt-BR" sz="2400" b="1" dirty="0" err="1">
+                <a:solidFill>
+                  <a:srgbClr val="FF0000"/>
                 </a:solidFill>
                 <a:latin typeface="Times New Roman" panose="02020603050405020304" pitchFamily="18" charset="0"/>
                 <a:cs typeface="Times New Roman" panose="02020603050405020304" pitchFamily="18" charset="0"/>
@@ -14168,9 +14268,9 @@
               <a:t>).</a:t>
             </a:r>
             <a:r>
-              <a:rPr lang="pt-BR" sz="2400" dirty="0" err="1">
-                <a:solidFill>
-                  <a:schemeClr val="tx1"/>
+              <a:rPr lang="pt-BR" sz="2400" b="1" dirty="0" err="1">
+                <a:solidFill>
+                  <a:srgbClr val="FF0000"/>
                 </a:solidFill>
                 <a:latin typeface="Times New Roman" panose="02020603050405020304" pitchFamily="18" charset="0"/>
                 <a:cs typeface="Times New Roman" panose="02020603050405020304" pitchFamily="18" charset="0"/>
@@ -16319,7 +16419,27 @@
                 <a:latin typeface="Times New Roman" panose="02020603050405020304" pitchFamily="18" charset="0"/>
                 <a:cs typeface="Times New Roman" panose="02020603050405020304" pitchFamily="18" charset="0"/>
               </a:rPr>
-              <a:t> ( status == '</a:t>
+              <a:t> ( </a:t>
+            </a:r>
+            <a:r>
+              <a:rPr lang="pt-BR" sz="2400" b="1" dirty="0">
+                <a:solidFill>
+                  <a:srgbClr val="FF0000"/>
+                </a:solidFill>
+                <a:latin typeface="Times New Roman" panose="02020603050405020304" pitchFamily="18" charset="0"/>
+                <a:cs typeface="Times New Roman" panose="02020603050405020304" pitchFamily="18" charset="0"/>
+              </a:rPr>
+              <a:t>status</a:t>
+            </a:r>
+            <a:r>
+              <a:rPr lang="pt-BR" sz="2400" dirty="0">
+                <a:solidFill>
+                  <a:schemeClr val="tx1"/>
+                </a:solidFill>
+                <a:latin typeface="Times New Roman" panose="02020603050405020304" pitchFamily="18" charset="0"/>
+                <a:cs typeface="Times New Roman" panose="02020603050405020304" pitchFamily="18" charset="0"/>
+              </a:rPr>
+              <a:t> == '</a:t>
             </a:r>
             <a:r>
               <a:rPr lang="pt-BR" sz="2400" dirty="0" err="1">
@@ -16377,6 +16497,26 @@
               <a:t>').</a:t>
             </a:r>
             <a:r>
+              <a:rPr lang="pt-BR" sz="2400" b="1" dirty="0" err="1">
+                <a:solidFill>
+                  <a:srgbClr val="FF0000"/>
+                </a:solidFill>
+                <a:latin typeface="Times New Roman" panose="02020603050405020304" pitchFamily="18" charset="0"/>
+                <a:cs typeface="Times New Roman" panose="02020603050405020304" pitchFamily="18" charset="0"/>
+              </a:rPr>
+              <a:t>val</a:t>
+            </a:r>
+            <a:r>
+              <a:rPr lang="pt-BR" sz="2400" dirty="0">
+                <a:solidFill>
+                  <a:schemeClr val="tx1"/>
+                </a:solidFill>
+                <a:latin typeface="Times New Roman" panose="02020603050405020304" pitchFamily="18" charset="0"/>
+                <a:cs typeface="Times New Roman" panose="02020603050405020304" pitchFamily="18" charset="0"/>
+              </a:rPr>
+              <a:t>(</a:t>
+            </a:r>
+            <a:r>
               <a:rPr lang="pt-BR" sz="2400" dirty="0" err="1">
                 <a:solidFill>
                   <a:schemeClr val="tx1"/>
@@ -16384,6 +16524,61 @@
                 <a:latin typeface="Times New Roman" panose="02020603050405020304" pitchFamily="18" charset="0"/>
                 <a:cs typeface="Times New Roman" panose="02020603050405020304" pitchFamily="18" charset="0"/>
               </a:rPr>
+              <a:t>dadosCEP.localidade</a:t>
+            </a:r>
+            <a:r>
+              <a:rPr lang="pt-BR" sz="2400" dirty="0">
+                <a:solidFill>
+                  <a:schemeClr val="tx1"/>
+                </a:solidFill>
+                <a:latin typeface="Times New Roman" panose="02020603050405020304" pitchFamily="18" charset="0"/>
+                <a:cs typeface="Times New Roman" panose="02020603050405020304" pitchFamily="18" charset="0"/>
+              </a:rPr>
+              <a:t>);</a:t>
+            </a:r>
+          </a:p>
+          <a:p>
+            <a:pPr marL="0" indent="0" algn="just">
+              <a:buNone/>
+            </a:pPr>
+            <a:r>
+              <a:rPr lang="pt-BR" sz="2400" dirty="0">
+                <a:solidFill>
+                  <a:schemeClr val="tx1"/>
+                </a:solidFill>
+                <a:latin typeface="Times New Roman" panose="02020603050405020304" pitchFamily="18" charset="0"/>
+                <a:cs typeface="Times New Roman" panose="02020603050405020304" pitchFamily="18" charset="0"/>
+              </a:rPr>
+              <a:t>              $('#</a:t>
+            </a:r>
+            <a:r>
+              <a:rPr lang="pt-BR" sz="2400" dirty="0" err="1">
+                <a:solidFill>
+                  <a:schemeClr val="tx1"/>
+                </a:solidFill>
+                <a:latin typeface="Times New Roman" panose="02020603050405020304" pitchFamily="18" charset="0"/>
+                <a:cs typeface="Times New Roman" panose="02020603050405020304" pitchFamily="18" charset="0"/>
+              </a:rPr>
+              <a:t>inputUF</a:t>
+            </a:r>
+            <a:r>
+              <a:rPr lang="pt-BR" sz="2400" dirty="0">
+                <a:solidFill>
+                  <a:schemeClr val="tx1"/>
+                </a:solidFill>
+                <a:latin typeface="Times New Roman" panose="02020603050405020304" pitchFamily="18" charset="0"/>
+                <a:cs typeface="Times New Roman" panose="02020603050405020304" pitchFamily="18" charset="0"/>
+              </a:rPr>
+              <a:t>').</a:t>
+            </a:r>
+            <a:r>
+              <a:rPr lang="pt-BR" sz="2400" b="1" dirty="0" err="1">
+                <a:solidFill>
+                  <a:srgbClr val="FF0000"/>
+                </a:solidFill>
+                <a:latin typeface="Times New Roman" panose="02020603050405020304" pitchFamily="18" charset="0"/>
+                <a:cs typeface="Times New Roman" panose="02020603050405020304" pitchFamily="18" charset="0"/>
+              </a:rPr>
               <a:t>val</a:t>
             </a:r>
             <a:r>
@@ -16404,7 +16599,7 @@
                 <a:latin typeface="Times New Roman" panose="02020603050405020304" pitchFamily="18" charset="0"/>
                 <a:cs typeface="Times New Roman" panose="02020603050405020304" pitchFamily="18" charset="0"/>
               </a:rPr>
-              <a:t>dadosCEP.localidade</a:t>
+              <a:t>dadosCEP.uf</a:t>
             </a:r>
             <a:r>
               <a:rPr lang="pt-BR" sz="2400" dirty="0">
@@ -16439,7 +16634,7 @@
                 <a:latin typeface="Times New Roman" panose="02020603050405020304" pitchFamily="18" charset="0"/>
                 <a:cs typeface="Times New Roman" panose="02020603050405020304" pitchFamily="18" charset="0"/>
               </a:rPr>
-              <a:t>inputUF</a:t>
+              <a:t>inputLogradouro</a:t>
             </a:r>
             <a:r>
               <a:rPr lang="pt-BR" sz="2400" dirty="0">
@@ -16452,6 +16647,26 @@
               <a:t>').</a:t>
             </a:r>
             <a:r>
+              <a:rPr lang="pt-BR" sz="2400" b="1" dirty="0" err="1">
+                <a:solidFill>
+                  <a:srgbClr val="FF0000"/>
+                </a:solidFill>
+                <a:latin typeface="Times New Roman" panose="02020603050405020304" pitchFamily="18" charset="0"/>
+                <a:cs typeface="Times New Roman" panose="02020603050405020304" pitchFamily="18" charset="0"/>
+              </a:rPr>
+              <a:t>val</a:t>
+            </a:r>
+            <a:r>
+              <a:rPr lang="pt-BR" sz="2400" dirty="0">
+                <a:solidFill>
+                  <a:schemeClr val="tx1"/>
+                </a:solidFill>
+                <a:latin typeface="Times New Roman" panose="02020603050405020304" pitchFamily="18" charset="0"/>
+                <a:cs typeface="Times New Roman" panose="02020603050405020304" pitchFamily="18" charset="0"/>
+              </a:rPr>
+              <a:t>(</a:t>
+            </a:r>
+            <a:r>
               <a:rPr lang="pt-BR" sz="2400" dirty="0" err="1">
                 <a:solidFill>
                   <a:schemeClr val="tx1"/>
@@ -16459,17 +16674,32 @@
                 <a:latin typeface="Times New Roman" panose="02020603050405020304" pitchFamily="18" charset="0"/>
                 <a:cs typeface="Times New Roman" panose="02020603050405020304" pitchFamily="18" charset="0"/>
               </a:rPr>
-              <a:t>val</a:t>
-            </a:r>
-            <a:r>
-              <a:rPr lang="pt-BR" sz="2400" dirty="0">
-                <a:solidFill>
-                  <a:schemeClr val="tx1"/>
-                </a:solidFill>
-                <a:latin typeface="Times New Roman" panose="02020603050405020304" pitchFamily="18" charset="0"/>
-                <a:cs typeface="Times New Roman" panose="02020603050405020304" pitchFamily="18" charset="0"/>
-              </a:rPr>
-              <a:t>(</a:t>
+              <a:t>dadosCEP.logradouro</a:t>
+            </a:r>
+            <a:r>
+              <a:rPr lang="pt-BR" sz="2400" dirty="0">
+                <a:solidFill>
+                  <a:schemeClr val="tx1"/>
+                </a:solidFill>
+                <a:latin typeface="Times New Roman" panose="02020603050405020304" pitchFamily="18" charset="0"/>
+                <a:cs typeface="Times New Roman" panose="02020603050405020304" pitchFamily="18" charset="0"/>
+              </a:rPr>
+              <a:t>);</a:t>
+            </a:r>
+          </a:p>
+          <a:p>
+            <a:pPr marL="0" indent="0" algn="just">
+              <a:buNone/>
+            </a:pPr>
+            <a:r>
+              <a:rPr lang="pt-BR" sz="2400" dirty="0">
+                <a:solidFill>
+                  <a:schemeClr val="tx1"/>
+                </a:solidFill>
+                <a:latin typeface="Times New Roman" panose="02020603050405020304" pitchFamily="18" charset="0"/>
+                <a:cs typeface="Times New Roman" panose="02020603050405020304" pitchFamily="18" charset="0"/>
+              </a:rPr>
+              <a:t>              $('#</a:t>
             </a:r>
             <a:r>
               <a:rPr lang="pt-BR" sz="2400" dirty="0" err="1">
@@ -16479,42 +16709,7 @@
                 <a:latin typeface="Times New Roman" panose="02020603050405020304" pitchFamily="18" charset="0"/>
                 <a:cs typeface="Times New Roman" panose="02020603050405020304" pitchFamily="18" charset="0"/>
               </a:rPr>
-              <a:t>dadosCEP.uf</a:t>
-            </a:r>
-            <a:r>
-              <a:rPr lang="pt-BR" sz="2400" dirty="0">
-                <a:solidFill>
-                  <a:schemeClr val="tx1"/>
-                </a:solidFill>
-                <a:latin typeface="Times New Roman" panose="02020603050405020304" pitchFamily="18" charset="0"/>
-                <a:cs typeface="Times New Roman" panose="02020603050405020304" pitchFamily="18" charset="0"/>
-              </a:rPr>
-              <a:t>);</a:t>
-            </a:r>
-          </a:p>
-          <a:p>
-            <a:pPr marL="0" indent="0" algn="just">
-              <a:buNone/>
-            </a:pPr>
-            <a:r>
-              <a:rPr lang="pt-BR" sz="2400" dirty="0">
-                <a:solidFill>
-                  <a:schemeClr val="tx1"/>
-                </a:solidFill>
-                <a:latin typeface="Times New Roman" panose="02020603050405020304" pitchFamily="18" charset="0"/>
-                <a:cs typeface="Times New Roman" panose="02020603050405020304" pitchFamily="18" charset="0"/>
-              </a:rPr>
-              <a:t>              $('#</a:t>
-            </a:r>
-            <a:r>
-              <a:rPr lang="pt-BR" sz="2400" dirty="0" err="1">
-                <a:solidFill>
-                  <a:schemeClr val="tx1"/>
-                </a:solidFill>
-                <a:latin typeface="Times New Roman" panose="02020603050405020304" pitchFamily="18" charset="0"/>
-                <a:cs typeface="Times New Roman" panose="02020603050405020304" pitchFamily="18" charset="0"/>
-              </a:rPr>
-              <a:t>inputLogradouro</a:t>
+              <a:t>inputBairro</a:t>
             </a:r>
             <a:r>
               <a:rPr lang="pt-BR" sz="2400" dirty="0">
@@ -16527,84 +16722,9 @@
               <a:t>').</a:t>
             </a:r>
             <a:r>
-              <a:rPr lang="pt-BR" sz="2400" dirty="0" err="1">
-                <a:solidFill>
-                  <a:schemeClr val="tx1"/>
-                </a:solidFill>
-                <a:latin typeface="Times New Roman" panose="02020603050405020304" pitchFamily="18" charset="0"/>
-                <a:cs typeface="Times New Roman" panose="02020603050405020304" pitchFamily="18" charset="0"/>
-              </a:rPr>
-              <a:t>val</a:t>
-            </a:r>
-            <a:r>
-              <a:rPr lang="pt-BR" sz="2400" dirty="0">
-                <a:solidFill>
-                  <a:schemeClr val="tx1"/>
-                </a:solidFill>
-                <a:latin typeface="Times New Roman" panose="02020603050405020304" pitchFamily="18" charset="0"/>
-                <a:cs typeface="Times New Roman" panose="02020603050405020304" pitchFamily="18" charset="0"/>
-              </a:rPr>
-              <a:t>(</a:t>
-            </a:r>
-            <a:r>
-              <a:rPr lang="pt-BR" sz="2400" dirty="0" err="1">
-                <a:solidFill>
-                  <a:schemeClr val="tx1"/>
-                </a:solidFill>
-                <a:latin typeface="Times New Roman" panose="02020603050405020304" pitchFamily="18" charset="0"/>
-                <a:cs typeface="Times New Roman" panose="02020603050405020304" pitchFamily="18" charset="0"/>
-              </a:rPr>
-              <a:t>dadosCEP.logradouro</a:t>
-            </a:r>
-            <a:r>
-              <a:rPr lang="pt-BR" sz="2400" dirty="0">
-                <a:solidFill>
-                  <a:schemeClr val="tx1"/>
-                </a:solidFill>
-                <a:latin typeface="Times New Roman" panose="02020603050405020304" pitchFamily="18" charset="0"/>
-                <a:cs typeface="Times New Roman" panose="02020603050405020304" pitchFamily="18" charset="0"/>
-              </a:rPr>
-              <a:t>);</a:t>
-            </a:r>
-          </a:p>
-          <a:p>
-            <a:pPr marL="0" indent="0" algn="just">
-              <a:buNone/>
-            </a:pPr>
-            <a:r>
-              <a:rPr lang="pt-BR" sz="2400" dirty="0">
-                <a:solidFill>
-                  <a:schemeClr val="tx1"/>
-                </a:solidFill>
-                <a:latin typeface="Times New Roman" panose="02020603050405020304" pitchFamily="18" charset="0"/>
-                <a:cs typeface="Times New Roman" panose="02020603050405020304" pitchFamily="18" charset="0"/>
-              </a:rPr>
-              <a:t>              $('#</a:t>
-            </a:r>
-            <a:r>
-              <a:rPr lang="pt-BR" sz="2400" dirty="0" err="1">
-                <a:solidFill>
-                  <a:schemeClr val="tx1"/>
-                </a:solidFill>
-                <a:latin typeface="Times New Roman" panose="02020603050405020304" pitchFamily="18" charset="0"/>
-                <a:cs typeface="Times New Roman" panose="02020603050405020304" pitchFamily="18" charset="0"/>
-              </a:rPr>
-              <a:t>inputBairro</a:t>
-            </a:r>
-            <a:r>
-              <a:rPr lang="pt-BR" sz="2400" dirty="0">
-                <a:solidFill>
-                  <a:schemeClr val="tx1"/>
-                </a:solidFill>
-                <a:latin typeface="Times New Roman" panose="02020603050405020304" pitchFamily="18" charset="0"/>
-                <a:cs typeface="Times New Roman" panose="02020603050405020304" pitchFamily="18" charset="0"/>
-              </a:rPr>
-              <a:t>').</a:t>
-            </a:r>
-            <a:r>
-              <a:rPr lang="pt-BR" sz="2400" dirty="0" err="1">
-                <a:solidFill>
-                  <a:schemeClr val="tx1"/>
+              <a:rPr lang="pt-BR" sz="2400" b="1" dirty="0" err="1">
+                <a:solidFill>
+                  <a:srgbClr val="FF0000"/>
                 </a:solidFill>
                 <a:latin typeface="Times New Roman" panose="02020603050405020304" pitchFamily="18" charset="0"/>
                 <a:cs typeface="Times New Roman" panose="02020603050405020304" pitchFamily="18" charset="0"/>
@@ -16947,9 +17067,9 @@
               <a:t>).</a:t>
             </a:r>
             <a:r>
-              <a:rPr lang="pt-BR" sz="2400" dirty="0" err="1">
-                <a:solidFill>
-                  <a:schemeClr val="tx1"/>
+              <a:rPr lang="pt-BR" sz="2400" b="1" dirty="0" err="1">
+                <a:solidFill>
+                  <a:srgbClr val="FF0000"/>
                 </a:solidFill>
                 <a:latin typeface="Times New Roman" panose="02020603050405020304" pitchFamily="18" charset="0"/>
                 <a:cs typeface="Times New Roman" panose="02020603050405020304" pitchFamily="18" charset="0"/>
@@ -17290,9 +17410,9 @@
               <a:t>).</a:t>
             </a:r>
             <a:r>
-              <a:rPr lang="pt-BR" sz="2400" dirty="0" err="1">
-                <a:solidFill>
-                  <a:schemeClr val="tx1"/>
+              <a:rPr lang="pt-BR" sz="2400" b="1" dirty="0" err="1">
+                <a:solidFill>
+                  <a:srgbClr val="FF0000"/>
                 </a:solidFill>
                 <a:latin typeface="Times New Roman" panose="02020603050405020304" pitchFamily="18" charset="0"/>
                 <a:cs typeface="Times New Roman" panose="02020603050405020304" pitchFamily="18" charset="0"/>
@@ -17310,7 +17430,7 @@
               <a:t>(</a:t>
             </a:r>
             <a:r>
-              <a:rPr lang="pt-BR" sz="2400" dirty="0" err="1">
+              <a:rPr lang="pt-BR" sz="2400" b="1" dirty="0" err="1">
                 <a:solidFill>
                   <a:schemeClr val="tx1"/>
                 </a:solidFill>

--- a/01 Classes/Aula 11 Desenvolvimento Web PHP - JQuery.pptx
+++ b/01 Classes/Aula 11 Desenvolvimento Web PHP - JQuery.pptx
@@ -6031,7 +6031,7 @@
               <a:t>( </a:t>
             </a:r>
             <a:r>
-              <a:rPr lang="pt-BR" sz="2400" dirty="0" err="1">
+              <a:rPr lang="pt-BR" sz="2400" b="1" dirty="0" err="1">
                 <a:solidFill>
                   <a:schemeClr val="tx1"/>
                 </a:solidFill>
@@ -6063,12 +6063,32 @@
                 <a:latin typeface="Times New Roman" panose="02020603050405020304" pitchFamily="18" charset="0"/>
                 <a:cs typeface="Times New Roman" panose="02020603050405020304" pitchFamily="18" charset="0"/>
               </a:rPr>
-              <a:t>          		$(‘p’).</a:t>
+              <a:t>          		$(‘</a:t>
+            </a:r>
+            <a:r>
+              <a:rPr lang="pt-BR" sz="2400" b="1" dirty="0">
+                <a:solidFill>
+                  <a:schemeClr val="tx1"/>
+                </a:solidFill>
+                <a:latin typeface="Times New Roman" panose="02020603050405020304" pitchFamily="18" charset="0"/>
+                <a:cs typeface="Times New Roman" panose="02020603050405020304" pitchFamily="18" charset="0"/>
+              </a:rPr>
+              <a:t>p</a:t>
+            </a:r>
+            <a:r>
+              <a:rPr lang="pt-BR" sz="2400" dirty="0">
+                <a:solidFill>
+                  <a:schemeClr val="tx1"/>
+                </a:solidFill>
+                <a:latin typeface="Times New Roman" panose="02020603050405020304" pitchFamily="18" charset="0"/>
+                <a:cs typeface="Times New Roman" panose="02020603050405020304" pitchFamily="18" charset="0"/>
+              </a:rPr>
+              <a:t>’).</a:t>
             </a:r>
             <a:r>
               <a:rPr lang="pt-BR" sz="2400" b="1" dirty="0" err="1">
                 <a:solidFill>
-                  <a:schemeClr val="tx1"/>
+                  <a:srgbClr val="FF0000"/>
                 </a:solidFill>
                 <a:latin typeface="Times New Roman" panose="02020603050405020304" pitchFamily="18" charset="0"/>
                 <a:cs typeface="Times New Roman" panose="02020603050405020304" pitchFamily="18" charset="0"/>
@@ -6083,7 +6103,17 @@
                 <a:latin typeface="Times New Roman" panose="02020603050405020304" pitchFamily="18" charset="0"/>
                 <a:cs typeface="Times New Roman" panose="02020603050405020304" pitchFamily="18" charset="0"/>
               </a:rPr>
-              <a:t>();</a:t>
+              <a:t>(); // </a:t>
+            </a:r>
+            <a:r>
+              <a:rPr lang="pt-BR" sz="2400" b="1" dirty="0">
+                <a:solidFill>
+                  <a:schemeClr val="tx1"/>
+                </a:solidFill>
+                <a:latin typeface="Times New Roman" panose="02020603050405020304" pitchFamily="18" charset="0"/>
+                <a:cs typeface="Times New Roman" panose="02020603050405020304" pitchFamily="18" charset="0"/>
+              </a:rPr>
+              <a:t>esconder</a:t>
             </a:r>
           </a:p>
           <a:p>
@@ -6426,7 +6456,7 @@
               <a:t>( </a:t>
             </a:r>
             <a:r>
-              <a:rPr lang="pt-BR" sz="2400" dirty="0" err="1">
+              <a:rPr lang="pt-BR" sz="2400" b="1" dirty="0" err="1">
                 <a:solidFill>
                   <a:schemeClr val="tx1"/>
                 </a:solidFill>
@@ -6481,9 +6511,9 @@
               <a:t>).</a:t>
             </a:r>
             <a:r>
-              <a:rPr lang="pt-BR" sz="2400" dirty="0" err="1">
-                <a:solidFill>
-                  <a:schemeClr val="tx1"/>
+              <a:rPr lang="pt-BR" sz="2400" b="1" dirty="0" err="1">
+                <a:solidFill>
+                  <a:srgbClr val="FF0000"/>
                 </a:solidFill>
                 <a:latin typeface="Times New Roman" panose="02020603050405020304" pitchFamily="18" charset="0"/>
                 <a:cs typeface="Times New Roman" panose="02020603050405020304" pitchFamily="18" charset="0"/>
@@ -6813,416 +6843,31 @@
                 <a:latin typeface="Times New Roman" panose="02020603050405020304" pitchFamily="18" charset="0"/>
                 <a:cs typeface="Times New Roman" panose="02020603050405020304" pitchFamily="18" charset="0"/>
               </a:rPr>
-              <a:t> () {</a:t>
-            </a:r>
-          </a:p>
-          <a:p>
-            <a:pPr marL="0" indent="0" algn="just">
-              <a:buNone/>
-            </a:pPr>
-            <a:r>
-              <a:rPr lang="pt-BR" sz="2000" dirty="0">
-                <a:solidFill>
-                  <a:schemeClr val="tx1"/>
-                </a:solidFill>
-                <a:latin typeface="Times New Roman" panose="02020603050405020304" pitchFamily="18" charset="0"/>
-                <a:cs typeface="Times New Roman" panose="02020603050405020304" pitchFamily="18" charset="0"/>
-              </a:rPr>
-              <a:t>        $("#</a:t>
+              <a:t> () { // </a:t>
+            </a:r>
+            <a:r>
+              <a:rPr lang="pt-BR" sz="2000" b="1" dirty="0">
+                <a:solidFill>
+                  <a:srgbClr val="FF0000"/>
+                </a:solidFill>
+                <a:latin typeface="Times New Roman" panose="02020603050405020304" pitchFamily="18" charset="0"/>
+                <a:cs typeface="Times New Roman" panose="02020603050405020304" pitchFamily="18" charset="0"/>
+              </a:rPr>
+              <a:t>1ª </a:t>
             </a:r>
             <a:r>
               <a:rPr lang="pt-BR" sz="2000" b="1" dirty="0" err="1">
                 <a:solidFill>
-                  <a:schemeClr val="tx1"/>
-                </a:solidFill>
-                <a:latin typeface="Times New Roman" panose="02020603050405020304" pitchFamily="18" charset="0"/>
-                <a:cs typeface="Times New Roman" panose="02020603050405020304" pitchFamily="18" charset="0"/>
-              </a:rPr>
-              <a:t>botaoHide</a:t>
-            </a:r>
-            <a:r>
-              <a:rPr lang="pt-BR" sz="2000" dirty="0">
-                <a:solidFill>
-                  <a:schemeClr val="tx1"/>
-                </a:solidFill>
-                <a:latin typeface="Times New Roman" panose="02020603050405020304" pitchFamily="18" charset="0"/>
-                <a:cs typeface="Times New Roman" panose="02020603050405020304" pitchFamily="18" charset="0"/>
-              </a:rPr>
-              <a:t>").</a:t>
-            </a:r>
-            <a:r>
-              <a:rPr lang="pt-BR" sz="2000" b="1" dirty="0">
-                <a:solidFill>
-                  <a:schemeClr val="tx1"/>
-                </a:solidFill>
-                <a:latin typeface="Times New Roman" panose="02020603050405020304" pitchFamily="18" charset="0"/>
-                <a:cs typeface="Times New Roman" panose="02020603050405020304" pitchFamily="18" charset="0"/>
-              </a:rPr>
-              <a:t>click</a:t>
-            </a:r>
-            <a:r>
-              <a:rPr lang="pt-BR" sz="2000" dirty="0">
-                <a:solidFill>
-                  <a:schemeClr val="tx1"/>
-                </a:solidFill>
-                <a:latin typeface="Times New Roman" panose="02020603050405020304" pitchFamily="18" charset="0"/>
-                <a:cs typeface="Times New Roman" panose="02020603050405020304" pitchFamily="18" charset="0"/>
-              </a:rPr>
-              <a:t>( </a:t>
-            </a:r>
-            <a:r>
-              <a:rPr lang="pt-BR" sz="2000" dirty="0" err="1">
-                <a:solidFill>
-                  <a:schemeClr val="tx1"/>
+                  <a:srgbClr val="FF0000"/>
                 </a:solidFill>
                 <a:latin typeface="Times New Roman" panose="02020603050405020304" pitchFamily="18" charset="0"/>
                 <a:cs typeface="Times New Roman" panose="02020603050405020304" pitchFamily="18" charset="0"/>
               </a:rPr>
               <a:t>function</a:t>
             </a:r>
-            <a:r>
-              <a:rPr lang="pt-BR" sz="2000" dirty="0">
-                <a:solidFill>
-                  <a:schemeClr val="tx1"/>
-                </a:solidFill>
-                <a:latin typeface="Times New Roman" panose="02020603050405020304" pitchFamily="18" charset="0"/>
-                <a:cs typeface="Times New Roman" panose="02020603050405020304" pitchFamily="18" charset="0"/>
-              </a:rPr>
-              <a:t> () {</a:t>
-            </a:r>
-          </a:p>
-          <a:p>
-            <a:pPr marL="0" indent="0" algn="just">
-              <a:buNone/>
-            </a:pPr>
-            <a:r>
-              <a:rPr lang="pt-BR" sz="2000" dirty="0">
-                <a:solidFill>
-                  <a:schemeClr val="tx1"/>
-                </a:solidFill>
-                <a:latin typeface="Times New Roman" panose="02020603050405020304" pitchFamily="18" charset="0"/>
-                <a:cs typeface="Times New Roman" panose="02020603050405020304" pitchFamily="18" charset="0"/>
-              </a:rPr>
-              <a:t>          $('.blue').</a:t>
-            </a:r>
-            <a:r>
-              <a:rPr lang="pt-BR" sz="2000" b="1" dirty="0" err="1">
-                <a:solidFill>
-                  <a:schemeClr val="tx1"/>
-                </a:solidFill>
-                <a:latin typeface="Times New Roman" panose="02020603050405020304" pitchFamily="18" charset="0"/>
-                <a:cs typeface="Times New Roman" panose="02020603050405020304" pitchFamily="18" charset="0"/>
-              </a:rPr>
-              <a:t>hide</a:t>
-            </a:r>
-            <a:r>
-              <a:rPr lang="pt-BR" sz="2000" dirty="0">
-                <a:solidFill>
-                  <a:schemeClr val="tx1"/>
-                </a:solidFill>
-                <a:latin typeface="Times New Roman" panose="02020603050405020304" pitchFamily="18" charset="0"/>
-                <a:cs typeface="Times New Roman" panose="02020603050405020304" pitchFamily="18" charset="0"/>
-              </a:rPr>
-              <a:t>(2000, </a:t>
-            </a:r>
-            <a:r>
-              <a:rPr lang="pt-BR" sz="2000" dirty="0" err="1">
-                <a:solidFill>
-                  <a:schemeClr val="tx1"/>
-                </a:solidFill>
-                <a:latin typeface="Times New Roman" panose="02020603050405020304" pitchFamily="18" charset="0"/>
-                <a:cs typeface="Times New Roman" panose="02020603050405020304" pitchFamily="18" charset="0"/>
-              </a:rPr>
-              <a:t>function</a:t>
-            </a:r>
-            <a:r>
-              <a:rPr lang="pt-BR" sz="2000" dirty="0">
-                <a:solidFill>
-                  <a:schemeClr val="tx1"/>
-                </a:solidFill>
-                <a:latin typeface="Times New Roman" panose="02020603050405020304" pitchFamily="18" charset="0"/>
-                <a:cs typeface="Times New Roman" panose="02020603050405020304" pitchFamily="18" charset="0"/>
-              </a:rPr>
-              <a:t>() {</a:t>
-            </a:r>
-          </a:p>
-          <a:p>
-            <a:pPr marL="0" indent="0" algn="just">
-              <a:buNone/>
-            </a:pPr>
-            <a:r>
-              <a:rPr lang="pt-BR" sz="2000" dirty="0">
-                <a:solidFill>
-                  <a:schemeClr val="tx1"/>
-                </a:solidFill>
-                <a:latin typeface="Times New Roman" panose="02020603050405020304" pitchFamily="18" charset="0"/>
-                <a:cs typeface="Times New Roman" panose="02020603050405020304" pitchFamily="18" charset="0"/>
-              </a:rPr>
-              <a:t>            </a:t>
-            </a:r>
-            <a:r>
-              <a:rPr lang="pt-BR" sz="2000" b="1" dirty="0" err="1">
-                <a:solidFill>
-                  <a:schemeClr val="tx1"/>
-                </a:solidFill>
-                <a:latin typeface="Times New Roman" panose="02020603050405020304" pitchFamily="18" charset="0"/>
-                <a:cs typeface="Times New Roman" panose="02020603050405020304" pitchFamily="18" charset="0"/>
-              </a:rPr>
-              <a:t>alert</a:t>
-            </a:r>
-            <a:r>
-              <a:rPr lang="pt-BR" sz="2000" dirty="0">
-                <a:solidFill>
-                  <a:schemeClr val="tx1"/>
-                </a:solidFill>
-                <a:latin typeface="Times New Roman" panose="02020603050405020304" pitchFamily="18" charset="0"/>
-                <a:cs typeface="Times New Roman" panose="02020603050405020304" pitchFamily="18" charset="0"/>
-              </a:rPr>
-              <a:t>('Terminou o processo!!!');</a:t>
-            </a:r>
-          </a:p>
-          <a:p>
-            <a:pPr marL="0" indent="0" algn="just">
-              <a:buNone/>
-            </a:pPr>
-            <a:r>
-              <a:rPr lang="pt-BR" sz="2000" dirty="0">
-                <a:solidFill>
-                  <a:schemeClr val="tx1"/>
-                </a:solidFill>
-                <a:latin typeface="Times New Roman" panose="02020603050405020304" pitchFamily="18" charset="0"/>
-                <a:cs typeface="Times New Roman" panose="02020603050405020304" pitchFamily="18" charset="0"/>
-              </a:rPr>
-              <a:t>          	}); //'</a:t>
-            </a:r>
-            <a:r>
-              <a:rPr lang="pt-BR" sz="2000" dirty="0" err="1">
-                <a:solidFill>
-                  <a:schemeClr val="tx1"/>
-                </a:solidFill>
-                <a:latin typeface="Times New Roman" panose="02020603050405020304" pitchFamily="18" charset="0"/>
-                <a:cs typeface="Times New Roman" panose="02020603050405020304" pitchFamily="18" charset="0"/>
-              </a:rPr>
-              <a:t>slow</a:t>
-            </a:r>
-            <a:r>
-              <a:rPr lang="pt-BR" sz="2000" dirty="0">
-                <a:solidFill>
-                  <a:schemeClr val="tx1"/>
-                </a:solidFill>
-                <a:latin typeface="Times New Roman" panose="02020603050405020304" pitchFamily="18" charset="0"/>
-                <a:cs typeface="Times New Roman" panose="02020603050405020304" pitchFamily="18" charset="0"/>
-              </a:rPr>
-              <a:t>';  'fast’; </a:t>
-            </a:r>
-            <a:r>
-              <a:rPr lang="pt-BR" sz="2000" b="1" dirty="0">
-                <a:solidFill>
-                  <a:schemeClr val="tx1"/>
-                </a:solidFill>
-                <a:latin typeface="Times New Roman" panose="02020603050405020304" pitchFamily="18" charset="0"/>
-                <a:cs typeface="Times New Roman" panose="02020603050405020304" pitchFamily="18" charset="0"/>
-              </a:rPr>
-              <a:t>eventos</a:t>
-            </a:r>
-            <a:r>
-              <a:rPr lang="pt-BR" sz="2000" dirty="0">
-                <a:solidFill>
-                  <a:schemeClr val="tx1"/>
-                </a:solidFill>
-                <a:latin typeface="Times New Roman" panose="02020603050405020304" pitchFamily="18" charset="0"/>
-                <a:cs typeface="Times New Roman" panose="02020603050405020304" pitchFamily="18" charset="0"/>
-              </a:rPr>
-              <a:t>: </a:t>
-            </a:r>
-            <a:r>
-              <a:rPr lang="pt-BR" sz="2000" dirty="0" err="1">
-                <a:solidFill>
-                  <a:srgbClr val="FF0000"/>
-                </a:solidFill>
-                <a:latin typeface="Times New Roman" panose="02020603050405020304" pitchFamily="18" charset="0"/>
-                <a:cs typeface="Times New Roman" panose="02020603050405020304" pitchFamily="18" charset="0"/>
-              </a:rPr>
-              <a:t>toggle:on</a:t>
-            </a:r>
-            <a:r>
-              <a:rPr lang="pt-BR" sz="2000" dirty="0">
-                <a:solidFill>
-                  <a:srgbClr val="FF0000"/>
-                </a:solidFill>
-                <a:latin typeface="Times New Roman" panose="02020603050405020304" pitchFamily="18" charset="0"/>
-                <a:cs typeface="Times New Roman" panose="02020603050405020304" pitchFamily="18" charset="0"/>
-              </a:rPr>
-              <a:t>/off; </a:t>
-            </a:r>
-            <a:r>
-              <a:rPr lang="pt-BR" sz="2000" dirty="0" err="1">
-                <a:solidFill>
-                  <a:srgbClr val="FF0000"/>
-                </a:solidFill>
-                <a:latin typeface="Times New Roman" panose="02020603050405020304" pitchFamily="18" charset="0"/>
-                <a:cs typeface="Times New Roman" panose="02020603050405020304" pitchFamily="18" charset="0"/>
-              </a:rPr>
-              <a:t>fadeOut</a:t>
-            </a:r>
-            <a:r>
-              <a:rPr lang="pt-BR" sz="2000" dirty="0">
-                <a:solidFill>
-                  <a:srgbClr val="FF0000"/>
-                </a:solidFill>
-                <a:latin typeface="Times New Roman" panose="02020603050405020304" pitchFamily="18" charset="0"/>
-                <a:cs typeface="Times New Roman" panose="02020603050405020304" pitchFamily="18" charset="0"/>
-              </a:rPr>
-              <a:t>(); </a:t>
-            </a:r>
-            <a:r>
-              <a:rPr lang="pt-BR" sz="2000" dirty="0" err="1">
-                <a:solidFill>
-                  <a:srgbClr val="FF0000"/>
-                </a:solidFill>
-                <a:latin typeface="Times New Roman" panose="02020603050405020304" pitchFamily="18" charset="0"/>
-                <a:cs typeface="Times New Roman" panose="02020603050405020304" pitchFamily="18" charset="0"/>
-              </a:rPr>
-              <a:t>fadeIn</a:t>
-            </a:r>
-            <a:r>
-              <a:rPr lang="pt-BR" sz="2000" dirty="0">
-                <a:solidFill>
-                  <a:srgbClr val="FF0000"/>
-                </a:solidFill>
-                <a:latin typeface="Times New Roman" panose="02020603050405020304" pitchFamily="18" charset="0"/>
-                <a:cs typeface="Times New Roman" panose="02020603050405020304" pitchFamily="18" charset="0"/>
-              </a:rPr>
-              <a:t>(); </a:t>
-            </a:r>
-            <a:r>
-              <a:rPr lang="pt-BR" sz="2000" dirty="0" err="1">
-                <a:solidFill>
-                  <a:srgbClr val="FF0000"/>
-                </a:solidFill>
-                <a:latin typeface="Times New Roman" panose="02020603050405020304" pitchFamily="18" charset="0"/>
-                <a:cs typeface="Times New Roman" panose="02020603050405020304" pitchFamily="18" charset="0"/>
-              </a:rPr>
-              <a:t>fadeToggle</a:t>
-            </a:r>
-            <a:r>
-              <a:rPr lang="pt-BR" sz="2000" dirty="0">
-                <a:solidFill>
-                  <a:srgbClr val="FF0000"/>
-                </a:solidFill>
-                <a:latin typeface="Times New Roman" panose="02020603050405020304" pitchFamily="18" charset="0"/>
-                <a:cs typeface="Times New Roman" panose="02020603050405020304" pitchFamily="18" charset="0"/>
-              </a:rPr>
-              <a:t>()</a:t>
-            </a:r>
-          </a:p>
-          <a:p>
-            <a:pPr marL="0" indent="0" algn="just">
-              <a:buNone/>
-            </a:pPr>
-            <a:r>
-              <a:rPr lang="pt-BR" sz="2000" dirty="0">
-                <a:solidFill>
-                  <a:schemeClr val="tx1"/>
-                </a:solidFill>
-                <a:latin typeface="Times New Roman" panose="02020603050405020304" pitchFamily="18" charset="0"/>
-                <a:cs typeface="Times New Roman" panose="02020603050405020304" pitchFamily="18" charset="0"/>
-              </a:rPr>
-              <a:t>        });</a:t>
-            </a:r>
-          </a:p>
-          <a:p>
-            <a:pPr marL="0" indent="0" algn="just">
-              <a:buNone/>
-            </a:pPr>
-            <a:r>
-              <a:rPr lang="pt-BR" sz="2000" dirty="0">
-                <a:solidFill>
-                  <a:schemeClr val="tx1"/>
-                </a:solidFill>
-                <a:latin typeface="Times New Roman" panose="02020603050405020304" pitchFamily="18" charset="0"/>
-                <a:cs typeface="Times New Roman" panose="02020603050405020304" pitchFamily="18" charset="0"/>
-              </a:rPr>
-              <a:t>        $("#</a:t>
-            </a:r>
-            <a:r>
-              <a:rPr lang="pt-BR" sz="2000" b="1" dirty="0" err="1">
-                <a:solidFill>
-                  <a:schemeClr val="tx1"/>
-                </a:solidFill>
-                <a:latin typeface="Times New Roman" panose="02020603050405020304" pitchFamily="18" charset="0"/>
-                <a:cs typeface="Times New Roman" panose="02020603050405020304" pitchFamily="18" charset="0"/>
-              </a:rPr>
-              <a:t>botaoShow</a:t>
-            </a:r>
-            <a:r>
-              <a:rPr lang="pt-BR" sz="2000" dirty="0">
-                <a:solidFill>
-                  <a:schemeClr val="tx1"/>
-                </a:solidFill>
-                <a:latin typeface="Times New Roman" panose="02020603050405020304" pitchFamily="18" charset="0"/>
-                <a:cs typeface="Times New Roman" panose="02020603050405020304" pitchFamily="18" charset="0"/>
-              </a:rPr>
-              <a:t>").click(</a:t>
-            </a:r>
-            <a:r>
-              <a:rPr lang="pt-BR" sz="2000" dirty="0" err="1">
-                <a:solidFill>
-                  <a:schemeClr val="tx1"/>
-                </a:solidFill>
-                <a:latin typeface="Times New Roman" panose="02020603050405020304" pitchFamily="18" charset="0"/>
-                <a:cs typeface="Times New Roman" panose="02020603050405020304" pitchFamily="18" charset="0"/>
-              </a:rPr>
-              <a:t>function</a:t>
-            </a:r>
-            <a:r>
-              <a:rPr lang="pt-BR" sz="2000" dirty="0">
-                <a:solidFill>
-                  <a:schemeClr val="tx1"/>
-                </a:solidFill>
-                <a:latin typeface="Times New Roman" panose="02020603050405020304" pitchFamily="18" charset="0"/>
-                <a:cs typeface="Times New Roman" panose="02020603050405020304" pitchFamily="18" charset="0"/>
-              </a:rPr>
-              <a:t> () {</a:t>
-            </a:r>
-          </a:p>
-          <a:p>
-            <a:pPr marL="0" indent="0" algn="just">
-              <a:buNone/>
-            </a:pPr>
-            <a:r>
-              <a:rPr lang="pt-BR" sz="2000" dirty="0">
-                <a:solidFill>
-                  <a:schemeClr val="tx1"/>
-                </a:solidFill>
-                <a:latin typeface="Times New Roman" panose="02020603050405020304" pitchFamily="18" charset="0"/>
-                <a:cs typeface="Times New Roman" panose="02020603050405020304" pitchFamily="18" charset="0"/>
-              </a:rPr>
-              <a:t>          $(".blue").show(3000);     });</a:t>
-            </a:r>
-          </a:p>
-          <a:p>
-            <a:pPr marL="0" indent="0" algn="just">
-              <a:buNone/>
-            </a:pPr>
-            <a:r>
-              <a:rPr lang="pt-BR" sz="2000" dirty="0">
-                <a:solidFill>
-                  <a:schemeClr val="tx1"/>
-                </a:solidFill>
-                <a:latin typeface="Times New Roman" panose="02020603050405020304" pitchFamily="18" charset="0"/>
-                <a:cs typeface="Times New Roman" panose="02020603050405020304" pitchFamily="18" charset="0"/>
-              </a:rPr>
-              <a:t>      });</a:t>
-            </a:r>
-          </a:p>
-          <a:p>
-            <a:pPr marL="0" indent="0" algn="just">
-              <a:buNone/>
-            </a:pPr>
-            <a:endParaRPr lang="pt-BR" sz="2400" dirty="0">
+            <a:endParaRPr lang="pt-BR" sz="2000" b="1" dirty="0">
               <a:solidFill>
-                <a:schemeClr val="tx1"/>
+                <a:srgbClr val="FF0000"/>
               </a:solidFill>
               <a:latin typeface="Times New Roman" panose="02020603050405020304" pitchFamily="18" charset="0"/>
               <a:cs typeface="Times New Roman" panose="02020603050405020304" pitchFamily="18" charset="0"/>
@@ -7232,9 +6877,548 @@
             <a:pPr marL="0" indent="0" algn="just">
               <a:buNone/>
             </a:pPr>
-            <a:endParaRPr lang="pt-BR" sz="2400" dirty="0">
+            <a:r>
+              <a:rPr lang="pt-BR" sz="2000" dirty="0">
+                <a:solidFill>
+                  <a:schemeClr val="tx1"/>
+                </a:solidFill>
+                <a:latin typeface="Times New Roman" panose="02020603050405020304" pitchFamily="18" charset="0"/>
+                <a:cs typeface="Times New Roman" panose="02020603050405020304" pitchFamily="18" charset="0"/>
+              </a:rPr>
+              <a:t>        $("#</a:t>
+            </a:r>
+            <a:r>
+              <a:rPr lang="pt-BR" sz="2000" b="1" dirty="0" err="1">
+                <a:solidFill>
+                  <a:schemeClr val="tx1"/>
+                </a:solidFill>
+                <a:latin typeface="Times New Roman" panose="02020603050405020304" pitchFamily="18" charset="0"/>
+                <a:cs typeface="Times New Roman" panose="02020603050405020304" pitchFamily="18" charset="0"/>
+              </a:rPr>
+              <a:t>botaoHide</a:t>
+            </a:r>
+            <a:r>
+              <a:rPr lang="pt-BR" sz="2000" dirty="0">
+                <a:solidFill>
+                  <a:schemeClr val="tx1"/>
+                </a:solidFill>
+                <a:latin typeface="Times New Roman" panose="02020603050405020304" pitchFamily="18" charset="0"/>
+                <a:cs typeface="Times New Roman" panose="02020603050405020304" pitchFamily="18" charset="0"/>
+              </a:rPr>
+              <a:t>").</a:t>
+            </a:r>
+            <a:r>
+              <a:rPr lang="pt-BR" sz="2000" b="1" dirty="0">
+                <a:solidFill>
+                  <a:srgbClr val="FF0000"/>
+                </a:solidFill>
+                <a:latin typeface="Times New Roman" panose="02020603050405020304" pitchFamily="18" charset="0"/>
+                <a:cs typeface="Times New Roman" panose="02020603050405020304" pitchFamily="18" charset="0"/>
+              </a:rPr>
+              <a:t>click</a:t>
+            </a:r>
+            <a:r>
+              <a:rPr lang="pt-BR" sz="2000" dirty="0">
+                <a:solidFill>
+                  <a:schemeClr val="tx1"/>
+                </a:solidFill>
+                <a:latin typeface="Times New Roman" panose="02020603050405020304" pitchFamily="18" charset="0"/>
+                <a:cs typeface="Times New Roman" panose="02020603050405020304" pitchFamily="18" charset="0"/>
+              </a:rPr>
+              <a:t>( </a:t>
+            </a:r>
+            <a:r>
+              <a:rPr lang="pt-BR" sz="2000" b="1" dirty="0" err="1">
+                <a:solidFill>
+                  <a:schemeClr val="tx1"/>
+                </a:solidFill>
+                <a:latin typeface="Times New Roman" panose="02020603050405020304" pitchFamily="18" charset="0"/>
+                <a:cs typeface="Times New Roman" panose="02020603050405020304" pitchFamily="18" charset="0"/>
+              </a:rPr>
+              <a:t>function</a:t>
+            </a:r>
+            <a:r>
+              <a:rPr lang="pt-BR" sz="2000" dirty="0">
+                <a:solidFill>
+                  <a:schemeClr val="tx1"/>
+                </a:solidFill>
+                <a:latin typeface="Times New Roman" panose="02020603050405020304" pitchFamily="18" charset="0"/>
+                <a:cs typeface="Times New Roman" panose="02020603050405020304" pitchFamily="18" charset="0"/>
+              </a:rPr>
+              <a:t> () {// </a:t>
+            </a:r>
+            <a:r>
+              <a:rPr lang="pt-BR" sz="2000" b="1" dirty="0">
+                <a:solidFill>
+                  <a:srgbClr val="FF0000"/>
+                </a:solidFill>
+                <a:latin typeface="Times New Roman" panose="02020603050405020304" pitchFamily="18" charset="0"/>
+                <a:cs typeface="Times New Roman" panose="02020603050405020304" pitchFamily="18" charset="0"/>
+              </a:rPr>
+              <a:t>2ª </a:t>
+            </a:r>
+            <a:r>
+              <a:rPr lang="pt-BR" sz="2000" b="1" dirty="0" err="1">
+                <a:solidFill>
+                  <a:srgbClr val="FF0000"/>
+                </a:solidFill>
+                <a:latin typeface="Times New Roman" panose="02020603050405020304" pitchFamily="18" charset="0"/>
+                <a:cs typeface="Times New Roman" panose="02020603050405020304" pitchFamily="18" charset="0"/>
+              </a:rPr>
+              <a:t>function</a:t>
+            </a:r>
+            <a:endParaRPr lang="pt-BR" sz="2000" b="1" dirty="0">
               <a:solidFill>
-                <a:schemeClr val="tx1"/>
+                <a:srgbClr val="FF0000"/>
+              </a:solidFill>
+              <a:latin typeface="Times New Roman" panose="02020603050405020304" pitchFamily="18" charset="0"/>
+              <a:cs typeface="Times New Roman" panose="02020603050405020304" pitchFamily="18" charset="0"/>
+            </a:endParaRPr>
+          </a:p>
+          <a:p>
+            <a:pPr marL="0" indent="0" algn="just">
+              <a:buNone/>
+            </a:pPr>
+            <a:r>
+              <a:rPr lang="pt-BR" sz="2000" dirty="0">
+                <a:solidFill>
+                  <a:schemeClr val="tx1"/>
+                </a:solidFill>
+                <a:latin typeface="Times New Roman" panose="02020603050405020304" pitchFamily="18" charset="0"/>
+                <a:cs typeface="Times New Roman" panose="02020603050405020304" pitchFamily="18" charset="0"/>
+              </a:rPr>
+              <a:t>          	$('.blue').</a:t>
+            </a:r>
+            <a:r>
+              <a:rPr lang="pt-BR" sz="2000" b="1" dirty="0" err="1">
+                <a:solidFill>
+                  <a:srgbClr val="FF0000"/>
+                </a:solidFill>
+                <a:latin typeface="Times New Roman" panose="02020603050405020304" pitchFamily="18" charset="0"/>
+                <a:cs typeface="Times New Roman" panose="02020603050405020304" pitchFamily="18" charset="0"/>
+              </a:rPr>
+              <a:t>hide</a:t>
+            </a:r>
+            <a:r>
+              <a:rPr lang="pt-BR" sz="2000" dirty="0">
+                <a:solidFill>
+                  <a:schemeClr val="tx1"/>
+                </a:solidFill>
+                <a:latin typeface="Times New Roman" panose="02020603050405020304" pitchFamily="18" charset="0"/>
+                <a:cs typeface="Times New Roman" panose="02020603050405020304" pitchFamily="18" charset="0"/>
+              </a:rPr>
+              <a:t>(2000, </a:t>
+            </a:r>
+            <a:r>
+              <a:rPr lang="pt-BR" sz="2000" b="1" dirty="0" err="1">
+                <a:solidFill>
+                  <a:schemeClr val="tx1"/>
+                </a:solidFill>
+                <a:latin typeface="Times New Roman" panose="02020603050405020304" pitchFamily="18" charset="0"/>
+                <a:cs typeface="Times New Roman" panose="02020603050405020304" pitchFamily="18" charset="0"/>
+              </a:rPr>
+              <a:t>function</a:t>
+            </a:r>
+            <a:r>
+              <a:rPr lang="pt-BR" sz="2000" dirty="0">
+                <a:solidFill>
+                  <a:schemeClr val="tx1"/>
+                </a:solidFill>
+                <a:latin typeface="Times New Roman" panose="02020603050405020304" pitchFamily="18" charset="0"/>
+                <a:cs typeface="Times New Roman" panose="02020603050405020304" pitchFamily="18" charset="0"/>
+              </a:rPr>
+              <a:t>() {</a:t>
+            </a:r>
+          </a:p>
+          <a:p>
+            <a:pPr marL="0" indent="0" algn="just">
+              <a:buNone/>
+            </a:pPr>
+            <a:r>
+              <a:rPr lang="pt-BR" sz="2000" dirty="0">
+                <a:solidFill>
+                  <a:schemeClr val="tx1"/>
+                </a:solidFill>
+                <a:latin typeface="Times New Roman" panose="02020603050405020304" pitchFamily="18" charset="0"/>
+                <a:cs typeface="Times New Roman" panose="02020603050405020304" pitchFamily="18" charset="0"/>
+              </a:rPr>
+              <a:t>              		</a:t>
+            </a:r>
+            <a:r>
+              <a:rPr lang="pt-BR" sz="2000" b="1" dirty="0" err="1">
+                <a:solidFill>
+                  <a:schemeClr val="tx1"/>
+                </a:solidFill>
+                <a:latin typeface="Times New Roman" panose="02020603050405020304" pitchFamily="18" charset="0"/>
+                <a:cs typeface="Times New Roman" panose="02020603050405020304" pitchFamily="18" charset="0"/>
+              </a:rPr>
+              <a:t>alert</a:t>
+            </a:r>
+            <a:r>
+              <a:rPr lang="pt-BR" sz="2000" dirty="0">
+                <a:solidFill>
+                  <a:schemeClr val="tx1"/>
+                </a:solidFill>
+                <a:latin typeface="Times New Roman" panose="02020603050405020304" pitchFamily="18" charset="0"/>
+                <a:cs typeface="Times New Roman" panose="02020603050405020304" pitchFamily="18" charset="0"/>
+              </a:rPr>
+              <a:t>('Terminou o processo!!!');</a:t>
+            </a:r>
+          </a:p>
+          <a:p>
+            <a:pPr marL="0" indent="0" algn="just">
+              <a:buNone/>
+            </a:pPr>
+            <a:r>
+              <a:rPr lang="pt-BR" sz="2000" dirty="0">
+                <a:solidFill>
+                  <a:schemeClr val="tx1"/>
+                </a:solidFill>
+                <a:latin typeface="Times New Roman" panose="02020603050405020304" pitchFamily="18" charset="0"/>
+                <a:cs typeface="Times New Roman" panose="02020603050405020304" pitchFamily="18" charset="0"/>
+              </a:rPr>
+              <a:t>          	}); //</a:t>
+            </a:r>
+            <a:r>
+              <a:rPr lang="pt-BR" sz="2000" b="1" dirty="0">
+                <a:solidFill>
+                  <a:schemeClr val="tx1"/>
+                </a:solidFill>
+                <a:latin typeface="Times New Roman" panose="02020603050405020304" pitchFamily="18" charset="0"/>
+                <a:cs typeface="Times New Roman" panose="02020603050405020304" pitchFamily="18" charset="0"/>
+              </a:rPr>
+              <a:t>'</a:t>
+            </a:r>
+            <a:r>
+              <a:rPr lang="pt-BR" sz="2000" b="1" dirty="0" err="1">
+                <a:solidFill>
+                  <a:schemeClr val="tx1"/>
+                </a:solidFill>
+                <a:latin typeface="Times New Roman" panose="02020603050405020304" pitchFamily="18" charset="0"/>
+                <a:cs typeface="Times New Roman" panose="02020603050405020304" pitchFamily="18" charset="0"/>
+              </a:rPr>
+              <a:t>slow</a:t>
+            </a:r>
+            <a:r>
+              <a:rPr lang="pt-BR" sz="2000" dirty="0">
+                <a:solidFill>
+                  <a:schemeClr val="tx1"/>
+                </a:solidFill>
+                <a:latin typeface="Times New Roman" panose="02020603050405020304" pitchFamily="18" charset="0"/>
+                <a:cs typeface="Times New Roman" panose="02020603050405020304" pitchFamily="18" charset="0"/>
+              </a:rPr>
+              <a:t>';  </a:t>
+            </a:r>
+            <a:r>
+              <a:rPr lang="pt-BR" sz="2000" b="1" dirty="0">
+                <a:solidFill>
+                  <a:schemeClr val="tx1"/>
+                </a:solidFill>
+                <a:latin typeface="Times New Roman" panose="02020603050405020304" pitchFamily="18" charset="0"/>
+                <a:cs typeface="Times New Roman" panose="02020603050405020304" pitchFamily="18" charset="0"/>
+              </a:rPr>
+              <a:t>'fast</a:t>
+            </a:r>
+            <a:r>
+              <a:rPr lang="pt-BR" sz="2000" dirty="0">
+                <a:solidFill>
+                  <a:schemeClr val="tx1"/>
+                </a:solidFill>
+                <a:latin typeface="Times New Roman" panose="02020603050405020304" pitchFamily="18" charset="0"/>
+                <a:cs typeface="Times New Roman" panose="02020603050405020304" pitchFamily="18" charset="0"/>
+              </a:rPr>
+              <a:t>’; </a:t>
+            </a:r>
+            <a:r>
+              <a:rPr lang="pt-BR" sz="2000" b="1" dirty="0">
+                <a:solidFill>
+                  <a:schemeClr val="tx1"/>
+                </a:solidFill>
+                <a:latin typeface="Times New Roman" panose="02020603050405020304" pitchFamily="18" charset="0"/>
+                <a:cs typeface="Times New Roman" panose="02020603050405020304" pitchFamily="18" charset="0"/>
+              </a:rPr>
+              <a:t>eventos</a:t>
+            </a:r>
+            <a:r>
+              <a:rPr lang="pt-BR" sz="2000" dirty="0">
+                <a:solidFill>
+                  <a:schemeClr val="tx1"/>
+                </a:solidFill>
+                <a:latin typeface="Times New Roman" panose="02020603050405020304" pitchFamily="18" charset="0"/>
+                <a:cs typeface="Times New Roman" panose="02020603050405020304" pitchFamily="18" charset="0"/>
+              </a:rPr>
+              <a:t>: </a:t>
+            </a:r>
+            <a:r>
+              <a:rPr lang="pt-BR" sz="2000" dirty="0" err="1">
+                <a:solidFill>
+                  <a:srgbClr val="FF0000"/>
+                </a:solidFill>
+                <a:latin typeface="Times New Roman" panose="02020603050405020304" pitchFamily="18" charset="0"/>
+                <a:cs typeface="Times New Roman" panose="02020603050405020304" pitchFamily="18" charset="0"/>
+              </a:rPr>
+              <a:t>toggle:on</a:t>
+            </a:r>
+            <a:r>
+              <a:rPr lang="pt-BR" sz="2000" dirty="0">
+                <a:solidFill>
+                  <a:srgbClr val="FF0000"/>
+                </a:solidFill>
+                <a:latin typeface="Times New Roman" panose="02020603050405020304" pitchFamily="18" charset="0"/>
+                <a:cs typeface="Times New Roman" panose="02020603050405020304" pitchFamily="18" charset="0"/>
+              </a:rPr>
+              <a:t>/off; </a:t>
+            </a:r>
+            <a:r>
+              <a:rPr lang="pt-BR" sz="2000" dirty="0" err="1">
+                <a:solidFill>
+                  <a:srgbClr val="FF0000"/>
+                </a:solidFill>
+                <a:latin typeface="Times New Roman" panose="02020603050405020304" pitchFamily="18" charset="0"/>
+                <a:cs typeface="Times New Roman" panose="02020603050405020304" pitchFamily="18" charset="0"/>
+              </a:rPr>
+              <a:t>fadeOut</a:t>
+            </a:r>
+            <a:r>
+              <a:rPr lang="pt-BR" sz="2000" dirty="0">
+                <a:solidFill>
+                  <a:srgbClr val="FF0000"/>
+                </a:solidFill>
+                <a:latin typeface="Times New Roman" panose="02020603050405020304" pitchFamily="18" charset="0"/>
+                <a:cs typeface="Times New Roman" panose="02020603050405020304" pitchFamily="18" charset="0"/>
+              </a:rPr>
+              <a:t>(); </a:t>
+            </a:r>
+            <a:r>
+              <a:rPr lang="pt-BR" sz="2000" dirty="0" err="1">
+                <a:solidFill>
+                  <a:srgbClr val="FF0000"/>
+                </a:solidFill>
+                <a:latin typeface="Times New Roman" panose="02020603050405020304" pitchFamily="18" charset="0"/>
+                <a:cs typeface="Times New Roman" panose="02020603050405020304" pitchFamily="18" charset="0"/>
+              </a:rPr>
+              <a:t>fadeIn</a:t>
+            </a:r>
+            <a:r>
+              <a:rPr lang="pt-BR" sz="2000" dirty="0">
+                <a:solidFill>
+                  <a:srgbClr val="FF0000"/>
+                </a:solidFill>
+                <a:latin typeface="Times New Roman" panose="02020603050405020304" pitchFamily="18" charset="0"/>
+                <a:cs typeface="Times New Roman" panose="02020603050405020304" pitchFamily="18" charset="0"/>
+              </a:rPr>
+              <a:t>(); </a:t>
+            </a:r>
+            <a:r>
+              <a:rPr lang="pt-BR" sz="2000" dirty="0" err="1">
+                <a:solidFill>
+                  <a:srgbClr val="FF0000"/>
+                </a:solidFill>
+                <a:latin typeface="Times New Roman" panose="02020603050405020304" pitchFamily="18" charset="0"/>
+                <a:cs typeface="Times New Roman" panose="02020603050405020304" pitchFamily="18" charset="0"/>
+              </a:rPr>
+              <a:t>fadeToggle</a:t>
+            </a:r>
+            <a:r>
+              <a:rPr lang="pt-BR" sz="2000" dirty="0">
+                <a:solidFill>
+                  <a:srgbClr val="FF0000"/>
+                </a:solidFill>
+                <a:latin typeface="Times New Roman" panose="02020603050405020304" pitchFamily="18" charset="0"/>
+                <a:cs typeface="Times New Roman" panose="02020603050405020304" pitchFamily="18" charset="0"/>
+              </a:rPr>
+              <a:t>()</a:t>
+            </a:r>
+          </a:p>
+          <a:p>
+            <a:pPr marL="0" indent="0" algn="just">
+              <a:buNone/>
+            </a:pPr>
+            <a:r>
+              <a:rPr lang="pt-BR" sz="2000" dirty="0">
+                <a:solidFill>
+                  <a:schemeClr val="tx1"/>
+                </a:solidFill>
+                <a:latin typeface="Times New Roman" panose="02020603050405020304" pitchFamily="18" charset="0"/>
+                <a:cs typeface="Times New Roman" panose="02020603050405020304" pitchFamily="18" charset="0"/>
+              </a:rPr>
+              <a:t>        }); // </a:t>
+            </a:r>
+            <a:r>
+              <a:rPr lang="pt-BR" sz="2000" b="1" dirty="0">
+                <a:solidFill>
+                  <a:srgbClr val="FF0000"/>
+                </a:solidFill>
+                <a:latin typeface="Times New Roman" panose="02020603050405020304" pitchFamily="18" charset="0"/>
+                <a:cs typeface="Times New Roman" panose="02020603050405020304" pitchFamily="18" charset="0"/>
+              </a:rPr>
+              <a:t>fecha 2ª </a:t>
+            </a:r>
+            <a:r>
+              <a:rPr lang="pt-BR" sz="2000" b="1" dirty="0" err="1">
+                <a:solidFill>
+                  <a:srgbClr val="FF0000"/>
+                </a:solidFill>
+                <a:latin typeface="Times New Roman" panose="02020603050405020304" pitchFamily="18" charset="0"/>
+                <a:cs typeface="Times New Roman" panose="02020603050405020304" pitchFamily="18" charset="0"/>
+              </a:rPr>
+              <a:t>function</a:t>
+            </a:r>
+            <a:endParaRPr lang="pt-BR" sz="2000" dirty="0">
+              <a:solidFill>
+                <a:srgbClr val="FF0000"/>
+              </a:solidFill>
+              <a:latin typeface="Times New Roman" panose="02020603050405020304" pitchFamily="18" charset="0"/>
+              <a:cs typeface="Times New Roman" panose="02020603050405020304" pitchFamily="18" charset="0"/>
+            </a:endParaRPr>
+          </a:p>
+          <a:p>
+            <a:pPr marL="0" indent="0" algn="just">
+              <a:buNone/>
+            </a:pPr>
+            <a:r>
+              <a:rPr lang="pt-BR" sz="2000" dirty="0">
+                <a:solidFill>
+                  <a:schemeClr val="tx1"/>
+                </a:solidFill>
+                <a:latin typeface="Times New Roman" panose="02020603050405020304" pitchFamily="18" charset="0"/>
+                <a:cs typeface="Times New Roman" panose="02020603050405020304" pitchFamily="18" charset="0"/>
+              </a:rPr>
+              <a:t>        $("#</a:t>
+            </a:r>
+            <a:r>
+              <a:rPr lang="pt-BR" sz="2000" b="1" dirty="0" err="1">
+                <a:solidFill>
+                  <a:schemeClr val="tx1"/>
+                </a:solidFill>
+                <a:latin typeface="Times New Roman" panose="02020603050405020304" pitchFamily="18" charset="0"/>
+                <a:cs typeface="Times New Roman" panose="02020603050405020304" pitchFamily="18" charset="0"/>
+              </a:rPr>
+              <a:t>botaoShow</a:t>
+            </a:r>
+            <a:r>
+              <a:rPr lang="pt-BR" sz="2000" dirty="0">
+                <a:solidFill>
+                  <a:schemeClr val="tx1"/>
+                </a:solidFill>
+                <a:latin typeface="Times New Roman" panose="02020603050405020304" pitchFamily="18" charset="0"/>
+                <a:cs typeface="Times New Roman" panose="02020603050405020304" pitchFamily="18" charset="0"/>
+              </a:rPr>
+              <a:t>").</a:t>
+            </a:r>
+            <a:r>
+              <a:rPr lang="pt-BR" sz="2000" b="1" dirty="0">
+                <a:solidFill>
+                  <a:srgbClr val="FF0000"/>
+                </a:solidFill>
+                <a:latin typeface="Times New Roman" panose="02020603050405020304" pitchFamily="18" charset="0"/>
+                <a:cs typeface="Times New Roman" panose="02020603050405020304" pitchFamily="18" charset="0"/>
+              </a:rPr>
+              <a:t>click</a:t>
+            </a:r>
+            <a:r>
+              <a:rPr lang="pt-BR" sz="2000" dirty="0">
+                <a:solidFill>
+                  <a:schemeClr val="tx1"/>
+                </a:solidFill>
+                <a:latin typeface="Times New Roman" panose="02020603050405020304" pitchFamily="18" charset="0"/>
+                <a:cs typeface="Times New Roman" panose="02020603050405020304" pitchFamily="18" charset="0"/>
+              </a:rPr>
+              <a:t>(</a:t>
+            </a:r>
+            <a:r>
+              <a:rPr lang="pt-BR" sz="2000" b="1" dirty="0" err="1">
+                <a:solidFill>
+                  <a:schemeClr val="tx1"/>
+                </a:solidFill>
+                <a:latin typeface="Times New Roman" panose="02020603050405020304" pitchFamily="18" charset="0"/>
+                <a:cs typeface="Times New Roman" panose="02020603050405020304" pitchFamily="18" charset="0"/>
+              </a:rPr>
+              <a:t>function</a:t>
+            </a:r>
+            <a:r>
+              <a:rPr lang="pt-BR" sz="2000" dirty="0">
+                <a:solidFill>
+                  <a:schemeClr val="tx1"/>
+                </a:solidFill>
+                <a:latin typeface="Times New Roman" panose="02020603050405020304" pitchFamily="18" charset="0"/>
+                <a:cs typeface="Times New Roman" panose="02020603050405020304" pitchFamily="18" charset="0"/>
+              </a:rPr>
+              <a:t> () {</a:t>
+            </a:r>
+          </a:p>
+          <a:p>
+            <a:pPr marL="0" indent="0" algn="just">
+              <a:buNone/>
+            </a:pPr>
+            <a:r>
+              <a:rPr lang="pt-BR" sz="2000" dirty="0">
+                <a:solidFill>
+                  <a:schemeClr val="tx1"/>
+                </a:solidFill>
+                <a:latin typeface="Times New Roman" panose="02020603050405020304" pitchFamily="18" charset="0"/>
+                <a:cs typeface="Times New Roman" panose="02020603050405020304" pitchFamily="18" charset="0"/>
+              </a:rPr>
+              <a:t>          $(".blue").</a:t>
+            </a:r>
+            <a:r>
+              <a:rPr lang="pt-BR" sz="2000" b="1" dirty="0">
+                <a:solidFill>
+                  <a:schemeClr val="tx1"/>
+                </a:solidFill>
+                <a:latin typeface="Times New Roman" panose="02020603050405020304" pitchFamily="18" charset="0"/>
+                <a:cs typeface="Times New Roman" panose="02020603050405020304" pitchFamily="18" charset="0"/>
+              </a:rPr>
+              <a:t>show</a:t>
+            </a:r>
+            <a:r>
+              <a:rPr lang="pt-BR" sz="2000" dirty="0">
+                <a:solidFill>
+                  <a:schemeClr val="tx1"/>
+                </a:solidFill>
+                <a:latin typeface="Times New Roman" panose="02020603050405020304" pitchFamily="18" charset="0"/>
+                <a:cs typeface="Times New Roman" panose="02020603050405020304" pitchFamily="18" charset="0"/>
+              </a:rPr>
+              <a:t>(3000);     });</a:t>
+            </a:r>
+          </a:p>
+          <a:p>
+            <a:pPr marL="0" indent="0" algn="just">
+              <a:buNone/>
+            </a:pPr>
+            <a:r>
+              <a:rPr lang="pt-BR" sz="2000" dirty="0">
+                <a:solidFill>
+                  <a:schemeClr val="tx1"/>
+                </a:solidFill>
+                <a:latin typeface="Times New Roman" panose="02020603050405020304" pitchFamily="18" charset="0"/>
+                <a:cs typeface="Times New Roman" panose="02020603050405020304" pitchFamily="18" charset="0"/>
+              </a:rPr>
+              <a:t> }); // </a:t>
+            </a:r>
+            <a:r>
+              <a:rPr lang="pt-BR" sz="2000" b="1" dirty="0">
+                <a:solidFill>
+                  <a:srgbClr val="FF0000"/>
+                </a:solidFill>
+                <a:latin typeface="Times New Roman" panose="02020603050405020304" pitchFamily="18" charset="0"/>
+                <a:cs typeface="Times New Roman" panose="02020603050405020304" pitchFamily="18" charset="0"/>
+              </a:rPr>
+              <a:t>fecha 1ª </a:t>
+            </a:r>
+            <a:r>
+              <a:rPr lang="pt-BR" sz="2000" b="1" dirty="0" err="1">
+                <a:solidFill>
+                  <a:srgbClr val="FF0000"/>
+                </a:solidFill>
+                <a:latin typeface="Times New Roman" panose="02020603050405020304" pitchFamily="18" charset="0"/>
+                <a:cs typeface="Times New Roman" panose="02020603050405020304" pitchFamily="18" charset="0"/>
+              </a:rPr>
+              <a:t>function</a:t>
+            </a:r>
+            <a:endParaRPr lang="pt-BR" sz="2400" b="1" dirty="0">
+              <a:solidFill>
+                <a:srgbClr val="FF0000"/>
               </a:solidFill>
               <a:latin typeface="Times New Roman" panose="02020603050405020304" pitchFamily="18" charset="0"/>
               <a:cs typeface="Times New Roman" panose="02020603050405020304" pitchFamily="18" charset="0"/>
@@ -7406,7 +7590,37 @@
                 <a:latin typeface="Times New Roman" panose="02020603050405020304" pitchFamily="18" charset="0"/>
                 <a:cs typeface="Times New Roman" panose="02020603050405020304" pitchFamily="18" charset="0"/>
               </a:rPr>
-              <a:t>;</a:t>
+              <a:t> (uma dentro da outra, </a:t>
+            </a:r>
+            <a:r>
+              <a:rPr lang="pt-BR" sz="2400" b="1" dirty="0">
+                <a:solidFill>
+                  <a:srgbClr val="FF0000"/>
+                </a:solidFill>
+                <a:latin typeface="Times New Roman" panose="02020603050405020304" pitchFamily="18" charset="0"/>
+                <a:cs typeface="Times New Roman" panose="02020603050405020304" pitchFamily="18" charset="0"/>
+              </a:rPr>
+              <a:t>a interna </a:t>
+            </a:r>
+            <a:r>
+              <a:rPr lang="pt-BR" sz="2400" b="1" dirty="0" err="1">
+                <a:solidFill>
+                  <a:srgbClr val="FF0000"/>
+                </a:solidFill>
+                <a:latin typeface="Times New Roman" panose="02020603050405020304" pitchFamily="18" charset="0"/>
+                <a:cs typeface="Times New Roman" panose="02020603050405020304" pitchFamily="18" charset="0"/>
+              </a:rPr>
+              <a:t>hidden</a:t>
+            </a:r>
+            <a:r>
+              <a:rPr lang="pt-BR" sz="2400" b="1" dirty="0">
+                <a:solidFill>
+                  <a:schemeClr val="tx1"/>
+                </a:solidFill>
+                <a:latin typeface="Times New Roman" panose="02020603050405020304" pitchFamily="18" charset="0"/>
+                <a:cs typeface="Times New Roman" panose="02020603050405020304" pitchFamily="18" charset="0"/>
+              </a:rPr>
+              <a:t>);</a:t>
             </a:r>
           </a:p>
           <a:p>
@@ -9749,7 +9963,7 @@
               <a:t>button</a:t>
             </a:r>
             <a:r>
-              <a:rPr lang="pt-BR" sz="2000" b="1">
+              <a:rPr lang="pt-BR" sz="2000" b="1" dirty="0">
                 <a:solidFill>
                   <a:schemeClr val="tx1"/>
                 </a:solidFill>
@@ -9801,6 +10015,41 @@
               <a:t>').click(</a:t>
             </a:r>
             <a:r>
+              <a:rPr lang="pt-BR" sz="2000" b="1" dirty="0" err="1">
+                <a:solidFill>
+                  <a:schemeClr val="tx1"/>
+                </a:solidFill>
+                <a:latin typeface="Times New Roman" panose="02020603050405020304" pitchFamily="18" charset="0"/>
+                <a:cs typeface="Times New Roman" panose="02020603050405020304" pitchFamily="18" charset="0"/>
+              </a:rPr>
+              <a:t>function</a:t>
+            </a:r>
+            <a:r>
+              <a:rPr lang="pt-BR" sz="2000" dirty="0">
+                <a:solidFill>
+                  <a:schemeClr val="tx1"/>
+                </a:solidFill>
+                <a:latin typeface="Times New Roman" panose="02020603050405020304" pitchFamily="18" charset="0"/>
+                <a:cs typeface="Times New Roman" panose="02020603050405020304" pitchFamily="18" charset="0"/>
+              </a:rPr>
+              <a:t> () {</a:t>
+            </a:r>
+          </a:p>
+          <a:p>
+            <a:pPr marL="0" indent="0" algn="just">
+              <a:buNone/>
+            </a:pPr>
+            <a:r>
+              <a:rPr lang="pt-BR" sz="2000" dirty="0">
+                <a:solidFill>
+                  <a:schemeClr val="tx1"/>
+                </a:solidFill>
+                <a:latin typeface="Times New Roman" panose="02020603050405020304" pitchFamily="18" charset="0"/>
+                <a:cs typeface="Times New Roman" panose="02020603050405020304" pitchFamily="18" charset="0"/>
+              </a:rPr>
+              <a:t>          </a:t>
+            </a:r>
+            <a:r>
               <a:rPr lang="pt-BR" sz="2000" dirty="0" err="1">
                 <a:solidFill>
                   <a:schemeClr val="tx1"/>
@@ -9808,7 +10057,7 @@
                 <a:latin typeface="Times New Roman" panose="02020603050405020304" pitchFamily="18" charset="0"/>
                 <a:cs typeface="Times New Roman" panose="02020603050405020304" pitchFamily="18" charset="0"/>
               </a:rPr>
-              <a:t>function</a:t>
+              <a:t>let</a:t>
             </a:r>
             <a:r>
               <a:rPr lang="pt-BR" sz="2000" dirty="0">
@@ -9818,7 +10067,7 @@
                 <a:latin typeface="Times New Roman" panose="02020603050405020304" pitchFamily="18" charset="0"/>
                 <a:cs typeface="Times New Roman" panose="02020603050405020304" pitchFamily="18" charset="0"/>
               </a:rPr>
-              <a:t> () {</a:t>
+              <a:t> h2 = $('h2');</a:t>
             </a:r>
           </a:p>
           <a:p>
@@ -9833,17 +10082,17 @@
                 <a:latin typeface="Times New Roman" panose="02020603050405020304" pitchFamily="18" charset="0"/>
                 <a:cs typeface="Times New Roman" panose="02020603050405020304" pitchFamily="18" charset="0"/>
               </a:rPr>
-              <a:t>          </a:t>
-            </a:r>
-            <a:r>
-              <a:rPr lang="pt-BR" sz="2000" dirty="0" err="1">
-                <a:solidFill>
-                  <a:schemeClr val="tx1"/>
-                </a:solidFill>
-                <a:latin typeface="Times New Roman" panose="02020603050405020304" pitchFamily="18" charset="0"/>
-                <a:cs typeface="Times New Roman" panose="02020603050405020304" pitchFamily="18" charset="0"/>
-              </a:rPr>
-              <a:t>let</a:t>
+              <a:t>          h2.</a:t>
+            </a:r>
+            <a:r>
+              <a:rPr lang="pt-BR" sz="2000" b="1" dirty="0">
+                <a:solidFill>
+                  <a:schemeClr val="tx1"/>
+                </a:solidFill>
+                <a:latin typeface="Times New Roman" panose="02020603050405020304" pitchFamily="18" charset="0"/>
+                <a:cs typeface="Times New Roman" panose="02020603050405020304" pitchFamily="18" charset="0"/>
+              </a:rPr>
+              <a:t>append</a:t>
             </a:r>
             <a:r>
               <a:rPr lang="pt-BR" sz="2000" dirty="0">
@@ -9853,22 +10102,7 @@
                 <a:latin typeface="Times New Roman" panose="02020603050405020304" pitchFamily="18" charset="0"/>
                 <a:cs typeface="Times New Roman" panose="02020603050405020304" pitchFamily="18" charset="0"/>
               </a:rPr>
-              <a:t> h2 = $('h2');</a:t>
-            </a:r>
-          </a:p>
-          <a:p>
-            <a:pPr marL="0" indent="0" algn="just">
-              <a:buNone/>
-            </a:pPr>
-            <a:r>
-              <a:rPr lang="pt-BR" sz="2000" dirty="0">
-                <a:solidFill>
-                  <a:schemeClr val="tx1"/>
-                </a:solidFill>
-                <a:latin typeface="Times New Roman" panose="02020603050405020304" pitchFamily="18" charset="0"/>
-                <a:cs typeface="Times New Roman" panose="02020603050405020304" pitchFamily="18" charset="0"/>
-              </a:rPr>
-              <a:t>          h2.append(' Acrescentando mais texto no h2');</a:t>
+              <a:t>(' Acrescentando mais texto no h2');</a:t>
             </a:r>
           </a:p>
           <a:p>
@@ -9933,6 +10167,41 @@
               <a:t>').click(</a:t>
             </a:r>
             <a:r>
+              <a:rPr lang="pt-BR" sz="2000" b="1" dirty="0" err="1">
+                <a:solidFill>
+                  <a:schemeClr val="tx1"/>
+                </a:solidFill>
+                <a:latin typeface="Times New Roman" panose="02020603050405020304" pitchFamily="18" charset="0"/>
+                <a:cs typeface="Times New Roman" panose="02020603050405020304" pitchFamily="18" charset="0"/>
+              </a:rPr>
+              <a:t>function</a:t>
+            </a:r>
+            <a:r>
+              <a:rPr lang="pt-BR" sz="2000" dirty="0">
+                <a:solidFill>
+                  <a:schemeClr val="tx1"/>
+                </a:solidFill>
+                <a:latin typeface="Times New Roman" panose="02020603050405020304" pitchFamily="18" charset="0"/>
+                <a:cs typeface="Times New Roman" panose="02020603050405020304" pitchFamily="18" charset="0"/>
+              </a:rPr>
+              <a:t> () {</a:t>
+            </a:r>
+          </a:p>
+          <a:p>
+            <a:pPr marL="0" indent="0" algn="just">
+              <a:buNone/>
+            </a:pPr>
+            <a:r>
+              <a:rPr lang="pt-BR" sz="2000" dirty="0">
+                <a:solidFill>
+                  <a:schemeClr val="tx1"/>
+                </a:solidFill>
+                <a:latin typeface="Times New Roman" panose="02020603050405020304" pitchFamily="18" charset="0"/>
+                <a:cs typeface="Times New Roman" panose="02020603050405020304" pitchFamily="18" charset="0"/>
+              </a:rPr>
+              <a:t>          </a:t>
+            </a:r>
+            <a:r>
               <a:rPr lang="pt-BR" sz="2000" dirty="0" err="1">
                 <a:solidFill>
                   <a:schemeClr val="tx1"/>
@@ -9940,7 +10209,7 @@
                 <a:latin typeface="Times New Roman" panose="02020603050405020304" pitchFamily="18" charset="0"/>
                 <a:cs typeface="Times New Roman" panose="02020603050405020304" pitchFamily="18" charset="0"/>
               </a:rPr>
-              <a:t>function</a:t>
+              <a:t>let</a:t>
             </a:r>
             <a:r>
               <a:rPr lang="pt-BR" sz="2000" dirty="0">
@@ -9950,7 +10219,7 @@
                 <a:latin typeface="Times New Roman" panose="02020603050405020304" pitchFamily="18" charset="0"/>
                 <a:cs typeface="Times New Roman" panose="02020603050405020304" pitchFamily="18" charset="0"/>
               </a:rPr>
-              <a:t> () {</a:t>
+              <a:t> h3 = $('h3');</a:t>
             </a:r>
           </a:p>
           <a:p>
@@ -9965,17 +10234,17 @@
                 <a:latin typeface="Times New Roman" panose="02020603050405020304" pitchFamily="18" charset="0"/>
                 <a:cs typeface="Times New Roman" panose="02020603050405020304" pitchFamily="18" charset="0"/>
               </a:rPr>
-              <a:t>          </a:t>
-            </a:r>
-            <a:r>
-              <a:rPr lang="pt-BR" sz="2000" dirty="0" err="1">
-                <a:solidFill>
-                  <a:schemeClr val="tx1"/>
-                </a:solidFill>
-                <a:latin typeface="Times New Roman" panose="02020603050405020304" pitchFamily="18" charset="0"/>
-                <a:cs typeface="Times New Roman" panose="02020603050405020304" pitchFamily="18" charset="0"/>
-              </a:rPr>
-              <a:t>let</a:t>
+              <a:t>          h3.</a:t>
+            </a:r>
+            <a:r>
+              <a:rPr lang="pt-BR" sz="2000" b="1" dirty="0">
+                <a:solidFill>
+                  <a:schemeClr val="tx1"/>
+                </a:solidFill>
+                <a:latin typeface="Times New Roman" panose="02020603050405020304" pitchFamily="18" charset="0"/>
+                <a:cs typeface="Times New Roman" panose="02020603050405020304" pitchFamily="18" charset="0"/>
+              </a:rPr>
+              <a:t>html</a:t>
             </a:r>
             <a:r>
               <a:rPr lang="pt-BR" sz="2000" dirty="0">
@@ -9985,22 +10254,7 @@
                 <a:latin typeface="Times New Roman" panose="02020603050405020304" pitchFamily="18" charset="0"/>
                 <a:cs typeface="Times New Roman" panose="02020603050405020304" pitchFamily="18" charset="0"/>
               </a:rPr>
-              <a:t> h3 = $('h3');</a:t>
-            </a:r>
-          </a:p>
-          <a:p>
-            <a:pPr marL="0" indent="0" algn="just">
-              <a:buNone/>
-            </a:pPr>
-            <a:r>
-              <a:rPr lang="pt-BR" sz="2000" dirty="0">
-                <a:solidFill>
-                  <a:schemeClr val="tx1"/>
-                </a:solidFill>
-                <a:latin typeface="Times New Roman" panose="02020603050405020304" pitchFamily="18" charset="0"/>
-                <a:cs typeface="Times New Roman" panose="02020603050405020304" pitchFamily="18" charset="0"/>
-              </a:rPr>
-              <a:t>          h3.html('&lt;b&gt;Alterou&lt;/</a:t>
+              <a:t>('&lt;b&gt;Alterou&lt;/</a:t>
             </a:r>
             <a:r>
               <a:rPr lang="pt-BR" sz="2000" dirty="0" err="1">
@@ -10216,6 +10470,61 @@
               <a:t>').click(</a:t>
             </a:r>
             <a:r>
+              <a:rPr lang="pt-BR" sz="2000" b="1" dirty="0" err="1">
+                <a:solidFill>
+                  <a:schemeClr val="tx1"/>
+                </a:solidFill>
+                <a:latin typeface="Times New Roman" panose="02020603050405020304" pitchFamily="18" charset="0"/>
+                <a:cs typeface="Times New Roman" panose="02020603050405020304" pitchFamily="18" charset="0"/>
+              </a:rPr>
+              <a:t>function</a:t>
+            </a:r>
+            <a:r>
+              <a:rPr lang="pt-BR" sz="2000" dirty="0">
+                <a:solidFill>
+                  <a:schemeClr val="tx1"/>
+                </a:solidFill>
+                <a:latin typeface="Times New Roman" panose="02020603050405020304" pitchFamily="18" charset="0"/>
+                <a:cs typeface="Times New Roman" panose="02020603050405020304" pitchFamily="18" charset="0"/>
+              </a:rPr>
+              <a:t> () {</a:t>
+            </a:r>
+          </a:p>
+          <a:p>
+            <a:pPr marL="0" indent="0" algn="just">
+              <a:buNone/>
+            </a:pPr>
+            <a:r>
+              <a:rPr lang="pt-BR" sz="2000" dirty="0">
+                <a:solidFill>
+                  <a:schemeClr val="tx1"/>
+                </a:solidFill>
+                <a:latin typeface="Times New Roman" panose="02020603050405020304" pitchFamily="18" charset="0"/>
+                <a:cs typeface="Times New Roman" panose="02020603050405020304" pitchFamily="18" charset="0"/>
+              </a:rPr>
+              <a:t>          </a:t>
+            </a:r>
+            <a:r>
+              <a:rPr lang="pt-BR" sz="2000" b="1" dirty="0" err="1">
+                <a:solidFill>
+                  <a:schemeClr val="tx1"/>
+                </a:solidFill>
+                <a:latin typeface="Times New Roman" panose="02020603050405020304" pitchFamily="18" charset="0"/>
+                <a:cs typeface="Times New Roman" panose="02020603050405020304" pitchFamily="18" charset="0"/>
+              </a:rPr>
+              <a:t>let</a:t>
+            </a:r>
+            <a:r>
+              <a:rPr lang="pt-BR" sz="2000" dirty="0">
+                <a:solidFill>
+                  <a:schemeClr val="tx1"/>
+                </a:solidFill>
+                <a:latin typeface="Times New Roman" panose="02020603050405020304" pitchFamily="18" charset="0"/>
+                <a:cs typeface="Times New Roman" panose="02020603050405020304" pitchFamily="18" charset="0"/>
+              </a:rPr>
+              <a:t> </a:t>
+            </a:r>
+            <a:r>
               <a:rPr lang="pt-BR" sz="2000" dirty="0" err="1">
                 <a:solidFill>
                   <a:schemeClr val="tx1"/>
@@ -10223,6 +10532,141 @@
                 <a:latin typeface="Times New Roman" panose="02020603050405020304" pitchFamily="18" charset="0"/>
                 <a:cs typeface="Times New Roman" panose="02020603050405020304" pitchFamily="18" charset="0"/>
               </a:rPr>
+              <a:t>inputText</a:t>
+            </a:r>
+            <a:r>
+              <a:rPr lang="pt-BR" sz="2000" dirty="0">
+                <a:solidFill>
+                  <a:schemeClr val="tx1"/>
+                </a:solidFill>
+                <a:latin typeface="Times New Roman" panose="02020603050405020304" pitchFamily="18" charset="0"/>
+                <a:cs typeface="Times New Roman" panose="02020603050405020304" pitchFamily="18" charset="0"/>
+              </a:rPr>
+              <a:t> = $('#</a:t>
+            </a:r>
+            <a:r>
+              <a:rPr lang="pt-BR" sz="2000" dirty="0" err="1">
+                <a:solidFill>
+                  <a:schemeClr val="tx1"/>
+                </a:solidFill>
+                <a:latin typeface="Times New Roman" panose="02020603050405020304" pitchFamily="18" charset="0"/>
+                <a:cs typeface="Times New Roman" panose="02020603050405020304" pitchFamily="18" charset="0"/>
+              </a:rPr>
+              <a:t>inputText</a:t>
+            </a:r>
+            <a:r>
+              <a:rPr lang="pt-BR" sz="2000" dirty="0">
+                <a:solidFill>
+                  <a:schemeClr val="tx1"/>
+                </a:solidFill>
+                <a:latin typeface="Times New Roman" panose="02020603050405020304" pitchFamily="18" charset="0"/>
+                <a:cs typeface="Times New Roman" panose="02020603050405020304" pitchFamily="18" charset="0"/>
+              </a:rPr>
+              <a:t>');</a:t>
+            </a:r>
+          </a:p>
+          <a:p>
+            <a:pPr marL="0" indent="0" algn="just">
+              <a:buNone/>
+            </a:pPr>
+            <a:r>
+              <a:rPr lang="pt-BR" sz="2000" dirty="0">
+                <a:solidFill>
+                  <a:schemeClr val="tx1"/>
+                </a:solidFill>
+                <a:latin typeface="Times New Roman" panose="02020603050405020304" pitchFamily="18" charset="0"/>
+                <a:cs typeface="Times New Roman" panose="02020603050405020304" pitchFamily="18" charset="0"/>
+              </a:rPr>
+              <a:t>          </a:t>
+            </a:r>
+            <a:r>
+              <a:rPr lang="pt-BR" sz="2000" dirty="0" err="1">
+                <a:solidFill>
+                  <a:schemeClr val="tx1"/>
+                </a:solidFill>
+                <a:latin typeface="Times New Roman" panose="02020603050405020304" pitchFamily="18" charset="0"/>
+                <a:cs typeface="Times New Roman" panose="02020603050405020304" pitchFamily="18" charset="0"/>
+              </a:rPr>
+              <a:t>inputText.</a:t>
+            </a:r>
+            <a:r>
+              <a:rPr lang="pt-BR" sz="2000" b="1" dirty="0" err="1">
+                <a:solidFill>
+                  <a:schemeClr val="tx1"/>
+                </a:solidFill>
+                <a:latin typeface="Times New Roman" panose="02020603050405020304" pitchFamily="18" charset="0"/>
+                <a:cs typeface="Times New Roman" panose="02020603050405020304" pitchFamily="18" charset="0"/>
+              </a:rPr>
+              <a:t>val</a:t>
+            </a:r>
+            <a:r>
+              <a:rPr lang="pt-BR" sz="2000" dirty="0">
+                <a:solidFill>
+                  <a:schemeClr val="tx1"/>
+                </a:solidFill>
+                <a:latin typeface="Times New Roman" panose="02020603050405020304" pitchFamily="18" charset="0"/>
+                <a:cs typeface="Times New Roman" panose="02020603050405020304" pitchFamily="18" charset="0"/>
+              </a:rPr>
+              <a:t>('Julia Cardoso');</a:t>
+            </a:r>
+          </a:p>
+          <a:p>
+            <a:pPr marL="0" indent="0" algn="just">
+              <a:buNone/>
+            </a:pPr>
+            <a:r>
+              <a:rPr lang="pt-BR" sz="2000" dirty="0">
+                <a:solidFill>
+                  <a:schemeClr val="tx1"/>
+                </a:solidFill>
+                <a:latin typeface="Times New Roman" panose="02020603050405020304" pitchFamily="18" charset="0"/>
+                <a:cs typeface="Times New Roman" panose="02020603050405020304" pitchFamily="18" charset="0"/>
+              </a:rPr>
+              <a:t>        });</a:t>
+            </a:r>
+          </a:p>
+          <a:p>
+            <a:pPr marL="0" indent="0" algn="just">
+              <a:buNone/>
+            </a:pPr>
+            <a:r>
+              <a:rPr lang="pt-BR" sz="2000" dirty="0">
+                <a:solidFill>
+                  <a:schemeClr val="tx1"/>
+                </a:solidFill>
+                <a:latin typeface="Times New Roman" panose="02020603050405020304" pitchFamily="18" charset="0"/>
+                <a:cs typeface="Times New Roman" panose="02020603050405020304" pitchFamily="18" charset="0"/>
+              </a:rPr>
+              <a:t>        $('#</a:t>
+            </a:r>
+            <a:r>
+              <a:rPr lang="pt-BR" sz="2000" b="1" dirty="0">
+                <a:solidFill>
+                  <a:schemeClr val="tx1"/>
+                </a:solidFill>
+                <a:latin typeface="Times New Roman" panose="02020603050405020304" pitchFamily="18" charset="0"/>
+                <a:cs typeface="Times New Roman" panose="02020603050405020304" pitchFamily="18" charset="0"/>
+              </a:rPr>
+              <a:t>inputButton4</a:t>
+            </a:r>
+            <a:r>
+              <a:rPr lang="pt-BR" sz="2000" dirty="0">
+                <a:solidFill>
+                  <a:schemeClr val="tx1"/>
+                </a:solidFill>
+                <a:latin typeface="Times New Roman" panose="02020603050405020304" pitchFamily="18" charset="0"/>
+                <a:cs typeface="Times New Roman" panose="02020603050405020304" pitchFamily="18" charset="0"/>
+              </a:rPr>
+              <a:t>').click(</a:t>
+            </a:r>
+            <a:r>
+              <a:rPr lang="pt-BR" sz="2000" b="1" dirty="0" err="1">
+                <a:solidFill>
+                  <a:schemeClr val="tx1"/>
+                </a:solidFill>
+                <a:latin typeface="Times New Roman" panose="02020603050405020304" pitchFamily="18" charset="0"/>
+                <a:cs typeface="Times New Roman" panose="02020603050405020304" pitchFamily="18" charset="0"/>
+              </a:rPr>
               <a:t>function</a:t>
             </a:r>
             <a:r>
@@ -10251,6 +10695,41 @@
               <a:t>          </a:t>
             </a:r>
             <a:r>
+              <a:rPr lang="pt-BR" sz="2000" b="1" dirty="0" err="1">
+                <a:solidFill>
+                  <a:schemeClr val="tx1"/>
+                </a:solidFill>
+                <a:latin typeface="Times New Roman" panose="02020603050405020304" pitchFamily="18" charset="0"/>
+                <a:cs typeface="Times New Roman" panose="02020603050405020304" pitchFamily="18" charset="0"/>
+              </a:rPr>
+              <a:t>let</a:t>
+            </a:r>
+            <a:r>
+              <a:rPr lang="pt-BR" sz="2000" dirty="0">
+                <a:solidFill>
+                  <a:schemeClr val="tx1"/>
+                </a:solidFill>
+                <a:latin typeface="Times New Roman" panose="02020603050405020304" pitchFamily="18" charset="0"/>
+                <a:cs typeface="Times New Roman" panose="02020603050405020304" pitchFamily="18" charset="0"/>
+              </a:rPr>
+              <a:t> link = $('#link');</a:t>
+            </a:r>
+          </a:p>
+          <a:p>
+            <a:pPr marL="0" indent="0" algn="just">
+              <a:buNone/>
+            </a:pPr>
+            <a:r>
+              <a:rPr lang="pt-BR" sz="2000" dirty="0">
+                <a:solidFill>
+                  <a:schemeClr val="tx1"/>
+                </a:solidFill>
+                <a:latin typeface="Times New Roman" panose="02020603050405020304" pitchFamily="18" charset="0"/>
+                <a:cs typeface="Times New Roman" panose="02020603050405020304" pitchFamily="18" charset="0"/>
+              </a:rPr>
+              <a:t>          </a:t>
+            </a:r>
+            <a:r>
               <a:rPr lang="pt-BR" sz="2000" dirty="0" err="1">
                 <a:solidFill>
                   <a:schemeClr val="tx1"/>
@@ -10258,7 +10737,17 @@
                 <a:latin typeface="Times New Roman" panose="02020603050405020304" pitchFamily="18" charset="0"/>
                 <a:cs typeface="Times New Roman" panose="02020603050405020304" pitchFamily="18" charset="0"/>
               </a:rPr>
-              <a:t>let</a:t>
+              <a:t>link.</a:t>
+            </a:r>
+            <a:r>
+              <a:rPr lang="pt-BR" sz="2000" b="1" dirty="0" err="1">
+                <a:solidFill>
+                  <a:schemeClr val="tx1"/>
+                </a:solidFill>
+                <a:latin typeface="Times New Roman" panose="02020603050405020304" pitchFamily="18" charset="0"/>
+                <a:cs typeface="Times New Roman" panose="02020603050405020304" pitchFamily="18" charset="0"/>
+              </a:rPr>
+              <a:t>attr</a:t>
             </a:r>
             <a:r>
               <a:rPr lang="pt-BR" sz="2000" dirty="0">
@@ -10268,7 +10757,7 @@
                 <a:latin typeface="Times New Roman" panose="02020603050405020304" pitchFamily="18" charset="0"/>
                 <a:cs typeface="Times New Roman" panose="02020603050405020304" pitchFamily="18" charset="0"/>
               </a:rPr>
-              <a:t> </a:t>
+              <a:t>('</a:t>
             </a:r>
             <a:r>
               <a:rPr lang="pt-BR" sz="2000" dirty="0" err="1">
@@ -10278,7 +10767,7 @@
                 <a:latin typeface="Times New Roman" panose="02020603050405020304" pitchFamily="18" charset="0"/>
                 <a:cs typeface="Times New Roman" panose="02020603050405020304" pitchFamily="18" charset="0"/>
               </a:rPr>
-              <a:t>inputText</a:t>
+              <a:t>href</a:t>
             </a:r>
             <a:r>
               <a:rPr lang="pt-BR" sz="2000" dirty="0">
@@ -10288,18 +10777,13 @@
                 <a:latin typeface="Times New Roman" panose="02020603050405020304" pitchFamily="18" charset="0"/>
                 <a:cs typeface="Times New Roman" panose="02020603050405020304" pitchFamily="18" charset="0"/>
               </a:rPr>
-              <a:t> = $('#</a:t>
-            </a:r>
-            <a:r>
-              <a:rPr lang="pt-BR" sz="2000" dirty="0" err="1">
-                <a:solidFill>
-                  <a:schemeClr val="tx1"/>
-                </a:solidFill>
-                <a:latin typeface="Times New Roman" panose="02020603050405020304" pitchFamily="18" charset="0"/>
-                <a:cs typeface="Times New Roman" panose="02020603050405020304" pitchFamily="18" charset="0"/>
-              </a:rPr>
-              <a:t>inputText</a:t>
-            </a:r>
+              <a:t>', 'https://www.globo.com/');</a:t>
+            </a:r>
+          </a:p>
+          <a:p>
+            <a:pPr marL="0" indent="0" algn="just">
+              <a:buNone/>
+            </a:pPr>
             <a:r>
               <a:rPr lang="pt-BR" sz="2000" dirty="0">
                 <a:solidFill>
@@ -10308,13 +10792,18 @@
                 <a:latin typeface="Times New Roman" panose="02020603050405020304" pitchFamily="18" charset="0"/>
                 <a:cs typeface="Times New Roman" panose="02020603050405020304" pitchFamily="18" charset="0"/>
               </a:rPr>
-              <a:t>');</a:t>
-            </a:r>
-          </a:p>
-          <a:p>
-            <a:pPr marL="0" indent="0" algn="just">
-              <a:buNone/>
-            </a:pPr>
+              <a:t>           link.</a:t>
+            </a:r>
+            <a:r>
+              <a:rPr lang="pt-BR" sz="2000" b="1" dirty="0">
+                <a:solidFill>
+                  <a:schemeClr val="tx1"/>
+                </a:solidFill>
+                <a:latin typeface="Times New Roman" panose="02020603050405020304" pitchFamily="18" charset="0"/>
+                <a:cs typeface="Times New Roman" panose="02020603050405020304" pitchFamily="18" charset="0"/>
+              </a:rPr>
+              <a:t>html</a:t>
+            </a:r>
             <a:r>
               <a:rPr lang="pt-BR" sz="2000" dirty="0">
                 <a:solidFill>
@@ -10323,202 +10812,7 @@
                 <a:latin typeface="Times New Roman" panose="02020603050405020304" pitchFamily="18" charset="0"/>
                 <a:cs typeface="Times New Roman" panose="02020603050405020304" pitchFamily="18" charset="0"/>
               </a:rPr>
-              <a:t>          </a:t>
-            </a:r>
-            <a:r>
-              <a:rPr lang="pt-BR" sz="2000" dirty="0" err="1">
-                <a:solidFill>
-                  <a:schemeClr val="tx1"/>
-                </a:solidFill>
-                <a:latin typeface="Times New Roman" panose="02020603050405020304" pitchFamily="18" charset="0"/>
-                <a:cs typeface="Times New Roman" panose="02020603050405020304" pitchFamily="18" charset="0"/>
-              </a:rPr>
-              <a:t>inputText.val</a:t>
-            </a:r>
-            <a:r>
-              <a:rPr lang="pt-BR" sz="2000" dirty="0">
-                <a:solidFill>
-                  <a:schemeClr val="tx1"/>
-                </a:solidFill>
-                <a:latin typeface="Times New Roman" panose="02020603050405020304" pitchFamily="18" charset="0"/>
-                <a:cs typeface="Times New Roman" panose="02020603050405020304" pitchFamily="18" charset="0"/>
-              </a:rPr>
-              <a:t>('Julia Cardoso');</a:t>
-            </a:r>
-          </a:p>
-          <a:p>
-            <a:pPr marL="0" indent="0" algn="just">
-              <a:buNone/>
-            </a:pPr>
-            <a:r>
-              <a:rPr lang="pt-BR" sz="2000" dirty="0">
-                <a:solidFill>
-                  <a:schemeClr val="tx1"/>
-                </a:solidFill>
-                <a:latin typeface="Times New Roman" panose="02020603050405020304" pitchFamily="18" charset="0"/>
-                <a:cs typeface="Times New Roman" panose="02020603050405020304" pitchFamily="18" charset="0"/>
-              </a:rPr>
-              <a:t>        });</a:t>
-            </a:r>
-          </a:p>
-          <a:p>
-            <a:pPr marL="0" indent="0" algn="just">
-              <a:buNone/>
-            </a:pPr>
-            <a:r>
-              <a:rPr lang="pt-BR" sz="2000" dirty="0">
-                <a:solidFill>
-                  <a:schemeClr val="tx1"/>
-                </a:solidFill>
-                <a:latin typeface="Times New Roman" panose="02020603050405020304" pitchFamily="18" charset="0"/>
-                <a:cs typeface="Times New Roman" panose="02020603050405020304" pitchFamily="18" charset="0"/>
-              </a:rPr>
-              <a:t>        $('#</a:t>
-            </a:r>
-            <a:r>
-              <a:rPr lang="pt-BR" sz="2000" b="1" dirty="0">
-                <a:solidFill>
-                  <a:schemeClr val="tx1"/>
-                </a:solidFill>
-                <a:latin typeface="Times New Roman" panose="02020603050405020304" pitchFamily="18" charset="0"/>
-                <a:cs typeface="Times New Roman" panose="02020603050405020304" pitchFamily="18" charset="0"/>
-              </a:rPr>
-              <a:t>inputButton4</a:t>
-            </a:r>
-            <a:r>
-              <a:rPr lang="pt-BR" sz="2000" dirty="0">
-                <a:solidFill>
-                  <a:schemeClr val="tx1"/>
-                </a:solidFill>
-                <a:latin typeface="Times New Roman" panose="02020603050405020304" pitchFamily="18" charset="0"/>
-                <a:cs typeface="Times New Roman" panose="02020603050405020304" pitchFamily="18" charset="0"/>
-              </a:rPr>
-              <a:t>').click(</a:t>
-            </a:r>
-            <a:r>
-              <a:rPr lang="pt-BR" sz="2000" dirty="0" err="1">
-                <a:solidFill>
-                  <a:schemeClr val="tx1"/>
-                </a:solidFill>
-                <a:latin typeface="Times New Roman" panose="02020603050405020304" pitchFamily="18" charset="0"/>
-                <a:cs typeface="Times New Roman" panose="02020603050405020304" pitchFamily="18" charset="0"/>
-              </a:rPr>
-              <a:t>function</a:t>
-            </a:r>
-            <a:r>
-              <a:rPr lang="pt-BR" sz="2000" dirty="0">
-                <a:solidFill>
-                  <a:schemeClr val="tx1"/>
-                </a:solidFill>
-                <a:latin typeface="Times New Roman" panose="02020603050405020304" pitchFamily="18" charset="0"/>
-                <a:cs typeface="Times New Roman" panose="02020603050405020304" pitchFamily="18" charset="0"/>
-              </a:rPr>
-              <a:t> () {</a:t>
-            </a:r>
-          </a:p>
-          <a:p>
-            <a:pPr marL="0" indent="0" algn="just">
-              <a:buNone/>
-            </a:pPr>
-            <a:r>
-              <a:rPr lang="pt-BR" sz="2000" dirty="0">
-                <a:solidFill>
-                  <a:schemeClr val="tx1"/>
-                </a:solidFill>
-                <a:latin typeface="Times New Roman" panose="02020603050405020304" pitchFamily="18" charset="0"/>
-                <a:cs typeface="Times New Roman" panose="02020603050405020304" pitchFamily="18" charset="0"/>
-              </a:rPr>
-              <a:t>          </a:t>
-            </a:r>
-            <a:r>
-              <a:rPr lang="pt-BR" sz="2000" dirty="0" err="1">
-                <a:solidFill>
-                  <a:schemeClr val="tx1"/>
-                </a:solidFill>
-                <a:latin typeface="Times New Roman" panose="02020603050405020304" pitchFamily="18" charset="0"/>
-                <a:cs typeface="Times New Roman" panose="02020603050405020304" pitchFamily="18" charset="0"/>
-              </a:rPr>
-              <a:t>let</a:t>
-            </a:r>
-            <a:r>
-              <a:rPr lang="pt-BR" sz="2000" dirty="0">
-                <a:solidFill>
-                  <a:schemeClr val="tx1"/>
-                </a:solidFill>
-                <a:latin typeface="Times New Roman" panose="02020603050405020304" pitchFamily="18" charset="0"/>
-                <a:cs typeface="Times New Roman" panose="02020603050405020304" pitchFamily="18" charset="0"/>
-              </a:rPr>
-              <a:t> link = $('#link');</a:t>
-            </a:r>
-          </a:p>
-          <a:p>
-            <a:pPr marL="0" indent="0" algn="just">
-              <a:buNone/>
-            </a:pPr>
-            <a:r>
-              <a:rPr lang="pt-BR" sz="2000" dirty="0">
-                <a:solidFill>
-                  <a:schemeClr val="tx1"/>
-                </a:solidFill>
-                <a:latin typeface="Times New Roman" panose="02020603050405020304" pitchFamily="18" charset="0"/>
-                <a:cs typeface="Times New Roman" panose="02020603050405020304" pitchFamily="18" charset="0"/>
-              </a:rPr>
-              <a:t>          </a:t>
-            </a:r>
-            <a:r>
-              <a:rPr lang="pt-BR" sz="2000" dirty="0" err="1">
-                <a:solidFill>
-                  <a:schemeClr val="tx1"/>
-                </a:solidFill>
-                <a:latin typeface="Times New Roman" panose="02020603050405020304" pitchFamily="18" charset="0"/>
-                <a:cs typeface="Times New Roman" panose="02020603050405020304" pitchFamily="18" charset="0"/>
-              </a:rPr>
-              <a:t>link.attr</a:t>
-            </a:r>
-            <a:r>
-              <a:rPr lang="pt-BR" sz="2000" dirty="0">
-                <a:solidFill>
-                  <a:schemeClr val="tx1"/>
-                </a:solidFill>
-                <a:latin typeface="Times New Roman" panose="02020603050405020304" pitchFamily="18" charset="0"/>
-                <a:cs typeface="Times New Roman" panose="02020603050405020304" pitchFamily="18" charset="0"/>
-              </a:rPr>
-              <a:t>('</a:t>
-            </a:r>
-            <a:r>
-              <a:rPr lang="pt-BR" sz="2000" dirty="0" err="1">
-                <a:solidFill>
-                  <a:schemeClr val="tx1"/>
-                </a:solidFill>
-                <a:latin typeface="Times New Roman" panose="02020603050405020304" pitchFamily="18" charset="0"/>
-                <a:cs typeface="Times New Roman" panose="02020603050405020304" pitchFamily="18" charset="0"/>
-              </a:rPr>
-              <a:t>href</a:t>
-            </a:r>
-            <a:r>
-              <a:rPr lang="pt-BR" sz="2000" dirty="0">
-                <a:solidFill>
-                  <a:schemeClr val="tx1"/>
-                </a:solidFill>
-                <a:latin typeface="Times New Roman" panose="02020603050405020304" pitchFamily="18" charset="0"/>
-                <a:cs typeface="Times New Roman" panose="02020603050405020304" pitchFamily="18" charset="0"/>
-              </a:rPr>
-              <a:t>', 'https://www.globo.com/');</a:t>
-            </a:r>
-          </a:p>
-          <a:p>
-            <a:pPr marL="0" indent="0" algn="just">
-              <a:buNone/>
-            </a:pPr>
-            <a:r>
-              <a:rPr lang="pt-BR" sz="2000" dirty="0">
-                <a:solidFill>
-                  <a:schemeClr val="tx1"/>
-                </a:solidFill>
-                <a:latin typeface="Times New Roman" panose="02020603050405020304" pitchFamily="18" charset="0"/>
-                <a:cs typeface="Times New Roman" panose="02020603050405020304" pitchFamily="18" charset="0"/>
-              </a:rPr>
-              <a:t>           link.html('Globo');</a:t>
+              <a:t>('Globo');</a:t>
             </a:r>
           </a:p>
           <a:p>
@@ -11176,7 +11470,7 @@
               <a:t>').click(</a:t>
             </a:r>
             <a:r>
-              <a:rPr lang="pt-BR" sz="2000" dirty="0" err="1">
+              <a:rPr lang="pt-BR" sz="2000" b="1" dirty="0" err="1">
                 <a:solidFill>
                   <a:schemeClr val="tx1"/>
                 </a:solidFill>
@@ -11211,7 +11505,7 @@
               <a:t>          </a:t>
             </a:r>
             <a:r>
-              <a:rPr lang="pt-BR" sz="2000" dirty="0" err="1">
+              <a:rPr lang="pt-BR" sz="2000" b="1" dirty="0" err="1">
                 <a:solidFill>
                   <a:schemeClr val="tx1"/>
                 </a:solidFill>
@@ -11368,6 +11662,61 @@
               <a:t>').click(</a:t>
             </a:r>
             <a:r>
+              <a:rPr lang="pt-BR" sz="2000" b="1" dirty="0" err="1">
+                <a:solidFill>
+                  <a:schemeClr val="tx1"/>
+                </a:solidFill>
+                <a:latin typeface="Times New Roman" panose="02020603050405020304" pitchFamily="18" charset="0"/>
+                <a:cs typeface="Times New Roman" panose="02020603050405020304" pitchFamily="18" charset="0"/>
+              </a:rPr>
+              <a:t>function</a:t>
+            </a:r>
+            <a:r>
+              <a:rPr lang="pt-BR" sz="2000" dirty="0">
+                <a:solidFill>
+                  <a:schemeClr val="tx1"/>
+                </a:solidFill>
+                <a:latin typeface="Times New Roman" panose="02020603050405020304" pitchFamily="18" charset="0"/>
+                <a:cs typeface="Times New Roman" panose="02020603050405020304" pitchFamily="18" charset="0"/>
+              </a:rPr>
+              <a:t> () {</a:t>
+            </a:r>
+          </a:p>
+          <a:p>
+            <a:pPr marL="0" indent="0" algn="just">
+              <a:buNone/>
+            </a:pPr>
+            <a:r>
+              <a:rPr lang="pt-BR" sz="2000" dirty="0">
+                <a:solidFill>
+                  <a:schemeClr val="tx1"/>
+                </a:solidFill>
+                <a:latin typeface="Times New Roman" panose="02020603050405020304" pitchFamily="18" charset="0"/>
+                <a:cs typeface="Times New Roman" panose="02020603050405020304" pitchFamily="18" charset="0"/>
+              </a:rPr>
+              <a:t>          $(</a:t>
+            </a:r>
+            <a:r>
+              <a:rPr lang="pt-BR" sz="2000" b="1" dirty="0">
+                <a:solidFill>
+                  <a:schemeClr val="tx1"/>
+                </a:solidFill>
+                <a:latin typeface="Times New Roman" panose="02020603050405020304" pitchFamily="18" charset="0"/>
+                <a:cs typeface="Times New Roman" panose="02020603050405020304" pitchFamily="18" charset="0"/>
+              </a:rPr>
+              <a:t>'body</a:t>
+            </a:r>
+            <a:r>
+              <a:rPr lang="pt-BR" sz="2000" dirty="0">
+                <a:solidFill>
+                  <a:schemeClr val="tx1"/>
+                </a:solidFill>
+                <a:latin typeface="Times New Roman" panose="02020603050405020304" pitchFamily="18" charset="0"/>
+                <a:cs typeface="Times New Roman" panose="02020603050405020304" pitchFamily="18" charset="0"/>
+              </a:rPr>
+              <a:t>').</a:t>
+            </a:r>
+            <a:r>
               <a:rPr lang="pt-BR" sz="2000" dirty="0" err="1">
                 <a:solidFill>
                   <a:schemeClr val="tx1"/>
@@ -11375,7 +11724,7 @@
                 <a:latin typeface="Times New Roman" panose="02020603050405020304" pitchFamily="18" charset="0"/>
                 <a:cs typeface="Times New Roman" panose="02020603050405020304" pitchFamily="18" charset="0"/>
               </a:rPr>
-              <a:t>function</a:t>
+              <a:t>prepend</a:t>
             </a:r>
             <a:r>
               <a:rPr lang="pt-BR" sz="2000" dirty="0">
@@ -11385,45 +11734,10 @@
                 <a:latin typeface="Times New Roman" panose="02020603050405020304" pitchFamily="18" charset="0"/>
                 <a:cs typeface="Times New Roman" panose="02020603050405020304" pitchFamily="18" charset="0"/>
               </a:rPr>
-              <a:t> () {</a:t>
-            </a:r>
-          </a:p>
-          <a:p>
-            <a:pPr marL="0" indent="0" algn="just">
-              <a:buNone/>
-            </a:pPr>
-            <a:r>
-              <a:rPr lang="pt-BR" sz="2000" dirty="0">
-                <a:solidFill>
-                  <a:schemeClr val="tx1"/>
-                </a:solidFill>
-                <a:latin typeface="Times New Roman" panose="02020603050405020304" pitchFamily="18" charset="0"/>
-                <a:cs typeface="Times New Roman" panose="02020603050405020304" pitchFamily="18" charset="0"/>
-              </a:rPr>
-              <a:t>          $('body').</a:t>
-            </a:r>
-            <a:r>
-              <a:rPr lang="pt-BR" sz="2000" dirty="0" err="1">
-                <a:solidFill>
-                  <a:schemeClr val="tx1"/>
-                </a:solidFill>
-                <a:latin typeface="Times New Roman" panose="02020603050405020304" pitchFamily="18" charset="0"/>
-                <a:cs typeface="Times New Roman" panose="02020603050405020304" pitchFamily="18" charset="0"/>
-              </a:rPr>
-              <a:t>prepend</a:t>
-            </a:r>
-            <a:r>
-              <a:rPr lang="pt-BR" sz="2000" dirty="0">
-                <a:solidFill>
-                  <a:schemeClr val="tx1"/>
-                </a:solidFill>
-                <a:latin typeface="Times New Roman" panose="02020603050405020304" pitchFamily="18" charset="0"/>
-                <a:cs typeface="Times New Roman" panose="02020603050405020304" pitchFamily="18" charset="0"/>
-              </a:rPr>
               <a:t>('&lt;</a:t>
             </a:r>
             <a:r>
-              <a:rPr lang="pt-BR" sz="2000" dirty="0" err="1">
+              <a:rPr lang="pt-BR" sz="2000" b="1" dirty="0" err="1">
                 <a:solidFill>
                   <a:schemeClr val="tx1"/>
                 </a:solidFill>
@@ -11718,7 +12032,7 @@
               <a:t>').click(</a:t>
             </a:r>
             <a:r>
-              <a:rPr lang="pt-BR" sz="2000" dirty="0" err="1">
+              <a:rPr lang="pt-BR" sz="2000" b="1" dirty="0" err="1">
                 <a:solidFill>
                   <a:schemeClr val="tx1"/>
                 </a:solidFill>
@@ -11815,7 +12129,7 @@
               <a:t>').click(</a:t>
             </a:r>
             <a:r>
-              <a:rPr lang="pt-BR" sz="2000" dirty="0" err="1">
+              <a:rPr lang="pt-BR" sz="2000" b="1" dirty="0" err="1">
                 <a:solidFill>
                   <a:schemeClr val="tx1"/>
                 </a:solidFill>
@@ -12242,7 +12556,7 @@
               <a:t>(</a:t>
             </a:r>
             <a:r>
-              <a:rPr lang="pt-BR" sz="2000" dirty="0" err="1">
+              <a:rPr lang="pt-BR" sz="2000" b="1" dirty="0" err="1">
                 <a:solidFill>
                   <a:schemeClr val="tx1"/>
                 </a:solidFill>
@@ -12919,7 +13233,7 @@
               <a:t>(</a:t>
             </a:r>
             <a:r>
-              <a:rPr lang="pt-BR" sz="2000" dirty="0" err="1">
+              <a:rPr lang="pt-BR" sz="2000" b="1" dirty="0" err="1">
                 <a:solidFill>
                   <a:schemeClr val="tx1"/>
                 </a:solidFill>
@@ -14851,7 +15165,134 @@
                 <a:latin typeface="Times New Roman" panose="02020603050405020304" pitchFamily="18" charset="0"/>
                 <a:cs typeface="Times New Roman" panose="02020603050405020304" pitchFamily="18" charset="0"/>
               </a:rPr>
-              <a:t>: Acesso para arquivo externo precisa de permissão, senão dar erro de </a:t>
+              <a:t>: </a:t>
+            </a:r>
+            <a:r>
+              <a:rPr lang="pt-BR" sz="2400" b="1" dirty="0">
+                <a:solidFill>
+                  <a:srgbClr val="FF0000"/>
+                </a:solidFill>
+                <a:latin typeface="Times New Roman" panose="02020603050405020304" pitchFamily="18" charset="0"/>
+                <a:cs typeface="Times New Roman" panose="02020603050405020304" pitchFamily="18" charset="0"/>
+              </a:rPr>
+              <a:t>Acesso</a:t>
+            </a:r>
+            <a:r>
+              <a:rPr lang="pt-BR" sz="2400" dirty="0">
+                <a:solidFill>
+                  <a:schemeClr val="tx1"/>
+                </a:solidFill>
+                <a:latin typeface="Times New Roman" panose="02020603050405020304" pitchFamily="18" charset="0"/>
+                <a:cs typeface="Times New Roman" panose="02020603050405020304" pitchFamily="18" charset="0"/>
+              </a:rPr>
+              <a:t> para arquivo </a:t>
+            </a:r>
+            <a:r>
+              <a:rPr lang="pt-BR" sz="2400" b="1" dirty="0">
+                <a:solidFill>
+                  <a:srgbClr val="FF0000"/>
+                </a:solidFill>
+                <a:latin typeface="Times New Roman" panose="02020603050405020304" pitchFamily="18" charset="0"/>
+                <a:cs typeface="Times New Roman" panose="02020603050405020304" pitchFamily="18" charset="0"/>
+              </a:rPr>
+              <a:t>externo</a:t>
+            </a:r>
+            <a:r>
+              <a:rPr lang="pt-BR" sz="2400" dirty="0">
+                <a:solidFill>
+                  <a:schemeClr val="tx1"/>
+                </a:solidFill>
+                <a:latin typeface="Times New Roman" panose="02020603050405020304" pitchFamily="18" charset="0"/>
+                <a:cs typeface="Times New Roman" panose="02020603050405020304" pitchFamily="18" charset="0"/>
+              </a:rPr>
+              <a:t> precisa de </a:t>
+            </a:r>
+            <a:r>
+              <a:rPr lang="pt-BR" sz="2400" b="1" dirty="0">
+                <a:solidFill>
+                  <a:srgbClr val="FF0000"/>
+                </a:solidFill>
+                <a:latin typeface="Times New Roman" panose="02020603050405020304" pitchFamily="18" charset="0"/>
+                <a:cs typeface="Times New Roman" panose="02020603050405020304" pitchFamily="18" charset="0"/>
+              </a:rPr>
+              <a:t>permissão</a:t>
+            </a:r>
+            <a:r>
+              <a:rPr lang="pt-BR" sz="2400" dirty="0">
+                <a:solidFill>
+                  <a:schemeClr val="tx1"/>
+                </a:solidFill>
+                <a:latin typeface="Times New Roman" panose="02020603050405020304" pitchFamily="18" charset="0"/>
+                <a:cs typeface="Times New Roman" panose="02020603050405020304" pitchFamily="18" charset="0"/>
+              </a:rPr>
+              <a:t>, senão dar erro de </a:t>
+            </a:r>
+            <a:r>
+              <a:rPr lang="pt-BR" sz="2400" b="1" dirty="0" err="1">
+                <a:solidFill>
+                  <a:srgbClr val="FF0000"/>
+                </a:solidFill>
+                <a:latin typeface="Times New Roman" panose="02020603050405020304" pitchFamily="18" charset="0"/>
+                <a:cs typeface="Times New Roman" panose="02020603050405020304" pitchFamily="18" charset="0"/>
+              </a:rPr>
+              <a:t>Cors</a:t>
+            </a:r>
+            <a:endParaRPr lang="pt-BR" sz="2400" b="1" dirty="0">
+              <a:solidFill>
+                <a:srgbClr val="FF0000"/>
+              </a:solidFill>
+              <a:latin typeface="Times New Roman" panose="02020603050405020304" pitchFamily="18" charset="0"/>
+              <a:cs typeface="Times New Roman" panose="02020603050405020304" pitchFamily="18" charset="0"/>
+            </a:endParaRPr>
+          </a:p>
+          <a:p>
+            <a:pPr marL="0" indent="0" algn="just">
+              <a:buNone/>
+            </a:pPr>
+            <a:r>
+              <a:rPr lang="pt-BR" sz="2400" dirty="0">
+                <a:solidFill>
+                  <a:schemeClr val="tx1"/>
+                </a:solidFill>
+                <a:latin typeface="Times New Roman" panose="02020603050405020304" pitchFamily="18" charset="0"/>
+                <a:cs typeface="Times New Roman" panose="02020603050405020304" pitchFamily="18" charset="0"/>
+              </a:rPr>
+              <a:t> </a:t>
+            </a:r>
+          </a:p>
+          <a:p>
+            <a:pPr marL="0" indent="0" algn="just">
+              <a:buNone/>
+            </a:pPr>
+            <a:r>
+              <a:rPr lang="pt-BR" sz="2400" dirty="0">
+                <a:solidFill>
+                  <a:schemeClr val="tx1"/>
+                </a:solidFill>
+                <a:latin typeface="Times New Roman" panose="02020603050405020304" pitchFamily="18" charset="0"/>
+                <a:cs typeface="Times New Roman" panose="02020603050405020304" pitchFamily="18" charset="0"/>
+              </a:rPr>
+              <a:t>	$(</a:t>
+            </a:r>
+            <a:r>
+              <a:rPr lang="pt-BR" sz="2400" b="1" dirty="0" err="1">
+                <a:solidFill>
+                  <a:schemeClr val="tx1"/>
+                </a:solidFill>
+                <a:latin typeface="Times New Roman" panose="02020603050405020304" pitchFamily="18" charset="0"/>
+                <a:cs typeface="Times New Roman" panose="02020603050405020304" pitchFamily="18" charset="0"/>
+              </a:rPr>
+              <a:t>document</a:t>
+            </a:r>
+            <a:r>
+              <a:rPr lang="pt-BR" sz="2400" dirty="0">
+                <a:solidFill>
+                  <a:schemeClr val="tx1"/>
+                </a:solidFill>
+                <a:latin typeface="Times New Roman" panose="02020603050405020304" pitchFamily="18" charset="0"/>
+                <a:cs typeface="Times New Roman" panose="02020603050405020304" pitchFamily="18" charset="0"/>
+              </a:rPr>
+              <a:t>).</a:t>
             </a:r>
             <a:r>
               <a:rPr lang="pt-BR" sz="2400" dirty="0" err="1">
@@ -14861,8 +15302,350 @@
                 <a:latin typeface="Times New Roman" panose="02020603050405020304" pitchFamily="18" charset="0"/>
                 <a:cs typeface="Times New Roman" panose="02020603050405020304" pitchFamily="18" charset="0"/>
               </a:rPr>
-              <a:t>Cors</a:t>
-            </a:r>
+              <a:t>ready</a:t>
+            </a:r>
+            <a:r>
+              <a:rPr lang="pt-BR" sz="2400" dirty="0">
+                <a:solidFill>
+                  <a:schemeClr val="tx1"/>
+                </a:solidFill>
+                <a:latin typeface="Times New Roman" panose="02020603050405020304" pitchFamily="18" charset="0"/>
+                <a:cs typeface="Times New Roman" panose="02020603050405020304" pitchFamily="18" charset="0"/>
+              </a:rPr>
+              <a:t>(</a:t>
+            </a:r>
+            <a:r>
+              <a:rPr lang="pt-BR" sz="2400" b="1" dirty="0" err="1">
+                <a:solidFill>
+                  <a:schemeClr val="tx1"/>
+                </a:solidFill>
+                <a:latin typeface="Times New Roman" panose="02020603050405020304" pitchFamily="18" charset="0"/>
+                <a:cs typeface="Times New Roman" panose="02020603050405020304" pitchFamily="18" charset="0"/>
+              </a:rPr>
+              <a:t>function</a:t>
+            </a:r>
+            <a:r>
+              <a:rPr lang="pt-BR" sz="2400" dirty="0">
+                <a:solidFill>
+                  <a:schemeClr val="tx1"/>
+                </a:solidFill>
+                <a:latin typeface="Times New Roman" panose="02020603050405020304" pitchFamily="18" charset="0"/>
+                <a:cs typeface="Times New Roman" panose="02020603050405020304" pitchFamily="18" charset="0"/>
+              </a:rPr>
+              <a:t> () { // </a:t>
+            </a:r>
+            <a:r>
+              <a:rPr lang="pt-BR" sz="2400" b="1" dirty="0" err="1">
+                <a:solidFill>
+                  <a:schemeClr val="tx1"/>
+                </a:solidFill>
+                <a:latin typeface="Times New Roman" panose="02020603050405020304" pitchFamily="18" charset="0"/>
+                <a:cs typeface="Times New Roman" panose="02020603050405020304" pitchFamily="18" charset="0"/>
+              </a:rPr>
+              <a:t>div</a:t>
+            </a:r>
+            <a:r>
+              <a:rPr lang="pt-BR" sz="2400" dirty="0">
+                <a:solidFill>
+                  <a:schemeClr val="tx1"/>
+                </a:solidFill>
+                <a:latin typeface="Times New Roman" panose="02020603050405020304" pitchFamily="18" charset="0"/>
+                <a:cs typeface="Times New Roman" panose="02020603050405020304" pitchFamily="18" charset="0"/>
+              </a:rPr>
+              <a:t> ; </a:t>
+            </a:r>
+            <a:r>
+              <a:rPr lang="pt-BR" sz="2400" b="1" dirty="0" err="1">
+                <a:solidFill>
+                  <a:schemeClr val="tx1"/>
+                </a:solidFill>
+                <a:latin typeface="Times New Roman" panose="02020603050405020304" pitchFamily="18" charset="0"/>
+                <a:cs typeface="Times New Roman" panose="02020603050405020304" pitchFamily="18" charset="0"/>
+              </a:rPr>
+              <a:t>pre</a:t>
+            </a:r>
+            <a:r>
+              <a:rPr lang="pt-BR" sz="2400" b="1" dirty="0">
+                <a:solidFill>
+                  <a:schemeClr val="tx1"/>
+                </a:solidFill>
+                <a:latin typeface="Times New Roman" panose="02020603050405020304" pitchFamily="18" charset="0"/>
+                <a:cs typeface="Times New Roman" panose="02020603050405020304" pitchFamily="18" charset="0"/>
+              </a:rPr>
+              <a:t> ; </a:t>
+            </a:r>
+            <a:r>
+              <a:rPr lang="pt-BR" sz="2400" b="1" dirty="0" err="1">
+                <a:solidFill>
+                  <a:schemeClr val="tx1"/>
+                </a:solidFill>
+                <a:latin typeface="Times New Roman" panose="02020603050405020304" pitchFamily="18" charset="0"/>
+                <a:cs typeface="Times New Roman" panose="02020603050405020304" pitchFamily="18" charset="0"/>
+              </a:rPr>
+              <a:t>input:</a:t>
+            </a:r>
+            <a:r>
+              <a:rPr lang="pt-BR" sz="2400" b="1" dirty="0" err="1">
+                <a:solidFill>
+                  <a:srgbClr val="FF0000"/>
+                </a:solidFill>
+                <a:latin typeface="Times New Roman" panose="02020603050405020304" pitchFamily="18" charset="0"/>
+                <a:cs typeface="Times New Roman" panose="02020603050405020304" pitchFamily="18" charset="0"/>
+              </a:rPr>
+              <a:t>button</a:t>
+            </a:r>
+            <a:r>
+              <a:rPr lang="pt-BR" sz="2400" b="1" dirty="0">
+                <a:solidFill>
+                  <a:schemeClr val="tx1"/>
+                </a:solidFill>
+                <a:latin typeface="Times New Roman" panose="02020603050405020304" pitchFamily="18" charset="0"/>
+                <a:cs typeface="Times New Roman" panose="02020603050405020304" pitchFamily="18" charset="0"/>
+              </a:rPr>
+              <a:t> </a:t>
+            </a:r>
+          </a:p>
+          <a:p>
+            <a:pPr marL="0" indent="0" algn="just">
+              <a:buNone/>
+            </a:pPr>
+            <a:r>
+              <a:rPr lang="pt-BR" sz="2400" dirty="0">
+                <a:solidFill>
+                  <a:schemeClr val="tx1"/>
+                </a:solidFill>
+                <a:latin typeface="Times New Roman" panose="02020603050405020304" pitchFamily="18" charset="0"/>
+                <a:cs typeface="Times New Roman" panose="02020603050405020304" pitchFamily="18" charset="0"/>
+              </a:rPr>
+              <a:t>        	$(‘#</a:t>
+            </a:r>
+            <a:r>
+              <a:rPr lang="pt-BR" sz="2400" b="1" dirty="0" err="1">
+                <a:solidFill>
+                  <a:schemeClr val="tx1"/>
+                </a:solidFill>
+                <a:latin typeface="Times New Roman" panose="02020603050405020304" pitchFamily="18" charset="0"/>
+                <a:cs typeface="Times New Roman" panose="02020603050405020304" pitchFamily="18" charset="0"/>
+              </a:rPr>
+              <a:t>idInput</a:t>
+            </a:r>
+            <a:r>
+              <a:rPr lang="pt-BR" sz="2400" dirty="0">
+                <a:solidFill>
+                  <a:schemeClr val="tx1"/>
+                </a:solidFill>
+                <a:latin typeface="Times New Roman" panose="02020603050405020304" pitchFamily="18" charset="0"/>
+                <a:cs typeface="Times New Roman" panose="02020603050405020304" pitchFamily="18" charset="0"/>
+              </a:rPr>
+              <a:t>').</a:t>
+            </a:r>
+            <a:r>
+              <a:rPr lang="pt-BR" sz="2400" b="1" dirty="0">
+                <a:solidFill>
+                  <a:srgbClr val="FF0000"/>
+                </a:solidFill>
+                <a:latin typeface="Times New Roman" panose="02020603050405020304" pitchFamily="18" charset="0"/>
+                <a:cs typeface="Times New Roman" panose="02020603050405020304" pitchFamily="18" charset="0"/>
+              </a:rPr>
+              <a:t>click</a:t>
+            </a:r>
+            <a:r>
+              <a:rPr lang="pt-BR" sz="2400" dirty="0">
+                <a:solidFill>
+                  <a:schemeClr val="tx1"/>
+                </a:solidFill>
+                <a:latin typeface="Times New Roman" panose="02020603050405020304" pitchFamily="18" charset="0"/>
+                <a:cs typeface="Times New Roman" panose="02020603050405020304" pitchFamily="18" charset="0"/>
+              </a:rPr>
+              <a:t>(</a:t>
+            </a:r>
+            <a:r>
+              <a:rPr lang="pt-BR" sz="2400" b="1" dirty="0" err="1">
+                <a:solidFill>
+                  <a:schemeClr val="tx1"/>
+                </a:solidFill>
+                <a:latin typeface="Times New Roman" panose="02020603050405020304" pitchFamily="18" charset="0"/>
+                <a:cs typeface="Times New Roman" panose="02020603050405020304" pitchFamily="18" charset="0"/>
+              </a:rPr>
+              <a:t>function</a:t>
+            </a:r>
+            <a:r>
+              <a:rPr lang="pt-BR" sz="2400" dirty="0">
+                <a:solidFill>
+                  <a:schemeClr val="tx1"/>
+                </a:solidFill>
+                <a:latin typeface="Times New Roman" panose="02020603050405020304" pitchFamily="18" charset="0"/>
+                <a:cs typeface="Times New Roman" panose="02020603050405020304" pitchFamily="18" charset="0"/>
+              </a:rPr>
+              <a:t>() { // </a:t>
+            </a:r>
+            <a:r>
+              <a:rPr lang="pt-BR" sz="2400" b="1" dirty="0">
+                <a:solidFill>
+                  <a:schemeClr val="tx1"/>
+                </a:solidFill>
+                <a:latin typeface="Times New Roman" panose="02020603050405020304" pitchFamily="18" charset="0"/>
+                <a:cs typeface="Times New Roman" panose="02020603050405020304" pitchFamily="18" charset="0"/>
+              </a:rPr>
+              <a:t>h1</a:t>
+            </a:r>
+            <a:r>
+              <a:rPr lang="pt-BR" sz="2400" dirty="0">
+                <a:solidFill>
+                  <a:schemeClr val="tx1"/>
+                </a:solidFill>
+                <a:latin typeface="Times New Roman" panose="02020603050405020304" pitchFamily="18" charset="0"/>
+                <a:cs typeface="Times New Roman" panose="02020603050405020304" pitchFamily="18" charset="0"/>
+              </a:rPr>
+              <a:t> c/ </a:t>
+            </a:r>
+            <a:r>
+              <a:rPr lang="pt-BR" sz="2400" dirty="0" err="1">
+                <a:solidFill>
+                  <a:schemeClr val="tx1"/>
+                </a:solidFill>
+                <a:latin typeface="Times New Roman" panose="02020603050405020304" pitchFamily="18" charset="0"/>
+                <a:cs typeface="Times New Roman" panose="02020603050405020304" pitchFamily="18" charset="0"/>
+              </a:rPr>
+              <a:t>mét</a:t>
+            </a:r>
+            <a:r>
+              <a:rPr lang="pt-BR" sz="2400" dirty="0">
+                <a:solidFill>
+                  <a:schemeClr val="tx1"/>
+                </a:solidFill>
+                <a:latin typeface="Times New Roman" panose="02020603050405020304" pitchFamily="18" charset="0"/>
+                <a:cs typeface="Times New Roman" panose="02020603050405020304" pitchFamily="18" charset="0"/>
+              </a:rPr>
+              <a:t>. </a:t>
+            </a:r>
+            <a:r>
+              <a:rPr lang="pt-BR" sz="2400" b="1" dirty="0" err="1">
+                <a:solidFill>
+                  <a:schemeClr val="tx1"/>
+                </a:solidFill>
+                <a:latin typeface="Times New Roman" panose="02020603050405020304" pitchFamily="18" charset="0"/>
+                <a:cs typeface="Times New Roman" panose="02020603050405020304" pitchFamily="18" charset="0"/>
+              </a:rPr>
+              <a:t>mouseover</a:t>
+            </a:r>
+            <a:endParaRPr lang="pt-BR" sz="2400" b="1" dirty="0">
+              <a:solidFill>
+                <a:schemeClr val="tx1"/>
+              </a:solidFill>
+              <a:latin typeface="Times New Roman" panose="02020603050405020304" pitchFamily="18" charset="0"/>
+              <a:cs typeface="Times New Roman" panose="02020603050405020304" pitchFamily="18" charset="0"/>
+            </a:endParaRPr>
+          </a:p>
+          <a:p>
+            <a:pPr marL="0" indent="0" algn="just">
+              <a:buNone/>
+            </a:pPr>
+            <a:r>
+              <a:rPr lang="pt-BR" sz="2400" dirty="0">
+                <a:solidFill>
+                  <a:schemeClr val="tx1"/>
+                </a:solidFill>
+                <a:latin typeface="Times New Roman" panose="02020603050405020304" pitchFamily="18" charset="0"/>
+                <a:cs typeface="Times New Roman" panose="02020603050405020304" pitchFamily="18" charset="0"/>
+              </a:rPr>
+              <a:t>          		$('#</a:t>
+            </a:r>
+            <a:r>
+              <a:rPr lang="pt-BR" sz="2400" b="1" dirty="0">
+                <a:solidFill>
+                  <a:schemeClr val="tx1"/>
+                </a:solidFill>
+                <a:latin typeface="Times New Roman" panose="02020603050405020304" pitchFamily="18" charset="0"/>
+                <a:cs typeface="Times New Roman" panose="02020603050405020304" pitchFamily="18" charset="0"/>
+              </a:rPr>
+              <a:t>teste</a:t>
+            </a:r>
+            <a:r>
+              <a:rPr lang="pt-BR" sz="2400" dirty="0">
+                <a:solidFill>
+                  <a:schemeClr val="tx1"/>
+                </a:solidFill>
+                <a:latin typeface="Times New Roman" panose="02020603050405020304" pitchFamily="18" charset="0"/>
+                <a:cs typeface="Times New Roman" panose="02020603050405020304" pitchFamily="18" charset="0"/>
+              </a:rPr>
+              <a:t>').</a:t>
+            </a:r>
+            <a:r>
+              <a:rPr lang="pt-BR" sz="2400" b="1" dirty="0" err="1">
+                <a:solidFill>
+                  <a:srgbClr val="FF0000"/>
+                </a:solidFill>
+                <a:latin typeface="Times New Roman" panose="02020603050405020304" pitchFamily="18" charset="0"/>
+                <a:cs typeface="Times New Roman" panose="02020603050405020304" pitchFamily="18" charset="0"/>
+              </a:rPr>
+              <a:t>load</a:t>
+            </a:r>
+            <a:r>
+              <a:rPr lang="pt-BR" sz="2400" dirty="0">
+                <a:solidFill>
+                  <a:schemeClr val="tx1"/>
+                </a:solidFill>
+                <a:latin typeface="Times New Roman" panose="02020603050405020304" pitchFamily="18" charset="0"/>
+                <a:cs typeface="Times New Roman" panose="02020603050405020304" pitchFamily="18" charset="0"/>
+              </a:rPr>
+              <a:t>('./</a:t>
+            </a:r>
+            <a:r>
+              <a:rPr lang="pt-BR" sz="2400" b="1" dirty="0">
+                <a:solidFill>
+                  <a:srgbClr val="FF0000"/>
+                </a:solidFill>
+                <a:latin typeface="Times New Roman" panose="02020603050405020304" pitchFamily="18" charset="0"/>
+                <a:cs typeface="Times New Roman" panose="02020603050405020304" pitchFamily="18" charset="0"/>
+              </a:rPr>
+              <a:t>teste</a:t>
+            </a:r>
+            <a:r>
+              <a:rPr lang="pt-BR" sz="2400" dirty="0">
+                <a:solidFill>
+                  <a:schemeClr val="tx1"/>
+                </a:solidFill>
+                <a:latin typeface="Times New Roman" panose="02020603050405020304" pitchFamily="18" charset="0"/>
+                <a:cs typeface="Times New Roman" panose="02020603050405020304" pitchFamily="18" charset="0"/>
+              </a:rPr>
+              <a:t>.txt');</a:t>
+            </a:r>
+          </a:p>
+          <a:p>
+            <a:pPr marL="0" indent="0" algn="just">
+              <a:buNone/>
+            </a:pPr>
+            <a:r>
+              <a:rPr lang="pt-BR" sz="2400" dirty="0">
+                <a:solidFill>
+                  <a:schemeClr val="tx1"/>
+                </a:solidFill>
+                <a:latin typeface="Times New Roman" panose="02020603050405020304" pitchFamily="18" charset="0"/>
+                <a:cs typeface="Times New Roman" panose="02020603050405020304" pitchFamily="18" charset="0"/>
+              </a:rPr>
+              <a:t> 		}); 	</a:t>
+            </a:r>
+          </a:p>
+          <a:p>
+            <a:pPr marL="0" indent="0" algn="just">
+              <a:buNone/>
+            </a:pPr>
+            <a:r>
+              <a:rPr lang="pt-BR" sz="2400" dirty="0">
+                <a:solidFill>
+                  <a:schemeClr val="tx1"/>
+                </a:solidFill>
+                <a:latin typeface="Times New Roman" panose="02020603050405020304" pitchFamily="18" charset="0"/>
+                <a:cs typeface="Times New Roman" panose="02020603050405020304" pitchFamily="18" charset="0"/>
+              </a:rPr>
+              <a:t>	});</a:t>
+            </a:r>
+          </a:p>
+          <a:p>
+            <a:pPr marL="0" indent="0" algn="just">
+              <a:buNone/>
+            </a:pPr>
             <a:endParaRPr lang="pt-BR" sz="2400" dirty="0">
               <a:solidFill>
                 <a:schemeClr val="tx1"/>
@@ -14870,405 +15653,6 @@
               <a:latin typeface="Times New Roman" panose="02020603050405020304" pitchFamily="18" charset="0"/>
               <a:cs typeface="Times New Roman" panose="02020603050405020304" pitchFamily="18" charset="0"/>
             </a:endParaRPr>
-          </a:p>
-          <a:p>
-            <a:pPr marL="0" indent="0" algn="just">
-              <a:buNone/>
-            </a:pPr>
-            <a:r>
-              <a:rPr lang="pt-BR" sz="2400" dirty="0">
-                <a:solidFill>
-                  <a:schemeClr val="tx1"/>
-                </a:solidFill>
-                <a:latin typeface="Times New Roman" panose="02020603050405020304" pitchFamily="18" charset="0"/>
-                <a:cs typeface="Times New Roman" panose="02020603050405020304" pitchFamily="18" charset="0"/>
-              </a:rPr>
-              <a:t> </a:t>
-            </a:r>
-          </a:p>
-          <a:p>
-            <a:pPr marL="0" indent="0" algn="just">
-              <a:buNone/>
-            </a:pPr>
-            <a:r>
-              <a:rPr lang="pt-BR" sz="2400" dirty="0">
-                <a:solidFill>
-                  <a:schemeClr val="tx1"/>
-                </a:solidFill>
-                <a:latin typeface="Times New Roman" panose="02020603050405020304" pitchFamily="18" charset="0"/>
-                <a:cs typeface="Times New Roman" panose="02020603050405020304" pitchFamily="18" charset="0"/>
-              </a:rPr>
-              <a:t>	$(</a:t>
-            </a:r>
-            <a:r>
-              <a:rPr lang="pt-BR" sz="2400" b="1" dirty="0" err="1">
-                <a:solidFill>
-                  <a:schemeClr val="tx1"/>
-                </a:solidFill>
-                <a:latin typeface="Times New Roman" panose="02020603050405020304" pitchFamily="18" charset="0"/>
-                <a:cs typeface="Times New Roman" panose="02020603050405020304" pitchFamily="18" charset="0"/>
-              </a:rPr>
-              <a:t>document</a:t>
-            </a:r>
-            <a:r>
-              <a:rPr lang="pt-BR" sz="2400" dirty="0">
-                <a:solidFill>
-                  <a:schemeClr val="tx1"/>
-                </a:solidFill>
-                <a:latin typeface="Times New Roman" panose="02020603050405020304" pitchFamily="18" charset="0"/>
-                <a:cs typeface="Times New Roman" panose="02020603050405020304" pitchFamily="18" charset="0"/>
-              </a:rPr>
-              <a:t>).</a:t>
-            </a:r>
-            <a:r>
-              <a:rPr lang="pt-BR" sz="2400" dirty="0" err="1">
-                <a:solidFill>
-                  <a:schemeClr val="tx1"/>
-                </a:solidFill>
-                <a:latin typeface="Times New Roman" panose="02020603050405020304" pitchFamily="18" charset="0"/>
-                <a:cs typeface="Times New Roman" panose="02020603050405020304" pitchFamily="18" charset="0"/>
-              </a:rPr>
-              <a:t>ready</a:t>
-            </a:r>
-            <a:r>
-              <a:rPr lang="pt-BR" sz="2400" dirty="0">
-                <a:solidFill>
-                  <a:schemeClr val="tx1"/>
-                </a:solidFill>
-                <a:latin typeface="Times New Roman" panose="02020603050405020304" pitchFamily="18" charset="0"/>
-                <a:cs typeface="Times New Roman" panose="02020603050405020304" pitchFamily="18" charset="0"/>
-              </a:rPr>
-              <a:t>(</a:t>
-            </a:r>
-            <a:r>
-              <a:rPr lang="pt-BR" sz="2400" dirty="0" err="1">
-                <a:solidFill>
-                  <a:schemeClr val="tx1"/>
-                </a:solidFill>
-                <a:latin typeface="Times New Roman" panose="02020603050405020304" pitchFamily="18" charset="0"/>
-                <a:cs typeface="Times New Roman" panose="02020603050405020304" pitchFamily="18" charset="0"/>
-              </a:rPr>
-              <a:t>function</a:t>
-            </a:r>
-            <a:r>
-              <a:rPr lang="pt-BR" sz="2400" dirty="0">
-                <a:solidFill>
-                  <a:schemeClr val="tx1"/>
-                </a:solidFill>
-                <a:latin typeface="Times New Roman" panose="02020603050405020304" pitchFamily="18" charset="0"/>
-                <a:cs typeface="Times New Roman" panose="02020603050405020304" pitchFamily="18" charset="0"/>
-              </a:rPr>
-              <a:t> () { // </a:t>
-            </a:r>
-            <a:r>
-              <a:rPr lang="pt-BR" sz="2400" b="1" dirty="0" err="1">
-                <a:solidFill>
-                  <a:schemeClr val="tx1"/>
-                </a:solidFill>
-                <a:latin typeface="Times New Roman" panose="02020603050405020304" pitchFamily="18" charset="0"/>
-                <a:cs typeface="Times New Roman" panose="02020603050405020304" pitchFamily="18" charset="0"/>
-              </a:rPr>
-              <a:t>div</a:t>
-            </a:r>
-            <a:r>
-              <a:rPr lang="pt-BR" sz="2400" dirty="0">
-                <a:solidFill>
-                  <a:schemeClr val="tx1"/>
-                </a:solidFill>
-                <a:latin typeface="Times New Roman" panose="02020603050405020304" pitchFamily="18" charset="0"/>
-                <a:cs typeface="Times New Roman" panose="02020603050405020304" pitchFamily="18" charset="0"/>
-              </a:rPr>
-              <a:t> ; </a:t>
-            </a:r>
-            <a:r>
-              <a:rPr lang="pt-BR" sz="2400" b="1" dirty="0">
-                <a:solidFill>
-                  <a:schemeClr val="tx1"/>
-                </a:solidFill>
-                <a:latin typeface="Times New Roman" panose="02020603050405020304" pitchFamily="18" charset="0"/>
-                <a:cs typeface="Times New Roman" panose="02020603050405020304" pitchFamily="18" charset="0"/>
-              </a:rPr>
-              <a:t>p ; input/</a:t>
-            </a:r>
-            <a:r>
-              <a:rPr lang="pt-BR" sz="2400" b="1" dirty="0" err="1">
-                <a:solidFill>
-                  <a:schemeClr val="tx1"/>
-                </a:solidFill>
-                <a:latin typeface="Times New Roman" panose="02020603050405020304" pitchFamily="18" charset="0"/>
-                <a:cs typeface="Times New Roman" panose="02020603050405020304" pitchFamily="18" charset="0"/>
-              </a:rPr>
-              <a:t>button</a:t>
-            </a:r>
-            <a:r>
-              <a:rPr lang="pt-BR" sz="2400" b="1" dirty="0">
-                <a:solidFill>
-                  <a:schemeClr val="tx1"/>
-                </a:solidFill>
-                <a:latin typeface="Times New Roman" panose="02020603050405020304" pitchFamily="18" charset="0"/>
-                <a:cs typeface="Times New Roman" panose="02020603050405020304" pitchFamily="18" charset="0"/>
-              </a:rPr>
-              <a:t> </a:t>
-            </a:r>
-          </a:p>
-          <a:p>
-            <a:pPr marL="0" indent="0" algn="just">
-              <a:buNone/>
-            </a:pPr>
-            <a:r>
-              <a:rPr lang="pt-BR" sz="2400" dirty="0">
-                <a:solidFill>
-                  <a:schemeClr val="tx1"/>
-                </a:solidFill>
-                <a:latin typeface="Times New Roman" panose="02020603050405020304" pitchFamily="18" charset="0"/>
-                <a:cs typeface="Times New Roman" panose="02020603050405020304" pitchFamily="18" charset="0"/>
-              </a:rPr>
-              <a:t>        	$('#</a:t>
-            </a:r>
-            <a:r>
-              <a:rPr lang="pt-BR" sz="2400" b="1" dirty="0">
-                <a:solidFill>
-                  <a:schemeClr val="tx1"/>
-                </a:solidFill>
-                <a:latin typeface="Times New Roman" panose="02020603050405020304" pitchFamily="18" charset="0"/>
-                <a:cs typeface="Times New Roman" panose="02020603050405020304" pitchFamily="18" charset="0"/>
-              </a:rPr>
-              <a:t>inputButton1</a:t>
-            </a:r>
-            <a:r>
-              <a:rPr lang="pt-BR" sz="2400" dirty="0">
-                <a:solidFill>
-                  <a:schemeClr val="tx1"/>
-                </a:solidFill>
-                <a:latin typeface="Times New Roman" panose="02020603050405020304" pitchFamily="18" charset="0"/>
-                <a:cs typeface="Times New Roman" panose="02020603050405020304" pitchFamily="18" charset="0"/>
-              </a:rPr>
-              <a:t>').click(</a:t>
-            </a:r>
-            <a:r>
-              <a:rPr lang="pt-BR" sz="2400" dirty="0" err="1">
-                <a:solidFill>
-                  <a:schemeClr val="tx1"/>
-                </a:solidFill>
-                <a:latin typeface="Times New Roman" panose="02020603050405020304" pitchFamily="18" charset="0"/>
-                <a:cs typeface="Times New Roman" panose="02020603050405020304" pitchFamily="18" charset="0"/>
-              </a:rPr>
-              <a:t>function</a:t>
-            </a:r>
-            <a:r>
-              <a:rPr lang="pt-BR" sz="2400" dirty="0">
-                <a:solidFill>
-                  <a:schemeClr val="tx1"/>
-                </a:solidFill>
-                <a:latin typeface="Times New Roman" panose="02020603050405020304" pitchFamily="18" charset="0"/>
-                <a:cs typeface="Times New Roman" panose="02020603050405020304" pitchFamily="18" charset="0"/>
-              </a:rPr>
-              <a:t>() { //h1 c/ método </a:t>
-            </a:r>
-            <a:r>
-              <a:rPr lang="pt-BR" sz="2400" dirty="0" err="1">
-                <a:solidFill>
-                  <a:schemeClr val="tx1"/>
-                </a:solidFill>
-                <a:latin typeface="Times New Roman" panose="02020603050405020304" pitchFamily="18" charset="0"/>
-                <a:cs typeface="Times New Roman" panose="02020603050405020304" pitchFamily="18" charset="0"/>
-              </a:rPr>
-              <a:t>mouseover</a:t>
-            </a:r>
-            <a:endParaRPr lang="pt-BR" sz="2400" dirty="0">
-              <a:solidFill>
-                <a:schemeClr val="tx1"/>
-              </a:solidFill>
-              <a:latin typeface="Times New Roman" panose="02020603050405020304" pitchFamily="18" charset="0"/>
-              <a:cs typeface="Times New Roman" panose="02020603050405020304" pitchFamily="18" charset="0"/>
-            </a:endParaRPr>
-          </a:p>
-          <a:p>
-            <a:pPr marL="0" indent="0" algn="just">
-              <a:buNone/>
-            </a:pPr>
-            <a:r>
-              <a:rPr lang="pt-BR" sz="2400" dirty="0">
-                <a:solidFill>
-                  <a:schemeClr val="tx1"/>
-                </a:solidFill>
-                <a:latin typeface="Times New Roman" panose="02020603050405020304" pitchFamily="18" charset="0"/>
-                <a:cs typeface="Times New Roman" panose="02020603050405020304" pitchFamily="18" charset="0"/>
-              </a:rPr>
-              <a:t>          	$('#</a:t>
-            </a:r>
-            <a:r>
-              <a:rPr lang="pt-BR" sz="2400" b="1" dirty="0">
-                <a:solidFill>
-                  <a:schemeClr val="tx1"/>
-                </a:solidFill>
-                <a:latin typeface="Times New Roman" panose="02020603050405020304" pitchFamily="18" charset="0"/>
-                <a:cs typeface="Times New Roman" panose="02020603050405020304" pitchFamily="18" charset="0"/>
-              </a:rPr>
-              <a:t>teste</a:t>
-            </a:r>
-            <a:r>
-              <a:rPr lang="pt-BR" sz="2400" dirty="0">
-                <a:solidFill>
-                  <a:schemeClr val="tx1"/>
-                </a:solidFill>
-                <a:latin typeface="Times New Roman" panose="02020603050405020304" pitchFamily="18" charset="0"/>
-                <a:cs typeface="Times New Roman" panose="02020603050405020304" pitchFamily="18" charset="0"/>
-              </a:rPr>
-              <a:t>').</a:t>
-            </a:r>
-            <a:r>
-              <a:rPr lang="pt-BR" sz="2400" b="1" dirty="0" err="1">
-                <a:solidFill>
-                  <a:srgbClr val="FF0000"/>
-                </a:solidFill>
-                <a:latin typeface="Times New Roman" panose="02020603050405020304" pitchFamily="18" charset="0"/>
-                <a:cs typeface="Times New Roman" panose="02020603050405020304" pitchFamily="18" charset="0"/>
-              </a:rPr>
-              <a:t>load</a:t>
-            </a:r>
-            <a:r>
-              <a:rPr lang="pt-BR" sz="2400" dirty="0">
-                <a:solidFill>
-                  <a:schemeClr val="tx1"/>
-                </a:solidFill>
-                <a:latin typeface="Times New Roman" panose="02020603050405020304" pitchFamily="18" charset="0"/>
-                <a:cs typeface="Times New Roman" panose="02020603050405020304" pitchFamily="18" charset="0"/>
-              </a:rPr>
-              <a:t>('./</a:t>
-            </a:r>
-            <a:r>
-              <a:rPr lang="pt-BR" sz="2400" b="1" dirty="0">
-                <a:solidFill>
-                  <a:srgbClr val="FF0000"/>
-                </a:solidFill>
-                <a:latin typeface="Times New Roman" panose="02020603050405020304" pitchFamily="18" charset="0"/>
-                <a:cs typeface="Times New Roman" panose="02020603050405020304" pitchFamily="18" charset="0"/>
-              </a:rPr>
-              <a:t>teste</a:t>
-            </a:r>
-            <a:r>
-              <a:rPr lang="pt-BR" sz="2400" dirty="0">
-                <a:solidFill>
-                  <a:schemeClr val="tx1"/>
-                </a:solidFill>
-                <a:latin typeface="Times New Roman" panose="02020603050405020304" pitchFamily="18" charset="0"/>
-                <a:cs typeface="Times New Roman" panose="02020603050405020304" pitchFamily="18" charset="0"/>
-              </a:rPr>
-              <a:t>.txt');</a:t>
-            </a:r>
-          </a:p>
-          <a:p>
-            <a:pPr marL="0" indent="0" algn="just">
-              <a:buNone/>
-            </a:pPr>
-            <a:r>
-              <a:rPr lang="pt-BR" sz="2400" dirty="0">
-                <a:solidFill>
-                  <a:schemeClr val="tx1"/>
-                </a:solidFill>
-                <a:latin typeface="Times New Roman" panose="02020603050405020304" pitchFamily="18" charset="0"/>
-                <a:cs typeface="Times New Roman" panose="02020603050405020304" pitchFamily="18" charset="0"/>
-              </a:rPr>
-              <a:t>        });</a:t>
-            </a:r>
-          </a:p>
-          <a:p>
-            <a:pPr marL="0" indent="0" algn="just">
-              <a:buNone/>
-            </a:pPr>
-            <a:endParaRPr lang="pt-BR" sz="2400" dirty="0">
-              <a:solidFill>
-                <a:schemeClr val="tx1"/>
-              </a:solidFill>
-              <a:latin typeface="Times New Roman" panose="02020603050405020304" pitchFamily="18" charset="0"/>
-              <a:cs typeface="Times New Roman" panose="02020603050405020304" pitchFamily="18" charset="0"/>
-            </a:endParaRPr>
-          </a:p>
-          <a:p>
-            <a:pPr marL="0" indent="0" algn="just">
-              <a:buNone/>
-            </a:pPr>
-            <a:r>
-              <a:rPr lang="pt-BR" sz="2400" b="1" dirty="0">
-                <a:solidFill>
-                  <a:schemeClr val="tx1"/>
-                </a:solidFill>
-                <a:latin typeface="Times New Roman" panose="02020603050405020304" pitchFamily="18" charset="0"/>
-                <a:cs typeface="Times New Roman" panose="02020603050405020304" pitchFamily="18" charset="0"/>
-              </a:rPr>
-              <a:t>Nota</a:t>
-            </a:r>
-            <a:r>
-              <a:rPr lang="pt-BR" sz="2400" dirty="0">
-                <a:solidFill>
-                  <a:schemeClr val="tx1"/>
-                </a:solidFill>
-                <a:latin typeface="Times New Roman" panose="02020603050405020304" pitchFamily="18" charset="0"/>
-                <a:cs typeface="Times New Roman" panose="02020603050405020304" pitchFamily="18" charset="0"/>
-              </a:rPr>
-              <a:t>: </a:t>
-            </a:r>
-            <a:r>
-              <a:rPr lang="pt-BR" sz="2400" b="1" dirty="0">
-                <a:solidFill>
-                  <a:srgbClr val="FF0000"/>
-                </a:solidFill>
-                <a:latin typeface="Times New Roman" panose="02020603050405020304" pitchFamily="18" charset="0"/>
-                <a:cs typeface="Times New Roman" panose="02020603050405020304" pitchFamily="18" charset="0"/>
-              </a:rPr>
-              <a:t>teste</a:t>
-            </a:r>
-            <a:r>
-              <a:rPr lang="pt-BR" sz="2400" dirty="0">
-                <a:solidFill>
-                  <a:schemeClr val="tx1"/>
-                </a:solidFill>
-                <a:latin typeface="Times New Roman" panose="02020603050405020304" pitchFamily="18" charset="0"/>
-                <a:cs typeface="Times New Roman" panose="02020603050405020304" pitchFamily="18" charset="0"/>
-              </a:rPr>
-              <a:t>.txt (</a:t>
-            </a:r>
-            <a:r>
-              <a:rPr lang="pt-BR" sz="2400" b="1" dirty="0">
-                <a:solidFill>
-                  <a:schemeClr val="tx1"/>
-                </a:solidFill>
-                <a:latin typeface="Times New Roman" panose="02020603050405020304" pitchFamily="18" charset="0"/>
-                <a:cs typeface="Times New Roman" panose="02020603050405020304" pitchFamily="18" charset="0"/>
-              </a:rPr>
-              <a:t>exemplo</a:t>
-            </a:r>
-            <a:r>
-              <a:rPr lang="pt-BR" sz="2400" dirty="0">
-                <a:solidFill>
-                  <a:schemeClr val="tx1"/>
-                </a:solidFill>
-                <a:latin typeface="Times New Roman" panose="02020603050405020304" pitchFamily="18" charset="0"/>
-                <a:cs typeface="Times New Roman" panose="02020603050405020304" pitchFamily="18" charset="0"/>
-              </a:rPr>
-              <a:t>: h2; p; script/</a:t>
-            </a:r>
-            <a:r>
-              <a:rPr lang="pt-BR" sz="2400" dirty="0" err="1">
-                <a:solidFill>
-                  <a:schemeClr val="tx1"/>
-                </a:solidFill>
-                <a:latin typeface="Times New Roman" panose="02020603050405020304" pitchFamily="18" charset="0"/>
-                <a:cs typeface="Times New Roman" panose="02020603050405020304" pitchFamily="18" charset="0"/>
-              </a:rPr>
-              <a:t>alert</a:t>
-            </a:r>
-            <a:r>
-              <a:rPr lang="pt-BR" sz="2400" dirty="0">
-                <a:solidFill>
-                  <a:schemeClr val="tx1"/>
-                </a:solidFill>
-                <a:latin typeface="Times New Roman" panose="02020603050405020304" pitchFamily="18" charset="0"/>
-                <a:cs typeface="Times New Roman" panose="02020603050405020304" pitchFamily="18" charset="0"/>
-              </a:rPr>
-              <a:t>() )</a:t>
-            </a:r>
           </a:p>
           <a:p>
             <a:pPr marL="0" indent="0" algn="just">
@@ -15385,77 +15769,38 @@
               <a:buNone/>
             </a:pPr>
             <a:r>
-              <a:rPr lang="pt-BR" sz="2400" dirty="0">
-                <a:solidFill>
-                  <a:schemeClr val="tx1"/>
-                </a:solidFill>
-                <a:latin typeface="Times New Roman" panose="02020603050405020304" pitchFamily="18" charset="0"/>
-                <a:cs typeface="Times New Roman" panose="02020603050405020304" pitchFamily="18" charset="0"/>
-              </a:rPr>
-              <a:t>	$(</a:t>
-            </a:r>
-            <a:r>
-              <a:rPr lang="pt-BR" sz="2400" b="1" dirty="0" err="1">
-                <a:solidFill>
-                  <a:schemeClr val="tx1"/>
-                </a:solidFill>
-                <a:latin typeface="Times New Roman" panose="02020603050405020304" pitchFamily="18" charset="0"/>
-                <a:cs typeface="Times New Roman" panose="02020603050405020304" pitchFamily="18" charset="0"/>
-              </a:rPr>
-              <a:t>document</a:t>
-            </a:r>
-            <a:r>
-              <a:rPr lang="pt-BR" sz="2400" dirty="0">
-                <a:solidFill>
-                  <a:schemeClr val="tx1"/>
-                </a:solidFill>
-                <a:latin typeface="Times New Roman" panose="02020603050405020304" pitchFamily="18" charset="0"/>
-                <a:cs typeface="Times New Roman" panose="02020603050405020304" pitchFamily="18" charset="0"/>
-              </a:rPr>
-              <a:t>).</a:t>
-            </a:r>
-            <a:r>
-              <a:rPr lang="pt-BR" sz="2400" dirty="0" err="1">
-                <a:solidFill>
-                  <a:schemeClr val="tx1"/>
-                </a:solidFill>
-                <a:latin typeface="Times New Roman" panose="02020603050405020304" pitchFamily="18" charset="0"/>
-                <a:cs typeface="Times New Roman" panose="02020603050405020304" pitchFamily="18" charset="0"/>
-              </a:rPr>
-              <a:t>ready</a:t>
-            </a:r>
-            <a:r>
-              <a:rPr lang="pt-BR" sz="2400" dirty="0">
-                <a:solidFill>
-                  <a:schemeClr val="tx1"/>
-                </a:solidFill>
-                <a:latin typeface="Times New Roman" panose="02020603050405020304" pitchFamily="18" charset="0"/>
-                <a:cs typeface="Times New Roman" panose="02020603050405020304" pitchFamily="18" charset="0"/>
-              </a:rPr>
-              <a:t>(</a:t>
-            </a:r>
-            <a:r>
-              <a:rPr lang="pt-BR" sz="2400" dirty="0" err="1">
-                <a:solidFill>
-                  <a:schemeClr val="tx1"/>
-                </a:solidFill>
-                <a:latin typeface="Times New Roman" panose="02020603050405020304" pitchFamily="18" charset="0"/>
-                <a:cs typeface="Times New Roman" panose="02020603050405020304" pitchFamily="18" charset="0"/>
-              </a:rPr>
-              <a:t>function</a:t>
-            </a:r>
-            <a:r>
-              <a:rPr lang="pt-BR" sz="2400" dirty="0">
-                <a:solidFill>
-                  <a:schemeClr val="tx1"/>
-                </a:solidFill>
-                <a:latin typeface="Times New Roman" panose="02020603050405020304" pitchFamily="18" charset="0"/>
-                <a:cs typeface="Times New Roman" panose="02020603050405020304" pitchFamily="18" charset="0"/>
-              </a:rPr>
-              <a:t>(){ //</a:t>
-            </a:r>
-            <a:r>
-              <a:rPr lang="pt-BR" sz="2400" b="1" dirty="0" err="1">
+              <a:rPr lang="pt-BR" sz="2000" dirty="0">
+                <a:solidFill>
+                  <a:schemeClr val="tx1"/>
+                </a:solidFill>
+                <a:latin typeface="Times New Roman" panose="02020603050405020304" pitchFamily="18" charset="0"/>
+                <a:cs typeface="Times New Roman" panose="02020603050405020304" pitchFamily="18" charset="0"/>
+              </a:rPr>
+              <a:t>	// </a:t>
+            </a:r>
+            <a:r>
+              <a:rPr lang="pt-BR" sz="2000" dirty="0">
+                <a:solidFill>
+                  <a:schemeClr val="tx1"/>
+                </a:solidFill>
+                <a:latin typeface="Times New Roman" panose="02020603050405020304" pitchFamily="18" charset="0"/>
+                <a:cs typeface="Times New Roman" panose="02020603050405020304" pitchFamily="18" charset="0"/>
+                <a:hlinkClick r:id="rId3"/>
+              </a:rPr>
+              <a:t>https://viacep.com.br/ws/40040470/json/</a:t>
+            </a:r>
+            <a:r>
+              <a:rPr lang="pt-BR" sz="2000" dirty="0">
+                <a:solidFill>
+                  <a:schemeClr val="tx1"/>
+                </a:solidFill>
+                <a:latin typeface="Times New Roman" panose="02020603050405020304" pitchFamily="18" charset="0"/>
+                <a:cs typeface="Times New Roman" panose="02020603050405020304" pitchFamily="18" charset="0"/>
+              </a:rPr>
+              <a:t> //</a:t>
+            </a:r>
+            <a:r>
+              <a:rPr lang="pt-BR" sz="2000" b="1" dirty="0" err="1">
                 <a:solidFill>
                   <a:schemeClr val="tx1"/>
                 </a:solidFill>
@@ -15465,7 +15810,7 @@
               <a:t>div</a:t>
             </a:r>
             <a:r>
-              <a:rPr lang="pt-BR" sz="2400" dirty="0" err="1">
+              <a:rPr lang="pt-BR" sz="2000" dirty="0" err="1">
                 <a:solidFill>
                   <a:schemeClr val="tx1"/>
                 </a:solidFill>
@@ -15475,17 +15820,37 @@
               <a:t>;</a:t>
             </a:r>
             <a:r>
-              <a:rPr lang="pt-BR" sz="2400" b="1" dirty="0" err="1">
-                <a:solidFill>
-                  <a:schemeClr val="tx1"/>
-                </a:solidFill>
-                <a:latin typeface="Times New Roman" panose="02020603050405020304" pitchFamily="18" charset="0"/>
-                <a:cs typeface="Times New Roman" panose="02020603050405020304" pitchFamily="18" charset="0"/>
-              </a:rPr>
-              <a:t>p;input</a:t>
-            </a:r>
-            <a:r>
-              <a:rPr lang="pt-BR" sz="2400" b="1" dirty="0">
+              <a:rPr lang="pt-BR" sz="2000" b="1" dirty="0" err="1">
+                <a:solidFill>
+                  <a:schemeClr val="tx1"/>
+                </a:solidFill>
+                <a:latin typeface="Times New Roman" panose="02020603050405020304" pitchFamily="18" charset="0"/>
+                <a:cs typeface="Times New Roman" panose="02020603050405020304" pitchFamily="18" charset="0"/>
+              </a:rPr>
+              <a:t>pre;input:</a:t>
+            </a:r>
+            <a:r>
+              <a:rPr lang="pt-BR" sz="2000" b="1" dirty="0" err="1">
+                <a:solidFill>
+                  <a:srgbClr val="FF0000"/>
+                </a:solidFill>
+                <a:latin typeface="Times New Roman" panose="02020603050405020304" pitchFamily="18" charset="0"/>
+                <a:cs typeface="Times New Roman" panose="02020603050405020304" pitchFamily="18" charset="0"/>
+              </a:rPr>
+              <a:t>text</a:t>
+            </a:r>
+            <a:r>
+              <a:rPr lang="pt-BR" sz="2000" b="1" dirty="0" err="1">
+                <a:solidFill>
+                  <a:schemeClr val="tx1"/>
+                </a:solidFill>
+                <a:latin typeface="Times New Roman" panose="02020603050405020304" pitchFamily="18" charset="0"/>
+                <a:cs typeface="Times New Roman" panose="02020603050405020304" pitchFamily="18" charset="0"/>
+              </a:rPr>
+              <a:t>;input</a:t>
+            </a:r>
+            <a:r>
+              <a:rPr lang="pt-BR" sz="2000" b="1" dirty="0">
                 <a:solidFill>
                   <a:schemeClr val="tx1"/>
                 </a:solidFill>
@@ -15495,29 +15860,9 @@
               <a:t>/</a:t>
             </a:r>
             <a:r>
-              <a:rPr lang="pt-BR" sz="2400" b="1" dirty="0" err="1">
-                <a:solidFill>
-                  <a:schemeClr val="tx1"/>
-                </a:solidFill>
-                <a:latin typeface="Times New Roman" panose="02020603050405020304" pitchFamily="18" charset="0"/>
-                <a:cs typeface="Times New Roman" panose="02020603050405020304" pitchFamily="18" charset="0"/>
-              </a:rPr>
-              <a:t>text;input</a:t>
-            </a:r>
-            <a:r>
-              <a:rPr lang="pt-BR" sz="2400" b="1" dirty="0">
-                <a:solidFill>
-                  <a:schemeClr val="tx1"/>
-                </a:solidFill>
-                <a:latin typeface="Times New Roman" panose="02020603050405020304" pitchFamily="18" charset="0"/>
-                <a:cs typeface="Times New Roman" panose="02020603050405020304" pitchFamily="18" charset="0"/>
-              </a:rPr>
-              <a:t>/</a:t>
-            </a:r>
-            <a:r>
-              <a:rPr lang="pt-BR" sz="2400" b="1" dirty="0" err="1">
-                <a:solidFill>
-                  <a:schemeClr val="tx1"/>
+              <a:rPr lang="pt-BR" sz="2000" b="1" dirty="0" err="1">
+                <a:solidFill>
+                  <a:srgbClr val="FF0000"/>
                 </a:solidFill>
                 <a:latin typeface="Times New Roman" panose="02020603050405020304" pitchFamily="18" charset="0"/>
                 <a:cs typeface="Times New Roman" panose="02020603050405020304" pitchFamily="18" charset="0"/>
@@ -15525,42 +15870,16 @@
               <a:t>button</a:t>
             </a:r>
             <a:r>
-              <a:rPr lang="pt-BR" sz="2400" b="1" dirty="0">
-                <a:solidFill>
-                  <a:schemeClr val="tx1"/>
-                </a:solidFill>
-                <a:latin typeface="Times New Roman" panose="02020603050405020304" pitchFamily="18" charset="0"/>
-                <a:cs typeface="Times New Roman" panose="02020603050405020304" pitchFamily="18" charset="0"/>
-              </a:rPr>
-              <a:t>;  </a:t>
-            </a:r>
-          </a:p>
-          <a:p>
-            <a:pPr marL="0" indent="0" algn="just">
-              <a:buNone/>
-            </a:pPr>
-            <a:r>
-              <a:rPr lang="pt-BR" sz="2400" dirty="0">
-                <a:solidFill>
-                  <a:schemeClr val="tx1"/>
-                </a:solidFill>
-                <a:latin typeface="Times New Roman" panose="02020603050405020304" pitchFamily="18" charset="0"/>
-                <a:cs typeface="Times New Roman" panose="02020603050405020304" pitchFamily="18" charset="0"/>
-              </a:rPr>
-              <a:t>	// </a:t>
-            </a:r>
-            <a:r>
-              <a:rPr lang="pt-BR" sz="2400" dirty="0">
-                <a:solidFill>
-                  <a:schemeClr val="tx1"/>
-                </a:solidFill>
-                <a:latin typeface="Times New Roman" panose="02020603050405020304" pitchFamily="18" charset="0"/>
-                <a:cs typeface="Times New Roman" panose="02020603050405020304" pitchFamily="18" charset="0"/>
-                <a:hlinkClick r:id="rId3"/>
-              </a:rPr>
-              <a:t>https://viacep.com.br/ws/40040470/json/</a:t>
-            </a:r>
-            <a:endParaRPr lang="pt-BR" sz="2400" dirty="0">
+              <a:rPr lang="pt-BR" sz="2000" b="1" dirty="0">
+                <a:solidFill>
+                  <a:schemeClr val="tx1"/>
+                </a:solidFill>
+                <a:latin typeface="Times New Roman" panose="02020603050405020304" pitchFamily="18" charset="0"/>
+                <a:cs typeface="Times New Roman" panose="02020603050405020304" pitchFamily="18" charset="0"/>
+              </a:rPr>
+              <a:t>; </a:t>
+            </a:r>
+            <a:endParaRPr lang="pt-BR" sz="2000" dirty="0">
               <a:solidFill>
                 <a:schemeClr val="tx1"/>
               </a:solidFill>
@@ -15573,37 +15892,57 @@
               <a:buNone/>
             </a:pPr>
             <a:r>
-              <a:rPr lang="pt-BR" sz="2400" dirty="0">
-                <a:solidFill>
-                  <a:schemeClr val="tx1"/>
-                </a:solidFill>
-                <a:latin typeface="Times New Roman" panose="02020603050405020304" pitchFamily="18" charset="0"/>
-                <a:cs typeface="Times New Roman" panose="02020603050405020304" pitchFamily="18" charset="0"/>
-              </a:rPr>
-              <a:t>        $('#</a:t>
-            </a:r>
-            <a:r>
-              <a:rPr lang="pt-BR" sz="2400" b="1" dirty="0">
-                <a:solidFill>
-                  <a:schemeClr val="tx1"/>
-                </a:solidFill>
-                <a:latin typeface="Times New Roman" panose="02020603050405020304" pitchFamily="18" charset="0"/>
-                <a:cs typeface="Times New Roman" panose="02020603050405020304" pitchFamily="18" charset="0"/>
-              </a:rPr>
-              <a:t>inputButton2</a:t>
-            </a:r>
-            <a:r>
-              <a:rPr lang="pt-BR" sz="2400" dirty="0">
-                <a:solidFill>
-                  <a:schemeClr val="tx1"/>
-                </a:solidFill>
-                <a:latin typeface="Times New Roman" panose="02020603050405020304" pitchFamily="18" charset="0"/>
-                <a:cs typeface="Times New Roman" panose="02020603050405020304" pitchFamily="18" charset="0"/>
-              </a:rPr>
-              <a:t>').click(</a:t>
-            </a:r>
-            <a:r>
-              <a:rPr lang="pt-BR" sz="2400" dirty="0" err="1">
+              <a:rPr lang="pt-BR" sz="2000" dirty="0">
+                <a:solidFill>
+                  <a:schemeClr val="tx1"/>
+                </a:solidFill>
+                <a:latin typeface="Times New Roman" panose="02020603050405020304" pitchFamily="18" charset="0"/>
+                <a:cs typeface="Times New Roman" panose="02020603050405020304" pitchFamily="18" charset="0"/>
+              </a:rPr>
+              <a:t>	$(</a:t>
+            </a:r>
+            <a:r>
+              <a:rPr lang="pt-BR" sz="2000" b="1" dirty="0" err="1">
+                <a:solidFill>
+                  <a:schemeClr val="tx1"/>
+                </a:solidFill>
+                <a:latin typeface="Times New Roman" panose="02020603050405020304" pitchFamily="18" charset="0"/>
+                <a:cs typeface="Times New Roman" panose="02020603050405020304" pitchFamily="18" charset="0"/>
+              </a:rPr>
+              <a:t>document</a:t>
+            </a:r>
+            <a:r>
+              <a:rPr lang="pt-BR" sz="2000" dirty="0">
+                <a:solidFill>
+                  <a:schemeClr val="tx1"/>
+                </a:solidFill>
+                <a:latin typeface="Times New Roman" panose="02020603050405020304" pitchFamily="18" charset="0"/>
+                <a:cs typeface="Times New Roman" panose="02020603050405020304" pitchFamily="18" charset="0"/>
+              </a:rPr>
+              <a:t>).</a:t>
+            </a:r>
+            <a:r>
+              <a:rPr lang="pt-BR" sz="2000" dirty="0" err="1">
+                <a:solidFill>
+                  <a:srgbClr val="FF0000"/>
+                </a:solidFill>
+                <a:latin typeface="Times New Roman" panose="02020603050405020304" pitchFamily="18" charset="0"/>
+                <a:cs typeface="Times New Roman" panose="02020603050405020304" pitchFamily="18" charset="0"/>
+              </a:rPr>
+              <a:t>ready</a:t>
+            </a:r>
+            <a:r>
+              <a:rPr lang="pt-BR" sz="2000" dirty="0">
+                <a:solidFill>
+                  <a:schemeClr val="tx1"/>
+                </a:solidFill>
+                <a:latin typeface="Times New Roman" panose="02020603050405020304" pitchFamily="18" charset="0"/>
+                <a:cs typeface="Times New Roman" panose="02020603050405020304" pitchFamily="18" charset="0"/>
+              </a:rPr>
+              <a:t>(</a:t>
+            </a:r>
+            <a:r>
+              <a:rPr lang="pt-BR" sz="2000" b="1" dirty="0" err="1">
                 <a:solidFill>
                   <a:schemeClr val="tx1"/>
                 </a:solidFill>
@@ -15613,7 +15952,92 @@
               <a:t>function</a:t>
             </a:r>
             <a:r>
-              <a:rPr lang="pt-BR" sz="2400" dirty="0">
+              <a:rPr lang="pt-BR" sz="2000" dirty="0">
+                <a:solidFill>
+                  <a:schemeClr val="tx1"/>
+                </a:solidFill>
+                <a:latin typeface="Times New Roman" panose="02020603050405020304" pitchFamily="18" charset="0"/>
+                <a:cs typeface="Times New Roman" panose="02020603050405020304" pitchFamily="18" charset="0"/>
+              </a:rPr>
+              <a:t>(){ </a:t>
+            </a:r>
+            <a:r>
+              <a:rPr lang="pt-BR" sz="2000" b="1" dirty="0">
+                <a:solidFill>
+                  <a:schemeClr val="tx1"/>
+                </a:solidFill>
+                <a:latin typeface="Times New Roman" panose="02020603050405020304" pitchFamily="18" charset="0"/>
+                <a:cs typeface="Times New Roman" panose="02020603050405020304" pitchFamily="18" charset="0"/>
+              </a:rPr>
+              <a:t> </a:t>
+            </a:r>
+          </a:p>
+          <a:p>
+            <a:pPr marL="0" indent="0" algn="just">
+              <a:buNone/>
+            </a:pPr>
+            <a:r>
+              <a:rPr lang="pt-BR" sz="2000" dirty="0">
+                <a:solidFill>
+                  <a:schemeClr val="tx1"/>
+                </a:solidFill>
+                <a:latin typeface="Times New Roman" panose="02020603050405020304" pitchFamily="18" charset="0"/>
+                <a:cs typeface="Times New Roman" panose="02020603050405020304" pitchFamily="18" charset="0"/>
+              </a:rPr>
+              <a:t>		$(‘#</a:t>
+            </a:r>
+            <a:r>
+              <a:rPr lang="pt-BR" sz="2000" b="1" dirty="0" err="1">
+                <a:solidFill>
+                  <a:schemeClr val="tx1"/>
+                </a:solidFill>
+                <a:latin typeface="Times New Roman" panose="02020603050405020304" pitchFamily="18" charset="0"/>
+                <a:cs typeface="Times New Roman" panose="02020603050405020304" pitchFamily="18" charset="0"/>
+              </a:rPr>
+              <a:t>idInputButton</a:t>
+            </a:r>
+            <a:r>
+              <a:rPr lang="pt-BR" sz="2000" dirty="0">
+                <a:solidFill>
+                  <a:schemeClr val="tx1"/>
+                </a:solidFill>
+                <a:latin typeface="Times New Roman" panose="02020603050405020304" pitchFamily="18" charset="0"/>
+                <a:cs typeface="Times New Roman" panose="02020603050405020304" pitchFamily="18" charset="0"/>
+              </a:rPr>
+              <a:t>').</a:t>
+            </a:r>
+            <a:r>
+              <a:rPr lang="pt-BR" sz="2000" b="1" dirty="0">
+                <a:solidFill>
+                  <a:srgbClr val="FF0000"/>
+                </a:solidFill>
+                <a:latin typeface="Times New Roman" panose="02020603050405020304" pitchFamily="18" charset="0"/>
+                <a:cs typeface="Times New Roman" panose="02020603050405020304" pitchFamily="18" charset="0"/>
+              </a:rPr>
+              <a:t>click</a:t>
+            </a:r>
+            <a:r>
+              <a:rPr lang="pt-BR" sz="2000" dirty="0">
+                <a:solidFill>
+                  <a:schemeClr val="tx1"/>
+                </a:solidFill>
+                <a:latin typeface="Times New Roman" panose="02020603050405020304" pitchFamily="18" charset="0"/>
+                <a:cs typeface="Times New Roman" panose="02020603050405020304" pitchFamily="18" charset="0"/>
+              </a:rPr>
+              <a:t>( </a:t>
+            </a:r>
+            <a:r>
+              <a:rPr lang="pt-BR" sz="2000" b="1" dirty="0" err="1">
+                <a:solidFill>
+                  <a:schemeClr val="tx1"/>
+                </a:solidFill>
+                <a:latin typeface="Times New Roman" panose="02020603050405020304" pitchFamily="18" charset="0"/>
+                <a:cs typeface="Times New Roman" panose="02020603050405020304" pitchFamily="18" charset="0"/>
+              </a:rPr>
+              <a:t>function</a:t>
+            </a:r>
+            <a:r>
+              <a:rPr lang="pt-BR" sz="2000" dirty="0">
                 <a:solidFill>
                   <a:schemeClr val="tx1"/>
                 </a:solidFill>
@@ -15623,19 +16047,9 @@
               <a:t> () { // </a:t>
             </a:r>
             <a:r>
-              <a:rPr lang="pt-BR" sz="2400" b="1" dirty="0">
-                <a:solidFill>
-                  <a:schemeClr val="tx1"/>
-                </a:solidFill>
-                <a:latin typeface="Times New Roman" panose="02020603050405020304" pitchFamily="18" charset="0"/>
-                <a:cs typeface="Times New Roman" panose="02020603050405020304" pitchFamily="18" charset="0"/>
-              </a:rPr>
-              <a:t>método </a:t>
-            </a:r>
-            <a:r>
-              <a:rPr lang="pt-BR" sz="2400" b="1" dirty="0" err="1">
-                <a:solidFill>
-                  <a:schemeClr val="tx1"/>
+              <a:rPr lang="pt-BR" sz="2000" b="1" dirty="0" err="1">
+                <a:solidFill>
+                  <a:srgbClr val="FF0000"/>
                 </a:solidFill>
                 <a:latin typeface="Times New Roman" panose="02020603050405020304" pitchFamily="18" charset="0"/>
                 <a:cs typeface="Times New Roman" panose="02020603050405020304" pitchFamily="18" charset="0"/>
@@ -15643,7 +16057,7 @@
               <a:t>blur</a:t>
             </a:r>
             <a:r>
-              <a:rPr lang="pt-BR" sz="2400" dirty="0">
+              <a:rPr lang="pt-BR" sz="2000" dirty="0">
                 <a:solidFill>
                   <a:schemeClr val="tx1"/>
                 </a:solidFill>
@@ -15653,7 +16067,7 @@
               <a:t> (sair do </a:t>
             </a:r>
             <a:r>
-              <a:rPr lang="pt-BR" sz="2400" dirty="0" err="1">
+              <a:rPr lang="pt-BR" sz="2000" dirty="0" err="1">
                 <a:solidFill>
                   <a:schemeClr val="tx1"/>
                 </a:solidFill>
@@ -15663,7 +16077,7 @@
               <a:t>inputCEP</a:t>
             </a:r>
             <a:r>
-              <a:rPr lang="pt-BR" sz="2400" dirty="0">
+              <a:rPr lang="pt-BR" sz="2000" dirty="0">
                 <a:solidFill>
                   <a:schemeClr val="tx1"/>
                 </a:solidFill>
@@ -15678,19 +16092,34 @@
               <a:buNone/>
             </a:pPr>
             <a:r>
-              <a:rPr lang="pt-BR" sz="2400" dirty="0">
-                <a:solidFill>
-                  <a:schemeClr val="tx1"/>
-                </a:solidFill>
-                <a:latin typeface="Times New Roman" panose="02020603050405020304" pitchFamily="18" charset="0"/>
-                <a:cs typeface="Times New Roman" panose="02020603050405020304" pitchFamily="18" charset="0"/>
-              </a:rPr>
-              <a:t>          </a:t>
-            </a:r>
-            <a:r>
-              <a:rPr lang="pt-BR" sz="2400" dirty="0" err="1">
-                <a:solidFill>
-                  <a:schemeClr val="tx1"/>
+              <a:rPr lang="pt-BR" sz="2000" dirty="0">
+                <a:solidFill>
+                  <a:schemeClr val="tx1"/>
+                </a:solidFill>
+                <a:latin typeface="Times New Roman" panose="02020603050405020304" pitchFamily="18" charset="0"/>
+                <a:cs typeface="Times New Roman" panose="02020603050405020304" pitchFamily="18" charset="0"/>
+              </a:rPr>
+              <a:t>            	</a:t>
+            </a:r>
+          </a:p>
+          <a:p>
+            <a:pPr marL="0" indent="0" algn="just">
+              <a:buNone/>
+            </a:pPr>
+            <a:r>
+              <a:rPr lang="pt-BR" sz="2000" dirty="0">
+                <a:solidFill>
+                  <a:schemeClr val="tx1"/>
+                </a:solidFill>
+                <a:latin typeface="Times New Roman" panose="02020603050405020304" pitchFamily="18" charset="0"/>
+                <a:cs typeface="Times New Roman" panose="02020603050405020304" pitchFamily="18" charset="0"/>
+              </a:rPr>
+              <a:t>			</a:t>
+            </a:r>
+            <a:r>
+              <a:rPr lang="pt-BR" sz="2000" b="1" dirty="0" err="1">
+                <a:solidFill>
+                  <a:srgbClr val="FF0000"/>
                 </a:solidFill>
                 <a:latin typeface="Times New Roman" panose="02020603050405020304" pitchFamily="18" charset="0"/>
                 <a:cs typeface="Times New Roman" panose="02020603050405020304" pitchFamily="18" charset="0"/>
@@ -15698,7 +16127,7 @@
               <a:t>let</a:t>
             </a:r>
             <a:r>
-              <a:rPr lang="pt-BR" sz="2400" dirty="0">
+              <a:rPr lang="pt-BR" sz="2000" dirty="0">
                 <a:solidFill>
                   <a:schemeClr val="tx1"/>
                 </a:solidFill>
@@ -15708,7 +16137,7 @@
               <a:t> </a:t>
             </a:r>
             <a:r>
-              <a:rPr lang="pt-BR" sz="2400" b="1" dirty="0" err="1">
+              <a:rPr lang="pt-BR" sz="2000" b="1" dirty="0" err="1">
                 <a:solidFill>
                   <a:schemeClr val="tx1"/>
                 </a:solidFill>
@@ -15718,7 +16147,7 @@
               <a:t>valorCEP</a:t>
             </a:r>
             <a:r>
-              <a:rPr lang="pt-BR" sz="2400" dirty="0">
+              <a:rPr lang="pt-BR" sz="2000" dirty="0">
                 <a:solidFill>
                   <a:schemeClr val="tx1"/>
                 </a:solidFill>
@@ -15728,7 +16157,7 @@
               <a:t> = $('#</a:t>
             </a:r>
             <a:r>
-              <a:rPr lang="pt-BR" sz="2400" dirty="0" err="1">
+              <a:rPr lang="pt-BR" sz="2000" b="1" dirty="0" err="1">
                 <a:solidFill>
                   <a:schemeClr val="tx1"/>
                 </a:solidFill>
@@ -15738,7 +16167,7 @@
               <a:t>inputCEP</a:t>
             </a:r>
             <a:r>
-              <a:rPr lang="pt-BR" sz="2400" dirty="0">
+              <a:rPr lang="pt-BR" sz="2000" dirty="0">
                 <a:solidFill>
                   <a:schemeClr val="tx1"/>
                 </a:solidFill>
@@ -15748,9 +16177,9 @@
               <a:t>').</a:t>
             </a:r>
             <a:r>
-              <a:rPr lang="pt-BR" sz="2400" b="1" dirty="0" err="1">
-                <a:solidFill>
-                  <a:schemeClr val="tx1"/>
+              <a:rPr lang="pt-BR" sz="2000" b="1" dirty="0" err="1">
+                <a:solidFill>
+                  <a:srgbClr val="FF0000"/>
                 </a:solidFill>
                 <a:latin typeface="Times New Roman" panose="02020603050405020304" pitchFamily="18" charset="0"/>
                 <a:cs typeface="Times New Roman" panose="02020603050405020304" pitchFamily="18" charset="0"/>
@@ -15758,7 +16187,7 @@
               <a:t>val</a:t>
             </a:r>
             <a:r>
-              <a:rPr lang="pt-BR" sz="2400" dirty="0">
+              <a:rPr lang="pt-BR" sz="2000" dirty="0">
                 <a:solidFill>
                   <a:schemeClr val="tx1"/>
                 </a:solidFill>
@@ -15773,39 +16202,169 @@
               <a:buNone/>
             </a:pPr>
             <a:r>
-              <a:rPr lang="pt-BR" sz="2400" dirty="0">
-                <a:solidFill>
-                  <a:schemeClr val="tx1"/>
-                </a:solidFill>
-                <a:latin typeface="Times New Roman" panose="02020603050405020304" pitchFamily="18" charset="0"/>
-                <a:cs typeface="Times New Roman" panose="02020603050405020304" pitchFamily="18" charset="0"/>
-              </a:rPr>
-              <a:t>	    $.</a:t>
-            </a:r>
-            <a:r>
-              <a:rPr lang="pt-BR" sz="2400" b="1" dirty="0" err="1">
+              <a:rPr lang="pt-BR" sz="2000" dirty="0">
+                <a:solidFill>
+                  <a:schemeClr val="tx1"/>
+                </a:solidFill>
+                <a:latin typeface="Times New Roman" panose="02020603050405020304" pitchFamily="18" charset="0"/>
+                <a:cs typeface="Times New Roman" panose="02020603050405020304" pitchFamily="18" charset="0"/>
+              </a:rPr>
+              <a:t>	     	</a:t>
+            </a:r>
+          </a:p>
+          <a:p>
+            <a:pPr marL="0" indent="0" algn="just">
+              <a:buNone/>
+            </a:pPr>
+            <a:r>
+              <a:rPr lang="pt-BR" sz="2000" dirty="0">
+                <a:solidFill>
+                  <a:schemeClr val="tx1"/>
+                </a:solidFill>
+                <a:latin typeface="Times New Roman" panose="02020603050405020304" pitchFamily="18" charset="0"/>
+                <a:cs typeface="Times New Roman" panose="02020603050405020304" pitchFamily="18" charset="0"/>
+              </a:rPr>
+              <a:t>			// </a:t>
+            </a:r>
+            <a:r>
+              <a:rPr lang="pt-BR" sz="2000" b="1" dirty="0" err="1">
+                <a:solidFill>
+                  <a:srgbClr val="0070C0"/>
+                </a:solidFill>
+                <a:latin typeface="Times New Roman" panose="02020603050405020304" pitchFamily="18" charset="0"/>
+                <a:cs typeface="Times New Roman" panose="02020603050405020304" pitchFamily="18" charset="0"/>
+              </a:rPr>
+              <a:t>function</a:t>
+            </a:r>
+            <a:r>
+              <a:rPr lang="pt-BR" sz="2000" b="1" dirty="0">
+                <a:solidFill>
+                  <a:schemeClr val="tx1"/>
+                </a:solidFill>
+                <a:latin typeface="Times New Roman" panose="02020603050405020304" pitchFamily="18" charset="0"/>
+                <a:cs typeface="Times New Roman" panose="02020603050405020304" pitchFamily="18" charset="0"/>
+              </a:rPr>
+              <a:t> </a:t>
+            </a:r>
+            <a:r>
+              <a:rPr lang="pt-BR" sz="2000" b="1" dirty="0">
                 <a:solidFill>
                   <a:srgbClr val="FF0000"/>
                 </a:solidFill>
                 <a:latin typeface="Times New Roman" panose="02020603050405020304" pitchFamily="18" charset="0"/>
                 <a:cs typeface="Times New Roman" panose="02020603050405020304" pitchFamily="18" charset="0"/>
               </a:rPr>
+              <a:t>$.</a:t>
+            </a:r>
+            <a:r>
+              <a:rPr lang="pt-BR" sz="2000" b="1" dirty="0" err="1">
+                <a:solidFill>
+                  <a:srgbClr val="FF0000"/>
+                </a:solidFill>
+                <a:latin typeface="Times New Roman" panose="02020603050405020304" pitchFamily="18" charset="0"/>
+                <a:cs typeface="Times New Roman" panose="02020603050405020304" pitchFamily="18" charset="0"/>
+              </a:rPr>
               <a:t>get</a:t>
             </a:r>
             <a:r>
-              <a:rPr lang="pt-BR" sz="2400" dirty="0">
-                <a:solidFill>
-                  <a:schemeClr val="tx1"/>
-                </a:solidFill>
-                <a:latin typeface="Times New Roman" panose="02020603050405020304" pitchFamily="18" charset="0"/>
-                <a:cs typeface="Times New Roman" panose="02020603050405020304" pitchFamily="18" charset="0"/>
-              </a:rPr>
-              <a:t>('https://viacep.com.br/ws/'+ </a:t>
-            </a:r>
-            <a:r>
-              <a:rPr lang="pt-BR" sz="2400" b="1" dirty="0" err="1">
-                <a:solidFill>
-                  <a:schemeClr val="tx1"/>
+              <a:rPr lang="pt-BR" sz="2000" b="1" dirty="0">
+                <a:solidFill>
+                  <a:schemeClr val="tx1"/>
+                </a:solidFill>
+                <a:latin typeface="Times New Roman" panose="02020603050405020304" pitchFamily="18" charset="0"/>
+                <a:cs typeface="Times New Roman" panose="02020603050405020304" pitchFamily="18" charset="0"/>
+              </a:rPr>
+              <a:t> (URL, </a:t>
+            </a:r>
+            <a:r>
+              <a:rPr lang="pt-BR" sz="2000" b="1" dirty="0" err="1">
+                <a:solidFill>
+                  <a:srgbClr val="FF0000"/>
+                </a:solidFill>
+                <a:latin typeface="Times New Roman" panose="02020603050405020304" pitchFamily="18" charset="0"/>
+                <a:cs typeface="Times New Roman" panose="02020603050405020304" pitchFamily="18" charset="0"/>
+              </a:rPr>
+              <a:t>function</a:t>
+            </a:r>
+            <a:r>
+              <a:rPr lang="pt-BR" sz="2000" b="1" dirty="0">
+                <a:solidFill>
+                  <a:schemeClr val="tx1"/>
+                </a:solidFill>
+                <a:latin typeface="Times New Roman" panose="02020603050405020304" pitchFamily="18" charset="0"/>
+                <a:cs typeface="Times New Roman" panose="02020603050405020304" pitchFamily="18" charset="0"/>
+              </a:rPr>
+              <a:t>(dados, status) { </a:t>
+            </a:r>
+            <a:r>
+              <a:rPr lang="pt-BR" sz="2000" b="1" dirty="0">
+                <a:solidFill>
+                  <a:srgbClr val="FF0000"/>
+                </a:solidFill>
+                <a:latin typeface="Times New Roman" panose="02020603050405020304" pitchFamily="18" charset="0"/>
+                <a:cs typeface="Times New Roman" panose="02020603050405020304" pitchFamily="18" charset="0"/>
+              </a:rPr>
+              <a:t>instruções</a:t>
+            </a:r>
+            <a:r>
+              <a:rPr lang="pt-BR" sz="2000" b="1" dirty="0">
+                <a:solidFill>
+                  <a:schemeClr val="tx1"/>
+                </a:solidFill>
+                <a:latin typeface="Times New Roman" panose="02020603050405020304" pitchFamily="18" charset="0"/>
+                <a:cs typeface="Times New Roman" panose="02020603050405020304" pitchFamily="18" charset="0"/>
+              </a:rPr>
+              <a:t> } )</a:t>
+            </a:r>
+          </a:p>
+          <a:p>
+            <a:pPr marL="0" indent="0" algn="just">
+              <a:buNone/>
+            </a:pPr>
+            <a:r>
+              <a:rPr lang="pt-BR" sz="2000" dirty="0">
+                <a:solidFill>
+                  <a:schemeClr val="tx1"/>
+                </a:solidFill>
+                <a:latin typeface="Times New Roman" panose="02020603050405020304" pitchFamily="18" charset="0"/>
+                <a:cs typeface="Times New Roman" panose="02020603050405020304" pitchFamily="18" charset="0"/>
+              </a:rPr>
+              <a:t>			</a:t>
+            </a:r>
+            <a:r>
+              <a:rPr lang="pt-BR" sz="2000" b="1" dirty="0">
+                <a:solidFill>
+                  <a:srgbClr val="FF0000"/>
+                </a:solidFill>
+                <a:latin typeface="Times New Roman" panose="02020603050405020304" pitchFamily="18" charset="0"/>
+                <a:cs typeface="Times New Roman" panose="02020603050405020304" pitchFamily="18" charset="0"/>
+              </a:rPr>
+              <a:t>$.</a:t>
+            </a:r>
+            <a:r>
+              <a:rPr lang="pt-BR" sz="2000" b="1" dirty="0" err="1">
+                <a:solidFill>
+                  <a:srgbClr val="FF0000"/>
+                </a:solidFill>
+                <a:latin typeface="Times New Roman" panose="02020603050405020304" pitchFamily="18" charset="0"/>
+                <a:cs typeface="Times New Roman" panose="02020603050405020304" pitchFamily="18" charset="0"/>
+              </a:rPr>
+              <a:t>get</a:t>
+            </a:r>
+            <a:r>
+              <a:rPr lang="pt-BR" sz="2000" dirty="0">
+                <a:solidFill>
+                  <a:schemeClr val="tx1"/>
+                </a:solidFill>
+                <a:latin typeface="Times New Roman" panose="02020603050405020304" pitchFamily="18" charset="0"/>
+                <a:cs typeface="Times New Roman" panose="02020603050405020304" pitchFamily="18" charset="0"/>
+              </a:rPr>
+              <a:t>('https://viacep.com.br/ws/’ + </a:t>
+            </a:r>
+            <a:r>
+              <a:rPr lang="pt-BR" sz="2000" b="1" dirty="0" err="1">
+                <a:solidFill>
+                  <a:srgbClr val="FF0000"/>
                 </a:solidFill>
                 <a:latin typeface="Times New Roman" panose="02020603050405020304" pitchFamily="18" charset="0"/>
                 <a:cs typeface="Times New Roman" panose="02020603050405020304" pitchFamily="18" charset="0"/>
@@ -15813,7 +16372,7 @@
               <a:t>valorCEP</a:t>
             </a:r>
             <a:r>
-              <a:rPr lang="pt-BR" sz="2400" dirty="0">
+              <a:rPr lang="pt-BR" sz="2000" dirty="0">
                 <a:solidFill>
                   <a:schemeClr val="tx1"/>
                 </a:solidFill>
@@ -15823,7 +16382,7 @@
               <a:t> + '/</a:t>
             </a:r>
             <a:r>
-              <a:rPr lang="pt-BR" sz="2400" dirty="0" err="1">
+              <a:rPr lang="pt-BR" sz="2000" dirty="0" err="1">
                 <a:solidFill>
                   <a:schemeClr val="tx1"/>
                 </a:solidFill>
@@ -15833,120 +16392,32 @@
               <a:t>json</a:t>
             </a:r>
             <a:r>
-              <a:rPr lang="pt-BR" sz="2400" dirty="0">
-                <a:solidFill>
-                  <a:schemeClr val="tx1"/>
-                </a:solidFill>
-                <a:latin typeface="Times New Roman" panose="02020603050405020304" pitchFamily="18" charset="0"/>
-                <a:cs typeface="Times New Roman" panose="02020603050405020304" pitchFamily="18" charset="0"/>
-              </a:rPr>
-              <a:t>/', </a:t>
-            </a:r>
-            <a:r>
-              <a:rPr lang="pt-BR" sz="2400" b="1" dirty="0" err="1">
-                <a:solidFill>
-                  <a:schemeClr val="tx1"/>
-                </a:solidFill>
-                <a:latin typeface="Times New Roman" panose="02020603050405020304" pitchFamily="18" charset="0"/>
-                <a:cs typeface="Times New Roman" panose="02020603050405020304" pitchFamily="18" charset="0"/>
-              </a:rPr>
-              <a:t>function</a:t>
-            </a:r>
-            <a:r>
-              <a:rPr lang="pt-BR" sz="2400" dirty="0">
-                <a:solidFill>
-                  <a:schemeClr val="tx1"/>
-                </a:solidFill>
-                <a:latin typeface="Times New Roman" panose="02020603050405020304" pitchFamily="18" charset="0"/>
-                <a:cs typeface="Times New Roman" panose="02020603050405020304" pitchFamily="18" charset="0"/>
-              </a:rPr>
-              <a:t>(</a:t>
-            </a:r>
-            <a:r>
-              <a:rPr lang="pt-BR" sz="2400" dirty="0" err="1">
-                <a:solidFill>
-                  <a:schemeClr val="tx1"/>
-                </a:solidFill>
-                <a:latin typeface="Times New Roman" panose="02020603050405020304" pitchFamily="18" charset="0"/>
-                <a:cs typeface="Times New Roman" panose="02020603050405020304" pitchFamily="18" charset="0"/>
-              </a:rPr>
-              <a:t>dadosCEP</a:t>
-            </a:r>
-            <a:r>
-              <a:rPr lang="pt-BR" sz="2400" dirty="0">
-                <a:solidFill>
-                  <a:schemeClr val="tx1"/>
-                </a:solidFill>
-                <a:latin typeface="Times New Roman" panose="02020603050405020304" pitchFamily="18" charset="0"/>
-                <a:cs typeface="Times New Roman" panose="02020603050405020304" pitchFamily="18" charset="0"/>
-              </a:rPr>
-              <a:t>, status) {			// </a:t>
-            </a:r>
-            <a:r>
-              <a:rPr lang="pt-BR" sz="2400" b="1" dirty="0">
-                <a:solidFill>
-                  <a:schemeClr val="tx1"/>
-                </a:solidFill>
-                <a:latin typeface="Times New Roman" panose="02020603050405020304" pitchFamily="18" charset="0"/>
-                <a:cs typeface="Times New Roman" panose="02020603050405020304" pitchFamily="18" charset="0"/>
-              </a:rPr>
-              <a:t>método </a:t>
-            </a:r>
-            <a:r>
-              <a:rPr lang="pt-BR" sz="2400" b="1" dirty="0" err="1">
-                <a:solidFill>
-                  <a:schemeClr val="tx1"/>
-                </a:solidFill>
-                <a:latin typeface="Times New Roman" panose="02020603050405020304" pitchFamily="18" charset="0"/>
-                <a:cs typeface="Times New Roman" panose="02020603050405020304" pitchFamily="18" charset="0"/>
-              </a:rPr>
-              <a:t>get</a:t>
-            </a:r>
-            <a:r>
-              <a:rPr lang="pt-BR" sz="2400" dirty="0">
-                <a:solidFill>
-                  <a:schemeClr val="tx1"/>
-                </a:solidFill>
-                <a:latin typeface="Times New Roman" panose="02020603050405020304" pitchFamily="18" charset="0"/>
-                <a:cs typeface="Times New Roman" panose="02020603050405020304" pitchFamily="18" charset="0"/>
-              </a:rPr>
-              <a:t>: pegar dado (requisição)</a:t>
-            </a:r>
-          </a:p>
-          <a:p>
-            <a:pPr marL="0" indent="0" algn="just">
-              <a:buNone/>
-            </a:pPr>
-            <a:r>
-              <a:rPr lang="pt-BR" sz="2400" dirty="0">
-                <a:solidFill>
-                  <a:schemeClr val="tx1"/>
-                </a:solidFill>
-                <a:latin typeface="Times New Roman" panose="02020603050405020304" pitchFamily="18" charset="0"/>
-                <a:cs typeface="Times New Roman" panose="02020603050405020304" pitchFamily="18" charset="0"/>
-              </a:rPr>
-              <a:t>         //</a:t>
-            </a:r>
-            <a:r>
-              <a:rPr lang="pt-BR" sz="2400" b="1" dirty="0" err="1">
-                <a:solidFill>
-                  <a:schemeClr val="tx1"/>
-                </a:solidFill>
-                <a:latin typeface="Times New Roman" panose="02020603050405020304" pitchFamily="18" charset="0"/>
-                <a:cs typeface="Times New Roman" panose="02020603050405020304" pitchFamily="18" charset="0"/>
-              </a:rPr>
-              <a:t>alert</a:t>
-            </a:r>
-            <a:r>
-              <a:rPr lang="pt-BR" sz="2400" dirty="0">
-                <a:solidFill>
-                  <a:schemeClr val="tx1"/>
-                </a:solidFill>
-                <a:latin typeface="Times New Roman" panose="02020603050405020304" pitchFamily="18" charset="0"/>
-                <a:cs typeface="Times New Roman" panose="02020603050405020304" pitchFamily="18" charset="0"/>
-              </a:rPr>
-              <a:t>(status);</a:t>
-            </a:r>
+              <a:rPr lang="pt-BR" sz="2000" dirty="0">
+                <a:solidFill>
+                  <a:schemeClr val="tx1"/>
+                </a:solidFill>
+                <a:latin typeface="Times New Roman" panose="02020603050405020304" pitchFamily="18" charset="0"/>
+                <a:cs typeface="Times New Roman" panose="02020603050405020304" pitchFamily="18" charset="0"/>
+              </a:rPr>
+              <a:t>/’ </a:t>
+            </a:r>
+            <a:r>
+              <a:rPr lang="pt-BR" sz="2000" b="1" dirty="0">
+                <a:solidFill>
+                  <a:srgbClr val="FF0000"/>
+                </a:solidFill>
+                <a:latin typeface="Times New Roman" panose="02020603050405020304" pitchFamily="18" charset="0"/>
+                <a:cs typeface="Times New Roman" panose="02020603050405020304" pitchFamily="18" charset="0"/>
+              </a:rPr>
+              <a:t>,</a:t>
+            </a:r>
+            <a:endParaRPr lang="pt-BR" sz="2000" dirty="0">
+              <a:solidFill>
+                <a:schemeClr val="tx1"/>
+              </a:solidFill>
+              <a:latin typeface="Times New Roman" panose="02020603050405020304" pitchFamily="18" charset="0"/>
+              <a:cs typeface="Times New Roman" panose="02020603050405020304" pitchFamily="18" charset="0"/>
+            </a:endParaRPr>
           </a:p>
         </p:txBody>
       </p:sp>
@@ -16392,17 +16863,122 @@
               <a:buNone/>
             </a:pPr>
             <a:r>
-              <a:rPr lang="pt-BR" sz="2400" dirty="0">
-                <a:solidFill>
-                  <a:schemeClr val="tx1"/>
-                </a:solidFill>
-                <a:latin typeface="Times New Roman" panose="02020603050405020304" pitchFamily="18" charset="0"/>
-                <a:cs typeface="Times New Roman" panose="02020603050405020304" pitchFamily="18" charset="0"/>
-              </a:rPr>
-              <a:t>	</a:t>
-            </a:r>
-            <a:r>
-              <a:rPr lang="pt-BR" sz="2400" b="1" dirty="0" err="1">
+              <a:rPr lang="pt-BR" sz="2000" b="1" dirty="0">
+                <a:solidFill>
+                  <a:schemeClr val="tx1"/>
+                </a:solidFill>
+                <a:latin typeface="Times New Roman" panose="02020603050405020304" pitchFamily="18" charset="0"/>
+                <a:cs typeface="Times New Roman" panose="02020603050405020304" pitchFamily="18" charset="0"/>
+              </a:rPr>
+              <a:t> 	</a:t>
+            </a:r>
+            <a:r>
+              <a:rPr lang="pt-BR" sz="2000" b="1" dirty="0" err="1">
+                <a:solidFill>
+                  <a:schemeClr val="tx1"/>
+                </a:solidFill>
+                <a:latin typeface="Times New Roman" panose="02020603050405020304" pitchFamily="18" charset="0"/>
+                <a:cs typeface="Times New Roman" panose="02020603050405020304" pitchFamily="18" charset="0"/>
+              </a:rPr>
+              <a:t>function</a:t>
+            </a:r>
+            <a:r>
+              <a:rPr lang="pt-BR" sz="2000" dirty="0">
+                <a:solidFill>
+                  <a:schemeClr val="tx1"/>
+                </a:solidFill>
+                <a:latin typeface="Times New Roman" panose="02020603050405020304" pitchFamily="18" charset="0"/>
+                <a:cs typeface="Times New Roman" panose="02020603050405020304" pitchFamily="18" charset="0"/>
+              </a:rPr>
+              <a:t>(</a:t>
+            </a:r>
+            <a:r>
+              <a:rPr lang="pt-BR" sz="2000" dirty="0" err="1">
+                <a:solidFill>
+                  <a:schemeClr val="tx1"/>
+                </a:solidFill>
+                <a:latin typeface="Times New Roman" panose="02020603050405020304" pitchFamily="18" charset="0"/>
+                <a:cs typeface="Times New Roman" panose="02020603050405020304" pitchFamily="18" charset="0"/>
+              </a:rPr>
+              <a:t>dadosCEP</a:t>
+            </a:r>
+            <a:r>
+              <a:rPr lang="pt-BR" sz="2000" dirty="0">
+                <a:solidFill>
+                  <a:schemeClr val="tx1"/>
+                </a:solidFill>
+                <a:latin typeface="Times New Roman" panose="02020603050405020304" pitchFamily="18" charset="0"/>
+                <a:cs typeface="Times New Roman" panose="02020603050405020304" pitchFamily="18" charset="0"/>
+              </a:rPr>
+              <a:t>, status) { // </a:t>
+            </a:r>
+            <a:r>
+              <a:rPr lang="pt-BR" sz="2000" b="1" dirty="0">
+                <a:solidFill>
+                  <a:schemeClr val="tx1"/>
+                </a:solidFill>
+                <a:latin typeface="Times New Roman" panose="02020603050405020304" pitchFamily="18" charset="0"/>
+                <a:cs typeface="Times New Roman" panose="02020603050405020304" pitchFamily="18" charset="0"/>
+              </a:rPr>
+              <a:t>método </a:t>
+            </a:r>
+            <a:r>
+              <a:rPr lang="pt-BR" sz="2000" b="1" dirty="0" err="1">
+                <a:solidFill>
+                  <a:schemeClr val="tx1"/>
+                </a:solidFill>
+                <a:latin typeface="Times New Roman" panose="02020603050405020304" pitchFamily="18" charset="0"/>
+                <a:cs typeface="Times New Roman" panose="02020603050405020304" pitchFamily="18" charset="0"/>
+              </a:rPr>
+              <a:t>get</a:t>
+            </a:r>
+            <a:r>
+              <a:rPr lang="pt-BR" sz="2000" dirty="0">
+                <a:solidFill>
+                  <a:schemeClr val="tx1"/>
+                </a:solidFill>
+                <a:latin typeface="Times New Roman" panose="02020603050405020304" pitchFamily="18" charset="0"/>
+                <a:cs typeface="Times New Roman" panose="02020603050405020304" pitchFamily="18" charset="0"/>
+              </a:rPr>
+              <a:t>: pegar dados (</a:t>
+            </a:r>
+            <a:r>
+              <a:rPr lang="pt-BR" sz="2000" b="1" dirty="0">
+                <a:solidFill>
+                  <a:schemeClr val="tx1"/>
+                </a:solidFill>
+                <a:latin typeface="Times New Roman" panose="02020603050405020304" pitchFamily="18" charset="0"/>
+                <a:cs typeface="Times New Roman" panose="02020603050405020304" pitchFamily="18" charset="0"/>
+              </a:rPr>
+              <a:t>requisição</a:t>
+            </a:r>
+            <a:r>
+              <a:rPr lang="pt-BR" sz="2000" dirty="0">
+                <a:solidFill>
+                  <a:schemeClr val="tx1"/>
+                </a:solidFill>
+                <a:latin typeface="Times New Roman" panose="02020603050405020304" pitchFamily="18" charset="0"/>
+                <a:cs typeface="Times New Roman" panose="02020603050405020304" pitchFamily="18" charset="0"/>
+              </a:rPr>
+              <a:t>)</a:t>
+            </a:r>
+          </a:p>
+          <a:p>
+            <a:pPr marL="0" indent="0" algn="just">
+              <a:buNone/>
+            </a:pPr>
+            <a:r>
+              <a:rPr lang="pt-BR" sz="2000" b="1" dirty="0">
+                <a:solidFill>
+                  <a:schemeClr val="tx1"/>
+                </a:solidFill>
+                <a:latin typeface="Times New Roman" panose="02020603050405020304" pitchFamily="18" charset="0"/>
+                <a:cs typeface="Times New Roman" panose="02020603050405020304" pitchFamily="18" charset="0"/>
+              </a:rPr>
+              <a:t>		</a:t>
+            </a:r>
+            <a:r>
+              <a:rPr lang="pt-BR" sz="2000" b="1" dirty="0" err="1">
                 <a:solidFill>
                   <a:schemeClr val="tx1"/>
                 </a:solidFill>
@@ -16412,7 +16988,7 @@
               <a:t>if</a:t>
             </a:r>
             <a:r>
-              <a:rPr lang="pt-BR" sz="2400" dirty="0">
+              <a:rPr lang="pt-BR" sz="2000" dirty="0">
                 <a:solidFill>
                   <a:schemeClr val="tx1"/>
                 </a:solidFill>
@@ -16422,7 +16998,7 @@
               <a:t> ( </a:t>
             </a:r>
             <a:r>
-              <a:rPr lang="pt-BR" sz="2400" b="1" dirty="0">
+              <a:rPr lang="pt-BR" sz="2000" b="1" dirty="0">
                 <a:solidFill>
                   <a:srgbClr val="FF0000"/>
                 </a:solidFill>
@@ -16432,17 +17008,27 @@
               <a:t>status</a:t>
             </a:r>
             <a:r>
-              <a:rPr lang="pt-BR" sz="2400" dirty="0">
-                <a:solidFill>
-                  <a:schemeClr val="tx1"/>
-                </a:solidFill>
-                <a:latin typeface="Times New Roman" panose="02020603050405020304" pitchFamily="18" charset="0"/>
-                <a:cs typeface="Times New Roman" panose="02020603050405020304" pitchFamily="18" charset="0"/>
-              </a:rPr>
-              <a:t> == '</a:t>
-            </a:r>
-            <a:r>
-              <a:rPr lang="pt-BR" sz="2400" dirty="0" err="1">
+              <a:rPr lang="pt-BR" sz="2000" dirty="0">
+                <a:solidFill>
+                  <a:schemeClr val="tx1"/>
+                </a:solidFill>
+                <a:latin typeface="Times New Roman" panose="02020603050405020304" pitchFamily="18" charset="0"/>
+                <a:cs typeface="Times New Roman" panose="02020603050405020304" pitchFamily="18" charset="0"/>
+              </a:rPr>
+              <a:t> == </a:t>
+            </a:r>
+            <a:r>
+              <a:rPr lang="pt-BR" sz="2000" b="1" dirty="0">
+                <a:solidFill>
+                  <a:schemeClr val="tx1"/>
+                </a:solidFill>
+                <a:latin typeface="Times New Roman" panose="02020603050405020304" pitchFamily="18" charset="0"/>
+                <a:cs typeface="Times New Roman" panose="02020603050405020304" pitchFamily="18" charset="0"/>
+              </a:rPr>
+              <a:t>'</a:t>
+            </a:r>
+            <a:r>
+              <a:rPr lang="pt-BR" sz="2000" b="1" dirty="0" err="1">
                 <a:solidFill>
                   <a:schemeClr val="tx1"/>
                 </a:solidFill>
@@ -16452,32 +17038,52 @@
               <a:t>success</a:t>
             </a:r>
             <a:r>
-              <a:rPr lang="pt-BR" sz="2400" dirty="0">
-                <a:solidFill>
-                  <a:schemeClr val="tx1"/>
-                </a:solidFill>
-                <a:latin typeface="Times New Roman" panose="02020603050405020304" pitchFamily="18" charset="0"/>
-                <a:cs typeface="Times New Roman" panose="02020603050405020304" pitchFamily="18" charset="0"/>
-              </a:rPr>
-              <a:t>'){</a:t>
-            </a:r>
-          </a:p>
-          <a:p>
-            <a:pPr marL="0" indent="0" algn="just">
-              <a:buNone/>
-            </a:pPr>
-            <a:r>
-              <a:rPr lang="pt-BR" sz="2400" dirty="0">
-                <a:solidFill>
-                  <a:schemeClr val="tx1"/>
-                </a:solidFill>
-                <a:latin typeface="Times New Roman" panose="02020603050405020304" pitchFamily="18" charset="0"/>
-                <a:cs typeface="Times New Roman" panose="02020603050405020304" pitchFamily="18" charset="0"/>
-              </a:rPr>
-              <a:t>              $('#</a:t>
-            </a:r>
-            <a:r>
-              <a:rPr lang="pt-BR" sz="2400" dirty="0" err="1">
+              <a:rPr lang="pt-BR" sz="2000" dirty="0">
+                <a:solidFill>
+                  <a:schemeClr val="tx1"/>
+                </a:solidFill>
+                <a:latin typeface="Times New Roman" panose="02020603050405020304" pitchFamily="18" charset="0"/>
+                <a:cs typeface="Times New Roman" panose="02020603050405020304" pitchFamily="18" charset="0"/>
+              </a:rPr>
+              <a:t>’){		// </a:t>
+            </a:r>
+            <a:r>
+              <a:rPr lang="pt-BR" sz="2000" b="1" dirty="0" err="1">
+                <a:solidFill>
+                  <a:schemeClr val="tx1"/>
+                </a:solidFill>
+                <a:latin typeface="Times New Roman" panose="02020603050405020304" pitchFamily="18" charset="0"/>
+                <a:cs typeface="Times New Roman" panose="02020603050405020304" pitchFamily="18" charset="0"/>
+              </a:rPr>
+              <a:t>alert</a:t>
+            </a:r>
+            <a:r>
+              <a:rPr lang="pt-BR" sz="2000" dirty="0">
+                <a:solidFill>
+                  <a:schemeClr val="tx1"/>
+                </a:solidFill>
+                <a:latin typeface="Times New Roman" panose="02020603050405020304" pitchFamily="18" charset="0"/>
+                <a:cs typeface="Times New Roman" panose="02020603050405020304" pitchFamily="18" charset="0"/>
+              </a:rPr>
+              <a:t>(status);	</a:t>
+            </a:r>
+          </a:p>
+          <a:p>
+            <a:pPr marL="0" indent="0" algn="just">
+              <a:buNone/>
+            </a:pPr>
+            <a:r>
+              <a:rPr lang="pt-BR" sz="2000" dirty="0">
+                <a:solidFill>
+                  <a:schemeClr val="tx1"/>
+                </a:solidFill>
+                <a:latin typeface="Times New Roman" panose="02020603050405020304" pitchFamily="18" charset="0"/>
+                <a:cs typeface="Times New Roman" panose="02020603050405020304" pitchFamily="18" charset="0"/>
+              </a:rPr>
+              <a:t>              		$('#</a:t>
+            </a:r>
+            <a:r>
+              <a:rPr lang="pt-BR" sz="2000" dirty="0" err="1">
                 <a:solidFill>
                   <a:schemeClr val="tx1"/>
                 </a:solidFill>
@@ -16487,7 +17093,7 @@
               <a:t>inputCidade</a:t>
             </a:r>
             <a:r>
-              <a:rPr lang="pt-BR" sz="2400" dirty="0">
+              <a:rPr lang="pt-BR" sz="2000" dirty="0">
                 <a:solidFill>
                   <a:schemeClr val="tx1"/>
                 </a:solidFill>
@@ -16497,7 +17103,7 @@
               <a:t>').</a:t>
             </a:r>
             <a:r>
-              <a:rPr lang="pt-BR" sz="2400" b="1" dirty="0" err="1">
+              <a:rPr lang="pt-BR" sz="2000" b="1" dirty="0" err="1">
                 <a:solidFill>
                   <a:srgbClr val="FF0000"/>
                 </a:solidFill>
@@ -16507,7 +17113,7 @@
               <a:t>val</a:t>
             </a:r>
             <a:r>
-              <a:rPr lang="pt-BR" sz="2400" dirty="0">
+              <a:rPr lang="pt-BR" sz="2000" dirty="0">
                 <a:solidFill>
                   <a:schemeClr val="tx1"/>
                 </a:solidFill>
@@ -16517,7 +17123,7 @@
               <a:t>(</a:t>
             </a:r>
             <a:r>
-              <a:rPr lang="pt-BR" sz="2400" dirty="0" err="1">
+              <a:rPr lang="pt-BR" sz="2000" dirty="0" err="1">
                 <a:solidFill>
                   <a:schemeClr val="tx1"/>
                 </a:solidFill>
@@ -16527,7 +17133,7 @@
               <a:t>dadosCEP.localidade</a:t>
             </a:r>
             <a:r>
-              <a:rPr lang="pt-BR" sz="2400" dirty="0">
+              <a:rPr lang="pt-BR" sz="2000" dirty="0">
                 <a:solidFill>
                   <a:schemeClr val="tx1"/>
                 </a:solidFill>
@@ -16542,17 +17148,17 @@
               <a:buNone/>
             </a:pPr>
             <a:r>
-              <a:rPr lang="pt-BR" sz="2400" dirty="0">
-                <a:solidFill>
-                  <a:schemeClr val="tx1"/>
-                </a:solidFill>
-                <a:latin typeface="Times New Roman" panose="02020603050405020304" pitchFamily="18" charset="0"/>
-                <a:cs typeface="Times New Roman" panose="02020603050405020304" pitchFamily="18" charset="0"/>
-              </a:rPr>
-              <a:t>              $('#</a:t>
-            </a:r>
-            <a:r>
-              <a:rPr lang="pt-BR" sz="2400" dirty="0" err="1">
+              <a:rPr lang="pt-BR" sz="2000" dirty="0">
+                <a:solidFill>
+                  <a:schemeClr val="tx1"/>
+                </a:solidFill>
+                <a:latin typeface="Times New Roman" panose="02020603050405020304" pitchFamily="18" charset="0"/>
+                <a:cs typeface="Times New Roman" panose="02020603050405020304" pitchFamily="18" charset="0"/>
+              </a:rPr>
+              <a:t>              		$('#</a:t>
+            </a:r>
+            <a:r>
+              <a:rPr lang="pt-BR" sz="2000" dirty="0" err="1">
                 <a:solidFill>
                   <a:schemeClr val="tx1"/>
                 </a:solidFill>
@@ -16562,7 +17168,7 @@
               <a:t>inputUF</a:t>
             </a:r>
             <a:r>
-              <a:rPr lang="pt-BR" sz="2400" dirty="0">
+              <a:rPr lang="pt-BR" sz="2000" dirty="0">
                 <a:solidFill>
                   <a:schemeClr val="tx1"/>
                 </a:solidFill>
@@ -16572,7 +17178,7 @@
               <a:t>').</a:t>
             </a:r>
             <a:r>
-              <a:rPr lang="pt-BR" sz="2400" b="1" dirty="0" err="1">
+              <a:rPr lang="pt-BR" sz="2000" b="1" dirty="0" err="1">
                 <a:solidFill>
                   <a:srgbClr val="FF0000"/>
                 </a:solidFill>
@@ -16582,7 +17188,7 @@
               <a:t>val</a:t>
             </a:r>
             <a:r>
-              <a:rPr lang="pt-BR" sz="2400" dirty="0">
+              <a:rPr lang="pt-BR" sz="2000" dirty="0">
                 <a:solidFill>
                   <a:schemeClr val="tx1"/>
                 </a:solidFill>
@@ -16592,7 +17198,7 @@
               <a:t>(</a:t>
             </a:r>
             <a:r>
-              <a:rPr lang="pt-BR" sz="2400" dirty="0" err="1">
+              <a:rPr lang="pt-BR" sz="2000" dirty="0" err="1">
                 <a:solidFill>
                   <a:schemeClr val="tx1"/>
                 </a:solidFill>
@@ -16602,7 +17208,7 @@
               <a:t>dadosCEP.uf</a:t>
             </a:r>
             <a:r>
-              <a:rPr lang="pt-BR" sz="2400" dirty="0">
+              <a:rPr lang="pt-BR" sz="2000" dirty="0">
                 <a:solidFill>
                   <a:schemeClr val="tx1"/>
                 </a:solidFill>
@@ -16617,17 +17223,17 @@
               <a:buNone/>
             </a:pPr>
             <a:r>
-              <a:rPr lang="pt-BR" sz="2400" dirty="0">
-                <a:solidFill>
-                  <a:schemeClr val="tx1"/>
-                </a:solidFill>
-                <a:latin typeface="Times New Roman" panose="02020603050405020304" pitchFamily="18" charset="0"/>
-                <a:cs typeface="Times New Roman" panose="02020603050405020304" pitchFamily="18" charset="0"/>
-              </a:rPr>
-              <a:t>              $('#</a:t>
-            </a:r>
-            <a:r>
-              <a:rPr lang="pt-BR" sz="2400" dirty="0" err="1">
+              <a:rPr lang="pt-BR" sz="2000" dirty="0">
+                <a:solidFill>
+                  <a:schemeClr val="tx1"/>
+                </a:solidFill>
+                <a:latin typeface="Times New Roman" panose="02020603050405020304" pitchFamily="18" charset="0"/>
+                <a:cs typeface="Times New Roman" panose="02020603050405020304" pitchFamily="18" charset="0"/>
+              </a:rPr>
+              <a:t>              		$('#</a:t>
+            </a:r>
+            <a:r>
+              <a:rPr lang="pt-BR" sz="2000" dirty="0" err="1">
                 <a:solidFill>
                   <a:schemeClr val="tx1"/>
                 </a:solidFill>
@@ -16637,7 +17243,7 @@
               <a:t>inputLogradouro</a:t>
             </a:r>
             <a:r>
-              <a:rPr lang="pt-BR" sz="2400" dirty="0">
+              <a:rPr lang="pt-BR" sz="2000" dirty="0">
                 <a:solidFill>
                   <a:schemeClr val="tx1"/>
                 </a:solidFill>
@@ -16647,7 +17253,7 @@
               <a:t>').</a:t>
             </a:r>
             <a:r>
-              <a:rPr lang="pt-BR" sz="2400" b="1" dirty="0" err="1">
+              <a:rPr lang="pt-BR" sz="2000" b="1" dirty="0" err="1">
                 <a:solidFill>
                   <a:srgbClr val="FF0000"/>
                 </a:solidFill>
@@ -16657,7 +17263,7 @@
               <a:t>val</a:t>
             </a:r>
             <a:r>
-              <a:rPr lang="pt-BR" sz="2400" dirty="0">
+              <a:rPr lang="pt-BR" sz="2000" dirty="0">
                 <a:solidFill>
                   <a:schemeClr val="tx1"/>
                 </a:solidFill>
@@ -16667,7 +17273,7 @@
               <a:t>(</a:t>
             </a:r>
             <a:r>
-              <a:rPr lang="pt-BR" sz="2400" dirty="0" err="1">
+              <a:rPr lang="pt-BR" sz="2000" dirty="0" err="1">
                 <a:solidFill>
                   <a:schemeClr val="tx1"/>
                 </a:solidFill>
@@ -16677,7 +17283,7 @@
               <a:t>dadosCEP.logradouro</a:t>
             </a:r>
             <a:r>
-              <a:rPr lang="pt-BR" sz="2400" dirty="0">
+              <a:rPr lang="pt-BR" sz="2000" dirty="0">
                 <a:solidFill>
                   <a:schemeClr val="tx1"/>
                 </a:solidFill>
@@ -16692,17 +17298,17 @@
               <a:buNone/>
             </a:pPr>
             <a:r>
-              <a:rPr lang="pt-BR" sz="2400" dirty="0">
-                <a:solidFill>
-                  <a:schemeClr val="tx1"/>
-                </a:solidFill>
-                <a:latin typeface="Times New Roman" panose="02020603050405020304" pitchFamily="18" charset="0"/>
-                <a:cs typeface="Times New Roman" panose="02020603050405020304" pitchFamily="18" charset="0"/>
-              </a:rPr>
-              <a:t>              $('#</a:t>
-            </a:r>
-            <a:r>
-              <a:rPr lang="pt-BR" sz="2400" dirty="0" err="1">
+              <a:rPr lang="pt-BR" sz="2000" dirty="0">
+                <a:solidFill>
+                  <a:schemeClr val="tx1"/>
+                </a:solidFill>
+                <a:latin typeface="Times New Roman" panose="02020603050405020304" pitchFamily="18" charset="0"/>
+                <a:cs typeface="Times New Roman" panose="02020603050405020304" pitchFamily="18" charset="0"/>
+              </a:rPr>
+              <a:t>              		$('#</a:t>
+            </a:r>
+            <a:r>
+              <a:rPr lang="pt-BR" sz="2000" dirty="0" err="1">
                 <a:solidFill>
                   <a:schemeClr val="tx1"/>
                 </a:solidFill>
@@ -16712,7 +17318,7 @@
               <a:t>inputBairro</a:t>
             </a:r>
             <a:r>
-              <a:rPr lang="pt-BR" sz="2400" dirty="0">
+              <a:rPr lang="pt-BR" sz="2000" dirty="0">
                 <a:solidFill>
                   <a:schemeClr val="tx1"/>
                 </a:solidFill>
@@ -16722,7 +17328,7 @@
               <a:t>').</a:t>
             </a:r>
             <a:r>
-              <a:rPr lang="pt-BR" sz="2400" b="1" dirty="0" err="1">
+              <a:rPr lang="pt-BR" sz="2000" b="1" dirty="0" err="1">
                 <a:solidFill>
                   <a:srgbClr val="FF0000"/>
                 </a:solidFill>
@@ -16732,7 +17338,7 @@
               <a:t>val</a:t>
             </a:r>
             <a:r>
-              <a:rPr lang="pt-BR" sz="2400" dirty="0">
+              <a:rPr lang="pt-BR" sz="2000" dirty="0">
                 <a:solidFill>
                   <a:schemeClr val="tx1"/>
                 </a:solidFill>
@@ -16742,7 +17348,7 @@
               <a:t>(</a:t>
             </a:r>
             <a:r>
-              <a:rPr lang="pt-BR" sz="2400" dirty="0" err="1">
+              <a:rPr lang="pt-BR" sz="2000" dirty="0" err="1">
                 <a:solidFill>
                   <a:schemeClr val="tx1"/>
                 </a:solidFill>
@@ -16752,7 +17358,7 @@
               <a:t>dadosCEP.bairro</a:t>
             </a:r>
             <a:r>
-              <a:rPr lang="pt-BR" sz="2400" dirty="0">
+              <a:rPr lang="pt-BR" sz="2000" dirty="0">
                 <a:solidFill>
                   <a:schemeClr val="tx1"/>
                 </a:solidFill>
@@ -16767,32 +17373,32 @@
               <a:buNone/>
             </a:pPr>
             <a:r>
-              <a:rPr lang="pt-BR" sz="2400" dirty="0">
-                <a:solidFill>
-                  <a:schemeClr val="tx1"/>
-                </a:solidFill>
-                <a:latin typeface="Times New Roman" panose="02020603050405020304" pitchFamily="18" charset="0"/>
-                <a:cs typeface="Times New Roman" panose="02020603050405020304" pitchFamily="18" charset="0"/>
-              </a:rPr>
-              <a:t>            }</a:t>
-            </a:r>
-          </a:p>
-          <a:p>
-            <a:pPr marL="0" indent="0" algn="just">
-              <a:buNone/>
-            </a:pPr>
-            <a:r>
-              <a:rPr lang="pt-BR" sz="2400" b="1" dirty="0">
-                <a:solidFill>
-                  <a:schemeClr val="tx1"/>
-                </a:solidFill>
-                <a:latin typeface="Times New Roman" panose="02020603050405020304" pitchFamily="18" charset="0"/>
-                <a:cs typeface="Times New Roman" panose="02020603050405020304" pitchFamily="18" charset="0"/>
-              </a:rPr>
-              <a:t>     </a:t>
-            </a:r>
-            <a:r>
-              <a:rPr lang="pt-BR" sz="2400" b="1" dirty="0" err="1">
+              <a:rPr lang="pt-BR" sz="2000" dirty="0">
+                <a:solidFill>
+                  <a:schemeClr val="tx1"/>
+                </a:solidFill>
+                <a:latin typeface="Times New Roman" panose="02020603050405020304" pitchFamily="18" charset="0"/>
+                <a:cs typeface="Times New Roman" panose="02020603050405020304" pitchFamily="18" charset="0"/>
+              </a:rPr>
+              <a:t>            	}</a:t>
+            </a:r>
+          </a:p>
+          <a:p>
+            <a:pPr marL="0" indent="0" algn="just">
+              <a:buNone/>
+            </a:pPr>
+            <a:r>
+              <a:rPr lang="pt-BR" sz="2000" b="1" dirty="0">
+                <a:solidFill>
+                  <a:schemeClr val="tx1"/>
+                </a:solidFill>
+                <a:latin typeface="Times New Roman" panose="02020603050405020304" pitchFamily="18" charset="0"/>
+                <a:cs typeface="Times New Roman" panose="02020603050405020304" pitchFamily="18" charset="0"/>
+              </a:rPr>
+              <a:t>       		</a:t>
+            </a:r>
+            <a:r>
+              <a:rPr lang="pt-BR" sz="2000" b="1" dirty="0" err="1">
                 <a:solidFill>
                   <a:schemeClr val="tx1"/>
                 </a:solidFill>
@@ -16802,7 +17408,7 @@
               <a:t>else</a:t>
             </a:r>
             <a:r>
-              <a:rPr lang="pt-BR" sz="2400" dirty="0">
+              <a:rPr lang="pt-BR" sz="2000" dirty="0">
                 <a:solidFill>
                   <a:schemeClr val="tx1"/>
                 </a:solidFill>
@@ -16812,7 +17418,7 @@
               <a:t> { </a:t>
             </a:r>
             <a:r>
-              <a:rPr lang="pt-BR" sz="2400" b="1" dirty="0" err="1">
+              <a:rPr lang="pt-BR" sz="2000" b="1" dirty="0" err="1">
                 <a:solidFill>
                   <a:schemeClr val="tx1"/>
                 </a:solidFill>
@@ -16822,22 +17428,97 @@
               <a:t>alert</a:t>
             </a:r>
             <a:r>
-              <a:rPr lang="pt-BR" sz="2400" dirty="0">
-                <a:solidFill>
-                  <a:schemeClr val="tx1"/>
-                </a:solidFill>
-                <a:latin typeface="Times New Roman" panose="02020603050405020304" pitchFamily="18" charset="0"/>
-                <a:cs typeface="Times New Roman" panose="02020603050405020304" pitchFamily="18" charset="0"/>
-              </a:rPr>
-              <a:t>('Erro na requisição!!!’); }</a:t>
-            </a:r>
-          </a:p>
-          <a:p>
-            <a:pPr marL="0" indent="0" algn="just">
-              <a:buNone/>
-            </a:pPr>
-            <a:r>
-              <a:rPr lang="pt-BR" sz="2400" dirty="0">
+              <a:rPr lang="pt-BR" sz="2000" dirty="0">
+                <a:solidFill>
+                  <a:schemeClr val="tx1"/>
+                </a:solidFill>
+                <a:latin typeface="Times New Roman" panose="02020603050405020304" pitchFamily="18" charset="0"/>
+                <a:cs typeface="Times New Roman" panose="02020603050405020304" pitchFamily="18" charset="0"/>
+              </a:rPr>
+              <a:t>('Erro na requisição!!!’); } </a:t>
+            </a:r>
+          </a:p>
+          <a:p>
+            <a:pPr marL="0" indent="0" algn="just">
+              <a:buNone/>
+            </a:pPr>
+            <a:r>
+              <a:rPr lang="pt-BR" sz="2000" dirty="0">
+                <a:solidFill>
+                  <a:schemeClr val="tx1"/>
+                </a:solidFill>
+                <a:latin typeface="Times New Roman" panose="02020603050405020304" pitchFamily="18" charset="0"/>
+                <a:cs typeface="Times New Roman" panose="02020603050405020304" pitchFamily="18" charset="0"/>
+              </a:rPr>
+              <a:t>	});  // </a:t>
+            </a:r>
+            <a:r>
+              <a:rPr lang="pt-BR" sz="2000" b="1" dirty="0">
+                <a:solidFill>
+                  <a:srgbClr val="FF0000"/>
+                </a:solidFill>
+                <a:latin typeface="Times New Roman" panose="02020603050405020304" pitchFamily="18" charset="0"/>
+                <a:cs typeface="Times New Roman" panose="02020603050405020304" pitchFamily="18" charset="0"/>
+              </a:rPr>
+              <a:t>Fim</a:t>
+            </a:r>
+            <a:r>
+              <a:rPr lang="pt-BR" sz="2000" dirty="0">
+                <a:solidFill>
+                  <a:srgbClr val="FF0000"/>
+                </a:solidFill>
+                <a:latin typeface="Times New Roman" panose="02020603050405020304" pitchFamily="18" charset="0"/>
+                <a:cs typeface="Times New Roman" panose="02020603050405020304" pitchFamily="18" charset="0"/>
+              </a:rPr>
+              <a:t> </a:t>
+            </a:r>
+            <a:r>
+              <a:rPr lang="pt-BR" sz="2000" b="1" dirty="0">
+                <a:solidFill>
+                  <a:srgbClr val="FF0000"/>
+                </a:solidFill>
+                <a:latin typeface="Times New Roman" panose="02020603050405020304" pitchFamily="18" charset="0"/>
+                <a:cs typeface="Times New Roman" panose="02020603050405020304" pitchFamily="18" charset="0"/>
+              </a:rPr>
+              <a:t>click</a:t>
+            </a:r>
+            <a:r>
+              <a:rPr lang="pt-BR" sz="2000" dirty="0">
+                <a:solidFill>
+                  <a:schemeClr val="tx1"/>
+                </a:solidFill>
+                <a:latin typeface="Times New Roman" panose="02020603050405020304" pitchFamily="18" charset="0"/>
+                <a:cs typeface="Times New Roman" panose="02020603050405020304" pitchFamily="18" charset="0"/>
+              </a:rPr>
+              <a:t>( </a:t>
+            </a:r>
+            <a:r>
+              <a:rPr lang="pt-BR" sz="2000" b="1" dirty="0" err="1">
+                <a:solidFill>
+                  <a:schemeClr val="tx1"/>
+                </a:solidFill>
+                <a:latin typeface="Times New Roman" panose="02020603050405020304" pitchFamily="18" charset="0"/>
+                <a:cs typeface="Times New Roman" panose="02020603050405020304" pitchFamily="18" charset="0"/>
+              </a:rPr>
+              <a:t>function</a:t>
+            </a:r>
+            <a:r>
+              <a:rPr lang="pt-BR" sz="2000" dirty="0">
+                <a:solidFill>
+                  <a:schemeClr val="tx1"/>
+                </a:solidFill>
+                <a:latin typeface="Times New Roman" panose="02020603050405020304" pitchFamily="18" charset="0"/>
+                <a:cs typeface="Times New Roman" panose="02020603050405020304" pitchFamily="18" charset="0"/>
+              </a:rPr>
+              <a:t> ()</a:t>
+            </a:r>
+          </a:p>
+          <a:p>
+            <a:pPr marL="0" indent="0" algn="just">
+              <a:buNone/>
+            </a:pPr>
+            <a:r>
+              <a:rPr lang="pt-BR" sz="2000" dirty="0">
                 <a:solidFill>
                   <a:schemeClr val="tx1"/>
                 </a:solidFill>
@@ -16847,9 +17528,9 @@
               <a:t>});   // </a:t>
             </a:r>
             <a:r>
-              <a:rPr lang="pt-BR" sz="2400" b="1" dirty="0">
-                <a:solidFill>
-                  <a:schemeClr val="tx1"/>
+              <a:rPr lang="pt-BR" sz="2000" b="1" dirty="0">
+                <a:solidFill>
+                  <a:srgbClr val="FF0000"/>
                 </a:solidFill>
                 <a:latin typeface="Times New Roman" panose="02020603050405020304" pitchFamily="18" charset="0"/>
                 <a:cs typeface="Times New Roman" panose="02020603050405020304" pitchFamily="18" charset="0"/>
@@ -16857,9 +17538,9 @@
               <a:t>Fim</a:t>
             </a:r>
             <a:r>
-              <a:rPr lang="pt-BR" sz="2400" dirty="0">
-                <a:solidFill>
-                  <a:schemeClr val="tx1"/>
+              <a:rPr lang="pt-BR" sz="2000" dirty="0">
+                <a:solidFill>
+                  <a:srgbClr val="FF0000"/>
                 </a:solidFill>
                 <a:latin typeface="Times New Roman" panose="02020603050405020304" pitchFamily="18" charset="0"/>
                 <a:cs typeface="Times New Roman" panose="02020603050405020304" pitchFamily="18" charset="0"/>
@@ -16867,9 +17548,9 @@
               <a:t> do $(</a:t>
             </a:r>
             <a:r>
-              <a:rPr lang="pt-BR" sz="2400" b="1" dirty="0" err="1">
-                <a:solidFill>
-                  <a:schemeClr val="tx1"/>
+              <a:rPr lang="pt-BR" sz="2000" b="1" dirty="0" err="1">
+                <a:solidFill>
+                  <a:srgbClr val="FF0000"/>
                 </a:solidFill>
                 <a:latin typeface="Times New Roman" panose="02020603050405020304" pitchFamily="18" charset="0"/>
                 <a:cs typeface="Times New Roman" panose="02020603050405020304" pitchFamily="18" charset="0"/>
@@ -16877,15 +17558,34 @@
               <a:t>document</a:t>
             </a:r>
             <a:r>
-              <a:rPr lang="pt-BR" sz="2400" dirty="0">
-                <a:solidFill>
-                  <a:schemeClr val="tx1"/>
-                </a:solidFill>
-                <a:latin typeface="Times New Roman" panose="02020603050405020304" pitchFamily="18" charset="0"/>
-                <a:cs typeface="Times New Roman" panose="02020603050405020304" pitchFamily="18" charset="0"/>
-              </a:rPr>
-              <a:t>)...</a:t>
-            </a:r>
+              <a:rPr lang="pt-BR" sz="2000" dirty="0">
+                <a:solidFill>
+                  <a:srgbClr val="FF0000"/>
+                </a:solidFill>
+                <a:latin typeface="Times New Roman" panose="02020603050405020304" pitchFamily="18" charset="0"/>
+                <a:cs typeface="Times New Roman" panose="02020603050405020304" pitchFamily="18" charset="0"/>
+              </a:rPr>
+              <a:t>)</a:t>
+            </a:r>
+            <a:endParaRPr lang="pt-BR" sz="2000" dirty="0">
+              <a:solidFill>
+                <a:schemeClr val="tx1"/>
+              </a:solidFill>
+              <a:latin typeface="Times New Roman" panose="02020603050405020304" pitchFamily="18" charset="0"/>
+              <a:cs typeface="Times New Roman" panose="02020603050405020304" pitchFamily="18" charset="0"/>
+            </a:endParaRPr>
+          </a:p>
+          <a:p>
+            <a:pPr marL="0" indent="0" algn="just">
+              <a:buNone/>
+            </a:pPr>
+            <a:endParaRPr lang="pt-BR" sz="2000" dirty="0">
+              <a:solidFill>
+                <a:schemeClr val="tx1"/>
+              </a:solidFill>
+              <a:latin typeface="Times New Roman" panose="02020603050405020304" pitchFamily="18" charset="0"/>
+              <a:cs typeface="Times New Roman" panose="02020603050405020304" pitchFamily="18" charset="0"/>
+            </a:endParaRPr>
           </a:p>
         </p:txBody>
       </p:sp>
@@ -17087,6 +17787,61 @@
               <a:t>(</a:t>
             </a:r>
             <a:r>
+              <a:rPr lang="pt-BR" sz="2400" b="1" dirty="0" err="1">
+                <a:solidFill>
+                  <a:schemeClr val="tx1"/>
+                </a:solidFill>
+                <a:latin typeface="Times New Roman" panose="02020603050405020304" pitchFamily="18" charset="0"/>
+                <a:cs typeface="Times New Roman" panose="02020603050405020304" pitchFamily="18" charset="0"/>
+              </a:rPr>
+              <a:t>function</a:t>
+            </a:r>
+            <a:r>
+              <a:rPr lang="pt-BR" sz="2400" dirty="0">
+                <a:solidFill>
+                  <a:schemeClr val="tx1"/>
+                </a:solidFill>
+                <a:latin typeface="Times New Roman" panose="02020603050405020304" pitchFamily="18" charset="0"/>
+                <a:cs typeface="Times New Roman" panose="02020603050405020304" pitchFamily="18" charset="0"/>
+              </a:rPr>
+              <a:t> () {</a:t>
+            </a:r>
+          </a:p>
+          <a:p>
+            <a:pPr marL="0" indent="0" algn="just">
+              <a:buNone/>
+            </a:pPr>
+            <a:r>
+              <a:rPr lang="pt-BR" sz="2400" dirty="0">
+                <a:solidFill>
+                  <a:schemeClr val="tx1"/>
+                </a:solidFill>
+                <a:latin typeface="Times New Roman" panose="02020603050405020304" pitchFamily="18" charset="0"/>
+                <a:cs typeface="Times New Roman" panose="02020603050405020304" pitchFamily="18" charset="0"/>
+              </a:rPr>
+              <a:t>          // $.</a:t>
+            </a:r>
+            <a:r>
+              <a:rPr lang="pt-BR" sz="2400" b="1" dirty="0">
+                <a:solidFill>
+                  <a:srgbClr val="FF0000"/>
+                </a:solidFill>
+                <a:latin typeface="Times New Roman" panose="02020603050405020304" pitchFamily="18" charset="0"/>
+                <a:cs typeface="Times New Roman" panose="02020603050405020304" pitchFamily="18" charset="0"/>
+              </a:rPr>
+              <a:t>post</a:t>
+            </a:r>
+            <a:r>
+              <a:rPr lang="pt-BR" sz="2400" dirty="0">
+                <a:solidFill>
+                  <a:schemeClr val="tx1"/>
+                </a:solidFill>
+                <a:latin typeface="Times New Roman" panose="02020603050405020304" pitchFamily="18" charset="0"/>
+                <a:cs typeface="Times New Roman" panose="02020603050405020304" pitchFamily="18" charset="0"/>
+              </a:rPr>
+              <a:t>(</a:t>
+            </a:r>
+            <a:r>
               <a:rPr lang="pt-BR" sz="2400" dirty="0" err="1">
                 <a:solidFill>
                   <a:schemeClr val="tx1"/>
@@ -17094,6 +17849,76 @@
                 <a:latin typeface="Times New Roman" panose="02020603050405020304" pitchFamily="18" charset="0"/>
                 <a:cs typeface="Times New Roman" panose="02020603050405020304" pitchFamily="18" charset="0"/>
               </a:rPr>
+              <a:t>url</a:t>
+            </a:r>
+            <a:r>
+              <a:rPr lang="pt-BR" sz="2400" dirty="0">
+                <a:solidFill>
+                  <a:schemeClr val="tx1"/>
+                </a:solidFill>
+                <a:latin typeface="Times New Roman" panose="02020603050405020304" pitchFamily="18" charset="0"/>
+                <a:cs typeface="Times New Roman" panose="02020603050405020304" pitchFamily="18" charset="0"/>
+              </a:rPr>
+              <a:t>, {</a:t>
+            </a:r>
+            <a:r>
+              <a:rPr lang="pt-BR" sz="2400" b="1" dirty="0" err="1">
+                <a:solidFill>
+                  <a:schemeClr val="tx1"/>
+                </a:solidFill>
+                <a:latin typeface="Times New Roman" panose="02020603050405020304" pitchFamily="18" charset="0"/>
+                <a:cs typeface="Times New Roman" panose="02020603050405020304" pitchFamily="18" charset="0"/>
+              </a:rPr>
+              <a:t>nome</a:t>
+            </a:r>
+            <a:r>
+              <a:rPr lang="pt-BR" sz="2400" dirty="0" err="1">
+                <a:solidFill>
+                  <a:schemeClr val="tx1"/>
+                </a:solidFill>
+                <a:latin typeface="Times New Roman" panose="02020603050405020304" pitchFamily="18" charset="0"/>
+                <a:cs typeface="Times New Roman" panose="02020603050405020304" pitchFamily="18" charset="0"/>
+              </a:rPr>
+              <a:t>:"fulano</a:t>
+            </a:r>
+            <a:r>
+              <a:rPr lang="pt-BR" sz="2400" dirty="0">
+                <a:solidFill>
+                  <a:schemeClr val="tx1"/>
+                </a:solidFill>
+                <a:latin typeface="Times New Roman" panose="02020603050405020304" pitchFamily="18" charset="0"/>
+                <a:cs typeface="Times New Roman" panose="02020603050405020304" pitchFamily="18" charset="0"/>
+              </a:rPr>
+              <a:t> de tal", </a:t>
+            </a:r>
+            <a:r>
+              <a:rPr lang="pt-BR" sz="2400" b="1" dirty="0">
+                <a:solidFill>
+                  <a:schemeClr val="tx1"/>
+                </a:solidFill>
+                <a:latin typeface="Times New Roman" panose="02020603050405020304" pitchFamily="18" charset="0"/>
+                <a:cs typeface="Times New Roman" panose="02020603050405020304" pitchFamily="18" charset="0"/>
+              </a:rPr>
+              <a:t>idade</a:t>
+            </a:r>
+            <a:r>
+              <a:rPr lang="pt-BR" sz="2400" dirty="0">
+                <a:solidFill>
+                  <a:schemeClr val="tx1"/>
+                </a:solidFill>
+                <a:latin typeface="Times New Roman" panose="02020603050405020304" pitchFamily="18" charset="0"/>
+                <a:cs typeface="Times New Roman" panose="02020603050405020304" pitchFamily="18" charset="0"/>
+              </a:rPr>
+              <a:t>:21}, </a:t>
+            </a:r>
+            <a:r>
+              <a:rPr lang="pt-BR" sz="2400" b="1" dirty="0" err="1">
+                <a:solidFill>
+                  <a:srgbClr val="FF0000"/>
+                </a:solidFill>
+                <a:latin typeface="Times New Roman" panose="02020603050405020304" pitchFamily="18" charset="0"/>
+                <a:cs typeface="Times New Roman" panose="02020603050405020304" pitchFamily="18" charset="0"/>
+              </a:rPr>
               <a:t>function</a:t>
             </a:r>
             <a:r>
@@ -17104,132 +17929,57 @@
                 <a:latin typeface="Times New Roman" panose="02020603050405020304" pitchFamily="18" charset="0"/>
                 <a:cs typeface="Times New Roman" panose="02020603050405020304" pitchFamily="18" charset="0"/>
               </a:rPr>
-              <a:t> () {</a:t>
-            </a:r>
-          </a:p>
-          <a:p>
-            <a:pPr marL="0" indent="0" algn="just">
-              <a:buNone/>
-            </a:pPr>
-            <a:r>
-              <a:rPr lang="pt-BR" sz="2400" dirty="0">
-                <a:solidFill>
-                  <a:schemeClr val="tx1"/>
-                </a:solidFill>
-                <a:latin typeface="Times New Roman" panose="02020603050405020304" pitchFamily="18" charset="0"/>
-                <a:cs typeface="Times New Roman" panose="02020603050405020304" pitchFamily="18" charset="0"/>
-              </a:rPr>
-              <a:t>          // $.</a:t>
+              <a:t>(dados, status)</a:t>
+            </a:r>
+          </a:p>
+          <a:p>
+            <a:pPr marL="0" indent="0" algn="just">
+              <a:buNone/>
+            </a:pPr>
+            <a:r>
+              <a:rPr lang="pt-BR" sz="2400" dirty="0">
+                <a:solidFill>
+                  <a:schemeClr val="tx1"/>
+                </a:solidFill>
+                <a:latin typeface="Times New Roman" panose="02020603050405020304" pitchFamily="18" charset="0"/>
+                <a:cs typeface="Times New Roman" panose="02020603050405020304" pitchFamily="18" charset="0"/>
+              </a:rPr>
+              <a:t>          //  { </a:t>
             </a:r>
             <a:r>
               <a:rPr lang="pt-BR" sz="2400" b="1" dirty="0">
                 <a:solidFill>
-                  <a:srgbClr val="FF0000"/>
-                </a:solidFill>
-                <a:latin typeface="Times New Roman" panose="02020603050405020304" pitchFamily="18" charset="0"/>
-                <a:cs typeface="Times New Roman" panose="02020603050405020304" pitchFamily="18" charset="0"/>
-              </a:rPr>
-              <a:t>post</a:t>
-            </a:r>
-            <a:r>
-              <a:rPr lang="pt-BR" sz="2400" dirty="0">
-                <a:solidFill>
-                  <a:schemeClr val="tx1"/>
-                </a:solidFill>
-                <a:latin typeface="Times New Roman" panose="02020603050405020304" pitchFamily="18" charset="0"/>
-                <a:cs typeface="Times New Roman" panose="02020603050405020304" pitchFamily="18" charset="0"/>
-              </a:rPr>
-              <a:t>(</a:t>
-            </a:r>
-            <a:r>
-              <a:rPr lang="pt-BR" sz="2400" dirty="0" err="1">
-                <a:solidFill>
-                  <a:schemeClr val="tx1"/>
-                </a:solidFill>
-                <a:latin typeface="Times New Roman" panose="02020603050405020304" pitchFamily="18" charset="0"/>
-                <a:cs typeface="Times New Roman" panose="02020603050405020304" pitchFamily="18" charset="0"/>
-              </a:rPr>
-              <a:t>url</a:t>
-            </a:r>
-            <a:r>
-              <a:rPr lang="pt-BR" sz="2400" dirty="0">
-                <a:solidFill>
-                  <a:schemeClr val="tx1"/>
-                </a:solidFill>
-                <a:latin typeface="Times New Roman" panose="02020603050405020304" pitchFamily="18" charset="0"/>
-                <a:cs typeface="Times New Roman" panose="02020603050405020304" pitchFamily="18" charset="0"/>
-              </a:rPr>
-              <a:t>, {</a:t>
-            </a:r>
-            <a:r>
-              <a:rPr lang="pt-BR" sz="2400" dirty="0" err="1">
-                <a:solidFill>
-                  <a:schemeClr val="tx1"/>
-                </a:solidFill>
-                <a:latin typeface="Times New Roman" panose="02020603050405020304" pitchFamily="18" charset="0"/>
-                <a:cs typeface="Times New Roman" panose="02020603050405020304" pitchFamily="18" charset="0"/>
-              </a:rPr>
-              <a:t>nome:"fulano</a:t>
-            </a:r>
-            <a:r>
-              <a:rPr lang="pt-BR" sz="2400" dirty="0">
-                <a:solidFill>
-                  <a:schemeClr val="tx1"/>
-                </a:solidFill>
-                <a:latin typeface="Times New Roman" panose="02020603050405020304" pitchFamily="18" charset="0"/>
-                <a:cs typeface="Times New Roman" panose="02020603050405020304" pitchFamily="18" charset="0"/>
-              </a:rPr>
-              <a:t> de tal", idade:21}, </a:t>
-            </a:r>
-            <a:r>
-              <a:rPr lang="pt-BR" sz="2400" b="1" dirty="0" err="1">
-                <a:solidFill>
-                  <a:schemeClr val="tx1"/>
-                </a:solidFill>
-                <a:latin typeface="Times New Roman" panose="02020603050405020304" pitchFamily="18" charset="0"/>
-                <a:cs typeface="Times New Roman" panose="02020603050405020304" pitchFamily="18" charset="0"/>
-              </a:rPr>
-              <a:t>function</a:t>
-            </a:r>
-            <a:r>
-              <a:rPr lang="pt-BR" sz="2400" dirty="0">
-                <a:solidFill>
-                  <a:schemeClr val="tx1"/>
-                </a:solidFill>
-                <a:latin typeface="Times New Roman" panose="02020603050405020304" pitchFamily="18" charset="0"/>
-                <a:cs typeface="Times New Roman" panose="02020603050405020304" pitchFamily="18" charset="0"/>
-              </a:rPr>
-              <a:t>(dados, status)</a:t>
-            </a:r>
-          </a:p>
-          <a:p>
-            <a:pPr marL="0" indent="0" algn="just">
-              <a:buNone/>
-            </a:pPr>
-            <a:r>
-              <a:rPr lang="pt-BR" sz="2400" dirty="0">
-                <a:solidFill>
-                  <a:schemeClr val="tx1"/>
-                </a:solidFill>
-                <a:latin typeface="Times New Roman" panose="02020603050405020304" pitchFamily="18" charset="0"/>
-                <a:cs typeface="Times New Roman" panose="02020603050405020304" pitchFamily="18" charset="0"/>
-              </a:rPr>
-              <a:t>          //   { corpo da função });</a:t>
-            </a:r>
-          </a:p>
-          <a:p>
-            <a:pPr marL="0" indent="0" algn="just">
-              <a:buNone/>
-            </a:pPr>
-            <a:r>
-              <a:rPr lang="pt-BR" sz="2400" dirty="0">
-                <a:solidFill>
-                  <a:schemeClr val="tx1"/>
-                </a:solidFill>
-                <a:latin typeface="Times New Roman" panose="02020603050405020304" pitchFamily="18" charset="0"/>
-                <a:cs typeface="Times New Roman" panose="02020603050405020304" pitchFamily="18" charset="0"/>
-              </a:rPr>
-              <a:t>	});</a:t>
+                  <a:schemeClr val="tx1"/>
+                </a:solidFill>
+                <a:latin typeface="Times New Roman" panose="02020603050405020304" pitchFamily="18" charset="0"/>
+                <a:cs typeface="Times New Roman" panose="02020603050405020304" pitchFamily="18" charset="0"/>
+              </a:rPr>
+              <a:t>corpo da função</a:t>
+            </a:r>
+            <a:r>
+              <a:rPr lang="pt-BR" sz="2400" dirty="0">
+                <a:solidFill>
+                  <a:schemeClr val="tx1"/>
+                </a:solidFill>
+                <a:latin typeface="Times New Roman" panose="02020603050405020304" pitchFamily="18" charset="0"/>
+                <a:cs typeface="Times New Roman" panose="02020603050405020304" pitchFamily="18" charset="0"/>
+              </a:rPr>
+              <a:t> });</a:t>
+            </a:r>
+          </a:p>
+          <a:p>
+            <a:pPr marL="0" indent="0" algn="just">
+              <a:buNone/>
+            </a:pPr>
+            <a:r>
+              <a:rPr lang="pt-BR" sz="2400" dirty="0">
+                <a:solidFill>
+                  <a:schemeClr val="tx1"/>
+                </a:solidFill>
+                <a:latin typeface="Times New Roman" panose="02020603050405020304" pitchFamily="18" charset="0"/>
+                <a:cs typeface="Times New Roman" panose="02020603050405020304" pitchFamily="18" charset="0"/>
+              </a:rPr>
+              <a:t>});</a:t>
             </a:r>
           </a:p>
         </p:txBody>
@@ -17552,7 +18302,47 @@
                 <a:latin typeface="Times New Roman" panose="02020603050405020304" pitchFamily="18" charset="0"/>
                 <a:cs typeface="Times New Roman" panose="02020603050405020304" pitchFamily="18" charset="0"/>
               </a:rPr>
-              <a:t>: 'GET ou POST',</a:t>
+              <a:t>: </a:t>
+            </a:r>
+            <a:r>
+              <a:rPr lang="pt-BR" sz="2400" b="1" dirty="0">
+                <a:solidFill>
+                  <a:srgbClr val="FF0000"/>
+                </a:solidFill>
+                <a:latin typeface="Times New Roman" panose="02020603050405020304" pitchFamily="18" charset="0"/>
+                <a:cs typeface="Times New Roman" panose="02020603050405020304" pitchFamily="18" charset="0"/>
+              </a:rPr>
+              <a:t>'GET</a:t>
+            </a:r>
+            <a:r>
+              <a:rPr lang="pt-BR" sz="2400" dirty="0">
+                <a:solidFill>
+                  <a:schemeClr val="tx1"/>
+                </a:solidFill>
+                <a:latin typeface="Times New Roman" panose="02020603050405020304" pitchFamily="18" charset="0"/>
+                <a:cs typeface="Times New Roman" panose="02020603050405020304" pitchFamily="18" charset="0"/>
+              </a:rPr>
+              <a:t> ou </a:t>
+            </a:r>
+            <a:r>
+              <a:rPr lang="pt-BR" sz="2400" b="1" dirty="0">
+                <a:solidFill>
+                  <a:srgbClr val="FF0000"/>
+                </a:solidFill>
+                <a:latin typeface="Times New Roman" panose="02020603050405020304" pitchFamily="18" charset="0"/>
+                <a:cs typeface="Times New Roman" panose="02020603050405020304" pitchFamily="18" charset="0"/>
+              </a:rPr>
+              <a:t>POST'</a:t>
+            </a:r>
+            <a:r>
+              <a:rPr lang="pt-BR" sz="2400" dirty="0">
+                <a:solidFill>
+                  <a:schemeClr val="tx1"/>
+                </a:solidFill>
+                <a:latin typeface="Times New Roman" panose="02020603050405020304" pitchFamily="18" charset="0"/>
+                <a:cs typeface="Times New Roman" panose="02020603050405020304" pitchFamily="18" charset="0"/>
+              </a:rPr>
+              <a:t>,</a:t>
             </a:r>
           </a:p>
           <a:p>
@@ -17607,7 +18397,27 @@
                 <a:latin typeface="Times New Roman" panose="02020603050405020304" pitchFamily="18" charset="0"/>
                 <a:cs typeface="Times New Roman" panose="02020603050405020304" pitchFamily="18" charset="0"/>
               </a:rPr>
-              <a:t>(dados, status){corpo da função},</a:t>
+              <a:t>(dados, status){</a:t>
+            </a:r>
+            <a:r>
+              <a:rPr lang="pt-BR" sz="2400" b="1" dirty="0">
+                <a:solidFill>
+                  <a:schemeClr val="tx1"/>
+                </a:solidFill>
+                <a:latin typeface="Times New Roman" panose="02020603050405020304" pitchFamily="18" charset="0"/>
+                <a:cs typeface="Times New Roman" panose="02020603050405020304" pitchFamily="18" charset="0"/>
+              </a:rPr>
+              <a:t>corpo da função</a:t>
+            </a:r>
+            <a:r>
+              <a:rPr lang="pt-BR" sz="2400" dirty="0">
+                <a:solidFill>
+                  <a:schemeClr val="tx1"/>
+                </a:solidFill>
+                <a:latin typeface="Times New Roman" panose="02020603050405020304" pitchFamily="18" charset="0"/>
+                <a:cs typeface="Times New Roman" panose="02020603050405020304" pitchFamily="18" charset="0"/>
+              </a:rPr>
+              <a:t>},</a:t>
             </a:r>
           </a:p>
           <a:p>
@@ -17662,7 +18472,27 @@
                 <a:latin typeface="Times New Roman" panose="02020603050405020304" pitchFamily="18" charset="0"/>
                 <a:cs typeface="Times New Roman" panose="02020603050405020304" pitchFamily="18" charset="0"/>
               </a:rPr>
-              <a:t>(){corpo da função}</a:t>
+              <a:t>(){</a:t>
+            </a:r>
+            <a:r>
+              <a:rPr lang="pt-BR" sz="2400" b="1" dirty="0">
+                <a:solidFill>
+                  <a:schemeClr val="tx1"/>
+                </a:solidFill>
+                <a:latin typeface="Times New Roman" panose="02020603050405020304" pitchFamily="18" charset="0"/>
+                <a:cs typeface="Times New Roman" panose="02020603050405020304" pitchFamily="18" charset="0"/>
+              </a:rPr>
+              <a:t>corpo da função</a:t>
+            </a:r>
+            <a:r>
+              <a:rPr lang="pt-BR" sz="2400" dirty="0">
+                <a:solidFill>
+                  <a:schemeClr val="tx1"/>
+                </a:solidFill>
+                <a:latin typeface="Times New Roman" panose="02020603050405020304" pitchFamily="18" charset="0"/>
+                <a:cs typeface="Times New Roman" panose="02020603050405020304" pitchFamily="18" charset="0"/>
+              </a:rPr>
+              <a:t>}</a:t>
             </a:r>
           </a:p>
           <a:p>
@@ -18082,9 +18912,9 @@
               <a:t>).</a:t>
             </a:r>
             <a:r>
-              <a:rPr lang="pt-BR" sz="2400" dirty="0" err="1">
-                <a:solidFill>
-                  <a:schemeClr val="tx1"/>
+              <a:rPr lang="pt-BR" sz="2400" b="1" dirty="0" err="1">
+                <a:solidFill>
+                  <a:srgbClr val="FF0000"/>
                 </a:solidFill>
                 <a:latin typeface="Times New Roman" panose="02020603050405020304" pitchFamily="18" charset="0"/>
                 <a:cs typeface="Times New Roman" panose="02020603050405020304" pitchFamily="18" charset="0"/>
@@ -18179,7 +19009,7 @@
             <a:r>
               <a:rPr lang="pt-BR" sz="2400" b="1" dirty="0" err="1">
                 <a:solidFill>
-                  <a:schemeClr val="tx1"/>
+                  <a:srgbClr val="FF0000"/>
                 </a:solidFill>
                 <a:latin typeface="Times New Roman" panose="02020603050405020304" pitchFamily="18" charset="0"/>
                 <a:cs typeface="Times New Roman" panose="02020603050405020304" pitchFamily="18" charset="0"/>
@@ -18197,7 +19027,7 @@
               <a:t>(</a:t>
             </a:r>
             <a:r>
-              <a:rPr lang="pt-BR" sz="2400" dirty="0" err="1">
+              <a:rPr lang="pt-BR" sz="2400" b="1" dirty="0" err="1">
                 <a:solidFill>
                   <a:schemeClr val="tx1"/>
                 </a:solidFill>
@@ -20775,6 +21605,36 @@
                 <a:cs typeface="Times New Roman" panose="02020603050405020304" pitchFamily="18" charset="0"/>
               </a:rPr>
               <a:t>JQuery</a:t>
+            </a:r>
+            <a:r>
+              <a:rPr lang="pt-BR" sz="2400" b="1" dirty="0">
+                <a:solidFill>
+                  <a:schemeClr val="tx1"/>
+                </a:solidFill>
+                <a:latin typeface="Times New Roman" panose="02020603050405020304" pitchFamily="18" charset="0"/>
+                <a:cs typeface="Times New Roman" panose="02020603050405020304" pitchFamily="18" charset="0"/>
+              </a:rPr>
+              <a:t> (</a:t>
+            </a:r>
+            <a:r>
+              <a:rPr lang="pt-BR" sz="2400" b="1" dirty="0">
+                <a:solidFill>
+                  <a:srgbClr val="FF0000"/>
+                </a:solidFill>
+                <a:latin typeface="Times New Roman" panose="02020603050405020304" pitchFamily="18" charset="0"/>
+                <a:cs typeface="Times New Roman" panose="02020603050405020304" pitchFamily="18" charset="0"/>
+              </a:rPr>
+              <a:t>Sintaxe</a:t>
+            </a:r>
+            <a:r>
+              <a:rPr lang="pt-BR" sz="2400" b="1" dirty="0">
+                <a:solidFill>
+                  <a:schemeClr val="tx1"/>
+                </a:solidFill>
+                <a:latin typeface="Times New Roman" panose="02020603050405020304" pitchFamily="18" charset="0"/>
+                <a:cs typeface="Times New Roman" panose="02020603050405020304" pitchFamily="18" charset="0"/>
+              </a:rPr>
+              <a:t>)</a:t>
             </a:r>
             <a:endParaRPr lang="pt-BR" sz="2400" dirty="0">
               <a:solidFill>
@@ -21676,7 +22536,27 @@
                 <a:latin typeface="Times New Roman" panose="02020603050405020304" pitchFamily="18" charset="0"/>
                 <a:cs typeface="Times New Roman" panose="02020603050405020304" pitchFamily="18" charset="0"/>
               </a:rPr>
-              <a:t>	$("p").</a:t>
+              <a:t>	$("</a:t>
+            </a:r>
+            <a:r>
+              <a:rPr lang="pt-BR" sz="2400" b="1" dirty="0">
+                <a:solidFill>
+                  <a:schemeClr val="tx1"/>
+                </a:solidFill>
+                <a:latin typeface="Times New Roman" panose="02020603050405020304" pitchFamily="18" charset="0"/>
+                <a:cs typeface="Times New Roman" panose="02020603050405020304" pitchFamily="18" charset="0"/>
+              </a:rPr>
+              <a:t>p</a:t>
+            </a:r>
+            <a:r>
+              <a:rPr lang="pt-BR" sz="2400" dirty="0">
+                <a:solidFill>
+                  <a:schemeClr val="tx1"/>
+                </a:solidFill>
+                <a:latin typeface="Times New Roman" panose="02020603050405020304" pitchFamily="18" charset="0"/>
+                <a:cs typeface="Times New Roman" panose="02020603050405020304" pitchFamily="18" charset="0"/>
+              </a:rPr>
+              <a:t>").</a:t>
             </a:r>
             <a:r>
               <a:rPr lang="pt-BR" sz="2400" b="1" dirty="0" err="1">
@@ -23580,7 +24460,7 @@
               <a:t>( </a:t>
             </a:r>
             <a:r>
-              <a:rPr lang="pt-BR" sz="2400" dirty="0" err="1">
+              <a:rPr lang="pt-BR" sz="2400" b="1" dirty="0" err="1">
                 <a:solidFill>
                   <a:schemeClr val="tx1"/>
                 </a:solidFill>

--- a/01 Classes/Aula 11 Desenvolvimento Web PHP - JQuery.pptx
+++ b/01 Classes/Aula 11 Desenvolvimento Web PHP - JQuery.pptx
@@ -6063,7 +6063,7 @@
                 <a:latin typeface="Times New Roman" panose="02020603050405020304" pitchFamily="18" charset="0"/>
                 <a:cs typeface="Times New Roman" panose="02020603050405020304" pitchFamily="18" charset="0"/>
               </a:rPr>
-              <a:t>          		$(‘</a:t>
+              <a:t>          		$('</a:t>
             </a:r>
             <a:r>
               <a:rPr lang="pt-BR" sz="2400" b="1" dirty="0">
@@ -6083,7 +6083,7 @@
                 <a:latin typeface="Times New Roman" panose="02020603050405020304" pitchFamily="18" charset="0"/>
                 <a:cs typeface="Times New Roman" panose="02020603050405020304" pitchFamily="18" charset="0"/>
               </a:rPr>
-              <a:t>’).</a:t>
+              <a:t>').</a:t>
             </a:r>
             <a:r>
               <a:rPr lang="pt-BR" sz="2400" b="1" dirty="0" err="1">
@@ -6528,7 +6528,7 @@
                 <a:latin typeface="Times New Roman" panose="02020603050405020304" pitchFamily="18" charset="0"/>
                 <a:cs typeface="Times New Roman" panose="02020603050405020304" pitchFamily="18" charset="0"/>
               </a:rPr>
-              <a:t>(“Texto alterado!!!");</a:t>
+              <a:t>("Texto alterado!!!");</a:t>
             </a:r>
           </a:p>
           <a:p>
@@ -7800,7 +7800,7 @@
                 <a:latin typeface="Times New Roman" panose="02020603050405020304" pitchFamily="18" charset="0"/>
                 <a:cs typeface="Times New Roman" panose="02020603050405020304" pitchFamily="18" charset="0"/>
               </a:rPr>
-              <a:t>          	   $(‘#</a:t>
+              <a:t>          	   $('#</a:t>
             </a:r>
             <a:r>
               <a:rPr lang="pt-BR" sz="2400" b="1" dirty="0">
@@ -7820,7 +7820,7 @@
                 <a:latin typeface="Times New Roman" panose="02020603050405020304" pitchFamily="18" charset="0"/>
                 <a:cs typeface="Times New Roman" panose="02020603050405020304" pitchFamily="18" charset="0"/>
               </a:rPr>
-              <a:t>’).</a:t>
+              <a:t>').</a:t>
             </a:r>
             <a:r>
               <a:rPr lang="pt-BR" sz="2400" b="1" dirty="0" err="1">
@@ -7840,7 +7840,7 @@
                 <a:latin typeface="Times New Roman" panose="02020603050405020304" pitchFamily="18" charset="0"/>
                 <a:cs typeface="Times New Roman" panose="02020603050405020304" pitchFamily="18" charset="0"/>
               </a:rPr>
-              <a:t>(‘</a:t>
+              <a:t>('</a:t>
             </a:r>
             <a:r>
               <a:rPr lang="pt-BR" sz="2400" dirty="0" err="1">
@@ -7860,7 +7860,7 @@
                 <a:latin typeface="Times New Roman" panose="02020603050405020304" pitchFamily="18" charset="0"/>
                 <a:cs typeface="Times New Roman" panose="02020603050405020304" pitchFamily="18" charset="0"/>
               </a:rPr>
-              <a:t>’); // </a:t>
+              <a:t>'); // </a:t>
             </a:r>
             <a:r>
               <a:rPr lang="pt-BR" sz="2400" b="1" dirty="0" err="1">
@@ -8193,7 +8193,7 @@
                 <a:latin typeface="Times New Roman" panose="02020603050405020304" pitchFamily="18" charset="0"/>
                 <a:cs typeface="Times New Roman" panose="02020603050405020304" pitchFamily="18" charset="0"/>
               </a:rPr>
-              <a:t>          $(“.</a:t>
+              <a:t>          $(".</a:t>
             </a:r>
             <a:r>
               <a:rPr lang="pt-BR" sz="2400" dirty="0" err="1">
@@ -8328,7 +8328,7 @@
                 <a:latin typeface="Times New Roman" panose="02020603050405020304" pitchFamily="18" charset="0"/>
                 <a:cs typeface="Times New Roman" panose="02020603050405020304" pitchFamily="18" charset="0"/>
               </a:rPr>
-              <a:t>: ‘250px’});</a:t>
+              <a:t>: '250px'});</a:t>
             </a:r>
             <a:endParaRPr lang="pt-BR" sz="2400" b="1" dirty="0">
               <a:solidFill>
@@ -8822,7 +8822,7 @@
                 <a:latin typeface="Times New Roman" panose="02020603050405020304" pitchFamily="18" charset="0"/>
                 <a:cs typeface="Times New Roman" panose="02020603050405020304" pitchFamily="18" charset="0"/>
               </a:rPr>
-              <a:t>(‘texto alterado’); </a:t>
+              <a:t>('texto alterado'); </a:t>
             </a:r>
           </a:p>
           <a:p>
@@ -16532,7 +16532,7 @@
               <a:buNone/>
             </a:pPr>
             <a:r>
-              <a:rPr lang="pt-BR" sz="2400" dirty="0">
+              <a:rPr lang="pt-BR" sz="2000" dirty="0">
                 <a:solidFill>
                   <a:schemeClr val="tx1"/>
                 </a:solidFill>
@@ -16542,7 +16542,7 @@
               <a:t>É uma </a:t>
             </a:r>
             <a:r>
-              <a:rPr lang="pt-BR" sz="2400" b="1" dirty="0">
+              <a:rPr lang="pt-BR" sz="2000" b="1" dirty="0">
                 <a:solidFill>
                   <a:schemeClr val="tx1"/>
                 </a:solidFill>
@@ -16552,7 +16552,7 @@
               <a:t>biblioteca JS </a:t>
             </a:r>
             <a:r>
-              <a:rPr lang="pt-BR" sz="2400" dirty="0">
+              <a:rPr lang="pt-BR" sz="2000" dirty="0">
                 <a:solidFill>
                   <a:schemeClr val="tx1"/>
                 </a:solidFill>
@@ -16566,7 +16566,7 @@
             <a:pPr marL="0" indent="0" algn="just">
               <a:buNone/>
             </a:pPr>
-            <a:endParaRPr lang="pt-BR" sz="2400" dirty="0">
+            <a:endParaRPr lang="pt-BR" sz="2000" dirty="0">
               <a:solidFill>
                 <a:schemeClr val="tx1"/>
               </a:solidFill>
@@ -16579,7 +16579,7 @@
               <a:buNone/>
             </a:pPr>
             <a:r>
-              <a:rPr lang="pt-BR" sz="2400" b="1" dirty="0">
+              <a:rPr lang="pt-BR" sz="2000" b="1" dirty="0">
                 <a:solidFill>
                   <a:schemeClr val="tx1"/>
                 </a:solidFill>
@@ -16589,21 +16589,141 @@
               <a:t>Simplifica</a:t>
             </a:r>
             <a:r>
-              <a:rPr lang="pt-BR" sz="2400" dirty="0">
-                <a:solidFill>
-                  <a:schemeClr val="tx1"/>
-                </a:solidFill>
-                <a:latin typeface="Times New Roman" panose="02020603050405020304" pitchFamily="18" charset="0"/>
-                <a:cs typeface="Times New Roman" panose="02020603050405020304" pitchFamily="18" charset="0"/>
-              </a:rPr>
-              <a:t>: Requisições AJAX; manipulação CSS, animações, gráficos, efeito carrossel , banners, etc.</a:t>
-            </a:r>
-          </a:p>
-          <a:p>
-            <a:pPr marL="0" indent="0" algn="just">
-              <a:buNone/>
-            </a:pPr>
-            <a:endParaRPr lang="pt-BR" sz="2400" dirty="0">
+              <a:rPr lang="pt-BR" sz="2000" dirty="0">
+                <a:solidFill>
+                  <a:schemeClr val="tx1"/>
+                </a:solidFill>
+                <a:latin typeface="Times New Roman" panose="02020603050405020304" pitchFamily="18" charset="0"/>
+                <a:cs typeface="Times New Roman" panose="02020603050405020304" pitchFamily="18" charset="0"/>
+              </a:rPr>
+              <a:t>: Requisições </a:t>
+            </a:r>
+            <a:r>
+              <a:rPr lang="pt-BR" sz="2000" b="1" dirty="0">
+                <a:solidFill>
+                  <a:schemeClr val="tx1"/>
+                </a:solidFill>
+                <a:latin typeface="Times New Roman" panose="02020603050405020304" pitchFamily="18" charset="0"/>
+                <a:cs typeface="Times New Roman" panose="02020603050405020304" pitchFamily="18" charset="0"/>
+              </a:rPr>
+              <a:t>AJAX</a:t>
+            </a:r>
+            <a:r>
+              <a:rPr lang="pt-BR" sz="2000" dirty="0">
+                <a:solidFill>
+                  <a:schemeClr val="tx1"/>
+                </a:solidFill>
+                <a:latin typeface="Times New Roman" panose="02020603050405020304" pitchFamily="18" charset="0"/>
+                <a:cs typeface="Times New Roman" panose="02020603050405020304" pitchFamily="18" charset="0"/>
+              </a:rPr>
+              <a:t>; manipulação CSS, animações, gráficos, efeito carrossel , banners, etc. </a:t>
+            </a:r>
+            <a:r>
+              <a:rPr lang="pt-BR" sz="2000" b="1" dirty="0">
+                <a:solidFill>
+                  <a:schemeClr val="tx1"/>
+                </a:solidFill>
+                <a:latin typeface="Times New Roman" panose="02020603050405020304" pitchFamily="18" charset="0"/>
+                <a:cs typeface="Times New Roman" panose="02020603050405020304" pitchFamily="18" charset="0"/>
+              </a:rPr>
+              <a:t>AJAX</a:t>
+            </a:r>
+            <a:r>
+              <a:rPr lang="pt-BR" sz="2000" dirty="0">
+                <a:solidFill>
+                  <a:schemeClr val="tx1"/>
+                </a:solidFill>
+                <a:latin typeface="Times New Roman" panose="02020603050405020304" pitchFamily="18" charset="0"/>
+                <a:cs typeface="Times New Roman" panose="02020603050405020304" pitchFamily="18" charset="0"/>
+              </a:rPr>
+              <a:t> (</a:t>
+            </a:r>
+            <a:r>
+              <a:rPr lang="pt-BR" sz="2000" dirty="0" err="1">
+                <a:solidFill>
+                  <a:schemeClr val="tx1"/>
+                </a:solidFill>
+                <a:latin typeface="Times New Roman" panose="02020603050405020304" pitchFamily="18" charset="0"/>
+                <a:cs typeface="Times New Roman" panose="02020603050405020304" pitchFamily="18" charset="0"/>
+              </a:rPr>
+              <a:t>Asynchronous</a:t>
+            </a:r>
+            <a:r>
+              <a:rPr lang="pt-BR" sz="2000" dirty="0">
+                <a:solidFill>
+                  <a:schemeClr val="tx1"/>
+                </a:solidFill>
+                <a:latin typeface="Times New Roman" panose="02020603050405020304" pitchFamily="18" charset="0"/>
+                <a:cs typeface="Times New Roman" panose="02020603050405020304" pitchFamily="18" charset="0"/>
+              </a:rPr>
+              <a:t> Javascript </a:t>
+            </a:r>
+            <a:r>
+              <a:rPr lang="pt-BR" sz="2000" dirty="0" err="1">
+                <a:solidFill>
+                  <a:schemeClr val="tx1"/>
+                </a:solidFill>
+                <a:latin typeface="Times New Roman" panose="02020603050405020304" pitchFamily="18" charset="0"/>
+                <a:cs typeface="Times New Roman" panose="02020603050405020304" pitchFamily="18" charset="0"/>
+              </a:rPr>
+              <a:t>and</a:t>
+            </a:r>
+            <a:r>
+              <a:rPr lang="pt-BR" sz="2000" dirty="0">
+                <a:solidFill>
+                  <a:schemeClr val="tx1"/>
+                </a:solidFill>
+                <a:latin typeface="Times New Roman" panose="02020603050405020304" pitchFamily="18" charset="0"/>
+                <a:cs typeface="Times New Roman" panose="02020603050405020304" pitchFamily="18" charset="0"/>
+              </a:rPr>
+              <a:t> XML) é uma técnica </a:t>
+            </a:r>
+            <a:r>
+              <a:rPr lang="pt-BR" sz="2000" dirty="0" err="1">
+                <a:solidFill>
+                  <a:schemeClr val="tx1"/>
+                </a:solidFill>
+                <a:latin typeface="Times New Roman" panose="02020603050405020304" pitchFamily="18" charset="0"/>
+                <a:cs typeface="Times New Roman" panose="02020603050405020304" pitchFamily="18" charset="0"/>
+              </a:rPr>
+              <a:t>javascript</a:t>
+            </a:r>
+            <a:r>
+              <a:rPr lang="pt-BR" sz="2000" dirty="0">
+                <a:solidFill>
+                  <a:schemeClr val="tx1"/>
+                </a:solidFill>
+                <a:latin typeface="Times New Roman" panose="02020603050405020304" pitchFamily="18" charset="0"/>
+                <a:cs typeface="Times New Roman" panose="02020603050405020304" pitchFamily="18" charset="0"/>
+              </a:rPr>
+              <a:t> que utiliza o método </a:t>
+            </a:r>
+            <a:r>
+              <a:rPr lang="pt-BR" sz="2000" b="1" dirty="0" err="1">
+                <a:solidFill>
+                  <a:srgbClr val="FF0000"/>
+                </a:solidFill>
+                <a:latin typeface="Times New Roman" panose="02020603050405020304" pitchFamily="18" charset="0"/>
+                <a:cs typeface="Times New Roman" panose="02020603050405020304" pitchFamily="18" charset="0"/>
+              </a:rPr>
+              <a:t>XMLHttpRequest</a:t>
+            </a:r>
+            <a:r>
+              <a:rPr lang="pt-BR" sz="2000" dirty="0">
+                <a:solidFill>
+                  <a:schemeClr val="tx1"/>
+                </a:solidFill>
+                <a:latin typeface="Times New Roman" panose="02020603050405020304" pitchFamily="18" charset="0"/>
+                <a:cs typeface="Times New Roman" panose="02020603050405020304" pitchFamily="18" charset="0"/>
+              </a:rPr>
+              <a:t> para fazer requisições assíncronas.</a:t>
+            </a:r>
+          </a:p>
+          <a:p>
+            <a:pPr marL="0" indent="0" algn="just">
+              <a:buNone/>
+            </a:pPr>
+            <a:endParaRPr lang="pt-BR" sz="2000" b="1" dirty="0">
               <a:solidFill>
                 <a:schemeClr val="tx1"/>
               </a:solidFill>
@@ -16616,7 +16736,7 @@
               <a:buNone/>
             </a:pPr>
             <a:r>
-              <a:rPr lang="pt-BR" sz="2400" b="1" dirty="0">
+              <a:rPr lang="pt-BR" sz="2000" b="1" dirty="0">
                 <a:solidFill>
                   <a:schemeClr val="tx1"/>
                 </a:solidFill>
@@ -16626,7 +16746,7 @@
               <a:t>URL</a:t>
             </a:r>
             <a:r>
-              <a:rPr lang="pt-BR" sz="2400" dirty="0">
+              <a:rPr lang="pt-BR" sz="2000" dirty="0">
                 <a:solidFill>
                   <a:schemeClr val="tx1"/>
                 </a:solidFill>
@@ -16641,7 +16761,7 @@
               <a:buNone/>
             </a:pPr>
             <a:r>
-              <a:rPr lang="pt-BR" sz="2400" dirty="0">
+              <a:rPr lang="pt-BR" sz="2000" dirty="0">
                 <a:solidFill>
                   <a:schemeClr val="tx1"/>
                 </a:solidFill>
@@ -16651,7 +16771,7 @@
               <a:t>Baixar a versão </a:t>
             </a:r>
             <a:r>
-              <a:rPr lang="pt-BR" sz="2400" b="1" dirty="0" err="1">
+              <a:rPr lang="pt-BR" sz="2000" b="1" dirty="0" err="1">
                 <a:solidFill>
                   <a:srgbClr val="FF0000"/>
                 </a:solidFill>
@@ -16661,7 +16781,7 @@
               <a:t>uncompressed</a:t>
             </a:r>
             <a:r>
-              <a:rPr lang="pt-BR" sz="2400" dirty="0">
+              <a:rPr lang="pt-BR" sz="2000" dirty="0">
                 <a:solidFill>
                   <a:schemeClr val="tx1"/>
                 </a:solidFill>
@@ -16671,7 +16791,7 @@
               <a:t> (</a:t>
             </a:r>
             <a:r>
-              <a:rPr lang="pt-BR" sz="2400" b="1" dirty="0">
+              <a:rPr lang="pt-BR" sz="2000" b="1" dirty="0">
                 <a:solidFill>
                   <a:schemeClr val="tx1"/>
                 </a:solidFill>
@@ -16682,7 +16802,7 @@
               <a:t>https://jquery.com/download/</a:t>
             </a:r>
             <a:r>
-              <a:rPr lang="pt-BR" sz="2400" dirty="0">
+              <a:rPr lang="pt-BR" sz="2000" dirty="0">
                 <a:solidFill>
                   <a:schemeClr val="tx1"/>
                 </a:solidFill>
@@ -16696,7 +16816,7 @@
             <a:pPr marL="0" indent="0" algn="just">
               <a:buNone/>
             </a:pPr>
-            <a:endParaRPr lang="pt-BR" sz="2400" dirty="0">
+            <a:endParaRPr lang="pt-BR" sz="2000" dirty="0">
               <a:solidFill>
                 <a:schemeClr val="tx1"/>
               </a:solidFill>
@@ -16709,7 +16829,7 @@
               <a:buNone/>
             </a:pPr>
             <a:r>
-              <a:rPr lang="pt-BR" sz="2400" dirty="0">
+              <a:rPr lang="pt-BR" sz="2000" dirty="0">
                 <a:solidFill>
                   <a:schemeClr val="tx1"/>
                 </a:solidFill>
@@ -16719,7 +16839,7 @@
               <a:t>Salvar o arquivo </a:t>
             </a:r>
             <a:r>
-              <a:rPr lang="pt-BR" sz="2400" b="1" dirty="0">
+              <a:rPr lang="pt-BR" sz="2000" b="1" dirty="0">
                 <a:solidFill>
                   <a:schemeClr val="tx1"/>
                 </a:solidFill>
@@ -16729,7 +16849,7 @@
               <a:t>JQuery.js </a:t>
             </a:r>
             <a:r>
-              <a:rPr lang="pt-BR" sz="2400" dirty="0">
+              <a:rPr lang="pt-BR" sz="2000" dirty="0">
                 <a:solidFill>
                   <a:schemeClr val="tx1"/>
                 </a:solidFill>
@@ -16743,7 +16863,7 @@
             <a:pPr marL="0" indent="0" algn="just">
               <a:buNone/>
             </a:pPr>
-            <a:endParaRPr lang="pt-BR" sz="2400" dirty="0">
+            <a:endParaRPr lang="pt-BR" sz="2000" dirty="0">
               <a:solidFill>
                 <a:schemeClr val="tx1"/>
               </a:solidFill>
@@ -16755,7 +16875,7 @@
             <a:pPr marL="0" indent="0" algn="just">
               <a:buNone/>
             </a:pPr>
-            <a:endParaRPr lang="pt-BR" sz="2400" dirty="0">
+            <a:endParaRPr lang="pt-BR" sz="2000" dirty="0">
               <a:solidFill>
                 <a:schemeClr val="tx1"/>
               </a:solidFill>
@@ -21577,7 +21697,7 @@
                 <a:latin typeface="Times New Roman" panose="02020603050405020304" pitchFamily="18" charset="0"/>
                 <a:cs typeface="Times New Roman" panose="02020603050405020304" pitchFamily="18" charset="0"/>
               </a:rPr>
-              <a:t> = 'oi’;</a:t>
+              <a:t> = 'oi';</a:t>
             </a:r>
           </a:p>
           <a:p>
@@ -21795,7 +21915,7 @@
                 <a:latin typeface="Times New Roman" panose="02020603050405020304" pitchFamily="18" charset="0"/>
                 <a:cs typeface="Times New Roman" panose="02020603050405020304" pitchFamily="18" charset="0"/>
               </a:rPr>
-              <a:t>(“</a:t>
+              <a:t>("</a:t>
             </a:r>
             <a:r>
               <a:rPr lang="pt-BR" sz="2400" dirty="0" err="1">
@@ -22576,7 +22696,7 @@
                 <a:latin typeface="Times New Roman" panose="02020603050405020304" pitchFamily="18" charset="0"/>
                 <a:cs typeface="Times New Roman" panose="02020603050405020304" pitchFamily="18" charset="0"/>
               </a:rPr>
-              <a:t>(“nome da classe”);</a:t>
+              <a:t>("nome da classe");</a:t>
             </a:r>
           </a:p>
           <a:p>
@@ -23062,7 +23182,7 @@
                 <a:latin typeface="Times New Roman" panose="02020603050405020304" pitchFamily="18" charset="0"/>
                 <a:cs typeface="Times New Roman" panose="02020603050405020304" pitchFamily="18" charset="0"/>
               </a:rPr>
-              <a:t>(‘Alterado todos os parágrafos’);</a:t>
+              <a:t>('Alterado todos os parágrafos');</a:t>
             </a:r>
           </a:p>
           <a:p>
@@ -23231,7 +23351,7 @@
                 <a:latin typeface="Times New Roman" panose="02020603050405020304" pitchFamily="18" charset="0"/>
                 <a:cs typeface="Times New Roman" panose="02020603050405020304" pitchFamily="18" charset="0"/>
               </a:rPr>
-              <a:t>		$(“</a:t>
+              <a:t>		$("</a:t>
             </a:r>
             <a:r>
               <a:rPr lang="pt-BR" sz="2400" b="1" dirty="0">
@@ -23271,7 +23391,7 @@
                 <a:latin typeface="Times New Roman" panose="02020603050405020304" pitchFamily="18" charset="0"/>
                 <a:cs typeface="Times New Roman" panose="02020603050405020304" pitchFamily="18" charset="0"/>
               </a:rPr>
-              <a:t>(‘Alterado um parágrafo específico’);</a:t>
+              <a:t>('Alterado um parágrafo específico');</a:t>
             </a:r>
           </a:p>
           <a:p>
@@ -23548,7 +23668,7 @@
                 <a:latin typeface="Times New Roman" panose="02020603050405020304" pitchFamily="18" charset="0"/>
                 <a:cs typeface="Times New Roman" panose="02020603050405020304" pitchFamily="18" charset="0"/>
               </a:rPr>
-              <a:t>		$(“</a:t>
+              <a:t>		$("</a:t>
             </a:r>
             <a:r>
               <a:rPr lang="pt-BR" sz="2400" b="1" dirty="0">
@@ -23598,7 +23718,7 @@
                 <a:latin typeface="Times New Roman" panose="02020603050405020304" pitchFamily="18" charset="0"/>
                 <a:cs typeface="Times New Roman" panose="02020603050405020304" pitchFamily="18" charset="0"/>
               </a:rPr>
-              <a:t>(‘Alterado todos os parágrafos pela classe’);</a:t>
+              <a:t>('Alterado todos os parágrafos pela classe');</a:t>
             </a:r>
           </a:p>
           <a:p>
@@ -23767,7 +23887,7 @@
                 <a:latin typeface="Times New Roman" panose="02020603050405020304" pitchFamily="18" charset="0"/>
                 <a:cs typeface="Times New Roman" panose="02020603050405020304" pitchFamily="18" charset="0"/>
               </a:rPr>
-              <a:t>		$(“</a:t>
+              <a:t>		$("</a:t>
             </a:r>
             <a:r>
               <a:rPr lang="pt-BR" sz="2400" b="1" dirty="0" err="1">
@@ -23817,7 +23937,7 @@
                 <a:latin typeface="Times New Roman" panose="02020603050405020304" pitchFamily="18" charset="0"/>
                 <a:cs typeface="Times New Roman" panose="02020603050405020304" pitchFamily="18" charset="0"/>
               </a:rPr>
-              <a:t>(‘Alterado os parágrafos pela classe’);</a:t>
+              <a:t>('Alterado os parágrafos pela classe');</a:t>
             </a:r>
           </a:p>
           <a:p>
@@ -24094,7 +24214,7 @@
                 <a:latin typeface="Times New Roman" panose="02020603050405020304" pitchFamily="18" charset="0"/>
                 <a:cs typeface="Times New Roman" panose="02020603050405020304" pitchFamily="18" charset="0"/>
               </a:rPr>
-              <a:t>		$(“</a:t>
+              <a:t>		$("</a:t>
             </a:r>
             <a:r>
               <a:rPr lang="pt-BR" sz="2400" b="1" dirty="0">
@@ -24144,7 +24264,7 @@
                 <a:latin typeface="Times New Roman" panose="02020603050405020304" pitchFamily="18" charset="0"/>
                 <a:cs typeface="Times New Roman" panose="02020603050405020304" pitchFamily="18" charset="0"/>
               </a:rPr>
-              <a:t>(‘Alterado todos os parágrafos pela classe’);</a:t>
+              <a:t>('Alterado todos os parágrafos pela classe');</a:t>
             </a:r>
           </a:p>
           <a:p>
